--- a/Images/fig1a.pptx
+++ b/Images/fig1a.pptx
@@ -197,7 +197,7 @@
           <a:p>
             <a:fld id="{D34CEA9E-E5A5-49C8-A578-AF124664FEC0}" type="datetimeFigureOut">
               <a:rPr lang="en-US" smtClean="0"/>
-              <a:t>7/22/2021</a:t>
+              <a:t>8/11/2021</a:t>
             </a:fld>
             <a:endParaRPr lang="en-US"/>
           </a:p>
@@ -754,7 +754,7 @@
           <a:p>
             <a:fld id="{BA05AF01-4F0E-4718-A4C1-DFCBB47EE5F2}" type="datetimeFigureOut">
               <a:rPr lang="en-US" smtClean="0"/>
-              <a:t>7/22/2021</a:t>
+              <a:t>8/11/2021</a:t>
             </a:fld>
             <a:endParaRPr lang="en-US"/>
           </a:p>
@@ -924,7 +924,7 @@
           <a:p>
             <a:fld id="{BA05AF01-4F0E-4718-A4C1-DFCBB47EE5F2}" type="datetimeFigureOut">
               <a:rPr lang="en-US" smtClean="0"/>
-              <a:t>7/22/2021</a:t>
+              <a:t>8/11/2021</a:t>
             </a:fld>
             <a:endParaRPr lang="en-US"/>
           </a:p>
@@ -1104,7 +1104,7 @@
           <a:p>
             <a:fld id="{BA05AF01-4F0E-4718-A4C1-DFCBB47EE5F2}" type="datetimeFigureOut">
               <a:rPr lang="en-US" smtClean="0"/>
-              <a:t>7/22/2021</a:t>
+              <a:t>8/11/2021</a:t>
             </a:fld>
             <a:endParaRPr lang="en-US"/>
           </a:p>
@@ -1274,7 +1274,7 @@
           <a:p>
             <a:fld id="{BA05AF01-4F0E-4718-A4C1-DFCBB47EE5F2}" type="datetimeFigureOut">
               <a:rPr lang="en-US" smtClean="0"/>
-              <a:t>7/22/2021</a:t>
+              <a:t>8/11/2021</a:t>
             </a:fld>
             <a:endParaRPr lang="en-US"/>
           </a:p>
@@ -1518,7 +1518,7 @@
           <a:p>
             <a:fld id="{BA05AF01-4F0E-4718-A4C1-DFCBB47EE5F2}" type="datetimeFigureOut">
               <a:rPr lang="en-US" smtClean="0"/>
-              <a:t>7/22/2021</a:t>
+              <a:t>8/11/2021</a:t>
             </a:fld>
             <a:endParaRPr lang="en-US"/>
           </a:p>
@@ -1750,7 +1750,7 @@
           <a:p>
             <a:fld id="{BA05AF01-4F0E-4718-A4C1-DFCBB47EE5F2}" type="datetimeFigureOut">
               <a:rPr lang="en-US" smtClean="0"/>
-              <a:t>7/22/2021</a:t>
+              <a:t>8/11/2021</a:t>
             </a:fld>
             <a:endParaRPr lang="en-US"/>
           </a:p>
@@ -2117,7 +2117,7 @@
           <a:p>
             <a:fld id="{BA05AF01-4F0E-4718-A4C1-DFCBB47EE5F2}" type="datetimeFigureOut">
               <a:rPr lang="en-US" smtClean="0"/>
-              <a:t>7/22/2021</a:t>
+              <a:t>8/11/2021</a:t>
             </a:fld>
             <a:endParaRPr lang="en-US"/>
           </a:p>
@@ -2235,7 +2235,7 @@
           <a:p>
             <a:fld id="{BA05AF01-4F0E-4718-A4C1-DFCBB47EE5F2}" type="datetimeFigureOut">
               <a:rPr lang="en-US" smtClean="0"/>
-              <a:t>7/22/2021</a:t>
+              <a:t>8/11/2021</a:t>
             </a:fld>
             <a:endParaRPr lang="en-US"/>
           </a:p>
@@ -2330,7 +2330,7 @@
           <a:p>
             <a:fld id="{BA05AF01-4F0E-4718-A4C1-DFCBB47EE5F2}" type="datetimeFigureOut">
               <a:rPr lang="en-US" smtClean="0"/>
-              <a:t>7/22/2021</a:t>
+              <a:t>8/11/2021</a:t>
             </a:fld>
             <a:endParaRPr lang="en-US"/>
           </a:p>
@@ -2607,7 +2607,7 @@
           <a:p>
             <a:fld id="{BA05AF01-4F0E-4718-A4C1-DFCBB47EE5F2}" type="datetimeFigureOut">
               <a:rPr lang="en-US" smtClean="0"/>
-              <a:t>7/22/2021</a:t>
+              <a:t>8/11/2021</a:t>
             </a:fld>
             <a:endParaRPr lang="en-US"/>
           </a:p>
@@ -2864,7 +2864,7 @@
           <a:p>
             <a:fld id="{BA05AF01-4F0E-4718-A4C1-DFCBB47EE5F2}" type="datetimeFigureOut">
               <a:rPr lang="en-US" smtClean="0"/>
-              <a:t>7/22/2021</a:t>
+              <a:t>8/11/2021</a:t>
             </a:fld>
             <a:endParaRPr lang="en-US"/>
           </a:p>
@@ -3077,7 +3077,7 @@
           <a:p>
             <a:fld id="{BA05AF01-4F0E-4718-A4C1-DFCBB47EE5F2}" type="datetimeFigureOut">
               <a:rPr lang="en-US" smtClean="0"/>
-              <a:t>7/22/2021</a:t>
+              <a:t>8/11/2021</a:t>
             </a:fld>
             <a:endParaRPr lang="en-US"/>
           </a:p>
@@ -3482,1191 +3482,876 @@
           <a:chExt cx="0" cy="0"/>
         </a:xfrm>
       </p:grpSpPr>
-      <p:grpSp>
-        <p:nvGrpSpPr>
-          <p:cNvPr id="7" name="Group 6">
+      <p:pic>
+        <p:nvPicPr>
+          <p:cNvPr id="22" name="Picture 21" descr="Chart&#10;&#10;Description automatically generated">
             <a:extLst>
               <a:ext uri="{FF2B5EF4-FFF2-40B4-BE49-F238E27FC236}">
-                <a16:creationId xmlns:a16="http://schemas.microsoft.com/office/drawing/2014/main" id="{568CE7EF-A7D0-4841-9995-58FC1E9EA978}"/>
+                <a16:creationId xmlns:a16="http://schemas.microsoft.com/office/drawing/2014/main" id="{EFDECD89-B217-4717-9A56-03A290482B28}"/>
               </a:ext>
             </a:extLst>
           </p:cNvPr>
-          <p:cNvGrpSpPr/>
+          <p:cNvPicPr>
+            <a:picLocks noChangeAspect="1"/>
+          </p:cNvPicPr>
           <p:nvPr/>
-        </p:nvGrpSpPr>
-        <p:grpSpPr>
+        </p:nvPicPr>
+        <p:blipFill>
+          <a:blip r:embed="rId3">
+            <a:extLst>
+              <a:ext uri="{28A0092B-C50C-407E-A947-70E740481C1C}">
+                <a14:useLocalDpi xmlns:a14="http://schemas.microsoft.com/office/drawing/2010/main" val="0"/>
+              </a:ext>
+            </a:extLst>
+          </a:blip>
+          <a:stretch>
+            <a:fillRect/>
+          </a:stretch>
+        </p:blipFill>
+        <p:spPr>
           <a:xfrm>
-            <a:off x="754839" y="5965549"/>
-            <a:ext cx="25074671" cy="12959009"/>
-            <a:chOff x="1942114" y="3561388"/>
-            <a:chExt cx="21492576" cy="9983125"/>
-          </a:xfrm>
-        </p:grpSpPr>
-        <p:pic>
-          <p:nvPicPr>
-            <p:cNvPr id="22" name="Picture 21" descr="Chart&#10;&#10;Description automatically generated">
-              <a:extLst>
-                <a:ext uri="{FF2B5EF4-FFF2-40B4-BE49-F238E27FC236}">
-                  <a16:creationId xmlns:a16="http://schemas.microsoft.com/office/drawing/2014/main" id="{EFDECD89-B217-4717-9A56-03A290482B28}"/>
-                </a:ext>
-              </a:extLst>
-            </p:cNvPr>
-            <p:cNvPicPr>
-              <a:picLocks noChangeAspect="1"/>
-            </p:cNvPicPr>
-            <p:nvPr/>
-          </p:nvPicPr>
-          <p:blipFill>
-            <a:blip r:embed="rId3">
-              <a:extLst>
-                <a:ext uri="{28A0092B-C50C-407E-A947-70E740481C1C}">
-                  <a14:useLocalDpi xmlns:a14="http://schemas.microsoft.com/office/drawing/2010/main" val="0"/>
-                </a:ext>
-              </a:extLst>
-            </a:blip>
-            <a:stretch>
-              <a:fillRect/>
-            </a:stretch>
-          </p:blipFill>
-          <p:spPr>
-            <a:xfrm>
-              <a:off x="2032395" y="3561388"/>
-              <a:ext cx="20533379" cy="9891046"/>
-            </a:xfrm>
-            <a:prstGeom prst="rect">
-              <a:avLst/>
-            </a:prstGeom>
-          </p:spPr>
-        </p:pic>
-        <p:sp>
-          <p:nvSpPr>
-            <p:cNvPr id="102" name="TextBox 101">
-              <a:extLst>
-                <a:ext uri="{FF2B5EF4-FFF2-40B4-BE49-F238E27FC236}">
-                  <a16:creationId xmlns:a16="http://schemas.microsoft.com/office/drawing/2014/main" id="{2338836F-ACC3-4C3A-B767-FAD0B6E9E2B2}"/>
-                </a:ext>
-              </a:extLst>
-            </p:cNvPr>
-            <p:cNvSpPr txBox="1"/>
-            <p:nvPr/>
-          </p:nvSpPr>
-          <p:spPr>
-            <a:xfrm>
-              <a:off x="15608571" y="5458445"/>
-              <a:ext cx="3649887" cy="497909"/>
-            </a:xfrm>
-            <a:prstGeom prst="rect">
-              <a:avLst/>
-            </a:prstGeom>
-            <a:noFill/>
-          </p:spPr>
-          <p:txBody>
-            <a:bodyPr wrap="square" rtlCol="0">
-              <a:spAutoFit/>
-            </a:bodyPr>
-            <a:lstStyle/>
-            <a:p>
-              <a:pPr algn="l"/>
-              <a:r>
-                <a:rPr lang="en-US" sz="3600" dirty="0">
-                  <a:latin typeface="Times New Roman" panose="02020603050405020304" pitchFamily="18" charset="0"/>
-                  <a:cs typeface="Times New Roman" panose="02020603050405020304" pitchFamily="18" charset="0"/>
-                </a:rPr>
-                <a:t>IQNP</a:t>
-              </a:r>
-            </a:p>
-          </p:txBody>
-        </p:sp>
-        <p:sp>
-          <p:nvSpPr>
-            <p:cNvPr id="104" name="TextBox 103">
-              <a:extLst>
-                <a:ext uri="{FF2B5EF4-FFF2-40B4-BE49-F238E27FC236}">
-                  <a16:creationId xmlns:a16="http://schemas.microsoft.com/office/drawing/2014/main" id="{D637EF23-B3D3-44B0-A638-A254B71F1582}"/>
-                </a:ext>
-              </a:extLst>
-            </p:cNvPr>
-            <p:cNvSpPr txBox="1"/>
-            <p:nvPr/>
-          </p:nvSpPr>
-          <p:spPr>
-            <a:xfrm>
-              <a:off x="14468817" y="10636898"/>
-              <a:ext cx="4240164" cy="1149042"/>
-            </a:xfrm>
-            <a:prstGeom prst="rect">
-              <a:avLst/>
-            </a:prstGeom>
-            <a:noFill/>
-          </p:spPr>
-          <p:txBody>
-            <a:bodyPr wrap="square" rtlCol="0">
-              <a:spAutoFit/>
-            </a:bodyPr>
-            <a:lstStyle/>
-            <a:p>
-              <a:r>
-                <a:rPr lang="en-US" sz="3031" dirty="0">
-                  <a:latin typeface="Times New Roman" panose="02020603050405020304" pitchFamily="18" charset="0"/>
-                  <a:cs typeface="Times New Roman" panose="02020603050405020304" pitchFamily="18" charset="0"/>
-                </a:rPr>
-                <a:t>Binding annotations = 4</a:t>
-              </a:r>
-            </a:p>
-            <a:p>
-              <a:r>
-                <a:rPr lang="en-US" sz="3031" dirty="0">
-                  <a:latin typeface="Times New Roman" panose="02020603050405020304" pitchFamily="18" charset="0"/>
-                  <a:cs typeface="Times New Roman" panose="02020603050405020304" pitchFamily="18" charset="0"/>
-                </a:rPr>
-                <a:t>Nonbinding annotations = 1</a:t>
-              </a:r>
-            </a:p>
-            <a:p>
-              <a:r>
-                <a:rPr lang="en-US" sz="3031" dirty="0">
-                  <a:latin typeface="Times New Roman" panose="02020603050405020304" pitchFamily="18" charset="0"/>
-                  <a:cs typeface="Times New Roman" panose="02020603050405020304" pitchFamily="18" charset="0"/>
-                </a:rPr>
-                <a:t>Degree Ratio = 0.8</a:t>
-              </a:r>
-            </a:p>
-          </p:txBody>
-        </p:sp>
-        <p:sp>
-          <p:nvSpPr>
-            <p:cNvPr id="105" name="TextBox 104">
-              <a:extLst>
-                <a:ext uri="{FF2B5EF4-FFF2-40B4-BE49-F238E27FC236}">
-                  <a16:creationId xmlns:a16="http://schemas.microsoft.com/office/drawing/2014/main" id="{BE22D665-F057-472F-98FC-E046ABF4B78B}"/>
-                </a:ext>
-              </a:extLst>
-            </p:cNvPr>
-            <p:cNvSpPr txBox="1"/>
-            <p:nvPr/>
-          </p:nvSpPr>
-          <p:spPr>
-            <a:xfrm>
-              <a:off x="18517296" y="10636898"/>
-              <a:ext cx="4240164" cy="1149042"/>
-            </a:xfrm>
-            <a:prstGeom prst="rect">
-              <a:avLst/>
-            </a:prstGeom>
-            <a:noFill/>
-          </p:spPr>
-          <p:txBody>
-            <a:bodyPr wrap="square" rtlCol="0">
-              <a:spAutoFit/>
-            </a:bodyPr>
-            <a:lstStyle/>
-            <a:p>
-              <a:r>
-                <a:rPr lang="en-US" sz="3031" dirty="0">
-                  <a:latin typeface="Times New Roman" panose="02020603050405020304" pitchFamily="18" charset="0"/>
-                  <a:cs typeface="Times New Roman" panose="02020603050405020304" pitchFamily="18" charset="0"/>
-                </a:rPr>
-                <a:t>Binding annotations = 1</a:t>
-              </a:r>
-            </a:p>
-            <a:p>
-              <a:r>
-                <a:rPr lang="en-US" sz="3031" dirty="0">
-                  <a:latin typeface="Times New Roman" panose="02020603050405020304" pitchFamily="18" charset="0"/>
-                  <a:cs typeface="Times New Roman" panose="02020603050405020304" pitchFamily="18" charset="0"/>
-                </a:rPr>
-                <a:t>Nonbinding annotations = 0</a:t>
-              </a:r>
-            </a:p>
-            <a:p>
-              <a:r>
-                <a:rPr lang="en-US" sz="3031" dirty="0">
-                  <a:latin typeface="Times New Roman" panose="02020603050405020304" pitchFamily="18" charset="0"/>
-                  <a:cs typeface="Times New Roman" panose="02020603050405020304" pitchFamily="18" charset="0"/>
-                </a:rPr>
-                <a:t>Degree Ratio = 1.0</a:t>
-              </a:r>
-            </a:p>
-          </p:txBody>
-        </p:sp>
-        <p:sp>
-          <p:nvSpPr>
-            <p:cNvPr id="106" name="TextBox 105">
-              <a:extLst>
-                <a:ext uri="{FF2B5EF4-FFF2-40B4-BE49-F238E27FC236}">
-                  <a16:creationId xmlns:a16="http://schemas.microsoft.com/office/drawing/2014/main" id="{9C9B6CB6-8BA7-46B4-B98E-F66D404C0A55}"/>
-                </a:ext>
-              </a:extLst>
-            </p:cNvPr>
-            <p:cNvSpPr txBox="1"/>
-            <p:nvPr/>
-          </p:nvSpPr>
-          <p:spPr>
-            <a:xfrm>
-              <a:off x="19194526" y="5453863"/>
-              <a:ext cx="4240164" cy="497909"/>
-            </a:xfrm>
-            <a:prstGeom prst="rect">
-              <a:avLst/>
-            </a:prstGeom>
-            <a:noFill/>
-          </p:spPr>
-          <p:txBody>
-            <a:bodyPr wrap="square" rtlCol="0">
-              <a:spAutoFit/>
-            </a:bodyPr>
-            <a:lstStyle/>
-            <a:p>
-              <a:r>
-                <a:rPr lang="en-US" sz="3600" dirty="0">
-                  <a:latin typeface="Times New Roman" panose="02020603050405020304" pitchFamily="18" charset="0"/>
-                  <a:cs typeface="Times New Roman" panose="02020603050405020304" pitchFamily="18" charset="0"/>
-                </a:rPr>
-                <a:t>Himbacine</a:t>
-              </a:r>
-            </a:p>
-          </p:txBody>
-        </p:sp>
-        <p:sp>
-          <p:nvSpPr>
-            <p:cNvPr id="109" name="TextBox 108">
-              <a:extLst>
-                <a:ext uri="{FF2B5EF4-FFF2-40B4-BE49-F238E27FC236}">
-                  <a16:creationId xmlns:a16="http://schemas.microsoft.com/office/drawing/2014/main" id="{7C54E2A4-7A1E-42B9-849A-7312B0FEE231}"/>
-                </a:ext>
-              </a:extLst>
-            </p:cNvPr>
-            <p:cNvSpPr txBox="1"/>
-            <p:nvPr/>
-          </p:nvSpPr>
-          <p:spPr>
-            <a:xfrm>
-              <a:off x="10503683" y="10654121"/>
-              <a:ext cx="4240164" cy="1149042"/>
-            </a:xfrm>
-            <a:prstGeom prst="rect">
-              <a:avLst/>
-            </a:prstGeom>
-            <a:noFill/>
-          </p:spPr>
-          <p:txBody>
-            <a:bodyPr wrap="square" rtlCol="0">
-              <a:spAutoFit/>
-            </a:bodyPr>
-            <a:lstStyle/>
-            <a:p>
-              <a:r>
-                <a:rPr lang="en-US" sz="3031" dirty="0">
-                  <a:latin typeface="Times New Roman" panose="02020603050405020304" pitchFamily="18" charset="0"/>
-                  <a:cs typeface="Times New Roman" panose="02020603050405020304" pitchFamily="18" charset="0"/>
-                </a:rPr>
-                <a:t>Binding annotations = 2</a:t>
-              </a:r>
-            </a:p>
-            <a:p>
-              <a:r>
-                <a:rPr lang="en-US" sz="3031" dirty="0">
-                  <a:latin typeface="Times New Roman" panose="02020603050405020304" pitchFamily="18" charset="0"/>
-                  <a:cs typeface="Times New Roman" panose="02020603050405020304" pitchFamily="18" charset="0"/>
-                </a:rPr>
-                <a:t>Nonbinding annotations = 1</a:t>
-              </a:r>
-            </a:p>
-            <a:p>
-              <a:r>
-                <a:rPr lang="en-US" sz="3031" dirty="0">
-                  <a:latin typeface="Times New Roman" panose="02020603050405020304" pitchFamily="18" charset="0"/>
-                  <a:cs typeface="Times New Roman" panose="02020603050405020304" pitchFamily="18" charset="0"/>
-                </a:rPr>
-                <a:t>Degree Ratio = 0.67</a:t>
-              </a:r>
-            </a:p>
-          </p:txBody>
-        </p:sp>
-        <p:sp>
-          <p:nvSpPr>
-            <p:cNvPr id="110" name="TextBox 109">
-              <a:extLst>
-                <a:ext uri="{FF2B5EF4-FFF2-40B4-BE49-F238E27FC236}">
-                  <a16:creationId xmlns:a16="http://schemas.microsoft.com/office/drawing/2014/main" id="{A51074F8-31D5-461A-AC1A-2B86F129C3C3}"/>
-                </a:ext>
-              </a:extLst>
-            </p:cNvPr>
-            <p:cNvSpPr txBox="1"/>
-            <p:nvPr/>
-          </p:nvSpPr>
-          <p:spPr>
-            <a:xfrm>
-              <a:off x="11381644" y="5472412"/>
-              <a:ext cx="4240164" cy="497909"/>
-            </a:xfrm>
-            <a:prstGeom prst="rect">
-              <a:avLst/>
-            </a:prstGeom>
-            <a:noFill/>
-          </p:spPr>
-          <p:txBody>
-            <a:bodyPr wrap="square" rtlCol="0">
-              <a:spAutoFit/>
-            </a:bodyPr>
-            <a:lstStyle/>
-            <a:p>
-              <a:pPr algn="l"/>
-              <a:r>
-                <a:rPr lang="en-US" sz="3600" dirty="0">
-                  <a:latin typeface="Times New Roman" panose="02020603050405020304" pitchFamily="18" charset="0"/>
-                  <a:cs typeface="Times New Roman" panose="02020603050405020304" pitchFamily="18" charset="0"/>
-                </a:rPr>
-                <a:t>Phendioxan</a:t>
-              </a:r>
-              <a:r>
-                <a:rPr lang="en-US" sz="3200" b="0" i="0" dirty="0">
-                  <a:solidFill>
-                    <a:srgbClr val="D1D2D3"/>
-                  </a:solidFill>
-                  <a:effectLst/>
-                  <a:latin typeface="Times New Roman" panose="02020603050405020304" pitchFamily="18" charset="0"/>
-                  <a:cs typeface="Times New Roman" panose="02020603050405020304" pitchFamily="18" charset="0"/>
-                </a:rPr>
-                <a:t> </a:t>
-              </a:r>
-              <a:endParaRPr lang="en-US" sz="3031" dirty="0">
-                <a:latin typeface="Times New Roman" panose="02020603050405020304" pitchFamily="18" charset="0"/>
-                <a:cs typeface="Times New Roman" panose="02020603050405020304" pitchFamily="18" charset="0"/>
-              </a:endParaRPr>
-            </a:p>
-          </p:txBody>
-        </p:sp>
-        <p:pic>
-          <p:nvPicPr>
-            <p:cNvPr id="117" name="Picture 116" descr="Diagram&#10;&#10;Description automatically generated">
-              <a:extLst>
-                <a:ext uri="{FF2B5EF4-FFF2-40B4-BE49-F238E27FC236}">
-                  <a16:creationId xmlns:a16="http://schemas.microsoft.com/office/drawing/2014/main" id="{0B35708D-8B3E-4A8E-94D6-12C92E4AB8DB}"/>
-                </a:ext>
-              </a:extLst>
-            </p:cNvPr>
-            <p:cNvPicPr>
-              <a:picLocks noChangeAspect="1"/>
-            </p:cNvPicPr>
-            <p:nvPr/>
-          </p:nvPicPr>
-          <p:blipFill>
-            <a:blip r:embed="rId4">
-              <a:extLst>
-                <a:ext uri="{28A0092B-C50C-407E-A947-70E740481C1C}">
-                  <a14:useLocalDpi xmlns:a14="http://schemas.microsoft.com/office/drawing/2010/main" val="0"/>
-                </a:ext>
-              </a:extLst>
-            </a:blip>
-            <a:stretch>
-              <a:fillRect/>
-            </a:stretch>
-          </p:blipFill>
-          <p:spPr>
-            <a:xfrm>
-              <a:off x="18718324" y="6535726"/>
-              <a:ext cx="2789241" cy="3370819"/>
-            </a:xfrm>
-            <a:prstGeom prst="rect">
-              <a:avLst/>
-            </a:prstGeom>
-          </p:spPr>
-        </p:pic>
-        <p:pic>
-          <p:nvPicPr>
-            <p:cNvPr id="44" name="Picture 43" descr="A picture containing radar chart&#10;&#10;Description automatically generated">
-              <a:extLst>
-                <a:ext uri="{FF2B5EF4-FFF2-40B4-BE49-F238E27FC236}">
-                  <a16:creationId xmlns:a16="http://schemas.microsoft.com/office/drawing/2014/main" id="{8A6A8DA8-CA33-4976-A58B-1E48C0324BEE}"/>
-                </a:ext>
-              </a:extLst>
-            </p:cNvPr>
-            <p:cNvPicPr>
-              <a:picLocks noChangeAspect="1"/>
-            </p:cNvPicPr>
-            <p:nvPr/>
-          </p:nvPicPr>
-          <p:blipFill>
-            <a:blip r:embed="rId5">
-              <a:extLst>
-                <a:ext uri="{28A0092B-C50C-407E-A947-70E740481C1C}">
-                  <a14:useLocalDpi xmlns:a14="http://schemas.microsoft.com/office/drawing/2010/main" val="0"/>
-                </a:ext>
-              </a:extLst>
-            </a:blip>
-            <a:stretch>
-              <a:fillRect/>
-            </a:stretch>
-          </p:blipFill>
-          <p:spPr>
-            <a:xfrm>
-              <a:off x="14644669" y="6956670"/>
-              <a:ext cx="3416752" cy="3046544"/>
-            </a:xfrm>
-            <a:prstGeom prst="rect">
-              <a:avLst/>
-            </a:prstGeom>
-          </p:spPr>
-        </p:pic>
-        <p:pic>
-          <p:nvPicPr>
-            <p:cNvPr id="46" name="Picture 45" descr="Diagram&#10;&#10;Description automatically generated">
-              <a:extLst>
-                <a:ext uri="{FF2B5EF4-FFF2-40B4-BE49-F238E27FC236}">
-                  <a16:creationId xmlns:a16="http://schemas.microsoft.com/office/drawing/2014/main" id="{58D4E7EF-0F96-4B46-9F63-61B9A510FAFE}"/>
-                </a:ext>
-              </a:extLst>
-            </p:cNvPr>
-            <p:cNvPicPr>
-              <a:picLocks noChangeAspect="1"/>
-            </p:cNvPicPr>
-            <p:nvPr/>
-          </p:nvPicPr>
-          <p:blipFill>
-            <a:blip r:embed="rId6">
-              <a:extLst>
-                <a:ext uri="{28A0092B-C50C-407E-A947-70E740481C1C}">
-                  <a14:useLocalDpi xmlns:a14="http://schemas.microsoft.com/office/drawing/2010/main" val="0"/>
-                </a:ext>
-              </a:extLst>
-            </a:blip>
-            <a:stretch>
-              <a:fillRect/>
-            </a:stretch>
-          </p:blipFill>
-          <p:spPr>
-            <a:xfrm>
-              <a:off x="10700764" y="6953858"/>
-              <a:ext cx="3297562" cy="3160316"/>
-            </a:xfrm>
-            <a:prstGeom prst="rect">
-              <a:avLst/>
-            </a:prstGeom>
-          </p:spPr>
-        </p:pic>
-        <p:sp>
-          <p:nvSpPr>
-            <p:cNvPr id="59" name="TextBox 58">
-              <a:extLst>
-                <a:ext uri="{FF2B5EF4-FFF2-40B4-BE49-F238E27FC236}">
-                  <a16:creationId xmlns:a16="http://schemas.microsoft.com/office/drawing/2014/main" id="{A2230613-383F-4DDB-98AB-9F2B48F44AE3}"/>
-                </a:ext>
-              </a:extLst>
-            </p:cNvPr>
-            <p:cNvSpPr txBox="1"/>
-            <p:nvPr/>
-          </p:nvSpPr>
-          <p:spPr>
-            <a:xfrm>
-              <a:off x="11427492" y="13113930"/>
-              <a:ext cx="2953006" cy="430583"/>
-            </a:xfrm>
-            <a:prstGeom prst="rect">
-              <a:avLst/>
-            </a:prstGeom>
-            <a:solidFill>
-              <a:schemeClr val="bg1"/>
-            </a:solidFill>
-          </p:spPr>
-          <p:txBody>
-            <a:bodyPr wrap="none" rtlCol="0">
-              <a:spAutoFit/>
-            </a:bodyPr>
-            <a:lstStyle/>
-            <a:p>
-              <a:r>
-                <a:rPr lang="en-US" sz="3032" dirty="0">
-                  <a:latin typeface="Times New Roman" panose="02020603050405020304" pitchFamily="18" charset="0"/>
-                  <a:cs typeface="Times New Roman" panose="02020603050405020304" pitchFamily="18" charset="0"/>
-                </a:rPr>
-                <a:t>Ligand Degree Ratio</a:t>
-              </a:r>
-            </a:p>
-          </p:txBody>
-        </p:sp>
-        <p:sp>
-          <p:nvSpPr>
-            <p:cNvPr id="139" name="TextBox 138">
-              <a:extLst>
-                <a:ext uri="{FF2B5EF4-FFF2-40B4-BE49-F238E27FC236}">
-                  <a16:creationId xmlns:a16="http://schemas.microsoft.com/office/drawing/2014/main" id="{9C21DD0C-ECFC-4611-86CF-03B2CBC29939}"/>
-                </a:ext>
-              </a:extLst>
-            </p:cNvPr>
-            <p:cNvSpPr txBox="1"/>
-            <p:nvPr/>
-          </p:nvSpPr>
-          <p:spPr>
-            <a:xfrm rot="16200000">
-              <a:off x="1835764" y="7902768"/>
-              <a:ext cx="691787" cy="479088"/>
-            </a:xfrm>
-            <a:prstGeom prst="rect">
-              <a:avLst/>
-            </a:prstGeom>
-            <a:solidFill>
-              <a:schemeClr val="bg1"/>
-            </a:solidFill>
-          </p:spPr>
-          <p:txBody>
-            <a:bodyPr wrap="none" rtlCol="0">
-              <a:spAutoFit/>
-            </a:bodyPr>
-            <a:lstStyle/>
-            <a:p>
-              <a:r>
-                <a:rPr lang="en-US" sz="3032" dirty="0">
-                  <a:latin typeface="Times New Roman" panose="02020603050405020304" pitchFamily="18" charset="0"/>
-                  <a:cs typeface="Times New Roman" panose="02020603050405020304" pitchFamily="18" charset="0"/>
-                </a:rPr>
-                <a:t>PDF</a:t>
-              </a:r>
-            </a:p>
-          </p:txBody>
-        </p:sp>
-        <p:pic>
-          <p:nvPicPr>
-            <p:cNvPr id="62" name="Picture 61" descr="Chart, scatter chart&#10;&#10;Description automatically generated">
-              <a:extLst>
-                <a:ext uri="{FF2B5EF4-FFF2-40B4-BE49-F238E27FC236}">
-                  <a16:creationId xmlns:a16="http://schemas.microsoft.com/office/drawing/2014/main" id="{94CCA2C3-3D09-4F8B-BC08-51876F2E5982}"/>
-                </a:ext>
-              </a:extLst>
-            </p:cNvPr>
-            <p:cNvPicPr>
-              <a:picLocks noChangeAspect="1"/>
-            </p:cNvPicPr>
-            <p:nvPr/>
-          </p:nvPicPr>
-          <p:blipFill>
-            <a:blip r:embed="rId7">
-              <a:extLst>
-                <a:ext uri="{28A0092B-C50C-407E-A947-70E740481C1C}">
-                  <a14:useLocalDpi xmlns:a14="http://schemas.microsoft.com/office/drawing/2010/main" val="0"/>
-                </a:ext>
-              </a:extLst>
-            </a:blip>
-            <a:stretch>
-              <a:fillRect/>
-            </a:stretch>
-          </p:blipFill>
-          <p:spPr>
-            <a:xfrm>
-              <a:off x="3168789" y="3748585"/>
-              <a:ext cx="7046017" cy="4416406"/>
-            </a:xfrm>
-            <a:prstGeom prst="rect">
-              <a:avLst/>
-            </a:prstGeom>
-          </p:spPr>
-        </p:pic>
-      </p:grpSp>
-      <p:grpSp>
-        <p:nvGrpSpPr>
-          <p:cNvPr id="6" name="Group 5">
+            <a:off x="939708" y="5965549"/>
+            <a:ext cx="23955608" cy="12839482"/>
+          </a:xfrm>
+          <a:prstGeom prst="rect">
+            <a:avLst/>
+          </a:prstGeom>
+        </p:spPr>
+      </p:pic>
+      <p:sp>
+        <p:nvSpPr>
+          <p:cNvPr id="102" name="TextBox 101">
             <a:extLst>
               <a:ext uri="{FF2B5EF4-FFF2-40B4-BE49-F238E27FC236}">
-                <a16:creationId xmlns:a16="http://schemas.microsoft.com/office/drawing/2014/main" id="{766DBB1A-1990-4963-93D5-F872DCB6C8B9}"/>
+                <a16:creationId xmlns:a16="http://schemas.microsoft.com/office/drawing/2014/main" id="{2338836F-ACC3-4C3A-B767-FAD0B6E9E2B2}"/>
               </a:ext>
             </a:extLst>
           </p:cNvPr>
-          <p:cNvGrpSpPr/>
+          <p:cNvSpPr txBox="1"/>
           <p:nvPr/>
-        </p:nvGrpSpPr>
-        <p:grpSpPr>
+        </p:nvSpPr>
+        <p:spPr>
+          <a:xfrm>
+            <a:off x="17567591" y="7987019"/>
+            <a:ext cx="4258201" cy="646331"/>
+          </a:xfrm>
+          <a:prstGeom prst="rect">
+            <a:avLst/>
+          </a:prstGeom>
+          <a:noFill/>
+        </p:spPr>
+        <p:txBody>
+          <a:bodyPr wrap="square" rtlCol="0">
+            <a:spAutoFit/>
+          </a:bodyPr>
+          <a:lstStyle/>
+          <a:p>
+            <a:pPr algn="l"/>
+            <a:r>
+              <a:rPr lang="en-US" sz="3600" dirty="0">
+                <a:latin typeface="Times New Roman" panose="02020603050405020304" pitchFamily="18" charset="0"/>
+                <a:cs typeface="Times New Roman" panose="02020603050405020304" pitchFamily="18" charset="0"/>
+              </a:rPr>
+              <a:t>IQNP</a:t>
+            </a:r>
+          </a:p>
+        </p:txBody>
+      </p:sp>
+      <p:sp>
+        <p:nvSpPr>
+          <p:cNvPr id="106" name="TextBox 105">
+            <a:extLst>
+              <a:ext uri="{FF2B5EF4-FFF2-40B4-BE49-F238E27FC236}">
+                <a16:creationId xmlns:a16="http://schemas.microsoft.com/office/drawing/2014/main" id="{9C9B6CB6-8BA7-46B4-B98E-F66D404C0A55}"/>
+              </a:ext>
+            </a:extLst>
+          </p:cNvPr>
+          <p:cNvSpPr txBox="1"/>
+          <p:nvPr/>
+        </p:nvSpPr>
+        <p:spPr>
+          <a:xfrm>
+            <a:off x="21320229" y="7987294"/>
+            <a:ext cx="4946858" cy="646331"/>
+          </a:xfrm>
+          <a:prstGeom prst="rect">
+            <a:avLst/>
+          </a:prstGeom>
+          <a:noFill/>
+        </p:spPr>
+        <p:txBody>
+          <a:bodyPr wrap="square" rtlCol="0">
+            <a:spAutoFit/>
+          </a:bodyPr>
+          <a:lstStyle/>
+          <a:p>
+            <a:r>
+              <a:rPr lang="en-US" sz="3600" dirty="0">
+                <a:latin typeface="Times New Roman" panose="02020603050405020304" pitchFamily="18" charset="0"/>
+                <a:cs typeface="Times New Roman" panose="02020603050405020304" pitchFamily="18" charset="0"/>
+              </a:rPr>
+              <a:t>Himbacine</a:t>
+            </a:r>
+          </a:p>
+        </p:txBody>
+      </p:sp>
+      <p:sp>
+        <p:nvSpPr>
+          <p:cNvPr id="109" name="TextBox 108">
+            <a:extLst>
+              <a:ext uri="{FF2B5EF4-FFF2-40B4-BE49-F238E27FC236}">
+                <a16:creationId xmlns:a16="http://schemas.microsoft.com/office/drawing/2014/main" id="{7C54E2A4-7A1E-42B9-849A-7312B0FEE231}"/>
+              </a:ext>
+            </a:extLst>
+          </p:cNvPr>
+          <p:cNvSpPr txBox="1"/>
+          <p:nvPr/>
+        </p:nvSpPr>
+        <p:spPr>
+          <a:xfrm>
+            <a:off x="13275372" y="14060956"/>
+            <a:ext cx="2324964" cy="1517595"/>
+          </a:xfrm>
+          <a:prstGeom prst="rect">
+            <a:avLst/>
+          </a:prstGeom>
+          <a:noFill/>
+        </p:spPr>
+        <p:txBody>
+          <a:bodyPr wrap="square" rtlCol="0">
+            <a:spAutoFit/>
+          </a:bodyPr>
+          <a:lstStyle/>
+          <a:p>
+            <a:r>
+              <a:rPr lang="en-US" sz="3030" dirty="0">
+                <a:effectLst/>
+                <a:latin typeface="Times New Roman" panose="02020603050405020304" pitchFamily="18" charset="0"/>
+                <a:ea typeface="Calibri" panose="020F0502020204030204" pitchFamily="34" charset="0"/>
+              </a:rPr>
+              <a:t>k</a:t>
+            </a:r>
+            <a:r>
+              <a:rPr lang="en-US" sz="3030" baseline="-25000" dirty="0">
+                <a:effectLst/>
+                <a:latin typeface="Times New Roman" panose="02020603050405020304" pitchFamily="18" charset="0"/>
+                <a:ea typeface="Calibri" panose="020F0502020204030204" pitchFamily="34" charset="0"/>
+              </a:rPr>
+              <a:t>+</a:t>
+            </a:r>
+            <a:r>
+              <a:rPr lang="en-US" sz="3030" dirty="0">
+                <a:latin typeface="Times New Roman" panose="02020603050405020304" pitchFamily="18" charset="0"/>
+                <a:cs typeface="Times New Roman" panose="02020603050405020304" pitchFamily="18" charset="0"/>
+              </a:rPr>
+              <a:t>= </a:t>
+            </a:r>
+            <a:r>
+              <a:rPr lang="en-US" sz="3031" dirty="0">
+                <a:latin typeface="Times New Roman" panose="02020603050405020304" pitchFamily="18" charset="0"/>
+                <a:cs typeface="Times New Roman" panose="02020603050405020304" pitchFamily="18" charset="0"/>
+              </a:rPr>
+              <a:t>2</a:t>
+            </a:r>
+          </a:p>
+          <a:p>
+            <a:r>
+              <a:rPr lang="en-US" sz="3030" dirty="0">
+                <a:effectLst/>
+                <a:latin typeface="Times New Roman" panose="02020603050405020304" pitchFamily="18" charset="0"/>
+                <a:ea typeface="Calibri" panose="020F0502020204030204" pitchFamily="34" charset="0"/>
+              </a:rPr>
+              <a:t>k</a:t>
+            </a:r>
+            <a:r>
+              <a:rPr lang="en-US" sz="3030" baseline="-25000" dirty="0">
+                <a:latin typeface="Times New Roman" panose="02020603050405020304" pitchFamily="18" charset="0"/>
+                <a:ea typeface="Calibri" panose="020F0502020204030204" pitchFamily="34" charset="0"/>
+              </a:rPr>
+              <a:t>- </a:t>
+            </a:r>
+            <a:r>
+              <a:rPr lang="en-US" sz="3031" dirty="0">
+                <a:latin typeface="Times New Roman" panose="02020603050405020304" pitchFamily="18" charset="0"/>
+                <a:cs typeface="Times New Roman" panose="02020603050405020304" pitchFamily="18" charset="0"/>
+              </a:rPr>
+              <a:t>= 1</a:t>
+            </a:r>
+          </a:p>
+          <a:p>
+            <a:r>
+              <a:rPr lang="el-GR" sz="3200" b="0" i="0" dirty="0">
+                <a:solidFill>
+                  <a:srgbClr val="202124"/>
+                </a:solidFill>
+                <a:effectLst/>
+                <a:latin typeface="Times New Roman" panose="02020603050405020304" pitchFamily="18" charset="0"/>
+                <a:cs typeface="Times New Roman" panose="02020603050405020304" pitchFamily="18" charset="0"/>
+              </a:rPr>
+              <a:t>ρ </a:t>
+            </a:r>
+            <a:r>
+              <a:rPr lang="en-US" sz="3031" dirty="0">
+                <a:latin typeface="Times New Roman" panose="02020603050405020304" pitchFamily="18" charset="0"/>
+                <a:cs typeface="Times New Roman" panose="02020603050405020304" pitchFamily="18" charset="0"/>
+              </a:rPr>
+              <a:t>= 0.67</a:t>
+            </a:r>
+          </a:p>
+        </p:txBody>
+      </p:sp>
+      <p:sp>
+        <p:nvSpPr>
+          <p:cNvPr id="110" name="TextBox 109">
+            <a:extLst>
+              <a:ext uri="{FF2B5EF4-FFF2-40B4-BE49-F238E27FC236}">
+                <a16:creationId xmlns:a16="http://schemas.microsoft.com/office/drawing/2014/main" id="{A51074F8-31D5-461A-AC1A-2B86F129C3C3}"/>
+              </a:ext>
+            </a:extLst>
+          </p:cNvPr>
+          <p:cNvSpPr txBox="1"/>
+          <p:nvPr/>
+        </p:nvSpPr>
+        <p:spPr>
+          <a:xfrm>
+            <a:off x="12620733" y="8005080"/>
+            <a:ext cx="4946858" cy="646331"/>
+          </a:xfrm>
+          <a:prstGeom prst="rect">
+            <a:avLst/>
+          </a:prstGeom>
+          <a:noFill/>
+        </p:spPr>
+        <p:txBody>
+          <a:bodyPr wrap="square" rtlCol="0">
+            <a:spAutoFit/>
+          </a:bodyPr>
+          <a:lstStyle/>
+          <a:p>
+            <a:pPr algn="l"/>
+            <a:r>
+              <a:rPr lang="en-US" sz="3600" dirty="0">
+                <a:latin typeface="Times New Roman" panose="02020603050405020304" pitchFamily="18" charset="0"/>
+                <a:cs typeface="Times New Roman" panose="02020603050405020304" pitchFamily="18" charset="0"/>
+              </a:rPr>
+              <a:t>Phendioxan</a:t>
+            </a:r>
+            <a:r>
+              <a:rPr lang="en-US" sz="3200" b="0" i="0" dirty="0">
+                <a:solidFill>
+                  <a:srgbClr val="D1D2D3"/>
+                </a:solidFill>
+                <a:effectLst/>
+                <a:latin typeface="Times New Roman" panose="02020603050405020304" pitchFamily="18" charset="0"/>
+                <a:cs typeface="Times New Roman" panose="02020603050405020304" pitchFamily="18" charset="0"/>
+              </a:rPr>
+              <a:t> </a:t>
+            </a:r>
+            <a:endParaRPr lang="en-US" sz="3031" dirty="0">
+              <a:latin typeface="Times New Roman" panose="02020603050405020304" pitchFamily="18" charset="0"/>
+              <a:cs typeface="Times New Roman" panose="02020603050405020304" pitchFamily="18" charset="0"/>
+            </a:endParaRPr>
+          </a:p>
+        </p:txBody>
+      </p:sp>
+      <p:pic>
+        <p:nvPicPr>
+          <p:cNvPr id="117" name="Picture 116" descr="Diagram&#10;&#10;Description automatically generated">
+            <a:extLst>
+              <a:ext uri="{FF2B5EF4-FFF2-40B4-BE49-F238E27FC236}">
+                <a16:creationId xmlns:a16="http://schemas.microsoft.com/office/drawing/2014/main" id="{0B35708D-8B3E-4A8E-94D6-12C92E4AB8DB}"/>
+              </a:ext>
+            </a:extLst>
+          </p:cNvPr>
+          <p:cNvPicPr>
+            <a:picLocks noChangeAspect="1"/>
+          </p:cNvPicPr>
+          <p:nvPr/>
+        </p:nvPicPr>
+        <p:blipFill>
+          <a:blip r:embed="rId4">
+            <a:extLst>
+              <a:ext uri="{28A0092B-C50C-407E-A947-70E740481C1C}">
+                <a14:useLocalDpi xmlns:a14="http://schemas.microsoft.com/office/drawing/2010/main" val="0"/>
+              </a:ext>
+            </a:extLst>
+          </a:blip>
+          <a:stretch>
+            <a:fillRect/>
+          </a:stretch>
+        </p:blipFill>
+        <p:spPr>
+          <a:xfrm>
+            <a:off x="20751999" y="9068210"/>
+            <a:ext cx="3254114" cy="4375631"/>
+          </a:xfrm>
+          <a:prstGeom prst="rect">
+            <a:avLst/>
+          </a:prstGeom>
+        </p:spPr>
+      </p:pic>
+      <p:pic>
+        <p:nvPicPr>
+          <p:cNvPr id="44" name="Picture 43" descr="A picture containing radar chart&#10;&#10;Description automatically generated">
+            <a:extLst>
+              <a:ext uri="{FF2B5EF4-FFF2-40B4-BE49-F238E27FC236}">
+                <a16:creationId xmlns:a16="http://schemas.microsoft.com/office/drawing/2014/main" id="{8A6A8DA8-CA33-4976-A58B-1E48C0324BEE}"/>
+              </a:ext>
+            </a:extLst>
+          </p:cNvPr>
+          <p:cNvPicPr>
+            <a:picLocks noChangeAspect="1"/>
+          </p:cNvPicPr>
+          <p:nvPr/>
+        </p:nvPicPr>
+        <p:blipFill>
+          <a:blip r:embed="rId5">
+            <a:extLst>
+              <a:ext uri="{28A0092B-C50C-407E-A947-70E740481C1C}">
+                <a14:useLocalDpi xmlns:a14="http://schemas.microsoft.com/office/drawing/2010/main" val="0"/>
+              </a:ext>
+            </a:extLst>
+          </a:blip>
+          <a:stretch>
+            <a:fillRect/>
+          </a:stretch>
+        </p:blipFill>
+        <p:spPr>
+          <a:xfrm>
+            <a:off x="16405186" y="9232364"/>
+            <a:ext cx="3986211" cy="3954693"/>
+          </a:xfrm>
+          <a:prstGeom prst="rect">
+            <a:avLst/>
+          </a:prstGeom>
+        </p:spPr>
+      </p:pic>
+      <p:pic>
+        <p:nvPicPr>
+          <p:cNvPr id="46" name="Picture 45" descr="Diagram&#10;&#10;Description automatically generated">
+            <a:extLst>
+              <a:ext uri="{FF2B5EF4-FFF2-40B4-BE49-F238E27FC236}">
+                <a16:creationId xmlns:a16="http://schemas.microsoft.com/office/drawing/2014/main" id="{58D4E7EF-0F96-4B46-9F63-61B9A510FAFE}"/>
+              </a:ext>
+            </a:extLst>
+          </p:cNvPr>
+          <p:cNvPicPr>
+            <a:picLocks noChangeAspect="1"/>
+          </p:cNvPicPr>
+          <p:nvPr/>
+        </p:nvPicPr>
+        <p:blipFill>
+          <a:blip r:embed="rId6">
+            <a:extLst>
+              <a:ext uri="{28A0092B-C50C-407E-A947-70E740481C1C}">
+                <a14:useLocalDpi xmlns:a14="http://schemas.microsoft.com/office/drawing/2010/main" val="0"/>
+              </a:ext>
+            </a:extLst>
+          </a:blip>
+          <a:stretch>
+            <a:fillRect/>
+          </a:stretch>
+        </p:blipFill>
+        <p:spPr>
+          <a:xfrm>
+            <a:off x="12142903" y="9262990"/>
+            <a:ext cx="3847156" cy="4102379"/>
+          </a:xfrm>
+          <a:prstGeom prst="rect">
+            <a:avLst/>
+          </a:prstGeom>
+        </p:spPr>
+      </p:pic>
+      <p:sp>
+        <p:nvSpPr>
+          <p:cNvPr id="59" name="TextBox 58">
+            <a:extLst>
+              <a:ext uri="{FF2B5EF4-FFF2-40B4-BE49-F238E27FC236}">
+                <a16:creationId xmlns:a16="http://schemas.microsoft.com/office/drawing/2014/main" id="{A2230613-383F-4DDB-98AB-9F2B48F44AE3}"/>
+              </a:ext>
+            </a:extLst>
+          </p:cNvPr>
+          <p:cNvSpPr txBox="1"/>
+          <p:nvPr/>
+        </p:nvSpPr>
+        <p:spPr>
+          <a:xfrm>
+            <a:off x="11821113" y="18365622"/>
+            <a:ext cx="3445174" cy="558936"/>
+          </a:xfrm>
+          <a:prstGeom prst="rect">
+            <a:avLst/>
+          </a:prstGeom>
+          <a:solidFill>
+            <a:schemeClr val="bg1"/>
+          </a:solidFill>
+        </p:spPr>
+        <p:txBody>
+          <a:bodyPr wrap="none" rtlCol="0">
+            <a:spAutoFit/>
+          </a:bodyPr>
+          <a:lstStyle/>
+          <a:p>
+            <a:r>
+              <a:rPr lang="en-US" sz="3032" dirty="0">
+                <a:latin typeface="Times New Roman" panose="02020603050405020304" pitchFamily="18" charset="0"/>
+                <a:cs typeface="Times New Roman" panose="02020603050405020304" pitchFamily="18" charset="0"/>
+              </a:rPr>
+              <a:t>Ligand Degree Ratio</a:t>
+            </a:r>
+          </a:p>
+        </p:txBody>
+      </p:sp>
+      <p:sp>
+        <p:nvSpPr>
+          <p:cNvPr id="139" name="TextBox 138">
+            <a:extLst>
+              <a:ext uri="{FF2B5EF4-FFF2-40B4-BE49-F238E27FC236}">
+                <a16:creationId xmlns:a16="http://schemas.microsoft.com/office/drawing/2014/main" id="{9C21DD0C-ECFC-4611-86CF-03B2CBC29939}"/>
+              </a:ext>
+            </a:extLst>
+          </p:cNvPr>
+          <p:cNvSpPr txBox="1"/>
+          <p:nvPr/>
+        </p:nvSpPr>
+        <p:spPr>
+          <a:xfrm rot="16200000">
+            <a:off x="585305" y="11632539"/>
+            <a:ext cx="898003" cy="558936"/>
+          </a:xfrm>
+          <a:prstGeom prst="rect">
+            <a:avLst/>
+          </a:prstGeom>
+          <a:solidFill>
+            <a:schemeClr val="bg1"/>
+          </a:solidFill>
+        </p:spPr>
+        <p:txBody>
+          <a:bodyPr wrap="none" rtlCol="0">
+            <a:spAutoFit/>
+          </a:bodyPr>
+          <a:lstStyle/>
+          <a:p>
+            <a:r>
+              <a:rPr lang="en-US" sz="3032" dirty="0">
+                <a:latin typeface="Times New Roman" panose="02020603050405020304" pitchFamily="18" charset="0"/>
+                <a:cs typeface="Times New Roman" panose="02020603050405020304" pitchFamily="18" charset="0"/>
+              </a:rPr>
+              <a:t>PDF</a:t>
+            </a:r>
+          </a:p>
+        </p:txBody>
+      </p:sp>
+      <p:pic>
+        <p:nvPicPr>
+          <p:cNvPr id="62" name="Picture 61" descr="Chart, scatter chart&#10;&#10;Description automatically generated">
+            <a:extLst>
+              <a:ext uri="{FF2B5EF4-FFF2-40B4-BE49-F238E27FC236}">
+                <a16:creationId xmlns:a16="http://schemas.microsoft.com/office/drawing/2014/main" id="{94CCA2C3-3D09-4F8B-BC08-51876F2E5982}"/>
+              </a:ext>
+            </a:extLst>
+          </p:cNvPr>
+          <p:cNvPicPr>
+            <a:picLocks noChangeAspect="1"/>
+          </p:cNvPicPr>
+          <p:nvPr/>
+        </p:nvPicPr>
+        <p:blipFill>
+          <a:blip r:embed="rId7">
+            <a:extLst>
+              <a:ext uri="{28A0092B-C50C-407E-A947-70E740481C1C}">
+                <a14:useLocalDpi xmlns:a14="http://schemas.microsoft.com/office/drawing/2010/main" val="0"/>
+              </a:ext>
+            </a:extLst>
+          </a:blip>
+          <a:stretch>
+            <a:fillRect/>
+          </a:stretch>
+        </p:blipFill>
+        <p:spPr>
+          <a:xfrm>
+            <a:off x="2952726" y="6317093"/>
+            <a:ext cx="8220353" cy="5732899"/>
+          </a:xfrm>
+          <a:prstGeom prst="rect">
+            <a:avLst/>
+          </a:prstGeom>
+        </p:spPr>
+      </p:pic>
+      <p:pic>
+        <p:nvPicPr>
+          <p:cNvPr id="48" name="Picture 47" descr="Chart, histogram&#10;&#10;Description automatically generated">
+            <a:extLst>
+              <a:ext uri="{FF2B5EF4-FFF2-40B4-BE49-F238E27FC236}">
+                <a16:creationId xmlns:a16="http://schemas.microsoft.com/office/drawing/2014/main" id="{71BC8AE6-2CDB-4421-8C8D-4D3CFD1937E6}"/>
+              </a:ext>
+            </a:extLst>
+          </p:cNvPr>
+          <p:cNvPicPr>
+            <a:picLocks noChangeAspect="1"/>
+          </p:cNvPicPr>
+          <p:nvPr/>
+        </p:nvPicPr>
+        <p:blipFill>
+          <a:blip r:embed="rId8">
+            <a:extLst>
+              <a:ext uri="{28A0092B-C50C-407E-A947-70E740481C1C}">
+                <a14:useLocalDpi xmlns:a14="http://schemas.microsoft.com/office/drawing/2010/main" val="0"/>
+              </a:ext>
+            </a:extLst>
+          </a:blip>
+          <a:stretch>
+            <a:fillRect/>
+          </a:stretch>
+        </p:blipFill>
+        <p:spPr>
           <a:xfrm>
             <a:off x="839752" y="19009336"/>
-            <a:ext cx="24545157" cy="13160967"/>
-            <a:chOff x="4446601" y="11587601"/>
-            <a:chExt cx="24319337" cy="12420891"/>
-          </a:xfrm>
-        </p:grpSpPr>
-        <p:grpSp>
-          <p:nvGrpSpPr>
-            <p:cNvPr id="2" name="Group 1">
-              <a:extLst>
-                <a:ext uri="{FF2B5EF4-FFF2-40B4-BE49-F238E27FC236}">
-                  <a16:creationId xmlns:a16="http://schemas.microsoft.com/office/drawing/2014/main" id="{8F0F536D-5241-436C-AA37-8F60495CD9F9}"/>
-                </a:ext>
-              </a:extLst>
-            </p:cNvPr>
-            <p:cNvGrpSpPr/>
-            <p:nvPr/>
-          </p:nvGrpSpPr>
-          <p:grpSpPr>
-            <a:xfrm>
-              <a:off x="4446601" y="11587601"/>
-              <a:ext cx="24051539" cy="12420891"/>
-              <a:chOff x="-2802569" y="11381526"/>
-              <a:chExt cx="24051539" cy="12420891"/>
-            </a:xfrm>
-          </p:grpSpPr>
-          <p:grpSp>
-            <p:nvGrpSpPr>
-              <p:cNvPr id="241" name="Group 240">
-                <a:extLst>
-                  <a:ext uri="{FF2B5EF4-FFF2-40B4-BE49-F238E27FC236}">
-                    <a16:creationId xmlns:a16="http://schemas.microsoft.com/office/drawing/2014/main" id="{44D205D2-1359-48C6-AF82-8186DAFCEBDB}"/>
-                  </a:ext>
-                </a:extLst>
-              </p:cNvPr>
-              <p:cNvGrpSpPr/>
-              <p:nvPr/>
-            </p:nvGrpSpPr>
-            <p:grpSpPr>
-              <a:xfrm>
-                <a:off x="-2802569" y="11381526"/>
-                <a:ext cx="24051539" cy="12420891"/>
-                <a:chOff x="147291" y="3476302"/>
-                <a:chExt cx="14770405" cy="7453794"/>
-              </a:xfrm>
-            </p:grpSpPr>
-            <p:pic>
-              <p:nvPicPr>
-                <p:cNvPr id="48" name="Picture 47" descr="Chart, histogram&#10;&#10;Description automatically generated">
-                  <a:extLst>
-                    <a:ext uri="{FF2B5EF4-FFF2-40B4-BE49-F238E27FC236}">
-                      <a16:creationId xmlns:a16="http://schemas.microsoft.com/office/drawing/2014/main" id="{71BC8AE6-2CDB-4421-8C8D-4D3CFD1937E6}"/>
-                    </a:ext>
-                  </a:extLst>
-                </p:cNvPr>
-                <p:cNvPicPr>
-                  <a:picLocks noChangeAspect="1"/>
-                </p:cNvPicPr>
-                <p:nvPr/>
-              </p:nvPicPr>
-              <p:blipFill>
-                <a:blip r:embed="rId8">
-                  <a:extLst>
-                    <a:ext uri="{28A0092B-C50C-407E-A947-70E740481C1C}">
-                      <a14:useLocalDpi xmlns:a14="http://schemas.microsoft.com/office/drawing/2010/main" val="0"/>
-                    </a:ext>
-                  </a:extLst>
-                </a:blip>
-                <a:stretch>
-                  <a:fillRect/>
-                </a:stretch>
-              </p:blipFill>
-              <p:spPr>
-                <a:xfrm>
-                  <a:off x="147291" y="3476302"/>
-                  <a:ext cx="14770405" cy="7453794"/>
-                </a:xfrm>
-                <a:prstGeom prst="rect">
-                  <a:avLst/>
-                </a:prstGeom>
-              </p:spPr>
-            </p:pic>
-            <p:pic>
-              <p:nvPicPr>
-                <p:cNvPr id="50" name="Picture 49">
-                  <a:extLst>
-                    <a:ext uri="{FF2B5EF4-FFF2-40B4-BE49-F238E27FC236}">
-                      <a16:creationId xmlns:a16="http://schemas.microsoft.com/office/drawing/2014/main" id="{CA4AC54D-5B8B-4016-ACDF-1EACA6A819CA}"/>
-                    </a:ext>
-                  </a:extLst>
-                </p:cNvPr>
-                <p:cNvPicPr>
-                  <a:picLocks noChangeAspect="1"/>
-                </p:cNvPicPr>
-                <p:nvPr/>
-              </p:nvPicPr>
-              <p:blipFill>
-                <a:blip r:embed="rId9">
-                  <a:extLst>
-                    <a:ext uri="{28A0092B-C50C-407E-A947-70E740481C1C}">
-                      <a14:useLocalDpi xmlns:a14="http://schemas.microsoft.com/office/drawing/2010/main" val="0"/>
-                    </a:ext>
-                  </a:extLst>
-                </a:blip>
-                <a:stretch>
-                  <a:fillRect/>
-                </a:stretch>
-              </p:blipFill>
-              <p:spPr>
-                <a:xfrm>
-                  <a:off x="12064939" y="4836470"/>
-                  <a:ext cx="2449375" cy="2526798"/>
-                </a:xfrm>
-                <a:prstGeom prst="rect">
-                  <a:avLst/>
-                </a:prstGeom>
-              </p:spPr>
-            </p:pic>
-            <p:sp>
-              <p:nvSpPr>
-                <p:cNvPr id="127" name="TextBox 126">
-                  <a:extLst>
-                    <a:ext uri="{FF2B5EF4-FFF2-40B4-BE49-F238E27FC236}">
-                      <a16:creationId xmlns:a16="http://schemas.microsoft.com/office/drawing/2014/main" id="{B6524103-F19E-4708-90CC-48AC1D68C6F4}"/>
-                    </a:ext>
-                  </a:extLst>
-                </p:cNvPr>
-                <p:cNvSpPr txBox="1"/>
-                <p:nvPr/>
-              </p:nvSpPr>
-              <p:spPr>
-                <a:xfrm>
-                  <a:off x="9982553" y="4073363"/>
-                  <a:ext cx="865424" cy="316448"/>
-                </a:xfrm>
-                <a:prstGeom prst="rect">
-                  <a:avLst/>
-                </a:prstGeom>
-                <a:noFill/>
-              </p:spPr>
-              <p:txBody>
-                <a:bodyPr wrap="square" rtlCol="0">
-                  <a:spAutoFit/>
-                </a:bodyPr>
-                <a:lstStyle/>
-                <a:p>
-                  <a:r>
-                    <a:rPr lang="en-US" sz="3031" dirty="0">
-                      <a:latin typeface="Times New Roman" panose="02020603050405020304" pitchFamily="18" charset="0"/>
-                      <a:cs typeface="Times New Roman" panose="02020603050405020304" pitchFamily="18" charset="0"/>
-                    </a:rPr>
-                    <a:t>CA9</a:t>
-                  </a:r>
-                </a:p>
-              </p:txBody>
-            </p:sp>
-            <p:pic>
-              <p:nvPicPr>
-                <p:cNvPr id="53" name="Picture 52">
-                  <a:extLst>
-                    <a:ext uri="{FF2B5EF4-FFF2-40B4-BE49-F238E27FC236}">
-                      <a16:creationId xmlns:a16="http://schemas.microsoft.com/office/drawing/2014/main" id="{51606502-6007-45C9-B34E-0FBCFDE2D98C}"/>
-                    </a:ext>
-                  </a:extLst>
-                </p:cNvPr>
-                <p:cNvPicPr>
-                  <a:picLocks noChangeAspect="1"/>
-                </p:cNvPicPr>
-                <p:nvPr/>
-              </p:nvPicPr>
-              <p:blipFill>
-                <a:blip r:embed="rId10">
-                  <a:extLst>
-                    <a:ext uri="{28A0092B-C50C-407E-A947-70E740481C1C}">
-                      <a14:useLocalDpi xmlns:a14="http://schemas.microsoft.com/office/drawing/2010/main" val="0"/>
-                    </a:ext>
-                  </a:extLst>
-                </a:blip>
-                <a:stretch>
-                  <a:fillRect/>
-                </a:stretch>
-              </p:blipFill>
-              <p:spPr>
-                <a:xfrm>
-                  <a:off x="9324746" y="4551220"/>
-                  <a:ext cx="2001692" cy="3215952"/>
-                </a:xfrm>
-                <a:prstGeom prst="rect">
-                  <a:avLst/>
-                </a:prstGeom>
-              </p:spPr>
-            </p:pic>
-            <p:sp>
-              <p:nvSpPr>
-                <p:cNvPr id="129" name="TextBox 128">
-                  <a:extLst>
-                    <a:ext uri="{FF2B5EF4-FFF2-40B4-BE49-F238E27FC236}">
-                      <a16:creationId xmlns:a16="http://schemas.microsoft.com/office/drawing/2014/main" id="{91CC6BF9-E2B7-4E8B-873E-5F11025DDAF2}"/>
-                    </a:ext>
-                  </a:extLst>
-                </p:cNvPr>
-                <p:cNvSpPr txBox="1"/>
-                <p:nvPr/>
-              </p:nvSpPr>
-              <p:spPr>
-                <a:xfrm>
-                  <a:off x="9049533" y="8221893"/>
-                  <a:ext cx="3050104" cy="844755"/>
-                </a:xfrm>
-                <a:prstGeom prst="rect">
-                  <a:avLst/>
-                </a:prstGeom>
-                <a:noFill/>
-              </p:spPr>
-              <p:txBody>
-                <a:bodyPr wrap="square" rtlCol="0">
-                  <a:spAutoFit/>
-                </a:bodyPr>
-                <a:lstStyle/>
-                <a:p>
-                  <a:r>
-                    <a:rPr lang="en-US" sz="3031" dirty="0">
-                      <a:latin typeface="Times New Roman" panose="02020603050405020304" pitchFamily="18" charset="0"/>
-                      <a:cs typeface="Times New Roman" panose="02020603050405020304" pitchFamily="18" charset="0"/>
-                    </a:rPr>
-                    <a:t>Binding annotations = 60</a:t>
-                  </a:r>
-                </a:p>
-                <a:p>
-                  <a:r>
-                    <a:rPr lang="en-US" sz="3031" dirty="0">
-                      <a:latin typeface="Times New Roman" panose="02020603050405020304" pitchFamily="18" charset="0"/>
-                      <a:cs typeface="Times New Roman" panose="02020603050405020304" pitchFamily="18" charset="0"/>
-                    </a:rPr>
-                    <a:t>Nonbinding annotations = 18</a:t>
-                  </a:r>
-                </a:p>
-                <a:p>
-                  <a:r>
-                    <a:rPr lang="en-US" sz="3031" dirty="0">
-                      <a:latin typeface="Times New Roman" panose="02020603050405020304" pitchFamily="18" charset="0"/>
-                      <a:cs typeface="Times New Roman" panose="02020603050405020304" pitchFamily="18" charset="0"/>
-                    </a:rPr>
-                    <a:t>Degree Ratio = 0.77</a:t>
-                  </a:r>
-                </a:p>
-              </p:txBody>
-            </p:sp>
-            <p:sp>
-              <p:nvSpPr>
-                <p:cNvPr id="130" name="TextBox 129">
-                  <a:extLst>
-                    <a:ext uri="{FF2B5EF4-FFF2-40B4-BE49-F238E27FC236}">
-                      <a16:creationId xmlns:a16="http://schemas.microsoft.com/office/drawing/2014/main" id="{CB4DEDA0-602B-4B9E-8A64-40A538AEA95E}"/>
-                    </a:ext>
-                  </a:extLst>
-                </p:cNvPr>
-                <p:cNvSpPr txBox="1"/>
-                <p:nvPr/>
-              </p:nvSpPr>
-              <p:spPr>
-                <a:xfrm>
-                  <a:off x="6955558" y="4073363"/>
-                  <a:ext cx="1081249" cy="316448"/>
-                </a:xfrm>
-                <a:prstGeom prst="rect">
-                  <a:avLst/>
-                </a:prstGeom>
-                <a:noFill/>
-              </p:spPr>
-              <p:txBody>
-                <a:bodyPr wrap="square" rtlCol="0">
-                  <a:spAutoFit/>
-                </a:bodyPr>
-                <a:lstStyle/>
-                <a:p>
-                  <a:r>
-                    <a:rPr lang="en-US" sz="3031" dirty="0">
-                      <a:latin typeface="Times New Roman" panose="02020603050405020304" pitchFamily="18" charset="0"/>
-                      <a:cs typeface="Times New Roman" panose="02020603050405020304" pitchFamily="18" charset="0"/>
-                    </a:rPr>
-                    <a:t>SSTR2</a:t>
-                  </a:r>
-                </a:p>
-              </p:txBody>
-            </p:sp>
-            <p:pic>
-              <p:nvPicPr>
-                <p:cNvPr id="56" name="Picture 55" descr="Shape, arrow&#10;&#10;Description automatically generated">
-                  <a:extLst>
-                    <a:ext uri="{FF2B5EF4-FFF2-40B4-BE49-F238E27FC236}">
-                      <a16:creationId xmlns:a16="http://schemas.microsoft.com/office/drawing/2014/main" id="{5CC393CE-5CBB-43C3-AC51-2F72CE051F2F}"/>
-                    </a:ext>
-                  </a:extLst>
-                </p:cNvPr>
-                <p:cNvPicPr>
-                  <a:picLocks noChangeAspect="1"/>
-                </p:cNvPicPr>
-                <p:nvPr/>
-              </p:nvPicPr>
-              <p:blipFill>
-                <a:blip r:embed="rId11">
-                  <a:extLst>
-                    <a:ext uri="{28A0092B-C50C-407E-A947-70E740481C1C}">
-                      <a14:useLocalDpi xmlns:a14="http://schemas.microsoft.com/office/drawing/2010/main" val="0"/>
-                    </a:ext>
-                  </a:extLst>
-                </a:blip>
-                <a:stretch>
-                  <a:fillRect/>
-                </a:stretch>
-              </p:blipFill>
-              <p:spPr>
-                <a:xfrm>
-                  <a:off x="6471750" y="4775641"/>
-                  <a:ext cx="2099908" cy="3134645"/>
-                </a:xfrm>
-                <a:prstGeom prst="rect">
-                  <a:avLst/>
-                </a:prstGeom>
-              </p:spPr>
-            </p:pic>
-            <p:sp>
-              <p:nvSpPr>
-                <p:cNvPr id="133" name="TextBox 132">
-                  <a:extLst>
-                    <a:ext uri="{FF2B5EF4-FFF2-40B4-BE49-F238E27FC236}">
-                      <a16:creationId xmlns:a16="http://schemas.microsoft.com/office/drawing/2014/main" id="{6563AB6E-D542-46A8-A281-D03CDD39C490}"/>
-                    </a:ext>
-                  </a:extLst>
-                </p:cNvPr>
-                <p:cNvSpPr txBox="1"/>
-                <p:nvPr/>
-              </p:nvSpPr>
-              <p:spPr>
-                <a:xfrm>
-                  <a:off x="6123077" y="8221893"/>
-                  <a:ext cx="3300668" cy="844755"/>
-                </a:xfrm>
-                <a:prstGeom prst="rect">
-                  <a:avLst/>
-                </a:prstGeom>
-                <a:noFill/>
-              </p:spPr>
-              <p:txBody>
-                <a:bodyPr wrap="square" rtlCol="0">
-                  <a:spAutoFit/>
-                </a:bodyPr>
-                <a:lstStyle/>
-                <a:p>
-                  <a:r>
-                    <a:rPr lang="en-US" sz="3031" dirty="0">
-                      <a:latin typeface="Times New Roman" panose="02020603050405020304" pitchFamily="18" charset="0"/>
-                      <a:cs typeface="Times New Roman" panose="02020603050405020304" pitchFamily="18" charset="0"/>
-                    </a:rPr>
-                    <a:t>Binding annotations = 10</a:t>
-                  </a:r>
-                </a:p>
-                <a:p>
-                  <a:r>
-                    <a:rPr lang="en-US" sz="3031" dirty="0">
-                      <a:latin typeface="Times New Roman" panose="02020603050405020304" pitchFamily="18" charset="0"/>
-                      <a:cs typeface="Times New Roman" panose="02020603050405020304" pitchFamily="18" charset="0"/>
-                    </a:rPr>
-                    <a:t>Nonbinding annotations = 5</a:t>
-                  </a:r>
-                </a:p>
-                <a:p>
-                  <a:r>
-                    <a:rPr lang="en-US" sz="3031" dirty="0">
-                      <a:latin typeface="Times New Roman" panose="02020603050405020304" pitchFamily="18" charset="0"/>
-                      <a:cs typeface="Times New Roman" panose="02020603050405020304" pitchFamily="18" charset="0"/>
-                    </a:rPr>
-                    <a:t>Degree Ratio = 0.67</a:t>
-                  </a:r>
-                </a:p>
-              </p:txBody>
-            </p:sp>
-            <p:sp>
-              <p:nvSpPr>
-                <p:cNvPr id="137" name="TextBox 136">
-                  <a:extLst>
-                    <a:ext uri="{FF2B5EF4-FFF2-40B4-BE49-F238E27FC236}">
-                      <a16:creationId xmlns:a16="http://schemas.microsoft.com/office/drawing/2014/main" id="{3C3F2867-C13A-41FD-B93C-637A875E9480}"/>
-                    </a:ext>
-                  </a:extLst>
-                </p:cNvPr>
-                <p:cNvSpPr txBox="1"/>
-                <p:nvPr/>
-              </p:nvSpPr>
-              <p:spPr>
-                <a:xfrm>
-                  <a:off x="6955558" y="10605953"/>
-                  <a:ext cx="2023778" cy="316557"/>
-                </a:xfrm>
-                <a:prstGeom prst="rect">
-                  <a:avLst/>
-                </a:prstGeom>
-                <a:solidFill>
-                  <a:schemeClr val="bg1"/>
-                </a:solidFill>
-              </p:spPr>
-              <p:txBody>
-                <a:bodyPr wrap="none" rtlCol="0">
-                  <a:spAutoFit/>
-                </a:bodyPr>
-                <a:lstStyle/>
-                <a:p>
-                  <a:r>
-                    <a:rPr lang="en-US" sz="3032" dirty="0">
-                      <a:latin typeface="Times New Roman" panose="02020603050405020304" pitchFamily="18" charset="0"/>
-                      <a:cs typeface="Times New Roman" panose="02020603050405020304" pitchFamily="18" charset="0"/>
-                    </a:rPr>
-                    <a:t>Target Degree Ratio</a:t>
-                  </a:r>
-                </a:p>
-              </p:txBody>
-            </p:sp>
-            <p:sp>
-              <p:nvSpPr>
-                <p:cNvPr id="138" name="TextBox 137">
-                  <a:extLst>
-                    <a:ext uri="{FF2B5EF4-FFF2-40B4-BE49-F238E27FC236}">
-                      <a16:creationId xmlns:a16="http://schemas.microsoft.com/office/drawing/2014/main" id="{5129DD38-2637-4D22-93D0-02E6D0885C2F}"/>
-                    </a:ext>
-                  </a:extLst>
-                </p:cNvPr>
-                <p:cNvSpPr txBox="1"/>
-                <p:nvPr/>
-              </p:nvSpPr>
-              <p:spPr>
-                <a:xfrm rot="16200000">
-                  <a:off x="73650" y="6885670"/>
-                  <a:ext cx="508589" cy="340093"/>
-                </a:xfrm>
-                <a:prstGeom prst="rect">
-                  <a:avLst/>
-                </a:prstGeom>
-                <a:solidFill>
-                  <a:schemeClr val="bg1"/>
-                </a:solidFill>
-              </p:spPr>
-              <p:txBody>
-                <a:bodyPr wrap="none" rtlCol="0">
-                  <a:spAutoFit/>
-                </a:bodyPr>
-                <a:lstStyle/>
-                <a:p>
-                  <a:r>
-                    <a:rPr lang="en-US" sz="3032" dirty="0">
-                      <a:latin typeface="Times New Roman" panose="02020603050405020304" pitchFamily="18" charset="0"/>
-                      <a:cs typeface="Times New Roman" panose="02020603050405020304" pitchFamily="18" charset="0"/>
-                    </a:rPr>
-                    <a:t>PDF</a:t>
-                  </a:r>
-                </a:p>
-              </p:txBody>
-            </p:sp>
-            <p:pic>
-              <p:nvPicPr>
-                <p:cNvPr id="65" name="Picture 64" descr="Chart, scatter chart&#10;&#10;Description automatically generated">
-                  <a:extLst>
-                    <a:ext uri="{FF2B5EF4-FFF2-40B4-BE49-F238E27FC236}">
-                      <a16:creationId xmlns:a16="http://schemas.microsoft.com/office/drawing/2014/main" id="{412FAD74-3AC3-4DBD-A130-21FD2B3C227B}"/>
-                    </a:ext>
-                  </a:extLst>
-                </p:cNvPr>
-                <p:cNvPicPr>
-                  <a:picLocks noChangeAspect="1"/>
-                </p:cNvPicPr>
-                <p:nvPr/>
-              </p:nvPicPr>
-              <p:blipFill>
-                <a:blip r:embed="rId12">
-                  <a:extLst>
-                    <a:ext uri="{28A0092B-C50C-407E-A947-70E740481C1C}">
-                      <a14:useLocalDpi xmlns:a14="http://schemas.microsoft.com/office/drawing/2010/main" val="0"/>
-                    </a:ext>
-                  </a:extLst>
-                </a:blip>
-                <a:stretch>
-                  <a:fillRect/>
-                </a:stretch>
-              </p:blipFill>
-              <p:spPr>
-                <a:xfrm>
-                  <a:off x="1166922" y="3875040"/>
-                  <a:ext cx="5043052" cy="3328160"/>
-                </a:xfrm>
-                <a:prstGeom prst="rect">
-                  <a:avLst/>
-                </a:prstGeom>
-              </p:spPr>
-            </p:pic>
-          </p:grpSp>
-          <p:sp>
-            <p:nvSpPr>
-              <p:cNvPr id="242" name="TextBox 241">
-                <a:extLst>
-                  <a:ext uri="{FF2B5EF4-FFF2-40B4-BE49-F238E27FC236}">
-                    <a16:creationId xmlns:a16="http://schemas.microsoft.com/office/drawing/2014/main" id="{D2CC9423-585C-4A71-8CE6-E817FB0207FC}"/>
-                  </a:ext>
-                </a:extLst>
-              </p:cNvPr>
-              <p:cNvSpPr txBox="1"/>
-              <p:nvPr/>
-            </p:nvSpPr>
-            <p:spPr>
-              <a:xfrm>
-                <a:off x="17790377" y="12376461"/>
-                <a:ext cx="1182573" cy="527323"/>
-              </a:xfrm>
-              <a:prstGeom prst="rect">
-                <a:avLst/>
-              </a:prstGeom>
-              <a:noFill/>
-            </p:spPr>
-            <p:txBody>
-              <a:bodyPr wrap="square" rtlCol="0">
-                <a:spAutoFit/>
-              </a:bodyPr>
-              <a:lstStyle/>
-              <a:p>
-                <a:r>
-                  <a:rPr lang="en-US" sz="3031" dirty="0">
-                    <a:latin typeface="Times New Roman" panose="02020603050405020304" pitchFamily="18" charset="0"/>
-                    <a:cs typeface="Times New Roman" panose="02020603050405020304" pitchFamily="18" charset="0"/>
-                  </a:rPr>
-                  <a:t>PPIF</a:t>
-                </a:r>
-              </a:p>
-            </p:txBody>
-          </p:sp>
-        </p:grpSp>
-        <p:sp>
-          <p:nvSpPr>
-            <p:cNvPr id="243" name="TextBox 242">
-              <a:extLst>
-                <a:ext uri="{FF2B5EF4-FFF2-40B4-BE49-F238E27FC236}">
-                  <a16:creationId xmlns:a16="http://schemas.microsoft.com/office/drawing/2014/main" id="{800CE5B2-ABC7-4A2D-B7D8-2B703BEED0EA}"/>
-                </a:ext>
-              </a:extLst>
-            </p:cNvPr>
-            <p:cNvSpPr txBox="1"/>
-            <p:nvPr/>
-          </p:nvSpPr>
-          <p:spPr>
-            <a:xfrm>
-              <a:off x="23836475" y="19495583"/>
-              <a:ext cx="4929463" cy="1407688"/>
-            </a:xfrm>
-            <a:prstGeom prst="rect">
-              <a:avLst/>
-            </a:prstGeom>
-            <a:noFill/>
-          </p:spPr>
-          <p:txBody>
-            <a:bodyPr wrap="square" rtlCol="0">
-              <a:spAutoFit/>
-            </a:bodyPr>
-            <a:lstStyle/>
-            <a:p>
-              <a:r>
-                <a:rPr lang="en-US" sz="3031" dirty="0">
-                  <a:latin typeface="Times New Roman" panose="02020603050405020304" pitchFamily="18" charset="0"/>
-                  <a:cs typeface="Times New Roman" panose="02020603050405020304" pitchFamily="18" charset="0"/>
-                </a:rPr>
-                <a:t>Binding annotations = 3</a:t>
-              </a:r>
-            </a:p>
-            <a:p>
-              <a:r>
-                <a:rPr lang="en-US" sz="3031" dirty="0">
-                  <a:latin typeface="Times New Roman" panose="02020603050405020304" pitchFamily="18" charset="0"/>
-                  <a:cs typeface="Times New Roman" panose="02020603050405020304" pitchFamily="18" charset="0"/>
-                </a:rPr>
-                <a:t>Nonbinding annotations = 0</a:t>
-              </a:r>
-            </a:p>
-            <a:p>
-              <a:r>
-                <a:rPr lang="en-US" sz="3031" dirty="0">
-                  <a:latin typeface="Times New Roman" panose="02020603050405020304" pitchFamily="18" charset="0"/>
-                  <a:cs typeface="Times New Roman" panose="02020603050405020304" pitchFamily="18" charset="0"/>
-                </a:rPr>
-                <a:t>Degree Ratio = 1.0</a:t>
-              </a:r>
-            </a:p>
-          </p:txBody>
-        </p:sp>
-      </p:grpSp>
+            <a:ext cx="24274872" cy="13160967"/>
+          </a:xfrm>
+          <a:prstGeom prst="rect">
+            <a:avLst/>
+          </a:prstGeom>
+        </p:spPr>
+      </p:pic>
+      <p:pic>
+        <p:nvPicPr>
+          <p:cNvPr id="50" name="Picture 49">
+            <a:extLst>
+              <a:ext uri="{FF2B5EF4-FFF2-40B4-BE49-F238E27FC236}">
+                <a16:creationId xmlns:a16="http://schemas.microsoft.com/office/drawing/2014/main" id="{CA4AC54D-5B8B-4016-ACDF-1EACA6A819CA}"/>
+              </a:ext>
+            </a:extLst>
+          </p:cNvPr>
+          <p:cNvPicPr>
+            <a:picLocks noChangeAspect="1"/>
+          </p:cNvPicPr>
+          <p:nvPr/>
+        </p:nvPicPr>
+        <p:blipFill>
+          <a:blip r:embed="rId9">
+            <a:extLst>
+              <a:ext uri="{28A0092B-C50C-407E-A947-70E740481C1C}">
+                <a14:useLocalDpi xmlns:a14="http://schemas.microsoft.com/office/drawing/2010/main" val="0"/>
+              </a:ext>
+            </a:extLst>
+          </a:blip>
+          <a:stretch>
+            <a:fillRect/>
+          </a:stretch>
+        </p:blipFill>
+        <p:spPr>
+          <a:xfrm>
+            <a:off x="20768489" y="22325559"/>
+            <a:ext cx="3459876" cy="3834613"/>
+          </a:xfrm>
+          <a:prstGeom prst="rect">
+            <a:avLst/>
+          </a:prstGeom>
+        </p:spPr>
+      </p:pic>
+      <p:sp>
+        <p:nvSpPr>
+          <p:cNvPr id="127" name="TextBox 126">
+            <a:extLst>
+              <a:ext uri="{FF2B5EF4-FFF2-40B4-BE49-F238E27FC236}">
+                <a16:creationId xmlns:a16="http://schemas.microsoft.com/office/drawing/2014/main" id="{B6524103-F19E-4708-90CC-48AC1D68C6F4}"/>
+              </a:ext>
+            </a:extLst>
+          </p:cNvPr>
+          <p:cNvSpPr txBox="1"/>
+          <p:nvPr/>
+        </p:nvSpPr>
+        <p:spPr>
+          <a:xfrm>
+            <a:off x="17421723" y="20922982"/>
+            <a:ext cx="1422307" cy="558744"/>
+          </a:xfrm>
+          <a:prstGeom prst="rect">
+            <a:avLst/>
+          </a:prstGeom>
+          <a:noFill/>
+        </p:spPr>
+        <p:txBody>
+          <a:bodyPr wrap="square" rtlCol="0">
+            <a:spAutoFit/>
+          </a:bodyPr>
+          <a:lstStyle/>
+          <a:p>
+            <a:r>
+              <a:rPr lang="en-US" sz="3031" dirty="0">
+                <a:latin typeface="Times New Roman" panose="02020603050405020304" pitchFamily="18" charset="0"/>
+                <a:cs typeface="Times New Roman" panose="02020603050405020304" pitchFamily="18" charset="0"/>
+              </a:rPr>
+              <a:t>CA9</a:t>
+            </a:r>
+          </a:p>
+        </p:txBody>
+      </p:sp>
+      <p:pic>
+        <p:nvPicPr>
+          <p:cNvPr id="53" name="Picture 52">
+            <a:extLst>
+              <a:ext uri="{FF2B5EF4-FFF2-40B4-BE49-F238E27FC236}">
+                <a16:creationId xmlns:a16="http://schemas.microsoft.com/office/drawing/2014/main" id="{51606502-6007-45C9-B34E-0FBCFDE2D98C}"/>
+              </a:ext>
+            </a:extLst>
+          </p:cNvPr>
+          <p:cNvPicPr>
+            <a:picLocks noChangeAspect="1"/>
+          </p:cNvPicPr>
+          <p:nvPr/>
+        </p:nvPicPr>
+        <p:blipFill>
+          <a:blip r:embed="rId10">
+            <a:extLst>
+              <a:ext uri="{28A0092B-C50C-407E-A947-70E740481C1C}">
+                <a14:useLocalDpi xmlns:a14="http://schemas.microsoft.com/office/drawing/2010/main" val="0"/>
+              </a:ext>
+            </a:extLst>
+          </a:blip>
+          <a:stretch>
+            <a:fillRect/>
+          </a:stretch>
+        </p:blipFill>
+        <p:spPr>
+          <a:xfrm>
+            <a:off x="16661055" y="22065817"/>
+            <a:ext cx="2718790" cy="4692818"/>
+          </a:xfrm>
+          <a:prstGeom prst="rect">
+            <a:avLst/>
+          </a:prstGeom>
+        </p:spPr>
+      </p:pic>
+      <p:sp>
+        <p:nvSpPr>
+          <p:cNvPr id="130" name="TextBox 129">
+            <a:extLst>
+              <a:ext uri="{FF2B5EF4-FFF2-40B4-BE49-F238E27FC236}">
+                <a16:creationId xmlns:a16="http://schemas.microsoft.com/office/drawing/2014/main" id="{CB4DEDA0-602B-4B9E-8A64-40A538AEA95E}"/>
+              </a:ext>
+            </a:extLst>
+          </p:cNvPr>
+          <p:cNvSpPr txBox="1"/>
+          <p:nvPr/>
+        </p:nvSpPr>
+        <p:spPr>
+          <a:xfrm>
+            <a:off x="12876934" y="20922982"/>
+            <a:ext cx="1777012" cy="558744"/>
+          </a:xfrm>
+          <a:prstGeom prst="rect">
+            <a:avLst/>
+          </a:prstGeom>
+          <a:noFill/>
+        </p:spPr>
+        <p:txBody>
+          <a:bodyPr wrap="square" rtlCol="0">
+            <a:spAutoFit/>
+          </a:bodyPr>
+          <a:lstStyle/>
+          <a:p>
+            <a:r>
+              <a:rPr lang="en-US" sz="3031" dirty="0">
+                <a:latin typeface="Times New Roman" panose="02020603050405020304" pitchFamily="18" charset="0"/>
+                <a:cs typeface="Times New Roman" panose="02020603050405020304" pitchFamily="18" charset="0"/>
+              </a:rPr>
+              <a:t>SSTR2</a:t>
+            </a:r>
+          </a:p>
+        </p:txBody>
+      </p:sp>
+      <p:pic>
+        <p:nvPicPr>
+          <p:cNvPr id="56" name="Picture 55" descr="Shape, arrow&#10;&#10;Description automatically generated">
+            <a:extLst>
+              <a:ext uri="{FF2B5EF4-FFF2-40B4-BE49-F238E27FC236}">
+                <a16:creationId xmlns:a16="http://schemas.microsoft.com/office/drawing/2014/main" id="{5CC393CE-5CBB-43C3-AC51-2F72CE051F2F}"/>
+              </a:ext>
+            </a:extLst>
+          </p:cNvPr>
+          <p:cNvPicPr>
+            <a:picLocks noChangeAspect="1"/>
+          </p:cNvPicPr>
+          <p:nvPr/>
+        </p:nvPicPr>
+        <p:blipFill>
+          <a:blip r:embed="rId11">
+            <a:extLst>
+              <a:ext uri="{28A0092B-C50C-407E-A947-70E740481C1C}">
+                <a14:useLocalDpi xmlns:a14="http://schemas.microsoft.com/office/drawing/2010/main" val="0"/>
+              </a:ext>
+            </a:extLst>
+          </a:blip>
+          <a:stretch>
+            <a:fillRect/>
+          </a:stretch>
+        </p:blipFill>
+        <p:spPr>
+          <a:xfrm>
+            <a:off x="12025627" y="22145484"/>
+            <a:ext cx="2926172" cy="4692819"/>
+          </a:xfrm>
+          <a:prstGeom prst="rect">
+            <a:avLst/>
+          </a:prstGeom>
+        </p:spPr>
+      </p:pic>
+      <p:sp>
+        <p:nvSpPr>
+          <p:cNvPr id="137" name="TextBox 136">
+            <a:extLst>
+              <a:ext uri="{FF2B5EF4-FFF2-40B4-BE49-F238E27FC236}">
+                <a16:creationId xmlns:a16="http://schemas.microsoft.com/office/drawing/2014/main" id="{3C3F2867-C13A-41FD-B93C-637A875E9480}"/>
+              </a:ext>
+            </a:extLst>
+          </p:cNvPr>
+          <p:cNvSpPr txBox="1"/>
+          <p:nvPr/>
+        </p:nvSpPr>
+        <p:spPr>
+          <a:xfrm>
+            <a:off x="12029006" y="31597972"/>
+            <a:ext cx="3326040" cy="558936"/>
+          </a:xfrm>
+          <a:prstGeom prst="rect">
+            <a:avLst/>
+          </a:prstGeom>
+          <a:solidFill>
+            <a:schemeClr val="bg1"/>
+          </a:solidFill>
+        </p:spPr>
+        <p:txBody>
+          <a:bodyPr wrap="none" rtlCol="0">
+            <a:spAutoFit/>
+          </a:bodyPr>
+          <a:lstStyle/>
+          <a:p>
+            <a:r>
+              <a:rPr lang="en-US" sz="3032" dirty="0">
+                <a:latin typeface="Times New Roman" panose="02020603050405020304" pitchFamily="18" charset="0"/>
+                <a:cs typeface="Times New Roman" panose="02020603050405020304" pitchFamily="18" charset="0"/>
+              </a:rPr>
+              <a:t>Target Degree Ratio</a:t>
+            </a:r>
+          </a:p>
+        </p:txBody>
+      </p:sp>
+      <p:sp>
+        <p:nvSpPr>
+          <p:cNvPr id="138" name="TextBox 137">
+            <a:extLst>
+              <a:ext uri="{FF2B5EF4-FFF2-40B4-BE49-F238E27FC236}">
+                <a16:creationId xmlns:a16="http://schemas.microsoft.com/office/drawing/2014/main" id="{5129DD38-2637-4D22-93D0-02E6D0885C2F}"/>
+              </a:ext>
+            </a:extLst>
+          </p:cNvPr>
+          <p:cNvSpPr txBox="1"/>
+          <p:nvPr/>
+        </p:nvSpPr>
+        <p:spPr>
+          <a:xfrm rot="16200000">
+            <a:off x="687651" y="25049945"/>
+            <a:ext cx="898002" cy="558936"/>
+          </a:xfrm>
+          <a:prstGeom prst="rect">
+            <a:avLst/>
+          </a:prstGeom>
+          <a:solidFill>
+            <a:schemeClr val="bg1"/>
+          </a:solidFill>
+        </p:spPr>
+        <p:txBody>
+          <a:bodyPr wrap="none" rtlCol="0">
+            <a:spAutoFit/>
+          </a:bodyPr>
+          <a:lstStyle/>
+          <a:p>
+            <a:r>
+              <a:rPr lang="en-US" sz="3032" dirty="0">
+                <a:latin typeface="Times New Roman" panose="02020603050405020304" pitchFamily="18" charset="0"/>
+                <a:cs typeface="Times New Roman" panose="02020603050405020304" pitchFamily="18" charset="0"/>
+              </a:rPr>
+              <a:t>PDF</a:t>
+            </a:r>
+          </a:p>
+        </p:txBody>
+      </p:sp>
+      <p:pic>
+        <p:nvPicPr>
+          <p:cNvPr id="65" name="Picture 64" descr="Chart, scatter chart&#10;&#10;Description automatically generated">
+            <a:extLst>
+              <a:ext uri="{FF2B5EF4-FFF2-40B4-BE49-F238E27FC236}">
+                <a16:creationId xmlns:a16="http://schemas.microsoft.com/office/drawing/2014/main" id="{412FAD74-3AC3-4DBD-A130-21FD2B3C227B}"/>
+              </a:ext>
+            </a:extLst>
+          </p:cNvPr>
+          <p:cNvPicPr>
+            <a:picLocks noChangeAspect="1"/>
+          </p:cNvPicPr>
+          <p:nvPr/>
+        </p:nvPicPr>
+        <p:blipFill>
+          <a:blip r:embed="rId12">
+            <a:extLst>
+              <a:ext uri="{28A0092B-C50C-407E-A947-70E740481C1C}">
+                <a14:useLocalDpi xmlns:a14="http://schemas.microsoft.com/office/drawing/2010/main" val="0"/>
+              </a:ext>
+            </a:extLst>
+          </a:blip>
+          <a:stretch>
+            <a:fillRect/>
+          </a:stretch>
+        </p:blipFill>
+        <p:spPr>
+          <a:xfrm>
+            <a:off x="2862972" y="19703820"/>
+            <a:ext cx="8288157" cy="5876444"/>
+          </a:xfrm>
+          <a:prstGeom prst="rect">
+            <a:avLst/>
+          </a:prstGeom>
+        </p:spPr>
+      </p:pic>
+      <p:sp>
+        <p:nvSpPr>
+          <p:cNvPr id="242" name="TextBox 241">
+            <a:extLst>
+              <a:ext uri="{FF2B5EF4-FFF2-40B4-BE49-F238E27FC236}">
+                <a16:creationId xmlns:a16="http://schemas.microsoft.com/office/drawing/2014/main" id="{D2CC9423-585C-4A71-8CE6-E817FB0207FC}"/>
+              </a:ext>
+            </a:extLst>
+          </p:cNvPr>
+          <p:cNvSpPr txBox="1"/>
+          <p:nvPr/>
+        </p:nvSpPr>
+        <p:spPr>
+          <a:xfrm>
+            <a:off x="21823108" y="20922983"/>
+            <a:ext cx="1193554" cy="558743"/>
+          </a:xfrm>
+          <a:prstGeom prst="rect">
+            <a:avLst/>
+          </a:prstGeom>
+          <a:noFill/>
+        </p:spPr>
+        <p:txBody>
+          <a:bodyPr wrap="square" rtlCol="0">
+            <a:spAutoFit/>
+          </a:bodyPr>
+          <a:lstStyle/>
+          <a:p>
+            <a:r>
+              <a:rPr lang="en-US" sz="3031" dirty="0">
+                <a:latin typeface="Times New Roman" panose="02020603050405020304" pitchFamily="18" charset="0"/>
+                <a:cs typeface="Times New Roman" panose="02020603050405020304" pitchFamily="18" charset="0"/>
+              </a:rPr>
+              <a:t>PPIF</a:t>
+            </a:r>
+          </a:p>
+        </p:txBody>
+      </p:sp>
       <p:sp>
         <p:nvSpPr>
           <p:cNvPr id="247" name="TextBox 246">
@@ -4796,14 +4481,14 @@
           <p:nvPr>
             <p:extLst>
               <p:ext uri="{D42A27DB-BD31-4B8C-83A1-F6EECF244321}">
-                <p14:modId xmlns:p14="http://schemas.microsoft.com/office/powerpoint/2010/main" val="3114340745"/>
+                <p14:modId xmlns:p14="http://schemas.microsoft.com/office/powerpoint/2010/main" val="2963448746"/>
               </p:ext>
             </p:extLst>
           </p:nvPr>
         </p:nvGraphicFramePr>
         <p:xfrm>
-          <a:off x="3441504" y="2094675"/>
-          <a:ext cx="19231565" cy="3355847"/>
+          <a:off x="3585905" y="2323041"/>
+          <a:ext cx="19231565" cy="2807207"/>
         </p:xfrm>
         <a:graphic>
           <a:graphicData uri="http://schemas.openxmlformats.org/drawingml/2006/table">
@@ -4856,7 +4541,7 @@
                     <a:p>
                       <a:pPr algn="ctr"/>
                       <a:r>
-                        <a:rPr lang="en-US" sz="3600" dirty="0">
+                        <a:rPr lang="en-US" sz="3600" b="0" dirty="0">
                           <a:latin typeface="Times New Roman" panose="02020603050405020304" pitchFamily="18" charset="0"/>
                           <a:cs typeface="Times New Roman" panose="02020603050405020304" pitchFamily="18" charset="0"/>
                         </a:rPr>
@@ -4866,7 +4551,10 @@
                   </a:txBody>
                   <a:tcPr marL="153941" marR="153941" marT="76971" marB="76971">
                     <a:solidFill>
-                      <a:schemeClr val="accent2"/>
+                      <a:schemeClr val="accent2">
+                        <a:lumMod val="60000"/>
+                        <a:lumOff val="40000"/>
+                      </a:schemeClr>
                     </a:solidFill>
                   </a:tcPr>
                 </a:tc>
@@ -4877,7 +4565,7 @@
                     <a:p>
                       <a:pPr algn="ctr"/>
                       <a:r>
-                        <a:rPr lang="en-US" sz="3600" dirty="0">
+                        <a:rPr lang="en-US" sz="3600" b="0" dirty="0">
                           <a:latin typeface="Times New Roman" panose="02020603050405020304" pitchFamily="18" charset="0"/>
                           <a:cs typeface="Times New Roman" panose="02020603050405020304" pitchFamily="18" charset="0"/>
                         </a:rPr>
@@ -4887,7 +4575,10 @@
                   </a:txBody>
                   <a:tcPr marL="153941" marR="153941" marT="76971" marB="76971">
                     <a:solidFill>
-                      <a:schemeClr val="accent2"/>
+                      <a:schemeClr val="accent2">
+                        <a:lumMod val="60000"/>
+                        <a:lumOff val="40000"/>
+                      </a:schemeClr>
                     </a:solidFill>
                   </a:tcPr>
                 </a:tc>
@@ -4914,7 +4605,7 @@
                         <a:defRPr/>
                       </a:pPr>
                       <a:r>
-                        <a:rPr lang="en-US" sz="3600" dirty="0">
+                        <a:rPr lang="en-US" sz="3600" b="0" dirty="0">
                           <a:latin typeface="Times New Roman" panose="02020603050405020304" pitchFamily="18" charset="0"/>
                           <a:cs typeface="Times New Roman" panose="02020603050405020304" pitchFamily="18" charset="0"/>
                         </a:rPr>
@@ -4924,7 +4615,10 @@
                   </a:txBody>
                   <a:tcPr marL="153941" marR="153941" marT="76971" marB="76971">
                     <a:solidFill>
-                      <a:schemeClr val="accent2"/>
+                      <a:schemeClr val="accent2">
+                        <a:lumMod val="60000"/>
+                        <a:lumOff val="40000"/>
+                      </a:schemeClr>
                     </a:solidFill>
                   </a:tcPr>
                 </a:tc>
@@ -4935,7 +4629,7 @@
                     <a:p>
                       <a:pPr algn="ctr"/>
                       <a:r>
-                        <a:rPr lang="en-US" sz="3600" dirty="0">
+                        <a:rPr lang="en-US" sz="3600" b="0" dirty="0">
                           <a:latin typeface="Times New Roman" panose="02020603050405020304" pitchFamily="18" charset="0"/>
                           <a:cs typeface="Times New Roman" panose="02020603050405020304" pitchFamily="18" charset="0"/>
                         </a:rPr>
@@ -4945,7 +4639,10 @@
                   </a:txBody>
                   <a:tcPr marL="153941" marR="153941" marT="76971" marB="76971">
                     <a:solidFill>
-                      <a:schemeClr val="accent2"/>
+                      <a:schemeClr val="accent2">
+                        <a:lumMod val="60000"/>
+                        <a:lumOff val="40000"/>
+                      </a:schemeClr>
                     </a:solidFill>
                   </a:tcPr>
                 </a:tc>
@@ -4956,7 +4653,7 @@
                     <a:p>
                       <a:pPr algn="ctr"/>
                       <a:r>
-                        <a:rPr lang="en-US" sz="3600" dirty="0">
+                        <a:rPr lang="en-US" sz="3600" b="0" dirty="0">
                           <a:latin typeface="Times New Roman" panose="02020603050405020304" pitchFamily="18" charset="0"/>
                           <a:cs typeface="Times New Roman" panose="02020603050405020304" pitchFamily="18" charset="0"/>
                         </a:rPr>
@@ -4966,7 +4663,10 @@
                   </a:txBody>
                   <a:tcPr marL="153941" marR="153941" marT="76971" marB="76971">
                     <a:solidFill>
-                      <a:schemeClr val="accent2"/>
+                      <a:schemeClr val="accent2">
+                        <a:lumMod val="60000"/>
+                        <a:lumOff val="40000"/>
+                      </a:schemeClr>
                     </a:solidFill>
                   </a:tcPr>
                 </a:tc>
@@ -5249,7 +4949,7 @@
           <p:nvPr>
             <p:extLst>
               <p:ext uri="{D42A27DB-BD31-4B8C-83A1-F6EECF244321}">
-                <p14:modId xmlns:p14="http://schemas.microsoft.com/office/powerpoint/2010/main" val="1936594264"/>
+                <p14:modId xmlns:p14="http://schemas.microsoft.com/office/powerpoint/2010/main" val="497957224"/>
               </p:ext>
             </p:extLst>
           </p:nvPr>
@@ -5295,7 +4995,7 @@
                     <a:p>
                       <a:pPr algn="ctr"/>
                       <a:r>
-                        <a:rPr lang="en-US" sz="3600" dirty="0">
+                        <a:rPr lang="en-US" sz="3600" b="0" dirty="0">
                           <a:latin typeface="Times New Roman" panose="02020603050405020304" pitchFamily="18" charset="0"/>
                           <a:cs typeface="Times New Roman" panose="02020603050405020304" pitchFamily="18" charset="0"/>
                         </a:rPr>
@@ -5305,7 +5005,10 @@
                   </a:txBody>
                   <a:tcPr marL="106680" marR="106680" marT="53341" marB="53341">
                     <a:solidFill>
-                      <a:schemeClr val="accent2"/>
+                      <a:schemeClr val="accent2">
+                        <a:lumMod val="60000"/>
+                        <a:lumOff val="40000"/>
+                      </a:schemeClr>
                     </a:solidFill>
                   </a:tcPr>
                 </a:tc>
@@ -5316,7 +5019,7 @@
                     <a:p>
                       <a:pPr algn="ctr"/>
                       <a:r>
-                        <a:rPr lang="en-US" sz="3600" dirty="0">
+                        <a:rPr lang="en-US" sz="3600" b="0" dirty="0">
                           <a:latin typeface="Times New Roman" panose="02020603050405020304" pitchFamily="18" charset="0"/>
                           <a:cs typeface="Times New Roman" panose="02020603050405020304" pitchFamily="18" charset="0"/>
                         </a:rPr>
@@ -5326,7 +5029,10 @@
                   </a:txBody>
                   <a:tcPr marL="106680" marR="106680" marT="53341" marB="53341">
                     <a:solidFill>
-                      <a:schemeClr val="accent2"/>
+                      <a:schemeClr val="accent2">
+                        <a:lumMod val="60000"/>
+                        <a:lumOff val="40000"/>
+                      </a:schemeClr>
                     </a:solidFill>
                   </a:tcPr>
                 </a:tc>
@@ -5337,7 +5043,7 @@
                     <a:p>
                       <a:pPr algn="ctr"/>
                       <a:r>
-                        <a:rPr lang="en-US" sz="3600" dirty="0">
+                        <a:rPr lang="en-US" sz="3600" b="0" dirty="0">
                           <a:latin typeface="Times New Roman" panose="02020603050405020304" pitchFamily="18" charset="0"/>
                           <a:cs typeface="Times New Roman" panose="02020603050405020304" pitchFamily="18" charset="0"/>
                         </a:rPr>
@@ -5347,7 +5053,10 @@
                   </a:txBody>
                   <a:tcPr marL="106680" marR="106680" marT="53341" marB="53341">
                     <a:solidFill>
-                      <a:schemeClr val="accent2"/>
+                      <a:schemeClr val="accent2">
+                        <a:lumMod val="60000"/>
+                        <a:lumOff val="40000"/>
+                      </a:schemeClr>
                     </a:solidFill>
                   </a:tcPr>
                 </a:tc>
@@ -5667,6 +5376,1579 @@
                 <a:cs typeface="Times New Roman" panose="02020603050405020304" pitchFamily="18" charset="0"/>
               </a:rPr>
               <a:t>d</a:t>
+            </a:r>
+          </a:p>
+        </p:txBody>
+      </p:sp>
+      <p:sp>
+        <p:nvSpPr>
+          <p:cNvPr id="3" name="TextBox 2">
+            <a:extLst>
+              <a:ext uri="{FF2B5EF4-FFF2-40B4-BE49-F238E27FC236}">
+                <a16:creationId xmlns:a16="http://schemas.microsoft.com/office/drawing/2014/main" id="{38F7CD19-B46E-42EB-AC24-E8DA7A8CD606}"/>
+              </a:ext>
+            </a:extLst>
+          </p:cNvPr>
+          <p:cNvSpPr txBox="1"/>
+          <p:nvPr/>
+        </p:nvSpPr>
+        <p:spPr>
+          <a:xfrm>
+            <a:off x="6276257" y="11690426"/>
+            <a:ext cx="2533650" cy="400110"/>
+          </a:xfrm>
+          <a:prstGeom prst="rect">
+            <a:avLst/>
+          </a:prstGeom>
+          <a:solidFill>
+            <a:schemeClr val="bg1"/>
+          </a:solidFill>
+        </p:spPr>
+        <p:txBody>
+          <a:bodyPr wrap="square" rtlCol="0">
+            <a:spAutoFit/>
+          </a:bodyPr>
+          <a:lstStyle/>
+          <a:p>
+            <a:r>
+              <a:rPr lang="en-US" sz="2000" b="0" i="0" dirty="0">
+                <a:solidFill>
+                  <a:srgbClr val="202124"/>
+                </a:solidFill>
+                <a:effectLst/>
+                <a:latin typeface="Times New Roman" panose="02020603050405020304" pitchFamily="18" charset="0"/>
+                <a:cs typeface="Times New Roman" panose="02020603050405020304" pitchFamily="18" charset="0"/>
+              </a:rPr>
+              <a:t>Ligand degree ratio (</a:t>
+            </a:r>
+            <a:r>
+              <a:rPr lang="el-GR" sz="2000" b="0" i="0" dirty="0">
+                <a:solidFill>
+                  <a:srgbClr val="202124"/>
+                </a:solidFill>
+                <a:effectLst/>
+                <a:latin typeface="Times New Roman" panose="02020603050405020304" pitchFamily="18" charset="0"/>
+                <a:cs typeface="Times New Roman" panose="02020603050405020304" pitchFamily="18" charset="0"/>
+              </a:rPr>
+              <a:t>ρ</a:t>
+            </a:r>
+            <a:r>
+              <a:rPr lang="en-US" sz="2000" b="0" i="0" dirty="0">
+                <a:solidFill>
+                  <a:srgbClr val="202124"/>
+                </a:solidFill>
+                <a:effectLst/>
+                <a:latin typeface="Times New Roman" panose="02020603050405020304" pitchFamily="18" charset="0"/>
+                <a:cs typeface="Times New Roman" panose="02020603050405020304" pitchFamily="18" charset="0"/>
+              </a:rPr>
+              <a:t>)</a:t>
+            </a:r>
+            <a:endParaRPr lang="en-US" sz="2000" dirty="0">
+              <a:latin typeface="Times New Roman" panose="02020603050405020304" pitchFamily="18" charset="0"/>
+              <a:cs typeface="Times New Roman" panose="02020603050405020304" pitchFamily="18" charset="0"/>
+            </a:endParaRPr>
+          </a:p>
+        </p:txBody>
+      </p:sp>
+      <p:sp>
+        <p:nvSpPr>
+          <p:cNvPr id="42" name="TextBox 41">
+            <a:extLst>
+              <a:ext uri="{FF2B5EF4-FFF2-40B4-BE49-F238E27FC236}">
+                <a16:creationId xmlns:a16="http://schemas.microsoft.com/office/drawing/2014/main" id="{B3266572-EF5E-47CF-A842-385D125F5352}"/>
+              </a:ext>
+            </a:extLst>
+          </p:cNvPr>
+          <p:cNvSpPr txBox="1"/>
+          <p:nvPr/>
+        </p:nvSpPr>
+        <p:spPr>
+          <a:xfrm rot="16200000">
+            <a:off x="1736318" y="8762232"/>
+            <a:ext cx="2813996" cy="400110"/>
+          </a:xfrm>
+          <a:prstGeom prst="rect">
+            <a:avLst/>
+          </a:prstGeom>
+          <a:solidFill>
+            <a:schemeClr val="bg1"/>
+          </a:solidFill>
+        </p:spPr>
+        <p:txBody>
+          <a:bodyPr wrap="square" rtlCol="0">
+            <a:spAutoFit/>
+          </a:bodyPr>
+          <a:lstStyle/>
+          <a:p>
+            <a:r>
+              <a:rPr lang="en-US" sz="2000" b="0" i="0" dirty="0">
+                <a:solidFill>
+                  <a:srgbClr val="202124"/>
+                </a:solidFill>
+                <a:effectLst/>
+                <a:latin typeface="Times New Roman" panose="02020603050405020304" pitchFamily="18" charset="0"/>
+                <a:cs typeface="Times New Roman" panose="02020603050405020304" pitchFamily="18" charset="0"/>
+              </a:rPr>
+              <a:t>DeepPurpose Prediction</a:t>
+            </a:r>
+            <a:endParaRPr lang="en-US" sz="2000" dirty="0">
+              <a:latin typeface="Times New Roman" panose="02020603050405020304" pitchFamily="18" charset="0"/>
+              <a:cs typeface="Times New Roman" panose="02020603050405020304" pitchFamily="18" charset="0"/>
+            </a:endParaRPr>
+          </a:p>
+        </p:txBody>
+      </p:sp>
+      <p:sp>
+        <p:nvSpPr>
+          <p:cNvPr id="43" name="TextBox 42">
+            <a:extLst>
+              <a:ext uri="{FF2B5EF4-FFF2-40B4-BE49-F238E27FC236}">
+                <a16:creationId xmlns:a16="http://schemas.microsoft.com/office/drawing/2014/main" id="{AB817699-0AFA-4CAF-B010-7BC32AA27916}"/>
+              </a:ext>
+            </a:extLst>
+          </p:cNvPr>
+          <p:cNvSpPr txBox="1"/>
+          <p:nvPr/>
+        </p:nvSpPr>
+        <p:spPr>
+          <a:xfrm rot="16200000">
+            <a:off x="1583684" y="22083028"/>
+            <a:ext cx="2926733" cy="400110"/>
+          </a:xfrm>
+          <a:prstGeom prst="rect">
+            <a:avLst/>
+          </a:prstGeom>
+          <a:solidFill>
+            <a:schemeClr val="bg1"/>
+          </a:solidFill>
+        </p:spPr>
+        <p:txBody>
+          <a:bodyPr wrap="square" rtlCol="0">
+            <a:spAutoFit/>
+          </a:bodyPr>
+          <a:lstStyle/>
+          <a:p>
+            <a:r>
+              <a:rPr lang="en-US" sz="2000" b="0" i="0" dirty="0">
+                <a:solidFill>
+                  <a:srgbClr val="202124"/>
+                </a:solidFill>
+                <a:effectLst/>
+                <a:latin typeface="Times New Roman" panose="02020603050405020304" pitchFamily="18" charset="0"/>
+                <a:cs typeface="Times New Roman" panose="02020603050405020304" pitchFamily="18" charset="0"/>
+              </a:rPr>
+              <a:t>DeepPurpose Prediction</a:t>
+            </a:r>
+            <a:endParaRPr lang="en-US" sz="2000" dirty="0">
+              <a:latin typeface="Times New Roman" panose="02020603050405020304" pitchFamily="18" charset="0"/>
+              <a:cs typeface="Times New Roman" panose="02020603050405020304" pitchFamily="18" charset="0"/>
+            </a:endParaRPr>
+          </a:p>
+        </p:txBody>
+      </p:sp>
+      <p:sp>
+        <p:nvSpPr>
+          <p:cNvPr id="54" name="TextBox 53">
+            <a:extLst>
+              <a:ext uri="{FF2B5EF4-FFF2-40B4-BE49-F238E27FC236}">
+                <a16:creationId xmlns:a16="http://schemas.microsoft.com/office/drawing/2014/main" id="{E2920D8E-53D4-48A1-98D3-B25665B2FAE8}"/>
+              </a:ext>
+            </a:extLst>
+          </p:cNvPr>
+          <p:cNvSpPr txBox="1"/>
+          <p:nvPr/>
+        </p:nvSpPr>
+        <p:spPr>
+          <a:xfrm>
+            <a:off x="6187711" y="25158615"/>
+            <a:ext cx="2533650" cy="400110"/>
+          </a:xfrm>
+          <a:prstGeom prst="rect">
+            <a:avLst/>
+          </a:prstGeom>
+          <a:solidFill>
+            <a:schemeClr val="bg1"/>
+          </a:solidFill>
+        </p:spPr>
+        <p:txBody>
+          <a:bodyPr wrap="square" rtlCol="0">
+            <a:spAutoFit/>
+          </a:bodyPr>
+          <a:lstStyle/>
+          <a:p>
+            <a:r>
+              <a:rPr lang="en-US" sz="2000" dirty="0">
+                <a:solidFill>
+                  <a:srgbClr val="202124"/>
+                </a:solidFill>
+                <a:latin typeface="Times New Roman" panose="02020603050405020304" pitchFamily="18" charset="0"/>
+                <a:cs typeface="Times New Roman" panose="02020603050405020304" pitchFamily="18" charset="0"/>
+              </a:rPr>
+              <a:t>Target</a:t>
+            </a:r>
+            <a:r>
+              <a:rPr lang="en-US" sz="2000" b="0" i="0" dirty="0">
+                <a:solidFill>
+                  <a:srgbClr val="202124"/>
+                </a:solidFill>
+                <a:effectLst/>
+                <a:latin typeface="Times New Roman" panose="02020603050405020304" pitchFamily="18" charset="0"/>
+                <a:cs typeface="Times New Roman" panose="02020603050405020304" pitchFamily="18" charset="0"/>
+              </a:rPr>
+              <a:t> degree ratio (</a:t>
+            </a:r>
+            <a:r>
+              <a:rPr lang="el-GR" sz="2000" b="0" i="0" dirty="0">
+                <a:solidFill>
+                  <a:srgbClr val="202124"/>
+                </a:solidFill>
+                <a:effectLst/>
+                <a:latin typeface="Times New Roman" panose="02020603050405020304" pitchFamily="18" charset="0"/>
+                <a:cs typeface="Times New Roman" panose="02020603050405020304" pitchFamily="18" charset="0"/>
+              </a:rPr>
+              <a:t>ρ</a:t>
+            </a:r>
+            <a:r>
+              <a:rPr lang="en-US" sz="2000" b="0" i="0" dirty="0">
+                <a:solidFill>
+                  <a:srgbClr val="202124"/>
+                </a:solidFill>
+                <a:effectLst/>
+                <a:latin typeface="Times New Roman" panose="02020603050405020304" pitchFamily="18" charset="0"/>
+                <a:cs typeface="Times New Roman" panose="02020603050405020304" pitchFamily="18" charset="0"/>
+              </a:rPr>
+              <a:t>)</a:t>
+            </a:r>
+            <a:endParaRPr lang="en-US" sz="2000" dirty="0">
+              <a:latin typeface="Times New Roman" panose="02020603050405020304" pitchFamily="18" charset="0"/>
+              <a:cs typeface="Times New Roman" panose="02020603050405020304" pitchFamily="18" charset="0"/>
+            </a:endParaRPr>
+          </a:p>
+        </p:txBody>
+      </p:sp>
+      <p:sp>
+        <p:nvSpPr>
+          <p:cNvPr id="41" name="TextBox 40">
+            <a:extLst>
+              <a:ext uri="{FF2B5EF4-FFF2-40B4-BE49-F238E27FC236}">
+                <a16:creationId xmlns:a16="http://schemas.microsoft.com/office/drawing/2014/main" id="{F24CC596-D39E-40BE-BDFD-E84C22C8FC8E}"/>
+              </a:ext>
+            </a:extLst>
+          </p:cNvPr>
+          <p:cNvSpPr txBox="1"/>
+          <p:nvPr/>
+        </p:nvSpPr>
+        <p:spPr>
+          <a:xfrm>
+            <a:off x="17567591" y="14060956"/>
+            <a:ext cx="2324964" cy="1517595"/>
+          </a:xfrm>
+          <a:prstGeom prst="rect">
+            <a:avLst/>
+          </a:prstGeom>
+          <a:noFill/>
+        </p:spPr>
+        <p:txBody>
+          <a:bodyPr wrap="square" rtlCol="0">
+            <a:spAutoFit/>
+          </a:bodyPr>
+          <a:lstStyle/>
+          <a:p>
+            <a:r>
+              <a:rPr lang="en-US" sz="3030" dirty="0">
+                <a:effectLst/>
+                <a:latin typeface="Times New Roman" panose="02020603050405020304" pitchFamily="18" charset="0"/>
+                <a:ea typeface="Calibri" panose="020F0502020204030204" pitchFamily="34" charset="0"/>
+              </a:rPr>
+              <a:t>k</a:t>
+            </a:r>
+            <a:r>
+              <a:rPr lang="en-US" sz="3030" baseline="-25000" dirty="0">
+                <a:effectLst/>
+                <a:latin typeface="Times New Roman" panose="02020603050405020304" pitchFamily="18" charset="0"/>
+                <a:ea typeface="Calibri" panose="020F0502020204030204" pitchFamily="34" charset="0"/>
+              </a:rPr>
+              <a:t>+</a:t>
+            </a:r>
+            <a:r>
+              <a:rPr lang="en-US" sz="3030" dirty="0">
+                <a:latin typeface="Times New Roman" panose="02020603050405020304" pitchFamily="18" charset="0"/>
+                <a:cs typeface="Times New Roman" panose="02020603050405020304" pitchFamily="18" charset="0"/>
+              </a:rPr>
+              <a:t>= </a:t>
+            </a:r>
+            <a:r>
+              <a:rPr lang="en-US" sz="3031" dirty="0">
+                <a:latin typeface="Times New Roman" panose="02020603050405020304" pitchFamily="18" charset="0"/>
+                <a:cs typeface="Times New Roman" panose="02020603050405020304" pitchFamily="18" charset="0"/>
+              </a:rPr>
+              <a:t>4</a:t>
+            </a:r>
+          </a:p>
+          <a:p>
+            <a:r>
+              <a:rPr lang="en-US" sz="3030" dirty="0">
+                <a:effectLst/>
+                <a:latin typeface="Times New Roman" panose="02020603050405020304" pitchFamily="18" charset="0"/>
+                <a:ea typeface="Calibri" panose="020F0502020204030204" pitchFamily="34" charset="0"/>
+              </a:rPr>
+              <a:t>k</a:t>
+            </a:r>
+            <a:r>
+              <a:rPr lang="en-US" sz="3030" baseline="-25000" dirty="0">
+                <a:latin typeface="Times New Roman" panose="02020603050405020304" pitchFamily="18" charset="0"/>
+                <a:ea typeface="Calibri" panose="020F0502020204030204" pitchFamily="34" charset="0"/>
+              </a:rPr>
+              <a:t>- </a:t>
+            </a:r>
+            <a:r>
+              <a:rPr lang="en-US" sz="3031" dirty="0">
+                <a:latin typeface="Times New Roman" panose="02020603050405020304" pitchFamily="18" charset="0"/>
+                <a:cs typeface="Times New Roman" panose="02020603050405020304" pitchFamily="18" charset="0"/>
+              </a:rPr>
+              <a:t>= 1</a:t>
+            </a:r>
+          </a:p>
+          <a:p>
+            <a:r>
+              <a:rPr lang="el-GR" sz="3200" b="0" i="0" dirty="0">
+                <a:solidFill>
+                  <a:srgbClr val="202124"/>
+                </a:solidFill>
+                <a:effectLst/>
+                <a:latin typeface="Times New Roman" panose="02020603050405020304" pitchFamily="18" charset="0"/>
+                <a:cs typeface="Times New Roman" panose="02020603050405020304" pitchFamily="18" charset="0"/>
+              </a:rPr>
+              <a:t>ρ </a:t>
+            </a:r>
+            <a:r>
+              <a:rPr lang="en-US" sz="3031" dirty="0">
+                <a:latin typeface="Times New Roman" panose="02020603050405020304" pitchFamily="18" charset="0"/>
+                <a:cs typeface="Times New Roman" panose="02020603050405020304" pitchFamily="18" charset="0"/>
+              </a:rPr>
+              <a:t>= 0.8</a:t>
+            </a:r>
+          </a:p>
+        </p:txBody>
+      </p:sp>
+      <p:sp>
+        <p:nvSpPr>
+          <p:cNvPr id="55" name="TextBox 54">
+            <a:extLst>
+              <a:ext uri="{FF2B5EF4-FFF2-40B4-BE49-F238E27FC236}">
+                <a16:creationId xmlns:a16="http://schemas.microsoft.com/office/drawing/2014/main" id="{B33FDAE6-A647-4474-ABDD-12982A2A08EB}"/>
+              </a:ext>
+            </a:extLst>
+          </p:cNvPr>
+          <p:cNvSpPr txBox="1"/>
+          <p:nvPr/>
+        </p:nvSpPr>
+        <p:spPr>
+          <a:xfrm>
+            <a:off x="21923980" y="14045622"/>
+            <a:ext cx="2324964" cy="1517595"/>
+          </a:xfrm>
+          <a:prstGeom prst="rect">
+            <a:avLst/>
+          </a:prstGeom>
+          <a:noFill/>
+        </p:spPr>
+        <p:txBody>
+          <a:bodyPr wrap="square" rtlCol="0">
+            <a:spAutoFit/>
+          </a:bodyPr>
+          <a:lstStyle/>
+          <a:p>
+            <a:r>
+              <a:rPr lang="en-US" sz="3030" dirty="0">
+                <a:effectLst/>
+                <a:latin typeface="Times New Roman" panose="02020603050405020304" pitchFamily="18" charset="0"/>
+                <a:ea typeface="Calibri" panose="020F0502020204030204" pitchFamily="34" charset="0"/>
+              </a:rPr>
+              <a:t>k</a:t>
+            </a:r>
+            <a:r>
+              <a:rPr lang="en-US" sz="3030" baseline="-25000" dirty="0">
+                <a:effectLst/>
+                <a:latin typeface="Times New Roman" panose="02020603050405020304" pitchFamily="18" charset="0"/>
+                <a:ea typeface="Calibri" panose="020F0502020204030204" pitchFamily="34" charset="0"/>
+              </a:rPr>
+              <a:t>+</a:t>
+            </a:r>
+            <a:r>
+              <a:rPr lang="en-US" sz="3030" dirty="0">
+                <a:latin typeface="Times New Roman" panose="02020603050405020304" pitchFamily="18" charset="0"/>
+                <a:cs typeface="Times New Roman" panose="02020603050405020304" pitchFamily="18" charset="0"/>
+              </a:rPr>
+              <a:t>= </a:t>
+            </a:r>
+            <a:r>
+              <a:rPr lang="en-US" sz="3031" dirty="0">
+                <a:latin typeface="Times New Roman" panose="02020603050405020304" pitchFamily="18" charset="0"/>
+                <a:cs typeface="Times New Roman" panose="02020603050405020304" pitchFamily="18" charset="0"/>
+              </a:rPr>
+              <a:t>1</a:t>
+            </a:r>
+          </a:p>
+          <a:p>
+            <a:r>
+              <a:rPr lang="en-US" sz="3030" dirty="0">
+                <a:effectLst/>
+                <a:latin typeface="Times New Roman" panose="02020603050405020304" pitchFamily="18" charset="0"/>
+                <a:ea typeface="Calibri" panose="020F0502020204030204" pitchFamily="34" charset="0"/>
+              </a:rPr>
+              <a:t>k</a:t>
+            </a:r>
+            <a:r>
+              <a:rPr lang="en-US" sz="3030" baseline="-25000" dirty="0">
+                <a:latin typeface="Times New Roman" panose="02020603050405020304" pitchFamily="18" charset="0"/>
+                <a:ea typeface="Calibri" panose="020F0502020204030204" pitchFamily="34" charset="0"/>
+              </a:rPr>
+              <a:t>- </a:t>
+            </a:r>
+            <a:r>
+              <a:rPr lang="en-US" sz="3031" dirty="0">
+                <a:latin typeface="Times New Roman" panose="02020603050405020304" pitchFamily="18" charset="0"/>
+                <a:cs typeface="Times New Roman" panose="02020603050405020304" pitchFamily="18" charset="0"/>
+              </a:rPr>
+              <a:t>= 0</a:t>
+            </a:r>
+          </a:p>
+          <a:p>
+            <a:r>
+              <a:rPr lang="el-GR" sz="3200" b="0" i="0" dirty="0">
+                <a:solidFill>
+                  <a:srgbClr val="202124"/>
+                </a:solidFill>
+                <a:effectLst/>
+                <a:latin typeface="Times New Roman" panose="02020603050405020304" pitchFamily="18" charset="0"/>
+                <a:cs typeface="Times New Roman" panose="02020603050405020304" pitchFamily="18" charset="0"/>
+              </a:rPr>
+              <a:t>ρ </a:t>
+            </a:r>
+            <a:r>
+              <a:rPr lang="en-US" sz="3031" dirty="0">
+                <a:latin typeface="Times New Roman" panose="02020603050405020304" pitchFamily="18" charset="0"/>
+                <a:cs typeface="Times New Roman" panose="02020603050405020304" pitchFamily="18" charset="0"/>
+              </a:rPr>
+              <a:t>= 1.0</a:t>
+            </a:r>
+          </a:p>
+        </p:txBody>
+      </p:sp>
+      <p:sp>
+        <p:nvSpPr>
+          <p:cNvPr id="2" name="Rectangle: Rounded Corners 1">
+            <a:extLst>
+              <a:ext uri="{FF2B5EF4-FFF2-40B4-BE49-F238E27FC236}">
+                <a16:creationId xmlns:a16="http://schemas.microsoft.com/office/drawing/2014/main" id="{06528401-31DD-462C-A26E-90F6C6774D23}"/>
+              </a:ext>
+            </a:extLst>
+          </p:cNvPr>
+          <p:cNvSpPr/>
+          <p:nvPr/>
+        </p:nvSpPr>
+        <p:spPr>
+          <a:xfrm>
+            <a:off x="11909883" y="7589350"/>
+            <a:ext cx="4028276" cy="8580061"/>
+          </a:xfrm>
+          <a:prstGeom prst="roundRect">
+            <a:avLst/>
+          </a:prstGeom>
+          <a:noFill/>
+          <a:ln w="38100">
+            <a:solidFill>
+              <a:srgbClr val="92D6B7"/>
+            </a:solidFill>
+          </a:ln>
+        </p:spPr>
+        <p:style>
+          <a:lnRef idx="2">
+            <a:schemeClr val="accent1">
+              <a:shade val="50000"/>
+            </a:schemeClr>
+          </a:lnRef>
+          <a:fillRef idx="1">
+            <a:schemeClr val="accent1"/>
+          </a:fillRef>
+          <a:effectRef idx="0">
+            <a:schemeClr val="accent1"/>
+          </a:effectRef>
+          <a:fontRef idx="minor">
+            <a:schemeClr val="lt1"/>
+          </a:fontRef>
+        </p:style>
+        <p:txBody>
+          <a:bodyPr rtlCol="0" anchor="ctr"/>
+          <a:lstStyle/>
+          <a:p>
+            <a:pPr algn="ctr"/>
+            <a:endParaRPr lang="en-US"/>
+          </a:p>
+        </p:txBody>
+      </p:sp>
+      <p:sp>
+        <p:nvSpPr>
+          <p:cNvPr id="57" name="Rectangle: Rounded Corners 56">
+            <a:extLst>
+              <a:ext uri="{FF2B5EF4-FFF2-40B4-BE49-F238E27FC236}">
+                <a16:creationId xmlns:a16="http://schemas.microsoft.com/office/drawing/2014/main" id="{190277C0-4B3D-49F0-A7B4-4DF6F9E90718}"/>
+              </a:ext>
+            </a:extLst>
+          </p:cNvPr>
+          <p:cNvSpPr/>
+          <p:nvPr/>
+        </p:nvSpPr>
+        <p:spPr>
+          <a:xfrm>
+            <a:off x="16190506" y="7555288"/>
+            <a:ext cx="4028276" cy="8580061"/>
+          </a:xfrm>
+          <a:prstGeom prst="roundRect">
+            <a:avLst/>
+          </a:prstGeom>
+          <a:noFill/>
+          <a:ln w="38100">
+            <a:solidFill>
+              <a:srgbClr val="92D6B7"/>
+            </a:solidFill>
+          </a:ln>
+        </p:spPr>
+        <p:style>
+          <a:lnRef idx="2">
+            <a:schemeClr val="accent1">
+              <a:shade val="50000"/>
+            </a:schemeClr>
+          </a:lnRef>
+          <a:fillRef idx="1">
+            <a:schemeClr val="accent1"/>
+          </a:fillRef>
+          <a:effectRef idx="0">
+            <a:schemeClr val="accent1"/>
+          </a:effectRef>
+          <a:fontRef idx="minor">
+            <a:schemeClr val="lt1"/>
+          </a:fontRef>
+        </p:style>
+        <p:txBody>
+          <a:bodyPr rtlCol="0" anchor="ctr"/>
+          <a:lstStyle/>
+          <a:p>
+            <a:pPr algn="ctr"/>
+            <a:endParaRPr lang="en-US"/>
+          </a:p>
+        </p:txBody>
+      </p:sp>
+      <p:sp>
+        <p:nvSpPr>
+          <p:cNvPr id="58" name="Rectangle: Rounded Corners 57">
+            <a:extLst>
+              <a:ext uri="{FF2B5EF4-FFF2-40B4-BE49-F238E27FC236}">
+                <a16:creationId xmlns:a16="http://schemas.microsoft.com/office/drawing/2014/main" id="{C99D954B-2D86-441D-B426-7D60BF51CEC9}"/>
+              </a:ext>
+            </a:extLst>
+          </p:cNvPr>
+          <p:cNvSpPr/>
+          <p:nvPr/>
+        </p:nvSpPr>
+        <p:spPr>
+          <a:xfrm>
+            <a:off x="20440190" y="7555288"/>
+            <a:ext cx="4028276" cy="8580061"/>
+          </a:xfrm>
+          <a:prstGeom prst="roundRect">
+            <a:avLst/>
+          </a:prstGeom>
+          <a:noFill/>
+          <a:ln w="38100">
+            <a:solidFill>
+              <a:srgbClr val="92D6B7"/>
+            </a:solidFill>
+          </a:ln>
+        </p:spPr>
+        <p:style>
+          <a:lnRef idx="2">
+            <a:schemeClr val="accent1">
+              <a:shade val="50000"/>
+            </a:schemeClr>
+          </a:lnRef>
+          <a:fillRef idx="1">
+            <a:schemeClr val="accent1"/>
+          </a:fillRef>
+          <a:effectRef idx="0">
+            <a:schemeClr val="accent1"/>
+          </a:effectRef>
+          <a:fontRef idx="minor">
+            <a:schemeClr val="lt1"/>
+          </a:fontRef>
+        </p:style>
+        <p:txBody>
+          <a:bodyPr rtlCol="0" anchor="ctr"/>
+          <a:lstStyle/>
+          <a:p>
+            <a:pPr algn="ctr"/>
+            <a:endParaRPr lang="en-US"/>
+          </a:p>
+        </p:txBody>
+      </p:sp>
+      <p:grpSp>
+        <p:nvGrpSpPr>
+          <p:cNvPr id="5" name="Group 4">
+            <a:extLst>
+              <a:ext uri="{FF2B5EF4-FFF2-40B4-BE49-F238E27FC236}">
+                <a16:creationId xmlns:a16="http://schemas.microsoft.com/office/drawing/2014/main" id="{27300B54-F5A2-4478-BE35-0E5217594004}"/>
+              </a:ext>
+            </a:extLst>
+          </p:cNvPr>
+          <p:cNvGrpSpPr/>
+          <p:nvPr/>
+        </p:nvGrpSpPr>
+        <p:grpSpPr>
+          <a:xfrm>
+            <a:off x="21483123" y="6219785"/>
+            <a:ext cx="3222211" cy="800220"/>
+            <a:chOff x="21483123" y="6219785"/>
+            <a:chExt cx="3222211" cy="800220"/>
+          </a:xfrm>
+        </p:grpSpPr>
+        <p:sp>
+          <p:nvSpPr>
+            <p:cNvPr id="60" name="TextBox 59">
+              <a:extLst>
+                <a:ext uri="{FF2B5EF4-FFF2-40B4-BE49-F238E27FC236}">
+                  <a16:creationId xmlns:a16="http://schemas.microsoft.com/office/drawing/2014/main" id="{042583C2-7C0D-491E-BACB-0CD11BF86216}"/>
+                </a:ext>
+              </a:extLst>
+            </p:cNvPr>
+            <p:cNvSpPr txBox="1"/>
+            <p:nvPr/>
+          </p:nvSpPr>
+          <p:spPr>
+            <a:xfrm>
+              <a:off x="22115702" y="6219785"/>
+              <a:ext cx="2589632" cy="400110"/>
+            </a:xfrm>
+            <a:prstGeom prst="rect">
+              <a:avLst/>
+            </a:prstGeom>
+            <a:solidFill>
+              <a:schemeClr val="bg1"/>
+            </a:solidFill>
+          </p:spPr>
+          <p:txBody>
+            <a:bodyPr wrap="square" rtlCol="0">
+              <a:spAutoFit/>
+            </a:bodyPr>
+            <a:lstStyle/>
+            <a:p>
+              <a:r>
+                <a:rPr lang="en-US" sz="2000" b="0" i="0" dirty="0">
+                  <a:solidFill>
+                    <a:srgbClr val="202124"/>
+                  </a:solidFill>
+                  <a:effectLst/>
+                  <a:latin typeface="Times New Roman" panose="02020603050405020304" pitchFamily="18" charset="0"/>
+                  <a:cs typeface="Times New Roman" panose="02020603050405020304" pitchFamily="18" charset="0"/>
+                </a:rPr>
+                <a:t>BindingDB</a:t>
+              </a:r>
+            </a:p>
+          </p:txBody>
+        </p:sp>
+        <p:sp>
+          <p:nvSpPr>
+            <p:cNvPr id="4" name="Rectangle 3">
+              <a:extLst>
+                <a:ext uri="{FF2B5EF4-FFF2-40B4-BE49-F238E27FC236}">
+                  <a16:creationId xmlns:a16="http://schemas.microsoft.com/office/drawing/2014/main" id="{703CD9E6-3572-452B-B7E8-78E3D4FE2A0F}"/>
+                </a:ext>
+              </a:extLst>
+            </p:cNvPr>
+            <p:cNvSpPr/>
+            <p:nvPr/>
+          </p:nvSpPr>
+          <p:spPr>
+            <a:xfrm>
+              <a:off x="21483123" y="6296644"/>
+              <a:ext cx="440857" cy="247772"/>
+            </a:xfrm>
+            <a:prstGeom prst="rect">
+              <a:avLst/>
+            </a:prstGeom>
+            <a:solidFill>
+              <a:srgbClr val="D6E5F0"/>
+            </a:solidFill>
+          </p:spPr>
+          <p:style>
+            <a:lnRef idx="2">
+              <a:schemeClr val="accent1">
+                <a:shade val="50000"/>
+              </a:schemeClr>
+            </a:lnRef>
+            <a:fillRef idx="1">
+              <a:schemeClr val="accent1"/>
+            </a:fillRef>
+            <a:effectRef idx="0">
+              <a:schemeClr val="accent1"/>
+            </a:effectRef>
+            <a:fontRef idx="minor">
+              <a:schemeClr val="lt1"/>
+            </a:fontRef>
+          </p:style>
+          <p:txBody>
+            <a:bodyPr rtlCol="0" anchor="ctr"/>
+            <a:lstStyle/>
+            <a:p>
+              <a:pPr algn="ctr"/>
+              <a:endParaRPr lang="en-US"/>
+            </a:p>
+          </p:txBody>
+        </p:sp>
+        <p:sp>
+          <p:nvSpPr>
+            <p:cNvPr id="61" name="Rectangle 60">
+              <a:extLst>
+                <a:ext uri="{FF2B5EF4-FFF2-40B4-BE49-F238E27FC236}">
+                  <a16:creationId xmlns:a16="http://schemas.microsoft.com/office/drawing/2014/main" id="{7F6B4736-52FF-49A0-B27F-1FF76A953F43}"/>
+                </a:ext>
+              </a:extLst>
+            </p:cNvPr>
+            <p:cNvSpPr/>
+            <p:nvPr/>
+          </p:nvSpPr>
+          <p:spPr>
+            <a:xfrm>
+              <a:off x="21483123" y="6721369"/>
+              <a:ext cx="440857" cy="247772"/>
+            </a:xfrm>
+            <a:prstGeom prst="rect">
+              <a:avLst/>
+            </a:prstGeom>
+            <a:solidFill>
+              <a:srgbClr val="F9D0D0"/>
+            </a:solidFill>
+          </p:spPr>
+          <p:style>
+            <a:lnRef idx="2">
+              <a:schemeClr val="accent1">
+                <a:shade val="50000"/>
+              </a:schemeClr>
+            </a:lnRef>
+            <a:fillRef idx="1">
+              <a:schemeClr val="accent1"/>
+            </a:fillRef>
+            <a:effectRef idx="0">
+              <a:schemeClr val="accent1"/>
+            </a:effectRef>
+            <a:fontRef idx="minor">
+              <a:schemeClr val="lt1"/>
+            </a:fontRef>
+          </p:style>
+          <p:txBody>
+            <a:bodyPr rtlCol="0" anchor="ctr"/>
+            <a:lstStyle/>
+            <a:p>
+              <a:pPr algn="ctr"/>
+              <a:endParaRPr lang="en-US"/>
+            </a:p>
+          </p:txBody>
+        </p:sp>
+        <p:sp>
+          <p:nvSpPr>
+            <p:cNvPr id="63" name="TextBox 62">
+              <a:extLst>
+                <a:ext uri="{FF2B5EF4-FFF2-40B4-BE49-F238E27FC236}">
+                  <a16:creationId xmlns:a16="http://schemas.microsoft.com/office/drawing/2014/main" id="{D5015076-DE85-43C4-8EC8-6DD7D1AB233B}"/>
+                </a:ext>
+              </a:extLst>
+            </p:cNvPr>
+            <p:cNvSpPr txBox="1"/>
+            <p:nvPr/>
+          </p:nvSpPr>
+          <p:spPr>
+            <a:xfrm>
+              <a:off x="22108850" y="6619895"/>
+              <a:ext cx="2589632" cy="400110"/>
+            </a:xfrm>
+            <a:prstGeom prst="rect">
+              <a:avLst/>
+            </a:prstGeom>
+            <a:solidFill>
+              <a:schemeClr val="bg1"/>
+            </a:solidFill>
+          </p:spPr>
+          <p:txBody>
+            <a:bodyPr wrap="square" rtlCol="0">
+              <a:spAutoFit/>
+            </a:bodyPr>
+            <a:lstStyle/>
+            <a:p>
+              <a:r>
+                <a:rPr lang="en-US" sz="2000" b="0" i="0" dirty="0">
+                  <a:solidFill>
+                    <a:srgbClr val="202124"/>
+                  </a:solidFill>
+                  <a:effectLst/>
+                  <a:latin typeface="Times New Roman" panose="02020603050405020304" pitchFamily="18" charset="0"/>
+                  <a:cs typeface="Times New Roman" panose="02020603050405020304" pitchFamily="18" charset="0"/>
+                </a:rPr>
+                <a:t>False Positives</a:t>
+              </a:r>
+            </a:p>
+          </p:txBody>
+        </p:sp>
+      </p:grpSp>
+      <p:grpSp>
+        <p:nvGrpSpPr>
+          <p:cNvPr id="64" name="Group 63">
+            <a:extLst>
+              <a:ext uri="{FF2B5EF4-FFF2-40B4-BE49-F238E27FC236}">
+                <a16:creationId xmlns:a16="http://schemas.microsoft.com/office/drawing/2014/main" id="{719C066B-6CDF-4AB7-A341-42996CC4142A}"/>
+              </a:ext>
+            </a:extLst>
+          </p:cNvPr>
+          <p:cNvGrpSpPr/>
+          <p:nvPr/>
+        </p:nvGrpSpPr>
+        <p:grpSpPr>
+          <a:xfrm>
+            <a:off x="21673105" y="19220943"/>
+            <a:ext cx="3222211" cy="800220"/>
+            <a:chOff x="21483123" y="6219785"/>
+            <a:chExt cx="3222211" cy="800220"/>
+          </a:xfrm>
+        </p:grpSpPr>
+        <p:sp>
+          <p:nvSpPr>
+            <p:cNvPr id="66" name="TextBox 65">
+              <a:extLst>
+                <a:ext uri="{FF2B5EF4-FFF2-40B4-BE49-F238E27FC236}">
+                  <a16:creationId xmlns:a16="http://schemas.microsoft.com/office/drawing/2014/main" id="{F6A9A14F-DE9A-4E34-A3AD-987CA20065DF}"/>
+                </a:ext>
+              </a:extLst>
+            </p:cNvPr>
+            <p:cNvSpPr txBox="1"/>
+            <p:nvPr/>
+          </p:nvSpPr>
+          <p:spPr>
+            <a:xfrm>
+              <a:off x="22115702" y="6219785"/>
+              <a:ext cx="2589632" cy="400110"/>
+            </a:xfrm>
+            <a:prstGeom prst="rect">
+              <a:avLst/>
+            </a:prstGeom>
+            <a:solidFill>
+              <a:schemeClr val="bg1"/>
+            </a:solidFill>
+          </p:spPr>
+          <p:txBody>
+            <a:bodyPr wrap="square" rtlCol="0">
+              <a:spAutoFit/>
+            </a:bodyPr>
+            <a:lstStyle/>
+            <a:p>
+              <a:r>
+                <a:rPr lang="en-US" sz="2000" b="0" i="0" dirty="0">
+                  <a:solidFill>
+                    <a:srgbClr val="202124"/>
+                  </a:solidFill>
+                  <a:effectLst/>
+                  <a:latin typeface="Times New Roman" panose="02020603050405020304" pitchFamily="18" charset="0"/>
+                  <a:cs typeface="Times New Roman" panose="02020603050405020304" pitchFamily="18" charset="0"/>
+                </a:rPr>
+                <a:t>BindingDB</a:t>
+              </a:r>
+            </a:p>
+          </p:txBody>
+        </p:sp>
+        <p:sp>
+          <p:nvSpPr>
+            <p:cNvPr id="67" name="Rectangle 66">
+              <a:extLst>
+                <a:ext uri="{FF2B5EF4-FFF2-40B4-BE49-F238E27FC236}">
+                  <a16:creationId xmlns:a16="http://schemas.microsoft.com/office/drawing/2014/main" id="{F5953856-B72D-4B40-A7C2-F11A2D832027}"/>
+                </a:ext>
+              </a:extLst>
+            </p:cNvPr>
+            <p:cNvSpPr/>
+            <p:nvPr/>
+          </p:nvSpPr>
+          <p:spPr>
+            <a:xfrm>
+              <a:off x="21483123" y="6296644"/>
+              <a:ext cx="440857" cy="247772"/>
+            </a:xfrm>
+            <a:prstGeom prst="rect">
+              <a:avLst/>
+            </a:prstGeom>
+            <a:solidFill>
+              <a:srgbClr val="D6E5F0"/>
+            </a:solidFill>
+          </p:spPr>
+          <p:style>
+            <a:lnRef idx="2">
+              <a:schemeClr val="accent1">
+                <a:shade val="50000"/>
+              </a:schemeClr>
+            </a:lnRef>
+            <a:fillRef idx="1">
+              <a:schemeClr val="accent1"/>
+            </a:fillRef>
+            <a:effectRef idx="0">
+              <a:schemeClr val="accent1"/>
+            </a:effectRef>
+            <a:fontRef idx="minor">
+              <a:schemeClr val="lt1"/>
+            </a:fontRef>
+          </p:style>
+          <p:txBody>
+            <a:bodyPr rtlCol="0" anchor="ctr"/>
+            <a:lstStyle/>
+            <a:p>
+              <a:pPr algn="ctr"/>
+              <a:endParaRPr lang="en-US"/>
+            </a:p>
+          </p:txBody>
+        </p:sp>
+        <p:sp>
+          <p:nvSpPr>
+            <p:cNvPr id="68" name="Rectangle 67">
+              <a:extLst>
+                <a:ext uri="{FF2B5EF4-FFF2-40B4-BE49-F238E27FC236}">
+                  <a16:creationId xmlns:a16="http://schemas.microsoft.com/office/drawing/2014/main" id="{C28C6193-24A3-4251-B773-5E4EA139D009}"/>
+                </a:ext>
+              </a:extLst>
+            </p:cNvPr>
+            <p:cNvSpPr/>
+            <p:nvPr/>
+          </p:nvSpPr>
+          <p:spPr>
+            <a:xfrm>
+              <a:off x="21483123" y="6721369"/>
+              <a:ext cx="440857" cy="247772"/>
+            </a:xfrm>
+            <a:prstGeom prst="rect">
+              <a:avLst/>
+            </a:prstGeom>
+            <a:solidFill>
+              <a:srgbClr val="F9D0D0"/>
+            </a:solidFill>
+          </p:spPr>
+          <p:style>
+            <a:lnRef idx="2">
+              <a:schemeClr val="accent1">
+                <a:shade val="50000"/>
+              </a:schemeClr>
+            </a:lnRef>
+            <a:fillRef idx="1">
+              <a:schemeClr val="accent1"/>
+            </a:fillRef>
+            <a:effectRef idx="0">
+              <a:schemeClr val="accent1"/>
+            </a:effectRef>
+            <a:fontRef idx="minor">
+              <a:schemeClr val="lt1"/>
+            </a:fontRef>
+          </p:style>
+          <p:txBody>
+            <a:bodyPr rtlCol="0" anchor="ctr"/>
+            <a:lstStyle/>
+            <a:p>
+              <a:pPr algn="ctr"/>
+              <a:endParaRPr lang="en-US"/>
+            </a:p>
+          </p:txBody>
+        </p:sp>
+        <p:sp>
+          <p:nvSpPr>
+            <p:cNvPr id="69" name="TextBox 68">
+              <a:extLst>
+                <a:ext uri="{FF2B5EF4-FFF2-40B4-BE49-F238E27FC236}">
+                  <a16:creationId xmlns:a16="http://schemas.microsoft.com/office/drawing/2014/main" id="{E5B28F7F-F013-4B27-85DB-7E2ADC79EA93}"/>
+                </a:ext>
+              </a:extLst>
+            </p:cNvPr>
+            <p:cNvSpPr txBox="1"/>
+            <p:nvPr/>
+          </p:nvSpPr>
+          <p:spPr>
+            <a:xfrm>
+              <a:off x="22108850" y="6619895"/>
+              <a:ext cx="2589632" cy="400110"/>
+            </a:xfrm>
+            <a:prstGeom prst="rect">
+              <a:avLst/>
+            </a:prstGeom>
+            <a:solidFill>
+              <a:schemeClr val="bg1"/>
+            </a:solidFill>
+          </p:spPr>
+          <p:txBody>
+            <a:bodyPr wrap="square" rtlCol="0">
+              <a:spAutoFit/>
+            </a:bodyPr>
+            <a:lstStyle/>
+            <a:p>
+              <a:r>
+                <a:rPr lang="en-US" sz="2000" b="0" i="0" dirty="0">
+                  <a:solidFill>
+                    <a:srgbClr val="202124"/>
+                  </a:solidFill>
+                  <a:effectLst/>
+                  <a:latin typeface="Times New Roman" panose="02020603050405020304" pitchFamily="18" charset="0"/>
+                  <a:cs typeface="Times New Roman" panose="02020603050405020304" pitchFamily="18" charset="0"/>
+                </a:rPr>
+                <a:t>False Positives</a:t>
+              </a:r>
+            </a:p>
+          </p:txBody>
+        </p:sp>
+      </p:grpSp>
+      <p:sp>
+        <p:nvSpPr>
+          <p:cNvPr id="70" name="TextBox 69">
+            <a:extLst>
+              <a:ext uri="{FF2B5EF4-FFF2-40B4-BE49-F238E27FC236}">
+                <a16:creationId xmlns:a16="http://schemas.microsoft.com/office/drawing/2014/main" id="{DCC03F26-DF20-487F-98AB-5235EE81CC6B}"/>
+              </a:ext>
+            </a:extLst>
+          </p:cNvPr>
+          <p:cNvSpPr txBox="1"/>
+          <p:nvPr/>
+        </p:nvSpPr>
+        <p:spPr>
+          <a:xfrm>
+            <a:off x="13006108" y="27133694"/>
+            <a:ext cx="2324964" cy="1517595"/>
+          </a:xfrm>
+          <a:prstGeom prst="rect">
+            <a:avLst/>
+          </a:prstGeom>
+          <a:noFill/>
+        </p:spPr>
+        <p:txBody>
+          <a:bodyPr wrap="square" rtlCol="0">
+            <a:spAutoFit/>
+          </a:bodyPr>
+          <a:lstStyle/>
+          <a:p>
+            <a:r>
+              <a:rPr lang="en-US" sz="3030" dirty="0">
+                <a:effectLst/>
+                <a:latin typeface="Times New Roman" panose="02020603050405020304" pitchFamily="18" charset="0"/>
+                <a:ea typeface="Calibri" panose="020F0502020204030204" pitchFamily="34" charset="0"/>
+              </a:rPr>
+              <a:t>k</a:t>
+            </a:r>
+            <a:r>
+              <a:rPr lang="en-US" sz="3030" baseline="-25000" dirty="0">
+                <a:effectLst/>
+                <a:latin typeface="Times New Roman" panose="02020603050405020304" pitchFamily="18" charset="0"/>
+                <a:ea typeface="Calibri" panose="020F0502020204030204" pitchFamily="34" charset="0"/>
+              </a:rPr>
+              <a:t>+</a:t>
+            </a:r>
+            <a:r>
+              <a:rPr lang="en-US" sz="3030" dirty="0">
+                <a:latin typeface="Times New Roman" panose="02020603050405020304" pitchFamily="18" charset="0"/>
+                <a:cs typeface="Times New Roman" panose="02020603050405020304" pitchFamily="18" charset="0"/>
+              </a:rPr>
+              <a:t>= </a:t>
+            </a:r>
+            <a:r>
+              <a:rPr lang="en-US" sz="3031" dirty="0">
+                <a:latin typeface="Times New Roman" panose="02020603050405020304" pitchFamily="18" charset="0"/>
+                <a:cs typeface="Times New Roman" panose="02020603050405020304" pitchFamily="18" charset="0"/>
+              </a:rPr>
+              <a:t>10</a:t>
+            </a:r>
+          </a:p>
+          <a:p>
+            <a:r>
+              <a:rPr lang="en-US" sz="3030" dirty="0">
+                <a:effectLst/>
+                <a:latin typeface="Times New Roman" panose="02020603050405020304" pitchFamily="18" charset="0"/>
+                <a:ea typeface="Calibri" panose="020F0502020204030204" pitchFamily="34" charset="0"/>
+              </a:rPr>
+              <a:t>k</a:t>
+            </a:r>
+            <a:r>
+              <a:rPr lang="en-US" sz="3030" baseline="-25000" dirty="0">
+                <a:latin typeface="Times New Roman" panose="02020603050405020304" pitchFamily="18" charset="0"/>
+                <a:ea typeface="Calibri" panose="020F0502020204030204" pitchFamily="34" charset="0"/>
+              </a:rPr>
+              <a:t>- </a:t>
+            </a:r>
+            <a:r>
+              <a:rPr lang="en-US" sz="3031" dirty="0">
+                <a:latin typeface="Times New Roman" panose="02020603050405020304" pitchFamily="18" charset="0"/>
+                <a:cs typeface="Times New Roman" panose="02020603050405020304" pitchFamily="18" charset="0"/>
+              </a:rPr>
+              <a:t>= 5</a:t>
+            </a:r>
+          </a:p>
+          <a:p>
+            <a:r>
+              <a:rPr lang="el-GR" sz="3200" b="0" i="0" dirty="0">
+                <a:solidFill>
+                  <a:srgbClr val="202124"/>
+                </a:solidFill>
+                <a:effectLst/>
+                <a:latin typeface="Times New Roman" panose="02020603050405020304" pitchFamily="18" charset="0"/>
+                <a:cs typeface="Times New Roman" panose="02020603050405020304" pitchFamily="18" charset="0"/>
+              </a:rPr>
+              <a:t>ρ </a:t>
+            </a:r>
+            <a:r>
+              <a:rPr lang="en-US" sz="3031" dirty="0">
+                <a:latin typeface="Times New Roman" panose="02020603050405020304" pitchFamily="18" charset="0"/>
+                <a:cs typeface="Times New Roman" panose="02020603050405020304" pitchFamily="18" charset="0"/>
+              </a:rPr>
+              <a:t>= 0.67</a:t>
+            </a:r>
+          </a:p>
+        </p:txBody>
+      </p:sp>
+      <p:sp>
+        <p:nvSpPr>
+          <p:cNvPr id="71" name="TextBox 70">
+            <a:extLst>
+              <a:ext uri="{FF2B5EF4-FFF2-40B4-BE49-F238E27FC236}">
+                <a16:creationId xmlns:a16="http://schemas.microsoft.com/office/drawing/2014/main" id="{C7BEB85D-EEF6-4952-A8D8-2958447CBE64}"/>
+              </a:ext>
+            </a:extLst>
+          </p:cNvPr>
+          <p:cNvSpPr txBox="1"/>
+          <p:nvPr/>
+        </p:nvSpPr>
+        <p:spPr>
+          <a:xfrm>
+            <a:off x="17389927" y="26962940"/>
+            <a:ext cx="2324964" cy="1517595"/>
+          </a:xfrm>
+          <a:prstGeom prst="rect">
+            <a:avLst/>
+          </a:prstGeom>
+          <a:noFill/>
+        </p:spPr>
+        <p:txBody>
+          <a:bodyPr wrap="square" rtlCol="0">
+            <a:spAutoFit/>
+          </a:bodyPr>
+          <a:lstStyle/>
+          <a:p>
+            <a:r>
+              <a:rPr lang="en-US" sz="3030" dirty="0">
+                <a:effectLst/>
+                <a:latin typeface="Times New Roman" panose="02020603050405020304" pitchFamily="18" charset="0"/>
+                <a:ea typeface="Calibri" panose="020F0502020204030204" pitchFamily="34" charset="0"/>
+              </a:rPr>
+              <a:t>k</a:t>
+            </a:r>
+            <a:r>
+              <a:rPr lang="en-US" sz="3030" baseline="-25000" dirty="0">
+                <a:effectLst/>
+                <a:latin typeface="Times New Roman" panose="02020603050405020304" pitchFamily="18" charset="0"/>
+                <a:ea typeface="Calibri" panose="020F0502020204030204" pitchFamily="34" charset="0"/>
+              </a:rPr>
+              <a:t>+</a:t>
+            </a:r>
+            <a:r>
+              <a:rPr lang="en-US" sz="3030" dirty="0">
+                <a:latin typeface="Times New Roman" panose="02020603050405020304" pitchFamily="18" charset="0"/>
+                <a:cs typeface="Times New Roman" panose="02020603050405020304" pitchFamily="18" charset="0"/>
+              </a:rPr>
+              <a:t>= </a:t>
+            </a:r>
+            <a:r>
+              <a:rPr lang="en-US" sz="3031" dirty="0">
+                <a:latin typeface="Times New Roman" panose="02020603050405020304" pitchFamily="18" charset="0"/>
+                <a:cs typeface="Times New Roman" panose="02020603050405020304" pitchFamily="18" charset="0"/>
+              </a:rPr>
+              <a:t>60</a:t>
+            </a:r>
+          </a:p>
+          <a:p>
+            <a:r>
+              <a:rPr lang="en-US" sz="3030" dirty="0">
+                <a:effectLst/>
+                <a:latin typeface="Times New Roman" panose="02020603050405020304" pitchFamily="18" charset="0"/>
+                <a:ea typeface="Calibri" panose="020F0502020204030204" pitchFamily="34" charset="0"/>
+              </a:rPr>
+              <a:t>k</a:t>
+            </a:r>
+            <a:r>
+              <a:rPr lang="en-US" sz="3030" baseline="-25000" dirty="0">
+                <a:latin typeface="Times New Roman" panose="02020603050405020304" pitchFamily="18" charset="0"/>
+                <a:ea typeface="Calibri" panose="020F0502020204030204" pitchFamily="34" charset="0"/>
+              </a:rPr>
+              <a:t>- </a:t>
+            </a:r>
+            <a:r>
+              <a:rPr lang="en-US" sz="3031" dirty="0">
+                <a:latin typeface="Times New Roman" panose="02020603050405020304" pitchFamily="18" charset="0"/>
+                <a:cs typeface="Times New Roman" panose="02020603050405020304" pitchFamily="18" charset="0"/>
+              </a:rPr>
+              <a:t>= 18</a:t>
+            </a:r>
+          </a:p>
+          <a:p>
+            <a:r>
+              <a:rPr lang="el-GR" sz="3200" b="0" i="0" dirty="0">
+                <a:solidFill>
+                  <a:srgbClr val="202124"/>
+                </a:solidFill>
+                <a:effectLst/>
+                <a:latin typeface="Times New Roman" panose="02020603050405020304" pitchFamily="18" charset="0"/>
+                <a:cs typeface="Times New Roman" panose="02020603050405020304" pitchFamily="18" charset="0"/>
+              </a:rPr>
+              <a:t>ρ </a:t>
+            </a:r>
+            <a:r>
+              <a:rPr lang="en-US" sz="3031" dirty="0">
+                <a:latin typeface="Times New Roman" panose="02020603050405020304" pitchFamily="18" charset="0"/>
+                <a:cs typeface="Times New Roman" panose="02020603050405020304" pitchFamily="18" charset="0"/>
+              </a:rPr>
+              <a:t>= 0.77</a:t>
+            </a:r>
+          </a:p>
+        </p:txBody>
+      </p:sp>
+      <p:sp>
+        <p:nvSpPr>
+          <p:cNvPr id="72" name="TextBox 71">
+            <a:extLst>
+              <a:ext uri="{FF2B5EF4-FFF2-40B4-BE49-F238E27FC236}">
+                <a16:creationId xmlns:a16="http://schemas.microsoft.com/office/drawing/2014/main" id="{C493D1F0-633E-4CAF-B595-871E1D5E393C}"/>
+              </a:ext>
+            </a:extLst>
+          </p:cNvPr>
+          <p:cNvSpPr txBox="1"/>
+          <p:nvPr/>
+        </p:nvSpPr>
+        <p:spPr>
+          <a:xfrm>
+            <a:off x="21923980" y="26899378"/>
+            <a:ext cx="2324964" cy="1517595"/>
+          </a:xfrm>
+          <a:prstGeom prst="rect">
+            <a:avLst/>
+          </a:prstGeom>
+          <a:noFill/>
+        </p:spPr>
+        <p:txBody>
+          <a:bodyPr wrap="square" rtlCol="0">
+            <a:spAutoFit/>
+          </a:bodyPr>
+          <a:lstStyle/>
+          <a:p>
+            <a:r>
+              <a:rPr lang="en-US" sz="3030" dirty="0">
+                <a:effectLst/>
+                <a:latin typeface="Times New Roman" panose="02020603050405020304" pitchFamily="18" charset="0"/>
+                <a:ea typeface="Calibri" panose="020F0502020204030204" pitchFamily="34" charset="0"/>
+              </a:rPr>
+              <a:t>k</a:t>
+            </a:r>
+            <a:r>
+              <a:rPr lang="en-US" sz="3030" baseline="-25000" dirty="0">
+                <a:effectLst/>
+                <a:latin typeface="Times New Roman" panose="02020603050405020304" pitchFamily="18" charset="0"/>
+                <a:ea typeface="Calibri" panose="020F0502020204030204" pitchFamily="34" charset="0"/>
+              </a:rPr>
+              <a:t>+</a:t>
+            </a:r>
+            <a:r>
+              <a:rPr lang="en-US" sz="3030" dirty="0">
+                <a:latin typeface="Times New Roman" panose="02020603050405020304" pitchFamily="18" charset="0"/>
+                <a:cs typeface="Times New Roman" panose="02020603050405020304" pitchFamily="18" charset="0"/>
+              </a:rPr>
+              <a:t>= </a:t>
+            </a:r>
+            <a:r>
+              <a:rPr lang="en-US" sz="3031" dirty="0">
+                <a:latin typeface="Times New Roman" panose="02020603050405020304" pitchFamily="18" charset="0"/>
+                <a:cs typeface="Times New Roman" panose="02020603050405020304" pitchFamily="18" charset="0"/>
+              </a:rPr>
+              <a:t>3</a:t>
+            </a:r>
+          </a:p>
+          <a:p>
+            <a:r>
+              <a:rPr lang="en-US" sz="3030" dirty="0">
+                <a:effectLst/>
+                <a:latin typeface="Times New Roman" panose="02020603050405020304" pitchFamily="18" charset="0"/>
+                <a:ea typeface="Calibri" panose="020F0502020204030204" pitchFamily="34" charset="0"/>
+              </a:rPr>
+              <a:t>k</a:t>
+            </a:r>
+            <a:r>
+              <a:rPr lang="en-US" sz="3030" baseline="-25000" dirty="0">
+                <a:latin typeface="Times New Roman" panose="02020603050405020304" pitchFamily="18" charset="0"/>
+                <a:ea typeface="Calibri" panose="020F0502020204030204" pitchFamily="34" charset="0"/>
+              </a:rPr>
+              <a:t>- </a:t>
+            </a:r>
+            <a:r>
+              <a:rPr lang="en-US" sz="3031" dirty="0">
+                <a:latin typeface="Times New Roman" panose="02020603050405020304" pitchFamily="18" charset="0"/>
+                <a:cs typeface="Times New Roman" panose="02020603050405020304" pitchFamily="18" charset="0"/>
+              </a:rPr>
+              <a:t>= 0</a:t>
+            </a:r>
+          </a:p>
+          <a:p>
+            <a:r>
+              <a:rPr lang="el-GR" sz="3200" b="0" i="0" dirty="0">
+                <a:solidFill>
+                  <a:srgbClr val="202124"/>
+                </a:solidFill>
+                <a:effectLst/>
+                <a:latin typeface="Times New Roman" panose="02020603050405020304" pitchFamily="18" charset="0"/>
+                <a:cs typeface="Times New Roman" panose="02020603050405020304" pitchFamily="18" charset="0"/>
+              </a:rPr>
+              <a:t>ρ </a:t>
+            </a:r>
+            <a:r>
+              <a:rPr lang="en-US" sz="3031" dirty="0">
+                <a:latin typeface="Times New Roman" panose="02020603050405020304" pitchFamily="18" charset="0"/>
+                <a:cs typeface="Times New Roman" panose="02020603050405020304" pitchFamily="18" charset="0"/>
+              </a:rPr>
+              <a:t>= 1.0</a:t>
+            </a:r>
+          </a:p>
+        </p:txBody>
+      </p:sp>
+      <p:sp>
+        <p:nvSpPr>
+          <p:cNvPr id="73" name="Rectangle: Rounded Corners 72">
+            <a:extLst>
+              <a:ext uri="{FF2B5EF4-FFF2-40B4-BE49-F238E27FC236}">
+                <a16:creationId xmlns:a16="http://schemas.microsoft.com/office/drawing/2014/main" id="{227389F7-E558-4A65-A53F-BFC121F61B4A}"/>
+              </a:ext>
+            </a:extLst>
+          </p:cNvPr>
+          <p:cNvSpPr/>
+          <p:nvPr/>
+        </p:nvSpPr>
+        <p:spPr>
+          <a:xfrm>
+            <a:off x="11544391" y="20478671"/>
+            <a:ext cx="4028276" cy="8580061"/>
+          </a:xfrm>
+          <a:prstGeom prst="roundRect">
+            <a:avLst/>
+          </a:prstGeom>
+          <a:noFill/>
+          <a:ln w="38100">
+            <a:solidFill>
+              <a:srgbClr val="F9D1D1"/>
+            </a:solidFill>
+          </a:ln>
+        </p:spPr>
+        <p:style>
+          <a:lnRef idx="2">
+            <a:schemeClr val="accent1">
+              <a:shade val="50000"/>
+            </a:schemeClr>
+          </a:lnRef>
+          <a:fillRef idx="1">
+            <a:schemeClr val="accent1"/>
+          </a:fillRef>
+          <a:effectRef idx="0">
+            <a:schemeClr val="accent1"/>
+          </a:effectRef>
+          <a:fontRef idx="minor">
+            <a:schemeClr val="lt1"/>
+          </a:fontRef>
+        </p:style>
+        <p:txBody>
+          <a:bodyPr rtlCol="0" anchor="ctr"/>
+          <a:lstStyle/>
+          <a:p>
+            <a:pPr algn="ctr"/>
+            <a:endParaRPr lang="en-US"/>
+          </a:p>
+        </p:txBody>
+      </p:sp>
+      <p:sp>
+        <p:nvSpPr>
+          <p:cNvPr id="74" name="Rectangle: Rounded Corners 73">
+            <a:extLst>
+              <a:ext uri="{FF2B5EF4-FFF2-40B4-BE49-F238E27FC236}">
+                <a16:creationId xmlns:a16="http://schemas.microsoft.com/office/drawing/2014/main" id="{BE6AAD49-2B58-4AA5-8DCE-DF6683C855DF}"/>
+              </a:ext>
+            </a:extLst>
+          </p:cNvPr>
+          <p:cNvSpPr/>
+          <p:nvPr/>
+        </p:nvSpPr>
+        <p:spPr>
+          <a:xfrm>
+            <a:off x="16071314" y="20440651"/>
+            <a:ext cx="4028276" cy="8580061"/>
+          </a:xfrm>
+          <a:prstGeom prst="roundRect">
+            <a:avLst/>
+          </a:prstGeom>
+          <a:noFill/>
+          <a:ln w="38100">
+            <a:solidFill>
+              <a:srgbClr val="F9D1D1"/>
+            </a:solidFill>
+          </a:ln>
+        </p:spPr>
+        <p:style>
+          <a:lnRef idx="2">
+            <a:schemeClr val="accent1">
+              <a:shade val="50000"/>
+            </a:schemeClr>
+          </a:lnRef>
+          <a:fillRef idx="1">
+            <a:schemeClr val="accent1"/>
+          </a:fillRef>
+          <a:effectRef idx="0">
+            <a:schemeClr val="accent1"/>
+          </a:effectRef>
+          <a:fontRef idx="minor">
+            <a:schemeClr val="lt1"/>
+          </a:fontRef>
+        </p:style>
+        <p:txBody>
+          <a:bodyPr rtlCol="0" anchor="ctr"/>
+          <a:lstStyle/>
+          <a:p>
+            <a:pPr algn="ctr"/>
+            <a:endParaRPr lang="en-US"/>
+          </a:p>
+        </p:txBody>
+      </p:sp>
+      <p:sp>
+        <p:nvSpPr>
+          <p:cNvPr id="75" name="Rectangle: Rounded Corners 74">
+            <a:extLst>
+              <a:ext uri="{FF2B5EF4-FFF2-40B4-BE49-F238E27FC236}">
+                <a16:creationId xmlns:a16="http://schemas.microsoft.com/office/drawing/2014/main" id="{7419B6A4-218E-49BA-B238-CCDDB4982227}"/>
+              </a:ext>
+            </a:extLst>
+          </p:cNvPr>
+          <p:cNvSpPr/>
+          <p:nvPr/>
+        </p:nvSpPr>
+        <p:spPr>
+          <a:xfrm>
+            <a:off x="20484289" y="20478671"/>
+            <a:ext cx="4028276" cy="8580061"/>
+          </a:xfrm>
+          <a:prstGeom prst="roundRect">
+            <a:avLst/>
+          </a:prstGeom>
+          <a:noFill/>
+          <a:ln w="38100">
+            <a:solidFill>
+              <a:srgbClr val="F9D1D1"/>
+            </a:solidFill>
+          </a:ln>
+        </p:spPr>
+        <p:style>
+          <a:lnRef idx="2">
+            <a:schemeClr val="accent1">
+              <a:shade val="50000"/>
+            </a:schemeClr>
+          </a:lnRef>
+          <a:fillRef idx="1">
+            <a:schemeClr val="accent1"/>
+          </a:fillRef>
+          <a:effectRef idx="0">
+            <a:schemeClr val="accent1"/>
+          </a:effectRef>
+          <a:fontRef idx="minor">
+            <a:schemeClr val="lt1"/>
+          </a:fontRef>
+        </p:style>
+        <p:txBody>
+          <a:bodyPr rtlCol="0" anchor="ctr"/>
+          <a:lstStyle/>
+          <a:p>
+            <a:pPr algn="ctr"/>
+            <a:endParaRPr lang="en-US"/>
+          </a:p>
+        </p:txBody>
+      </p:sp>
+      <p:sp>
+        <p:nvSpPr>
+          <p:cNvPr id="76" name="TextBox 75">
+            <a:extLst>
+              <a:ext uri="{FF2B5EF4-FFF2-40B4-BE49-F238E27FC236}">
+                <a16:creationId xmlns:a16="http://schemas.microsoft.com/office/drawing/2014/main" id="{A91BB0F8-99D2-4E54-A142-95B8B1E5A74B}"/>
+              </a:ext>
+            </a:extLst>
+          </p:cNvPr>
+          <p:cNvSpPr txBox="1"/>
+          <p:nvPr/>
+        </p:nvSpPr>
+        <p:spPr>
+          <a:xfrm rot="10800000" flipV="1">
+            <a:off x="2687546" y="6285126"/>
+            <a:ext cx="2155785" cy="921471"/>
+          </a:xfrm>
+          <a:prstGeom prst="rect">
+            <a:avLst/>
+          </a:prstGeom>
+          <a:noFill/>
+        </p:spPr>
+        <p:txBody>
+          <a:bodyPr wrap="square" rtlCol="0">
+            <a:spAutoFit/>
+          </a:bodyPr>
+          <a:lstStyle/>
+          <a:p>
+            <a:r>
+              <a:rPr lang="en-US" sz="5388" b="1" dirty="0">
+                <a:latin typeface="Times New Roman" panose="02020603050405020304" pitchFamily="18" charset="0"/>
+                <a:cs typeface="Times New Roman" panose="02020603050405020304" pitchFamily="18" charset="0"/>
+              </a:rPr>
+              <a:t>b1</a:t>
+            </a:r>
+          </a:p>
+        </p:txBody>
+      </p:sp>
+      <p:sp>
+        <p:nvSpPr>
+          <p:cNvPr id="77" name="TextBox 76">
+            <a:extLst>
+              <a:ext uri="{FF2B5EF4-FFF2-40B4-BE49-F238E27FC236}">
+                <a16:creationId xmlns:a16="http://schemas.microsoft.com/office/drawing/2014/main" id="{9BDF8A6D-0B8A-449B-B140-564CF30B447F}"/>
+              </a:ext>
+            </a:extLst>
+          </p:cNvPr>
+          <p:cNvSpPr txBox="1"/>
+          <p:nvPr/>
+        </p:nvSpPr>
+        <p:spPr>
+          <a:xfrm rot="10800000" flipV="1">
+            <a:off x="2508012" y="19285460"/>
+            <a:ext cx="2155785" cy="921471"/>
+          </a:xfrm>
+          <a:prstGeom prst="rect">
+            <a:avLst/>
+          </a:prstGeom>
+          <a:noFill/>
+        </p:spPr>
+        <p:txBody>
+          <a:bodyPr wrap="square" rtlCol="0">
+            <a:spAutoFit/>
+          </a:bodyPr>
+          <a:lstStyle/>
+          <a:p>
+            <a:r>
+              <a:rPr lang="en-US" sz="5388" b="1" dirty="0">
+                <a:latin typeface="Times New Roman" panose="02020603050405020304" pitchFamily="18" charset="0"/>
+                <a:cs typeface="Times New Roman" panose="02020603050405020304" pitchFamily="18" charset="0"/>
+              </a:rPr>
+              <a:t>c1</a:t>
             </a:r>
           </a:p>
         </p:txBody>

--- a/Images/fig1a.pptx
+++ b/Images/fig1a.pptx
@@ -197,7 +197,7 @@
           <a:p>
             <a:fld id="{D34CEA9E-E5A5-49C8-A578-AF124664FEC0}" type="datetimeFigureOut">
               <a:rPr lang="en-US" smtClean="0"/>
-              <a:t>8/11/2021</a:t>
+              <a:t>8/20/2021</a:t>
             </a:fld>
             <a:endParaRPr lang="en-US"/>
           </a:p>
@@ -754,7 +754,7 @@
           <a:p>
             <a:fld id="{BA05AF01-4F0E-4718-A4C1-DFCBB47EE5F2}" type="datetimeFigureOut">
               <a:rPr lang="en-US" smtClean="0"/>
-              <a:t>8/11/2021</a:t>
+              <a:t>8/20/2021</a:t>
             </a:fld>
             <a:endParaRPr lang="en-US"/>
           </a:p>
@@ -924,7 +924,7 @@
           <a:p>
             <a:fld id="{BA05AF01-4F0E-4718-A4C1-DFCBB47EE5F2}" type="datetimeFigureOut">
               <a:rPr lang="en-US" smtClean="0"/>
-              <a:t>8/11/2021</a:t>
+              <a:t>8/20/2021</a:t>
             </a:fld>
             <a:endParaRPr lang="en-US"/>
           </a:p>
@@ -1104,7 +1104,7 @@
           <a:p>
             <a:fld id="{BA05AF01-4F0E-4718-A4C1-DFCBB47EE5F2}" type="datetimeFigureOut">
               <a:rPr lang="en-US" smtClean="0"/>
-              <a:t>8/11/2021</a:t>
+              <a:t>8/20/2021</a:t>
             </a:fld>
             <a:endParaRPr lang="en-US"/>
           </a:p>
@@ -1274,7 +1274,7 @@
           <a:p>
             <a:fld id="{BA05AF01-4F0E-4718-A4C1-DFCBB47EE5F2}" type="datetimeFigureOut">
               <a:rPr lang="en-US" smtClean="0"/>
-              <a:t>8/11/2021</a:t>
+              <a:t>8/20/2021</a:t>
             </a:fld>
             <a:endParaRPr lang="en-US"/>
           </a:p>
@@ -1518,7 +1518,7 @@
           <a:p>
             <a:fld id="{BA05AF01-4F0E-4718-A4C1-DFCBB47EE5F2}" type="datetimeFigureOut">
               <a:rPr lang="en-US" smtClean="0"/>
-              <a:t>8/11/2021</a:t>
+              <a:t>8/20/2021</a:t>
             </a:fld>
             <a:endParaRPr lang="en-US"/>
           </a:p>
@@ -1750,7 +1750,7 @@
           <a:p>
             <a:fld id="{BA05AF01-4F0E-4718-A4C1-DFCBB47EE5F2}" type="datetimeFigureOut">
               <a:rPr lang="en-US" smtClean="0"/>
-              <a:t>8/11/2021</a:t>
+              <a:t>8/20/2021</a:t>
             </a:fld>
             <a:endParaRPr lang="en-US"/>
           </a:p>
@@ -2117,7 +2117,7 @@
           <a:p>
             <a:fld id="{BA05AF01-4F0E-4718-A4C1-DFCBB47EE5F2}" type="datetimeFigureOut">
               <a:rPr lang="en-US" smtClean="0"/>
-              <a:t>8/11/2021</a:t>
+              <a:t>8/20/2021</a:t>
             </a:fld>
             <a:endParaRPr lang="en-US"/>
           </a:p>
@@ -2235,7 +2235,7 @@
           <a:p>
             <a:fld id="{BA05AF01-4F0E-4718-A4C1-DFCBB47EE5F2}" type="datetimeFigureOut">
               <a:rPr lang="en-US" smtClean="0"/>
-              <a:t>8/11/2021</a:t>
+              <a:t>8/20/2021</a:t>
             </a:fld>
             <a:endParaRPr lang="en-US"/>
           </a:p>
@@ -2330,7 +2330,7 @@
           <a:p>
             <a:fld id="{BA05AF01-4F0E-4718-A4C1-DFCBB47EE5F2}" type="datetimeFigureOut">
               <a:rPr lang="en-US" smtClean="0"/>
-              <a:t>8/11/2021</a:t>
+              <a:t>8/20/2021</a:t>
             </a:fld>
             <a:endParaRPr lang="en-US"/>
           </a:p>
@@ -2607,7 +2607,7 @@
           <a:p>
             <a:fld id="{BA05AF01-4F0E-4718-A4C1-DFCBB47EE5F2}" type="datetimeFigureOut">
               <a:rPr lang="en-US" smtClean="0"/>
-              <a:t>8/11/2021</a:t>
+              <a:t>8/20/2021</a:t>
             </a:fld>
             <a:endParaRPr lang="en-US"/>
           </a:p>
@@ -2864,7 +2864,7 @@
           <a:p>
             <a:fld id="{BA05AF01-4F0E-4718-A4C1-DFCBB47EE5F2}" type="datetimeFigureOut">
               <a:rPr lang="en-US" smtClean="0"/>
-              <a:t>8/11/2021</a:t>
+              <a:t>8/20/2021</a:t>
             </a:fld>
             <a:endParaRPr lang="en-US"/>
           </a:p>
@@ -3077,7 +3077,7 @@
           <a:p>
             <a:fld id="{BA05AF01-4F0E-4718-A4C1-DFCBB47EE5F2}" type="datetimeFigureOut">
               <a:rPr lang="en-US" smtClean="0"/>
-              <a:t>8/11/2021</a:t>
+              <a:t>8/20/2021</a:t>
             </a:fld>
             <a:endParaRPr lang="en-US"/>
           </a:p>
@@ -3628,6 +3628,7 @@
                 <a:effectLst/>
                 <a:latin typeface="Times New Roman" panose="02020603050405020304" pitchFamily="18" charset="0"/>
                 <a:ea typeface="Calibri" panose="020F0502020204030204" pitchFamily="34" charset="0"/>
+                <a:cs typeface="Times New Roman" panose="02020603050405020304" pitchFamily="18" charset="0"/>
               </a:rPr>
               <a:t>k</a:t>
             </a:r>
@@ -3636,8 +3637,18 @@
                 <a:effectLst/>
                 <a:latin typeface="Times New Roman" panose="02020603050405020304" pitchFamily="18" charset="0"/>
                 <a:ea typeface="Calibri" panose="020F0502020204030204" pitchFamily="34" charset="0"/>
-              </a:rPr>
-              <a:t>+</a:t>
+                <a:cs typeface="Times New Roman" panose="02020603050405020304" pitchFamily="18" charset="0"/>
+              </a:rPr>
+              <a:t>i</a:t>
+            </a:r>
+            <a:r>
+              <a:rPr lang="en-US" sz="3030" baseline="30000" dirty="0">
+                <a:effectLst/>
+                <a:latin typeface="Times New Roman" panose="02020603050405020304" pitchFamily="18" charset="0"/>
+                <a:ea typeface="Calibri" panose="020F0502020204030204" pitchFamily="34" charset="0"/>
+                <a:cs typeface="Times New Roman" panose="02020603050405020304" pitchFamily="18" charset="0"/>
+              </a:rPr>
+              <a:t>+ </a:t>
             </a:r>
             <a:r>
               <a:rPr lang="en-US" sz="3030" dirty="0">
@@ -3660,15 +3671,35 @@
                 <a:effectLst/>
                 <a:latin typeface="Times New Roman" panose="02020603050405020304" pitchFamily="18" charset="0"/>
                 <a:ea typeface="Calibri" panose="020F0502020204030204" pitchFamily="34" charset="0"/>
+                <a:cs typeface="Times New Roman" panose="02020603050405020304" pitchFamily="18" charset="0"/>
               </a:rPr>
               <a:t>k</a:t>
             </a:r>
             <a:r>
               <a:rPr lang="en-US" sz="3030" baseline="-25000" dirty="0">
+                <a:effectLst/>
                 <a:latin typeface="Times New Roman" panose="02020603050405020304" pitchFamily="18" charset="0"/>
                 <a:ea typeface="Calibri" panose="020F0502020204030204" pitchFamily="34" charset="0"/>
-              </a:rPr>
-              <a:t>- </a:t>
+                <a:cs typeface="Times New Roman" panose="02020603050405020304" pitchFamily="18" charset="0"/>
+              </a:rPr>
+              <a:t>i</a:t>
+            </a:r>
+            <a:r>
+              <a:rPr lang="en-US" sz="3030" baseline="30000" dirty="0">
+                <a:latin typeface="Times New Roman" panose="02020603050405020304" pitchFamily="18" charset="0"/>
+                <a:ea typeface="Calibri" panose="020F0502020204030204" pitchFamily="34" charset="0"/>
+                <a:cs typeface="Times New Roman" panose="02020603050405020304" pitchFamily="18" charset="0"/>
+              </a:rPr>
+              <a:t>-</a:t>
+            </a:r>
+            <a:r>
+              <a:rPr lang="en-US" sz="3030" baseline="30000" dirty="0">
+                <a:effectLst/>
+                <a:latin typeface="Times New Roman" panose="02020603050405020304" pitchFamily="18" charset="0"/>
+                <a:ea typeface="Calibri" panose="020F0502020204030204" pitchFamily="34" charset="0"/>
+                <a:cs typeface="Times New Roman" panose="02020603050405020304" pitchFamily="18" charset="0"/>
+              </a:rPr>
+              <a:t> </a:t>
             </a:r>
             <a:r>
               <a:rPr lang="en-US" sz="3031" dirty="0">
@@ -3679,6 +3710,32 @@
             </a:r>
           </a:p>
           <a:p>
+            <a:r>
+              <a:rPr lang="el-GR" sz="3030" dirty="0">
+                <a:effectLst/>
+                <a:latin typeface="Times New Roman" panose="02020603050405020304" pitchFamily="18" charset="0"/>
+                <a:ea typeface="Calibri" panose="020F0502020204030204" pitchFamily="34" charset="0"/>
+                <a:cs typeface="Times New Roman" panose="02020603050405020304" pitchFamily="18" charset="0"/>
+              </a:rPr>
+              <a:t>ρ</a:t>
+            </a:r>
+            <a:r>
+              <a:rPr lang="en-US" sz="3030" baseline="-25000" dirty="0">
+                <a:effectLst/>
+                <a:latin typeface="Times New Roman" panose="02020603050405020304" pitchFamily="18" charset="0"/>
+                <a:ea typeface="Calibri" panose="020F0502020204030204" pitchFamily="34" charset="0"/>
+                <a:cs typeface="Times New Roman" panose="02020603050405020304" pitchFamily="18" charset="0"/>
+              </a:rPr>
+              <a:t>i</a:t>
+            </a:r>
+            <a:r>
+              <a:rPr lang="en-US" sz="3030" baseline="-25000" dirty="0">
+                <a:latin typeface="Times New Roman" panose="02020603050405020304" pitchFamily="18" charset="0"/>
+                <a:ea typeface="Calibri" panose="020F0502020204030204" pitchFamily="34" charset="0"/>
+                <a:cs typeface="Times New Roman" panose="02020603050405020304" pitchFamily="18" charset="0"/>
+              </a:rPr>
+              <a:t> </a:t>
+            </a:r>
             <a:r>
               <a:rPr lang="el-GR" sz="3200" b="0" i="0" dirty="0">
                 <a:solidFill>
@@ -3688,7 +3745,7 @@
                 <a:latin typeface="Times New Roman" panose="02020603050405020304" pitchFamily="18" charset="0"/>
                 <a:cs typeface="Times New Roman" panose="02020603050405020304" pitchFamily="18" charset="0"/>
               </a:rPr>
-              <a:t>ρ </a:t>
+              <a:t> </a:t>
             </a:r>
             <a:r>
               <a:rPr lang="en-US" sz="3031" dirty="0">
@@ -5628,216 +5685,6 @@
       </p:sp>
       <p:sp>
         <p:nvSpPr>
-          <p:cNvPr id="41" name="TextBox 40">
-            <a:extLst>
-              <a:ext uri="{FF2B5EF4-FFF2-40B4-BE49-F238E27FC236}">
-                <a16:creationId xmlns:a16="http://schemas.microsoft.com/office/drawing/2014/main" id="{F24CC596-D39E-40BE-BDFD-E84C22C8FC8E}"/>
-              </a:ext>
-            </a:extLst>
-          </p:cNvPr>
-          <p:cNvSpPr txBox="1"/>
-          <p:nvPr/>
-        </p:nvSpPr>
-        <p:spPr>
-          <a:xfrm>
-            <a:off x="17567591" y="14060956"/>
-            <a:ext cx="2324964" cy="1517595"/>
-          </a:xfrm>
-          <a:prstGeom prst="rect">
-            <a:avLst/>
-          </a:prstGeom>
-          <a:noFill/>
-        </p:spPr>
-        <p:txBody>
-          <a:bodyPr wrap="square" rtlCol="0">
-            <a:spAutoFit/>
-          </a:bodyPr>
-          <a:lstStyle/>
-          <a:p>
-            <a:r>
-              <a:rPr lang="en-US" sz="3030" dirty="0">
-                <a:effectLst/>
-                <a:latin typeface="Times New Roman" panose="02020603050405020304" pitchFamily="18" charset="0"/>
-                <a:ea typeface="Calibri" panose="020F0502020204030204" pitchFamily="34" charset="0"/>
-              </a:rPr>
-              <a:t>k</a:t>
-            </a:r>
-            <a:r>
-              <a:rPr lang="en-US" sz="3030" baseline="-25000" dirty="0">
-                <a:effectLst/>
-                <a:latin typeface="Times New Roman" panose="02020603050405020304" pitchFamily="18" charset="0"/>
-                <a:ea typeface="Calibri" panose="020F0502020204030204" pitchFamily="34" charset="0"/>
-              </a:rPr>
-              <a:t>+</a:t>
-            </a:r>
-            <a:r>
-              <a:rPr lang="en-US" sz="3030" dirty="0">
-                <a:latin typeface="Times New Roman" panose="02020603050405020304" pitchFamily="18" charset="0"/>
-                <a:cs typeface="Times New Roman" panose="02020603050405020304" pitchFamily="18" charset="0"/>
-              </a:rPr>
-              <a:t>= </a:t>
-            </a:r>
-            <a:r>
-              <a:rPr lang="en-US" sz="3031" dirty="0">
-                <a:latin typeface="Times New Roman" panose="02020603050405020304" pitchFamily="18" charset="0"/>
-                <a:cs typeface="Times New Roman" panose="02020603050405020304" pitchFamily="18" charset="0"/>
-              </a:rPr>
-              <a:t>4</a:t>
-            </a:r>
-          </a:p>
-          <a:p>
-            <a:r>
-              <a:rPr lang="en-US" sz="3030" dirty="0">
-                <a:effectLst/>
-                <a:latin typeface="Times New Roman" panose="02020603050405020304" pitchFamily="18" charset="0"/>
-                <a:ea typeface="Calibri" panose="020F0502020204030204" pitchFamily="34" charset="0"/>
-              </a:rPr>
-              <a:t>k</a:t>
-            </a:r>
-            <a:r>
-              <a:rPr lang="en-US" sz="3030" baseline="-25000" dirty="0">
-                <a:latin typeface="Times New Roman" panose="02020603050405020304" pitchFamily="18" charset="0"/>
-                <a:ea typeface="Calibri" panose="020F0502020204030204" pitchFamily="34" charset="0"/>
-              </a:rPr>
-              <a:t>- </a:t>
-            </a:r>
-            <a:r>
-              <a:rPr lang="en-US" sz="3031" dirty="0">
-                <a:latin typeface="Times New Roman" panose="02020603050405020304" pitchFamily="18" charset="0"/>
-                <a:cs typeface="Times New Roman" panose="02020603050405020304" pitchFamily="18" charset="0"/>
-              </a:rPr>
-              <a:t>= 1</a:t>
-            </a:r>
-          </a:p>
-          <a:p>
-            <a:r>
-              <a:rPr lang="el-GR" sz="3200" b="0" i="0" dirty="0">
-                <a:solidFill>
-                  <a:srgbClr val="202124"/>
-                </a:solidFill>
-                <a:effectLst/>
-                <a:latin typeface="Times New Roman" panose="02020603050405020304" pitchFamily="18" charset="0"/>
-                <a:cs typeface="Times New Roman" panose="02020603050405020304" pitchFamily="18" charset="0"/>
-              </a:rPr>
-              <a:t>ρ </a:t>
-            </a:r>
-            <a:r>
-              <a:rPr lang="en-US" sz="3031" dirty="0">
-                <a:latin typeface="Times New Roman" panose="02020603050405020304" pitchFamily="18" charset="0"/>
-                <a:cs typeface="Times New Roman" panose="02020603050405020304" pitchFamily="18" charset="0"/>
-              </a:rPr>
-              <a:t>= 0.8</a:t>
-            </a:r>
-          </a:p>
-        </p:txBody>
-      </p:sp>
-      <p:sp>
-        <p:nvSpPr>
-          <p:cNvPr id="55" name="TextBox 54">
-            <a:extLst>
-              <a:ext uri="{FF2B5EF4-FFF2-40B4-BE49-F238E27FC236}">
-                <a16:creationId xmlns:a16="http://schemas.microsoft.com/office/drawing/2014/main" id="{B33FDAE6-A647-4474-ABDD-12982A2A08EB}"/>
-              </a:ext>
-            </a:extLst>
-          </p:cNvPr>
-          <p:cNvSpPr txBox="1"/>
-          <p:nvPr/>
-        </p:nvSpPr>
-        <p:spPr>
-          <a:xfrm>
-            <a:off x="21923980" y="14045622"/>
-            <a:ext cx="2324964" cy="1517595"/>
-          </a:xfrm>
-          <a:prstGeom prst="rect">
-            <a:avLst/>
-          </a:prstGeom>
-          <a:noFill/>
-        </p:spPr>
-        <p:txBody>
-          <a:bodyPr wrap="square" rtlCol="0">
-            <a:spAutoFit/>
-          </a:bodyPr>
-          <a:lstStyle/>
-          <a:p>
-            <a:r>
-              <a:rPr lang="en-US" sz="3030" dirty="0">
-                <a:effectLst/>
-                <a:latin typeface="Times New Roman" panose="02020603050405020304" pitchFamily="18" charset="0"/>
-                <a:ea typeface="Calibri" panose="020F0502020204030204" pitchFamily="34" charset="0"/>
-              </a:rPr>
-              <a:t>k</a:t>
-            </a:r>
-            <a:r>
-              <a:rPr lang="en-US" sz="3030" baseline="-25000" dirty="0">
-                <a:effectLst/>
-                <a:latin typeface="Times New Roman" panose="02020603050405020304" pitchFamily="18" charset="0"/>
-                <a:ea typeface="Calibri" panose="020F0502020204030204" pitchFamily="34" charset="0"/>
-              </a:rPr>
-              <a:t>+</a:t>
-            </a:r>
-            <a:r>
-              <a:rPr lang="en-US" sz="3030" dirty="0">
-                <a:latin typeface="Times New Roman" panose="02020603050405020304" pitchFamily="18" charset="0"/>
-                <a:cs typeface="Times New Roman" panose="02020603050405020304" pitchFamily="18" charset="0"/>
-              </a:rPr>
-              <a:t>= </a:t>
-            </a:r>
-            <a:r>
-              <a:rPr lang="en-US" sz="3031" dirty="0">
-                <a:latin typeface="Times New Roman" panose="02020603050405020304" pitchFamily="18" charset="0"/>
-                <a:cs typeface="Times New Roman" panose="02020603050405020304" pitchFamily="18" charset="0"/>
-              </a:rPr>
-              <a:t>1</a:t>
-            </a:r>
-          </a:p>
-          <a:p>
-            <a:r>
-              <a:rPr lang="en-US" sz="3030" dirty="0">
-                <a:effectLst/>
-                <a:latin typeface="Times New Roman" panose="02020603050405020304" pitchFamily="18" charset="0"/>
-                <a:ea typeface="Calibri" panose="020F0502020204030204" pitchFamily="34" charset="0"/>
-              </a:rPr>
-              <a:t>k</a:t>
-            </a:r>
-            <a:r>
-              <a:rPr lang="en-US" sz="3030" baseline="-25000" dirty="0">
-                <a:latin typeface="Times New Roman" panose="02020603050405020304" pitchFamily="18" charset="0"/>
-                <a:ea typeface="Calibri" panose="020F0502020204030204" pitchFamily="34" charset="0"/>
-              </a:rPr>
-              <a:t>- </a:t>
-            </a:r>
-            <a:r>
-              <a:rPr lang="en-US" sz="3031" dirty="0">
-                <a:latin typeface="Times New Roman" panose="02020603050405020304" pitchFamily="18" charset="0"/>
-                <a:cs typeface="Times New Roman" panose="02020603050405020304" pitchFamily="18" charset="0"/>
-              </a:rPr>
-              <a:t>= 0</a:t>
-            </a:r>
-          </a:p>
-          <a:p>
-            <a:r>
-              <a:rPr lang="el-GR" sz="3200" b="0" i="0" dirty="0">
-                <a:solidFill>
-                  <a:srgbClr val="202124"/>
-                </a:solidFill>
-                <a:effectLst/>
-                <a:latin typeface="Times New Roman" panose="02020603050405020304" pitchFamily="18" charset="0"/>
-                <a:cs typeface="Times New Roman" panose="02020603050405020304" pitchFamily="18" charset="0"/>
-              </a:rPr>
-              <a:t>ρ </a:t>
-            </a:r>
-            <a:r>
-              <a:rPr lang="en-US" sz="3031" dirty="0">
-                <a:latin typeface="Times New Roman" panose="02020603050405020304" pitchFamily="18" charset="0"/>
-                <a:cs typeface="Times New Roman" panose="02020603050405020304" pitchFamily="18" charset="0"/>
-              </a:rPr>
-              <a:t>= 1.0</a:t>
-            </a:r>
-          </a:p>
-        </p:txBody>
-      </p:sp>
-      <p:sp>
-        <p:nvSpPr>
           <p:cNvPr id="2" name="Rectangle: Rounded Corners 1">
             <a:extLst>
               <a:ext uri="{FF2B5EF4-FFF2-40B4-BE49-F238E27FC236}">
@@ -6408,321 +6255,6 @@
       </p:grpSp>
       <p:sp>
         <p:nvSpPr>
-          <p:cNvPr id="70" name="TextBox 69">
-            <a:extLst>
-              <a:ext uri="{FF2B5EF4-FFF2-40B4-BE49-F238E27FC236}">
-                <a16:creationId xmlns:a16="http://schemas.microsoft.com/office/drawing/2014/main" id="{DCC03F26-DF20-487F-98AB-5235EE81CC6B}"/>
-              </a:ext>
-            </a:extLst>
-          </p:cNvPr>
-          <p:cNvSpPr txBox="1"/>
-          <p:nvPr/>
-        </p:nvSpPr>
-        <p:spPr>
-          <a:xfrm>
-            <a:off x="13006108" y="27133694"/>
-            <a:ext cx="2324964" cy="1517595"/>
-          </a:xfrm>
-          <a:prstGeom prst="rect">
-            <a:avLst/>
-          </a:prstGeom>
-          <a:noFill/>
-        </p:spPr>
-        <p:txBody>
-          <a:bodyPr wrap="square" rtlCol="0">
-            <a:spAutoFit/>
-          </a:bodyPr>
-          <a:lstStyle/>
-          <a:p>
-            <a:r>
-              <a:rPr lang="en-US" sz="3030" dirty="0">
-                <a:effectLst/>
-                <a:latin typeface="Times New Roman" panose="02020603050405020304" pitchFamily="18" charset="0"/>
-                <a:ea typeface="Calibri" panose="020F0502020204030204" pitchFamily="34" charset="0"/>
-              </a:rPr>
-              <a:t>k</a:t>
-            </a:r>
-            <a:r>
-              <a:rPr lang="en-US" sz="3030" baseline="-25000" dirty="0">
-                <a:effectLst/>
-                <a:latin typeface="Times New Roman" panose="02020603050405020304" pitchFamily="18" charset="0"/>
-                <a:ea typeface="Calibri" panose="020F0502020204030204" pitchFamily="34" charset="0"/>
-              </a:rPr>
-              <a:t>+</a:t>
-            </a:r>
-            <a:r>
-              <a:rPr lang="en-US" sz="3030" dirty="0">
-                <a:latin typeface="Times New Roman" panose="02020603050405020304" pitchFamily="18" charset="0"/>
-                <a:cs typeface="Times New Roman" panose="02020603050405020304" pitchFamily="18" charset="0"/>
-              </a:rPr>
-              <a:t>= </a:t>
-            </a:r>
-            <a:r>
-              <a:rPr lang="en-US" sz="3031" dirty="0">
-                <a:latin typeface="Times New Roman" panose="02020603050405020304" pitchFamily="18" charset="0"/>
-                <a:cs typeface="Times New Roman" panose="02020603050405020304" pitchFamily="18" charset="0"/>
-              </a:rPr>
-              <a:t>10</a:t>
-            </a:r>
-          </a:p>
-          <a:p>
-            <a:r>
-              <a:rPr lang="en-US" sz="3030" dirty="0">
-                <a:effectLst/>
-                <a:latin typeface="Times New Roman" panose="02020603050405020304" pitchFamily="18" charset="0"/>
-                <a:ea typeface="Calibri" panose="020F0502020204030204" pitchFamily="34" charset="0"/>
-              </a:rPr>
-              <a:t>k</a:t>
-            </a:r>
-            <a:r>
-              <a:rPr lang="en-US" sz="3030" baseline="-25000" dirty="0">
-                <a:latin typeface="Times New Roman" panose="02020603050405020304" pitchFamily="18" charset="0"/>
-                <a:ea typeface="Calibri" panose="020F0502020204030204" pitchFamily="34" charset="0"/>
-              </a:rPr>
-              <a:t>- </a:t>
-            </a:r>
-            <a:r>
-              <a:rPr lang="en-US" sz="3031" dirty="0">
-                <a:latin typeface="Times New Roman" panose="02020603050405020304" pitchFamily="18" charset="0"/>
-                <a:cs typeface="Times New Roman" panose="02020603050405020304" pitchFamily="18" charset="0"/>
-              </a:rPr>
-              <a:t>= 5</a:t>
-            </a:r>
-          </a:p>
-          <a:p>
-            <a:r>
-              <a:rPr lang="el-GR" sz="3200" b="0" i="0" dirty="0">
-                <a:solidFill>
-                  <a:srgbClr val="202124"/>
-                </a:solidFill>
-                <a:effectLst/>
-                <a:latin typeface="Times New Roman" panose="02020603050405020304" pitchFamily="18" charset="0"/>
-                <a:cs typeface="Times New Roman" panose="02020603050405020304" pitchFamily="18" charset="0"/>
-              </a:rPr>
-              <a:t>ρ </a:t>
-            </a:r>
-            <a:r>
-              <a:rPr lang="en-US" sz="3031" dirty="0">
-                <a:latin typeface="Times New Roman" panose="02020603050405020304" pitchFamily="18" charset="0"/>
-                <a:cs typeface="Times New Roman" panose="02020603050405020304" pitchFamily="18" charset="0"/>
-              </a:rPr>
-              <a:t>= 0.67</a:t>
-            </a:r>
-          </a:p>
-        </p:txBody>
-      </p:sp>
-      <p:sp>
-        <p:nvSpPr>
-          <p:cNvPr id="71" name="TextBox 70">
-            <a:extLst>
-              <a:ext uri="{FF2B5EF4-FFF2-40B4-BE49-F238E27FC236}">
-                <a16:creationId xmlns:a16="http://schemas.microsoft.com/office/drawing/2014/main" id="{C7BEB85D-EEF6-4952-A8D8-2958447CBE64}"/>
-              </a:ext>
-            </a:extLst>
-          </p:cNvPr>
-          <p:cNvSpPr txBox="1"/>
-          <p:nvPr/>
-        </p:nvSpPr>
-        <p:spPr>
-          <a:xfrm>
-            <a:off x="17389927" y="26962940"/>
-            <a:ext cx="2324964" cy="1517595"/>
-          </a:xfrm>
-          <a:prstGeom prst="rect">
-            <a:avLst/>
-          </a:prstGeom>
-          <a:noFill/>
-        </p:spPr>
-        <p:txBody>
-          <a:bodyPr wrap="square" rtlCol="0">
-            <a:spAutoFit/>
-          </a:bodyPr>
-          <a:lstStyle/>
-          <a:p>
-            <a:r>
-              <a:rPr lang="en-US" sz="3030" dirty="0">
-                <a:effectLst/>
-                <a:latin typeface="Times New Roman" panose="02020603050405020304" pitchFamily="18" charset="0"/>
-                <a:ea typeface="Calibri" panose="020F0502020204030204" pitchFamily="34" charset="0"/>
-              </a:rPr>
-              <a:t>k</a:t>
-            </a:r>
-            <a:r>
-              <a:rPr lang="en-US" sz="3030" baseline="-25000" dirty="0">
-                <a:effectLst/>
-                <a:latin typeface="Times New Roman" panose="02020603050405020304" pitchFamily="18" charset="0"/>
-                <a:ea typeface="Calibri" panose="020F0502020204030204" pitchFamily="34" charset="0"/>
-              </a:rPr>
-              <a:t>+</a:t>
-            </a:r>
-            <a:r>
-              <a:rPr lang="en-US" sz="3030" dirty="0">
-                <a:latin typeface="Times New Roman" panose="02020603050405020304" pitchFamily="18" charset="0"/>
-                <a:cs typeface="Times New Roman" panose="02020603050405020304" pitchFamily="18" charset="0"/>
-              </a:rPr>
-              <a:t>= </a:t>
-            </a:r>
-            <a:r>
-              <a:rPr lang="en-US" sz="3031" dirty="0">
-                <a:latin typeface="Times New Roman" panose="02020603050405020304" pitchFamily="18" charset="0"/>
-                <a:cs typeface="Times New Roman" panose="02020603050405020304" pitchFamily="18" charset="0"/>
-              </a:rPr>
-              <a:t>60</a:t>
-            </a:r>
-          </a:p>
-          <a:p>
-            <a:r>
-              <a:rPr lang="en-US" sz="3030" dirty="0">
-                <a:effectLst/>
-                <a:latin typeface="Times New Roman" panose="02020603050405020304" pitchFamily="18" charset="0"/>
-                <a:ea typeface="Calibri" panose="020F0502020204030204" pitchFamily="34" charset="0"/>
-              </a:rPr>
-              <a:t>k</a:t>
-            </a:r>
-            <a:r>
-              <a:rPr lang="en-US" sz="3030" baseline="-25000" dirty="0">
-                <a:latin typeface="Times New Roman" panose="02020603050405020304" pitchFamily="18" charset="0"/>
-                <a:ea typeface="Calibri" panose="020F0502020204030204" pitchFamily="34" charset="0"/>
-              </a:rPr>
-              <a:t>- </a:t>
-            </a:r>
-            <a:r>
-              <a:rPr lang="en-US" sz="3031" dirty="0">
-                <a:latin typeface="Times New Roman" panose="02020603050405020304" pitchFamily="18" charset="0"/>
-                <a:cs typeface="Times New Roman" panose="02020603050405020304" pitchFamily="18" charset="0"/>
-              </a:rPr>
-              <a:t>= 18</a:t>
-            </a:r>
-          </a:p>
-          <a:p>
-            <a:r>
-              <a:rPr lang="el-GR" sz="3200" b="0" i="0" dirty="0">
-                <a:solidFill>
-                  <a:srgbClr val="202124"/>
-                </a:solidFill>
-                <a:effectLst/>
-                <a:latin typeface="Times New Roman" panose="02020603050405020304" pitchFamily="18" charset="0"/>
-                <a:cs typeface="Times New Roman" panose="02020603050405020304" pitchFamily="18" charset="0"/>
-              </a:rPr>
-              <a:t>ρ </a:t>
-            </a:r>
-            <a:r>
-              <a:rPr lang="en-US" sz="3031" dirty="0">
-                <a:latin typeface="Times New Roman" panose="02020603050405020304" pitchFamily="18" charset="0"/>
-                <a:cs typeface="Times New Roman" panose="02020603050405020304" pitchFamily="18" charset="0"/>
-              </a:rPr>
-              <a:t>= 0.77</a:t>
-            </a:r>
-          </a:p>
-        </p:txBody>
-      </p:sp>
-      <p:sp>
-        <p:nvSpPr>
-          <p:cNvPr id="72" name="TextBox 71">
-            <a:extLst>
-              <a:ext uri="{FF2B5EF4-FFF2-40B4-BE49-F238E27FC236}">
-                <a16:creationId xmlns:a16="http://schemas.microsoft.com/office/drawing/2014/main" id="{C493D1F0-633E-4CAF-B595-871E1D5E393C}"/>
-              </a:ext>
-            </a:extLst>
-          </p:cNvPr>
-          <p:cNvSpPr txBox="1"/>
-          <p:nvPr/>
-        </p:nvSpPr>
-        <p:spPr>
-          <a:xfrm>
-            <a:off x="21923980" y="26899378"/>
-            <a:ext cx="2324964" cy="1517595"/>
-          </a:xfrm>
-          <a:prstGeom prst="rect">
-            <a:avLst/>
-          </a:prstGeom>
-          <a:noFill/>
-        </p:spPr>
-        <p:txBody>
-          <a:bodyPr wrap="square" rtlCol="0">
-            <a:spAutoFit/>
-          </a:bodyPr>
-          <a:lstStyle/>
-          <a:p>
-            <a:r>
-              <a:rPr lang="en-US" sz="3030" dirty="0">
-                <a:effectLst/>
-                <a:latin typeface="Times New Roman" panose="02020603050405020304" pitchFamily="18" charset="0"/>
-                <a:ea typeface="Calibri" panose="020F0502020204030204" pitchFamily="34" charset="0"/>
-              </a:rPr>
-              <a:t>k</a:t>
-            </a:r>
-            <a:r>
-              <a:rPr lang="en-US" sz="3030" baseline="-25000" dirty="0">
-                <a:effectLst/>
-                <a:latin typeface="Times New Roman" panose="02020603050405020304" pitchFamily="18" charset="0"/>
-                <a:ea typeface="Calibri" panose="020F0502020204030204" pitchFamily="34" charset="0"/>
-              </a:rPr>
-              <a:t>+</a:t>
-            </a:r>
-            <a:r>
-              <a:rPr lang="en-US" sz="3030" dirty="0">
-                <a:latin typeface="Times New Roman" panose="02020603050405020304" pitchFamily="18" charset="0"/>
-                <a:cs typeface="Times New Roman" panose="02020603050405020304" pitchFamily="18" charset="0"/>
-              </a:rPr>
-              <a:t>= </a:t>
-            </a:r>
-            <a:r>
-              <a:rPr lang="en-US" sz="3031" dirty="0">
-                <a:latin typeface="Times New Roman" panose="02020603050405020304" pitchFamily="18" charset="0"/>
-                <a:cs typeface="Times New Roman" panose="02020603050405020304" pitchFamily="18" charset="0"/>
-              </a:rPr>
-              <a:t>3</a:t>
-            </a:r>
-          </a:p>
-          <a:p>
-            <a:r>
-              <a:rPr lang="en-US" sz="3030" dirty="0">
-                <a:effectLst/>
-                <a:latin typeface="Times New Roman" panose="02020603050405020304" pitchFamily="18" charset="0"/>
-                <a:ea typeface="Calibri" panose="020F0502020204030204" pitchFamily="34" charset="0"/>
-              </a:rPr>
-              <a:t>k</a:t>
-            </a:r>
-            <a:r>
-              <a:rPr lang="en-US" sz="3030" baseline="-25000" dirty="0">
-                <a:latin typeface="Times New Roman" panose="02020603050405020304" pitchFamily="18" charset="0"/>
-                <a:ea typeface="Calibri" panose="020F0502020204030204" pitchFamily="34" charset="0"/>
-              </a:rPr>
-              <a:t>- </a:t>
-            </a:r>
-            <a:r>
-              <a:rPr lang="en-US" sz="3031" dirty="0">
-                <a:latin typeface="Times New Roman" panose="02020603050405020304" pitchFamily="18" charset="0"/>
-                <a:cs typeface="Times New Roman" panose="02020603050405020304" pitchFamily="18" charset="0"/>
-              </a:rPr>
-              <a:t>= 0</a:t>
-            </a:r>
-          </a:p>
-          <a:p>
-            <a:r>
-              <a:rPr lang="el-GR" sz="3200" b="0" i="0" dirty="0">
-                <a:solidFill>
-                  <a:srgbClr val="202124"/>
-                </a:solidFill>
-                <a:effectLst/>
-                <a:latin typeface="Times New Roman" panose="02020603050405020304" pitchFamily="18" charset="0"/>
-                <a:cs typeface="Times New Roman" panose="02020603050405020304" pitchFamily="18" charset="0"/>
-              </a:rPr>
-              <a:t>ρ </a:t>
-            </a:r>
-            <a:r>
-              <a:rPr lang="en-US" sz="3031" dirty="0">
-                <a:latin typeface="Times New Roman" panose="02020603050405020304" pitchFamily="18" charset="0"/>
-                <a:cs typeface="Times New Roman" panose="02020603050405020304" pitchFamily="18" charset="0"/>
-              </a:rPr>
-              <a:t>= 1.0</a:t>
-            </a:r>
-          </a:p>
-        </p:txBody>
-      </p:sp>
-      <p:sp>
-        <p:nvSpPr>
           <p:cNvPr id="73" name="Rectangle: Rounded Corners 72">
             <a:extLst>
               <a:ext uri="{FF2B5EF4-FFF2-40B4-BE49-F238E27FC236}">
@@ -6891,8 +6423,8 @@
         </p:nvSpPr>
         <p:spPr>
           <a:xfrm rot="10800000" flipV="1">
-            <a:off x="2687546" y="6285126"/>
-            <a:ext cx="2155785" cy="921471"/>
+            <a:off x="2687546" y="6330363"/>
+            <a:ext cx="2155785" cy="830997"/>
           </a:xfrm>
           <a:prstGeom prst="rect">
             <a:avLst/>
@@ -6906,7 +6438,7 @@
           <a:lstStyle/>
           <a:p>
             <a:r>
-              <a:rPr lang="en-US" sz="5388" b="1" dirty="0">
+              <a:rPr lang="en-US" sz="4800" b="1" dirty="0">
                 <a:latin typeface="Times New Roman" panose="02020603050405020304" pitchFamily="18" charset="0"/>
                 <a:cs typeface="Times New Roman" panose="02020603050405020304" pitchFamily="18" charset="0"/>
               </a:rPr>
@@ -6929,8 +6461,8 @@
         </p:nvSpPr>
         <p:spPr>
           <a:xfrm rot="10800000" flipV="1">
-            <a:off x="2508012" y="19285460"/>
-            <a:ext cx="2155785" cy="921471"/>
+            <a:off x="2508012" y="19330697"/>
+            <a:ext cx="2155785" cy="830997"/>
           </a:xfrm>
           <a:prstGeom prst="rect">
             <a:avLst/>
@@ -6944,11 +6476,812 @@
           <a:lstStyle/>
           <a:p>
             <a:r>
-              <a:rPr lang="en-US" sz="5388" b="1" dirty="0">
+              <a:rPr lang="en-US" sz="4800" b="1" dirty="0">
                 <a:latin typeface="Times New Roman" panose="02020603050405020304" pitchFamily="18" charset="0"/>
                 <a:cs typeface="Times New Roman" panose="02020603050405020304" pitchFamily="18" charset="0"/>
               </a:rPr>
               <a:t>c1</a:t>
+            </a:r>
+          </a:p>
+        </p:txBody>
+      </p:sp>
+      <p:sp>
+        <p:nvSpPr>
+          <p:cNvPr id="78" name="TextBox 77">
+            <a:extLst>
+              <a:ext uri="{FF2B5EF4-FFF2-40B4-BE49-F238E27FC236}">
+                <a16:creationId xmlns:a16="http://schemas.microsoft.com/office/drawing/2014/main" id="{5E8BE009-CC8D-4DBF-9680-5FE20E233029}"/>
+              </a:ext>
+            </a:extLst>
+          </p:cNvPr>
+          <p:cNvSpPr txBox="1"/>
+          <p:nvPr/>
+        </p:nvSpPr>
+        <p:spPr>
+          <a:xfrm>
+            <a:off x="17494971" y="14060956"/>
+            <a:ext cx="2324964" cy="1517595"/>
+          </a:xfrm>
+          <a:prstGeom prst="rect">
+            <a:avLst/>
+          </a:prstGeom>
+          <a:noFill/>
+        </p:spPr>
+        <p:txBody>
+          <a:bodyPr wrap="square" rtlCol="0">
+            <a:spAutoFit/>
+          </a:bodyPr>
+          <a:lstStyle/>
+          <a:p>
+            <a:r>
+              <a:rPr lang="en-US" sz="3030" dirty="0">
+                <a:effectLst/>
+                <a:latin typeface="Times New Roman" panose="02020603050405020304" pitchFamily="18" charset="0"/>
+                <a:ea typeface="Calibri" panose="020F0502020204030204" pitchFamily="34" charset="0"/>
+                <a:cs typeface="Times New Roman" panose="02020603050405020304" pitchFamily="18" charset="0"/>
+              </a:rPr>
+              <a:t>k</a:t>
+            </a:r>
+            <a:r>
+              <a:rPr lang="en-US" sz="3030" baseline="-25000" dirty="0">
+                <a:effectLst/>
+                <a:latin typeface="Times New Roman" panose="02020603050405020304" pitchFamily="18" charset="0"/>
+                <a:ea typeface="Calibri" panose="020F0502020204030204" pitchFamily="34" charset="0"/>
+                <a:cs typeface="Times New Roman" panose="02020603050405020304" pitchFamily="18" charset="0"/>
+              </a:rPr>
+              <a:t>i</a:t>
+            </a:r>
+            <a:r>
+              <a:rPr lang="en-US" sz="3030" baseline="30000" dirty="0">
+                <a:effectLst/>
+                <a:latin typeface="Times New Roman" panose="02020603050405020304" pitchFamily="18" charset="0"/>
+                <a:ea typeface="Calibri" panose="020F0502020204030204" pitchFamily="34" charset="0"/>
+                <a:cs typeface="Times New Roman" panose="02020603050405020304" pitchFamily="18" charset="0"/>
+              </a:rPr>
+              <a:t>+ </a:t>
+            </a:r>
+            <a:r>
+              <a:rPr lang="en-US" sz="3030" dirty="0">
+                <a:latin typeface="Times New Roman" panose="02020603050405020304" pitchFamily="18" charset="0"/>
+                <a:cs typeface="Times New Roman" panose="02020603050405020304" pitchFamily="18" charset="0"/>
+              </a:rPr>
+              <a:t>= </a:t>
+            </a:r>
+            <a:r>
+              <a:rPr lang="en-US" sz="3031" dirty="0">
+                <a:latin typeface="Times New Roman" panose="02020603050405020304" pitchFamily="18" charset="0"/>
+                <a:cs typeface="Times New Roman" panose="02020603050405020304" pitchFamily="18" charset="0"/>
+              </a:rPr>
+              <a:t>4</a:t>
+            </a:r>
+          </a:p>
+          <a:p>
+            <a:r>
+              <a:rPr lang="en-US" sz="3030" dirty="0">
+                <a:effectLst/>
+                <a:latin typeface="Times New Roman" panose="02020603050405020304" pitchFamily="18" charset="0"/>
+                <a:ea typeface="Calibri" panose="020F0502020204030204" pitchFamily="34" charset="0"/>
+                <a:cs typeface="Times New Roman" panose="02020603050405020304" pitchFamily="18" charset="0"/>
+              </a:rPr>
+              <a:t>k</a:t>
+            </a:r>
+            <a:r>
+              <a:rPr lang="en-US" sz="3030" baseline="-25000" dirty="0">
+                <a:effectLst/>
+                <a:latin typeface="Times New Roman" panose="02020603050405020304" pitchFamily="18" charset="0"/>
+                <a:ea typeface="Calibri" panose="020F0502020204030204" pitchFamily="34" charset="0"/>
+                <a:cs typeface="Times New Roman" panose="02020603050405020304" pitchFamily="18" charset="0"/>
+              </a:rPr>
+              <a:t>i</a:t>
+            </a:r>
+            <a:r>
+              <a:rPr lang="en-US" sz="3030" baseline="30000" dirty="0">
+                <a:latin typeface="Times New Roman" panose="02020603050405020304" pitchFamily="18" charset="0"/>
+                <a:ea typeface="Calibri" panose="020F0502020204030204" pitchFamily="34" charset="0"/>
+                <a:cs typeface="Times New Roman" panose="02020603050405020304" pitchFamily="18" charset="0"/>
+              </a:rPr>
+              <a:t>-</a:t>
+            </a:r>
+            <a:r>
+              <a:rPr lang="en-US" sz="3030" baseline="30000" dirty="0">
+                <a:effectLst/>
+                <a:latin typeface="Times New Roman" panose="02020603050405020304" pitchFamily="18" charset="0"/>
+                <a:ea typeface="Calibri" panose="020F0502020204030204" pitchFamily="34" charset="0"/>
+                <a:cs typeface="Times New Roman" panose="02020603050405020304" pitchFamily="18" charset="0"/>
+              </a:rPr>
+              <a:t> </a:t>
+            </a:r>
+            <a:r>
+              <a:rPr lang="en-US" sz="3031" dirty="0">
+                <a:latin typeface="Times New Roman" panose="02020603050405020304" pitchFamily="18" charset="0"/>
+                <a:cs typeface="Times New Roman" panose="02020603050405020304" pitchFamily="18" charset="0"/>
+              </a:rPr>
+              <a:t>= 1</a:t>
+            </a:r>
+          </a:p>
+          <a:p>
+            <a:r>
+              <a:rPr lang="el-GR" sz="3030" dirty="0">
+                <a:effectLst/>
+                <a:latin typeface="Times New Roman" panose="02020603050405020304" pitchFamily="18" charset="0"/>
+                <a:ea typeface="Calibri" panose="020F0502020204030204" pitchFamily="34" charset="0"/>
+                <a:cs typeface="Times New Roman" panose="02020603050405020304" pitchFamily="18" charset="0"/>
+              </a:rPr>
+              <a:t>ρ</a:t>
+            </a:r>
+            <a:r>
+              <a:rPr lang="en-US" sz="3030" baseline="-25000" dirty="0">
+                <a:effectLst/>
+                <a:latin typeface="Times New Roman" panose="02020603050405020304" pitchFamily="18" charset="0"/>
+                <a:ea typeface="Calibri" panose="020F0502020204030204" pitchFamily="34" charset="0"/>
+                <a:cs typeface="Times New Roman" panose="02020603050405020304" pitchFamily="18" charset="0"/>
+              </a:rPr>
+              <a:t>i</a:t>
+            </a:r>
+            <a:r>
+              <a:rPr lang="en-US" sz="3030" baseline="-25000" dirty="0">
+                <a:latin typeface="Times New Roman" panose="02020603050405020304" pitchFamily="18" charset="0"/>
+                <a:ea typeface="Calibri" panose="020F0502020204030204" pitchFamily="34" charset="0"/>
+                <a:cs typeface="Times New Roman" panose="02020603050405020304" pitchFamily="18" charset="0"/>
+              </a:rPr>
+              <a:t> </a:t>
+            </a:r>
+            <a:r>
+              <a:rPr lang="el-GR" sz="3200" b="0" i="0" dirty="0">
+                <a:solidFill>
+                  <a:srgbClr val="202124"/>
+                </a:solidFill>
+                <a:effectLst/>
+                <a:latin typeface="Times New Roman" panose="02020603050405020304" pitchFamily="18" charset="0"/>
+                <a:cs typeface="Times New Roman" panose="02020603050405020304" pitchFamily="18" charset="0"/>
+              </a:rPr>
+              <a:t> </a:t>
+            </a:r>
+            <a:r>
+              <a:rPr lang="en-US" sz="3031" dirty="0">
+                <a:latin typeface="Times New Roman" panose="02020603050405020304" pitchFamily="18" charset="0"/>
+                <a:cs typeface="Times New Roman" panose="02020603050405020304" pitchFamily="18" charset="0"/>
+              </a:rPr>
+              <a:t>= 0.8</a:t>
+            </a:r>
+          </a:p>
+        </p:txBody>
+      </p:sp>
+      <p:sp>
+        <p:nvSpPr>
+          <p:cNvPr id="79" name="TextBox 78">
+            <a:extLst>
+              <a:ext uri="{FF2B5EF4-FFF2-40B4-BE49-F238E27FC236}">
+                <a16:creationId xmlns:a16="http://schemas.microsoft.com/office/drawing/2014/main" id="{F4BEAC3A-4006-47F9-877E-98FF9C8D6456}"/>
+              </a:ext>
+            </a:extLst>
+          </p:cNvPr>
+          <p:cNvSpPr txBox="1"/>
+          <p:nvPr/>
+        </p:nvSpPr>
+        <p:spPr>
+          <a:xfrm>
+            <a:off x="21864642" y="14179059"/>
+            <a:ext cx="2324964" cy="1517595"/>
+          </a:xfrm>
+          <a:prstGeom prst="rect">
+            <a:avLst/>
+          </a:prstGeom>
+          <a:noFill/>
+        </p:spPr>
+        <p:txBody>
+          <a:bodyPr wrap="square" rtlCol="0">
+            <a:spAutoFit/>
+          </a:bodyPr>
+          <a:lstStyle/>
+          <a:p>
+            <a:r>
+              <a:rPr lang="en-US" sz="3030" dirty="0">
+                <a:effectLst/>
+                <a:latin typeface="Times New Roman" panose="02020603050405020304" pitchFamily="18" charset="0"/>
+                <a:ea typeface="Calibri" panose="020F0502020204030204" pitchFamily="34" charset="0"/>
+                <a:cs typeface="Times New Roman" panose="02020603050405020304" pitchFamily="18" charset="0"/>
+              </a:rPr>
+              <a:t>k</a:t>
+            </a:r>
+            <a:r>
+              <a:rPr lang="en-US" sz="3030" baseline="-25000" dirty="0">
+                <a:effectLst/>
+                <a:latin typeface="Times New Roman" panose="02020603050405020304" pitchFamily="18" charset="0"/>
+                <a:ea typeface="Calibri" panose="020F0502020204030204" pitchFamily="34" charset="0"/>
+                <a:cs typeface="Times New Roman" panose="02020603050405020304" pitchFamily="18" charset="0"/>
+              </a:rPr>
+              <a:t>i</a:t>
+            </a:r>
+            <a:r>
+              <a:rPr lang="en-US" sz="3030" baseline="30000" dirty="0">
+                <a:effectLst/>
+                <a:latin typeface="Times New Roman" panose="02020603050405020304" pitchFamily="18" charset="0"/>
+                <a:ea typeface="Calibri" panose="020F0502020204030204" pitchFamily="34" charset="0"/>
+                <a:cs typeface="Times New Roman" panose="02020603050405020304" pitchFamily="18" charset="0"/>
+              </a:rPr>
+              <a:t>+ </a:t>
+            </a:r>
+            <a:r>
+              <a:rPr lang="en-US" sz="3030" dirty="0">
+                <a:latin typeface="Times New Roman" panose="02020603050405020304" pitchFamily="18" charset="0"/>
+                <a:cs typeface="Times New Roman" panose="02020603050405020304" pitchFamily="18" charset="0"/>
+              </a:rPr>
+              <a:t>= </a:t>
+            </a:r>
+            <a:r>
+              <a:rPr lang="en-US" sz="3031" dirty="0">
+                <a:latin typeface="Times New Roman" panose="02020603050405020304" pitchFamily="18" charset="0"/>
+                <a:cs typeface="Times New Roman" panose="02020603050405020304" pitchFamily="18" charset="0"/>
+              </a:rPr>
+              <a:t>1</a:t>
+            </a:r>
+          </a:p>
+          <a:p>
+            <a:r>
+              <a:rPr lang="en-US" sz="3030" dirty="0">
+                <a:effectLst/>
+                <a:latin typeface="Times New Roman" panose="02020603050405020304" pitchFamily="18" charset="0"/>
+                <a:ea typeface="Calibri" panose="020F0502020204030204" pitchFamily="34" charset="0"/>
+                <a:cs typeface="Times New Roman" panose="02020603050405020304" pitchFamily="18" charset="0"/>
+              </a:rPr>
+              <a:t>k</a:t>
+            </a:r>
+            <a:r>
+              <a:rPr lang="en-US" sz="3030" baseline="-25000" dirty="0">
+                <a:effectLst/>
+                <a:latin typeface="Times New Roman" panose="02020603050405020304" pitchFamily="18" charset="0"/>
+                <a:ea typeface="Calibri" panose="020F0502020204030204" pitchFamily="34" charset="0"/>
+                <a:cs typeface="Times New Roman" panose="02020603050405020304" pitchFamily="18" charset="0"/>
+              </a:rPr>
+              <a:t>i</a:t>
+            </a:r>
+            <a:r>
+              <a:rPr lang="en-US" sz="3030" baseline="30000" dirty="0">
+                <a:latin typeface="Times New Roman" panose="02020603050405020304" pitchFamily="18" charset="0"/>
+                <a:ea typeface="Calibri" panose="020F0502020204030204" pitchFamily="34" charset="0"/>
+                <a:cs typeface="Times New Roman" panose="02020603050405020304" pitchFamily="18" charset="0"/>
+              </a:rPr>
+              <a:t>-</a:t>
+            </a:r>
+            <a:r>
+              <a:rPr lang="en-US" sz="3030" baseline="30000" dirty="0">
+                <a:effectLst/>
+                <a:latin typeface="Times New Roman" panose="02020603050405020304" pitchFamily="18" charset="0"/>
+                <a:ea typeface="Calibri" panose="020F0502020204030204" pitchFamily="34" charset="0"/>
+                <a:cs typeface="Times New Roman" panose="02020603050405020304" pitchFamily="18" charset="0"/>
+              </a:rPr>
+              <a:t> </a:t>
+            </a:r>
+            <a:r>
+              <a:rPr lang="en-US" sz="3031" dirty="0">
+                <a:latin typeface="Times New Roman" panose="02020603050405020304" pitchFamily="18" charset="0"/>
+                <a:cs typeface="Times New Roman" panose="02020603050405020304" pitchFamily="18" charset="0"/>
+              </a:rPr>
+              <a:t>= 0</a:t>
+            </a:r>
+          </a:p>
+          <a:p>
+            <a:r>
+              <a:rPr lang="el-GR" sz="3030" dirty="0">
+                <a:effectLst/>
+                <a:latin typeface="Times New Roman" panose="02020603050405020304" pitchFamily="18" charset="0"/>
+                <a:ea typeface="Calibri" panose="020F0502020204030204" pitchFamily="34" charset="0"/>
+                <a:cs typeface="Times New Roman" panose="02020603050405020304" pitchFamily="18" charset="0"/>
+              </a:rPr>
+              <a:t>ρ</a:t>
+            </a:r>
+            <a:r>
+              <a:rPr lang="en-US" sz="3030" baseline="-25000" dirty="0">
+                <a:effectLst/>
+                <a:latin typeface="Times New Roman" panose="02020603050405020304" pitchFamily="18" charset="0"/>
+                <a:ea typeface="Calibri" panose="020F0502020204030204" pitchFamily="34" charset="0"/>
+                <a:cs typeface="Times New Roman" panose="02020603050405020304" pitchFamily="18" charset="0"/>
+              </a:rPr>
+              <a:t>i</a:t>
+            </a:r>
+            <a:r>
+              <a:rPr lang="en-US" sz="3030" baseline="-25000" dirty="0">
+                <a:latin typeface="Times New Roman" panose="02020603050405020304" pitchFamily="18" charset="0"/>
+                <a:ea typeface="Calibri" panose="020F0502020204030204" pitchFamily="34" charset="0"/>
+                <a:cs typeface="Times New Roman" panose="02020603050405020304" pitchFamily="18" charset="0"/>
+              </a:rPr>
+              <a:t> </a:t>
+            </a:r>
+            <a:r>
+              <a:rPr lang="el-GR" sz="3200" b="0" i="0" dirty="0">
+                <a:solidFill>
+                  <a:srgbClr val="202124"/>
+                </a:solidFill>
+                <a:effectLst/>
+                <a:latin typeface="Times New Roman" panose="02020603050405020304" pitchFamily="18" charset="0"/>
+                <a:cs typeface="Times New Roman" panose="02020603050405020304" pitchFamily="18" charset="0"/>
+              </a:rPr>
+              <a:t> </a:t>
+            </a:r>
+            <a:r>
+              <a:rPr lang="en-US" sz="3031" dirty="0">
+                <a:latin typeface="Times New Roman" panose="02020603050405020304" pitchFamily="18" charset="0"/>
+                <a:cs typeface="Times New Roman" panose="02020603050405020304" pitchFamily="18" charset="0"/>
+              </a:rPr>
+              <a:t>= 1.0</a:t>
+            </a:r>
+          </a:p>
+        </p:txBody>
+      </p:sp>
+      <p:sp>
+        <p:nvSpPr>
+          <p:cNvPr id="80" name="TextBox 79">
+            <a:extLst>
+              <a:ext uri="{FF2B5EF4-FFF2-40B4-BE49-F238E27FC236}">
+                <a16:creationId xmlns:a16="http://schemas.microsoft.com/office/drawing/2014/main" id="{EC722727-EB3F-41CA-8325-730B1C1B1328}"/>
+              </a:ext>
+            </a:extLst>
+          </p:cNvPr>
+          <p:cNvSpPr txBox="1"/>
+          <p:nvPr/>
+        </p:nvSpPr>
+        <p:spPr>
+          <a:xfrm>
+            <a:off x="12746609" y="26962940"/>
+            <a:ext cx="2324964" cy="1517595"/>
+          </a:xfrm>
+          <a:prstGeom prst="rect">
+            <a:avLst/>
+          </a:prstGeom>
+          <a:noFill/>
+        </p:spPr>
+        <p:txBody>
+          <a:bodyPr wrap="square" rtlCol="0">
+            <a:spAutoFit/>
+          </a:bodyPr>
+          <a:lstStyle/>
+          <a:p>
+            <a:r>
+              <a:rPr lang="en-US" sz="3030" dirty="0">
+                <a:effectLst/>
+                <a:latin typeface="Times New Roman" panose="02020603050405020304" pitchFamily="18" charset="0"/>
+                <a:ea typeface="Calibri" panose="020F0502020204030204" pitchFamily="34" charset="0"/>
+                <a:cs typeface="Times New Roman" panose="02020603050405020304" pitchFamily="18" charset="0"/>
+              </a:rPr>
+              <a:t>k</a:t>
+            </a:r>
+            <a:r>
+              <a:rPr lang="en-US" sz="3030" baseline="-25000" dirty="0">
+                <a:effectLst/>
+                <a:latin typeface="Times New Roman" panose="02020603050405020304" pitchFamily="18" charset="0"/>
+                <a:ea typeface="Calibri" panose="020F0502020204030204" pitchFamily="34" charset="0"/>
+                <a:cs typeface="Times New Roman" panose="02020603050405020304" pitchFamily="18" charset="0"/>
+              </a:rPr>
+              <a:t>i</a:t>
+            </a:r>
+            <a:r>
+              <a:rPr lang="en-US" sz="3030" baseline="30000" dirty="0">
+                <a:effectLst/>
+                <a:latin typeface="Times New Roman" panose="02020603050405020304" pitchFamily="18" charset="0"/>
+                <a:ea typeface="Calibri" panose="020F0502020204030204" pitchFamily="34" charset="0"/>
+                <a:cs typeface="Times New Roman" panose="02020603050405020304" pitchFamily="18" charset="0"/>
+              </a:rPr>
+              <a:t>+ </a:t>
+            </a:r>
+            <a:r>
+              <a:rPr lang="en-US" sz="3030" dirty="0">
+                <a:latin typeface="Times New Roman" panose="02020603050405020304" pitchFamily="18" charset="0"/>
+                <a:cs typeface="Times New Roman" panose="02020603050405020304" pitchFamily="18" charset="0"/>
+              </a:rPr>
+              <a:t>= 10</a:t>
+            </a:r>
+            <a:endParaRPr lang="en-US" sz="3031" dirty="0">
+              <a:latin typeface="Times New Roman" panose="02020603050405020304" pitchFamily="18" charset="0"/>
+              <a:cs typeface="Times New Roman" panose="02020603050405020304" pitchFamily="18" charset="0"/>
+            </a:endParaRPr>
+          </a:p>
+          <a:p>
+            <a:r>
+              <a:rPr lang="en-US" sz="3030" dirty="0">
+                <a:effectLst/>
+                <a:latin typeface="Times New Roman" panose="02020603050405020304" pitchFamily="18" charset="0"/>
+                <a:ea typeface="Calibri" panose="020F0502020204030204" pitchFamily="34" charset="0"/>
+                <a:cs typeface="Times New Roman" panose="02020603050405020304" pitchFamily="18" charset="0"/>
+              </a:rPr>
+              <a:t>k</a:t>
+            </a:r>
+            <a:r>
+              <a:rPr lang="en-US" sz="3030" baseline="-25000" dirty="0">
+                <a:effectLst/>
+                <a:latin typeface="Times New Roman" panose="02020603050405020304" pitchFamily="18" charset="0"/>
+                <a:ea typeface="Calibri" panose="020F0502020204030204" pitchFamily="34" charset="0"/>
+                <a:cs typeface="Times New Roman" panose="02020603050405020304" pitchFamily="18" charset="0"/>
+              </a:rPr>
+              <a:t>i</a:t>
+            </a:r>
+            <a:r>
+              <a:rPr lang="en-US" sz="3030" baseline="30000" dirty="0">
+                <a:latin typeface="Times New Roman" panose="02020603050405020304" pitchFamily="18" charset="0"/>
+                <a:ea typeface="Calibri" panose="020F0502020204030204" pitchFamily="34" charset="0"/>
+                <a:cs typeface="Times New Roman" panose="02020603050405020304" pitchFamily="18" charset="0"/>
+              </a:rPr>
+              <a:t>-</a:t>
+            </a:r>
+            <a:r>
+              <a:rPr lang="en-US" sz="3030" baseline="30000" dirty="0">
+                <a:effectLst/>
+                <a:latin typeface="Times New Roman" panose="02020603050405020304" pitchFamily="18" charset="0"/>
+                <a:ea typeface="Calibri" panose="020F0502020204030204" pitchFamily="34" charset="0"/>
+                <a:cs typeface="Times New Roman" panose="02020603050405020304" pitchFamily="18" charset="0"/>
+              </a:rPr>
+              <a:t> </a:t>
+            </a:r>
+            <a:r>
+              <a:rPr lang="en-US" sz="3031" dirty="0">
+                <a:latin typeface="Times New Roman" panose="02020603050405020304" pitchFamily="18" charset="0"/>
+                <a:cs typeface="Times New Roman" panose="02020603050405020304" pitchFamily="18" charset="0"/>
+              </a:rPr>
+              <a:t>= 5</a:t>
+            </a:r>
+          </a:p>
+          <a:p>
+            <a:r>
+              <a:rPr lang="el-GR" sz="3030" dirty="0">
+                <a:effectLst/>
+                <a:latin typeface="Times New Roman" panose="02020603050405020304" pitchFamily="18" charset="0"/>
+                <a:ea typeface="Calibri" panose="020F0502020204030204" pitchFamily="34" charset="0"/>
+                <a:cs typeface="Times New Roman" panose="02020603050405020304" pitchFamily="18" charset="0"/>
+              </a:rPr>
+              <a:t>ρ</a:t>
+            </a:r>
+            <a:r>
+              <a:rPr lang="en-US" sz="3030" baseline="-25000" dirty="0">
+                <a:effectLst/>
+                <a:latin typeface="Times New Roman" panose="02020603050405020304" pitchFamily="18" charset="0"/>
+                <a:ea typeface="Calibri" panose="020F0502020204030204" pitchFamily="34" charset="0"/>
+                <a:cs typeface="Times New Roman" panose="02020603050405020304" pitchFamily="18" charset="0"/>
+              </a:rPr>
+              <a:t>i</a:t>
+            </a:r>
+            <a:r>
+              <a:rPr lang="en-US" sz="3030" baseline="-25000" dirty="0">
+                <a:latin typeface="Times New Roman" panose="02020603050405020304" pitchFamily="18" charset="0"/>
+                <a:ea typeface="Calibri" panose="020F0502020204030204" pitchFamily="34" charset="0"/>
+                <a:cs typeface="Times New Roman" panose="02020603050405020304" pitchFamily="18" charset="0"/>
+              </a:rPr>
+              <a:t> </a:t>
+            </a:r>
+            <a:r>
+              <a:rPr lang="el-GR" sz="3200" b="0" i="0" dirty="0">
+                <a:solidFill>
+                  <a:srgbClr val="202124"/>
+                </a:solidFill>
+                <a:effectLst/>
+                <a:latin typeface="Times New Roman" panose="02020603050405020304" pitchFamily="18" charset="0"/>
+                <a:cs typeface="Times New Roman" panose="02020603050405020304" pitchFamily="18" charset="0"/>
+              </a:rPr>
+              <a:t> </a:t>
+            </a:r>
+            <a:r>
+              <a:rPr lang="en-US" sz="3031" dirty="0">
+                <a:latin typeface="Times New Roman" panose="02020603050405020304" pitchFamily="18" charset="0"/>
+                <a:cs typeface="Times New Roman" panose="02020603050405020304" pitchFamily="18" charset="0"/>
+              </a:rPr>
+              <a:t>= 0.67</a:t>
+            </a:r>
+          </a:p>
+        </p:txBody>
+      </p:sp>
+      <p:sp>
+        <p:nvSpPr>
+          <p:cNvPr id="81" name="TextBox 80">
+            <a:extLst>
+              <a:ext uri="{FF2B5EF4-FFF2-40B4-BE49-F238E27FC236}">
+                <a16:creationId xmlns:a16="http://schemas.microsoft.com/office/drawing/2014/main" id="{9D05960D-1609-4236-92B7-6F3CE7060C32}"/>
+              </a:ext>
+            </a:extLst>
+          </p:cNvPr>
+          <p:cNvSpPr txBox="1"/>
+          <p:nvPr/>
+        </p:nvSpPr>
+        <p:spPr>
+          <a:xfrm>
+            <a:off x="17291953" y="26962939"/>
+            <a:ext cx="2324964" cy="1517595"/>
+          </a:xfrm>
+          <a:prstGeom prst="rect">
+            <a:avLst/>
+          </a:prstGeom>
+          <a:noFill/>
+        </p:spPr>
+        <p:txBody>
+          <a:bodyPr wrap="square" rtlCol="0">
+            <a:spAutoFit/>
+          </a:bodyPr>
+          <a:lstStyle/>
+          <a:p>
+            <a:r>
+              <a:rPr lang="en-US" sz="3030" dirty="0">
+                <a:effectLst/>
+                <a:latin typeface="Times New Roman" panose="02020603050405020304" pitchFamily="18" charset="0"/>
+                <a:ea typeface="Calibri" panose="020F0502020204030204" pitchFamily="34" charset="0"/>
+                <a:cs typeface="Times New Roman" panose="02020603050405020304" pitchFamily="18" charset="0"/>
+              </a:rPr>
+              <a:t>k</a:t>
+            </a:r>
+            <a:r>
+              <a:rPr lang="en-US" sz="3030" baseline="-25000" dirty="0">
+                <a:effectLst/>
+                <a:latin typeface="Times New Roman" panose="02020603050405020304" pitchFamily="18" charset="0"/>
+                <a:ea typeface="Calibri" panose="020F0502020204030204" pitchFamily="34" charset="0"/>
+                <a:cs typeface="Times New Roman" panose="02020603050405020304" pitchFamily="18" charset="0"/>
+              </a:rPr>
+              <a:t>i</a:t>
+            </a:r>
+            <a:r>
+              <a:rPr lang="en-US" sz="3030" baseline="30000" dirty="0">
+                <a:effectLst/>
+                <a:latin typeface="Times New Roman" panose="02020603050405020304" pitchFamily="18" charset="0"/>
+                <a:ea typeface="Calibri" panose="020F0502020204030204" pitchFamily="34" charset="0"/>
+                <a:cs typeface="Times New Roman" panose="02020603050405020304" pitchFamily="18" charset="0"/>
+              </a:rPr>
+              <a:t>+ </a:t>
+            </a:r>
+            <a:r>
+              <a:rPr lang="en-US" sz="3030" dirty="0">
+                <a:latin typeface="Times New Roman" panose="02020603050405020304" pitchFamily="18" charset="0"/>
+                <a:cs typeface="Times New Roman" panose="02020603050405020304" pitchFamily="18" charset="0"/>
+              </a:rPr>
+              <a:t>= 60</a:t>
+            </a:r>
+            <a:endParaRPr lang="en-US" sz="3031" dirty="0">
+              <a:latin typeface="Times New Roman" panose="02020603050405020304" pitchFamily="18" charset="0"/>
+              <a:cs typeface="Times New Roman" panose="02020603050405020304" pitchFamily="18" charset="0"/>
+            </a:endParaRPr>
+          </a:p>
+          <a:p>
+            <a:r>
+              <a:rPr lang="en-US" sz="3030" dirty="0">
+                <a:effectLst/>
+                <a:latin typeface="Times New Roman" panose="02020603050405020304" pitchFamily="18" charset="0"/>
+                <a:ea typeface="Calibri" panose="020F0502020204030204" pitchFamily="34" charset="0"/>
+                <a:cs typeface="Times New Roman" panose="02020603050405020304" pitchFamily="18" charset="0"/>
+              </a:rPr>
+              <a:t>k</a:t>
+            </a:r>
+            <a:r>
+              <a:rPr lang="en-US" sz="3030" baseline="-25000" dirty="0">
+                <a:effectLst/>
+                <a:latin typeface="Times New Roman" panose="02020603050405020304" pitchFamily="18" charset="0"/>
+                <a:ea typeface="Calibri" panose="020F0502020204030204" pitchFamily="34" charset="0"/>
+                <a:cs typeface="Times New Roman" panose="02020603050405020304" pitchFamily="18" charset="0"/>
+              </a:rPr>
+              <a:t>i</a:t>
+            </a:r>
+            <a:r>
+              <a:rPr lang="en-US" sz="3030" baseline="30000" dirty="0">
+                <a:latin typeface="Times New Roman" panose="02020603050405020304" pitchFamily="18" charset="0"/>
+                <a:ea typeface="Calibri" panose="020F0502020204030204" pitchFamily="34" charset="0"/>
+                <a:cs typeface="Times New Roman" panose="02020603050405020304" pitchFamily="18" charset="0"/>
+              </a:rPr>
+              <a:t>-</a:t>
+            </a:r>
+            <a:r>
+              <a:rPr lang="en-US" sz="3030" baseline="30000" dirty="0">
+                <a:effectLst/>
+                <a:latin typeface="Times New Roman" panose="02020603050405020304" pitchFamily="18" charset="0"/>
+                <a:ea typeface="Calibri" panose="020F0502020204030204" pitchFamily="34" charset="0"/>
+                <a:cs typeface="Times New Roman" panose="02020603050405020304" pitchFamily="18" charset="0"/>
+              </a:rPr>
+              <a:t> </a:t>
+            </a:r>
+            <a:r>
+              <a:rPr lang="en-US" sz="3031" dirty="0">
+                <a:latin typeface="Times New Roman" panose="02020603050405020304" pitchFamily="18" charset="0"/>
+                <a:cs typeface="Times New Roman" panose="02020603050405020304" pitchFamily="18" charset="0"/>
+              </a:rPr>
+              <a:t>= 18</a:t>
+            </a:r>
+          </a:p>
+          <a:p>
+            <a:r>
+              <a:rPr lang="el-GR" sz="3030" dirty="0">
+                <a:effectLst/>
+                <a:latin typeface="Times New Roman" panose="02020603050405020304" pitchFamily="18" charset="0"/>
+                <a:ea typeface="Calibri" panose="020F0502020204030204" pitchFamily="34" charset="0"/>
+                <a:cs typeface="Times New Roman" panose="02020603050405020304" pitchFamily="18" charset="0"/>
+              </a:rPr>
+              <a:t>ρ</a:t>
+            </a:r>
+            <a:r>
+              <a:rPr lang="en-US" sz="3030" baseline="-25000" dirty="0">
+                <a:effectLst/>
+                <a:latin typeface="Times New Roman" panose="02020603050405020304" pitchFamily="18" charset="0"/>
+                <a:ea typeface="Calibri" panose="020F0502020204030204" pitchFamily="34" charset="0"/>
+                <a:cs typeface="Times New Roman" panose="02020603050405020304" pitchFamily="18" charset="0"/>
+              </a:rPr>
+              <a:t>i</a:t>
+            </a:r>
+            <a:r>
+              <a:rPr lang="en-US" sz="3030" baseline="-25000" dirty="0">
+                <a:latin typeface="Times New Roman" panose="02020603050405020304" pitchFamily="18" charset="0"/>
+                <a:ea typeface="Calibri" panose="020F0502020204030204" pitchFamily="34" charset="0"/>
+                <a:cs typeface="Times New Roman" panose="02020603050405020304" pitchFamily="18" charset="0"/>
+              </a:rPr>
+              <a:t> </a:t>
+            </a:r>
+            <a:r>
+              <a:rPr lang="el-GR" sz="3200" b="0" i="0" dirty="0">
+                <a:solidFill>
+                  <a:srgbClr val="202124"/>
+                </a:solidFill>
+                <a:effectLst/>
+                <a:latin typeface="Times New Roman" panose="02020603050405020304" pitchFamily="18" charset="0"/>
+                <a:cs typeface="Times New Roman" panose="02020603050405020304" pitchFamily="18" charset="0"/>
+              </a:rPr>
+              <a:t> </a:t>
+            </a:r>
+            <a:r>
+              <a:rPr lang="en-US" sz="3031" dirty="0">
+                <a:latin typeface="Times New Roman" panose="02020603050405020304" pitchFamily="18" charset="0"/>
+                <a:cs typeface="Times New Roman" panose="02020603050405020304" pitchFamily="18" charset="0"/>
+              </a:rPr>
+              <a:t>= 0.77</a:t>
+            </a:r>
+          </a:p>
+        </p:txBody>
+      </p:sp>
+      <p:sp>
+        <p:nvSpPr>
+          <p:cNvPr id="82" name="TextBox 81">
+            <a:extLst>
+              <a:ext uri="{FF2B5EF4-FFF2-40B4-BE49-F238E27FC236}">
+                <a16:creationId xmlns:a16="http://schemas.microsoft.com/office/drawing/2014/main" id="{3DF054CA-1D3E-4184-B09D-43703E7E00A8}"/>
+              </a:ext>
+            </a:extLst>
+          </p:cNvPr>
+          <p:cNvSpPr txBox="1"/>
+          <p:nvPr/>
+        </p:nvSpPr>
+        <p:spPr>
+          <a:xfrm>
+            <a:off x="21703551" y="26870709"/>
+            <a:ext cx="2324964" cy="1517595"/>
+          </a:xfrm>
+          <a:prstGeom prst="rect">
+            <a:avLst/>
+          </a:prstGeom>
+          <a:noFill/>
+        </p:spPr>
+        <p:txBody>
+          <a:bodyPr wrap="square" rtlCol="0">
+            <a:spAutoFit/>
+          </a:bodyPr>
+          <a:lstStyle/>
+          <a:p>
+            <a:r>
+              <a:rPr lang="en-US" sz="3030" dirty="0">
+                <a:effectLst/>
+                <a:latin typeface="Times New Roman" panose="02020603050405020304" pitchFamily="18" charset="0"/>
+                <a:ea typeface="Calibri" panose="020F0502020204030204" pitchFamily="34" charset="0"/>
+                <a:cs typeface="Times New Roman" panose="02020603050405020304" pitchFamily="18" charset="0"/>
+              </a:rPr>
+              <a:t>k</a:t>
+            </a:r>
+            <a:r>
+              <a:rPr lang="en-US" sz="3030" baseline="-25000" dirty="0">
+                <a:effectLst/>
+                <a:latin typeface="Times New Roman" panose="02020603050405020304" pitchFamily="18" charset="0"/>
+                <a:ea typeface="Calibri" panose="020F0502020204030204" pitchFamily="34" charset="0"/>
+                <a:cs typeface="Times New Roman" panose="02020603050405020304" pitchFamily="18" charset="0"/>
+              </a:rPr>
+              <a:t>i</a:t>
+            </a:r>
+            <a:r>
+              <a:rPr lang="en-US" sz="3030" baseline="30000" dirty="0">
+                <a:effectLst/>
+                <a:latin typeface="Times New Roman" panose="02020603050405020304" pitchFamily="18" charset="0"/>
+                <a:ea typeface="Calibri" panose="020F0502020204030204" pitchFamily="34" charset="0"/>
+                <a:cs typeface="Times New Roman" panose="02020603050405020304" pitchFamily="18" charset="0"/>
+              </a:rPr>
+              <a:t>+ </a:t>
+            </a:r>
+            <a:r>
+              <a:rPr lang="en-US" sz="3030" dirty="0">
+                <a:latin typeface="Times New Roman" panose="02020603050405020304" pitchFamily="18" charset="0"/>
+                <a:cs typeface="Times New Roman" panose="02020603050405020304" pitchFamily="18" charset="0"/>
+              </a:rPr>
+              <a:t>= 3</a:t>
+            </a:r>
+            <a:endParaRPr lang="en-US" sz="3031" dirty="0">
+              <a:latin typeface="Times New Roman" panose="02020603050405020304" pitchFamily="18" charset="0"/>
+              <a:cs typeface="Times New Roman" panose="02020603050405020304" pitchFamily="18" charset="0"/>
+            </a:endParaRPr>
+          </a:p>
+          <a:p>
+            <a:r>
+              <a:rPr lang="en-US" sz="3030" dirty="0">
+                <a:effectLst/>
+                <a:latin typeface="Times New Roman" panose="02020603050405020304" pitchFamily="18" charset="0"/>
+                <a:ea typeface="Calibri" panose="020F0502020204030204" pitchFamily="34" charset="0"/>
+                <a:cs typeface="Times New Roman" panose="02020603050405020304" pitchFamily="18" charset="0"/>
+              </a:rPr>
+              <a:t>k</a:t>
+            </a:r>
+            <a:r>
+              <a:rPr lang="en-US" sz="3030" baseline="-25000" dirty="0">
+                <a:effectLst/>
+                <a:latin typeface="Times New Roman" panose="02020603050405020304" pitchFamily="18" charset="0"/>
+                <a:ea typeface="Calibri" panose="020F0502020204030204" pitchFamily="34" charset="0"/>
+                <a:cs typeface="Times New Roman" panose="02020603050405020304" pitchFamily="18" charset="0"/>
+              </a:rPr>
+              <a:t>i</a:t>
+            </a:r>
+            <a:r>
+              <a:rPr lang="en-US" sz="3030" baseline="30000" dirty="0">
+                <a:latin typeface="Times New Roman" panose="02020603050405020304" pitchFamily="18" charset="0"/>
+                <a:ea typeface="Calibri" panose="020F0502020204030204" pitchFamily="34" charset="0"/>
+                <a:cs typeface="Times New Roman" panose="02020603050405020304" pitchFamily="18" charset="0"/>
+              </a:rPr>
+              <a:t>-</a:t>
+            </a:r>
+            <a:r>
+              <a:rPr lang="en-US" sz="3030" baseline="30000" dirty="0">
+                <a:effectLst/>
+                <a:latin typeface="Times New Roman" panose="02020603050405020304" pitchFamily="18" charset="0"/>
+                <a:ea typeface="Calibri" panose="020F0502020204030204" pitchFamily="34" charset="0"/>
+                <a:cs typeface="Times New Roman" panose="02020603050405020304" pitchFamily="18" charset="0"/>
+              </a:rPr>
+              <a:t> </a:t>
+            </a:r>
+            <a:r>
+              <a:rPr lang="en-US" sz="3031" dirty="0">
+                <a:latin typeface="Times New Roman" panose="02020603050405020304" pitchFamily="18" charset="0"/>
+                <a:cs typeface="Times New Roman" panose="02020603050405020304" pitchFamily="18" charset="0"/>
+              </a:rPr>
+              <a:t>= 0</a:t>
+            </a:r>
+          </a:p>
+          <a:p>
+            <a:r>
+              <a:rPr lang="el-GR" sz="3030" dirty="0">
+                <a:effectLst/>
+                <a:latin typeface="Times New Roman" panose="02020603050405020304" pitchFamily="18" charset="0"/>
+                <a:ea typeface="Calibri" panose="020F0502020204030204" pitchFamily="34" charset="0"/>
+                <a:cs typeface="Times New Roman" panose="02020603050405020304" pitchFamily="18" charset="0"/>
+              </a:rPr>
+              <a:t>ρ</a:t>
+            </a:r>
+            <a:r>
+              <a:rPr lang="en-US" sz="3030" baseline="-25000" dirty="0">
+                <a:effectLst/>
+                <a:latin typeface="Times New Roman" panose="02020603050405020304" pitchFamily="18" charset="0"/>
+                <a:ea typeface="Calibri" panose="020F0502020204030204" pitchFamily="34" charset="0"/>
+                <a:cs typeface="Times New Roman" panose="02020603050405020304" pitchFamily="18" charset="0"/>
+              </a:rPr>
+              <a:t>i</a:t>
+            </a:r>
+            <a:r>
+              <a:rPr lang="en-US" sz="3030" baseline="-25000" dirty="0">
+                <a:latin typeface="Times New Roman" panose="02020603050405020304" pitchFamily="18" charset="0"/>
+                <a:ea typeface="Calibri" panose="020F0502020204030204" pitchFamily="34" charset="0"/>
+                <a:cs typeface="Times New Roman" panose="02020603050405020304" pitchFamily="18" charset="0"/>
+              </a:rPr>
+              <a:t> </a:t>
+            </a:r>
+            <a:r>
+              <a:rPr lang="el-GR" sz="3200" b="0" i="0" dirty="0">
+                <a:solidFill>
+                  <a:srgbClr val="202124"/>
+                </a:solidFill>
+                <a:effectLst/>
+                <a:latin typeface="Times New Roman" panose="02020603050405020304" pitchFamily="18" charset="0"/>
+                <a:cs typeface="Times New Roman" panose="02020603050405020304" pitchFamily="18" charset="0"/>
+              </a:rPr>
+              <a:t> </a:t>
+            </a:r>
+            <a:r>
+              <a:rPr lang="en-US" sz="3031" dirty="0">
+                <a:latin typeface="Times New Roman" panose="02020603050405020304" pitchFamily="18" charset="0"/>
+                <a:cs typeface="Times New Roman" panose="02020603050405020304" pitchFamily="18" charset="0"/>
+              </a:rPr>
+              <a:t>= 1.0</a:t>
             </a:r>
           </a:p>
         </p:txBody>

--- a/Images/fig1a.pptx
+++ b/Images/fig1a.pptx
@@ -197,7 +197,7 @@
           <a:p>
             <a:fld id="{D34CEA9E-E5A5-49C8-A578-AF124664FEC0}" type="datetimeFigureOut">
               <a:rPr lang="en-US" smtClean="0"/>
-              <a:t>8/20/2021</a:t>
+              <a:t>9/3/2021</a:t>
             </a:fld>
             <a:endParaRPr lang="en-US"/>
           </a:p>
@@ -754,7 +754,7 @@
           <a:p>
             <a:fld id="{BA05AF01-4F0E-4718-A4C1-DFCBB47EE5F2}" type="datetimeFigureOut">
               <a:rPr lang="en-US" smtClean="0"/>
-              <a:t>8/20/2021</a:t>
+              <a:t>9/3/2021</a:t>
             </a:fld>
             <a:endParaRPr lang="en-US"/>
           </a:p>
@@ -924,7 +924,7 @@
           <a:p>
             <a:fld id="{BA05AF01-4F0E-4718-A4C1-DFCBB47EE5F2}" type="datetimeFigureOut">
               <a:rPr lang="en-US" smtClean="0"/>
-              <a:t>8/20/2021</a:t>
+              <a:t>9/3/2021</a:t>
             </a:fld>
             <a:endParaRPr lang="en-US"/>
           </a:p>
@@ -1104,7 +1104,7 @@
           <a:p>
             <a:fld id="{BA05AF01-4F0E-4718-A4C1-DFCBB47EE5F2}" type="datetimeFigureOut">
               <a:rPr lang="en-US" smtClean="0"/>
-              <a:t>8/20/2021</a:t>
+              <a:t>9/3/2021</a:t>
             </a:fld>
             <a:endParaRPr lang="en-US"/>
           </a:p>
@@ -1274,7 +1274,7 @@
           <a:p>
             <a:fld id="{BA05AF01-4F0E-4718-A4C1-DFCBB47EE5F2}" type="datetimeFigureOut">
               <a:rPr lang="en-US" smtClean="0"/>
-              <a:t>8/20/2021</a:t>
+              <a:t>9/3/2021</a:t>
             </a:fld>
             <a:endParaRPr lang="en-US"/>
           </a:p>
@@ -1518,7 +1518,7 @@
           <a:p>
             <a:fld id="{BA05AF01-4F0E-4718-A4C1-DFCBB47EE5F2}" type="datetimeFigureOut">
               <a:rPr lang="en-US" smtClean="0"/>
-              <a:t>8/20/2021</a:t>
+              <a:t>9/3/2021</a:t>
             </a:fld>
             <a:endParaRPr lang="en-US"/>
           </a:p>
@@ -1750,7 +1750,7 @@
           <a:p>
             <a:fld id="{BA05AF01-4F0E-4718-A4C1-DFCBB47EE5F2}" type="datetimeFigureOut">
               <a:rPr lang="en-US" smtClean="0"/>
-              <a:t>8/20/2021</a:t>
+              <a:t>9/3/2021</a:t>
             </a:fld>
             <a:endParaRPr lang="en-US"/>
           </a:p>
@@ -2117,7 +2117,7 @@
           <a:p>
             <a:fld id="{BA05AF01-4F0E-4718-A4C1-DFCBB47EE5F2}" type="datetimeFigureOut">
               <a:rPr lang="en-US" smtClean="0"/>
-              <a:t>8/20/2021</a:t>
+              <a:t>9/3/2021</a:t>
             </a:fld>
             <a:endParaRPr lang="en-US"/>
           </a:p>
@@ -2235,7 +2235,7 @@
           <a:p>
             <a:fld id="{BA05AF01-4F0E-4718-A4C1-DFCBB47EE5F2}" type="datetimeFigureOut">
               <a:rPr lang="en-US" smtClean="0"/>
-              <a:t>8/20/2021</a:t>
+              <a:t>9/3/2021</a:t>
             </a:fld>
             <a:endParaRPr lang="en-US"/>
           </a:p>
@@ -2330,7 +2330,7 @@
           <a:p>
             <a:fld id="{BA05AF01-4F0E-4718-A4C1-DFCBB47EE5F2}" type="datetimeFigureOut">
               <a:rPr lang="en-US" smtClean="0"/>
-              <a:t>8/20/2021</a:t>
+              <a:t>9/3/2021</a:t>
             </a:fld>
             <a:endParaRPr lang="en-US"/>
           </a:p>
@@ -2607,7 +2607,7 @@
           <a:p>
             <a:fld id="{BA05AF01-4F0E-4718-A4C1-DFCBB47EE5F2}" type="datetimeFigureOut">
               <a:rPr lang="en-US" smtClean="0"/>
-              <a:t>8/20/2021</a:t>
+              <a:t>9/3/2021</a:t>
             </a:fld>
             <a:endParaRPr lang="en-US"/>
           </a:p>
@@ -2864,7 +2864,7 @@
           <a:p>
             <a:fld id="{BA05AF01-4F0E-4718-A4C1-DFCBB47EE5F2}" type="datetimeFigureOut">
               <a:rPr lang="en-US" smtClean="0"/>
-              <a:t>8/20/2021</a:t>
+              <a:t>9/3/2021</a:t>
             </a:fld>
             <a:endParaRPr lang="en-US"/>
           </a:p>
@@ -3077,7 +3077,7 @@
           <a:p>
             <a:fld id="{BA05AF01-4F0E-4718-A4C1-DFCBB47EE5F2}" type="datetimeFigureOut">
               <a:rPr lang="en-US" smtClean="0"/>
-              <a:t>8/20/2021</a:t>
+              <a:t>9/3/2021</a:t>
             </a:fld>
             <a:endParaRPr lang="en-US"/>
           </a:p>
@@ -3532,7 +3532,7 @@
         </p:nvSpPr>
         <p:spPr>
           <a:xfrm>
-            <a:off x="17567591" y="7987019"/>
+            <a:off x="17556044" y="7987294"/>
             <a:ext cx="4258201" cy="646331"/>
           </a:xfrm>
           <a:prstGeom prst="rect">
@@ -3771,7 +3771,7 @@
         </p:nvSpPr>
         <p:spPr>
           <a:xfrm>
-            <a:off x="12620733" y="8005080"/>
+            <a:off x="12746609" y="7952633"/>
             <a:ext cx="4946858" cy="646331"/>
           </a:xfrm>
           <a:prstGeom prst="rect">
@@ -4385,7 +4385,7 @@
         </p:nvSpPr>
         <p:spPr>
           <a:xfrm>
-            <a:off x="21823108" y="20922983"/>
+            <a:off x="22010330" y="20922983"/>
             <a:ext cx="1193554" cy="558743"/>
           </a:xfrm>
           <a:prstGeom prst="rect">
@@ -4480,7 +4480,7 @@
                 <a:latin typeface="Times New Roman" panose="02020603050405020304" pitchFamily="18" charset="0"/>
                 <a:cs typeface="Times New Roman" panose="02020603050405020304" pitchFamily="18" charset="0"/>
               </a:rPr>
-              <a:t>c</a:t>
+              <a:t>C</a:t>
             </a:r>
           </a:p>
         </p:txBody>
@@ -4518,7 +4518,7 @@
                 <a:latin typeface="Times New Roman" panose="02020603050405020304" pitchFamily="18" charset="0"/>
                 <a:cs typeface="Times New Roman" panose="02020603050405020304" pitchFamily="18" charset="0"/>
               </a:rPr>
-              <a:t>a</a:t>
+              <a:t>A</a:t>
             </a:r>
           </a:p>
         </p:txBody>
@@ -5356,7 +5356,7 @@
                 <a:latin typeface="Times New Roman" panose="02020603050405020304" pitchFamily="18" charset="0"/>
                 <a:cs typeface="Times New Roman" panose="02020603050405020304" pitchFamily="18" charset="0"/>
               </a:rPr>
-              <a:t>b</a:t>
+              <a:t>B</a:t>
             </a:r>
           </a:p>
         </p:txBody>
@@ -5432,7 +5432,7 @@
                 <a:latin typeface="Times New Roman" panose="02020603050405020304" pitchFamily="18" charset="0"/>
                 <a:cs typeface="Times New Roman" panose="02020603050405020304" pitchFamily="18" charset="0"/>
               </a:rPr>
-              <a:t>d</a:t>
+              <a:t>D</a:t>
             </a:r>
           </a:p>
         </p:txBody>
@@ -5853,7 +5853,7 @@
         </p:nvGrpSpPr>
         <p:grpSpPr>
           <a:xfrm>
-            <a:off x="21483123" y="6219785"/>
+            <a:off x="6178958" y="13445912"/>
             <a:ext cx="3222211" cy="800220"/>
             <a:chOff x="21483123" y="6219785"/>
             <a:chExt cx="3222211" cy="800220"/>
@@ -6060,7 +6060,7 @@
         </p:nvGrpSpPr>
         <p:grpSpPr>
           <a:xfrm>
-            <a:off x="21673105" y="19220943"/>
+            <a:off x="6187711" y="27588084"/>
             <a:ext cx="3222211" cy="800220"/>
             <a:chOff x="21483123" y="6219785"/>
             <a:chExt cx="3222211" cy="800220"/>
@@ -6411,82 +6411,6 @@
       </p:sp>
       <p:sp>
         <p:nvSpPr>
-          <p:cNvPr id="76" name="TextBox 75">
-            <a:extLst>
-              <a:ext uri="{FF2B5EF4-FFF2-40B4-BE49-F238E27FC236}">
-                <a16:creationId xmlns:a16="http://schemas.microsoft.com/office/drawing/2014/main" id="{A91BB0F8-99D2-4E54-A142-95B8B1E5A74B}"/>
-              </a:ext>
-            </a:extLst>
-          </p:cNvPr>
-          <p:cNvSpPr txBox="1"/>
-          <p:nvPr/>
-        </p:nvSpPr>
-        <p:spPr>
-          <a:xfrm rot="10800000" flipV="1">
-            <a:off x="2687546" y="6330363"/>
-            <a:ext cx="2155785" cy="830997"/>
-          </a:xfrm>
-          <a:prstGeom prst="rect">
-            <a:avLst/>
-          </a:prstGeom>
-          <a:noFill/>
-        </p:spPr>
-        <p:txBody>
-          <a:bodyPr wrap="square" rtlCol="0">
-            <a:spAutoFit/>
-          </a:bodyPr>
-          <a:lstStyle/>
-          <a:p>
-            <a:r>
-              <a:rPr lang="en-US" sz="4800" b="1" dirty="0">
-                <a:latin typeface="Times New Roman" panose="02020603050405020304" pitchFamily="18" charset="0"/>
-                <a:cs typeface="Times New Roman" panose="02020603050405020304" pitchFamily="18" charset="0"/>
-              </a:rPr>
-              <a:t>b1</a:t>
-            </a:r>
-          </a:p>
-        </p:txBody>
-      </p:sp>
-      <p:sp>
-        <p:nvSpPr>
-          <p:cNvPr id="77" name="TextBox 76">
-            <a:extLst>
-              <a:ext uri="{FF2B5EF4-FFF2-40B4-BE49-F238E27FC236}">
-                <a16:creationId xmlns:a16="http://schemas.microsoft.com/office/drawing/2014/main" id="{9BDF8A6D-0B8A-449B-B140-564CF30B447F}"/>
-              </a:ext>
-            </a:extLst>
-          </p:cNvPr>
-          <p:cNvSpPr txBox="1"/>
-          <p:nvPr/>
-        </p:nvSpPr>
-        <p:spPr>
-          <a:xfrm rot="10800000" flipV="1">
-            <a:off x="2508012" y="19330697"/>
-            <a:ext cx="2155785" cy="830997"/>
-          </a:xfrm>
-          <a:prstGeom prst="rect">
-            <a:avLst/>
-          </a:prstGeom>
-          <a:noFill/>
-        </p:spPr>
-        <p:txBody>
-          <a:bodyPr wrap="square" rtlCol="0">
-            <a:spAutoFit/>
-          </a:bodyPr>
-          <a:lstStyle/>
-          <a:p>
-            <a:r>
-              <a:rPr lang="en-US" sz="4800" b="1" dirty="0">
-                <a:latin typeface="Times New Roman" panose="02020603050405020304" pitchFamily="18" charset="0"/>
-                <a:cs typeface="Times New Roman" panose="02020603050405020304" pitchFamily="18" charset="0"/>
-              </a:rPr>
-              <a:t>c1</a:t>
-            </a:r>
-          </a:p>
-        </p:txBody>
-      </p:sp>
-      <p:sp>
-        <p:nvSpPr>
           <p:cNvPr id="78" name="TextBox 77">
             <a:extLst>
               <a:ext uri="{FF2B5EF4-FFF2-40B4-BE49-F238E27FC236}">
@@ -7283,6 +7207,114 @@
               </a:rPr>
               <a:t>= 1.0</a:t>
             </a:r>
+          </a:p>
+        </p:txBody>
+      </p:sp>
+      <p:sp>
+        <p:nvSpPr>
+          <p:cNvPr id="6" name="Rectangle 5">
+            <a:extLst>
+              <a:ext uri="{FF2B5EF4-FFF2-40B4-BE49-F238E27FC236}">
+                <a16:creationId xmlns:a16="http://schemas.microsoft.com/office/drawing/2014/main" id="{265D68BB-FAAF-4B24-AD96-68D9C2855D2A}"/>
+              </a:ext>
+            </a:extLst>
+          </p:cNvPr>
+          <p:cNvSpPr/>
+          <p:nvPr/>
+        </p:nvSpPr>
+        <p:spPr>
+          <a:xfrm>
+            <a:off x="22065456" y="6197542"/>
+            <a:ext cx="2653162" cy="1079215"/>
+          </a:xfrm>
+          <a:prstGeom prst="rect">
+            <a:avLst/>
+          </a:prstGeom>
+          <a:solidFill>
+            <a:schemeClr val="bg1"/>
+          </a:solidFill>
+          <a:ln>
+            <a:solidFill>
+              <a:schemeClr val="bg1"/>
+            </a:solidFill>
+          </a:ln>
+        </p:spPr>
+        <p:style>
+          <a:lnRef idx="2">
+            <a:schemeClr val="accent1">
+              <a:shade val="50000"/>
+            </a:schemeClr>
+          </a:lnRef>
+          <a:fillRef idx="1">
+            <a:schemeClr val="accent1"/>
+          </a:fillRef>
+          <a:effectRef idx="0">
+            <a:schemeClr val="accent1"/>
+          </a:effectRef>
+          <a:fontRef idx="minor">
+            <a:schemeClr val="lt1"/>
+          </a:fontRef>
+        </p:style>
+        <p:txBody>
+          <a:bodyPr rtlCol="0" anchor="ctr"/>
+          <a:lstStyle/>
+          <a:p>
+            <a:pPr algn="ctr"/>
+            <a:endParaRPr lang="en-US"/>
+          </a:p>
+        </p:txBody>
+      </p:sp>
+      <p:sp>
+        <p:nvSpPr>
+          <p:cNvPr id="70" name="Rectangle 69">
+            <a:extLst>
+              <a:ext uri="{FF2B5EF4-FFF2-40B4-BE49-F238E27FC236}">
+                <a16:creationId xmlns:a16="http://schemas.microsoft.com/office/drawing/2014/main" id="{7662D7C3-778D-47D5-9FF0-59F24A72EE3D}"/>
+              </a:ext>
+            </a:extLst>
+          </p:cNvPr>
+          <p:cNvSpPr/>
+          <p:nvPr/>
+        </p:nvSpPr>
+        <p:spPr>
+          <a:xfrm>
+            <a:off x="22310578" y="19237037"/>
+            <a:ext cx="2653162" cy="1157733"/>
+          </a:xfrm>
+          <a:prstGeom prst="rect">
+            <a:avLst/>
+          </a:prstGeom>
+          <a:solidFill>
+            <a:schemeClr val="bg1"/>
+          </a:solidFill>
+          <a:ln>
+            <a:solidFill>
+              <a:schemeClr val="bg1"/>
+            </a:solidFill>
+          </a:ln>
+        </p:spPr>
+        <p:style>
+          <a:lnRef idx="2">
+            <a:schemeClr val="accent1">
+              <a:shade val="50000"/>
+            </a:schemeClr>
+          </a:lnRef>
+          <a:fillRef idx="1">
+            <a:schemeClr val="accent1"/>
+          </a:fillRef>
+          <a:effectRef idx="0">
+            <a:schemeClr val="accent1"/>
+          </a:effectRef>
+          <a:fontRef idx="minor">
+            <a:schemeClr val="lt1"/>
+          </a:fontRef>
+        </p:style>
+        <p:txBody>
+          <a:bodyPr rtlCol="0" anchor="ctr"/>
+          <a:lstStyle/>
+          <a:p>
+            <a:pPr algn="ctr"/>
+            <a:endParaRPr lang="en-US"/>
           </a:p>
         </p:txBody>
       </p:sp>

--- a/Images/fig1a.pptx
+++ b/Images/fig1a.pptx
@@ -197,7 +197,7 @@
           <a:p>
             <a:fld id="{D34CEA9E-E5A5-49C8-A578-AF124664FEC0}" type="datetimeFigureOut">
               <a:rPr lang="en-US" smtClean="0"/>
-              <a:t>9/23/2021</a:t>
+              <a:t>10/4/2021</a:t>
             </a:fld>
             <a:endParaRPr lang="en-US"/>
           </a:p>
@@ -754,7 +754,7 @@
           <a:p>
             <a:fld id="{BA05AF01-4F0E-4718-A4C1-DFCBB47EE5F2}" type="datetimeFigureOut">
               <a:rPr lang="en-US" smtClean="0"/>
-              <a:t>9/23/2021</a:t>
+              <a:t>10/4/2021</a:t>
             </a:fld>
             <a:endParaRPr lang="en-US"/>
           </a:p>
@@ -924,7 +924,7 @@
           <a:p>
             <a:fld id="{BA05AF01-4F0E-4718-A4C1-DFCBB47EE5F2}" type="datetimeFigureOut">
               <a:rPr lang="en-US" smtClean="0"/>
-              <a:t>9/23/2021</a:t>
+              <a:t>10/4/2021</a:t>
             </a:fld>
             <a:endParaRPr lang="en-US"/>
           </a:p>
@@ -1104,7 +1104,7 @@
           <a:p>
             <a:fld id="{BA05AF01-4F0E-4718-A4C1-DFCBB47EE5F2}" type="datetimeFigureOut">
               <a:rPr lang="en-US" smtClean="0"/>
-              <a:t>9/23/2021</a:t>
+              <a:t>10/4/2021</a:t>
             </a:fld>
             <a:endParaRPr lang="en-US"/>
           </a:p>
@@ -1274,7 +1274,7 @@
           <a:p>
             <a:fld id="{BA05AF01-4F0E-4718-A4C1-DFCBB47EE5F2}" type="datetimeFigureOut">
               <a:rPr lang="en-US" smtClean="0"/>
-              <a:t>9/23/2021</a:t>
+              <a:t>10/4/2021</a:t>
             </a:fld>
             <a:endParaRPr lang="en-US"/>
           </a:p>
@@ -1518,7 +1518,7 @@
           <a:p>
             <a:fld id="{BA05AF01-4F0E-4718-A4C1-DFCBB47EE5F2}" type="datetimeFigureOut">
               <a:rPr lang="en-US" smtClean="0"/>
-              <a:t>9/23/2021</a:t>
+              <a:t>10/4/2021</a:t>
             </a:fld>
             <a:endParaRPr lang="en-US"/>
           </a:p>
@@ -1750,7 +1750,7 @@
           <a:p>
             <a:fld id="{BA05AF01-4F0E-4718-A4C1-DFCBB47EE5F2}" type="datetimeFigureOut">
               <a:rPr lang="en-US" smtClean="0"/>
-              <a:t>9/23/2021</a:t>
+              <a:t>10/4/2021</a:t>
             </a:fld>
             <a:endParaRPr lang="en-US"/>
           </a:p>
@@ -2117,7 +2117,7 @@
           <a:p>
             <a:fld id="{BA05AF01-4F0E-4718-A4C1-DFCBB47EE5F2}" type="datetimeFigureOut">
               <a:rPr lang="en-US" smtClean="0"/>
-              <a:t>9/23/2021</a:t>
+              <a:t>10/4/2021</a:t>
             </a:fld>
             <a:endParaRPr lang="en-US"/>
           </a:p>
@@ -2235,7 +2235,7 @@
           <a:p>
             <a:fld id="{BA05AF01-4F0E-4718-A4C1-DFCBB47EE5F2}" type="datetimeFigureOut">
               <a:rPr lang="en-US" smtClean="0"/>
-              <a:t>9/23/2021</a:t>
+              <a:t>10/4/2021</a:t>
             </a:fld>
             <a:endParaRPr lang="en-US"/>
           </a:p>
@@ -2330,7 +2330,7 @@
           <a:p>
             <a:fld id="{BA05AF01-4F0E-4718-A4C1-DFCBB47EE5F2}" type="datetimeFigureOut">
               <a:rPr lang="en-US" smtClean="0"/>
-              <a:t>9/23/2021</a:t>
+              <a:t>10/4/2021</a:t>
             </a:fld>
             <a:endParaRPr lang="en-US"/>
           </a:p>
@@ -2607,7 +2607,7 @@
           <a:p>
             <a:fld id="{BA05AF01-4F0E-4718-A4C1-DFCBB47EE5F2}" type="datetimeFigureOut">
               <a:rPr lang="en-US" smtClean="0"/>
-              <a:t>9/23/2021</a:t>
+              <a:t>10/4/2021</a:t>
             </a:fld>
             <a:endParaRPr lang="en-US"/>
           </a:p>
@@ -2864,7 +2864,7 @@
           <a:p>
             <a:fld id="{BA05AF01-4F0E-4718-A4C1-DFCBB47EE5F2}" type="datetimeFigureOut">
               <a:rPr lang="en-US" smtClean="0"/>
-              <a:t>9/23/2021</a:t>
+              <a:t>10/4/2021</a:t>
             </a:fld>
             <a:endParaRPr lang="en-US"/>
           </a:p>
@@ -3077,7 +3077,7 @@
           <a:p>
             <a:fld id="{BA05AF01-4F0E-4718-A4C1-DFCBB47EE5F2}" type="datetimeFigureOut">
               <a:rPr lang="en-US" smtClean="0"/>
-              <a:t>9/23/2021</a:t>
+              <a:t>10/4/2021</a:t>
             </a:fld>
             <a:endParaRPr lang="en-US"/>
           </a:p>
@@ -3520,12 +3520,600 @@
           </a:p>
         </p:txBody>
       </p:sp>
+      <p:sp>
+        <p:nvSpPr>
+          <p:cNvPr id="248" name="TextBox 247">
+            <a:extLst>
+              <a:ext uri="{FF2B5EF4-FFF2-40B4-BE49-F238E27FC236}">
+                <a16:creationId xmlns:a16="http://schemas.microsoft.com/office/drawing/2014/main" id="{9B8BF057-ABA4-42B2-95D2-3787713FF68A}"/>
+              </a:ext>
+            </a:extLst>
+          </p:cNvPr>
+          <p:cNvSpPr txBox="1"/>
+          <p:nvPr/>
+        </p:nvSpPr>
+        <p:spPr>
+          <a:xfrm>
+            <a:off x="857251" y="10490977"/>
+            <a:ext cx="706275" cy="742256"/>
+          </a:xfrm>
+          <a:prstGeom prst="rect">
+            <a:avLst/>
+          </a:prstGeom>
+          <a:noFill/>
+        </p:spPr>
+        <p:txBody>
+          <a:bodyPr wrap="square" rtlCol="0">
+            <a:spAutoFit/>
+          </a:bodyPr>
+          <a:lstStyle/>
+          <a:p>
+            <a:r>
+              <a:rPr lang="en-US" sz="4041" b="1" dirty="0">
+                <a:latin typeface="Times New Roman" panose="02020603050405020304" pitchFamily="18" charset="0"/>
+                <a:cs typeface="Times New Roman" panose="02020603050405020304" pitchFamily="18" charset="0"/>
+              </a:rPr>
+              <a:t>B</a:t>
+            </a:r>
+          </a:p>
+        </p:txBody>
+      </p:sp>
+      <p:sp>
+        <p:nvSpPr>
+          <p:cNvPr id="49" name="TextBox 48">
+            <a:extLst>
+              <a:ext uri="{FF2B5EF4-FFF2-40B4-BE49-F238E27FC236}">
+                <a16:creationId xmlns:a16="http://schemas.microsoft.com/office/drawing/2014/main" id="{5ABA8ECE-C61E-475C-9C9A-792866AA51D6}"/>
+              </a:ext>
+            </a:extLst>
+          </p:cNvPr>
+          <p:cNvSpPr txBox="1"/>
+          <p:nvPr/>
+        </p:nvSpPr>
+        <p:spPr>
+          <a:xfrm rot="10800000" flipV="1">
+            <a:off x="857251" y="228601"/>
+            <a:ext cx="1732641" cy="742256"/>
+          </a:xfrm>
+          <a:prstGeom prst="rect">
+            <a:avLst/>
+          </a:prstGeom>
+          <a:noFill/>
+        </p:spPr>
+        <p:txBody>
+          <a:bodyPr wrap="square" rtlCol="0">
+            <a:spAutoFit/>
+          </a:bodyPr>
+          <a:lstStyle/>
+          <a:p>
+            <a:r>
+              <a:rPr lang="en-US" sz="4041" b="1" dirty="0">
+                <a:latin typeface="Times New Roman" panose="02020603050405020304" pitchFamily="18" charset="0"/>
+                <a:cs typeface="Times New Roman" panose="02020603050405020304" pitchFamily="18" charset="0"/>
+              </a:rPr>
+              <a:t>A</a:t>
+            </a:r>
+          </a:p>
+        </p:txBody>
+      </p:sp>
+      <p:sp>
+        <p:nvSpPr>
+          <p:cNvPr id="6" name="Rectangle 5">
+            <a:extLst>
+              <a:ext uri="{FF2B5EF4-FFF2-40B4-BE49-F238E27FC236}">
+                <a16:creationId xmlns:a16="http://schemas.microsoft.com/office/drawing/2014/main" id="{265D68BB-FAAF-4B24-AD96-68D9C2855D2A}"/>
+              </a:ext>
+            </a:extLst>
+          </p:cNvPr>
+          <p:cNvSpPr/>
+          <p:nvPr/>
+        </p:nvSpPr>
+        <p:spPr>
+          <a:xfrm>
+            <a:off x="18197699" y="868121"/>
+            <a:ext cx="2132391" cy="841243"/>
+          </a:xfrm>
+          <a:prstGeom prst="rect">
+            <a:avLst/>
+          </a:prstGeom>
+          <a:solidFill>
+            <a:schemeClr val="bg1"/>
+          </a:solidFill>
+          <a:ln>
+            <a:solidFill>
+              <a:schemeClr val="bg1"/>
+            </a:solidFill>
+          </a:ln>
+        </p:spPr>
+        <p:style>
+          <a:lnRef idx="2">
+            <a:schemeClr val="accent1">
+              <a:shade val="50000"/>
+            </a:schemeClr>
+          </a:lnRef>
+          <a:fillRef idx="1">
+            <a:schemeClr val="accent1"/>
+          </a:fillRef>
+          <a:effectRef idx="0">
+            <a:schemeClr val="accent1"/>
+          </a:effectRef>
+          <a:fontRef idx="minor">
+            <a:schemeClr val="lt1"/>
+          </a:fontRef>
+        </p:style>
+        <p:txBody>
+          <a:bodyPr rtlCol="0" anchor="ctr"/>
+          <a:lstStyle/>
+          <a:p>
+            <a:pPr algn="ctr"/>
+            <a:endParaRPr lang="en-US" sz="1350"/>
+          </a:p>
+        </p:txBody>
+      </p:sp>
+      <p:pic>
+        <p:nvPicPr>
+          <p:cNvPr id="1026" name="Picture 2">
+            <a:extLst>
+              <a:ext uri="{FF2B5EF4-FFF2-40B4-BE49-F238E27FC236}">
+                <a16:creationId xmlns:a16="http://schemas.microsoft.com/office/drawing/2014/main" id="{6B9F6036-6A3B-468F-8770-ACFCFD31623A}"/>
+              </a:ext>
+            </a:extLst>
+          </p:cNvPr>
+          <p:cNvPicPr>
+            <a:picLocks noChangeAspect="1" noChangeArrowheads="1"/>
+          </p:cNvPicPr>
+          <p:nvPr/>
+        </p:nvPicPr>
+        <p:blipFill>
+          <a:blip r:embed="rId3">
+            <a:extLst>
+              <a:ext uri="{28A0092B-C50C-407E-A947-70E740481C1C}">
+                <a14:useLocalDpi xmlns:a14="http://schemas.microsoft.com/office/drawing/2010/main" val="0"/>
+              </a:ext>
+            </a:extLst>
+          </a:blip>
+          <a:srcRect/>
+          <a:stretch>
+            <a:fillRect/>
+          </a:stretch>
+        </p:blipFill>
+        <p:spPr bwMode="auto">
+          <a:xfrm>
+            <a:off x="1210388" y="762015"/>
+            <a:ext cx="19658645" cy="9874480"/>
+          </a:xfrm>
+          <a:prstGeom prst="rect">
+            <a:avLst/>
+          </a:prstGeom>
+          <a:noFill/>
+          <a:extLst>
+            <a:ext uri="{909E8E84-426E-40DD-AFC4-6F175D3DCCD1}">
+              <a14:hiddenFill xmlns:a14="http://schemas.microsoft.com/office/drawing/2010/main">
+                <a:solidFill>
+                  <a:srgbClr val="FFFFFF"/>
+                </a:solidFill>
+              </a14:hiddenFill>
+            </a:ext>
+          </a:extLst>
+        </p:spPr>
+      </p:pic>
+      <p:sp>
+        <p:nvSpPr>
+          <p:cNvPr id="72" name="TextBox 71">
+            <a:extLst>
+              <a:ext uri="{FF2B5EF4-FFF2-40B4-BE49-F238E27FC236}">
+                <a16:creationId xmlns:a16="http://schemas.microsoft.com/office/drawing/2014/main" id="{28CF2283-7CCB-4E4C-B132-DC0378286DD7}"/>
+              </a:ext>
+            </a:extLst>
+          </p:cNvPr>
+          <p:cNvSpPr txBox="1"/>
+          <p:nvPr/>
+        </p:nvSpPr>
+        <p:spPr>
+          <a:xfrm>
+            <a:off x="13308271" y="1100012"/>
+            <a:ext cx="3422388" cy="527802"/>
+          </a:xfrm>
+          <a:prstGeom prst="rect">
+            <a:avLst/>
+          </a:prstGeom>
+          <a:noFill/>
+        </p:spPr>
+        <p:txBody>
+          <a:bodyPr wrap="square" rtlCol="0">
+            <a:spAutoFit/>
+          </a:bodyPr>
+          <a:lstStyle/>
+          <a:p>
+            <a:pPr algn="l"/>
+            <a:r>
+              <a:rPr lang="en-US" sz="2700" dirty="0">
+                <a:latin typeface="Times New Roman" panose="02020603050405020304" pitchFamily="18" charset="0"/>
+                <a:cs typeface="Times New Roman" panose="02020603050405020304" pitchFamily="18" charset="0"/>
+              </a:rPr>
+              <a:t>CHEMBL127587</a:t>
+            </a:r>
+          </a:p>
+        </p:txBody>
+      </p:sp>
+      <p:sp>
+        <p:nvSpPr>
+          <p:cNvPr id="76" name="TextBox 75">
+            <a:extLst>
+              <a:ext uri="{FF2B5EF4-FFF2-40B4-BE49-F238E27FC236}">
+                <a16:creationId xmlns:a16="http://schemas.microsoft.com/office/drawing/2014/main" id="{C0411998-6C10-425F-9DBD-7EC8130A5AB4}"/>
+              </a:ext>
+            </a:extLst>
+          </p:cNvPr>
+          <p:cNvSpPr txBox="1"/>
+          <p:nvPr/>
+        </p:nvSpPr>
+        <p:spPr>
+          <a:xfrm>
+            <a:off x="10475189" y="4773535"/>
+            <a:ext cx="1868613" cy="1207282"/>
+          </a:xfrm>
+          <a:prstGeom prst="rect">
+            <a:avLst/>
+          </a:prstGeom>
+          <a:noFill/>
+        </p:spPr>
+        <p:txBody>
+          <a:bodyPr wrap="square" rtlCol="0">
+            <a:spAutoFit/>
+          </a:bodyPr>
+          <a:lstStyle/>
+          <a:p>
+            <a:r>
+              <a:rPr lang="en-US" sz="2273" dirty="0">
+                <a:latin typeface="Times New Roman" panose="02020603050405020304" pitchFamily="18" charset="0"/>
+                <a:ea typeface="Calibri" panose="020F0502020204030204" pitchFamily="34" charset="0"/>
+                <a:cs typeface="Times New Roman" panose="02020603050405020304" pitchFamily="18" charset="0"/>
+              </a:rPr>
+              <a:t>k</a:t>
+            </a:r>
+            <a:r>
+              <a:rPr lang="en-US" sz="2273" baseline="-25000" dirty="0">
+                <a:latin typeface="Times New Roman" panose="02020603050405020304" pitchFamily="18" charset="0"/>
+                <a:ea typeface="Calibri" panose="020F0502020204030204" pitchFamily="34" charset="0"/>
+                <a:cs typeface="Times New Roman" panose="02020603050405020304" pitchFamily="18" charset="0"/>
+              </a:rPr>
+              <a:t>i</a:t>
+            </a:r>
+            <a:r>
+              <a:rPr lang="en-US" sz="2273" baseline="30000" dirty="0">
+                <a:latin typeface="Times New Roman" panose="02020603050405020304" pitchFamily="18" charset="0"/>
+                <a:ea typeface="Calibri" panose="020F0502020204030204" pitchFamily="34" charset="0"/>
+                <a:cs typeface="Times New Roman" panose="02020603050405020304" pitchFamily="18" charset="0"/>
+              </a:rPr>
+              <a:t>+ </a:t>
+            </a:r>
+            <a:r>
+              <a:rPr lang="en-US" sz="2273" dirty="0">
+                <a:latin typeface="Times New Roman" panose="02020603050405020304" pitchFamily="18" charset="0"/>
+                <a:cs typeface="Times New Roman" panose="02020603050405020304" pitchFamily="18" charset="0"/>
+              </a:rPr>
+              <a:t>= </a:t>
+            </a:r>
+            <a:r>
+              <a:rPr lang="en-US" sz="2274" dirty="0">
+                <a:latin typeface="Times New Roman" panose="02020603050405020304" pitchFamily="18" charset="0"/>
+                <a:cs typeface="Times New Roman" panose="02020603050405020304" pitchFamily="18" charset="0"/>
+              </a:rPr>
+              <a:t>20</a:t>
+            </a:r>
+          </a:p>
+          <a:p>
+            <a:r>
+              <a:rPr lang="en-US" sz="2273" dirty="0">
+                <a:latin typeface="Times New Roman" panose="02020603050405020304" pitchFamily="18" charset="0"/>
+                <a:ea typeface="Calibri" panose="020F0502020204030204" pitchFamily="34" charset="0"/>
+                <a:cs typeface="Times New Roman" panose="02020603050405020304" pitchFamily="18" charset="0"/>
+              </a:rPr>
+              <a:t>k</a:t>
+            </a:r>
+            <a:r>
+              <a:rPr lang="en-US" sz="2273" baseline="-25000" dirty="0">
+                <a:latin typeface="Times New Roman" panose="02020603050405020304" pitchFamily="18" charset="0"/>
+                <a:ea typeface="Calibri" panose="020F0502020204030204" pitchFamily="34" charset="0"/>
+                <a:cs typeface="Times New Roman" panose="02020603050405020304" pitchFamily="18" charset="0"/>
+              </a:rPr>
+              <a:t>i</a:t>
+            </a:r>
+            <a:r>
+              <a:rPr lang="en-US" sz="2273" baseline="30000" dirty="0">
+                <a:latin typeface="Times New Roman" panose="02020603050405020304" pitchFamily="18" charset="0"/>
+                <a:ea typeface="Calibri" panose="020F0502020204030204" pitchFamily="34" charset="0"/>
+                <a:cs typeface="Times New Roman" panose="02020603050405020304" pitchFamily="18" charset="0"/>
+              </a:rPr>
+              <a:t>- </a:t>
+            </a:r>
+            <a:r>
+              <a:rPr lang="en-US" sz="2274" dirty="0">
+                <a:latin typeface="Times New Roman" panose="02020603050405020304" pitchFamily="18" charset="0"/>
+                <a:cs typeface="Times New Roman" panose="02020603050405020304" pitchFamily="18" charset="0"/>
+              </a:rPr>
+              <a:t>= 11</a:t>
+            </a:r>
+          </a:p>
+          <a:p>
+            <a:r>
+              <a:rPr lang="el-GR" sz="2273" dirty="0">
+                <a:latin typeface="Times New Roman" panose="02020603050405020304" pitchFamily="18" charset="0"/>
+                <a:ea typeface="Calibri" panose="020F0502020204030204" pitchFamily="34" charset="0"/>
+                <a:cs typeface="Times New Roman" panose="02020603050405020304" pitchFamily="18" charset="0"/>
+              </a:rPr>
+              <a:t>ρ</a:t>
+            </a:r>
+            <a:r>
+              <a:rPr lang="en-US" sz="2273" baseline="-25000" dirty="0">
+                <a:latin typeface="Times New Roman" panose="02020603050405020304" pitchFamily="18" charset="0"/>
+                <a:ea typeface="Calibri" panose="020F0502020204030204" pitchFamily="34" charset="0"/>
+                <a:cs typeface="Times New Roman" panose="02020603050405020304" pitchFamily="18" charset="0"/>
+              </a:rPr>
+              <a:t>i </a:t>
+            </a:r>
+            <a:r>
+              <a:rPr lang="el-GR" sz="2400" dirty="0">
+                <a:solidFill>
+                  <a:srgbClr val="202124"/>
+                </a:solidFill>
+                <a:latin typeface="Times New Roman" panose="02020603050405020304" pitchFamily="18" charset="0"/>
+                <a:cs typeface="Times New Roman" panose="02020603050405020304" pitchFamily="18" charset="0"/>
+              </a:rPr>
+              <a:t> </a:t>
+            </a:r>
+            <a:r>
+              <a:rPr lang="en-US" sz="2274" dirty="0">
+                <a:latin typeface="Times New Roman" panose="02020603050405020304" pitchFamily="18" charset="0"/>
+                <a:cs typeface="Times New Roman" panose="02020603050405020304" pitchFamily="18" charset="0"/>
+              </a:rPr>
+              <a:t>= 0.64</a:t>
+            </a:r>
+          </a:p>
+        </p:txBody>
+      </p:sp>
+      <p:sp>
+        <p:nvSpPr>
+          <p:cNvPr id="77" name="TextBox 76">
+            <a:extLst>
+              <a:ext uri="{FF2B5EF4-FFF2-40B4-BE49-F238E27FC236}">
+                <a16:creationId xmlns:a16="http://schemas.microsoft.com/office/drawing/2014/main" id="{F5DF5B92-4698-44BC-A3E1-318419CBDCF4}"/>
+              </a:ext>
+            </a:extLst>
+          </p:cNvPr>
+          <p:cNvSpPr txBox="1"/>
+          <p:nvPr/>
+        </p:nvSpPr>
+        <p:spPr>
+          <a:xfrm>
+            <a:off x="9740836" y="1094270"/>
+            <a:ext cx="3975875" cy="527802"/>
+          </a:xfrm>
+          <a:prstGeom prst="rect">
+            <a:avLst/>
+          </a:prstGeom>
+          <a:noFill/>
+        </p:spPr>
+        <p:txBody>
+          <a:bodyPr wrap="square" rtlCol="0">
+            <a:spAutoFit/>
+          </a:bodyPr>
+          <a:lstStyle/>
+          <a:p>
+            <a:pPr algn="l"/>
+            <a:r>
+              <a:rPr lang="en-US" sz="2700" dirty="0">
+                <a:latin typeface="Times New Roman" panose="02020603050405020304" pitchFamily="18" charset="0"/>
+                <a:cs typeface="Times New Roman" panose="02020603050405020304" pitchFamily="18" charset="0"/>
+              </a:rPr>
+              <a:t>CHEMBL2333416 </a:t>
+            </a:r>
+          </a:p>
+        </p:txBody>
+      </p:sp>
+      <p:sp>
+        <p:nvSpPr>
+          <p:cNvPr id="86" name="TextBox 85">
+            <a:extLst>
+              <a:ext uri="{FF2B5EF4-FFF2-40B4-BE49-F238E27FC236}">
+                <a16:creationId xmlns:a16="http://schemas.microsoft.com/office/drawing/2014/main" id="{DBAA4C4A-D8D3-4C24-A2CE-2519A3C8179C}"/>
+              </a:ext>
+            </a:extLst>
+          </p:cNvPr>
+          <p:cNvSpPr txBox="1"/>
+          <p:nvPr/>
+        </p:nvSpPr>
+        <p:spPr>
+          <a:xfrm rot="16200000">
+            <a:off x="904232" y="5142629"/>
+            <a:ext cx="746721" cy="474117"/>
+          </a:xfrm>
+          <a:prstGeom prst="rect">
+            <a:avLst/>
+          </a:prstGeom>
+          <a:solidFill>
+            <a:schemeClr val="bg1"/>
+          </a:solidFill>
+        </p:spPr>
+        <p:txBody>
+          <a:bodyPr wrap="none" rtlCol="0">
+            <a:spAutoFit/>
+          </a:bodyPr>
+          <a:lstStyle/>
+          <a:p>
+            <a:r>
+              <a:rPr lang="en-US" sz="2275" dirty="0">
+                <a:latin typeface="Times New Roman" panose="02020603050405020304" pitchFamily="18" charset="0"/>
+                <a:cs typeface="Times New Roman" panose="02020603050405020304" pitchFamily="18" charset="0"/>
+              </a:rPr>
+              <a:t>PDF</a:t>
+            </a:r>
+          </a:p>
+        </p:txBody>
+      </p:sp>
+      <p:sp>
+        <p:nvSpPr>
+          <p:cNvPr id="90" name="Rectangle: Rounded Corners 89">
+            <a:extLst>
+              <a:ext uri="{FF2B5EF4-FFF2-40B4-BE49-F238E27FC236}">
+                <a16:creationId xmlns:a16="http://schemas.microsoft.com/office/drawing/2014/main" id="{79B6C0FE-47ED-481A-9CB5-09B68975D018}"/>
+              </a:ext>
+            </a:extLst>
+          </p:cNvPr>
+          <p:cNvSpPr/>
+          <p:nvPr/>
+        </p:nvSpPr>
+        <p:spPr>
+          <a:xfrm>
+            <a:off x="9500091" y="999625"/>
+            <a:ext cx="3237594" cy="5210675"/>
+          </a:xfrm>
+          <a:prstGeom prst="roundRect">
+            <a:avLst/>
+          </a:prstGeom>
+          <a:noFill/>
+          <a:ln w="38100">
+            <a:solidFill>
+              <a:srgbClr val="92D6B7"/>
+            </a:solidFill>
+          </a:ln>
+        </p:spPr>
+        <p:style>
+          <a:lnRef idx="2">
+            <a:schemeClr val="accent1">
+              <a:shade val="50000"/>
+            </a:schemeClr>
+          </a:lnRef>
+          <a:fillRef idx="1">
+            <a:schemeClr val="accent1"/>
+          </a:fillRef>
+          <a:effectRef idx="0">
+            <a:schemeClr val="accent1"/>
+          </a:effectRef>
+          <a:fontRef idx="minor">
+            <a:schemeClr val="lt1"/>
+          </a:fontRef>
+        </p:style>
+        <p:txBody>
+          <a:bodyPr rtlCol="0" anchor="ctr"/>
+          <a:lstStyle/>
+          <a:p>
+            <a:pPr algn="ctr"/>
+            <a:endParaRPr lang="en-US" sz="1350"/>
+          </a:p>
+        </p:txBody>
+      </p:sp>
+      <p:sp>
+        <p:nvSpPr>
+          <p:cNvPr id="91" name="Rectangle: Rounded Corners 90">
+            <a:extLst>
+              <a:ext uri="{FF2B5EF4-FFF2-40B4-BE49-F238E27FC236}">
+                <a16:creationId xmlns:a16="http://schemas.microsoft.com/office/drawing/2014/main" id="{CDBC4112-14A3-48F0-B767-B8A46E8791AF}"/>
+              </a:ext>
+            </a:extLst>
+          </p:cNvPr>
+          <p:cNvSpPr/>
+          <p:nvPr/>
+        </p:nvSpPr>
+        <p:spPr>
+          <a:xfrm>
+            <a:off x="12963592" y="994522"/>
+            <a:ext cx="3237594" cy="5215778"/>
+          </a:xfrm>
+          <a:prstGeom prst="roundRect">
+            <a:avLst/>
+          </a:prstGeom>
+          <a:noFill/>
+          <a:ln w="38100">
+            <a:solidFill>
+              <a:srgbClr val="92D6B7"/>
+            </a:solidFill>
+          </a:ln>
+        </p:spPr>
+        <p:style>
+          <a:lnRef idx="2">
+            <a:schemeClr val="accent1">
+              <a:shade val="50000"/>
+            </a:schemeClr>
+          </a:lnRef>
+          <a:fillRef idx="1">
+            <a:schemeClr val="accent1"/>
+          </a:fillRef>
+          <a:effectRef idx="0">
+            <a:schemeClr val="accent1"/>
+          </a:effectRef>
+          <a:fontRef idx="minor">
+            <a:schemeClr val="lt1"/>
+          </a:fontRef>
+        </p:style>
+        <p:txBody>
+          <a:bodyPr rtlCol="0" anchor="ctr"/>
+          <a:lstStyle/>
+          <a:p>
+            <a:pPr algn="ctr"/>
+            <a:endParaRPr lang="en-US" sz="1350"/>
+          </a:p>
+        </p:txBody>
+      </p:sp>
+      <p:sp>
+        <p:nvSpPr>
+          <p:cNvPr id="92" name="Rectangle: Rounded Corners 91">
+            <a:extLst>
+              <a:ext uri="{FF2B5EF4-FFF2-40B4-BE49-F238E27FC236}">
+                <a16:creationId xmlns:a16="http://schemas.microsoft.com/office/drawing/2014/main" id="{1BA8B082-176C-4490-BF06-E0C2BE74D262}"/>
+              </a:ext>
+            </a:extLst>
+          </p:cNvPr>
+          <p:cNvSpPr/>
+          <p:nvPr/>
+        </p:nvSpPr>
+        <p:spPr>
+          <a:xfrm>
+            <a:off x="16340173" y="950941"/>
+            <a:ext cx="3237594" cy="5259359"/>
+          </a:xfrm>
+          <a:prstGeom prst="roundRect">
+            <a:avLst/>
+          </a:prstGeom>
+          <a:noFill/>
+          <a:ln w="38100">
+            <a:solidFill>
+              <a:srgbClr val="92D6B7"/>
+            </a:solidFill>
+          </a:ln>
+        </p:spPr>
+        <p:style>
+          <a:lnRef idx="2">
+            <a:schemeClr val="accent1">
+              <a:shade val="50000"/>
+            </a:schemeClr>
+          </a:lnRef>
+          <a:fillRef idx="1">
+            <a:schemeClr val="accent1"/>
+          </a:fillRef>
+          <a:effectRef idx="0">
+            <a:schemeClr val="accent1"/>
+          </a:effectRef>
+          <a:fontRef idx="minor">
+            <a:schemeClr val="lt1"/>
+          </a:fontRef>
+        </p:style>
+        <p:txBody>
+          <a:bodyPr rtlCol="0" anchor="ctr"/>
+          <a:lstStyle/>
+          <a:p>
+            <a:pPr algn="ctr"/>
+            <a:endParaRPr lang="en-US" sz="1350"/>
+          </a:p>
+        </p:txBody>
+      </p:sp>
       <p:grpSp>
         <p:nvGrpSpPr>
-          <p:cNvPr id="7" name="Group 6">
+          <p:cNvPr id="93" name="Group 92">
             <a:extLst>
               <a:ext uri="{FF2B5EF4-FFF2-40B4-BE49-F238E27FC236}">
-                <a16:creationId xmlns:a16="http://schemas.microsoft.com/office/drawing/2014/main" id="{1D598C00-40F9-43BB-A590-345943AE189B}"/>
+                <a16:creationId xmlns:a16="http://schemas.microsoft.com/office/drawing/2014/main" id="{C5DC2D4A-7DB9-4E40-8ABF-5BF711DA4221}"/>
               </a:ext>
             </a:extLst>
           </p:cNvPr>
@@ -3534,54 +4122,18 @@
         </p:nvGrpSpPr>
         <p:grpSpPr>
           <a:xfrm>
-            <a:off x="857251" y="228601"/>
-            <a:ext cx="20761676" cy="20932342"/>
-            <a:chOff x="435014" y="5334159"/>
-            <a:chExt cx="25832073" cy="26853716"/>
+            <a:off x="4566520" y="7526159"/>
+            <a:ext cx="2589746" cy="647759"/>
+            <a:chOff x="21483123" y="6219785"/>
+            <a:chExt cx="3222211" cy="830998"/>
           </a:xfrm>
         </p:grpSpPr>
-        <p:pic>
-          <p:nvPicPr>
-            <p:cNvPr id="22" name="Picture 21" descr="Chart&#10;&#10;Description automatically generated">
+        <p:sp>
+          <p:nvSpPr>
+            <p:cNvPr id="96" name="TextBox 95">
               <a:extLst>
                 <a:ext uri="{FF2B5EF4-FFF2-40B4-BE49-F238E27FC236}">
-                  <a16:creationId xmlns:a16="http://schemas.microsoft.com/office/drawing/2014/main" id="{EFDECD89-B217-4717-9A56-03A290482B28}"/>
-                </a:ext>
-              </a:extLst>
-            </p:cNvPr>
-            <p:cNvPicPr>
-              <a:picLocks noChangeAspect="1"/>
-            </p:cNvPicPr>
-            <p:nvPr/>
-          </p:nvPicPr>
-          <p:blipFill>
-            <a:blip r:embed="rId3">
-              <a:extLst>
-                <a:ext uri="{28A0092B-C50C-407E-A947-70E740481C1C}">
-                  <a14:useLocalDpi xmlns:a14="http://schemas.microsoft.com/office/drawing/2010/main" val="0"/>
-                </a:ext>
-              </a:extLst>
-            </a:blip>
-            <a:stretch>
-              <a:fillRect/>
-            </a:stretch>
-          </p:blipFill>
-          <p:spPr>
-            <a:xfrm>
-              <a:off x="939708" y="5965549"/>
-              <a:ext cx="23955608" cy="12839482"/>
-            </a:xfrm>
-            <a:prstGeom prst="rect">
-              <a:avLst/>
-            </a:prstGeom>
-          </p:spPr>
-        </p:pic>
-        <p:sp>
-          <p:nvSpPr>
-            <p:cNvPr id="102" name="TextBox 101">
-              <a:extLst>
-                <a:ext uri="{FF2B5EF4-FFF2-40B4-BE49-F238E27FC236}">
-                  <a16:creationId xmlns:a16="http://schemas.microsoft.com/office/drawing/2014/main" id="{2338836F-ACC3-4C3A-B767-FAD0B6E9E2B2}"/>
+                  <a16:creationId xmlns:a16="http://schemas.microsoft.com/office/drawing/2014/main" id="{2B45188B-9D2B-4A15-AF8E-152926F28177}"/>
                 </a:ext>
               </a:extLst>
             </p:cNvPr>
@@ -3590,13 +4142,15 @@
           </p:nvSpPr>
           <p:spPr>
             <a:xfrm>
-              <a:off x="17556044" y="7987294"/>
-              <a:ext cx="4258200" cy="677108"/>
+              <a:off x="22115703" y="6219785"/>
+              <a:ext cx="2589631" cy="414582"/>
             </a:xfrm>
             <a:prstGeom prst="rect">
               <a:avLst/>
             </a:prstGeom>
-            <a:noFill/>
+            <a:solidFill>
+              <a:schemeClr val="bg1"/>
+            </a:solidFill>
           </p:spPr>
           <p:txBody>
             <a:bodyPr wrap="square" rtlCol="0">
@@ -3604,23 +4158,123 @@
             </a:bodyPr>
             <a:lstStyle/>
             <a:p>
-              <a:pPr algn="l"/>
               <a:r>
-                <a:rPr lang="en-US" sz="2700" dirty="0">
+                <a:rPr lang="en-US" sz="1500" dirty="0">
+                  <a:solidFill>
+                    <a:srgbClr val="202124"/>
+                  </a:solidFill>
                   <a:latin typeface="Times New Roman" panose="02020603050405020304" pitchFamily="18" charset="0"/>
                   <a:cs typeface="Times New Roman" panose="02020603050405020304" pitchFamily="18" charset="0"/>
                 </a:rPr>
-                <a:t>IQNP</a:t>
+                <a:t>Whole BindingDB</a:t>
               </a:r>
             </a:p>
           </p:txBody>
         </p:sp>
         <p:sp>
           <p:nvSpPr>
-            <p:cNvPr id="106" name="TextBox 105">
+            <p:cNvPr id="97" name="Rectangle 96">
               <a:extLst>
                 <a:ext uri="{FF2B5EF4-FFF2-40B4-BE49-F238E27FC236}">
-                  <a16:creationId xmlns:a16="http://schemas.microsoft.com/office/drawing/2014/main" id="{9C9B6CB6-8BA7-46B4-B98E-F66D404C0A55}"/>
+                  <a16:creationId xmlns:a16="http://schemas.microsoft.com/office/drawing/2014/main" id="{F01FB7B8-812E-4D26-9A57-A74169896270}"/>
+                </a:ext>
+              </a:extLst>
+            </p:cNvPr>
+            <p:cNvSpPr/>
+            <p:nvPr/>
+          </p:nvSpPr>
+          <p:spPr>
+            <a:xfrm>
+              <a:off x="21483123" y="6296644"/>
+              <a:ext cx="440857" cy="247772"/>
+            </a:xfrm>
+            <a:prstGeom prst="rect">
+              <a:avLst/>
+            </a:prstGeom>
+            <a:solidFill>
+              <a:srgbClr val="D6E5F0"/>
+            </a:solidFill>
+          </p:spPr>
+          <p:style>
+            <a:lnRef idx="2">
+              <a:schemeClr val="accent1">
+                <a:shade val="50000"/>
+              </a:schemeClr>
+            </a:lnRef>
+            <a:fillRef idx="1">
+              <a:schemeClr val="accent1"/>
+            </a:fillRef>
+            <a:effectRef idx="0">
+              <a:schemeClr val="accent1"/>
+            </a:effectRef>
+            <a:fontRef idx="minor">
+              <a:schemeClr val="lt1"/>
+            </a:fontRef>
+          </p:style>
+          <p:txBody>
+            <a:bodyPr rtlCol="0" anchor="ctr"/>
+            <a:lstStyle/>
+            <a:p>
+              <a:pPr algn="ctr"/>
+              <a:endParaRPr lang="en-US" sz="1350"/>
+            </a:p>
+          </p:txBody>
+        </p:sp>
+        <p:sp>
+          <p:nvSpPr>
+            <p:cNvPr id="98" name="Rectangle 97">
+              <a:extLst>
+                <a:ext uri="{FF2B5EF4-FFF2-40B4-BE49-F238E27FC236}">
+                  <a16:creationId xmlns:a16="http://schemas.microsoft.com/office/drawing/2014/main" id="{2986B5FA-E371-4ADE-9174-8705BA7AB9C9}"/>
+                </a:ext>
+              </a:extLst>
+            </p:cNvPr>
+            <p:cNvSpPr/>
+            <p:nvPr/>
+          </p:nvSpPr>
+          <p:spPr>
+            <a:xfrm>
+              <a:off x="21483123" y="6721369"/>
+              <a:ext cx="440857" cy="247772"/>
+            </a:xfrm>
+            <a:prstGeom prst="rect">
+              <a:avLst/>
+            </a:prstGeom>
+            <a:solidFill>
+              <a:srgbClr val="F9D0D0"/>
+            </a:solidFill>
+          </p:spPr>
+          <p:style>
+            <a:lnRef idx="2">
+              <a:schemeClr val="accent1">
+                <a:shade val="50000"/>
+              </a:schemeClr>
+            </a:lnRef>
+            <a:fillRef idx="1">
+              <a:schemeClr val="accent1"/>
+            </a:fillRef>
+            <a:effectRef idx="0">
+              <a:schemeClr val="accent1"/>
+            </a:effectRef>
+            <a:fontRef idx="minor">
+              <a:schemeClr val="lt1"/>
+            </a:fontRef>
+          </p:style>
+          <p:txBody>
+            <a:bodyPr rtlCol="0" anchor="ctr"/>
+            <a:lstStyle/>
+            <a:p>
+              <a:pPr algn="ctr"/>
+              <a:endParaRPr lang="en-US" sz="1350"/>
+            </a:p>
+          </p:txBody>
+        </p:sp>
+        <p:sp>
+          <p:nvSpPr>
+            <p:cNvPr id="99" name="TextBox 98">
+              <a:extLst>
+                <a:ext uri="{FF2B5EF4-FFF2-40B4-BE49-F238E27FC236}">
+                  <a16:creationId xmlns:a16="http://schemas.microsoft.com/office/drawing/2014/main" id="{89D50EDF-6776-4944-843B-9842F4C964F0}"/>
                 </a:ext>
               </a:extLst>
             </p:cNvPr>
@@ -3629,8 +4283,563 @@
           </p:nvSpPr>
           <p:spPr>
             <a:xfrm>
-              <a:off x="21320228" y="7987294"/>
-              <a:ext cx="4946859" cy="677108"/>
+              <a:off x="22108850" y="6619896"/>
+              <a:ext cx="2589631" cy="430887"/>
+            </a:xfrm>
+            <a:prstGeom prst="rect">
+              <a:avLst/>
+            </a:prstGeom>
+            <a:solidFill>
+              <a:schemeClr val="bg1"/>
+            </a:solidFill>
+          </p:spPr>
+          <p:txBody>
+            <a:bodyPr wrap="square" rtlCol="0">
+              <a:spAutoFit/>
+            </a:bodyPr>
+            <a:lstStyle/>
+            <a:p>
+              <a:r>
+                <a:rPr lang="en-US" sz="1500" dirty="0">
+                  <a:solidFill>
+                    <a:srgbClr val="202124"/>
+                  </a:solidFill>
+                  <a:latin typeface="Times New Roman" panose="02020603050405020304" pitchFamily="18" charset="0"/>
+                  <a:cs typeface="Times New Roman" panose="02020603050405020304" pitchFamily="18" charset="0"/>
+                </a:rPr>
+                <a:t>False Positives</a:t>
+              </a:r>
+            </a:p>
+          </p:txBody>
+        </p:sp>
+      </p:grpSp>
+      <p:sp>
+        <p:nvSpPr>
+          <p:cNvPr id="94" name="TextBox 93">
+            <a:extLst>
+              <a:ext uri="{FF2B5EF4-FFF2-40B4-BE49-F238E27FC236}">
+                <a16:creationId xmlns:a16="http://schemas.microsoft.com/office/drawing/2014/main" id="{2E9FF65B-2BC5-4704-8F47-8A723FBC5FFE}"/>
+              </a:ext>
+            </a:extLst>
+          </p:cNvPr>
+          <p:cNvSpPr txBox="1"/>
+          <p:nvPr/>
+        </p:nvSpPr>
+        <p:spPr>
+          <a:xfrm>
+            <a:off x="14122351" y="4782519"/>
+            <a:ext cx="1868613" cy="1207282"/>
+          </a:xfrm>
+          <a:prstGeom prst="rect">
+            <a:avLst/>
+          </a:prstGeom>
+          <a:noFill/>
+        </p:spPr>
+        <p:txBody>
+          <a:bodyPr wrap="square" rtlCol="0">
+            <a:spAutoFit/>
+          </a:bodyPr>
+          <a:lstStyle/>
+          <a:p>
+            <a:r>
+              <a:rPr lang="en-US" sz="2273" dirty="0">
+                <a:latin typeface="Times New Roman" panose="02020603050405020304" pitchFamily="18" charset="0"/>
+                <a:ea typeface="Calibri" panose="020F0502020204030204" pitchFamily="34" charset="0"/>
+                <a:cs typeface="Times New Roman" panose="02020603050405020304" pitchFamily="18" charset="0"/>
+              </a:rPr>
+              <a:t>k</a:t>
+            </a:r>
+            <a:r>
+              <a:rPr lang="en-US" sz="2273" baseline="-25000" dirty="0">
+                <a:latin typeface="Times New Roman" panose="02020603050405020304" pitchFamily="18" charset="0"/>
+                <a:ea typeface="Calibri" panose="020F0502020204030204" pitchFamily="34" charset="0"/>
+                <a:cs typeface="Times New Roman" panose="02020603050405020304" pitchFamily="18" charset="0"/>
+              </a:rPr>
+              <a:t>i</a:t>
+            </a:r>
+            <a:r>
+              <a:rPr lang="en-US" sz="2273" baseline="30000" dirty="0">
+                <a:latin typeface="Times New Roman" panose="02020603050405020304" pitchFamily="18" charset="0"/>
+                <a:ea typeface="Calibri" panose="020F0502020204030204" pitchFamily="34" charset="0"/>
+                <a:cs typeface="Times New Roman" panose="02020603050405020304" pitchFamily="18" charset="0"/>
+              </a:rPr>
+              <a:t>+ </a:t>
+            </a:r>
+            <a:r>
+              <a:rPr lang="en-US" sz="2273" dirty="0">
+                <a:latin typeface="Times New Roman" panose="02020603050405020304" pitchFamily="18" charset="0"/>
+                <a:cs typeface="Times New Roman" panose="02020603050405020304" pitchFamily="18" charset="0"/>
+              </a:rPr>
+              <a:t>= 3</a:t>
+            </a:r>
+            <a:endParaRPr lang="en-US" sz="2274" dirty="0">
+              <a:latin typeface="Times New Roman" panose="02020603050405020304" pitchFamily="18" charset="0"/>
+              <a:cs typeface="Times New Roman" panose="02020603050405020304" pitchFamily="18" charset="0"/>
+            </a:endParaRPr>
+          </a:p>
+          <a:p>
+            <a:r>
+              <a:rPr lang="en-US" sz="2273" dirty="0">
+                <a:latin typeface="Times New Roman" panose="02020603050405020304" pitchFamily="18" charset="0"/>
+                <a:ea typeface="Calibri" panose="020F0502020204030204" pitchFamily="34" charset="0"/>
+                <a:cs typeface="Times New Roman" panose="02020603050405020304" pitchFamily="18" charset="0"/>
+              </a:rPr>
+              <a:t>k</a:t>
+            </a:r>
+            <a:r>
+              <a:rPr lang="en-US" sz="2273" baseline="-25000" dirty="0">
+                <a:latin typeface="Times New Roman" panose="02020603050405020304" pitchFamily="18" charset="0"/>
+                <a:ea typeface="Calibri" panose="020F0502020204030204" pitchFamily="34" charset="0"/>
+                <a:cs typeface="Times New Roman" panose="02020603050405020304" pitchFamily="18" charset="0"/>
+              </a:rPr>
+              <a:t>i</a:t>
+            </a:r>
+            <a:r>
+              <a:rPr lang="en-US" sz="2273" baseline="30000" dirty="0">
+                <a:latin typeface="Times New Roman" panose="02020603050405020304" pitchFamily="18" charset="0"/>
+                <a:ea typeface="Calibri" panose="020F0502020204030204" pitchFamily="34" charset="0"/>
+                <a:cs typeface="Times New Roman" panose="02020603050405020304" pitchFamily="18" charset="0"/>
+              </a:rPr>
+              <a:t>- </a:t>
+            </a:r>
+            <a:r>
+              <a:rPr lang="en-US" sz="2274" dirty="0">
+                <a:latin typeface="Times New Roman" panose="02020603050405020304" pitchFamily="18" charset="0"/>
+                <a:cs typeface="Times New Roman" panose="02020603050405020304" pitchFamily="18" charset="0"/>
+              </a:rPr>
+              <a:t>= 1</a:t>
+            </a:r>
+          </a:p>
+          <a:p>
+            <a:r>
+              <a:rPr lang="el-GR" sz="2273" dirty="0">
+                <a:latin typeface="Times New Roman" panose="02020603050405020304" pitchFamily="18" charset="0"/>
+                <a:ea typeface="Calibri" panose="020F0502020204030204" pitchFamily="34" charset="0"/>
+                <a:cs typeface="Times New Roman" panose="02020603050405020304" pitchFamily="18" charset="0"/>
+              </a:rPr>
+              <a:t>ρ</a:t>
+            </a:r>
+            <a:r>
+              <a:rPr lang="en-US" sz="2273" baseline="-25000" dirty="0">
+                <a:latin typeface="Times New Roman" panose="02020603050405020304" pitchFamily="18" charset="0"/>
+                <a:ea typeface="Calibri" panose="020F0502020204030204" pitchFamily="34" charset="0"/>
+                <a:cs typeface="Times New Roman" panose="02020603050405020304" pitchFamily="18" charset="0"/>
+              </a:rPr>
+              <a:t>i </a:t>
+            </a:r>
+            <a:r>
+              <a:rPr lang="el-GR" sz="2400" dirty="0">
+                <a:solidFill>
+                  <a:srgbClr val="202124"/>
+                </a:solidFill>
+                <a:latin typeface="Times New Roman" panose="02020603050405020304" pitchFamily="18" charset="0"/>
+                <a:cs typeface="Times New Roman" panose="02020603050405020304" pitchFamily="18" charset="0"/>
+              </a:rPr>
+              <a:t> </a:t>
+            </a:r>
+            <a:r>
+              <a:rPr lang="en-US" sz="2274" dirty="0">
+                <a:latin typeface="Times New Roman" panose="02020603050405020304" pitchFamily="18" charset="0"/>
+                <a:cs typeface="Times New Roman" panose="02020603050405020304" pitchFamily="18" charset="0"/>
+              </a:rPr>
+              <a:t>= 0.75</a:t>
+            </a:r>
+          </a:p>
+        </p:txBody>
+      </p:sp>
+      <p:sp>
+        <p:nvSpPr>
+          <p:cNvPr id="95" name="TextBox 94">
+            <a:extLst>
+              <a:ext uri="{FF2B5EF4-FFF2-40B4-BE49-F238E27FC236}">
+                <a16:creationId xmlns:a16="http://schemas.microsoft.com/office/drawing/2014/main" id="{4A5FAD78-FD91-43AD-A1CA-DD71484515E2}"/>
+              </a:ext>
+            </a:extLst>
+          </p:cNvPr>
+          <p:cNvSpPr txBox="1"/>
+          <p:nvPr/>
+        </p:nvSpPr>
+        <p:spPr>
+          <a:xfrm>
+            <a:off x="17519706" y="4773535"/>
+            <a:ext cx="1868613" cy="1207282"/>
+          </a:xfrm>
+          <a:prstGeom prst="rect">
+            <a:avLst/>
+          </a:prstGeom>
+          <a:noFill/>
+        </p:spPr>
+        <p:txBody>
+          <a:bodyPr wrap="square" rtlCol="0">
+            <a:spAutoFit/>
+          </a:bodyPr>
+          <a:lstStyle/>
+          <a:p>
+            <a:r>
+              <a:rPr lang="en-US" sz="2273" dirty="0">
+                <a:latin typeface="Times New Roman" panose="02020603050405020304" pitchFamily="18" charset="0"/>
+                <a:ea typeface="Calibri" panose="020F0502020204030204" pitchFamily="34" charset="0"/>
+                <a:cs typeface="Times New Roman" panose="02020603050405020304" pitchFamily="18" charset="0"/>
+              </a:rPr>
+              <a:t>k</a:t>
+            </a:r>
+            <a:r>
+              <a:rPr lang="en-US" sz="2273" baseline="-25000" dirty="0">
+                <a:latin typeface="Times New Roman" panose="02020603050405020304" pitchFamily="18" charset="0"/>
+                <a:ea typeface="Calibri" panose="020F0502020204030204" pitchFamily="34" charset="0"/>
+                <a:cs typeface="Times New Roman" panose="02020603050405020304" pitchFamily="18" charset="0"/>
+              </a:rPr>
+              <a:t>i</a:t>
+            </a:r>
+            <a:r>
+              <a:rPr lang="en-US" sz="2273" baseline="30000" dirty="0">
+                <a:latin typeface="Times New Roman" panose="02020603050405020304" pitchFamily="18" charset="0"/>
+                <a:ea typeface="Calibri" panose="020F0502020204030204" pitchFamily="34" charset="0"/>
+                <a:cs typeface="Times New Roman" panose="02020603050405020304" pitchFamily="18" charset="0"/>
+              </a:rPr>
+              <a:t>+ </a:t>
+            </a:r>
+            <a:r>
+              <a:rPr lang="en-US" sz="2273" dirty="0">
+                <a:latin typeface="Times New Roman" panose="02020603050405020304" pitchFamily="18" charset="0"/>
+                <a:cs typeface="Times New Roman" panose="02020603050405020304" pitchFamily="18" charset="0"/>
+              </a:rPr>
+              <a:t>= </a:t>
+            </a:r>
+            <a:r>
+              <a:rPr lang="en-US" sz="2274" dirty="0">
+                <a:latin typeface="Times New Roman" panose="02020603050405020304" pitchFamily="18" charset="0"/>
+                <a:cs typeface="Times New Roman" panose="02020603050405020304" pitchFamily="18" charset="0"/>
+              </a:rPr>
+              <a:t>1</a:t>
+            </a:r>
+          </a:p>
+          <a:p>
+            <a:r>
+              <a:rPr lang="en-US" sz="2273" dirty="0">
+                <a:latin typeface="Times New Roman" panose="02020603050405020304" pitchFamily="18" charset="0"/>
+                <a:ea typeface="Calibri" panose="020F0502020204030204" pitchFamily="34" charset="0"/>
+                <a:cs typeface="Times New Roman" panose="02020603050405020304" pitchFamily="18" charset="0"/>
+              </a:rPr>
+              <a:t>k</a:t>
+            </a:r>
+            <a:r>
+              <a:rPr lang="en-US" sz="2273" baseline="-25000" dirty="0">
+                <a:latin typeface="Times New Roman" panose="02020603050405020304" pitchFamily="18" charset="0"/>
+                <a:ea typeface="Calibri" panose="020F0502020204030204" pitchFamily="34" charset="0"/>
+                <a:cs typeface="Times New Roman" panose="02020603050405020304" pitchFamily="18" charset="0"/>
+              </a:rPr>
+              <a:t>i</a:t>
+            </a:r>
+            <a:r>
+              <a:rPr lang="en-US" sz="2273" baseline="30000" dirty="0">
+                <a:latin typeface="Times New Roman" panose="02020603050405020304" pitchFamily="18" charset="0"/>
+                <a:ea typeface="Calibri" panose="020F0502020204030204" pitchFamily="34" charset="0"/>
+                <a:cs typeface="Times New Roman" panose="02020603050405020304" pitchFamily="18" charset="0"/>
+              </a:rPr>
+              <a:t>- </a:t>
+            </a:r>
+            <a:r>
+              <a:rPr lang="en-US" sz="2274" dirty="0">
+                <a:latin typeface="Times New Roman" panose="02020603050405020304" pitchFamily="18" charset="0"/>
+                <a:cs typeface="Times New Roman" panose="02020603050405020304" pitchFamily="18" charset="0"/>
+              </a:rPr>
+              <a:t>= 0</a:t>
+            </a:r>
+          </a:p>
+          <a:p>
+            <a:r>
+              <a:rPr lang="el-GR" sz="2273" dirty="0">
+                <a:latin typeface="Times New Roman" panose="02020603050405020304" pitchFamily="18" charset="0"/>
+                <a:ea typeface="Calibri" panose="020F0502020204030204" pitchFamily="34" charset="0"/>
+                <a:cs typeface="Times New Roman" panose="02020603050405020304" pitchFamily="18" charset="0"/>
+              </a:rPr>
+              <a:t>ρ</a:t>
+            </a:r>
+            <a:r>
+              <a:rPr lang="en-US" sz="2273" baseline="-25000" dirty="0">
+                <a:latin typeface="Times New Roman" panose="02020603050405020304" pitchFamily="18" charset="0"/>
+                <a:ea typeface="Calibri" panose="020F0502020204030204" pitchFamily="34" charset="0"/>
+                <a:cs typeface="Times New Roman" panose="02020603050405020304" pitchFamily="18" charset="0"/>
+              </a:rPr>
+              <a:t>i </a:t>
+            </a:r>
+            <a:r>
+              <a:rPr lang="el-GR" sz="2400" dirty="0">
+                <a:solidFill>
+                  <a:srgbClr val="202124"/>
+                </a:solidFill>
+                <a:latin typeface="Times New Roman" panose="02020603050405020304" pitchFamily="18" charset="0"/>
+                <a:cs typeface="Times New Roman" panose="02020603050405020304" pitchFamily="18" charset="0"/>
+              </a:rPr>
+              <a:t> </a:t>
+            </a:r>
+            <a:r>
+              <a:rPr lang="en-US" sz="2274" dirty="0">
+                <a:latin typeface="Times New Roman" panose="02020603050405020304" pitchFamily="18" charset="0"/>
+                <a:cs typeface="Times New Roman" panose="02020603050405020304" pitchFamily="18" charset="0"/>
+              </a:rPr>
+              <a:t>= 1.0</a:t>
+            </a:r>
+          </a:p>
+        </p:txBody>
+      </p:sp>
+      <p:sp>
+        <p:nvSpPr>
+          <p:cNvPr id="100" name="TextBox 99">
+            <a:extLst>
+              <a:ext uri="{FF2B5EF4-FFF2-40B4-BE49-F238E27FC236}">
+                <a16:creationId xmlns:a16="http://schemas.microsoft.com/office/drawing/2014/main" id="{DE7E4B8A-2605-47AB-A96F-930EDAC8F1D2}"/>
+              </a:ext>
+            </a:extLst>
+          </p:cNvPr>
+          <p:cNvSpPr txBox="1"/>
+          <p:nvPr/>
+        </p:nvSpPr>
+        <p:spPr>
+          <a:xfrm>
+            <a:off x="10153774" y="10229828"/>
+            <a:ext cx="2824431" cy="459828"/>
+          </a:xfrm>
+          <a:prstGeom prst="rect">
+            <a:avLst/>
+          </a:prstGeom>
+          <a:solidFill>
+            <a:schemeClr val="bg1"/>
+          </a:solidFill>
+        </p:spPr>
+        <p:txBody>
+          <a:bodyPr wrap="none" rtlCol="0">
+            <a:spAutoFit/>
+          </a:bodyPr>
+          <a:lstStyle/>
+          <a:p>
+            <a:r>
+              <a:rPr lang="en-US" sz="2275" dirty="0">
+                <a:latin typeface="Times New Roman" panose="02020603050405020304" pitchFamily="18" charset="0"/>
+                <a:cs typeface="Times New Roman" panose="02020603050405020304" pitchFamily="18" charset="0"/>
+              </a:rPr>
+              <a:t>Ligand Degree Ratio</a:t>
+            </a:r>
+          </a:p>
+        </p:txBody>
+      </p:sp>
+      <p:sp>
+        <p:nvSpPr>
+          <p:cNvPr id="101" name="TextBox 100">
+            <a:extLst>
+              <a:ext uri="{FF2B5EF4-FFF2-40B4-BE49-F238E27FC236}">
+                <a16:creationId xmlns:a16="http://schemas.microsoft.com/office/drawing/2014/main" id="{11134CC5-BCE7-461F-93A3-EE4904F35C22}"/>
+              </a:ext>
+            </a:extLst>
+          </p:cNvPr>
+          <p:cNvSpPr txBox="1"/>
+          <p:nvPr/>
+        </p:nvSpPr>
+        <p:spPr>
+          <a:xfrm>
+            <a:off x="17119065" y="1069262"/>
+            <a:ext cx="3975875" cy="527802"/>
+          </a:xfrm>
+          <a:prstGeom prst="rect">
+            <a:avLst/>
+          </a:prstGeom>
+          <a:noFill/>
+        </p:spPr>
+        <p:txBody>
+          <a:bodyPr wrap="square" rtlCol="0">
+            <a:spAutoFit/>
+          </a:bodyPr>
+          <a:lstStyle/>
+          <a:p>
+            <a:pPr algn="l"/>
+            <a:r>
+              <a:rPr lang="en-US" sz="2700" dirty="0">
+                <a:latin typeface="Times New Roman" panose="02020603050405020304" pitchFamily="18" charset="0"/>
+                <a:cs typeface="Times New Roman" panose="02020603050405020304" pitchFamily="18" charset="0"/>
+              </a:rPr>
+              <a:t>Cystazosin</a:t>
+            </a:r>
+          </a:p>
+        </p:txBody>
+      </p:sp>
+      <p:pic>
+        <p:nvPicPr>
+          <p:cNvPr id="1028" name="Picture 4">
+            <a:extLst>
+              <a:ext uri="{FF2B5EF4-FFF2-40B4-BE49-F238E27FC236}">
+                <a16:creationId xmlns:a16="http://schemas.microsoft.com/office/drawing/2014/main" id="{5980E5EF-6AF9-48E9-9886-F4B5DF78AACA}"/>
+              </a:ext>
+            </a:extLst>
+          </p:cNvPr>
+          <p:cNvPicPr>
+            <a:picLocks noChangeAspect="1" noChangeArrowheads="1"/>
+          </p:cNvPicPr>
+          <p:nvPr/>
+        </p:nvPicPr>
+        <p:blipFill>
+          <a:blip r:embed="rId4">
+            <a:extLst>
+              <a:ext uri="{28A0092B-C50C-407E-A947-70E740481C1C}">
+                <a14:useLocalDpi xmlns:a14="http://schemas.microsoft.com/office/drawing/2010/main" val="0"/>
+              </a:ext>
+            </a:extLst>
+          </a:blip>
+          <a:srcRect/>
+          <a:stretch>
+            <a:fillRect/>
+          </a:stretch>
+        </p:blipFill>
+        <p:spPr bwMode="auto">
+          <a:xfrm>
+            <a:off x="1318692" y="11149213"/>
+            <a:ext cx="19574041" cy="9915499"/>
+          </a:xfrm>
+          <a:prstGeom prst="rect">
+            <a:avLst/>
+          </a:prstGeom>
+          <a:noFill/>
+          <a:extLst>
+            <a:ext uri="{909E8E84-426E-40DD-AFC4-6F175D3DCCD1}">
+              <a14:hiddenFill xmlns:a14="http://schemas.microsoft.com/office/drawing/2010/main">
+                <a:solidFill>
+                  <a:srgbClr val="FFFFFF"/>
+                </a:solidFill>
+              </a14:hiddenFill>
+            </a:ext>
+          </a:extLst>
+        </p:spPr>
+      </p:pic>
+      <p:sp>
+        <p:nvSpPr>
+          <p:cNvPr id="112" name="TextBox 111">
+            <a:extLst>
+              <a:ext uri="{FF2B5EF4-FFF2-40B4-BE49-F238E27FC236}">
+                <a16:creationId xmlns:a16="http://schemas.microsoft.com/office/drawing/2014/main" id="{76CC0982-80D6-4B73-BE04-1D9FB95A54C4}"/>
+              </a:ext>
+            </a:extLst>
+          </p:cNvPr>
+          <p:cNvSpPr txBox="1"/>
+          <p:nvPr/>
+        </p:nvSpPr>
+        <p:spPr>
+          <a:xfrm>
+            <a:off x="10439517" y="20682412"/>
+            <a:ext cx="2728233" cy="459828"/>
+          </a:xfrm>
+          <a:prstGeom prst="rect">
+            <a:avLst/>
+          </a:prstGeom>
+          <a:solidFill>
+            <a:schemeClr val="bg1"/>
+          </a:solidFill>
+        </p:spPr>
+        <p:txBody>
+          <a:bodyPr wrap="none" rtlCol="0">
+            <a:spAutoFit/>
+          </a:bodyPr>
+          <a:lstStyle/>
+          <a:p>
+            <a:r>
+              <a:rPr lang="en-US" sz="2275" dirty="0">
+                <a:latin typeface="Times New Roman" panose="02020603050405020304" pitchFamily="18" charset="0"/>
+                <a:cs typeface="Times New Roman" panose="02020603050405020304" pitchFamily="18" charset="0"/>
+              </a:rPr>
+              <a:t>Target Degree Ratio</a:t>
+            </a:r>
+          </a:p>
+        </p:txBody>
+      </p:sp>
+      <p:sp>
+        <p:nvSpPr>
+          <p:cNvPr id="126" name="Rectangle 125">
+            <a:extLst>
+              <a:ext uri="{FF2B5EF4-FFF2-40B4-BE49-F238E27FC236}">
+                <a16:creationId xmlns:a16="http://schemas.microsoft.com/office/drawing/2014/main" id="{C9B9931C-2BAD-4A90-B9A3-E527ABBA8E2F}"/>
+              </a:ext>
+            </a:extLst>
+          </p:cNvPr>
+          <p:cNvSpPr/>
+          <p:nvPr/>
+        </p:nvSpPr>
+        <p:spPr>
+          <a:xfrm>
+            <a:off x="18439097" y="11347420"/>
+            <a:ext cx="2132391" cy="902447"/>
+          </a:xfrm>
+          <a:prstGeom prst="rect">
+            <a:avLst/>
+          </a:prstGeom>
+          <a:solidFill>
+            <a:schemeClr val="bg1"/>
+          </a:solidFill>
+          <a:ln>
+            <a:solidFill>
+              <a:schemeClr val="bg1"/>
+            </a:solidFill>
+          </a:ln>
+        </p:spPr>
+        <p:style>
+          <a:lnRef idx="2">
+            <a:schemeClr val="accent1">
+              <a:shade val="50000"/>
+            </a:schemeClr>
+          </a:lnRef>
+          <a:fillRef idx="1">
+            <a:schemeClr val="accent1"/>
+          </a:fillRef>
+          <a:effectRef idx="0">
+            <a:schemeClr val="accent1"/>
+          </a:effectRef>
+          <a:fontRef idx="minor">
+            <a:schemeClr val="lt1"/>
+          </a:fontRef>
+        </p:style>
+        <p:txBody>
+          <a:bodyPr rtlCol="0" anchor="ctr"/>
+          <a:lstStyle/>
+          <a:p>
+            <a:pPr algn="ctr"/>
+            <a:endParaRPr lang="en-US" sz="1350"/>
+          </a:p>
+        </p:txBody>
+      </p:sp>
+      <p:grpSp>
+        <p:nvGrpSpPr>
+          <p:cNvPr id="133" name="Group 132">
+            <a:extLst>
+              <a:ext uri="{FF2B5EF4-FFF2-40B4-BE49-F238E27FC236}">
+                <a16:creationId xmlns:a16="http://schemas.microsoft.com/office/drawing/2014/main" id="{6381FD92-5DFD-40C0-9FA7-0100611CA114}"/>
+              </a:ext>
+            </a:extLst>
+          </p:cNvPr>
+          <p:cNvGrpSpPr/>
+          <p:nvPr/>
+        </p:nvGrpSpPr>
+        <p:grpSpPr>
+          <a:xfrm>
+            <a:off x="10116817" y="11297636"/>
+            <a:ext cx="10422742" cy="5421180"/>
+            <a:chOff x="9812324" y="12004265"/>
+            <a:chExt cx="10422742" cy="5421180"/>
+          </a:xfrm>
+        </p:grpSpPr>
+        <p:sp>
+          <p:nvSpPr>
+            <p:cNvPr id="135" name="TextBox 134">
+              <a:extLst>
+                <a:ext uri="{FF2B5EF4-FFF2-40B4-BE49-F238E27FC236}">
+                  <a16:creationId xmlns:a16="http://schemas.microsoft.com/office/drawing/2014/main" id="{C4DD9661-A1B3-4942-BE12-5C9A5759241B}"/>
+                </a:ext>
+              </a:extLst>
+            </p:cNvPr>
+            <p:cNvSpPr txBox="1"/>
+            <p:nvPr/>
+          </p:nvSpPr>
+          <p:spPr>
+            <a:xfrm>
+              <a:off x="14612109" y="12079971"/>
+              <a:ext cx="1143132" cy="459696"/>
             </a:xfrm>
             <a:prstGeom prst="rect">
               <a:avLst/>
@@ -3644,21 +4853,21 @@
             <a:lstStyle/>
             <a:p>
               <a:r>
-                <a:rPr lang="en-US" sz="2700" dirty="0">
+                <a:rPr lang="en-US" sz="2274" dirty="0">
                   <a:latin typeface="Times New Roman" panose="02020603050405020304" pitchFamily="18" charset="0"/>
                   <a:cs typeface="Times New Roman" panose="02020603050405020304" pitchFamily="18" charset="0"/>
                 </a:rPr>
-                <a:t>Himbacine</a:t>
+                <a:t>DAO</a:t>
               </a:r>
             </a:p>
           </p:txBody>
         </p:sp>
         <p:sp>
           <p:nvSpPr>
-            <p:cNvPr id="109" name="TextBox 108">
+            <p:cNvPr id="140" name="TextBox 139">
               <a:extLst>
                 <a:ext uri="{FF2B5EF4-FFF2-40B4-BE49-F238E27FC236}">
-                  <a16:creationId xmlns:a16="http://schemas.microsoft.com/office/drawing/2014/main" id="{7C54E2A4-7A1E-42B9-849A-7312B0FEE231}"/>
+                  <a16:creationId xmlns:a16="http://schemas.microsoft.com/office/drawing/2014/main" id="{F935C48F-A2B6-4C59-8C5D-763F7ED681E6}"/>
                 </a:ext>
               </a:extLst>
             </p:cNvPr>
@@ -3667,8 +4876,240 @@
           </p:nvSpPr>
           <p:spPr>
             <a:xfrm>
-              <a:off x="13275373" y="14060958"/>
-              <a:ext cx="2324964" cy="1548800"/>
+              <a:off x="10785032" y="12054049"/>
+              <a:ext cx="1428215" cy="459696"/>
+            </a:xfrm>
+            <a:prstGeom prst="rect">
+              <a:avLst/>
+            </a:prstGeom>
+            <a:noFill/>
+          </p:spPr>
+          <p:txBody>
+            <a:bodyPr wrap="square" rtlCol="0">
+              <a:spAutoFit/>
+            </a:bodyPr>
+            <a:lstStyle/>
+            <a:p>
+              <a:r>
+                <a:rPr lang="en-US" sz="2274" dirty="0">
+                  <a:latin typeface="Times New Roman" panose="02020603050405020304" pitchFamily="18" charset="0"/>
+                  <a:cs typeface="Times New Roman" panose="02020603050405020304" pitchFamily="18" charset="0"/>
+                </a:rPr>
+                <a:t>AVPR1A</a:t>
+              </a:r>
+            </a:p>
+          </p:txBody>
+        </p:sp>
+        <p:sp>
+          <p:nvSpPr>
+            <p:cNvPr id="142" name="TextBox 141">
+              <a:extLst>
+                <a:ext uri="{FF2B5EF4-FFF2-40B4-BE49-F238E27FC236}">
+                  <a16:creationId xmlns:a16="http://schemas.microsoft.com/office/drawing/2014/main" id="{1B327A91-4131-420C-B250-09872190A52D}"/>
+                </a:ext>
+              </a:extLst>
+            </p:cNvPr>
+            <p:cNvSpPr txBox="1"/>
+            <p:nvPr/>
+          </p:nvSpPr>
+          <p:spPr>
+            <a:xfrm>
+              <a:off x="18203271" y="12088129"/>
+              <a:ext cx="959280" cy="459696"/>
+            </a:xfrm>
+            <a:prstGeom prst="rect">
+              <a:avLst/>
+            </a:prstGeom>
+            <a:noFill/>
+          </p:spPr>
+          <p:txBody>
+            <a:bodyPr wrap="square" rtlCol="0">
+              <a:spAutoFit/>
+            </a:bodyPr>
+            <a:lstStyle/>
+            <a:p>
+              <a:r>
+                <a:rPr lang="en-US" sz="2274" dirty="0">
+                  <a:latin typeface="Times New Roman" panose="02020603050405020304" pitchFamily="18" charset="0"/>
+                  <a:cs typeface="Times New Roman" panose="02020603050405020304" pitchFamily="18" charset="0"/>
+                </a:rPr>
+                <a:t>TOP1</a:t>
+              </a:r>
+            </a:p>
+          </p:txBody>
+        </p:sp>
+        <p:sp>
+          <p:nvSpPr>
+            <p:cNvPr id="143" name="Rectangle: Rounded Corners 142">
+              <a:extLst>
+                <a:ext uri="{FF2B5EF4-FFF2-40B4-BE49-F238E27FC236}">
+                  <a16:creationId xmlns:a16="http://schemas.microsoft.com/office/drawing/2014/main" id="{1C0F2B1D-2104-4E95-B7A0-10F123D67F77}"/>
+                </a:ext>
+              </a:extLst>
+            </p:cNvPr>
+            <p:cNvSpPr/>
+            <p:nvPr/>
+          </p:nvSpPr>
+          <p:spPr>
+            <a:xfrm>
+              <a:off x="9812324" y="12033901"/>
+              <a:ext cx="3237594" cy="5391544"/>
+            </a:xfrm>
+            <a:prstGeom prst="roundRect">
+              <a:avLst/>
+            </a:prstGeom>
+            <a:noFill/>
+            <a:ln w="38100">
+              <a:solidFill>
+                <a:srgbClr val="F9D1D1"/>
+              </a:solidFill>
+            </a:ln>
+          </p:spPr>
+          <p:style>
+            <a:lnRef idx="2">
+              <a:schemeClr val="accent1">
+                <a:shade val="50000"/>
+              </a:schemeClr>
+            </a:lnRef>
+            <a:fillRef idx="1">
+              <a:schemeClr val="accent1"/>
+            </a:fillRef>
+            <a:effectRef idx="0">
+              <a:schemeClr val="accent1"/>
+            </a:effectRef>
+            <a:fontRef idx="minor">
+              <a:schemeClr val="lt1"/>
+            </a:fontRef>
+          </p:style>
+          <p:txBody>
+            <a:bodyPr rtlCol="0" anchor="ctr"/>
+            <a:lstStyle/>
+            <a:p>
+              <a:pPr algn="ctr"/>
+              <a:endParaRPr lang="en-US" sz="1350"/>
+            </a:p>
+          </p:txBody>
+        </p:sp>
+        <p:sp>
+          <p:nvSpPr>
+            <p:cNvPr id="144" name="Rectangle: Rounded Corners 143">
+              <a:extLst>
+                <a:ext uri="{FF2B5EF4-FFF2-40B4-BE49-F238E27FC236}">
+                  <a16:creationId xmlns:a16="http://schemas.microsoft.com/office/drawing/2014/main" id="{42C112F0-06DF-4C2B-8B7E-5FAE1BD7DAE0}"/>
+                </a:ext>
+              </a:extLst>
+            </p:cNvPr>
+            <p:cNvSpPr/>
+            <p:nvPr/>
+          </p:nvSpPr>
+          <p:spPr>
+            <a:xfrm>
+              <a:off x="13450689" y="12004265"/>
+              <a:ext cx="3237594" cy="5421180"/>
+            </a:xfrm>
+            <a:prstGeom prst="roundRect">
+              <a:avLst/>
+            </a:prstGeom>
+            <a:noFill/>
+            <a:ln w="38100">
+              <a:solidFill>
+                <a:srgbClr val="F9D1D1"/>
+              </a:solidFill>
+            </a:ln>
+          </p:spPr>
+          <p:style>
+            <a:lnRef idx="2">
+              <a:schemeClr val="accent1">
+                <a:shade val="50000"/>
+              </a:schemeClr>
+            </a:lnRef>
+            <a:fillRef idx="1">
+              <a:schemeClr val="accent1"/>
+            </a:fillRef>
+            <a:effectRef idx="0">
+              <a:schemeClr val="accent1"/>
+            </a:effectRef>
+            <a:fontRef idx="minor">
+              <a:schemeClr val="lt1"/>
+            </a:fontRef>
+          </p:style>
+          <p:txBody>
+            <a:bodyPr rtlCol="0" anchor="ctr"/>
+            <a:lstStyle/>
+            <a:p>
+              <a:pPr algn="ctr"/>
+              <a:endParaRPr lang="en-US" sz="1350"/>
+            </a:p>
+          </p:txBody>
+        </p:sp>
+        <p:sp>
+          <p:nvSpPr>
+            <p:cNvPr id="145" name="Rectangle: Rounded Corners 144">
+              <a:extLst>
+                <a:ext uri="{FF2B5EF4-FFF2-40B4-BE49-F238E27FC236}">
+                  <a16:creationId xmlns:a16="http://schemas.microsoft.com/office/drawing/2014/main" id="{0548E137-11A6-4291-8A61-6D91935A9680}"/>
+                </a:ext>
+              </a:extLst>
+            </p:cNvPr>
+            <p:cNvSpPr/>
+            <p:nvPr/>
+          </p:nvSpPr>
+          <p:spPr>
+            <a:xfrm>
+              <a:off x="16997472" y="12033901"/>
+              <a:ext cx="3237594" cy="5391544"/>
+            </a:xfrm>
+            <a:prstGeom prst="roundRect">
+              <a:avLst/>
+            </a:prstGeom>
+            <a:noFill/>
+            <a:ln w="38100">
+              <a:solidFill>
+                <a:srgbClr val="F9D1D1"/>
+              </a:solidFill>
+            </a:ln>
+          </p:spPr>
+          <p:style>
+            <a:lnRef idx="2">
+              <a:schemeClr val="accent1">
+                <a:shade val="50000"/>
+              </a:schemeClr>
+            </a:lnRef>
+            <a:fillRef idx="1">
+              <a:schemeClr val="accent1"/>
+            </a:fillRef>
+            <a:effectRef idx="0">
+              <a:schemeClr val="accent1"/>
+            </a:effectRef>
+            <a:fontRef idx="minor">
+              <a:schemeClr val="lt1"/>
+            </a:fontRef>
+          </p:style>
+          <p:txBody>
+            <a:bodyPr rtlCol="0" anchor="ctr"/>
+            <a:lstStyle/>
+            <a:p>
+              <a:pPr algn="ctr"/>
+              <a:endParaRPr lang="en-US" sz="1350"/>
+            </a:p>
+          </p:txBody>
+        </p:sp>
+        <p:sp>
+          <p:nvSpPr>
+            <p:cNvPr id="146" name="TextBox 145">
+              <a:extLst>
+                <a:ext uri="{FF2B5EF4-FFF2-40B4-BE49-F238E27FC236}">
+                  <a16:creationId xmlns:a16="http://schemas.microsoft.com/office/drawing/2014/main" id="{B3F6469C-6230-4D7B-8471-5808AE08B944}"/>
+                </a:ext>
+              </a:extLst>
+            </p:cNvPr>
+            <p:cNvSpPr txBox="1"/>
+            <p:nvPr/>
+          </p:nvSpPr>
+          <p:spPr>
+            <a:xfrm>
+              <a:off x="10781981" y="15881276"/>
+              <a:ext cx="1868613" cy="1207083"/>
             </a:xfrm>
             <a:prstGeom prst="rect">
               <a:avLst/>
@@ -3710,15 +5151,12 @@
                   <a:latin typeface="Times New Roman" panose="02020603050405020304" pitchFamily="18" charset="0"/>
                   <a:cs typeface="Times New Roman" panose="02020603050405020304" pitchFamily="18" charset="0"/>
                 </a:rPr>
-                <a:t>= </a:t>
+                <a:t>= 32</a:t>
               </a:r>
-              <a:r>
-                <a:rPr lang="en-US" sz="2274" dirty="0">
-                  <a:latin typeface="Times New Roman" panose="02020603050405020304" pitchFamily="18" charset="0"/>
-                  <a:cs typeface="Times New Roman" panose="02020603050405020304" pitchFamily="18" charset="0"/>
-                </a:rPr>
-                <a:t>2</a:t>
-              </a:r>
+              <a:endParaRPr lang="en-US" sz="2274" dirty="0">
+                <a:latin typeface="Times New Roman" panose="02020603050405020304" pitchFamily="18" charset="0"/>
+                <a:cs typeface="Times New Roman" panose="02020603050405020304" pitchFamily="18" charset="0"/>
+              </a:endParaRPr>
             </a:p>
             <a:p>
               <a:r>
@@ -3750,7 +5188,7 @@
                   <a:latin typeface="Times New Roman" panose="02020603050405020304" pitchFamily="18" charset="0"/>
                   <a:cs typeface="Times New Roman" panose="02020603050405020304" pitchFamily="18" charset="0"/>
                 </a:rPr>
-                <a:t>= 1</a:t>
+                <a:t>= 10</a:t>
               </a:r>
             </a:p>
             <a:p>
@@ -3785,17 +5223,17 @@
                   <a:latin typeface="Times New Roman" panose="02020603050405020304" pitchFamily="18" charset="0"/>
                   <a:cs typeface="Times New Roman" panose="02020603050405020304" pitchFamily="18" charset="0"/>
                 </a:rPr>
-                <a:t>= 0.67</a:t>
+                <a:t>= 0.76</a:t>
               </a:r>
             </a:p>
           </p:txBody>
         </p:sp>
         <p:sp>
           <p:nvSpPr>
-            <p:cNvPr id="110" name="TextBox 109">
+            <p:cNvPr id="147" name="TextBox 146">
               <a:extLst>
                 <a:ext uri="{FF2B5EF4-FFF2-40B4-BE49-F238E27FC236}">
-                  <a16:creationId xmlns:a16="http://schemas.microsoft.com/office/drawing/2014/main" id="{A51074F8-31D5-461A-AC1A-2B86F129C3C3}"/>
+                  <a16:creationId xmlns:a16="http://schemas.microsoft.com/office/drawing/2014/main" id="{77265736-BAEE-42B5-BC0D-421F5657FBAB}"/>
                 </a:ext>
               </a:extLst>
             </p:cNvPr>
@@ -3804,1685 +5242,8 @@
           </p:nvSpPr>
           <p:spPr>
             <a:xfrm>
-              <a:off x="12746609" y="7952634"/>
-              <a:ext cx="4946859" cy="677108"/>
-            </a:xfrm>
-            <a:prstGeom prst="rect">
-              <a:avLst/>
-            </a:prstGeom>
-            <a:noFill/>
-          </p:spPr>
-          <p:txBody>
-            <a:bodyPr wrap="square" rtlCol="0">
-              <a:spAutoFit/>
-            </a:bodyPr>
-            <a:lstStyle/>
-            <a:p>
-              <a:pPr algn="l"/>
-              <a:r>
-                <a:rPr lang="en-US" sz="2700" dirty="0">
-                  <a:latin typeface="Times New Roman" panose="02020603050405020304" pitchFamily="18" charset="0"/>
-                  <a:cs typeface="Times New Roman" panose="02020603050405020304" pitchFamily="18" charset="0"/>
-                </a:rPr>
-                <a:t>Phendioxan</a:t>
-              </a:r>
-              <a:r>
-                <a:rPr lang="en-US" sz="2400" dirty="0">
-                  <a:solidFill>
-                    <a:srgbClr val="D1D2D3"/>
-                  </a:solidFill>
-                  <a:latin typeface="Times New Roman" panose="02020603050405020304" pitchFamily="18" charset="0"/>
-                  <a:cs typeface="Times New Roman" panose="02020603050405020304" pitchFamily="18" charset="0"/>
-                </a:rPr>
-                <a:t> </a:t>
-              </a:r>
-              <a:endParaRPr lang="en-US" sz="2274" dirty="0">
-                <a:latin typeface="Times New Roman" panose="02020603050405020304" pitchFamily="18" charset="0"/>
-                <a:cs typeface="Times New Roman" panose="02020603050405020304" pitchFamily="18" charset="0"/>
-              </a:endParaRPr>
-            </a:p>
-          </p:txBody>
-        </p:sp>
-        <p:pic>
-          <p:nvPicPr>
-            <p:cNvPr id="117" name="Picture 116" descr="Diagram&#10;&#10;Description automatically generated">
-              <a:extLst>
-                <a:ext uri="{FF2B5EF4-FFF2-40B4-BE49-F238E27FC236}">
-                  <a16:creationId xmlns:a16="http://schemas.microsoft.com/office/drawing/2014/main" id="{0B35708D-8B3E-4A8E-94D6-12C92E4AB8DB}"/>
-                </a:ext>
-              </a:extLst>
-            </p:cNvPr>
-            <p:cNvPicPr>
-              <a:picLocks noChangeAspect="1"/>
-            </p:cNvPicPr>
-            <p:nvPr/>
-          </p:nvPicPr>
-          <p:blipFill>
-            <a:blip r:embed="rId4">
-              <a:extLst>
-                <a:ext uri="{28A0092B-C50C-407E-A947-70E740481C1C}">
-                  <a14:useLocalDpi xmlns:a14="http://schemas.microsoft.com/office/drawing/2010/main" val="0"/>
-                </a:ext>
-              </a:extLst>
-            </a:blip>
-            <a:stretch>
-              <a:fillRect/>
-            </a:stretch>
-          </p:blipFill>
-          <p:spPr>
-            <a:xfrm>
-              <a:off x="20751999" y="9068210"/>
-              <a:ext cx="3254114" cy="4375631"/>
-            </a:xfrm>
-            <a:prstGeom prst="rect">
-              <a:avLst/>
-            </a:prstGeom>
-          </p:spPr>
-        </p:pic>
-        <p:pic>
-          <p:nvPicPr>
-            <p:cNvPr id="44" name="Picture 43" descr="A picture containing radar chart&#10;&#10;Description automatically generated">
-              <a:extLst>
-                <a:ext uri="{FF2B5EF4-FFF2-40B4-BE49-F238E27FC236}">
-                  <a16:creationId xmlns:a16="http://schemas.microsoft.com/office/drawing/2014/main" id="{8A6A8DA8-CA33-4976-A58B-1E48C0324BEE}"/>
-                </a:ext>
-              </a:extLst>
-            </p:cNvPr>
-            <p:cNvPicPr>
-              <a:picLocks noChangeAspect="1"/>
-            </p:cNvPicPr>
-            <p:nvPr/>
-          </p:nvPicPr>
-          <p:blipFill>
-            <a:blip r:embed="rId5">
-              <a:extLst>
-                <a:ext uri="{28A0092B-C50C-407E-A947-70E740481C1C}">
-                  <a14:useLocalDpi xmlns:a14="http://schemas.microsoft.com/office/drawing/2010/main" val="0"/>
-                </a:ext>
-              </a:extLst>
-            </a:blip>
-            <a:stretch>
-              <a:fillRect/>
-            </a:stretch>
-          </p:blipFill>
-          <p:spPr>
-            <a:xfrm>
-              <a:off x="16405186" y="9232364"/>
-              <a:ext cx="3986211" cy="3954693"/>
-            </a:xfrm>
-            <a:prstGeom prst="rect">
-              <a:avLst/>
-            </a:prstGeom>
-          </p:spPr>
-        </p:pic>
-        <p:pic>
-          <p:nvPicPr>
-            <p:cNvPr id="46" name="Picture 45" descr="Diagram&#10;&#10;Description automatically generated">
-              <a:extLst>
-                <a:ext uri="{FF2B5EF4-FFF2-40B4-BE49-F238E27FC236}">
-                  <a16:creationId xmlns:a16="http://schemas.microsoft.com/office/drawing/2014/main" id="{58D4E7EF-0F96-4B46-9F63-61B9A510FAFE}"/>
-                </a:ext>
-              </a:extLst>
-            </p:cNvPr>
-            <p:cNvPicPr>
-              <a:picLocks noChangeAspect="1"/>
-            </p:cNvPicPr>
-            <p:nvPr/>
-          </p:nvPicPr>
-          <p:blipFill>
-            <a:blip r:embed="rId6">
-              <a:extLst>
-                <a:ext uri="{28A0092B-C50C-407E-A947-70E740481C1C}">
-                  <a14:useLocalDpi xmlns:a14="http://schemas.microsoft.com/office/drawing/2010/main" val="0"/>
-                </a:ext>
-              </a:extLst>
-            </a:blip>
-            <a:stretch>
-              <a:fillRect/>
-            </a:stretch>
-          </p:blipFill>
-          <p:spPr>
-            <a:xfrm>
-              <a:off x="12142903" y="9262990"/>
-              <a:ext cx="3847156" cy="4102379"/>
-            </a:xfrm>
-            <a:prstGeom prst="rect">
-              <a:avLst/>
-            </a:prstGeom>
-          </p:spPr>
-        </p:pic>
-        <p:sp>
-          <p:nvSpPr>
-            <p:cNvPr id="59" name="TextBox 58">
-              <a:extLst>
-                <a:ext uri="{FF2B5EF4-FFF2-40B4-BE49-F238E27FC236}">
-                  <a16:creationId xmlns:a16="http://schemas.microsoft.com/office/drawing/2014/main" id="{A2230613-383F-4DDB-98AB-9F2B48F44AE3}"/>
-                </a:ext>
-              </a:extLst>
-            </p:cNvPr>
-            <p:cNvSpPr txBox="1"/>
-            <p:nvPr/>
-          </p:nvSpPr>
-          <p:spPr>
-            <a:xfrm>
-              <a:off x="11821113" y="18365622"/>
-              <a:ext cx="3514211" cy="589905"/>
-            </a:xfrm>
-            <a:prstGeom prst="rect">
-              <a:avLst/>
-            </a:prstGeom>
-            <a:solidFill>
-              <a:schemeClr val="bg1"/>
-            </a:solidFill>
-          </p:spPr>
-          <p:txBody>
-            <a:bodyPr wrap="none" rtlCol="0">
-              <a:spAutoFit/>
-            </a:bodyPr>
-            <a:lstStyle/>
-            <a:p>
-              <a:r>
-                <a:rPr lang="en-US" sz="2275" dirty="0">
-                  <a:latin typeface="Times New Roman" panose="02020603050405020304" pitchFamily="18" charset="0"/>
-                  <a:cs typeface="Times New Roman" panose="02020603050405020304" pitchFamily="18" charset="0"/>
-                </a:rPr>
-                <a:t>Ligand Degree Ratio</a:t>
-              </a:r>
-            </a:p>
-          </p:txBody>
-        </p:sp>
-        <p:sp>
-          <p:nvSpPr>
-            <p:cNvPr id="139" name="TextBox 138">
-              <a:extLst>
-                <a:ext uri="{FF2B5EF4-FFF2-40B4-BE49-F238E27FC236}">
-                  <a16:creationId xmlns:a16="http://schemas.microsoft.com/office/drawing/2014/main" id="{9C21DD0C-ECFC-4611-86CF-03B2CBC29939}"/>
-                </a:ext>
-              </a:extLst>
-            </p:cNvPr>
-            <p:cNvSpPr txBox="1"/>
-            <p:nvPr/>
-          </p:nvSpPr>
-          <p:spPr>
-            <a:xfrm rot="16200000">
-              <a:off x="555331" y="11617056"/>
-              <a:ext cx="957955" cy="589905"/>
-            </a:xfrm>
-            <a:prstGeom prst="rect">
-              <a:avLst/>
-            </a:prstGeom>
-            <a:solidFill>
-              <a:schemeClr val="bg1"/>
-            </a:solidFill>
-          </p:spPr>
-          <p:txBody>
-            <a:bodyPr wrap="none" rtlCol="0">
-              <a:spAutoFit/>
-            </a:bodyPr>
-            <a:lstStyle/>
-            <a:p>
-              <a:r>
-                <a:rPr lang="en-US" sz="2275" dirty="0">
-                  <a:latin typeface="Times New Roman" panose="02020603050405020304" pitchFamily="18" charset="0"/>
-                  <a:cs typeface="Times New Roman" panose="02020603050405020304" pitchFamily="18" charset="0"/>
-                </a:rPr>
-                <a:t>PDF</a:t>
-              </a:r>
-            </a:p>
-          </p:txBody>
-        </p:sp>
-        <p:pic>
-          <p:nvPicPr>
-            <p:cNvPr id="62" name="Picture 61" descr="Chart, scatter chart&#10;&#10;Description automatically generated">
-              <a:extLst>
-                <a:ext uri="{FF2B5EF4-FFF2-40B4-BE49-F238E27FC236}">
-                  <a16:creationId xmlns:a16="http://schemas.microsoft.com/office/drawing/2014/main" id="{94CCA2C3-3D09-4F8B-BC08-51876F2E5982}"/>
-                </a:ext>
-              </a:extLst>
-            </p:cNvPr>
-            <p:cNvPicPr>
-              <a:picLocks noChangeAspect="1"/>
-            </p:cNvPicPr>
-            <p:nvPr/>
-          </p:nvPicPr>
-          <p:blipFill>
-            <a:blip r:embed="rId7">
-              <a:extLst>
-                <a:ext uri="{28A0092B-C50C-407E-A947-70E740481C1C}">
-                  <a14:useLocalDpi xmlns:a14="http://schemas.microsoft.com/office/drawing/2010/main" val="0"/>
-                </a:ext>
-              </a:extLst>
-            </a:blip>
-            <a:stretch>
-              <a:fillRect/>
-            </a:stretch>
-          </p:blipFill>
-          <p:spPr>
-            <a:xfrm>
-              <a:off x="2952726" y="6317093"/>
-              <a:ext cx="8220353" cy="5732899"/>
-            </a:xfrm>
-            <a:prstGeom prst="rect">
-              <a:avLst/>
-            </a:prstGeom>
-          </p:spPr>
-        </p:pic>
-        <p:pic>
-          <p:nvPicPr>
-            <p:cNvPr id="48" name="Picture 47" descr="Chart, histogram&#10;&#10;Description automatically generated">
-              <a:extLst>
-                <a:ext uri="{FF2B5EF4-FFF2-40B4-BE49-F238E27FC236}">
-                  <a16:creationId xmlns:a16="http://schemas.microsoft.com/office/drawing/2014/main" id="{71BC8AE6-2CDB-4421-8C8D-4D3CFD1937E6}"/>
-                </a:ext>
-              </a:extLst>
-            </p:cNvPr>
-            <p:cNvPicPr>
-              <a:picLocks noChangeAspect="1"/>
-            </p:cNvPicPr>
-            <p:nvPr/>
-          </p:nvPicPr>
-          <p:blipFill>
-            <a:blip r:embed="rId8">
-              <a:extLst>
-                <a:ext uri="{28A0092B-C50C-407E-A947-70E740481C1C}">
-                  <a14:useLocalDpi xmlns:a14="http://schemas.microsoft.com/office/drawing/2010/main" val="0"/>
-                </a:ext>
-              </a:extLst>
-            </a:blip>
-            <a:stretch>
-              <a:fillRect/>
-            </a:stretch>
-          </p:blipFill>
-          <p:spPr>
-            <a:xfrm>
-              <a:off x="839752" y="19009336"/>
-              <a:ext cx="24274872" cy="13160967"/>
-            </a:xfrm>
-            <a:prstGeom prst="rect">
-              <a:avLst/>
-            </a:prstGeom>
-          </p:spPr>
-        </p:pic>
-        <p:pic>
-          <p:nvPicPr>
-            <p:cNvPr id="50" name="Picture 49">
-              <a:extLst>
-                <a:ext uri="{FF2B5EF4-FFF2-40B4-BE49-F238E27FC236}">
-                  <a16:creationId xmlns:a16="http://schemas.microsoft.com/office/drawing/2014/main" id="{CA4AC54D-5B8B-4016-ACDF-1EACA6A819CA}"/>
-                </a:ext>
-              </a:extLst>
-            </p:cNvPr>
-            <p:cNvPicPr>
-              <a:picLocks noChangeAspect="1"/>
-            </p:cNvPicPr>
-            <p:nvPr/>
-          </p:nvPicPr>
-          <p:blipFill>
-            <a:blip r:embed="rId9">
-              <a:extLst>
-                <a:ext uri="{28A0092B-C50C-407E-A947-70E740481C1C}">
-                  <a14:useLocalDpi xmlns:a14="http://schemas.microsoft.com/office/drawing/2010/main" val="0"/>
-                </a:ext>
-              </a:extLst>
-            </a:blip>
-            <a:stretch>
-              <a:fillRect/>
-            </a:stretch>
-          </p:blipFill>
-          <p:spPr>
-            <a:xfrm>
-              <a:off x="20768489" y="22325559"/>
-              <a:ext cx="3459876" cy="3834613"/>
-            </a:xfrm>
-            <a:prstGeom prst="rect">
-              <a:avLst/>
-            </a:prstGeom>
-          </p:spPr>
-        </p:pic>
-        <p:sp>
-          <p:nvSpPr>
-            <p:cNvPr id="127" name="TextBox 126">
-              <a:extLst>
-                <a:ext uri="{FF2B5EF4-FFF2-40B4-BE49-F238E27FC236}">
-                  <a16:creationId xmlns:a16="http://schemas.microsoft.com/office/drawing/2014/main" id="{B6524103-F19E-4708-90CC-48AC1D68C6F4}"/>
-                </a:ext>
-              </a:extLst>
-            </p:cNvPr>
-            <p:cNvSpPr txBox="1"/>
-            <p:nvPr/>
-          </p:nvSpPr>
-          <p:spPr>
-            <a:xfrm>
-              <a:off x="17421722" y="20922982"/>
-              <a:ext cx="1422307" cy="589735"/>
-            </a:xfrm>
-            <a:prstGeom prst="rect">
-              <a:avLst/>
-            </a:prstGeom>
-            <a:noFill/>
-          </p:spPr>
-          <p:txBody>
-            <a:bodyPr wrap="square" rtlCol="0">
-              <a:spAutoFit/>
-            </a:bodyPr>
-            <a:lstStyle/>
-            <a:p>
-              <a:r>
-                <a:rPr lang="en-US" sz="2274" dirty="0">
-                  <a:latin typeface="Times New Roman" panose="02020603050405020304" pitchFamily="18" charset="0"/>
-                  <a:cs typeface="Times New Roman" panose="02020603050405020304" pitchFamily="18" charset="0"/>
-                </a:rPr>
-                <a:t>CA9</a:t>
-              </a:r>
-            </a:p>
-          </p:txBody>
-        </p:sp>
-        <p:pic>
-          <p:nvPicPr>
-            <p:cNvPr id="53" name="Picture 52">
-              <a:extLst>
-                <a:ext uri="{FF2B5EF4-FFF2-40B4-BE49-F238E27FC236}">
-                  <a16:creationId xmlns:a16="http://schemas.microsoft.com/office/drawing/2014/main" id="{51606502-6007-45C9-B34E-0FBCFDE2D98C}"/>
-                </a:ext>
-              </a:extLst>
-            </p:cNvPr>
-            <p:cNvPicPr>
-              <a:picLocks noChangeAspect="1"/>
-            </p:cNvPicPr>
-            <p:nvPr/>
-          </p:nvPicPr>
-          <p:blipFill>
-            <a:blip r:embed="rId10">
-              <a:extLst>
-                <a:ext uri="{28A0092B-C50C-407E-A947-70E740481C1C}">
-                  <a14:useLocalDpi xmlns:a14="http://schemas.microsoft.com/office/drawing/2010/main" val="0"/>
-                </a:ext>
-              </a:extLst>
-            </a:blip>
-            <a:stretch>
-              <a:fillRect/>
-            </a:stretch>
-          </p:blipFill>
-          <p:spPr>
-            <a:xfrm>
-              <a:off x="16661055" y="22065817"/>
-              <a:ext cx="2718790" cy="4692818"/>
-            </a:xfrm>
-            <a:prstGeom prst="rect">
-              <a:avLst/>
-            </a:prstGeom>
-          </p:spPr>
-        </p:pic>
-        <p:sp>
-          <p:nvSpPr>
-            <p:cNvPr id="130" name="TextBox 129">
-              <a:extLst>
-                <a:ext uri="{FF2B5EF4-FFF2-40B4-BE49-F238E27FC236}">
-                  <a16:creationId xmlns:a16="http://schemas.microsoft.com/office/drawing/2014/main" id="{CB4DEDA0-602B-4B9E-8A64-40A538AEA95E}"/>
-                </a:ext>
-              </a:extLst>
-            </p:cNvPr>
-            <p:cNvSpPr txBox="1"/>
-            <p:nvPr/>
-          </p:nvSpPr>
-          <p:spPr>
-            <a:xfrm>
-              <a:off x="12876935" y="20922982"/>
-              <a:ext cx="1777012" cy="589735"/>
-            </a:xfrm>
-            <a:prstGeom prst="rect">
-              <a:avLst/>
-            </a:prstGeom>
-            <a:noFill/>
-          </p:spPr>
-          <p:txBody>
-            <a:bodyPr wrap="square" rtlCol="0">
-              <a:spAutoFit/>
-            </a:bodyPr>
-            <a:lstStyle/>
-            <a:p>
-              <a:r>
-                <a:rPr lang="en-US" sz="2274" dirty="0">
-                  <a:latin typeface="Times New Roman" panose="02020603050405020304" pitchFamily="18" charset="0"/>
-                  <a:cs typeface="Times New Roman" panose="02020603050405020304" pitchFamily="18" charset="0"/>
-                </a:rPr>
-                <a:t>SSTR2</a:t>
-              </a:r>
-            </a:p>
-          </p:txBody>
-        </p:sp>
-        <p:pic>
-          <p:nvPicPr>
-            <p:cNvPr id="56" name="Picture 55" descr="Shape, arrow&#10;&#10;Description automatically generated">
-              <a:extLst>
-                <a:ext uri="{FF2B5EF4-FFF2-40B4-BE49-F238E27FC236}">
-                  <a16:creationId xmlns:a16="http://schemas.microsoft.com/office/drawing/2014/main" id="{5CC393CE-5CBB-43C3-AC51-2F72CE051F2F}"/>
-                </a:ext>
-              </a:extLst>
-            </p:cNvPr>
-            <p:cNvPicPr>
-              <a:picLocks noChangeAspect="1"/>
-            </p:cNvPicPr>
-            <p:nvPr/>
-          </p:nvPicPr>
-          <p:blipFill>
-            <a:blip r:embed="rId11">
-              <a:extLst>
-                <a:ext uri="{28A0092B-C50C-407E-A947-70E740481C1C}">
-                  <a14:useLocalDpi xmlns:a14="http://schemas.microsoft.com/office/drawing/2010/main" val="0"/>
-                </a:ext>
-              </a:extLst>
-            </a:blip>
-            <a:stretch>
-              <a:fillRect/>
-            </a:stretch>
-          </p:blipFill>
-          <p:spPr>
-            <a:xfrm>
-              <a:off x="12025627" y="22145484"/>
-              <a:ext cx="2926172" cy="4692819"/>
-            </a:xfrm>
-            <a:prstGeom prst="rect">
-              <a:avLst/>
-            </a:prstGeom>
-          </p:spPr>
-        </p:pic>
-        <p:sp>
-          <p:nvSpPr>
-            <p:cNvPr id="137" name="TextBox 136">
-              <a:extLst>
-                <a:ext uri="{FF2B5EF4-FFF2-40B4-BE49-F238E27FC236}">
-                  <a16:creationId xmlns:a16="http://schemas.microsoft.com/office/drawing/2014/main" id="{3C3F2867-C13A-41FD-B93C-637A875E9480}"/>
-                </a:ext>
-              </a:extLst>
-            </p:cNvPr>
-            <p:cNvSpPr txBox="1"/>
-            <p:nvPr/>
-          </p:nvSpPr>
-          <p:spPr>
-            <a:xfrm>
-              <a:off x="12029007" y="31597970"/>
-              <a:ext cx="3394520" cy="589905"/>
-            </a:xfrm>
-            <a:prstGeom prst="rect">
-              <a:avLst/>
-            </a:prstGeom>
-            <a:solidFill>
-              <a:schemeClr val="bg1"/>
-            </a:solidFill>
-          </p:spPr>
-          <p:txBody>
-            <a:bodyPr wrap="none" rtlCol="0">
-              <a:spAutoFit/>
-            </a:bodyPr>
-            <a:lstStyle/>
-            <a:p>
-              <a:r>
-                <a:rPr lang="en-US" sz="2275" dirty="0">
-                  <a:latin typeface="Times New Roman" panose="02020603050405020304" pitchFamily="18" charset="0"/>
-                  <a:cs typeface="Times New Roman" panose="02020603050405020304" pitchFamily="18" charset="0"/>
-                </a:rPr>
-                <a:t>Target Degree Ratio</a:t>
-              </a:r>
-            </a:p>
-          </p:txBody>
-        </p:sp>
-        <p:sp>
-          <p:nvSpPr>
-            <p:cNvPr id="138" name="TextBox 137">
-              <a:extLst>
-                <a:ext uri="{FF2B5EF4-FFF2-40B4-BE49-F238E27FC236}">
-                  <a16:creationId xmlns:a16="http://schemas.microsoft.com/office/drawing/2014/main" id="{5129DD38-2637-4D22-93D0-02E6D0885C2F}"/>
-                </a:ext>
-              </a:extLst>
-            </p:cNvPr>
-            <p:cNvSpPr txBox="1"/>
-            <p:nvPr/>
-          </p:nvSpPr>
-          <p:spPr>
-            <a:xfrm rot="16200000">
-              <a:off x="657674" y="25034463"/>
-              <a:ext cx="957955" cy="589905"/>
-            </a:xfrm>
-            <a:prstGeom prst="rect">
-              <a:avLst/>
-            </a:prstGeom>
-            <a:solidFill>
-              <a:schemeClr val="bg1"/>
-            </a:solidFill>
-          </p:spPr>
-          <p:txBody>
-            <a:bodyPr wrap="none" rtlCol="0">
-              <a:spAutoFit/>
-            </a:bodyPr>
-            <a:lstStyle/>
-            <a:p>
-              <a:r>
-                <a:rPr lang="en-US" sz="2275" dirty="0">
-                  <a:latin typeface="Times New Roman" panose="02020603050405020304" pitchFamily="18" charset="0"/>
-                  <a:cs typeface="Times New Roman" panose="02020603050405020304" pitchFamily="18" charset="0"/>
-                </a:rPr>
-                <a:t>PDF</a:t>
-              </a:r>
-            </a:p>
-          </p:txBody>
-        </p:sp>
-        <p:pic>
-          <p:nvPicPr>
-            <p:cNvPr id="65" name="Picture 64" descr="Chart, scatter chart&#10;&#10;Description automatically generated">
-              <a:extLst>
-                <a:ext uri="{FF2B5EF4-FFF2-40B4-BE49-F238E27FC236}">
-                  <a16:creationId xmlns:a16="http://schemas.microsoft.com/office/drawing/2014/main" id="{412FAD74-3AC3-4DBD-A130-21FD2B3C227B}"/>
-                </a:ext>
-              </a:extLst>
-            </p:cNvPr>
-            <p:cNvPicPr>
-              <a:picLocks noChangeAspect="1"/>
-            </p:cNvPicPr>
-            <p:nvPr/>
-          </p:nvPicPr>
-          <p:blipFill>
-            <a:blip r:embed="rId12">
-              <a:extLst>
-                <a:ext uri="{28A0092B-C50C-407E-A947-70E740481C1C}">
-                  <a14:useLocalDpi xmlns:a14="http://schemas.microsoft.com/office/drawing/2010/main" val="0"/>
-                </a:ext>
-              </a:extLst>
-            </a:blip>
-            <a:stretch>
-              <a:fillRect/>
-            </a:stretch>
-          </p:blipFill>
-          <p:spPr>
-            <a:xfrm>
-              <a:off x="2862972" y="19703820"/>
-              <a:ext cx="8288157" cy="5876444"/>
-            </a:xfrm>
-            <a:prstGeom prst="rect">
-              <a:avLst/>
-            </a:prstGeom>
-          </p:spPr>
-        </p:pic>
-        <p:sp>
-          <p:nvSpPr>
-            <p:cNvPr id="242" name="TextBox 241">
-              <a:extLst>
-                <a:ext uri="{FF2B5EF4-FFF2-40B4-BE49-F238E27FC236}">
-                  <a16:creationId xmlns:a16="http://schemas.microsoft.com/office/drawing/2014/main" id="{D2CC9423-585C-4A71-8CE6-E817FB0207FC}"/>
-                </a:ext>
-              </a:extLst>
-            </p:cNvPr>
-            <p:cNvSpPr txBox="1"/>
-            <p:nvPr/>
-          </p:nvSpPr>
-          <p:spPr>
-            <a:xfrm>
-              <a:off x="22010328" y="20922983"/>
-              <a:ext cx="1193555" cy="589735"/>
-            </a:xfrm>
-            <a:prstGeom prst="rect">
-              <a:avLst/>
-            </a:prstGeom>
-            <a:noFill/>
-          </p:spPr>
-          <p:txBody>
-            <a:bodyPr wrap="square" rtlCol="0">
-              <a:spAutoFit/>
-            </a:bodyPr>
-            <a:lstStyle/>
-            <a:p>
-              <a:r>
-                <a:rPr lang="en-US" sz="2274" dirty="0">
-                  <a:latin typeface="Times New Roman" panose="02020603050405020304" pitchFamily="18" charset="0"/>
-                  <a:cs typeface="Times New Roman" panose="02020603050405020304" pitchFamily="18" charset="0"/>
-                </a:rPr>
-                <a:t>PPIF</a:t>
-              </a:r>
-            </a:p>
-          </p:txBody>
-        </p:sp>
-        <p:sp>
-          <p:nvSpPr>
-            <p:cNvPr id="248" name="TextBox 247">
-              <a:extLst>
-                <a:ext uri="{FF2B5EF4-FFF2-40B4-BE49-F238E27FC236}">
-                  <a16:creationId xmlns:a16="http://schemas.microsoft.com/office/drawing/2014/main" id="{9B8BF057-ABA4-42B2-95D2-3787713FF68A}"/>
-                </a:ext>
-              </a:extLst>
-            </p:cNvPr>
-            <p:cNvSpPr txBox="1"/>
-            <p:nvPr/>
-          </p:nvSpPr>
-          <p:spPr>
-            <a:xfrm>
-              <a:off x="435014" y="18499572"/>
-              <a:ext cx="878761" cy="952227"/>
-            </a:xfrm>
-            <a:prstGeom prst="rect">
-              <a:avLst/>
-            </a:prstGeom>
-            <a:noFill/>
-          </p:spPr>
-          <p:txBody>
-            <a:bodyPr wrap="square" rtlCol="0">
-              <a:spAutoFit/>
-            </a:bodyPr>
-            <a:lstStyle/>
-            <a:p>
-              <a:r>
-                <a:rPr lang="en-US" sz="4041" b="1" dirty="0">
-                  <a:latin typeface="Times New Roman" panose="02020603050405020304" pitchFamily="18" charset="0"/>
-                  <a:cs typeface="Times New Roman" panose="02020603050405020304" pitchFamily="18" charset="0"/>
-                </a:rPr>
-                <a:t>B</a:t>
-              </a:r>
-            </a:p>
-          </p:txBody>
-        </p:sp>
-        <p:sp>
-          <p:nvSpPr>
-            <p:cNvPr id="49" name="TextBox 48">
-              <a:extLst>
-                <a:ext uri="{FF2B5EF4-FFF2-40B4-BE49-F238E27FC236}">
-                  <a16:creationId xmlns:a16="http://schemas.microsoft.com/office/drawing/2014/main" id="{5ABA8ECE-C61E-475C-9C9A-792866AA51D6}"/>
-                </a:ext>
-              </a:extLst>
-            </p:cNvPr>
-            <p:cNvSpPr txBox="1"/>
-            <p:nvPr/>
-          </p:nvSpPr>
-          <p:spPr>
-            <a:xfrm rot="10800000" flipV="1">
-              <a:off x="435014" y="5334159"/>
-              <a:ext cx="2155785" cy="952227"/>
-            </a:xfrm>
-            <a:prstGeom prst="rect">
-              <a:avLst/>
-            </a:prstGeom>
-            <a:noFill/>
-          </p:spPr>
-          <p:txBody>
-            <a:bodyPr wrap="square" rtlCol="0">
-              <a:spAutoFit/>
-            </a:bodyPr>
-            <a:lstStyle/>
-            <a:p>
-              <a:r>
-                <a:rPr lang="en-US" sz="4041" b="1" dirty="0">
-                  <a:latin typeface="Times New Roman" panose="02020603050405020304" pitchFamily="18" charset="0"/>
-                  <a:cs typeface="Times New Roman" panose="02020603050405020304" pitchFamily="18" charset="0"/>
-                </a:rPr>
-                <a:t>A</a:t>
-              </a:r>
-            </a:p>
-          </p:txBody>
-        </p:sp>
-        <p:sp>
-          <p:nvSpPr>
-            <p:cNvPr id="3" name="TextBox 2">
-              <a:extLst>
-                <a:ext uri="{FF2B5EF4-FFF2-40B4-BE49-F238E27FC236}">
-                  <a16:creationId xmlns:a16="http://schemas.microsoft.com/office/drawing/2014/main" id="{38F7CD19-B46E-42EB-AC24-E8DA7A8CD606}"/>
-                </a:ext>
-              </a:extLst>
-            </p:cNvPr>
-            <p:cNvSpPr txBox="1"/>
-            <p:nvPr/>
-          </p:nvSpPr>
-          <p:spPr>
-            <a:xfrm>
-              <a:off x="6276258" y="11690427"/>
-              <a:ext cx="2533651" cy="738664"/>
-            </a:xfrm>
-            <a:prstGeom prst="rect">
-              <a:avLst/>
-            </a:prstGeom>
-            <a:solidFill>
-              <a:schemeClr val="bg1"/>
-            </a:solidFill>
-          </p:spPr>
-          <p:txBody>
-            <a:bodyPr wrap="square" rtlCol="0">
-              <a:spAutoFit/>
-            </a:bodyPr>
-            <a:lstStyle/>
-            <a:p>
-              <a:r>
-                <a:rPr lang="en-US" sz="1500" dirty="0">
-                  <a:solidFill>
-                    <a:srgbClr val="202124"/>
-                  </a:solidFill>
-                  <a:latin typeface="Times New Roman" panose="02020603050405020304" pitchFamily="18" charset="0"/>
-                  <a:cs typeface="Times New Roman" panose="02020603050405020304" pitchFamily="18" charset="0"/>
-                </a:rPr>
-                <a:t>Ligand degree ratio (</a:t>
-              </a:r>
-              <a:r>
-                <a:rPr lang="el-GR" sz="1500" dirty="0">
-                  <a:solidFill>
-                    <a:srgbClr val="202124"/>
-                  </a:solidFill>
-                  <a:latin typeface="Times New Roman" panose="02020603050405020304" pitchFamily="18" charset="0"/>
-                  <a:cs typeface="Times New Roman" panose="02020603050405020304" pitchFamily="18" charset="0"/>
-                </a:rPr>
-                <a:t>ρ</a:t>
-              </a:r>
-              <a:r>
-                <a:rPr lang="en-US" sz="1500" dirty="0">
-                  <a:solidFill>
-                    <a:srgbClr val="202124"/>
-                  </a:solidFill>
-                  <a:latin typeface="Times New Roman" panose="02020603050405020304" pitchFamily="18" charset="0"/>
-                  <a:cs typeface="Times New Roman" panose="02020603050405020304" pitchFamily="18" charset="0"/>
-                </a:rPr>
-                <a:t>)</a:t>
-              </a:r>
-              <a:endParaRPr lang="en-US" sz="1500" dirty="0">
-                <a:latin typeface="Times New Roman" panose="02020603050405020304" pitchFamily="18" charset="0"/>
-                <a:cs typeface="Times New Roman" panose="02020603050405020304" pitchFamily="18" charset="0"/>
-              </a:endParaRPr>
-            </a:p>
-          </p:txBody>
-        </p:sp>
-        <p:sp>
-          <p:nvSpPr>
-            <p:cNvPr id="42" name="TextBox 41">
-              <a:extLst>
-                <a:ext uri="{FF2B5EF4-FFF2-40B4-BE49-F238E27FC236}">
-                  <a16:creationId xmlns:a16="http://schemas.microsoft.com/office/drawing/2014/main" id="{B3266572-EF5E-47CF-A842-385D125F5352}"/>
-                </a:ext>
-              </a:extLst>
-            </p:cNvPr>
-            <p:cNvSpPr txBox="1"/>
-            <p:nvPr/>
-          </p:nvSpPr>
-          <p:spPr>
-            <a:xfrm rot="16200000">
-              <a:off x="1736319" y="8746842"/>
-              <a:ext cx="2813995" cy="430887"/>
-            </a:xfrm>
-            <a:prstGeom prst="rect">
-              <a:avLst/>
-            </a:prstGeom>
-            <a:solidFill>
-              <a:schemeClr val="bg1"/>
-            </a:solidFill>
-          </p:spPr>
-          <p:txBody>
-            <a:bodyPr wrap="square" rtlCol="0">
-              <a:spAutoFit/>
-            </a:bodyPr>
-            <a:lstStyle/>
-            <a:p>
-              <a:r>
-                <a:rPr lang="en-US" sz="1500" dirty="0">
-                  <a:solidFill>
-                    <a:srgbClr val="202124"/>
-                  </a:solidFill>
-                  <a:latin typeface="Times New Roman" panose="02020603050405020304" pitchFamily="18" charset="0"/>
-                  <a:cs typeface="Times New Roman" panose="02020603050405020304" pitchFamily="18" charset="0"/>
-                </a:rPr>
-                <a:t>DeepPurpose Prediction</a:t>
-              </a:r>
-              <a:endParaRPr lang="en-US" sz="1500" dirty="0">
-                <a:latin typeface="Times New Roman" panose="02020603050405020304" pitchFamily="18" charset="0"/>
-                <a:cs typeface="Times New Roman" panose="02020603050405020304" pitchFamily="18" charset="0"/>
-              </a:endParaRPr>
-            </a:p>
-          </p:txBody>
-        </p:sp>
-        <p:sp>
-          <p:nvSpPr>
-            <p:cNvPr id="43" name="TextBox 42">
-              <a:extLst>
-                <a:ext uri="{FF2B5EF4-FFF2-40B4-BE49-F238E27FC236}">
-                  <a16:creationId xmlns:a16="http://schemas.microsoft.com/office/drawing/2014/main" id="{AB817699-0AFA-4CAF-B010-7BC32AA27916}"/>
-                </a:ext>
-              </a:extLst>
-            </p:cNvPr>
-            <p:cNvSpPr txBox="1"/>
-            <p:nvPr/>
-          </p:nvSpPr>
-          <p:spPr>
-            <a:xfrm rot="16200000">
-              <a:off x="1583683" y="22067640"/>
-              <a:ext cx="2926735" cy="430887"/>
-            </a:xfrm>
-            <a:prstGeom prst="rect">
-              <a:avLst/>
-            </a:prstGeom>
-            <a:solidFill>
-              <a:schemeClr val="bg1"/>
-            </a:solidFill>
-          </p:spPr>
-          <p:txBody>
-            <a:bodyPr wrap="square" rtlCol="0">
-              <a:spAutoFit/>
-            </a:bodyPr>
-            <a:lstStyle/>
-            <a:p>
-              <a:r>
-                <a:rPr lang="en-US" sz="1500" dirty="0">
-                  <a:solidFill>
-                    <a:srgbClr val="202124"/>
-                  </a:solidFill>
-                  <a:latin typeface="Times New Roman" panose="02020603050405020304" pitchFamily="18" charset="0"/>
-                  <a:cs typeface="Times New Roman" panose="02020603050405020304" pitchFamily="18" charset="0"/>
-                </a:rPr>
-                <a:t>DeepPurpose Prediction</a:t>
-              </a:r>
-              <a:endParaRPr lang="en-US" sz="1500" dirty="0">
-                <a:latin typeface="Times New Roman" panose="02020603050405020304" pitchFamily="18" charset="0"/>
-                <a:cs typeface="Times New Roman" panose="02020603050405020304" pitchFamily="18" charset="0"/>
-              </a:endParaRPr>
-            </a:p>
-          </p:txBody>
-        </p:sp>
-        <p:sp>
-          <p:nvSpPr>
-            <p:cNvPr id="54" name="TextBox 53">
-              <a:extLst>
-                <a:ext uri="{FF2B5EF4-FFF2-40B4-BE49-F238E27FC236}">
-                  <a16:creationId xmlns:a16="http://schemas.microsoft.com/office/drawing/2014/main" id="{E2920D8E-53D4-48A1-98D3-B25665B2FAE8}"/>
-                </a:ext>
-              </a:extLst>
-            </p:cNvPr>
-            <p:cNvSpPr txBox="1"/>
-            <p:nvPr/>
-          </p:nvSpPr>
-          <p:spPr>
-            <a:xfrm>
-              <a:off x="6187710" y="25158616"/>
-              <a:ext cx="2533651" cy="430887"/>
-            </a:xfrm>
-            <a:prstGeom prst="rect">
-              <a:avLst/>
-            </a:prstGeom>
-            <a:solidFill>
-              <a:schemeClr val="bg1"/>
-            </a:solidFill>
-          </p:spPr>
-          <p:txBody>
-            <a:bodyPr wrap="square" rtlCol="0">
-              <a:spAutoFit/>
-            </a:bodyPr>
-            <a:lstStyle/>
-            <a:p>
-              <a:r>
-                <a:rPr lang="en-US" sz="1500" dirty="0">
-                  <a:solidFill>
-                    <a:srgbClr val="202124"/>
-                  </a:solidFill>
-                  <a:latin typeface="Times New Roman" panose="02020603050405020304" pitchFamily="18" charset="0"/>
-                  <a:cs typeface="Times New Roman" panose="02020603050405020304" pitchFamily="18" charset="0"/>
-                </a:rPr>
-                <a:t>Target degree ratio (</a:t>
-              </a:r>
-              <a:r>
-                <a:rPr lang="el-GR" sz="1500" dirty="0">
-                  <a:solidFill>
-                    <a:srgbClr val="202124"/>
-                  </a:solidFill>
-                  <a:latin typeface="Times New Roman" panose="02020603050405020304" pitchFamily="18" charset="0"/>
-                  <a:cs typeface="Times New Roman" panose="02020603050405020304" pitchFamily="18" charset="0"/>
-                </a:rPr>
-                <a:t>ρ</a:t>
-              </a:r>
-              <a:r>
-                <a:rPr lang="en-US" sz="1500" dirty="0">
-                  <a:solidFill>
-                    <a:srgbClr val="202124"/>
-                  </a:solidFill>
-                  <a:latin typeface="Times New Roman" panose="02020603050405020304" pitchFamily="18" charset="0"/>
-                  <a:cs typeface="Times New Roman" panose="02020603050405020304" pitchFamily="18" charset="0"/>
-                </a:rPr>
-                <a:t>)</a:t>
-              </a:r>
-              <a:endParaRPr lang="en-US" sz="1500" dirty="0">
-                <a:latin typeface="Times New Roman" panose="02020603050405020304" pitchFamily="18" charset="0"/>
-                <a:cs typeface="Times New Roman" panose="02020603050405020304" pitchFamily="18" charset="0"/>
-              </a:endParaRPr>
-            </a:p>
-          </p:txBody>
-        </p:sp>
-        <p:sp>
-          <p:nvSpPr>
-            <p:cNvPr id="2" name="Rectangle: Rounded Corners 1">
-              <a:extLst>
-                <a:ext uri="{FF2B5EF4-FFF2-40B4-BE49-F238E27FC236}">
-                  <a16:creationId xmlns:a16="http://schemas.microsoft.com/office/drawing/2014/main" id="{06528401-31DD-462C-A26E-90F6C6774D23}"/>
-                </a:ext>
-              </a:extLst>
-            </p:cNvPr>
-            <p:cNvSpPr/>
-            <p:nvPr/>
-          </p:nvSpPr>
-          <p:spPr>
-            <a:xfrm>
-              <a:off x="11909883" y="7589350"/>
-              <a:ext cx="4028276" cy="8580061"/>
-            </a:xfrm>
-            <a:prstGeom prst="roundRect">
-              <a:avLst/>
-            </a:prstGeom>
-            <a:noFill/>
-            <a:ln w="38100">
-              <a:solidFill>
-                <a:srgbClr val="92D6B7"/>
-              </a:solidFill>
-            </a:ln>
-          </p:spPr>
-          <p:style>
-            <a:lnRef idx="2">
-              <a:schemeClr val="accent1">
-                <a:shade val="50000"/>
-              </a:schemeClr>
-            </a:lnRef>
-            <a:fillRef idx="1">
-              <a:schemeClr val="accent1"/>
-            </a:fillRef>
-            <a:effectRef idx="0">
-              <a:schemeClr val="accent1"/>
-            </a:effectRef>
-            <a:fontRef idx="minor">
-              <a:schemeClr val="lt1"/>
-            </a:fontRef>
-          </p:style>
-          <p:txBody>
-            <a:bodyPr rtlCol="0" anchor="ctr"/>
-            <a:lstStyle/>
-            <a:p>
-              <a:pPr algn="ctr"/>
-              <a:endParaRPr lang="en-US" sz="1350"/>
-            </a:p>
-          </p:txBody>
-        </p:sp>
-        <p:sp>
-          <p:nvSpPr>
-            <p:cNvPr id="57" name="Rectangle: Rounded Corners 56">
-              <a:extLst>
-                <a:ext uri="{FF2B5EF4-FFF2-40B4-BE49-F238E27FC236}">
-                  <a16:creationId xmlns:a16="http://schemas.microsoft.com/office/drawing/2014/main" id="{190277C0-4B3D-49F0-A7B4-4DF6F9E90718}"/>
-                </a:ext>
-              </a:extLst>
-            </p:cNvPr>
-            <p:cNvSpPr/>
-            <p:nvPr/>
-          </p:nvSpPr>
-          <p:spPr>
-            <a:xfrm>
-              <a:off x="16190506" y="7555288"/>
-              <a:ext cx="4028276" cy="8580061"/>
-            </a:xfrm>
-            <a:prstGeom prst="roundRect">
-              <a:avLst/>
-            </a:prstGeom>
-            <a:noFill/>
-            <a:ln w="38100">
-              <a:solidFill>
-                <a:srgbClr val="92D6B7"/>
-              </a:solidFill>
-            </a:ln>
-          </p:spPr>
-          <p:style>
-            <a:lnRef idx="2">
-              <a:schemeClr val="accent1">
-                <a:shade val="50000"/>
-              </a:schemeClr>
-            </a:lnRef>
-            <a:fillRef idx="1">
-              <a:schemeClr val="accent1"/>
-            </a:fillRef>
-            <a:effectRef idx="0">
-              <a:schemeClr val="accent1"/>
-            </a:effectRef>
-            <a:fontRef idx="minor">
-              <a:schemeClr val="lt1"/>
-            </a:fontRef>
-          </p:style>
-          <p:txBody>
-            <a:bodyPr rtlCol="0" anchor="ctr"/>
-            <a:lstStyle/>
-            <a:p>
-              <a:pPr algn="ctr"/>
-              <a:endParaRPr lang="en-US" sz="1350"/>
-            </a:p>
-          </p:txBody>
-        </p:sp>
-        <p:sp>
-          <p:nvSpPr>
-            <p:cNvPr id="58" name="Rectangle: Rounded Corners 57">
-              <a:extLst>
-                <a:ext uri="{FF2B5EF4-FFF2-40B4-BE49-F238E27FC236}">
-                  <a16:creationId xmlns:a16="http://schemas.microsoft.com/office/drawing/2014/main" id="{C99D954B-2D86-441D-B426-7D60BF51CEC9}"/>
-                </a:ext>
-              </a:extLst>
-            </p:cNvPr>
-            <p:cNvSpPr/>
-            <p:nvPr/>
-          </p:nvSpPr>
-          <p:spPr>
-            <a:xfrm>
-              <a:off x="20440190" y="7555288"/>
-              <a:ext cx="4028276" cy="8580061"/>
-            </a:xfrm>
-            <a:prstGeom prst="roundRect">
-              <a:avLst/>
-            </a:prstGeom>
-            <a:noFill/>
-            <a:ln w="38100">
-              <a:solidFill>
-                <a:srgbClr val="92D6B7"/>
-              </a:solidFill>
-            </a:ln>
-          </p:spPr>
-          <p:style>
-            <a:lnRef idx="2">
-              <a:schemeClr val="accent1">
-                <a:shade val="50000"/>
-              </a:schemeClr>
-            </a:lnRef>
-            <a:fillRef idx="1">
-              <a:schemeClr val="accent1"/>
-            </a:fillRef>
-            <a:effectRef idx="0">
-              <a:schemeClr val="accent1"/>
-            </a:effectRef>
-            <a:fontRef idx="minor">
-              <a:schemeClr val="lt1"/>
-            </a:fontRef>
-          </p:style>
-          <p:txBody>
-            <a:bodyPr rtlCol="0" anchor="ctr"/>
-            <a:lstStyle/>
-            <a:p>
-              <a:pPr algn="ctr"/>
-              <a:endParaRPr lang="en-US" sz="1350"/>
-            </a:p>
-          </p:txBody>
-        </p:sp>
-        <p:grpSp>
-          <p:nvGrpSpPr>
-            <p:cNvPr id="5" name="Group 4">
-              <a:extLst>
-                <a:ext uri="{FF2B5EF4-FFF2-40B4-BE49-F238E27FC236}">
-                  <a16:creationId xmlns:a16="http://schemas.microsoft.com/office/drawing/2014/main" id="{27300B54-F5A2-4478-BE35-0E5217594004}"/>
-                </a:ext>
-              </a:extLst>
-            </p:cNvPr>
-            <p:cNvGrpSpPr/>
-            <p:nvPr/>
-          </p:nvGrpSpPr>
-          <p:grpSpPr>
-            <a:xfrm>
-              <a:off x="6178958" y="13445912"/>
-              <a:ext cx="3222211" cy="830998"/>
-              <a:chOff x="21483123" y="6219785"/>
-              <a:chExt cx="3222211" cy="830998"/>
-            </a:xfrm>
-          </p:grpSpPr>
-          <p:sp>
-            <p:nvSpPr>
-              <p:cNvPr id="60" name="TextBox 59">
-                <a:extLst>
-                  <a:ext uri="{FF2B5EF4-FFF2-40B4-BE49-F238E27FC236}">
-                    <a16:creationId xmlns:a16="http://schemas.microsoft.com/office/drawing/2014/main" id="{042583C2-7C0D-491E-BACB-0CD11BF86216}"/>
-                  </a:ext>
-                </a:extLst>
-              </p:cNvPr>
-              <p:cNvSpPr txBox="1"/>
-              <p:nvPr/>
-            </p:nvSpPr>
-            <p:spPr>
-              <a:xfrm>
-                <a:off x="22115703" y="6219785"/>
-                <a:ext cx="2589631" cy="430887"/>
-              </a:xfrm>
-              <a:prstGeom prst="rect">
-                <a:avLst/>
-              </a:prstGeom>
-              <a:solidFill>
-                <a:schemeClr val="bg1"/>
-              </a:solidFill>
-            </p:spPr>
-            <p:txBody>
-              <a:bodyPr wrap="square" rtlCol="0">
-                <a:spAutoFit/>
-              </a:bodyPr>
-              <a:lstStyle/>
-              <a:p>
-                <a:r>
-                  <a:rPr lang="en-US" sz="1500" dirty="0">
-                    <a:solidFill>
-                      <a:srgbClr val="202124"/>
-                    </a:solidFill>
-                    <a:latin typeface="Times New Roman" panose="02020603050405020304" pitchFamily="18" charset="0"/>
-                    <a:cs typeface="Times New Roman" panose="02020603050405020304" pitchFamily="18" charset="0"/>
-                  </a:rPr>
-                  <a:t>BindingDB</a:t>
-                </a:r>
-              </a:p>
-            </p:txBody>
-          </p:sp>
-          <p:sp>
-            <p:nvSpPr>
-              <p:cNvPr id="4" name="Rectangle 3">
-                <a:extLst>
-                  <a:ext uri="{FF2B5EF4-FFF2-40B4-BE49-F238E27FC236}">
-                    <a16:creationId xmlns:a16="http://schemas.microsoft.com/office/drawing/2014/main" id="{703CD9E6-3572-452B-B7E8-78E3D4FE2A0F}"/>
-                  </a:ext>
-                </a:extLst>
-              </p:cNvPr>
-              <p:cNvSpPr/>
-              <p:nvPr/>
-            </p:nvSpPr>
-            <p:spPr>
-              <a:xfrm>
-                <a:off x="21483123" y="6296644"/>
-                <a:ext cx="440857" cy="247772"/>
-              </a:xfrm>
-              <a:prstGeom prst="rect">
-                <a:avLst/>
-              </a:prstGeom>
-              <a:solidFill>
-                <a:srgbClr val="D6E5F0"/>
-              </a:solidFill>
-            </p:spPr>
-            <p:style>
-              <a:lnRef idx="2">
-                <a:schemeClr val="accent1">
-                  <a:shade val="50000"/>
-                </a:schemeClr>
-              </a:lnRef>
-              <a:fillRef idx="1">
-                <a:schemeClr val="accent1"/>
-              </a:fillRef>
-              <a:effectRef idx="0">
-                <a:schemeClr val="accent1"/>
-              </a:effectRef>
-              <a:fontRef idx="minor">
-                <a:schemeClr val="lt1"/>
-              </a:fontRef>
-            </p:style>
-            <p:txBody>
-              <a:bodyPr rtlCol="0" anchor="ctr"/>
-              <a:lstStyle/>
-              <a:p>
-                <a:pPr algn="ctr"/>
-                <a:endParaRPr lang="en-US" sz="1350"/>
-              </a:p>
-            </p:txBody>
-          </p:sp>
-          <p:sp>
-            <p:nvSpPr>
-              <p:cNvPr id="61" name="Rectangle 60">
-                <a:extLst>
-                  <a:ext uri="{FF2B5EF4-FFF2-40B4-BE49-F238E27FC236}">
-                    <a16:creationId xmlns:a16="http://schemas.microsoft.com/office/drawing/2014/main" id="{7F6B4736-52FF-49A0-B27F-1FF76A953F43}"/>
-                  </a:ext>
-                </a:extLst>
-              </p:cNvPr>
-              <p:cNvSpPr/>
-              <p:nvPr/>
-            </p:nvSpPr>
-            <p:spPr>
-              <a:xfrm>
-                <a:off x="21483123" y="6721369"/>
-                <a:ext cx="440857" cy="247772"/>
-              </a:xfrm>
-              <a:prstGeom prst="rect">
-                <a:avLst/>
-              </a:prstGeom>
-              <a:solidFill>
-                <a:srgbClr val="F9D0D0"/>
-              </a:solidFill>
-            </p:spPr>
-            <p:style>
-              <a:lnRef idx="2">
-                <a:schemeClr val="accent1">
-                  <a:shade val="50000"/>
-                </a:schemeClr>
-              </a:lnRef>
-              <a:fillRef idx="1">
-                <a:schemeClr val="accent1"/>
-              </a:fillRef>
-              <a:effectRef idx="0">
-                <a:schemeClr val="accent1"/>
-              </a:effectRef>
-              <a:fontRef idx="minor">
-                <a:schemeClr val="lt1"/>
-              </a:fontRef>
-            </p:style>
-            <p:txBody>
-              <a:bodyPr rtlCol="0" anchor="ctr"/>
-              <a:lstStyle/>
-              <a:p>
-                <a:pPr algn="ctr"/>
-                <a:endParaRPr lang="en-US" sz="1350"/>
-              </a:p>
-            </p:txBody>
-          </p:sp>
-          <p:sp>
-            <p:nvSpPr>
-              <p:cNvPr id="63" name="TextBox 62">
-                <a:extLst>
-                  <a:ext uri="{FF2B5EF4-FFF2-40B4-BE49-F238E27FC236}">
-                    <a16:creationId xmlns:a16="http://schemas.microsoft.com/office/drawing/2014/main" id="{D5015076-DE85-43C4-8EC8-6DD7D1AB233B}"/>
-                  </a:ext>
-                </a:extLst>
-              </p:cNvPr>
-              <p:cNvSpPr txBox="1"/>
-              <p:nvPr/>
-            </p:nvSpPr>
-            <p:spPr>
-              <a:xfrm>
-                <a:off x="22108850" y="6619896"/>
-                <a:ext cx="2589631" cy="430887"/>
-              </a:xfrm>
-              <a:prstGeom prst="rect">
-                <a:avLst/>
-              </a:prstGeom>
-              <a:solidFill>
-                <a:schemeClr val="bg1"/>
-              </a:solidFill>
-            </p:spPr>
-            <p:txBody>
-              <a:bodyPr wrap="square" rtlCol="0">
-                <a:spAutoFit/>
-              </a:bodyPr>
-              <a:lstStyle/>
-              <a:p>
-                <a:r>
-                  <a:rPr lang="en-US" sz="1500" dirty="0">
-                    <a:solidFill>
-                      <a:srgbClr val="202124"/>
-                    </a:solidFill>
-                    <a:latin typeface="Times New Roman" panose="02020603050405020304" pitchFamily="18" charset="0"/>
-                    <a:cs typeface="Times New Roman" panose="02020603050405020304" pitchFamily="18" charset="0"/>
-                  </a:rPr>
-                  <a:t>False Positives</a:t>
-                </a:r>
-              </a:p>
-            </p:txBody>
-          </p:sp>
-        </p:grpSp>
-        <p:grpSp>
-          <p:nvGrpSpPr>
-            <p:cNvPr id="64" name="Group 63">
-              <a:extLst>
-                <a:ext uri="{FF2B5EF4-FFF2-40B4-BE49-F238E27FC236}">
-                  <a16:creationId xmlns:a16="http://schemas.microsoft.com/office/drawing/2014/main" id="{719C066B-6CDF-4AB7-A341-42996CC4142A}"/>
-                </a:ext>
-              </a:extLst>
-            </p:cNvPr>
-            <p:cNvGrpSpPr/>
-            <p:nvPr/>
-          </p:nvGrpSpPr>
-          <p:grpSpPr>
-            <a:xfrm>
-              <a:off x="6187711" y="27588084"/>
-              <a:ext cx="3222211" cy="830998"/>
-              <a:chOff x="21483123" y="6219785"/>
-              <a:chExt cx="3222211" cy="830998"/>
-            </a:xfrm>
-          </p:grpSpPr>
-          <p:sp>
-            <p:nvSpPr>
-              <p:cNvPr id="66" name="TextBox 65">
-                <a:extLst>
-                  <a:ext uri="{FF2B5EF4-FFF2-40B4-BE49-F238E27FC236}">
-                    <a16:creationId xmlns:a16="http://schemas.microsoft.com/office/drawing/2014/main" id="{F6A9A14F-DE9A-4E34-A3AD-987CA20065DF}"/>
-                  </a:ext>
-                </a:extLst>
-              </p:cNvPr>
-              <p:cNvSpPr txBox="1"/>
-              <p:nvPr/>
-            </p:nvSpPr>
-            <p:spPr>
-              <a:xfrm>
-                <a:off x="22115703" y="6219785"/>
-                <a:ext cx="2589631" cy="430887"/>
-              </a:xfrm>
-              <a:prstGeom prst="rect">
-                <a:avLst/>
-              </a:prstGeom>
-              <a:solidFill>
-                <a:schemeClr val="bg1"/>
-              </a:solidFill>
-            </p:spPr>
-            <p:txBody>
-              <a:bodyPr wrap="square" rtlCol="0">
-                <a:spAutoFit/>
-              </a:bodyPr>
-              <a:lstStyle/>
-              <a:p>
-                <a:r>
-                  <a:rPr lang="en-US" sz="1500" dirty="0">
-                    <a:solidFill>
-                      <a:srgbClr val="202124"/>
-                    </a:solidFill>
-                    <a:latin typeface="Times New Roman" panose="02020603050405020304" pitchFamily="18" charset="0"/>
-                    <a:cs typeface="Times New Roman" panose="02020603050405020304" pitchFamily="18" charset="0"/>
-                  </a:rPr>
-                  <a:t>BindingDB</a:t>
-                </a:r>
-              </a:p>
-            </p:txBody>
-          </p:sp>
-          <p:sp>
-            <p:nvSpPr>
-              <p:cNvPr id="67" name="Rectangle 66">
-                <a:extLst>
-                  <a:ext uri="{FF2B5EF4-FFF2-40B4-BE49-F238E27FC236}">
-                    <a16:creationId xmlns:a16="http://schemas.microsoft.com/office/drawing/2014/main" id="{F5953856-B72D-4B40-A7C2-F11A2D832027}"/>
-                  </a:ext>
-                </a:extLst>
-              </p:cNvPr>
-              <p:cNvSpPr/>
-              <p:nvPr/>
-            </p:nvSpPr>
-            <p:spPr>
-              <a:xfrm>
-                <a:off x="21483123" y="6296644"/>
-                <a:ext cx="440857" cy="247772"/>
-              </a:xfrm>
-              <a:prstGeom prst="rect">
-                <a:avLst/>
-              </a:prstGeom>
-              <a:solidFill>
-                <a:srgbClr val="D6E5F0"/>
-              </a:solidFill>
-            </p:spPr>
-            <p:style>
-              <a:lnRef idx="2">
-                <a:schemeClr val="accent1">
-                  <a:shade val="50000"/>
-                </a:schemeClr>
-              </a:lnRef>
-              <a:fillRef idx="1">
-                <a:schemeClr val="accent1"/>
-              </a:fillRef>
-              <a:effectRef idx="0">
-                <a:schemeClr val="accent1"/>
-              </a:effectRef>
-              <a:fontRef idx="minor">
-                <a:schemeClr val="lt1"/>
-              </a:fontRef>
-            </p:style>
-            <p:txBody>
-              <a:bodyPr rtlCol="0" anchor="ctr"/>
-              <a:lstStyle/>
-              <a:p>
-                <a:pPr algn="ctr"/>
-                <a:endParaRPr lang="en-US" sz="1350"/>
-              </a:p>
-            </p:txBody>
-          </p:sp>
-          <p:sp>
-            <p:nvSpPr>
-              <p:cNvPr id="68" name="Rectangle 67">
-                <a:extLst>
-                  <a:ext uri="{FF2B5EF4-FFF2-40B4-BE49-F238E27FC236}">
-                    <a16:creationId xmlns:a16="http://schemas.microsoft.com/office/drawing/2014/main" id="{C28C6193-24A3-4251-B773-5E4EA139D009}"/>
-                  </a:ext>
-                </a:extLst>
-              </p:cNvPr>
-              <p:cNvSpPr/>
-              <p:nvPr/>
-            </p:nvSpPr>
-            <p:spPr>
-              <a:xfrm>
-                <a:off x="21483123" y="6721369"/>
-                <a:ext cx="440857" cy="247772"/>
-              </a:xfrm>
-              <a:prstGeom prst="rect">
-                <a:avLst/>
-              </a:prstGeom>
-              <a:solidFill>
-                <a:srgbClr val="F9D0D0"/>
-              </a:solidFill>
-            </p:spPr>
-            <p:style>
-              <a:lnRef idx="2">
-                <a:schemeClr val="accent1">
-                  <a:shade val="50000"/>
-                </a:schemeClr>
-              </a:lnRef>
-              <a:fillRef idx="1">
-                <a:schemeClr val="accent1"/>
-              </a:fillRef>
-              <a:effectRef idx="0">
-                <a:schemeClr val="accent1"/>
-              </a:effectRef>
-              <a:fontRef idx="minor">
-                <a:schemeClr val="lt1"/>
-              </a:fontRef>
-            </p:style>
-            <p:txBody>
-              <a:bodyPr rtlCol="0" anchor="ctr"/>
-              <a:lstStyle/>
-              <a:p>
-                <a:pPr algn="ctr"/>
-                <a:endParaRPr lang="en-US" sz="1350"/>
-              </a:p>
-            </p:txBody>
-          </p:sp>
-          <p:sp>
-            <p:nvSpPr>
-              <p:cNvPr id="69" name="TextBox 68">
-                <a:extLst>
-                  <a:ext uri="{FF2B5EF4-FFF2-40B4-BE49-F238E27FC236}">
-                    <a16:creationId xmlns:a16="http://schemas.microsoft.com/office/drawing/2014/main" id="{E5B28F7F-F013-4B27-85DB-7E2ADC79EA93}"/>
-                  </a:ext>
-                </a:extLst>
-              </p:cNvPr>
-              <p:cNvSpPr txBox="1"/>
-              <p:nvPr/>
-            </p:nvSpPr>
-            <p:spPr>
-              <a:xfrm>
-                <a:off x="22108850" y="6619896"/>
-                <a:ext cx="2589631" cy="430887"/>
-              </a:xfrm>
-              <a:prstGeom prst="rect">
-                <a:avLst/>
-              </a:prstGeom>
-              <a:solidFill>
-                <a:schemeClr val="bg1"/>
-              </a:solidFill>
-            </p:spPr>
-            <p:txBody>
-              <a:bodyPr wrap="square" rtlCol="0">
-                <a:spAutoFit/>
-              </a:bodyPr>
-              <a:lstStyle/>
-              <a:p>
-                <a:r>
-                  <a:rPr lang="en-US" sz="1500" dirty="0">
-                    <a:solidFill>
-                      <a:srgbClr val="202124"/>
-                    </a:solidFill>
-                    <a:latin typeface="Times New Roman" panose="02020603050405020304" pitchFamily="18" charset="0"/>
-                    <a:cs typeface="Times New Roman" panose="02020603050405020304" pitchFamily="18" charset="0"/>
-                  </a:rPr>
-                  <a:t>False Positives</a:t>
-                </a:r>
-              </a:p>
-            </p:txBody>
-          </p:sp>
-        </p:grpSp>
-        <p:sp>
-          <p:nvSpPr>
-            <p:cNvPr id="73" name="Rectangle: Rounded Corners 72">
-              <a:extLst>
-                <a:ext uri="{FF2B5EF4-FFF2-40B4-BE49-F238E27FC236}">
-                  <a16:creationId xmlns:a16="http://schemas.microsoft.com/office/drawing/2014/main" id="{227389F7-E558-4A65-A53F-BFC121F61B4A}"/>
-                </a:ext>
-              </a:extLst>
-            </p:cNvPr>
-            <p:cNvSpPr/>
-            <p:nvPr/>
-          </p:nvSpPr>
-          <p:spPr>
-            <a:xfrm>
-              <a:off x="11544391" y="20478671"/>
-              <a:ext cx="4028276" cy="8580061"/>
-            </a:xfrm>
-            <a:prstGeom prst="roundRect">
-              <a:avLst/>
-            </a:prstGeom>
-            <a:noFill/>
-            <a:ln w="38100">
-              <a:solidFill>
-                <a:srgbClr val="F9D1D1"/>
-              </a:solidFill>
-            </a:ln>
-          </p:spPr>
-          <p:style>
-            <a:lnRef idx="2">
-              <a:schemeClr val="accent1">
-                <a:shade val="50000"/>
-              </a:schemeClr>
-            </a:lnRef>
-            <a:fillRef idx="1">
-              <a:schemeClr val="accent1"/>
-            </a:fillRef>
-            <a:effectRef idx="0">
-              <a:schemeClr val="accent1"/>
-            </a:effectRef>
-            <a:fontRef idx="minor">
-              <a:schemeClr val="lt1"/>
-            </a:fontRef>
-          </p:style>
-          <p:txBody>
-            <a:bodyPr rtlCol="0" anchor="ctr"/>
-            <a:lstStyle/>
-            <a:p>
-              <a:pPr algn="ctr"/>
-              <a:endParaRPr lang="en-US" sz="1350"/>
-            </a:p>
-          </p:txBody>
-        </p:sp>
-        <p:sp>
-          <p:nvSpPr>
-            <p:cNvPr id="74" name="Rectangle: Rounded Corners 73">
-              <a:extLst>
-                <a:ext uri="{FF2B5EF4-FFF2-40B4-BE49-F238E27FC236}">
-                  <a16:creationId xmlns:a16="http://schemas.microsoft.com/office/drawing/2014/main" id="{BE6AAD49-2B58-4AA5-8DCE-DF6683C855DF}"/>
-                </a:ext>
-              </a:extLst>
-            </p:cNvPr>
-            <p:cNvSpPr/>
-            <p:nvPr/>
-          </p:nvSpPr>
-          <p:spPr>
-            <a:xfrm>
-              <a:off x="16071314" y="20440651"/>
-              <a:ext cx="4028276" cy="8580061"/>
-            </a:xfrm>
-            <a:prstGeom prst="roundRect">
-              <a:avLst/>
-            </a:prstGeom>
-            <a:noFill/>
-            <a:ln w="38100">
-              <a:solidFill>
-                <a:srgbClr val="F9D1D1"/>
-              </a:solidFill>
-            </a:ln>
-          </p:spPr>
-          <p:style>
-            <a:lnRef idx="2">
-              <a:schemeClr val="accent1">
-                <a:shade val="50000"/>
-              </a:schemeClr>
-            </a:lnRef>
-            <a:fillRef idx="1">
-              <a:schemeClr val="accent1"/>
-            </a:fillRef>
-            <a:effectRef idx="0">
-              <a:schemeClr val="accent1"/>
-            </a:effectRef>
-            <a:fontRef idx="minor">
-              <a:schemeClr val="lt1"/>
-            </a:fontRef>
-          </p:style>
-          <p:txBody>
-            <a:bodyPr rtlCol="0" anchor="ctr"/>
-            <a:lstStyle/>
-            <a:p>
-              <a:pPr algn="ctr"/>
-              <a:endParaRPr lang="en-US" sz="1350"/>
-            </a:p>
-          </p:txBody>
-        </p:sp>
-        <p:sp>
-          <p:nvSpPr>
-            <p:cNvPr id="75" name="Rectangle: Rounded Corners 74">
-              <a:extLst>
-                <a:ext uri="{FF2B5EF4-FFF2-40B4-BE49-F238E27FC236}">
-                  <a16:creationId xmlns:a16="http://schemas.microsoft.com/office/drawing/2014/main" id="{7419B6A4-218E-49BA-B238-CCDDB4982227}"/>
-                </a:ext>
-              </a:extLst>
-            </p:cNvPr>
-            <p:cNvSpPr/>
-            <p:nvPr/>
-          </p:nvSpPr>
-          <p:spPr>
-            <a:xfrm>
-              <a:off x="20484289" y="20478671"/>
-              <a:ext cx="4028276" cy="8580061"/>
-            </a:xfrm>
-            <a:prstGeom prst="roundRect">
-              <a:avLst/>
-            </a:prstGeom>
-            <a:noFill/>
-            <a:ln w="38100">
-              <a:solidFill>
-                <a:srgbClr val="F9D1D1"/>
-              </a:solidFill>
-            </a:ln>
-          </p:spPr>
-          <p:style>
-            <a:lnRef idx="2">
-              <a:schemeClr val="accent1">
-                <a:shade val="50000"/>
-              </a:schemeClr>
-            </a:lnRef>
-            <a:fillRef idx="1">
-              <a:schemeClr val="accent1"/>
-            </a:fillRef>
-            <a:effectRef idx="0">
-              <a:schemeClr val="accent1"/>
-            </a:effectRef>
-            <a:fontRef idx="minor">
-              <a:schemeClr val="lt1"/>
-            </a:fontRef>
-          </p:style>
-          <p:txBody>
-            <a:bodyPr rtlCol="0" anchor="ctr"/>
-            <a:lstStyle/>
-            <a:p>
-              <a:pPr algn="ctr"/>
-              <a:endParaRPr lang="en-US" sz="1350"/>
-            </a:p>
-          </p:txBody>
-        </p:sp>
-        <p:sp>
-          <p:nvSpPr>
-            <p:cNvPr id="78" name="TextBox 77">
-              <a:extLst>
-                <a:ext uri="{FF2B5EF4-FFF2-40B4-BE49-F238E27FC236}">
-                  <a16:creationId xmlns:a16="http://schemas.microsoft.com/office/drawing/2014/main" id="{5E8BE009-CC8D-4DBF-9680-5FE20E233029}"/>
-                </a:ext>
-              </a:extLst>
-            </p:cNvPr>
-            <p:cNvSpPr txBox="1"/>
-            <p:nvPr/>
-          </p:nvSpPr>
-          <p:spPr>
-            <a:xfrm>
-              <a:off x="17494970" y="14060958"/>
-              <a:ext cx="2324964" cy="1548800"/>
+              <a:off x="14684886" y="15822169"/>
+              <a:ext cx="1868613" cy="1207083"/>
             </a:xfrm>
             <a:prstGeom prst="rect">
               <a:avLst/>
@@ -5524,281 +5285,7 @@
                   <a:latin typeface="Times New Roman" panose="02020603050405020304" pitchFamily="18" charset="0"/>
                   <a:cs typeface="Times New Roman" panose="02020603050405020304" pitchFamily="18" charset="0"/>
                 </a:rPr>
-                <a:t>= </a:t>
-              </a:r>
-              <a:r>
-                <a:rPr lang="en-US" sz="2274" dirty="0">
-                  <a:latin typeface="Times New Roman" panose="02020603050405020304" pitchFamily="18" charset="0"/>
-                  <a:cs typeface="Times New Roman" panose="02020603050405020304" pitchFamily="18" charset="0"/>
-                </a:rPr>
-                <a:t>4</a:t>
-              </a:r>
-            </a:p>
-            <a:p>
-              <a:r>
-                <a:rPr lang="en-US" sz="2273" dirty="0">
-                  <a:latin typeface="Times New Roman" panose="02020603050405020304" pitchFamily="18" charset="0"/>
-                  <a:ea typeface="Calibri" panose="020F0502020204030204" pitchFamily="34" charset="0"/>
-                  <a:cs typeface="Times New Roman" panose="02020603050405020304" pitchFamily="18" charset="0"/>
-                </a:rPr>
-                <a:t>k</a:t>
-              </a:r>
-              <a:r>
-                <a:rPr lang="en-US" sz="2273" baseline="-25000" dirty="0">
-                  <a:latin typeface="Times New Roman" panose="02020603050405020304" pitchFamily="18" charset="0"/>
-                  <a:ea typeface="Calibri" panose="020F0502020204030204" pitchFamily="34" charset="0"/>
-                  <a:cs typeface="Times New Roman" panose="02020603050405020304" pitchFamily="18" charset="0"/>
-                </a:rPr>
-                <a:t>i</a:t>
-              </a:r>
-              <a:r>
-                <a:rPr lang="en-US" sz="2273" baseline="30000" dirty="0">
-                  <a:latin typeface="Times New Roman" panose="02020603050405020304" pitchFamily="18" charset="0"/>
-                  <a:ea typeface="Calibri" panose="020F0502020204030204" pitchFamily="34" charset="0"/>
-                  <a:cs typeface="Times New Roman" panose="02020603050405020304" pitchFamily="18" charset="0"/>
-                </a:rPr>
-                <a:t>- </a:t>
-              </a:r>
-              <a:r>
-                <a:rPr lang="en-US" sz="2274" dirty="0">
-                  <a:latin typeface="Times New Roman" panose="02020603050405020304" pitchFamily="18" charset="0"/>
-                  <a:cs typeface="Times New Roman" panose="02020603050405020304" pitchFamily="18" charset="0"/>
-                </a:rPr>
-                <a:t>= 1</a:t>
-              </a:r>
-            </a:p>
-            <a:p>
-              <a:r>
-                <a:rPr lang="el-GR" sz="2273" dirty="0">
-                  <a:latin typeface="Times New Roman" panose="02020603050405020304" pitchFamily="18" charset="0"/>
-                  <a:ea typeface="Calibri" panose="020F0502020204030204" pitchFamily="34" charset="0"/>
-                  <a:cs typeface="Times New Roman" panose="02020603050405020304" pitchFamily="18" charset="0"/>
-                </a:rPr>
-                <a:t>ρ</a:t>
-              </a:r>
-              <a:r>
-                <a:rPr lang="en-US" sz="2273" baseline="-25000" dirty="0">
-                  <a:latin typeface="Times New Roman" panose="02020603050405020304" pitchFamily="18" charset="0"/>
-                  <a:ea typeface="Calibri" panose="020F0502020204030204" pitchFamily="34" charset="0"/>
-                  <a:cs typeface="Times New Roman" panose="02020603050405020304" pitchFamily="18" charset="0"/>
-                </a:rPr>
-                <a:t>i </a:t>
-              </a:r>
-              <a:r>
-                <a:rPr lang="el-GR" sz="2400" dirty="0">
-                  <a:solidFill>
-                    <a:srgbClr val="202124"/>
-                  </a:solidFill>
-                  <a:latin typeface="Times New Roman" panose="02020603050405020304" pitchFamily="18" charset="0"/>
-                  <a:cs typeface="Times New Roman" panose="02020603050405020304" pitchFamily="18" charset="0"/>
-                </a:rPr>
-                <a:t> </a:t>
-              </a:r>
-              <a:r>
-                <a:rPr lang="en-US" sz="2274" dirty="0">
-                  <a:latin typeface="Times New Roman" panose="02020603050405020304" pitchFamily="18" charset="0"/>
-                  <a:cs typeface="Times New Roman" panose="02020603050405020304" pitchFamily="18" charset="0"/>
-                </a:rPr>
-                <a:t>= 0.8</a:t>
-              </a:r>
-            </a:p>
-          </p:txBody>
-        </p:sp>
-        <p:sp>
-          <p:nvSpPr>
-            <p:cNvPr id="79" name="TextBox 78">
-              <a:extLst>
-                <a:ext uri="{FF2B5EF4-FFF2-40B4-BE49-F238E27FC236}">
-                  <a16:creationId xmlns:a16="http://schemas.microsoft.com/office/drawing/2014/main" id="{F4BEAC3A-4006-47F9-877E-98FF9C8D6456}"/>
-                </a:ext>
-              </a:extLst>
-            </p:cNvPr>
-            <p:cNvSpPr txBox="1"/>
-            <p:nvPr/>
-          </p:nvSpPr>
-          <p:spPr>
-            <a:xfrm>
-              <a:off x="21864642" y="14179060"/>
-              <a:ext cx="2324964" cy="1548800"/>
-            </a:xfrm>
-            <a:prstGeom prst="rect">
-              <a:avLst/>
-            </a:prstGeom>
-            <a:noFill/>
-          </p:spPr>
-          <p:txBody>
-            <a:bodyPr wrap="square" rtlCol="0">
-              <a:spAutoFit/>
-            </a:bodyPr>
-            <a:lstStyle/>
-            <a:p>
-              <a:r>
-                <a:rPr lang="en-US" sz="2273" dirty="0">
-                  <a:latin typeface="Times New Roman" panose="02020603050405020304" pitchFamily="18" charset="0"/>
-                  <a:ea typeface="Calibri" panose="020F0502020204030204" pitchFamily="34" charset="0"/>
-                  <a:cs typeface="Times New Roman" panose="02020603050405020304" pitchFamily="18" charset="0"/>
-                </a:rPr>
-                <a:t>k</a:t>
-              </a:r>
-              <a:r>
-                <a:rPr lang="en-US" sz="2273" baseline="-25000" dirty="0">
-                  <a:latin typeface="Times New Roman" panose="02020603050405020304" pitchFamily="18" charset="0"/>
-                  <a:ea typeface="Calibri" panose="020F0502020204030204" pitchFamily="34" charset="0"/>
-                  <a:cs typeface="Times New Roman" panose="02020603050405020304" pitchFamily="18" charset="0"/>
-                </a:rPr>
-                <a:t>i</a:t>
-              </a:r>
-              <a:r>
-                <a:rPr lang="en-US" sz="2273" baseline="30000" dirty="0">
-                  <a:latin typeface="Times New Roman" panose="02020603050405020304" pitchFamily="18" charset="0"/>
-                  <a:ea typeface="Calibri" panose="020F0502020204030204" pitchFamily="34" charset="0"/>
-                  <a:cs typeface="Times New Roman" panose="02020603050405020304" pitchFamily="18" charset="0"/>
-                </a:rPr>
-                <a:t>+ </a:t>
-              </a:r>
-              <a:r>
-                <a:rPr lang="en-US" sz="2273" dirty="0">
-                  <a:latin typeface="Times New Roman" panose="02020603050405020304" pitchFamily="18" charset="0"/>
-                  <a:cs typeface="Times New Roman" panose="02020603050405020304" pitchFamily="18" charset="0"/>
-                </a:rPr>
-                <a:t>= </a:t>
-              </a:r>
-              <a:r>
-                <a:rPr lang="en-US" sz="2274" dirty="0">
-                  <a:latin typeface="Times New Roman" panose="02020603050405020304" pitchFamily="18" charset="0"/>
-                  <a:cs typeface="Times New Roman" panose="02020603050405020304" pitchFamily="18" charset="0"/>
-                </a:rPr>
-                <a:t>1</a:t>
-              </a:r>
-            </a:p>
-            <a:p>
-              <a:r>
-                <a:rPr lang="en-US" sz="2273" dirty="0">
-                  <a:latin typeface="Times New Roman" panose="02020603050405020304" pitchFamily="18" charset="0"/>
-                  <a:ea typeface="Calibri" panose="020F0502020204030204" pitchFamily="34" charset="0"/>
-                  <a:cs typeface="Times New Roman" panose="02020603050405020304" pitchFamily="18" charset="0"/>
-                </a:rPr>
-                <a:t>k</a:t>
-              </a:r>
-              <a:r>
-                <a:rPr lang="en-US" sz="2273" baseline="-25000" dirty="0">
-                  <a:latin typeface="Times New Roman" panose="02020603050405020304" pitchFamily="18" charset="0"/>
-                  <a:ea typeface="Calibri" panose="020F0502020204030204" pitchFamily="34" charset="0"/>
-                  <a:cs typeface="Times New Roman" panose="02020603050405020304" pitchFamily="18" charset="0"/>
-                </a:rPr>
-                <a:t>i</a:t>
-              </a:r>
-              <a:r>
-                <a:rPr lang="en-US" sz="2273" baseline="30000" dirty="0">
-                  <a:latin typeface="Times New Roman" panose="02020603050405020304" pitchFamily="18" charset="0"/>
-                  <a:ea typeface="Calibri" panose="020F0502020204030204" pitchFamily="34" charset="0"/>
-                  <a:cs typeface="Times New Roman" panose="02020603050405020304" pitchFamily="18" charset="0"/>
-                </a:rPr>
-                <a:t>- </a:t>
-              </a:r>
-              <a:r>
-                <a:rPr lang="en-US" sz="2274" dirty="0">
-                  <a:latin typeface="Times New Roman" panose="02020603050405020304" pitchFamily="18" charset="0"/>
-                  <a:cs typeface="Times New Roman" panose="02020603050405020304" pitchFamily="18" charset="0"/>
-                </a:rPr>
-                <a:t>= 0</a:t>
-              </a:r>
-            </a:p>
-            <a:p>
-              <a:r>
-                <a:rPr lang="el-GR" sz="2273" dirty="0">
-                  <a:latin typeface="Times New Roman" panose="02020603050405020304" pitchFamily="18" charset="0"/>
-                  <a:ea typeface="Calibri" panose="020F0502020204030204" pitchFamily="34" charset="0"/>
-                  <a:cs typeface="Times New Roman" panose="02020603050405020304" pitchFamily="18" charset="0"/>
-                </a:rPr>
-                <a:t>ρ</a:t>
-              </a:r>
-              <a:r>
-                <a:rPr lang="en-US" sz="2273" baseline="-25000" dirty="0">
-                  <a:latin typeface="Times New Roman" panose="02020603050405020304" pitchFamily="18" charset="0"/>
-                  <a:ea typeface="Calibri" panose="020F0502020204030204" pitchFamily="34" charset="0"/>
-                  <a:cs typeface="Times New Roman" panose="02020603050405020304" pitchFamily="18" charset="0"/>
-                </a:rPr>
-                <a:t>i </a:t>
-              </a:r>
-              <a:r>
-                <a:rPr lang="el-GR" sz="2400" dirty="0">
-                  <a:solidFill>
-                    <a:srgbClr val="202124"/>
-                  </a:solidFill>
-                  <a:latin typeface="Times New Roman" panose="02020603050405020304" pitchFamily="18" charset="0"/>
-                  <a:cs typeface="Times New Roman" panose="02020603050405020304" pitchFamily="18" charset="0"/>
-                </a:rPr>
-                <a:t> </a:t>
-              </a:r>
-              <a:r>
-                <a:rPr lang="en-US" sz="2274" dirty="0">
-                  <a:latin typeface="Times New Roman" panose="02020603050405020304" pitchFamily="18" charset="0"/>
-                  <a:cs typeface="Times New Roman" panose="02020603050405020304" pitchFamily="18" charset="0"/>
-                </a:rPr>
-                <a:t>= 1.0</a:t>
-              </a:r>
-            </a:p>
-          </p:txBody>
-        </p:sp>
-        <p:sp>
-          <p:nvSpPr>
-            <p:cNvPr id="80" name="TextBox 79">
-              <a:extLst>
-                <a:ext uri="{FF2B5EF4-FFF2-40B4-BE49-F238E27FC236}">
-                  <a16:creationId xmlns:a16="http://schemas.microsoft.com/office/drawing/2014/main" id="{EC722727-EB3F-41CA-8325-730B1C1B1328}"/>
-                </a:ext>
-              </a:extLst>
-            </p:cNvPr>
-            <p:cNvSpPr txBox="1"/>
-            <p:nvPr/>
-          </p:nvSpPr>
-          <p:spPr>
-            <a:xfrm>
-              <a:off x="12746609" y="26962942"/>
-              <a:ext cx="2324964" cy="1548544"/>
-            </a:xfrm>
-            <a:prstGeom prst="rect">
-              <a:avLst/>
-            </a:prstGeom>
-            <a:noFill/>
-          </p:spPr>
-          <p:txBody>
-            <a:bodyPr wrap="square" rtlCol="0">
-              <a:spAutoFit/>
-            </a:bodyPr>
-            <a:lstStyle/>
-            <a:p>
-              <a:r>
-                <a:rPr lang="en-US" sz="2273" dirty="0">
-                  <a:latin typeface="Times New Roman" panose="02020603050405020304" pitchFamily="18" charset="0"/>
-                  <a:ea typeface="Calibri" panose="020F0502020204030204" pitchFamily="34" charset="0"/>
-                  <a:cs typeface="Times New Roman" panose="02020603050405020304" pitchFamily="18" charset="0"/>
-                </a:rPr>
-                <a:t>k</a:t>
-              </a:r>
-              <a:r>
-                <a:rPr lang="en-US" sz="2273" baseline="-25000" dirty="0">
-                  <a:latin typeface="Times New Roman" panose="02020603050405020304" pitchFamily="18" charset="0"/>
-                  <a:ea typeface="Calibri" panose="020F0502020204030204" pitchFamily="34" charset="0"/>
-                  <a:cs typeface="Times New Roman" panose="02020603050405020304" pitchFamily="18" charset="0"/>
-                </a:rPr>
-                <a:t>i</a:t>
-              </a:r>
-              <a:r>
-                <a:rPr lang="en-US" sz="2273" baseline="30000" dirty="0">
-                  <a:latin typeface="Times New Roman" panose="02020603050405020304" pitchFamily="18" charset="0"/>
-                  <a:ea typeface="Calibri" panose="020F0502020204030204" pitchFamily="34" charset="0"/>
-                  <a:cs typeface="Times New Roman" panose="02020603050405020304" pitchFamily="18" charset="0"/>
-                </a:rPr>
-                <a:t>+ </a:t>
-              </a:r>
-              <a:r>
-                <a:rPr lang="en-US" sz="2273" dirty="0">
-                  <a:latin typeface="Times New Roman" panose="02020603050405020304" pitchFamily="18" charset="0"/>
-                  <a:cs typeface="Times New Roman" panose="02020603050405020304" pitchFamily="18" charset="0"/>
-                </a:rPr>
-                <a:t>= 10</a:t>
+                <a:t>= 9</a:t>
               </a:r>
               <a:endParaRPr lang="en-US" sz="2274" dirty="0">
                 <a:latin typeface="Times New Roman" panose="02020603050405020304" pitchFamily="18" charset="0"/>
@@ -5835,7 +5322,7 @@
                   <a:latin typeface="Times New Roman" panose="02020603050405020304" pitchFamily="18" charset="0"/>
                   <a:cs typeface="Times New Roman" panose="02020603050405020304" pitchFamily="18" charset="0"/>
                 </a:rPr>
-                <a:t>= 5</a:t>
+                <a:t>= 2</a:t>
               </a:r>
             </a:p>
             <a:p>
@@ -5870,17 +5357,17 @@
                   <a:latin typeface="Times New Roman" panose="02020603050405020304" pitchFamily="18" charset="0"/>
                   <a:cs typeface="Times New Roman" panose="02020603050405020304" pitchFamily="18" charset="0"/>
                 </a:rPr>
-                <a:t>= 0.67</a:t>
+                <a:t>= 0.82</a:t>
               </a:r>
             </a:p>
           </p:txBody>
         </p:sp>
         <p:sp>
           <p:nvSpPr>
-            <p:cNvPr id="81" name="TextBox 80">
+            <p:cNvPr id="148" name="TextBox 147">
               <a:extLst>
                 <a:ext uri="{FF2B5EF4-FFF2-40B4-BE49-F238E27FC236}">
-                  <a16:creationId xmlns:a16="http://schemas.microsoft.com/office/drawing/2014/main" id="{9D05960D-1609-4236-92B7-6F3CE7060C32}"/>
+                  <a16:creationId xmlns:a16="http://schemas.microsoft.com/office/drawing/2014/main" id="{73A5A4C2-1FBA-40F5-8341-9DCD14681BF7}"/>
                 </a:ext>
               </a:extLst>
             </p:cNvPr>
@@ -5889,142 +5376,8 @@
           </p:nvSpPr>
           <p:spPr>
             <a:xfrm>
-              <a:off x="17291954" y="26962942"/>
-              <a:ext cx="2324964" cy="1548544"/>
-            </a:xfrm>
-            <a:prstGeom prst="rect">
-              <a:avLst/>
-            </a:prstGeom>
-            <a:noFill/>
-          </p:spPr>
-          <p:txBody>
-            <a:bodyPr wrap="square" rtlCol="0">
-              <a:spAutoFit/>
-            </a:bodyPr>
-            <a:lstStyle/>
-            <a:p>
-              <a:r>
-                <a:rPr lang="en-US" sz="2273" dirty="0">
-                  <a:latin typeface="Times New Roman" panose="02020603050405020304" pitchFamily="18" charset="0"/>
-                  <a:ea typeface="Calibri" panose="020F0502020204030204" pitchFamily="34" charset="0"/>
-                  <a:cs typeface="Times New Roman" panose="02020603050405020304" pitchFamily="18" charset="0"/>
-                </a:rPr>
-                <a:t>k</a:t>
-              </a:r>
-              <a:r>
-                <a:rPr lang="en-US" sz="2273" baseline="-25000" dirty="0">
-                  <a:latin typeface="Times New Roman" panose="02020603050405020304" pitchFamily="18" charset="0"/>
-                  <a:ea typeface="Calibri" panose="020F0502020204030204" pitchFamily="34" charset="0"/>
-                  <a:cs typeface="Times New Roman" panose="02020603050405020304" pitchFamily="18" charset="0"/>
-                </a:rPr>
-                <a:t>i</a:t>
-              </a:r>
-              <a:r>
-                <a:rPr lang="en-US" sz="2273" baseline="30000" dirty="0">
-                  <a:latin typeface="Times New Roman" panose="02020603050405020304" pitchFamily="18" charset="0"/>
-                  <a:ea typeface="Calibri" panose="020F0502020204030204" pitchFamily="34" charset="0"/>
-                  <a:cs typeface="Times New Roman" panose="02020603050405020304" pitchFamily="18" charset="0"/>
-                </a:rPr>
-                <a:t>+ </a:t>
-              </a:r>
-              <a:r>
-                <a:rPr lang="en-US" sz="2273" dirty="0">
-                  <a:latin typeface="Times New Roman" panose="02020603050405020304" pitchFamily="18" charset="0"/>
-                  <a:cs typeface="Times New Roman" panose="02020603050405020304" pitchFamily="18" charset="0"/>
-                </a:rPr>
-                <a:t>= 60</a:t>
-              </a:r>
-              <a:endParaRPr lang="en-US" sz="2274" dirty="0">
-                <a:latin typeface="Times New Roman" panose="02020603050405020304" pitchFamily="18" charset="0"/>
-                <a:cs typeface="Times New Roman" panose="02020603050405020304" pitchFamily="18" charset="0"/>
-              </a:endParaRPr>
-            </a:p>
-            <a:p>
-              <a:r>
-                <a:rPr lang="en-US" sz="2273" dirty="0">
-                  <a:latin typeface="Times New Roman" panose="02020603050405020304" pitchFamily="18" charset="0"/>
-                  <a:ea typeface="Calibri" panose="020F0502020204030204" pitchFamily="34" charset="0"/>
-                  <a:cs typeface="Times New Roman" panose="02020603050405020304" pitchFamily="18" charset="0"/>
-                </a:rPr>
-                <a:t>k</a:t>
-              </a:r>
-              <a:r>
-                <a:rPr lang="en-US" sz="2273" baseline="-25000" dirty="0">
-                  <a:latin typeface="Times New Roman" panose="02020603050405020304" pitchFamily="18" charset="0"/>
-                  <a:ea typeface="Calibri" panose="020F0502020204030204" pitchFamily="34" charset="0"/>
-                  <a:cs typeface="Times New Roman" panose="02020603050405020304" pitchFamily="18" charset="0"/>
-                </a:rPr>
-                <a:t>i</a:t>
-              </a:r>
-              <a:r>
-                <a:rPr lang="en-US" sz="2273" baseline="30000" dirty="0">
-                  <a:latin typeface="Times New Roman" panose="02020603050405020304" pitchFamily="18" charset="0"/>
-                  <a:ea typeface="Calibri" panose="020F0502020204030204" pitchFamily="34" charset="0"/>
-                  <a:cs typeface="Times New Roman" panose="02020603050405020304" pitchFamily="18" charset="0"/>
-                </a:rPr>
-                <a:t>- </a:t>
-              </a:r>
-              <a:r>
-                <a:rPr lang="en-US" sz="2274" dirty="0">
-                  <a:latin typeface="Times New Roman" panose="02020603050405020304" pitchFamily="18" charset="0"/>
-                  <a:cs typeface="Times New Roman" panose="02020603050405020304" pitchFamily="18" charset="0"/>
-                </a:rPr>
-                <a:t>= 18</a:t>
-              </a:r>
-            </a:p>
-            <a:p>
-              <a:r>
-                <a:rPr lang="el-GR" sz="2273" dirty="0">
-                  <a:latin typeface="Times New Roman" panose="02020603050405020304" pitchFamily="18" charset="0"/>
-                  <a:ea typeface="Calibri" panose="020F0502020204030204" pitchFamily="34" charset="0"/>
-                  <a:cs typeface="Times New Roman" panose="02020603050405020304" pitchFamily="18" charset="0"/>
-                </a:rPr>
-                <a:t>ρ</a:t>
-              </a:r>
-              <a:r>
-                <a:rPr lang="en-US" sz="2273" baseline="-25000" dirty="0">
-                  <a:latin typeface="Times New Roman" panose="02020603050405020304" pitchFamily="18" charset="0"/>
-                  <a:ea typeface="Calibri" panose="020F0502020204030204" pitchFamily="34" charset="0"/>
-                  <a:cs typeface="Times New Roman" panose="02020603050405020304" pitchFamily="18" charset="0"/>
-                </a:rPr>
-                <a:t>i </a:t>
-              </a:r>
-              <a:r>
-                <a:rPr lang="el-GR" sz="2400" dirty="0">
-                  <a:solidFill>
-                    <a:srgbClr val="202124"/>
-                  </a:solidFill>
-                  <a:latin typeface="Times New Roman" panose="02020603050405020304" pitchFamily="18" charset="0"/>
-                  <a:cs typeface="Times New Roman" panose="02020603050405020304" pitchFamily="18" charset="0"/>
-                </a:rPr>
-                <a:t> </a:t>
-              </a:r>
-              <a:r>
-                <a:rPr lang="en-US" sz="2274" dirty="0">
-                  <a:latin typeface="Times New Roman" panose="02020603050405020304" pitchFamily="18" charset="0"/>
-                  <a:cs typeface="Times New Roman" panose="02020603050405020304" pitchFamily="18" charset="0"/>
-                </a:rPr>
-                <a:t>= 0.77</a:t>
-              </a:r>
-            </a:p>
-          </p:txBody>
-        </p:sp>
-        <p:sp>
-          <p:nvSpPr>
-            <p:cNvPr id="82" name="TextBox 81">
-              <a:extLst>
-                <a:ext uri="{FF2B5EF4-FFF2-40B4-BE49-F238E27FC236}">
-                  <a16:creationId xmlns:a16="http://schemas.microsoft.com/office/drawing/2014/main" id="{3DF054CA-1D3E-4184-B09D-43703E7E00A8}"/>
-                </a:ext>
-              </a:extLst>
-            </p:cNvPr>
-            <p:cNvSpPr txBox="1"/>
-            <p:nvPr/>
-          </p:nvSpPr>
-          <p:spPr>
-            <a:xfrm>
-              <a:off x="21703551" y="26870710"/>
-              <a:ext cx="2324964" cy="1548544"/>
+              <a:off x="18156984" y="15881276"/>
+              <a:ext cx="1868613" cy="1207083"/>
             </a:xfrm>
             <a:prstGeom prst="rect">
               <a:avLst/>
@@ -6143,12 +5496,288 @@
             </a:p>
           </p:txBody>
         </p:sp>
+      </p:grpSp>
+      <p:sp>
+        <p:nvSpPr>
+          <p:cNvPr id="11" name="Rectangle 10">
+            <a:extLst>
+              <a:ext uri="{FF2B5EF4-FFF2-40B4-BE49-F238E27FC236}">
+                <a16:creationId xmlns:a16="http://schemas.microsoft.com/office/drawing/2014/main" id="{3A544ECB-A4A4-4105-A6E6-AA197965C2FC}"/>
+              </a:ext>
+            </a:extLst>
+          </p:cNvPr>
+          <p:cNvSpPr/>
+          <p:nvPr/>
+        </p:nvSpPr>
+        <p:spPr>
+          <a:xfrm>
+            <a:off x="1975787" y="925794"/>
+            <a:ext cx="2360472" cy="1345383"/>
+          </a:xfrm>
+          <a:prstGeom prst="rect">
+            <a:avLst/>
+          </a:prstGeom>
+          <a:solidFill>
+            <a:schemeClr val="bg1"/>
+          </a:solidFill>
+          <a:ln>
+            <a:solidFill>
+              <a:schemeClr val="bg1"/>
+            </a:solidFill>
+          </a:ln>
+        </p:spPr>
+        <p:style>
+          <a:lnRef idx="2">
+            <a:schemeClr val="accent1">
+              <a:shade val="50000"/>
+            </a:schemeClr>
+          </a:lnRef>
+          <a:fillRef idx="1">
+            <a:schemeClr val="accent1"/>
+          </a:fillRef>
+          <a:effectRef idx="0">
+            <a:schemeClr val="accent1"/>
+          </a:effectRef>
+          <a:fontRef idx="minor">
+            <a:schemeClr val="lt1"/>
+          </a:fontRef>
+        </p:style>
+        <p:txBody>
+          <a:bodyPr rtlCol="0" anchor="ctr"/>
+          <a:lstStyle/>
+          <a:p>
+            <a:pPr algn="ctr"/>
+            <a:endParaRPr lang="en-US"/>
+          </a:p>
+        </p:txBody>
+      </p:sp>
+      <p:pic>
+        <p:nvPicPr>
+          <p:cNvPr id="149" name="Picture 6">
+            <a:extLst>
+              <a:ext uri="{FF2B5EF4-FFF2-40B4-BE49-F238E27FC236}">
+                <a16:creationId xmlns:a16="http://schemas.microsoft.com/office/drawing/2014/main" id="{7B476873-DD9E-47F6-A3F7-86E25668192A}"/>
+              </a:ext>
+            </a:extLst>
+          </p:cNvPr>
+          <p:cNvPicPr>
+            <a:picLocks noChangeAspect="1" noChangeArrowheads="1"/>
+          </p:cNvPicPr>
+          <p:nvPr/>
+        </p:nvPicPr>
+        <p:blipFill>
+          <a:blip r:embed="rId5">
+            <a:extLst>
+              <a:ext uri="{28A0092B-C50C-407E-A947-70E740481C1C}">
+                <a14:useLocalDpi xmlns:a14="http://schemas.microsoft.com/office/drawing/2010/main" val="0"/>
+              </a:ext>
+            </a:extLst>
+          </a:blip>
+          <a:srcRect/>
+          <a:stretch>
+            <a:fillRect/>
+          </a:stretch>
+        </p:blipFill>
+        <p:spPr bwMode="auto">
+          <a:xfrm>
+            <a:off x="2086454" y="1074336"/>
+            <a:ext cx="6529249" cy="4430562"/>
+          </a:xfrm>
+          <a:prstGeom prst="rect">
+            <a:avLst/>
+          </a:prstGeom>
+          <a:noFill/>
+          <a:extLst>
+            <a:ext uri="{909E8E84-426E-40DD-AFC4-6F175D3DCCD1}">
+              <a14:hiddenFill xmlns:a14="http://schemas.microsoft.com/office/drawing/2010/main">
+                <a:solidFill>
+                  <a:srgbClr val="FFFFFF"/>
+                </a:solidFill>
+              </a14:hiddenFill>
+            </a:ext>
+          </a:extLst>
+        </p:spPr>
+      </p:pic>
+      <p:sp>
+        <p:nvSpPr>
+          <p:cNvPr id="150" name="TextBox 149">
+            <a:extLst>
+              <a:ext uri="{FF2B5EF4-FFF2-40B4-BE49-F238E27FC236}">
+                <a16:creationId xmlns:a16="http://schemas.microsoft.com/office/drawing/2014/main" id="{B3236A43-A2BA-44E2-9D93-0A6BFE258BB5}"/>
+              </a:ext>
+            </a:extLst>
+          </p:cNvPr>
+          <p:cNvSpPr txBox="1"/>
+          <p:nvPr/>
+        </p:nvSpPr>
+        <p:spPr>
+          <a:xfrm>
+            <a:off x="4666062" y="4960141"/>
+            <a:ext cx="2036338" cy="575785"/>
+          </a:xfrm>
+          <a:prstGeom prst="rect">
+            <a:avLst/>
+          </a:prstGeom>
+          <a:solidFill>
+            <a:schemeClr val="bg1"/>
+          </a:solidFill>
+        </p:spPr>
+        <p:txBody>
+          <a:bodyPr wrap="square" rtlCol="0">
+            <a:spAutoFit/>
+          </a:bodyPr>
+          <a:lstStyle/>
+          <a:p>
+            <a:r>
+              <a:rPr lang="en-US" sz="1500" dirty="0">
+                <a:solidFill>
+                  <a:srgbClr val="202124"/>
+                </a:solidFill>
+                <a:latin typeface="Times New Roman" panose="02020603050405020304" pitchFamily="18" charset="0"/>
+                <a:cs typeface="Times New Roman" panose="02020603050405020304" pitchFamily="18" charset="0"/>
+              </a:rPr>
+              <a:t>Ligand degree ratio (</a:t>
+            </a:r>
+            <a:r>
+              <a:rPr lang="el-GR" sz="1500" dirty="0">
+                <a:solidFill>
+                  <a:srgbClr val="202124"/>
+                </a:solidFill>
+                <a:latin typeface="Times New Roman" panose="02020603050405020304" pitchFamily="18" charset="0"/>
+                <a:cs typeface="Times New Roman" panose="02020603050405020304" pitchFamily="18" charset="0"/>
+              </a:rPr>
+              <a:t>ρ</a:t>
+            </a:r>
+            <a:r>
+              <a:rPr lang="en-US" sz="1500" dirty="0">
+                <a:solidFill>
+                  <a:srgbClr val="202124"/>
+                </a:solidFill>
+                <a:latin typeface="Times New Roman" panose="02020603050405020304" pitchFamily="18" charset="0"/>
+                <a:cs typeface="Times New Roman" panose="02020603050405020304" pitchFamily="18" charset="0"/>
+              </a:rPr>
+              <a:t>)</a:t>
+            </a:r>
+            <a:endParaRPr lang="en-US" sz="1500" dirty="0">
+              <a:latin typeface="Times New Roman" panose="02020603050405020304" pitchFamily="18" charset="0"/>
+              <a:cs typeface="Times New Roman" panose="02020603050405020304" pitchFamily="18" charset="0"/>
+            </a:endParaRPr>
+          </a:p>
+        </p:txBody>
+      </p:sp>
+      <p:sp>
+        <p:nvSpPr>
+          <p:cNvPr id="151" name="TextBox 150">
+            <a:extLst>
+              <a:ext uri="{FF2B5EF4-FFF2-40B4-BE49-F238E27FC236}">
+                <a16:creationId xmlns:a16="http://schemas.microsoft.com/office/drawing/2014/main" id="{A34D5D60-FD83-4154-9F74-0414F3CFEAA8}"/>
+              </a:ext>
+            </a:extLst>
+          </p:cNvPr>
+          <p:cNvSpPr txBox="1"/>
+          <p:nvPr/>
+        </p:nvSpPr>
+        <p:spPr>
+          <a:xfrm rot="16200000">
+            <a:off x="1162863" y="2786866"/>
+            <a:ext cx="2193496" cy="346311"/>
+          </a:xfrm>
+          <a:prstGeom prst="rect">
+            <a:avLst/>
+          </a:prstGeom>
+          <a:solidFill>
+            <a:schemeClr val="bg1"/>
+          </a:solidFill>
+        </p:spPr>
+        <p:txBody>
+          <a:bodyPr wrap="square" rtlCol="0">
+            <a:spAutoFit/>
+          </a:bodyPr>
+          <a:lstStyle/>
+          <a:p>
+            <a:r>
+              <a:rPr lang="en-US" sz="1500" dirty="0">
+                <a:solidFill>
+                  <a:srgbClr val="202124"/>
+                </a:solidFill>
+                <a:latin typeface="Times New Roman" panose="02020603050405020304" pitchFamily="18" charset="0"/>
+                <a:cs typeface="Times New Roman" panose="02020603050405020304" pitchFamily="18" charset="0"/>
+              </a:rPr>
+              <a:t>DeepPurpose Prediction</a:t>
+            </a:r>
+            <a:endParaRPr lang="en-US" sz="1500" dirty="0">
+              <a:latin typeface="Times New Roman" panose="02020603050405020304" pitchFamily="18" charset="0"/>
+              <a:cs typeface="Times New Roman" panose="02020603050405020304" pitchFamily="18" charset="0"/>
+            </a:endParaRPr>
+          </a:p>
+        </p:txBody>
+      </p:sp>
+      <p:grpSp>
+        <p:nvGrpSpPr>
+          <p:cNvPr id="15" name="Group 14">
+            <a:extLst>
+              <a:ext uri="{FF2B5EF4-FFF2-40B4-BE49-F238E27FC236}">
+                <a16:creationId xmlns:a16="http://schemas.microsoft.com/office/drawing/2014/main" id="{2F1DF4C0-CE5A-41EE-8B54-F1D555B31769}"/>
+              </a:ext>
+            </a:extLst>
+          </p:cNvPr>
+          <p:cNvGrpSpPr/>
+          <p:nvPr/>
+        </p:nvGrpSpPr>
+        <p:grpSpPr>
+          <a:xfrm>
+            <a:off x="1152884" y="11292007"/>
+            <a:ext cx="7629839" cy="5876291"/>
+            <a:chOff x="1232451" y="11290795"/>
+            <a:chExt cx="7629839" cy="5876291"/>
+          </a:xfrm>
+        </p:grpSpPr>
         <p:sp>
           <p:nvSpPr>
-            <p:cNvPr id="6" name="Rectangle 5">
+            <p:cNvPr id="113" name="TextBox 112">
               <a:extLst>
                 <a:ext uri="{FF2B5EF4-FFF2-40B4-BE49-F238E27FC236}">
-                  <a16:creationId xmlns:a16="http://schemas.microsoft.com/office/drawing/2014/main" id="{265D68BB-FAAF-4B24-AD96-68D9C2855D2A}"/>
+                  <a16:creationId xmlns:a16="http://schemas.microsoft.com/office/drawing/2014/main" id="{1E061C61-2B01-4912-A395-DA7290217AD2}"/>
+                </a:ext>
+              </a:extLst>
+            </p:cNvPr>
+            <p:cNvSpPr txBox="1"/>
+            <p:nvPr/>
+          </p:nvSpPr>
+          <p:spPr>
+            <a:xfrm rot="16200000">
+              <a:off x="1096149" y="15571622"/>
+              <a:ext cx="746721" cy="474117"/>
+            </a:xfrm>
+            <a:prstGeom prst="rect">
+              <a:avLst/>
+            </a:prstGeom>
+            <a:solidFill>
+              <a:schemeClr val="bg1"/>
+            </a:solidFill>
+          </p:spPr>
+          <p:txBody>
+            <a:bodyPr wrap="none" rtlCol="0">
+              <a:spAutoFit/>
+            </a:bodyPr>
+            <a:lstStyle/>
+            <a:p>
+              <a:r>
+                <a:rPr lang="en-US" sz="2275" dirty="0">
+                  <a:latin typeface="Times New Roman" panose="02020603050405020304" pitchFamily="18" charset="0"/>
+                  <a:cs typeface="Times New Roman" panose="02020603050405020304" pitchFamily="18" charset="0"/>
+                </a:rPr>
+                <a:t>PDF</a:t>
+              </a:r>
+            </a:p>
+          </p:txBody>
+        </p:sp>
+        <p:sp>
+          <p:nvSpPr>
+            <p:cNvPr id="12" name="Rectangle 11">
+              <a:extLst>
+                <a:ext uri="{FF2B5EF4-FFF2-40B4-BE49-F238E27FC236}">
+                  <a16:creationId xmlns:a16="http://schemas.microsoft.com/office/drawing/2014/main" id="{088B923B-5D12-4DF4-BE25-9C4F571BF731}"/>
                 </a:ext>
               </a:extLst>
             </p:cNvPr>
@@ -6157,8 +5786,8 @@
           </p:nvSpPr>
           <p:spPr>
             <a:xfrm>
-              <a:off x="22010330" y="6154588"/>
-              <a:ext cx="2653162" cy="1079215"/>
+              <a:off x="2132334" y="11425432"/>
+              <a:ext cx="6729956" cy="4583080"/>
             </a:xfrm>
             <a:prstGeom prst="rect">
               <a:avLst/>
@@ -6193,16 +5822,177 @@
             <a:lstStyle/>
             <a:p>
               <a:pPr algn="ctr"/>
-              <a:endParaRPr lang="en-US" sz="1350"/>
+              <a:endParaRPr lang="en-US"/>
+            </a:p>
+          </p:txBody>
+        </p:sp>
+        <p:pic>
+          <p:nvPicPr>
+            <p:cNvPr id="161" name="Picture 8">
+              <a:extLst>
+                <a:ext uri="{FF2B5EF4-FFF2-40B4-BE49-F238E27FC236}">
+                  <a16:creationId xmlns:a16="http://schemas.microsoft.com/office/drawing/2014/main" id="{658B2D2B-A6D3-4B86-B05C-F1A10C9DF7A6}"/>
+                </a:ext>
+              </a:extLst>
+            </p:cNvPr>
+            <p:cNvPicPr>
+              <a:picLocks noChangeAspect="1" noChangeArrowheads="1"/>
+            </p:cNvPicPr>
+            <p:nvPr/>
+          </p:nvPicPr>
+          <p:blipFill>
+            <a:blip r:embed="rId6">
+              <a:extLst>
+                <a:ext uri="{28A0092B-C50C-407E-A947-70E740481C1C}">
+                  <a14:useLocalDpi xmlns:a14="http://schemas.microsoft.com/office/drawing/2010/main" val="0"/>
+                </a:ext>
+              </a:extLst>
+            </a:blip>
+            <a:srcRect/>
+            <a:stretch>
+              <a:fillRect/>
+            </a:stretch>
+          </p:blipFill>
+          <p:spPr bwMode="auto">
+            <a:xfrm>
+              <a:off x="2132333" y="11290795"/>
+              <a:ext cx="6602679" cy="4463546"/>
+            </a:xfrm>
+            <a:prstGeom prst="rect">
+              <a:avLst/>
+            </a:prstGeom>
+            <a:noFill/>
+            <a:extLst>
+              <a:ext uri="{909E8E84-426E-40DD-AFC4-6F175D3DCCD1}">
+                <a14:hiddenFill xmlns:a14="http://schemas.microsoft.com/office/drawing/2010/main">
+                  <a:solidFill>
+                    <a:srgbClr val="FFFFFF"/>
+                  </a:solidFill>
+                </a14:hiddenFill>
+              </a:ext>
+            </a:extLst>
+          </p:spPr>
+        </p:pic>
+        <p:sp>
+          <p:nvSpPr>
+            <p:cNvPr id="165" name="TextBox 164">
+              <a:extLst>
+                <a:ext uri="{FF2B5EF4-FFF2-40B4-BE49-F238E27FC236}">
+                  <a16:creationId xmlns:a16="http://schemas.microsoft.com/office/drawing/2014/main" id="{E219D8B3-9FAC-4FEE-B87B-E385CDDFFDF2}"/>
+                </a:ext>
+              </a:extLst>
+            </p:cNvPr>
+            <p:cNvSpPr txBox="1"/>
+            <p:nvPr/>
+          </p:nvSpPr>
+          <p:spPr>
+            <a:xfrm rot="16200000">
+              <a:off x="1144009" y="13029137"/>
+              <a:ext cx="2281376" cy="346311"/>
+            </a:xfrm>
+            <a:prstGeom prst="rect">
+              <a:avLst/>
+            </a:prstGeom>
+            <a:solidFill>
+              <a:schemeClr val="bg1"/>
+            </a:solidFill>
+          </p:spPr>
+          <p:txBody>
+            <a:bodyPr wrap="square" rtlCol="0">
+              <a:spAutoFit/>
+            </a:bodyPr>
+            <a:lstStyle/>
+            <a:p>
+              <a:r>
+                <a:rPr lang="en-US" sz="1500" dirty="0">
+                  <a:solidFill>
+                    <a:srgbClr val="202124"/>
+                  </a:solidFill>
+                  <a:latin typeface="Times New Roman" panose="02020603050405020304" pitchFamily="18" charset="0"/>
+                  <a:cs typeface="Times New Roman" panose="02020603050405020304" pitchFamily="18" charset="0"/>
+                </a:rPr>
+                <a:t>DeepPurpose Prediction</a:t>
+              </a:r>
+              <a:endParaRPr lang="en-US" sz="1500" dirty="0">
+                <a:latin typeface="Times New Roman" panose="02020603050405020304" pitchFamily="18" charset="0"/>
+                <a:cs typeface="Times New Roman" panose="02020603050405020304" pitchFamily="18" charset="0"/>
+              </a:endParaRPr>
             </a:p>
           </p:txBody>
         </p:sp>
         <p:sp>
           <p:nvSpPr>
-            <p:cNvPr id="70" name="Rectangle 69">
+            <p:cNvPr id="166" name="TextBox 165">
               <a:extLst>
                 <a:ext uri="{FF2B5EF4-FFF2-40B4-BE49-F238E27FC236}">
-                  <a16:creationId xmlns:a16="http://schemas.microsoft.com/office/drawing/2014/main" id="{7662D7C3-778D-47D5-9FF0-59F24A72EE3D}"/>
+                  <a16:creationId xmlns:a16="http://schemas.microsoft.com/office/drawing/2014/main" id="{59CAD56F-7A76-4740-BF5C-CA65D49B9D38}"/>
+                </a:ext>
+              </a:extLst>
+            </p:cNvPr>
+            <p:cNvSpPr txBox="1"/>
+            <p:nvPr/>
+          </p:nvSpPr>
+          <p:spPr>
+            <a:xfrm>
+              <a:off x="4743260" y="15406473"/>
+              <a:ext cx="2036338" cy="335874"/>
+            </a:xfrm>
+            <a:prstGeom prst="rect">
+              <a:avLst/>
+            </a:prstGeom>
+            <a:solidFill>
+              <a:schemeClr val="bg1"/>
+            </a:solidFill>
+          </p:spPr>
+          <p:txBody>
+            <a:bodyPr wrap="square" rtlCol="0">
+              <a:spAutoFit/>
+            </a:bodyPr>
+            <a:lstStyle/>
+            <a:p>
+              <a:r>
+                <a:rPr lang="en-US" sz="1500" dirty="0">
+                  <a:solidFill>
+                    <a:srgbClr val="202124"/>
+                  </a:solidFill>
+                  <a:latin typeface="Times New Roman" panose="02020603050405020304" pitchFamily="18" charset="0"/>
+                  <a:cs typeface="Times New Roman" panose="02020603050405020304" pitchFamily="18" charset="0"/>
+                </a:rPr>
+                <a:t>Target degree ratio (</a:t>
+              </a:r>
+              <a:r>
+                <a:rPr lang="el-GR" sz="1500" dirty="0">
+                  <a:solidFill>
+                    <a:srgbClr val="202124"/>
+                  </a:solidFill>
+                  <a:latin typeface="Times New Roman" panose="02020603050405020304" pitchFamily="18" charset="0"/>
+                  <a:cs typeface="Times New Roman" panose="02020603050405020304" pitchFamily="18" charset="0"/>
+                </a:rPr>
+                <a:t>ρ</a:t>
+              </a:r>
+              <a:r>
+                <a:rPr lang="en-US" sz="1500" dirty="0">
+                  <a:solidFill>
+                    <a:srgbClr val="202124"/>
+                  </a:solidFill>
+                  <a:latin typeface="Times New Roman" panose="02020603050405020304" pitchFamily="18" charset="0"/>
+                  <a:cs typeface="Times New Roman" panose="02020603050405020304" pitchFamily="18" charset="0"/>
+                </a:rPr>
+                <a:t>)</a:t>
+              </a:r>
+              <a:endParaRPr lang="en-US" sz="1500" dirty="0">
+                <a:latin typeface="Times New Roman" panose="02020603050405020304" pitchFamily="18" charset="0"/>
+                <a:cs typeface="Times New Roman" panose="02020603050405020304" pitchFamily="18" charset="0"/>
+              </a:endParaRPr>
+            </a:p>
+          </p:txBody>
+        </p:sp>
+        <p:sp>
+          <p:nvSpPr>
+            <p:cNvPr id="14" name="Rectangle 13">
+              <a:extLst>
+                <a:ext uri="{FF2B5EF4-FFF2-40B4-BE49-F238E27FC236}">
+                  <a16:creationId xmlns:a16="http://schemas.microsoft.com/office/drawing/2014/main" id="{9B91BC27-3699-4CC7-A838-51CF79A93A0D}"/>
                 </a:ext>
               </a:extLst>
             </p:cNvPr>
@@ -6211,8 +6001,8 @@
           </p:nvSpPr>
           <p:spPr>
             <a:xfrm>
-              <a:off x="22238260" y="19218785"/>
-              <a:ext cx="2653162" cy="1157733"/>
+              <a:off x="4877144" y="16309836"/>
+              <a:ext cx="2689128" cy="857250"/>
             </a:xfrm>
             <a:prstGeom prst="rect">
               <a:avLst/>
@@ -6247,11 +6037,396 @@
             <a:lstStyle/>
             <a:p>
               <a:pPr algn="ctr"/>
-              <a:endParaRPr lang="en-US" sz="1350"/>
+              <a:endParaRPr lang="en-US"/>
             </a:p>
           </p:txBody>
         </p:sp>
+        <p:grpSp>
+          <p:nvGrpSpPr>
+            <p:cNvPr id="167" name="Group 166">
+              <a:extLst>
+                <a:ext uri="{FF2B5EF4-FFF2-40B4-BE49-F238E27FC236}">
+                  <a16:creationId xmlns:a16="http://schemas.microsoft.com/office/drawing/2014/main" id="{87263DE1-C405-4143-B635-921A1661675D}"/>
+                </a:ext>
+              </a:extLst>
+            </p:cNvPr>
+            <p:cNvGrpSpPr/>
+            <p:nvPr/>
+          </p:nvGrpSpPr>
+          <p:grpSpPr>
+            <a:xfrm>
+              <a:off x="4982034" y="16381730"/>
+              <a:ext cx="2589746" cy="647759"/>
+              <a:chOff x="21483123" y="6219785"/>
+              <a:chExt cx="3222211" cy="830998"/>
+            </a:xfrm>
+          </p:grpSpPr>
+          <p:sp>
+            <p:nvSpPr>
+              <p:cNvPr id="168" name="TextBox 167">
+                <a:extLst>
+                  <a:ext uri="{FF2B5EF4-FFF2-40B4-BE49-F238E27FC236}">
+                    <a16:creationId xmlns:a16="http://schemas.microsoft.com/office/drawing/2014/main" id="{FC81FEC2-6E47-492F-B459-94A62A0B76AE}"/>
+                  </a:ext>
+                </a:extLst>
+              </p:cNvPr>
+              <p:cNvSpPr txBox="1"/>
+              <p:nvPr/>
+            </p:nvSpPr>
+            <p:spPr>
+              <a:xfrm>
+                <a:off x="22115703" y="6219785"/>
+                <a:ext cx="2589631" cy="430887"/>
+              </a:xfrm>
+              <a:prstGeom prst="rect">
+                <a:avLst/>
+              </a:prstGeom>
+              <a:solidFill>
+                <a:schemeClr val="bg1"/>
+              </a:solidFill>
+            </p:spPr>
+            <p:txBody>
+              <a:bodyPr wrap="square" rtlCol="0">
+                <a:spAutoFit/>
+              </a:bodyPr>
+              <a:lstStyle/>
+              <a:p>
+                <a:r>
+                  <a:rPr lang="en-US" sz="1500" dirty="0">
+                    <a:solidFill>
+                      <a:srgbClr val="202124"/>
+                    </a:solidFill>
+                    <a:latin typeface="Times New Roman" panose="02020603050405020304" pitchFamily="18" charset="0"/>
+                    <a:cs typeface="Times New Roman" panose="02020603050405020304" pitchFamily="18" charset="0"/>
+                  </a:rPr>
+                  <a:t>Whole BindingDB</a:t>
+                </a:r>
+              </a:p>
+            </p:txBody>
+          </p:sp>
+          <p:sp>
+            <p:nvSpPr>
+              <p:cNvPr id="169" name="Rectangle 168">
+                <a:extLst>
+                  <a:ext uri="{FF2B5EF4-FFF2-40B4-BE49-F238E27FC236}">
+                    <a16:creationId xmlns:a16="http://schemas.microsoft.com/office/drawing/2014/main" id="{6054B5D0-80C3-451A-9C91-E9654B37B85F}"/>
+                  </a:ext>
+                </a:extLst>
+              </p:cNvPr>
+              <p:cNvSpPr/>
+              <p:nvPr/>
+            </p:nvSpPr>
+            <p:spPr>
+              <a:xfrm>
+                <a:off x="21483123" y="6296644"/>
+                <a:ext cx="440857" cy="247772"/>
+              </a:xfrm>
+              <a:prstGeom prst="rect">
+                <a:avLst/>
+              </a:prstGeom>
+              <a:solidFill>
+                <a:srgbClr val="D6E5F0"/>
+              </a:solidFill>
+            </p:spPr>
+            <p:style>
+              <a:lnRef idx="2">
+                <a:schemeClr val="accent1">
+                  <a:shade val="50000"/>
+                </a:schemeClr>
+              </a:lnRef>
+              <a:fillRef idx="1">
+                <a:schemeClr val="accent1"/>
+              </a:fillRef>
+              <a:effectRef idx="0">
+                <a:schemeClr val="accent1"/>
+              </a:effectRef>
+              <a:fontRef idx="minor">
+                <a:schemeClr val="lt1"/>
+              </a:fontRef>
+            </p:style>
+            <p:txBody>
+              <a:bodyPr rtlCol="0" anchor="ctr"/>
+              <a:lstStyle/>
+              <a:p>
+                <a:pPr algn="ctr"/>
+                <a:endParaRPr lang="en-US" sz="1350"/>
+              </a:p>
+            </p:txBody>
+          </p:sp>
+          <p:sp>
+            <p:nvSpPr>
+              <p:cNvPr id="170" name="Rectangle 169">
+                <a:extLst>
+                  <a:ext uri="{FF2B5EF4-FFF2-40B4-BE49-F238E27FC236}">
+                    <a16:creationId xmlns:a16="http://schemas.microsoft.com/office/drawing/2014/main" id="{7A182FDC-6B21-4B1B-89B2-53D794FC00BC}"/>
+                  </a:ext>
+                </a:extLst>
+              </p:cNvPr>
+              <p:cNvSpPr/>
+              <p:nvPr/>
+            </p:nvSpPr>
+            <p:spPr>
+              <a:xfrm>
+                <a:off x="21483123" y="6721369"/>
+                <a:ext cx="440857" cy="247772"/>
+              </a:xfrm>
+              <a:prstGeom prst="rect">
+                <a:avLst/>
+              </a:prstGeom>
+              <a:solidFill>
+                <a:srgbClr val="F9D0D0"/>
+              </a:solidFill>
+            </p:spPr>
+            <p:style>
+              <a:lnRef idx="2">
+                <a:schemeClr val="accent1">
+                  <a:shade val="50000"/>
+                </a:schemeClr>
+              </a:lnRef>
+              <a:fillRef idx="1">
+                <a:schemeClr val="accent1"/>
+              </a:fillRef>
+              <a:effectRef idx="0">
+                <a:schemeClr val="accent1"/>
+              </a:effectRef>
+              <a:fontRef idx="minor">
+                <a:schemeClr val="lt1"/>
+              </a:fontRef>
+            </p:style>
+            <p:txBody>
+              <a:bodyPr rtlCol="0" anchor="ctr"/>
+              <a:lstStyle/>
+              <a:p>
+                <a:pPr algn="ctr"/>
+                <a:endParaRPr lang="en-US" sz="1350"/>
+              </a:p>
+            </p:txBody>
+          </p:sp>
+          <p:sp>
+            <p:nvSpPr>
+              <p:cNvPr id="171" name="TextBox 170">
+                <a:extLst>
+                  <a:ext uri="{FF2B5EF4-FFF2-40B4-BE49-F238E27FC236}">
+                    <a16:creationId xmlns:a16="http://schemas.microsoft.com/office/drawing/2014/main" id="{C0BF4F2D-4F63-4621-A025-CD9BF00895DC}"/>
+                  </a:ext>
+                </a:extLst>
+              </p:cNvPr>
+              <p:cNvSpPr txBox="1"/>
+              <p:nvPr/>
+            </p:nvSpPr>
+            <p:spPr>
+              <a:xfrm>
+                <a:off x="22108850" y="6619896"/>
+                <a:ext cx="2589631" cy="430887"/>
+              </a:xfrm>
+              <a:prstGeom prst="rect">
+                <a:avLst/>
+              </a:prstGeom>
+              <a:solidFill>
+                <a:schemeClr val="bg1"/>
+              </a:solidFill>
+            </p:spPr>
+            <p:txBody>
+              <a:bodyPr wrap="square" rtlCol="0">
+                <a:spAutoFit/>
+              </a:bodyPr>
+              <a:lstStyle/>
+              <a:p>
+                <a:r>
+                  <a:rPr lang="en-US" sz="1500" dirty="0">
+                    <a:solidFill>
+                      <a:srgbClr val="202124"/>
+                    </a:solidFill>
+                    <a:latin typeface="Times New Roman" panose="02020603050405020304" pitchFamily="18" charset="0"/>
+                    <a:cs typeface="Times New Roman" panose="02020603050405020304" pitchFamily="18" charset="0"/>
+                  </a:rPr>
+                  <a:t>False Positives</a:t>
+                </a:r>
+              </a:p>
+            </p:txBody>
+          </p:sp>
+        </p:grpSp>
       </p:grpSp>
+      <p:pic>
+        <p:nvPicPr>
+          <p:cNvPr id="17" name="Picture 16">
+            <a:extLst>
+              <a:ext uri="{FF2B5EF4-FFF2-40B4-BE49-F238E27FC236}">
+                <a16:creationId xmlns:a16="http://schemas.microsoft.com/office/drawing/2014/main" id="{C7E411BE-3089-4B03-B85C-AD2543183CE8}"/>
+              </a:ext>
+            </a:extLst>
+          </p:cNvPr>
+          <p:cNvPicPr>
+            <a:picLocks noChangeAspect="1"/>
+          </p:cNvPicPr>
+          <p:nvPr/>
+        </p:nvPicPr>
+        <p:blipFill>
+          <a:blip r:embed="rId7"/>
+          <a:stretch>
+            <a:fillRect/>
+          </a:stretch>
+        </p:blipFill>
+        <p:spPr>
+          <a:xfrm rot="5400000">
+            <a:off x="16419745" y="2678594"/>
+            <a:ext cx="3078449" cy="1039095"/>
+          </a:xfrm>
+          <a:prstGeom prst="rect">
+            <a:avLst/>
+          </a:prstGeom>
+        </p:spPr>
+      </p:pic>
+      <p:pic>
+        <p:nvPicPr>
+          <p:cNvPr id="19" name="Picture 18">
+            <a:extLst>
+              <a:ext uri="{FF2B5EF4-FFF2-40B4-BE49-F238E27FC236}">
+                <a16:creationId xmlns:a16="http://schemas.microsoft.com/office/drawing/2014/main" id="{C0B0BDBD-C0B1-49C5-8867-8FB33D5CB2B7}"/>
+              </a:ext>
+            </a:extLst>
+          </p:cNvPr>
+          <p:cNvPicPr>
+            <a:picLocks noChangeAspect="1"/>
+          </p:cNvPicPr>
+          <p:nvPr/>
+        </p:nvPicPr>
+        <p:blipFill>
+          <a:blip r:embed="rId8"/>
+          <a:stretch>
+            <a:fillRect/>
+          </a:stretch>
+        </p:blipFill>
+        <p:spPr>
+          <a:xfrm>
+            <a:off x="12999652" y="1894919"/>
+            <a:ext cx="2933700" cy="2343150"/>
+          </a:xfrm>
+          <a:prstGeom prst="rect">
+            <a:avLst/>
+          </a:prstGeom>
+        </p:spPr>
+      </p:pic>
+      <p:pic>
+        <p:nvPicPr>
+          <p:cNvPr id="21" name="Picture 20">
+            <a:extLst>
+              <a:ext uri="{FF2B5EF4-FFF2-40B4-BE49-F238E27FC236}">
+                <a16:creationId xmlns:a16="http://schemas.microsoft.com/office/drawing/2014/main" id="{80F3F3C1-E57E-4BA7-9796-5C152BCAF9FB}"/>
+              </a:ext>
+            </a:extLst>
+          </p:cNvPr>
+          <p:cNvPicPr>
+            <a:picLocks noChangeAspect="1"/>
+          </p:cNvPicPr>
+          <p:nvPr/>
+        </p:nvPicPr>
+        <p:blipFill>
+          <a:blip r:embed="rId9"/>
+          <a:stretch>
+            <a:fillRect/>
+          </a:stretch>
+        </p:blipFill>
+        <p:spPr>
+          <a:xfrm>
+            <a:off x="9905972" y="1666319"/>
+            <a:ext cx="2324100" cy="2800350"/>
+          </a:xfrm>
+          <a:prstGeom prst="rect">
+            <a:avLst/>
+          </a:prstGeom>
+        </p:spPr>
+      </p:pic>
+      <p:pic>
+        <p:nvPicPr>
+          <p:cNvPr id="3" name="Picture 2">
+            <a:extLst>
+              <a:ext uri="{FF2B5EF4-FFF2-40B4-BE49-F238E27FC236}">
+                <a16:creationId xmlns:a16="http://schemas.microsoft.com/office/drawing/2014/main" id="{7E452F57-0961-49A8-9609-C530C1859C0C}"/>
+              </a:ext>
+            </a:extLst>
+          </p:cNvPr>
+          <p:cNvPicPr>
+            <a:picLocks noChangeAspect="1"/>
+          </p:cNvPicPr>
+          <p:nvPr/>
+        </p:nvPicPr>
+        <p:blipFill>
+          <a:blip r:embed="rId10"/>
+          <a:stretch>
+            <a:fillRect/>
+          </a:stretch>
+        </p:blipFill>
+        <p:spPr>
+          <a:xfrm>
+            <a:off x="17817071" y="12334084"/>
+            <a:ext cx="2168166" cy="2379391"/>
+          </a:xfrm>
+          <a:prstGeom prst="rect">
+            <a:avLst/>
+          </a:prstGeom>
+        </p:spPr>
+      </p:pic>
+      <p:pic>
+        <p:nvPicPr>
+          <p:cNvPr id="5" name="Picture 4">
+            <a:extLst>
+              <a:ext uri="{FF2B5EF4-FFF2-40B4-BE49-F238E27FC236}">
+                <a16:creationId xmlns:a16="http://schemas.microsoft.com/office/drawing/2014/main" id="{C373BBAF-B16A-482E-9F49-2EBE61D71AF4}"/>
+              </a:ext>
+            </a:extLst>
+          </p:cNvPr>
+          <p:cNvPicPr>
+            <a:picLocks noChangeAspect="1"/>
+          </p:cNvPicPr>
+          <p:nvPr/>
+        </p:nvPicPr>
+        <p:blipFill>
+          <a:blip r:embed="rId11"/>
+          <a:stretch>
+            <a:fillRect/>
+          </a:stretch>
+        </p:blipFill>
+        <p:spPr>
+          <a:xfrm>
+            <a:off x="14673127" y="11841196"/>
+            <a:ext cx="1566665" cy="3365168"/>
+          </a:xfrm>
+          <a:prstGeom prst="rect">
+            <a:avLst/>
+          </a:prstGeom>
+        </p:spPr>
+      </p:pic>
+      <p:pic>
+        <p:nvPicPr>
+          <p:cNvPr id="8" name="Picture 7">
+            <a:extLst>
+              <a:ext uri="{FF2B5EF4-FFF2-40B4-BE49-F238E27FC236}">
+                <a16:creationId xmlns:a16="http://schemas.microsoft.com/office/drawing/2014/main" id="{5C3A8237-0139-4742-A65C-F7A6F6F77E3A}"/>
+              </a:ext>
+            </a:extLst>
+          </p:cNvPr>
+          <p:cNvPicPr>
+            <a:picLocks noChangeAspect="1"/>
+          </p:cNvPicPr>
+          <p:nvPr/>
+        </p:nvPicPr>
+        <p:blipFill>
+          <a:blip r:embed="rId12"/>
+          <a:stretch>
+            <a:fillRect/>
+          </a:stretch>
+        </p:blipFill>
+        <p:spPr>
+          <a:xfrm>
+            <a:off x="10825373" y="12187800"/>
+            <a:ext cx="1692367" cy="3039874"/>
+          </a:xfrm>
+          <a:prstGeom prst="rect">
+            <a:avLst/>
+          </a:prstGeom>
+        </p:spPr>
+      </p:pic>
     </p:spTree>
     <p:extLst>
       <p:ext uri="{BB962C8B-B14F-4D97-AF65-F5344CB8AC3E}">

--- a/Images/fig1a.pptx
+++ b/Images/fig1a.pptx
@@ -197,7 +197,7 @@
           <a:p>
             <a:fld id="{D34CEA9E-E5A5-49C8-A578-AF124664FEC0}" type="datetimeFigureOut">
               <a:rPr lang="en-US" smtClean="0"/>
-              <a:t>10/4/2021</a:t>
+              <a:t>10/25/2021</a:t>
             </a:fld>
             <a:endParaRPr lang="en-US"/>
           </a:p>
@@ -754,7 +754,7 @@
           <a:p>
             <a:fld id="{BA05AF01-4F0E-4718-A4C1-DFCBB47EE5F2}" type="datetimeFigureOut">
               <a:rPr lang="en-US" smtClean="0"/>
-              <a:t>10/4/2021</a:t>
+              <a:t>10/25/2021</a:t>
             </a:fld>
             <a:endParaRPr lang="en-US"/>
           </a:p>
@@ -924,7 +924,7 @@
           <a:p>
             <a:fld id="{BA05AF01-4F0E-4718-A4C1-DFCBB47EE5F2}" type="datetimeFigureOut">
               <a:rPr lang="en-US" smtClean="0"/>
-              <a:t>10/4/2021</a:t>
+              <a:t>10/25/2021</a:t>
             </a:fld>
             <a:endParaRPr lang="en-US"/>
           </a:p>
@@ -1104,7 +1104,7 @@
           <a:p>
             <a:fld id="{BA05AF01-4F0E-4718-A4C1-DFCBB47EE5F2}" type="datetimeFigureOut">
               <a:rPr lang="en-US" smtClean="0"/>
-              <a:t>10/4/2021</a:t>
+              <a:t>10/25/2021</a:t>
             </a:fld>
             <a:endParaRPr lang="en-US"/>
           </a:p>
@@ -1274,7 +1274,7 @@
           <a:p>
             <a:fld id="{BA05AF01-4F0E-4718-A4C1-DFCBB47EE5F2}" type="datetimeFigureOut">
               <a:rPr lang="en-US" smtClean="0"/>
-              <a:t>10/4/2021</a:t>
+              <a:t>10/25/2021</a:t>
             </a:fld>
             <a:endParaRPr lang="en-US"/>
           </a:p>
@@ -1518,7 +1518,7 @@
           <a:p>
             <a:fld id="{BA05AF01-4F0E-4718-A4C1-DFCBB47EE5F2}" type="datetimeFigureOut">
               <a:rPr lang="en-US" smtClean="0"/>
-              <a:t>10/4/2021</a:t>
+              <a:t>10/25/2021</a:t>
             </a:fld>
             <a:endParaRPr lang="en-US"/>
           </a:p>
@@ -1750,7 +1750,7 @@
           <a:p>
             <a:fld id="{BA05AF01-4F0E-4718-A4C1-DFCBB47EE5F2}" type="datetimeFigureOut">
               <a:rPr lang="en-US" smtClean="0"/>
-              <a:t>10/4/2021</a:t>
+              <a:t>10/25/2021</a:t>
             </a:fld>
             <a:endParaRPr lang="en-US"/>
           </a:p>
@@ -2117,7 +2117,7 @@
           <a:p>
             <a:fld id="{BA05AF01-4F0E-4718-A4C1-DFCBB47EE5F2}" type="datetimeFigureOut">
               <a:rPr lang="en-US" smtClean="0"/>
-              <a:t>10/4/2021</a:t>
+              <a:t>10/25/2021</a:t>
             </a:fld>
             <a:endParaRPr lang="en-US"/>
           </a:p>
@@ -2235,7 +2235,7 @@
           <a:p>
             <a:fld id="{BA05AF01-4F0E-4718-A4C1-DFCBB47EE5F2}" type="datetimeFigureOut">
               <a:rPr lang="en-US" smtClean="0"/>
-              <a:t>10/4/2021</a:t>
+              <a:t>10/25/2021</a:t>
             </a:fld>
             <a:endParaRPr lang="en-US"/>
           </a:p>
@@ -2330,7 +2330,7 @@
           <a:p>
             <a:fld id="{BA05AF01-4F0E-4718-A4C1-DFCBB47EE5F2}" type="datetimeFigureOut">
               <a:rPr lang="en-US" smtClean="0"/>
-              <a:t>10/4/2021</a:t>
+              <a:t>10/25/2021</a:t>
             </a:fld>
             <a:endParaRPr lang="en-US"/>
           </a:p>
@@ -2607,7 +2607,7 @@
           <a:p>
             <a:fld id="{BA05AF01-4F0E-4718-A4C1-DFCBB47EE5F2}" type="datetimeFigureOut">
               <a:rPr lang="en-US" smtClean="0"/>
-              <a:t>10/4/2021</a:t>
+              <a:t>10/25/2021</a:t>
             </a:fld>
             <a:endParaRPr lang="en-US"/>
           </a:p>
@@ -2864,7 +2864,7 @@
           <a:p>
             <a:fld id="{BA05AF01-4F0E-4718-A4C1-DFCBB47EE5F2}" type="datetimeFigureOut">
               <a:rPr lang="en-US" smtClean="0"/>
-              <a:t>10/4/2021</a:t>
+              <a:t>10/25/2021</a:t>
             </a:fld>
             <a:endParaRPr lang="en-US"/>
           </a:p>
@@ -3077,7 +3077,7 @@
           <a:p>
             <a:fld id="{BA05AF01-4F0E-4718-A4C1-DFCBB47EE5F2}" type="datetimeFigureOut">
               <a:rPr lang="en-US" smtClean="0"/>
-              <a:t>10/4/2021</a:t>
+              <a:t>10/25/2021</a:t>
             </a:fld>
             <a:endParaRPr lang="en-US"/>
           </a:p>
@@ -3534,7 +3534,7 @@
         </p:nvSpPr>
         <p:spPr>
           <a:xfrm>
-            <a:off x="857251" y="10490977"/>
+            <a:off x="524647" y="10445003"/>
             <a:ext cx="706275" cy="742256"/>
           </a:xfrm>
           <a:prstGeom prst="rect">
@@ -3572,7 +3572,7 @@
         </p:nvSpPr>
         <p:spPr>
           <a:xfrm rot="10800000" flipV="1">
-            <a:off x="857251" y="228601"/>
+            <a:off x="467073" y="180853"/>
             <a:ext cx="1732641" cy="742256"/>
           </a:xfrm>
           <a:prstGeom prst="rect">
@@ -3650,12 +3650,120 @@
           </a:p>
         </p:txBody>
       </p:sp>
+      <p:sp>
+        <p:nvSpPr>
+          <p:cNvPr id="126" name="Rectangle 125">
+            <a:extLst>
+              <a:ext uri="{FF2B5EF4-FFF2-40B4-BE49-F238E27FC236}">
+                <a16:creationId xmlns:a16="http://schemas.microsoft.com/office/drawing/2014/main" id="{C9B9931C-2BAD-4A90-B9A3-E527ABBA8E2F}"/>
+              </a:ext>
+            </a:extLst>
+          </p:cNvPr>
+          <p:cNvSpPr/>
+          <p:nvPr/>
+        </p:nvSpPr>
+        <p:spPr>
+          <a:xfrm>
+            <a:off x="18439097" y="11347420"/>
+            <a:ext cx="2132391" cy="902447"/>
+          </a:xfrm>
+          <a:prstGeom prst="rect">
+            <a:avLst/>
+          </a:prstGeom>
+          <a:solidFill>
+            <a:schemeClr val="bg1"/>
+          </a:solidFill>
+          <a:ln>
+            <a:solidFill>
+              <a:schemeClr val="bg1"/>
+            </a:solidFill>
+          </a:ln>
+        </p:spPr>
+        <p:style>
+          <a:lnRef idx="2">
+            <a:schemeClr val="accent1">
+              <a:shade val="50000"/>
+            </a:schemeClr>
+          </a:lnRef>
+          <a:fillRef idx="1">
+            <a:schemeClr val="accent1"/>
+          </a:fillRef>
+          <a:effectRef idx="0">
+            <a:schemeClr val="accent1"/>
+          </a:effectRef>
+          <a:fontRef idx="minor">
+            <a:schemeClr val="lt1"/>
+          </a:fontRef>
+        </p:style>
+        <p:txBody>
+          <a:bodyPr rtlCol="0" anchor="ctr"/>
+          <a:lstStyle/>
+          <a:p>
+            <a:pPr algn="ctr"/>
+            <a:endParaRPr lang="en-US" sz="1350"/>
+          </a:p>
+        </p:txBody>
+      </p:sp>
+      <p:sp>
+        <p:nvSpPr>
+          <p:cNvPr id="11" name="Rectangle 10">
+            <a:extLst>
+              <a:ext uri="{FF2B5EF4-FFF2-40B4-BE49-F238E27FC236}">
+                <a16:creationId xmlns:a16="http://schemas.microsoft.com/office/drawing/2014/main" id="{3A544ECB-A4A4-4105-A6E6-AA197965C2FC}"/>
+              </a:ext>
+            </a:extLst>
+          </p:cNvPr>
+          <p:cNvSpPr/>
+          <p:nvPr/>
+        </p:nvSpPr>
+        <p:spPr>
+          <a:xfrm>
+            <a:off x="1975787" y="925794"/>
+            <a:ext cx="2360472" cy="1345383"/>
+          </a:xfrm>
+          <a:prstGeom prst="rect">
+            <a:avLst/>
+          </a:prstGeom>
+          <a:solidFill>
+            <a:schemeClr val="bg1"/>
+          </a:solidFill>
+          <a:ln>
+            <a:solidFill>
+              <a:schemeClr val="bg1"/>
+            </a:solidFill>
+          </a:ln>
+        </p:spPr>
+        <p:style>
+          <a:lnRef idx="2">
+            <a:schemeClr val="accent1">
+              <a:shade val="50000"/>
+            </a:schemeClr>
+          </a:lnRef>
+          <a:fillRef idx="1">
+            <a:schemeClr val="accent1"/>
+          </a:fillRef>
+          <a:effectRef idx="0">
+            <a:schemeClr val="accent1"/>
+          </a:effectRef>
+          <a:fontRef idx="minor">
+            <a:schemeClr val="lt1"/>
+          </a:fontRef>
+        </p:style>
+        <p:txBody>
+          <a:bodyPr rtlCol="0" anchor="ctr"/>
+          <a:lstStyle/>
+          <a:p>
+            <a:pPr algn="ctr"/>
+            <a:endParaRPr lang="en-US"/>
+          </a:p>
+        </p:txBody>
+      </p:sp>
       <p:pic>
         <p:nvPicPr>
-          <p:cNvPr id="1026" name="Picture 2">
+          <p:cNvPr id="7" name="Picture 4">
             <a:extLst>
               <a:ext uri="{FF2B5EF4-FFF2-40B4-BE49-F238E27FC236}">
-                <a16:creationId xmlns:a16="http://schemas.microsoft.com/office/drawing/2014/main" id="{6B9F6036-6A3B-468F-8770-ACFCFD31623A}"/>
+                <a16:creationId xmlns:a16="http://schemas.microsoft.com/office/drawing/2014/main" id="{DACFA7AA-5C68-4225-82B7-B5ED2AECB48E}"/>
               </a:ext>
             </a:extLst>
           </p:cNvPr>
@@ -3679,8 +3787,8 @@
         </p:blipFill>
         <p:spPr bwMode="auto">
           <a:xfrm>
-            <a:off x="1210388" y="762015"/>
-            <a:ext cx="19658645" cy="9874480"/>
+            <a:off x="1210388" y="786159"/>
+            <a:ext cx="19574040" cy="9807205"/>
           </a:xfrm>
           <a:prstGeom prst="rect">
             <a:avLst/>
@@ -3699,10 +3807,10 @@
       </p:pic>
       <p:sp>
         <p:nvSpPr>
-          <p:cNvPr id="72" name="TextBox 71">
+          <p:cNvPr id="87" name="TextBox 86">
             <a:extLst>
               <a:ext uri="{FF2B5EF4-FFF2-40B4-BE49-F238E27FC236}">
-                <a16:creationId xmlns:a16="http://schemas.microsoft.com/office/drawing/2014/main" id="{28CF2283-7CCB-4E4C-B132-DC0378286DD7}"/>
+                <a16:creationId xmlns:a16="http://schemas.microsoft.com/office/drawing/2014/main" id="{69399931-4C93-48FA-B723-6E3D1B9DA0D4}"/>
               </a:ext>
             </a:extLst>
           </p:cNvPr>
@@ -3710,223 +3818,8 @@
           <p:nvPr/>
         </p:nvSpPr>
         <p:spPr>
-          <a:xfrm>
-            <a:off x="13308271" y="1100012"/>
-            <a:ext cx="3422388" cy="527802"/>
-          </a:xfrm>
-          <a:prstGeom prst="rect">
-            <a:avLst/>
-          </a:prstGeom>
-          <a:noFill/>
-        </p:spPr>
-        <p:txBody>
-          <a:bodyPr wrap="square" rtlCol="0">
-            <a:spAutoFit/>
-          </a:bodyPr>
-          <a:lstStyle/>
-          <a:p>
-            <a:pPr algn="l"/>
-            <a:r>
-              <a:rPr lang="en-US" sz="2700" dirty="0">
-                <a:latin typeface="Times New Roman" panose="02020603050405020304" pitchFamily="18" charset="0"/>
-                <a:cs typeface="Times New Roman" panose="02020603050405020304" pitchFamily="18" charset="0"/>
-              </a:rPr>
-              <a:t>CHEMBL127587</a:t>
-            </a:r>
-          </a:p>
-        </p:txBody>
-      </p:sp>
-      <p:sp>
-        <p:nvSpPr>
-          <p:cNvPr id="76" name="TextBox 75">
-            <a:extLst>
-              <a:ext uri="{FF2B5EF4-FFF2-40B4-BE49-F238E27FC236}">
-                <a16:creationId xmlns:a16="http://schemas.microsoft.com/office/drawing/2014/main" id="{C0411998-6C10-425F-9DBD-7EC8130A5AB4}"/>
-              </a:ext>
-            </a:extLst>
-          </p:cNvPr>
-          <p:cNvSpPr txBox="1"/>
-          <p:nvPr/>
-        </p:nvSpPr>
-        <p:spPr>
-          <a:xfrm>
-            <a:off x="10475189" y="4773535"/>
-            <a:ext cx="1868613" cy="1207282"/>
-          </a:xfrm>
-          <a:prstGeom prst="rect">
-            <a:avLst/>
-          </a:prstGeom>
-          <a:noFill/>
-        </p:spPr>
-        <p:txBody>
-          <a:bodyPr wrap="square" rtlCol="0">
-            <a:spAutoFit/>
-          </a:bodyPr>
-          <a:lstStyle/>
-          <a:p>
-            <a:r>
-              <a:rPr lang="en-US" sz="2273" dirty="0">
-                <a:latin typeface="Times New Roman" panose="02020603050405020304" pitchFamily="18" charset="0"/>
-                <a:ea typeface="Calibri" panose="020F0502020204030204" pitchFamily="34" charset="0"/>
-                <a:cs typeface="Times New Roman" panose="02020603050405020304" pitchFamily="18" charset="0"/>
-              </a:rPr>
-              <a:t>k</a:t>
-            </a:r>
-            <a:r>
-              <a:rPr lang="en-US" sz="2273" baseline="-25000" dirty="0">
-                <a:latin typeface="Times New Roman" panose="02020603050405020304" pitchFamily="18" charset="0"/>
-                <a:ea typeface="Calibri" panose="020F0502020204030204" pitchFamily="34" charset="0"/>
-                <a:cs typeface="Times New Roman" panose="02020603050405020304" pitchFamily="18" charset="0"/>
-              </a:rPr>
-              <a:t>i</a:t>
-            </a:r>
-            <a:r>
-              <a:rPr lang="en-US" sz="2273" baseline="30000" dirty="0">
-                <a:latin typeface="Times New Roman" panose="02020603050405020304" pitchFamily="18" charset="0"/>
-                <a:ea typeface="Calibri" panose="020F0502020204030204" pitchFamily="34" charset="0"/>
-                <a:cs typeface="Times New Roman" panose="02020603050405020304" pitchFamily="18" charset="0"/>
-              </a:rPr>
-              <a:t>+ </a:t>
-            </a:r>
-            <a:r>
-              <a:rPr lang="en-US" sz="2273" dirty="0">
-                <a:latin typeface="Times New Roman" panose="02020603050405020304" pitchFamily="18" charset="0"/>
-                <a:cs typeface="Times New Roman" panose="02020603050405020304" pitchFamily="18" charset="0"/>
-              </a:rPr>
-              <a:t>= </a:t>
-            </a:r>
-            <a:r>
-              <a:rPr lang="en-US" sz="2274" dirty="0">
-                <a:latin typeface="Times New Roman" panose="02020603050405020304" pitchFamily="18" charset="0"/>
-                <a:cs typeface="Times New Roman" panose="02020603050405020304" pitchFamily="18" charset="0"/>
-              </a:rPr>
-              <a:t>20</a:t>
-            </a:r>
-          </a:p>
-          <a:p>
-            <a:r>
-              <a:rPr lang="en-US" sz="2273" dirty="0">
-                <a:latin typeface="Times New Roman" panose="02020603050405020304" pitchFamily="18" charset="0"/>
-                <a:ea typeface="Calibri" panose="020F0502020204030204" pitchFamily="34" charset="0"/>
-                <a:cs typeface="Times New Roman" panose="02020603050405020304" pitchFamily="18" charset="0"/>
-              </a:rPr>
-              <a:t>k</a:t>
-            </a:r>
-            <a:r>
-              <a:rPr lang="en-US" sz="2273" baseline="-25000" dirty="0">
-                <a:latin typeface="Times New Roman" panose="02020603050405020304" pitchFamily="18" charset="0"/>
-                <a:ea typeface="Calibri" panose="020F0502020204030204" pitchFamily="34" charset="0"/>
-                <a:cs typeface="Times New Roman" panose="02020603050405020304" pitchFamily="18" charset="0"/>
-              </a:rPr>
-              <a:t>i</a:t>
-            </a:r>
-            <a:r>
-              <a:rPr lang="en-US" sz="2273" baseline="30000" dirty="0">
-                <a:latin typeface="Times New Roman" panose="02020603050405020304" pitchFamily="18" charset="0"/>
-                <a:ea typeface="Calibri" panose="020F0502020204030204" pitchFamily="34" charset="0"/>
-                <a:cs typeface="Times New Roman" panose="02020603050405020304" pitchFamily="18" charset="0"/>
-              </a:rPr>
-              <a:t>- </a:t>
-            </a:r>
-            <a:r>
-              <a:rPr lang="en-US" sz="2274" dirty="0">
-                <a:latin typeface="Times New Roman" panose="02020603050405020304" pitchFamily="18" charset="0"/>
-                <a:cs typeface="Times New Roman" panose="02020603050405020304" pitchFamily="18" charset="0"/>
-              </a:rPr>
-              <a:t>= 11</a:t>
-            </a:r>
-          </a:p>
-          <a:p>
-            <a:r>
-              <a:rPr lang="el-GR" sz="2273" dirty="0">
-                <a:latin typeface="Times New Roman" panose="02020603050405020304" pitchFamily="18" charset="0"/>
-                <a:ea typeface="Calibri" panose="020F0502020204030204" pitchFamily="34" charset="0"/>
-                <a:cs typeface="Times New Roman" panose="02020603050405020304" pitchFamily="18" charset="0"/>
-              </a:rPr>
-              <a:t>ρ</a:t>
-            </a:r>
-            <a:r>
-              <a:rPr lang="en-US" sz="2273" baseline="-25000" dirty="0">
-                <a:latin typeface="Times New Roman" panose="02020603050405020304" pitchFamily="18" charset="0"/>
-                <a:ea typeface="Calibri" panose="020F0502020204030204" pitchFamily="34" charset="0"/>
-                <a:cs typeface="Times New Roman" panose="02020603050405020304" pitchFamily="18" charset="0"/>
-              </a:rPr>
-              <a:t>i </a:t>
-            </a:r>
-            <a:r>
-              <a:rPr lang="el-GR" sz="2400" dirty="0">
-                <a:solidFill>
-                  <a:srgbClr val="202124"/>
-                </a:solidFill>
-                <a:latin typeface="Times New Roman" panose="02020603050405020304" pitchFamily="18" charset="0"/>
-                <a:cs typeface="Times New Roman" panose="02020603050405020304" pitchFamily="18" charset="0"/>
-              </a:rPr>
-              <a:t> </a:t>
-            </a:r>
-            <a:r>
-              <a:rPr lang="en-US" sz="2274" dirty="0">
-                <a:latin typeface="Times New Roman" panose="02020603050405020304" pitchFamily="18" charset="0"/>
-                <a:cs typeface="Times New Roman" panose="02020603050405020304" pitchFamily="18" charset="0"/>
-              </a:rPr>
-              <a:t>= 0.64</a:t>
-            </a:r>
-          </a:p>
-        </p:txBody>
-      </p:sp>
-      <p:sp>
-        <p:nvSpPr>
-          <p:cNvPr id="77" name="TextBox 76">
-            <a:extLst>
-              <a:ext uri="{FF2B5EF4-FFF2-40B4-BE49-F238E27FC236}">
-                <a16:creationId xmlns:a16="http://schemas.microsoft.com/office/drawing/2014/main" id="{F5DF5B92-4698-44BC-A3E1-318419CBDCF4}"/>
-              </a:ext>
-            </a:extLst>
-          </p:cNvPr>
-          <p:cNvSpPr txBox="1"/>
-          <p:nvPr/>
-        </p:nvSpPr>
-        <p:spPr>
-          <a:xfrm>
-            <a:off x="9740836" y="1094270"/>
-            <a:ext cx="3975875" cy="527802"/>
-          </a:xfrm>
-          <a:prstGeom prst="rect">
-            <a:avLst/>
-          </a:prstGeom>
-          <a:noFill/>
-        </p:spPr>
-        <p:txBody>
-          <a:bodyPr wrap="square" rtlCol="0">
-            <a:spAutoFit/>
-          </a:bodyPr>
-          <a:lstStyle/>
-          <a:p>
-            <a:pPr algn="l"/>
-            <a:r>
-              <a:rPr lang="en-US" sz="2700" dirty="0">
-                <a:latin typeface="Times New Roman" panose="02020603050405020304" pitchFamily="18" charset="0"/>
-                <a:cs typeface="Times New Roman" panose="02020603050405020304" pitchFamily="18" charset="0"/>
-              </a:rPr>
-              <a:t>CHEMBL2333416 </a:t>
-            </a:r>
-          </a:p>
-        </p:txBody>
-      </p:sp>
-      <p:sp>
-        <p:nvSpPr>
-          <p:cNvPr id="86" name="TextBox 85">
-            <a:extLst>
-              <a:ext uri="{FF2B5EF4-FFF2-40B4-BE49-F238E27FC236}">
-                <a16:creationId xmlns:a16="http://schemas.microsoft.com/office/drawing/2014/main" id="{DBAA4C4A-D8D3-4C24-A2CE-2519A3C8179C}"/>
-              </a:ext>
-            </a:extLst>
-          </p:cNvPr>
-          <p:cNvSpPr txBox="1"/>
-          <p:nvPr/>
-        </p:nvSpPr>
-        <p:spPr>
           <a:xfrm rot="16200000">
-            <a:off x="904232" y="5142629"/>
+            <a:off x="857562" y="5159706"/>
             <a:ext cx="746721" cy="474117"/>
           </a:xfrm>
           <a:prstGeom prst="rect">
@@ -3952,168 +3845,12 @@
           </a:p>
         </p:txBody>
       </p:sp>
-      <p:sp>
-        <p:nvSpPr>
-          <p:cNvPr id="90" name="Rectangle: Rounded Corners 89">
+      <p:grpSp>
+        <p:nvGrpSpPr>
+          <p:cNvPr id="88" name="Group 87">
             <a:extLst>
               <a:ext uri="{FF2B5EF4-FFF2-40B4-BE49-F238E27FC236}">
-                <a16:creationId xmlns:a16="http://schemas.microsoft.com/office/drawing/2014/main" id="{79B6C0FE-47ED-481A-9CB5-09B68975D018}"/>
-              </a:ext>
-            </a:extLst>
-          </p:cNvPr>
-          <p:cNvSpPr/>
-          <p:nvPr/>
-        </p:nvSpPr>
-        <p:spPr>
-          <a:xfrm>
-            <a:off x="9500091" y="999625"/>
-            <a:ext cx="3237594" cy="5210675"/>
-          </a:xfrm>
-          <a:prstGeom prst="roundRect">
-            <a:avLst/>
-          </a:prstGeom>
-          <a:noFill/>
-          <a:ln w="38100">
-            <a:solidFill>
-              <a:srgbClr val="92D6B7"/>
-            </a:solidFill>
-          </a:ln>
-        </p:spPr>
-        <p:style>
-          <a:lnRef idx="2">
-            <a:schemeClr val="accent1">
-              <a:shade val="50000"/>
-            </a:schemeClr>
-          </a:lnRef>
-          <a:fillRef idx="1">
-            <a:schemeClr val="accent1"/>
-          </a:fillRef>
-          <a:effectRef idx="0">
-            <a:schemeClr val="accent1"/>
-          </a:effectRef>
-          <a:fontRef idx="minor">
-            <a:schemeClr val="lt1"/>
-          </a:fontRef>
-        </p:style>
-        <p:txBody>
-          <a:bodyPr rtlCol="0" anchor="ctr"/>
-          <a:lstStyle/>
-          <a:p>
-            <a:pPr algn="ctr"/>
-            <a:endParaRPr lang="en-US" sz="1350"/>
-          </a:p>
-        </p:txBody>
-      </p:sp>
-      <p:sp>
-        <p:nvSpPr>
-          <p:cNvPr id="91" name="Rectangle: Rounded Corners 90">
-            <a:extLst>
-              <a:ext uri="{FF2B5EF4-FFF2-40B4-BE49-F238E27FC236}">
-                <a16:creationId xmlns:a16="http://schemas.microsoft.com/office/drawing/2014/main" id="{CDBC4112-14A3-48F0-B767-B8A46E8791AF}"/>
-              </a:ext>
-            </a:extLst>
-          </p:cNvPr>
-          <p:cNvSpPr/>
-          <p:nvPr/>
-        </p:nvSpPr>
-        <p:spPr>
-          <a:xfrm>
-            <a:off x="12963592" y="994522"/>
-            <a:ext cx="3237594" cy="5215778"/>
-          </a:xfrm>
-          <a:prstGeom prst="roundRect">
-            <a:avLst/>
-          </a:prstGeom>
-          <a:noFill/>
-          <a:ln w="38100">
-            <a:solidFill>
-              <a:srgbClr val="92D6B7"/>
-            </a:solidFill>
-          </a:ln>
-        </p:spPr>
-        <p:style>
-          <a:lnRef idx="2">
-            <a:schemeClr val="accent1">
-              <a:shade val="50000"/>
-            </a:schemeClr>
-          </a:lnRef>
-          <a:fillRef idx="1">
-            <a:schemeClr val="accent1"/>
-          </a:fillRef>
-          <a:effectRef idx="0">
-            <a:schemeClr val="accent1"/>
-          </a:effectRef>
-          <a:fontRef idx="minor">
-            <a:schemeClr val="lt1"/>
-          </a:fontRef>
-        </p:style>
-        <p:txBody>
-          <a:bodyPr rtlCol="0" anchor="ctr"/>
-          <a:lstStyle/>
-          <a:p>
-            <a:pPr algn="ctr"/>
-            <a:endParaRPr lang="en-US" sz="1350"/>
-          </a:p>
-        </p:txBody>
-      </p:sp>
-      <p:sp>
-        <p:nvSpPr>
-          <p:cNvPr id="92" name="Rectangle: Rounded Corners 91">
-            <a:extLst>
-              <a:ext uri="{FF2B5EF4-FFF2-40B4-BE49-F238E27FC236}">
-                <a16:creationId xmlns:a16="http://schemas.microsoft.com/office/drawing/2014/main" id="{1BA8B082-176C-4490-BF06-E0C2BE74D262}"/>
-              </a:ext>
-            </a:extLst>
-          </p:cNvPr>
-          <p:cNvSpPr/>
-          <p:nvPr/>
-        </p:nvSpPr>
-        <p:spPr>
-          <a:xfrm>
-            <a:off x="16340173" y="950941"/>
-            <a:ext cx="3237594" cy="5259359"/>
-          </a:xfrm>
-          <a:prstGeom prst="roundRect">
-            <a:avLst/>
-          </a:prstGeom>
-          <a:noFill/>
-          <a:ln w="38100">
-            <a:solidFill>
-              <a:srgbClr val="92D6B7"/>
-            </a:solidFill>
-          </a:ln>
-        </p:spPr>
-        <p:style>
-          <a:lnRef idx="2">
-            <a:schemeClr val="accent1">
-              <a:shade val="50000"/>
-            </a:schemeClr>
-          </a:lnRef>
-          <a:fillRef idx="1">
-            <a:schemeClr val="accent1"/>
-          </a:fillRef>
-          <a:effectRef idx="0">
-            <a:schemeClr val="accent1"/>
-          </a:effectRef>
-          <a:fontRef idx="minor">
-            <a:schemeClr val="lt1"/>
-          </a:fontRef>
-        </p:style>
-        <p:txBody>
-          <a:bodyPr rtlCol="0" anchor="ctr"/>
-          <a:lstStyle/>
-          <a:p>
-            <a:pPr algn="ctr"/>
-            <a:endParaRPr lang="en-US" sz="1350"/>
-          </a:p>
-        </p:txBody>
-      </p:sp>
-      <p:grpSp>
-        <p:nvGrpSpPr>
-          <p:cNvPr id="93" name="Group 92">
-            <a:extLst>
-              <a:ext uri="{FF2B5EF4-FFF2-40B4-BE49-F238E27FC236}">
-                <a16:creationId xmlns:a16="http://schemas.microsoft.com/office/drawing/2014/main" id="{C5DC2D4A-7DB9-4E40-8ABF-5BF711DA4221}"/>
+                <a16:creationId xmlns:a16="http://schemas.microsoft.com/office/drawing/2014/main" id="{6D687B5C-A246-430B-8515-53AEBA0F8F80}"/>
               </a:ext>
             </a:extLst>
           </p:cNvPr>
@@ -4122,7 +3859,7 @@
         </p:nvGrpSpPr>
         <p:grpSpPr>
           <a:xfrm>
-            <a:off x="4566520" y="7526159"/>
+            <a:off x="4336259" y="8329848"/>
             <a:ext cx="2589746" cy="647759"/>
             <a:chOff x="21483123" y="6219785"/>
             <a:chExt cx="3222211" cy="830998"/>
@@ -4130,10 +3867,10 @@
         </p:grpSpPr>
         <p:sp>
           <p:nvSpPr>
-            <p:cNvPr id="96" name="TextBox 95">
+            <p:cNvPr id="89" name="TextBox 88">
               <a:extLst>
                 <a:ext uri="{FF2B5EF4-FFF2-40B4-BE49-F238E27FC236}">
-                  <a16:creationId xmlns:a16="http://schemas.microsoft.com/office/drawing/2014/main" id="{2B45188B-9D2B-4A15-AF8E-152926F28177}"/>
+                  <a16:creationId xmlns:a16="http://schemas.microsoft.com/office/drawing/2014/main" id="{AFA90415-7915-469C-86D7-1C2295400851}"/>
                 </a:ext>
               </a:extLst>
             </p:cNvPr>
@@ -4173,10 +3910,10 @@
         </p:sp>
         <p:sp>
           <p:nvSpPr>
-            <p:cNvPr id="97" name="Rectangle 96">
+            <p:cNvPr id="102" name="Rectangle 101">
               <a:extLst>
                 <a:ext uri="{FF2B5EF4-FFF2-40B4-BE49-F238E27FC236}">
-                  <a16:creationId xmlns:a16="http://schemas.microsoft.com/office/drawing/2014/main" id="{F01FB7B8-812E-4D26-9A57-A74169896270}"/>
+                  <a16:creationId xmlns:a16="http://schemas.microsoft.com/office/drawing/2014/main" id="{8540CFE2-8873-43B0-8143-9C835C164B22}"/>
                 </a:ext>
               </a:extLst>
             </p:cNvPr>
@@ -4222,10 +3959,10 @@
         </p:sp>
         <p:sp>
           <p:nvSpPr>
-            <p:cNvPr id="98" name="Rectangle 97">
+            <p:cNvPr id="103" name="Rectangle 102">
               <a:extLst>
                 <a:ext uri="{FF2B5EF4-FFF2-40B4-BE49-F238E27FC236}">
-                  <a16:creationId xmlns:a16="http://schemas.microsoft.com/office/drawing/2014/main" id="{2986B5FA-E371-4ADE-9174-8705BA7AB9C9}"/>
+                  <a16:creationId xmlns:a16="http://schemas.microsoft.com/office/drawing/2014/main" id="{93B64396-591D-43AA-8FC7-5FF07A71534D}"/>
                 </a:ext>
               </a:extLst>
             </p:cNvPr>
@@ -4271,10 +4008,10 @@
         </p:sp>
         <p:sp>
           <p:nvSpPr>
-            <p:cNvPr id="99" name="TextBox 98">
+            <p:cNvPr id="104" name="TextBox 103">
               <a:extLst>
                 <a:ext uri="{FF2B5EF4-FFF2-40B4-BE49-F238E27FC236}">
-                  <a16:creationId xmlns:a16="http://schemas.microsoft.com/office/drawing/2014/main" id="{89D50EDF-6776-4944-843B-9842F4C964F0}"/>
+                  <a16:creationId xmlns:a16="http://schemas.microsoft.com/office/drawing/2014/main" id="{82157C44-BAB9-4528-9CA0-306A10878C71}"/>
                 </a:ext>
               </a:extLst>
             </p:cNvPr>
@@ -4313,12 +4050,825 @@
           </p:txBody>
         </p:sp>
       </p:grpSp>
-      <p:sp>
-        <p:nvSpPr>
-          <p:cNvPr id="94" name="TextBox 93">
+      <p:grpSp>
+        <p:nvGrpSpPr>
+          <p:cNvPr id="10" name="Group 9">
             <a:extLst>
               <a:ext uri="{FF2B5EF4-FFF2-40B4-BE49-F238E27FC236}">
-                <a16:creationId xmlns:a16="http://schemas.microsoft.com/office/drawing/2014/main" id="{2E9FF65B-2BC5-4704-8F47-8A723FBC5FFE}"/>
+                <a16:creationId xmlns:a16="http://schemas.microsoft.com/office/drawing/2014/main" id="{E0A94426-9EB8-43F6-8AE6-A5491FA14E7B}"/>
+              </a:ext>
+            </a:extLst>
+          </p:cNvPr>
+          <p:cNvGrpSpPr/>
+          <p:nvPr/>
+        </p:nvGrpSpPr>
+        <p:grpSpPr>
+          <a:xfrm>
+            <a:off x="10262309" y="1061483"/>
+            <a:ext cx="11594849" cy="5259359"/>
+            <a:chOff x="9500091" y="950941"/>
+            <a:chExt cx="11594849" cy="5259359"/>
+          </a:xfrm>
+        </p:grpSpPr>
+        <p:sp>
+          <p:nvSpPr>
+            <p:cNvPr id="84" name="TextBox 83">
+              <a:extLst>
+                <a:ext uri="{FF2B5EF4-FFF2-40B4-BE49-F238E27FC236}">
+                  <a16:creationId xmlns:a16="http://schemas.microsoft.com/office/drawing/2014/main" id="{3D58D976-2E70-4022-B035-09CF28965947}"/>
+                </a:ext>
+              </a:extLst>
+            </p:cNvPr>
+            <p:cNvSpPr txBox="1"/>
+            <p:nvPr/>
+          </p:nvSpPr>
+          <p:spPr>
+            <a:xfrm>
+              <a:off x="17119065" y="1069262"/>
+              <a:ext cx="3975875" cy="527802"/>
+            </a:xfrm>
+            <a:prstGeom prst="rect">
+              <a:avLst/>
+            </a:prstGeom>
+            <a:noFill/>
+          </p:spPr>
+          <p:txBody>
+            <a:bodyPr wrap="square" rtlCol="0">
+              <a:spAutoFit/>
+            </a:bodyPr>
+            <a:lstStyle/>
+            <a:p>
+              <a:pPr algn="l"/>
+              <a:r>
+                <a:rPr lang="en-US" sz="2700" dirty="0">
+                  <a:latin typeface="Times New Roman" panose="02020603050405020304" pitchFamily="18" charset="0"/>
+                  <a:cs typeface="Times New Roman" panose="02020603050405020304" pitchFamily="18" charset="0"/>
+                </a:rPr>
+                <a:t>Cystazosin</a:t>
+              </a:r>
+            </a:p>
+          </p:txBody>
+        </p:sp>
+        <p:grpSp>
+          <p:nvGrpSpPr>
+            <p:cNvPr id="9" name="Group 8">
+              <a:extLst>
+                <a:ext uri="{FF2B5EF4-FFF2-40B4-BE49-F238E27FC236}">
+                  <a16:creationId xmlns:a16="http://schemas.microsoft.com/office/drawing/2014/main" id="{3419E8C0-8C51-4D5C-9DE8-3588F0D70636}"/>
+                </a:ext>
+              </a:extLst>
+            </p:cNvPr>
+            <p:cNvGrpSpPr/>
+            <p:nvPr/>
+          </p:nvGrpSpPr>
+          <p:grpSpPr>
+            <a:xfrm>
+              <a:off x="9500091" y="950941"/>
+              <a:ext cx="10077676" cy="5259359"/>
+              <a:chOff x="9500091" y="950941"/>
+              <a:chExt cx="10077676" cy="5259359"/>
+            </a:xfrm>
+          </p:grpSpPr>
+          <p:sp>
+            <p:nvSpPr>
+              <p:cNvPr id="82" name="TextBox 81">
+                <a:extLst>
+                  <a:ext uri="{FF2B5EF4-FFF2-40B4-BE49-F238E27FC236}">
+                    <a16:creationId xmlns:a16="http://schemas.microsoft.com/office/drawing/2014/main" id="{B0CBB520-9746-4956-8DA9-1DFC6C523F24}"/>
+                  </a:ext>
+                </a:extLst>
+              </p:cNvPr>
+              <p:cNvSpPr txBox="1"/>
+              <p:nvPr/>
+            </p:nvSpPr>
+            <p:spPr>
+              <a:xfrm>
+                <a:off x="13308271" y="1100012"/>
+                <a:ext cx="3422388" cy="527802"/>
+              </a:xfrm>
+              <a:prstGeom prst="rect">
+                <a:avLst/>
+              </a:prstGeom>
+              <a:noFill/>
+            </p:spPr>
+            <p:txBody>
+              <a:bodyPr wrap="square" rtlCol="0">
+                <a:spAutoFit/>
+              </a:bodyPr>
+              <a:lstStyle/>
+              <a:p>
+                <a:pPr algn="l"/>
+                <a:r>
+                  <a:rPr lang="en-US" sz="2700" dirty="0">
+                    <a:latin typeface="Times New Roman" panose="02020603050405020304" pitchFamily="18" charset="0"/>
+                    <a:cs typeface="Times New Roman" panose="02020603050405020304" pitchFamily="18" charset="0"/>
+                  </a:rPr>
+                  <a:t>CHEMBL127587</a:t>
+                </a:r>
+              </a:p>
+            </p:txBody>
+          </p:sp>
+          <p:sp>
+            <p:nvSpPr>
+              <p:cNvPr id="83" name="TextBox 82">
+                <a:extLst>
+                  <a:ext uri="{FF2B5EF4-FFF2-40B4-BE49-F238E27FC236}">
+                    <a16:creationId xmlns:a16="http://schemas.microsoft.com/office/drawing/2014/main" id="{A406C1E5-1CE7-46FA-AEAB-F050F65F2772}"/>
+                  </a:ext>
+                </a:extLst>
+              </p:cNvPr>
+              <p:cNvSpPr txBox="1"/>
+              <p:nvPr/>
+            </p:nvSpPr>
+            <p:spPr>
+              <a:xfrm>
+                <a:off x="9740836" y="1094270"/>
+                <a:ext cx="3975875" cy="527802"/>
+              </a:xfrm>
+              <a:prstGeom prst="rect">
+                <a:avLst/>
+              </a:prstGeom>
+              <a:noFill/>
+            </p:spPr>
+            <p:txBody>
+              <a:bodyPr wrap="square" rtlCol="0">
+                <a:spAutoFit/>
+              </a:bodyPr>
+              <a:lstStyle/>
+              <a:p>
+                <a:pPr algn="l"/>
+                <a:r>
+                  <a:rPr lang="en-US" sz="2700" dirty="0">
+                    <a:latin typeface="Times New Roman" panose="02020603050405020304" pitchFamily="18" charset="0"/>
+                    <a:cs typeface="Times New Roman" panose="02020603050405020304" pitchFamily="18" charset="0"/>
+                  </a:rPr>
+                  <a:t>CHEMBL2333416 </a:t>
+                </a:r>
+              </a:p>
+            </p:txBody>
+          </p:sp>
+          <p:sp>
+            <p:nvSpPr>
+              <p:cNvPr id="85" name="TextBox 84">
+                <a:extLst>
+                  <a:ext uri="{FF2B5EF4-FFF2-40B4-BE49-F238E27FC236}">
+                    <a16:creationId xmlns:a16="http://schemas.microsoft.com/office/drawing/2014/main" id="{68FC9A30-B70F-456A-84BF-8165DE88BAC2}"/>
+                  </a:ext>
+                </a:extLst>
+              </p:cNvPr>
+              <p:cNvSpPr txBox="1"/>
+              <p:nvPr/>
+            </p:nvSpPr>
+            <p:spPr>
+              <a:xfrm>
+                <a:off x="10475189" y="4773535"/>
+                <a:ext cx="1868613" cy="1207282"/>
+              </a:xfrm>
+              <a:prstGeom prst="rect">
+                <a:avLst/>
+              </a:prstGeom>
+              <a:noFill/>
+            </p:spPr>
+            <p:txBody>
+              <a:bodyPr wrap="square" rtlCol="0">
+                <a:spAutoFit/>
+              </a:bodyPr>
+              <a:lstStyle/>
+              <a:p>
+                <a:r>
+                  <a:rPr lang="en-US" sz="2273" dirty="0">
+                    <a:latin typeface="Times New Roman" panose="02020603050405020304" pitchFamily="18" charset="0"/>
+                    <a:ea typeface="Calibri" panose="020F0502020204030204" pitchFamily="34" charset="0"/>
+                    <a:cs typeface="Times New Roman" panose="02020603050405020304" pitchFamily="18" charset="0"/>
+                  </a:rPr>
+                  <a:t>k</a:t>
+                </a:r>
+                <a:r>
+                  <a:rPr lang="en-US" sz="2273" baseline="-25000" dirty="0">
+                    <a:latin typeface="Times New Roman" panose="02020603050405020304" pitchFamily="18" charset="0"/>
+                    <a:ea typeface="Calibri" panose="020F0502020204030204" pitchFamily="34" charset="0"/>
+                    <a:cs typeface="Times New Roman" panose="02020603050405020304" pitchFamily="18" charset="0"/>
+                  </a:rPr>
+                  <a:t>i</a:t>
+                </a:r>
+                <a:r>
+                  <a:rPr lang="en-US" sz="2273" baseline="30000" dirty="0">
+                    <a:latin typeface="Times New Roman" panose="02020603050405020304" pitchFamily="18" charset="0"/>
+                    <a:ea typeface="Calibri" panose="020F0502020204030204" pitchFamily="34" charset="0"/>
+                    <a:cs typeface="Times New Roman" panose="02020603050405020304" pitchFamily="18" charset="0"/>
+                  </a:rPr>
+                  <a:t>+ </a:t>
+                </a:r>
+                <a:r>
+                  <a:rPr lang="en-US" sz="2273" dirty="0">
+                    <a:latin typeface="Times New Roman" panose="02020603050405020304" pitchFamily="18" charset="0"/>
+                    <a:cs typeface="Times New Roman" panose="02020603050405020304" pitchFamily="18" charset="0"/>
+                  </a:rPr>
+                  <a:t>= </a:t>
+                </a:r>
+                <a:r>
+                  <a:rPr lang="en-US" sz="2274" dirty="0">
+                    <a:latin typeface="Times New Roman" panose="02020603050405020304" pitchFamily="18" charset="0"/>
+                    <a:cs typeface="Times New Roman" panose="02020603050405020304" pitchFamily="18" charset="0"/>
+                  </a:rPr>
+                  <a:t>20</a:t>
+                </a:r>
+              </a:p>
+              <a:p>
+                <a:r>
+                  <a:rPr lang="en-US" sz="2273" dirty="0">
+                    <a:latin typeface="Times New Roman" panose="02020603050405020304" pitchFamily="18" charset="0"/>
+                    <a:ea typeface="Calibri" panose="020F0502020204030204" pitchFamily="34" charset="0"/>
+                    <a:cs typeface="Times New Roman" panose="02020603050405020304" pitchFamily="18" charset="0"/>
+                  </a:rPr>
+                  <a:t>k</a:t>
+                </a:r>
+                <a:r>
+                  <a:rPr lang="en-US" sz="2273" baseline="-25000" dirty="0">
+                    <a:latin typeface="Times New Roman" panose="02020603050405020304" pitchFamily="18" charset="0"/>
+                    <a:ea typeface="Calibri" panose="020F0502020204030204" pitchFamily="34" charset="0"/>
+                    <a:cs typeface="Times New Roman" panose="02020603050405020304" pitchFamily="18" charset="0"/>
+                  </a:rPr>
+                  <a:t>i</a:t>
+                </a:r>
+                <a:r>
+                  <a:rPr lang="en-US" sz="2273" baseline="30000" dirty="0">
+                    <a:latin typeface="Times New Roman" panose="02020603050405020304" pitchFamily="18" charset="0"/>
+                    <a:ea typeface="Calibri" panose="020F0502020204030204" pitchFamily="34" charset="0"/>
+                    <a:cs typeface="Times New Roman" panose="02020603050405020304" pitchFamily="18" charset="0"/>
+                  </a:rPr>
+                  <a:t>- </a:t>
+                </a:r>
+                <a:r>
+                  <a:rPr lang="en-US" sz="2274" dirty="0">
+                    <a:latin typeface="Times New Roman" panose="02020603050405020304" pitchFamily="18" charset="0"/>
+                    <a:cs typeface="Times New Roman" panose="02020603050405020304" pitchFamily="18" charset="0"/>
+                  </a:rPr>
+                  <a:t>= 11</a:t>
+                </a:r>
+              </a:p>
+              <a:p>
+                <a:r>
+                  <a:rPr lang="el-GR" sz="2273" dirty="0">
+                    <a:latin typeface="Times New Roman" panose="02020603050405020304" pitchFamily="18" charset="0"/>
+                    <a:ea typeface="Calibri" panose="020F0502020204030204" pitchFamily="34" charset="0"/>
+                    <a:cs typeface="Times New Roman" panose="02020603050405020304" pitchFamily="18" charset="0"/>
+                  </a:rPr>
+                  <a:t>ρ</a:t>
+                </a:r>
+                <a:r>
+                  <a:rPr lang="en-US" sz="2273" baseline="-25000" dirty="0">
+                    <a:latin typeface="Times New Roman" panose="02020603050405020304" pitchFamily="18" charset="0"/>
+                    <a:ea typeface="Calibri" panose="020F0502020204030204" pitchFamily="34" charset="0"/>
+                    <a:cs typeface="Times New Roman" panose="02020603050405020304" pitchFamily="18" charset="0"/>
+                  </a:rPr>
+                  <a:t>i </a:t>
+                </a:r>
+                <a:r>
+                  <a:rPr lang="el-GR" sz="2400" dirty="0">
+                    <a:solidFill>
+                      <a:srgbClr val="202124"/>
+                    </a:solidFill>
+                    <a:latin typeface="Times New Roman" panose="02020603050405020304" pitchFamily="18" charset="0"/>
+                    <a:cs typeface="Times New Roman" panose="02020603050405020304" pitchFamily="18" charset="0"/>
+                  </a:rPr>
+                  <a:t> </a:t>
+                </a:r>
+                <a:r>
+                  <a:rPr lang="en-US" sz="2274" dirty="0">
+                    <a:latin typeface="Times New Roman" panose="02020603050405020304" pitchFamily="18" charset="0"/>
+                    <a:cs typeface="Times New Roman" panose="02020603050405020304" pitchFamily="18" charset="0"/>
+                  </a:rPr>
+                  <a:t>= 0.64</a:t>
+                </a:r>
+              </a:p>
+            </p:txBody>
+          </p:sp>
+          <p:sp>
+            <p:nvSpPr>
+              <p:cNvPr id="105" name="TextBox 104">
+                <a:extLst>
+                  <a:ext uri="{FF2B5EF4-FFF2-40B4-BE49-F238E27FC236}">
+                    <a16:creationId xmlns:a16="http://schemas.microsoft.com/office/drawing/2014/main" id="{829406AA-C737-42EB-941C-29C753551814}"/>
+                  </a:ext>
+                </a:extLst>
+              </p:cNvPr>
+              <p:cNvSpPr txBox="1"/>
+              <p:nvPr/>
+            </p:nvSpPr>
+            <p:spPr>
+              <a:xfrm>
+                <a:off x="14122351" y="4782519"/>
+                <a:ext cx="1868613" cy="1207282"/>
+              </a:xfrm>
+              <a:prstGeom prst="rect">
+                <a:avLst/>
+              </a:prstGeom>
+              <a:noFill/>
+            </p:spPr>
+            <p:txBody>
+              <a:bodyPr wrap="square" rtlCol="0">
+                <a:spAutoFit/>
+              </a:bodyPr>
+              <a:lstStyle/>
+              <a:p>
+                <a:r>
+                  <a:rPr lang="en-US" sz="2273" dirty="0">
+                    <a:latin typeface="Times New Roman" panose="02020603050405020304" pitchFamily="18" charset="0"/>
+                    <a:ea typeface="Calibri" panose="020F0502020204030204" pitchFamily="34" charset="0"/>
+                    <a:cs typeface="Times New Roman" panose="02020603050405020304" pitchFamily="18" charset="0"/>
+                  </a:rPr>
+                  <a:t>k</a:t>
+                </a:r>
+                <a:r>
+                  <a:rPr lang="en-US" sz="2273" baseline="-25000" dirty="0">
+                    <a:latin typeface="Times New Roman" panose="02020603050405020304" pitchFamily="18" charset="0"/>
+                    <a:ea typeface="Calibri" panose="020F0502020204030204" pitchFamily="34" charset="0"/>
+                    <a:cs typeface="Times New Roman" panose="02020603050405020304" pitchFamily="18" charset="0"/>
+                  </a:rPr>
+                  <a:t>i</a:t>
+                </a:r>
+                <a:r>
+                  <a:rPr lang="en-US" sz="2273" baseline="30000" dirty="0">
+                    <a:latin typeface="Times New Roman" panose="02020603050405020304" pitchFamily="18" charset="0"/>
+                    <a:ea typeface="Calibri" panose="020F0502020204030204" pitchFamily="34" charset="0"/>
+                    <a:cs typeface="Times New Roman" panose="02020603050405020304" pitchFamily="18" charset="0"/>
+                  </a:rPr>
+                  <a:t>+ </a:t>
+                </a:r>
+                <a:r>
+                  <a:rPr lang="en-US" sz="2273" dirty="0">
+                    <a:latin typeface="Times New Roman" panose="02020603050405020304" pitchFamily="18" charset="0"/>
+                    <a:cs typeface="Times New Roman" panose="02020603050405020304" pitchFamily="18" charset="0"/>
+                  </a:rPr>
+                  <a:t>= 3</a:t>
+                </a:r>
+                <a:endParaRPr lang="en-US" sz="2274" dirty="0">
+                  <a:latin typeface="Times New Roman" panose="02020603050405020304" pitchFamily="18" charset="0"/>
+                  <a:cs typeface="Times New Roman" panose="02020603050405020304" pitchFamily="18" charset="0"/>
+                </a:endParaRPr>
+              </a:p>
+              <a:p>
+                <a:r>
+                  <a:rPr lang="en-US" sz="2273" dirty="0">
+                    <a:latin typeface="Times New Roman" panose="02020603050405020304" pitchFamily="18" charset="0"/>
+                    <a:ea typeface="Calibri" panose="020F0502020204030204" pitchFamily="34" charset="0"/>
+                    <a:cs typeface="Times New Roman" panose="02020603050405020304" pitchFamily="18" charset="0"/>
+                  </a:rPr>
+                  <a:t>k</a:t>
+                </a:r>
+                <a:r>
+                  <a:rPr lang="en-US" sz="2273" baseline="-25000" dirty="0">
+                    <a:latin typeface="Times New Roman" panose="02020603050405020304" pitchFamily="18" charset="0"/>
+                    <a:ea typeface="Calibri" panose="020F0502020204030204" pitchFamily="34" charset="0"/>
+                    <a:cs typeface="Times New Roman" panose="02020603050405020304" pitchFamily="18" charset="0"/>
+                  </a:rPr>
+                  <a:t>i</a:t>
+                </a:r>
+                <a:r>
+                  <a:rPr lang="en-US" sz="2273" baseline="30000" dirty="0">
+                    <a:latin typeface="Times New Roman" panose="02020603050405020304" pitchFamily="18" charset="0"/>
+                    <a:ea typeface="Calibri" panose="020F0502020204030204" pitchFamily="34" charset="0"/>
+                    <a:cs typeface="Times New Roman" panose="02020603050405020304" pitchFamily="18" charset="0"/>
+                  </a:rPr>
+                  <a:t>- </a:t>
+                </a:r>
+                <a:r>
+                  <a:rPr lang="en-US" sz="2274" dirty="0">
+                    <a:latin typeface="Times New Roman" panose="02020603050405020304" pitchFamily="18" charset="0"/>
+                    <a:cs typeface="Times New Roman" panose="02020603050405020304" pitchFamily="18" charset="0"/>
+                  </a:rPr>
+                  <a:t>= 1</a:t>
+                </a:r>
+              </a:p>
+              <a:p>
+                <a:r>
+                  <a:rPr lang="el-GR" sz="2273" dirty="0">
+                    <a:latin typeface="Times New Roman" panose="02020603050405020304" pitchFamily="18" charset="0"/>
+                    <a:ea typeface="Calibri" panose="020F0502020204030204" pitchFamily="34" charset="0"/>
+                    <a:cs typeface="Times New Roman" panose="02020603050405020304" pitchFamily="18" charset="0"/>
+                  </a:rPr>
+                  <a:t>ρ</a:t>
+                </a:r>
+                <a:r>
+                  <a:rPr lang="en-US" sz="2273" baseline="-25000" dirty="0">
+                    <a:latin typeface="Times New Roman" panose="02020603050405020304" pitchFamily="18" charset="0"/>
+                    <a:ea typeface="Calibri" panose="020F0502020204030204" pitchFamily="34" charset="0"/>
+                    <a:cs typeface="Times New Roman" panose="02020603050405020304" pitchFamily="18" charset="0"/>
+                  </a:rPr>
+                  <a:t>i </a:t>
+                </a:r>
+                <a:r>
+                  <a:rPr lang="el-GR" sz="2400" dirty="0">
+                    <a:solidFill>
+                      <a:srgbClr val="202124"/>
+                    </a:solidFill>
+                    <a:latin typeface="Times New Roman" panose="02020603050405020304" pitchFamily="18" charset="0"/>
+                    <a:cs typeface="Times New Roman" panose="02020603050405020304" pitchFamily="18" charset="0"/>
+                  </a:rPr>
+                  <a:t> </a:t>
+                </a:r>
+                <a:r>
+                  <a:rPr lang="en-US" sz="2274" dirty="0">
+                    <a:latin typeface="Times New Roman" panose="02020603050405020304" pitchFamily="18" charset="0"/>
+                    <a:cs typeface="Times New Roman" panose="02020603050405020304" pitchFamily="18" charset="0"/>
+                  </a:rPr>
+                  <a:t>= 0.75</a:t>
+                </a:r>
+              </a:p>
+            </p:txBody>
+          </p:sp>
+          <p:pic>
+            <p:nvPicPr>
+              <p:cNvPr id="109" name="Picture 108">
+                <a:extLst>
+                  <a:ext uri="{FF2B5EF4-FFF2-40B4-BE49-F238E27FC236}">
+                    <a16:creationId xmlns:a16="http://schemas.microsoft.com/office/drawing/2014/main" id="{420D98FF-634C-44E5-85EF-1E9F55125F95}"/>
+                  </a:ext>
+                </a:extLst>
+              </p:cNvPr>
+              <p:cNvPicPr>
+                <a:picLocks noChangeAspect="1"/>
+              </p:cNvPicPr>
+              <p:nvPr/>
+            </p:nvPicPr>
+            <p:blipFill>
+              <a:blip r:embed="rId4"/>
+              <a:stretch>
+                <a:fillRect/>
+              </a:stretch>
+            </p:blipFill>
+            <p:spPr>
+              <a:xfrm rot="5400000">
+                <a:off x="16419745" y="2678594"/>
+                <a:ext cx="3078449" cy="1039095"/>
+              </a:xfrm>
+              <a:prstGeom prst="rect">
+                <a:avLst/>
+              </a:prstGeom>
+            </p:spPr>
+          </p:pic>
+          <p:pic>
+            <p:nvPicPr>
+              <p:cNvPr id="110" name="Picture 109">
+                <a:extLst>
+                  <a:ext uri="{FF2B5EF4-FFF2-40B4-BE49-F238E27FC236}">
+                    <a16:creationId xmlns:a16="http://schemas.microsoft.com/office/drawing/2014/main" id="{3D15BA4B-4C39-4812-97B5-3192A9AF06B8}"/>
+                  </a:ext>
+                </a:extLst>
+              </p:cNvPr>
+              <p:cNvPicPr>
+                <a:picLocks noChangeAspect="1"/>
+              </p:cNvPicPr>
+              <p:nvPr/>
+            </p:nvPicPr>
+            <p:blipFill>
+              <a:blip r:embed="rId5"/>
+              <a:stretch>
+                <a:fillRect/>
+              </a:stretch>
+            </p:blipFill>
+            <p:spPr>
+              <a:xfrm>
+                <a:off x="12999652" y="1894919"/>
+                <a:ext cx="2933700" cy="2343150"/>
+              </a:xfrm>
+              <a:prstGeom prst="rect">
+                <a:avLst/>
+              </a:prstGeom>
+            </p:spPr>
+          </p:pic>
+          <p:pic>
+            <p:nvPicPr>
+              <p:cNvPr id="111" name="Picture 110">
+                <a:extLst>
+                  <a:ext uri="{FF2B5EF4-FFF2-40B4-BE49-F238E27FC236}">
+                    <a16:creationId xmlns:a16="http://schemas.microsoft.com/office/drawing/2014/main" id="{169B48E4-FFE8-48CF-BA8C-BEC638037724}"/>
+                  </a:ext>
+                </a:extLst>
+              </p:cNvPr>
+              <p:cNvPicPr>
+                <a:picLocks noChangeAspect="1"/>
+              </p:cNvPicPr>
+              <p:nvPr/>
+            </p:nvPicPr>
+            <p:blipFill>
+              <a:blip r:embed="rId6"/>
+              <a:stretch>
+                <a:fillRect/>
+              </a:stretch>
+            </p:blipFill>
+            <p:spPr>
+              <a:xfrm>
+                <a:off x="9905972" y="1666319"/>
+                <a:ext cx="2324100" cy="2800350"/>
+              </a:xfrm>
+              <a:prstGeom prst="rect">
+                <a:avLst/>
+              </a:prstGeom>
+            </p:spPr>
+          </p:pic>
+          <p:sp>
+            <p:nvSpPr>
+              <p:cNvPr id="114" name="Rectangle: Rounded Corners 113">
+                <a:extLst>
+                  <a:ext uri="{FF2B5EF4-FFF2-40B4-BE49-F238E27FC236}">
+                    <a16:creationId xmlns:a16="http://schemas.microsoft.com/office/drawing/2014/main" id="{9B1BBAE3-4F1D-4E65-A8A1-8017B59B82B4}"/>
+                  </a:ext>
+                </a:extLst>
+              </p:cNvPr>
+              <p:cNvSpPr/>
+              <p:nvPr/>
+            </p:nvSpPr>
+            <p:spPr>
+              <a:xfrm>
+                <a:off x="9500091" y="999625"/>
+                <a:ext cx="3237594" cy="5210675"/>
+              </a:xfrm>
+              <a:prstGeom prst="roundRect">
+                <a:avLst/>
+              </a:prstGeom>
+              <a:noFill/>
+              <a:ln w="38100">
+                <a:solidFill>
+                  <a:srgbClr val="92D6B7"/>
+                </a:solidFill>
+              </a:ln>
+            </p:spPr>
+            <p:style>
+              <a:lnRef idx="2">
+                <a:schemeClr val="accent1">
+                  <a:shade val="50000"/>
+                </a:schemeClr>
+              </a:lnRef>
+              <a:fillRef idx="1">
+                <a:schemeClr val="accent1"/>
+              </a:fillRef>
+              <a:effectRef idx="0">
+                <a:schemeClr val="accent1"/>
+              </a:effectRef>
+              <a:fontRef idx="minor">
+                <a:schemeClr val="lt1"/>
+              </a:fontRef>
+            </p:style>
+            <p:txBody>
+              <a:bodyPr rtlCol="0" anchor="ctr"/>
+              <a:lstStyle/>
+              <a:p>
+                <a:pPr algn="ctr"/>
+                <a:endParaRPr lang="en-US" sz="1350"/>
+              </a:p>
+            </p:txBody>
+          </p:sp>
+          <p:sp>
+            <p:nvSpPr>
+              <p:cNvPr id="115" name="Rectangle: Rounded Corners 114">
+                <a:extLst>
+                  <a:ext uri="{FF2B5EF4-FFF2-40B4-BE49-F238E27FC236}">
+                    <a16:creationId xmlns:a16="http://schemas.microsoft.com/office/drawing/2014/main" id="{784EA528-0779-453D-8B3E-B5FABD6E2539}"/>
+                  </a:ext>
+                </a:extLst>
+              </p:cNvPr>
+              <p:cNvSpPr/>
+              <p:nvPr/>
+            </p:nvSpPr>
+            <p:spPr>
+              <a:xfrm>
+                <a:off x="12963592" y="994522"/>
+                <a:ext cx="3237594" cy="5215778"/>
+              </a:xfrm>
+              <a:prstGeom prst="roundRect">
+                <a:avLst/>
+              </a:prstGeom>
+              <a:noFill/>
+              <a:ln w="38100">
+                <a:solidFill>
+                  <a:srgbClr val="92D6B7"/>
+                </a:solidFill>
+              </a:ln>
+            </p:spPr>
+            <p:style>
+              <a:lnRef idx="2">
+                <a:schemeClr val="accent1">
+                  <a:shade val="50000"/>
+                </a:schemeClr>
+              </a:lnRef>
+              <a:fillRef idx="1">
+                <a:schemeClr val="accent1"/>
+              </a:fillRef>
+              <a:effectRef idx="0">
+                <a:schemeClr val="accent1"/>
+              </a:effectRef>
+              <a:fontRef idx="minor">
+                <a:schemeClr val="lt1"/>
+              </a:fontRef>
+            </p:style>
+            <p:txBody>
+              <a:bodyPr rtlCol="0" anchor="ctr"/>
+              <a:lstStyle/>
+              <a:p>
+                <a:pPr algn="ctr"/>
+                <a:endParaRPr lang="en-US" sz="1350"/>
+              </a:p>
+            </p:txBody>
+          </p:sp>
+          <p:sp>
+            <p:nvSpPr>
+              <p:cNvPr id="116" name="Rectangle: Rounded Corners 115">
+                <a:extLst>
+                  <a:ext uri="{FF2B5EF4-FFF2-40B4-BE49-F238E27FC236}">
+                    <a16:creationId xmlns:a16="http://schemas.microsoft.com/office/drawing/2014/main" id="{C20C8DD4-396A-4DFB-ACBB-654774B56DF2}"/>
+                  </a:ext>
+                </a:extLst>
+              </p:cNvPr>
+              <p:cNvSpPr/>
+              <p:nvPr/>
+            </p:nvSpPr>
+            <p:spPr>
+              <a:xfrm>
+                <a:off x="16340173" y="950941"/>
+                <a:ext cx="3237594" cy="5259359"/>
+              </a:xfrm>
+              <a:prstGeom prst="roundRect">
+                <a:avLst/>
+              </a:prstGeom>
+              <a:noFill/>
+              <a:ln w="38100">
+                <a:solidFill>
+                  <a:srgbClr val="92D6B7"/>
+                </a:solidFill>
+              </a:ln>
+            </p:spPr>
+            <p:style>
+              <a:lnRef idx="2">
+                <a:schemeClr val="accent1">
+                  <a:shade val="50000"/>
+                </a:schemeClr>
+              </a:lnRef>
+              <a:fillRef idx="1">
+                <a:schemeClr val="accent1"/>
+              </a:fillRef>
+              <a:effectRef idx="0">
+                <a:schemeClr val="accent1"/>
+              </a:effectRef>
+              <a:fontRef idx="minor">
+                <a:schemeClr val="lt1"/>
+              </a:fontRef>
+            </p:style>
+            <p:txBody>
+              <a:bodyPr rtlCol="0" anchor="ctr"/>
+              <a:lstStyle/>
+              <a:p>
+                <a:pPr algn="ctr"/>
+                <a:endParaRPr lang="en-US" sz="1350"/>
+              </a:p>
+            </p:txBody>
+          </p:sp>
+          <p:sp>
+            <p:nvSpPr>
+              <p:cNvPr id="117" name="TextBox 116">
+                <a:extLst>
+                  <a:ext uri="{FF2B5EF4-FFF2-40B4-BE49-F238E27FC236}">
+                    <a16:creationId xmlns:a16="http://schemas.microsoft.com/office/drawing/2014/main" id="{E858C30C-7BA5-4EDA-B217-1B62C9F716E7}"/>
+                  </a:ext>
+                </a:extLst>
+              </p:cNvPr>
+              <p:cNvSpPr txBox="1"/>
+              <p:nvPr/>
+            </p:nvSpPr>
+            <p:spPr>
+              <a:xfrm>
+                <a:off x="17519706" y="4773535"/>
+                <a:ext cx="1868613" cy="1207282"/>
+              </a:xfrm>
+              <a:prstGeom prst="rect">
+                <a:avLst/>
+              </a:prstGeom>
+              <a:noFill/>
+            </p:spPr>
+            <p:txBody>
+              <a:bodyPr wrap="square" rtlCol="0">
+                <a:spAutoFit/>
+              </a:bodyPr>
+              <a:lstStyle/>
+              <a:p>
+                <a:r>
+                  <a:rPr lang="en-US" sz="2273" dirty="0">
+                    <a:latin typeface="Times New Roman" panose="02020603050405020304" pitchFamily="18" charset="0"/>
+                    <a:ea typeface="Calibri" panose="020F0502020204030204" pitchFamily="34" charset="0"/>
+                    <a:cs typeface="Times New Roman" panose="02020603050405020304" pitchFamily="18" charset="0"/>
+                  </a:rPr>
+                  <a:t>k</a:t>
+                </a:r>
+                <a:r>
+                  <a:rPr lang="en-US" sz="2273" baseline="-25000" dirty="0">
+                    <a:latin typeface="Times New Roman" panose="02020603050405020304" pitchFamily="18" charset="0"/>
+                    <a:ea typeface="Calibri" panose="020F0502020204030204" pitchFamily="34" charset="0"/>
+                    <a:cs typeface="Times New Roman" panose="02020603050405020304" pitchFamily="18" charset="0"/>
+                  </a:rPr>
+                  <a:t>i</a:t>
+                </a:r>
+                <a:r>
+                  <a:rPr lang="en-US" sz="2273" baseline="30000" dirty="0">
+                    <a:latin typeface="Times New Roman" panose="02020603050405020304" pitchFamily="18" charset="0"/>
+                    <a:ea typeface="Calibri" panose="020F0502020204030204" pitchFamily="34" charset="0"/>
+                    <a:cs typeface="Times New Roman" panose="02020603050405020304" pitchFamily="18" charset="0"/>
+                  </a:rPr>
+                  <a:t>+ </a:t>
+                </a:r>
+                <a:r>
+                  <a:rPr lang="en-US" sz="2273" dirty="0">
+                    <a:latin typeface="Times New Roman" panose="02020603050405020304" pitchFamily="18" charset="0"/>
+                    <a:cs typeface="Times New Roman" panose="02020603050405020304" pitchFamily="18" charset="0"/>
+                  </a:rPr>
+                  <a:t>= </a:t>
+                </a:r>
+                <a:r>
+                  <a:rPr lang="en-US" sz="2274" dirty="0">
+                    <a:latin typeface="Times New Roman" panose="02020603050405020304" pitchFamily="18" charset="0"/>
+                    <a:cs typeface="Times New Roman" panose="02020603050405020304" pitchFamily="18" charset="0"/>
+                  </a:rPr>
+                  <a:t>1</a:t>
+                </a:r>
+              </a:p>
+              <a:p>
+                <a:r>
+                  <a:rPr lang="en-US" sz="2273" dirty="0">
+                    <a:latin typeface="Times New Roman" panose="02020603050405020304" pitchFamily="18" charset="0"/>
+                    <a:ea typeface="Calibri" panose="020F0502020204030204" pitchFamily="34" charset="0"/>
+                    <a:cs typeface="Times New Roman" panose="02020603050405020304" pitchFamily="18" charset="0"/>
+                  </a:rPr>
+                  <a:t>k</a:t>
+                </a:r>
+                <a:r>
+                  <a:rPr lang="en-US" sz="2273" baseline="-25000" dirty="0">
+                    <a:latin typeface="Times New Roman" panose="02020603050405020304" pitchFamily="18" charset="0"/>
+                    <a:ea typeface="Calibri" panose="020F0502020204030204" pitchFamily="34" charset="0"/>
+                    <a:cs typeface="Times New Roman" panose="02020603050405020304" pitchFamily="18" charset="0"/>
+                  </a:rPr>
+                  <a:t>i</a:t>
+                </a:r>
+                <a:r>
+                  <a:rPr lang="en-US" sz="2273" baseline="30000" dirty="0">
+                    <a:latin typeface="Times New Roman" panose="02020603050405020304" pitchFamily="18" charset="0"/>
+                    <a:ea typeface="Calibri" panose="020F0502020204030204" pitchFamily="34" charset="0"/>
+                    <a:cs typeface="Times New Roman" panose="02020603050405020304" pitchFamily="18" charset="0"/>
+                  </a:rPr>
+                  <a:t>- </a:t>
+                </a:r>
+                <a:r>
+                  <a:rPr lang="en-US" sz="2274" dirty="0">
+                    <a:latin typeface="Times New Roman" panose="02020603050405020304" pitchFamily="18" charset="0"/>
+                    <a:cs typeface="Times New Roman" panose="02020603050405020304" pitchFamily="18" charset="0"/>
+                  </a:rPr>
+                  <a:t>= 0</a:t>
+                </a:r>
+              </a:p>
+              <a:p>
+                <a:r>
+                  <a:rPr lang="el-GR" sz="2273" dirty="0">
+                    <a:latin typeface="Times New Roman" panose="02020603050405020304" pitchFamily="18" charset="0"/>
+                    <a:ea typeface="Calibri" panose="020F0502020204030204" pitchFamily="34" charset="0"/>
+                    <a:cs typeface="Times New Roman" panose="02020603050405020304" pitchFamily="18" charset="0"/>
+                  </a:rPr>
+                  <a:t>ρ</a:t>
+                </a:r>
+                <a:r>
+                  <a:rPr lang="en-US" sz="2273" baseline="-25000" dirty="0">
+                    <a:latin typeface="Times New Roman" panose="02020603050405020304" pitchFamily="18" charset="0"/>
+                    <a:ea typeface="Calibri" panose="020F0502020204030204" pitchFamily="34" charset="0"/>
+                    <a:cs typeface="Times New Roman" panose="02020603050405020304" pitchFamily="18" charset="0"/>
+                  </a:rPr>
+                  <a:t>i </a:t>
+                </a:r>
+                <a:r>
+                  <a:rPr lang="el-GR" sz="2400" dirty="0">
+                    <a:solidFill>
+                      <a:srgbClr val="202124"/>
+                    </a:solidFill>
+                    <a:latin typeface="Times New Roman" panose="02020603050405020304" pitchFamily="18" charset="0"/>
+                    <a:cs typeface="Times New Roman" panose="02020603050405020304" pitchFamily="18" charset="0"/>
+                  </a:rPr>
+                  <a:t> </a:t>
+                </a:r>
+                <a:r>
+                  <a:rPr lang="en-US" sz="2274" dirty="0">
+                    <a:latin typeface="Times New Roman" panose="02020603050405020304" pitchFamily="18" charset="0"/>
+                    <a:cs typeface="Times New Roman" panose="02020603050405020304" pitchFamily="18" charset="0"/>
+                  </a:rPr>
+                  <a:t>= 1.0</a:t>
+                </a:r>
+              </a:p>
+            </p:txBody>
+          </p:sp>
+        </p:grpSp>
+      </p:grpSp>
+      <p:sp>
+        <p:nvSpPr>
+          <p:cNvPr id="153" name="TextBox 152">
+            <a:extLst>
+              <a:ext uri="{FF2B5EF4-FFF2-40B4-BE49-F238E27FC236}">
+                <a16:creationId xmlns:a16="http://schemas.microsoft.com/office/drawing/2014/main" id="{6C7FEA9A-1F4E-4D98-8C39-73A5E635B38A}"/>
               </a:ext>
             </a:extLst>
           </p:cNvPr>
@@ -4327,278 +4877,7 @@
         </p:nvSpPr>
         <p:spPr>
           <a:xfrm>
-            <a:off x="14122351" y="4782519"/>
-            <a:ext cx="1868613" cy="1207282"/>
-          </a:xfrm>
-          <a:prstGeom prst="rect">
-            <a:avLst/>
-          </a:prstGeom>
-          <a:noFill/>
-        </p:spPr>
-        <p:txBody>
-          <a:bodyPr wrap="square" rtlCol="0">
-            <a:spAutoFit/>
-          </a:bodyPr>
-          <a:lstStyle/>
-          <a:p>
-            <a:r>
-              <a:rPr lang="en-US" sz="2273" dirty="0">
-                <a:latin typeface="Times New Roman" panose="02020603050405020304" pitchFamily="18" charset="0"/>
-                <a:ea typeface="Calibri" panose="020F0502020204030204" pitchFamily="34" charset="0"/>
-                <a:cs typeface="Times New Roman" panose="02020603050405020304" pitchFamily="18" charset="0"/>
-              </a:rPr>
-              <a:t>k</a:t>
-            </a:r>
-            <a:r>
-              <a:rPr lang="en-US" sz="2273" baseline="-25000" dirty="0">
-                <a:latin typeface="Times New Roman" panose="02020603050405020304" pitchFamily="18" charset="0"/>
-                <a:ea typeface="Calibri" panose="020F0502020204030204" pitchFamily="34" charset="0"/>
-                <a:cs typeface="Times New Roman" panose="02020603050405020304" pitchFamily="18" charset="0"/>
-              </a:rPr>
-              <a:t>i</a:t>
-            </a:r>
-            <a:r>
-              <a:rPr lang="en-US" sz="2273" baseline="30000" dirty="0">
-                <a:latin typeface="Times New Roman" panose="02020603050405020304" pitchFamily="18" charset="0"/>
-                <a:ea typeface="Calibri" panose="020F0502020204030204" pitchFamily="34" charset="0"/>
-                <a:cs typeface="Times New Roman" panose="02020603050405020304" pitchFamily="18" charset="0"/>
-              </a:rPr>
-              <a:t>+ </a:t>
-            </a:r>
-            <a:r>
-              <a:rPr lang="en-US" sz="2273" dirty="0">
-                <a:latin typeface="Times New Roman" panose="02020603050405020304" pitchFamily="18" charset="0"/>
-                <a:cs typeface="Times New Roman" panose="02020603050405020304" pitchFamily="18" charset="0"/>
-              </a:rPr>
-              <a:t>= 3</a:t>
-            </a:r>
-            <a:endParaRPr lang="en-US" sz="2274" dirty="0">
-              <a:latin typeface="Times New Roman" panose="02020603050405020304" pitchFamily="18" charset="0"/>
-              <a:cs typeface="Times New Roman" panose="02020603050405020304" pitchFamily="18" charset="0"/>
-            </a:endParaRPr>
-          </a:p>
-          <a:p>
-            <a:r>
-              <a:rPr lang="en-US" sz="2273" dirty="0">
-                <a:latin typeface="Times New Roman" panose="02020603050405020304" pitchFamily="18" charset="0"/>
-                <a:ea typeface="Calibri" panose="020F0502020204030204" pitchFamily="34" charset="0"/>
-                <a:cs typeface="Times New Roman" panose="02020603050405020304" pitchFamily="18" charset="0"/>
-              </a:rPr>
-              <a:t>k</a:t>
-            </a:r>
-            <a:r>
-              <a:rPr lang="en-US" sz="2273" baseline="-25000" dirty="0">
-                <a:latin typeface="Times New Roman" panose="02020603050405020304" pitchFamily="18" charset="0"/>
-                <a:ea typeface="Calibri" panose="020F0502020204030204" pitchFamily="34" charset="0"/>
-                <a:cs typeface="Times New Roman" panose="02020603050405020304" pitchFamily="18" charset="0"/>
-              </a:rPr>
-              <a:t>i</a:t>
-            </a:r>
-            <a:r>
-              <a:rPr lang="en-US" sz="2273" baseline="30000" dirty="0">
-                <a:latin typeface="Times New Roman" panose="02020603050405020304" pitchFamily="18" charset="0"/>
-                <a:ea typeface="Calibri" panose="020F0502020204030204" pitchFamily="34" charset="0"/>
-                <a:cs typeface="Times New Roman" panose="02020603050405020304" pitchFamily="18" charset="0"/>
-              </a:rPr>
-              <a:t>- </a:t>
-            </a:r>
-            <a:r>
-              <a:rPr lang="en-US" sz="2274" dirty="0">
-                <a:latin typeface="Times New Roman" panose="02020603050405020304" pitchFamily="18" charset="0"/>
-                <a:cs typeface="Times New Roman" panose="02020603050405020304" pitchFamily="18" charset="0"/>
-              </a:rPr>
-              <a:t>= 1</a:t>
-            </a:r>
-          </a:p>
-          <a:p>
-            <a:r>
-              <a:rPr lang="el-GR" sz="2273" dirty="0">
-                <a:latin typeface="Times New Roman" panose="02020603050405020304" pitchFamily="18" charset="0"/>
-                <a:ea typeface="Calibri" panose="020F0502020204030204" pitchFamily="34" charset="0"/>
-                <a:cs typeface="Times New Roman" panose="02020603050405020304" pitchFamily="18" charset="0"/>
-              </a:rPr>
-              <a:t>ρ</a:t>
-            </a:r>
-            <a:r>
-              <a:rPr lang="en-US" sz="2273" baseline="-25000" dirty="0">
-                <a:latin typeface="Times New Roman" panose="02020603050405020304" pitchFamily="18" charset="0"/>
-                <a:ea typeface="Calibri" panose="020F0502020204030204" pitchFamily="34" charset="0"/>
-                <a:cs typeface="Times New Roman" panose="02020603050405020304" pitchFamily="18" charset="0"/>
-              </a:rPr>
-              <a:t>i </a:t>
-            </a:r>
-            <a:r>
-              <a:rPr lang="el-GR" sz="2400" dirty="0">
-                <a:solidFill>
-                  <a:srgbClr val="202124"/>
-                </a:solidFill>
-                <a:latin typeface="Times New Roman" panose="02020603050405020304" pitchFamily="18" charset="0"/>
-                <a:cs typeface="Times New Roman" panose="02020603050405020304" pitchFamily="18" charset="0"/>
-              </a:rPr>
-              <a:t> </a:t>
-            </a:r>
-            <a:r>
-              <a:rPr lang="en-US" sz="2274" dirty="0">
-                <a:latin typeface="Times New Roman" panose="02020603050405020304" pitchFamily="18" charset="0"/>
-                <a:cs typeface="Times New Roman" panose="02020603050405020304" pitchFamily="18" charset="0"/>
-              </a:rPr>
-              <a:t>= 0.75</a:t>
-            </a:r>
-          </a:p>
-        </p:txBody>
-      </p:sp>
-      <p:sp>
-        <p:nvSpPr>
-          <p:cNvPr id="95" name="TextBox 94">
-            <a:extLst>
-              <a:ext uri="{FF2B5EF4-FFF2-40B4-BE49-F238E27FC236}">
-                <a16:creationId xmlns:a16="http://schemas.microsoft.com/office/drawing/2014/main" id="{4A5FAD78-FD91-43AD-A1CA-DD71484515E2}"/>
-              </a:ext>
-            </a:extLst>
-          </p:cNvPr>
-          <p:cNvSpPr txBox="1"/>
-          <p:nvPr/>
-        </p:nvSpPr>
-        <p:spPr>
-          <a:xfrm>
-            <a:off x="17519706" y="4773535"/>
-            <a:ext cx="1868613" cy="1207282"/>
-          </a:xfrm>
-          <a:prstGeom prst="rect">
-            <a:avLst/>
-          </a:prstGeom>
-          <a:noFill/>
-        </p:spPr>
-        <p:txBody>
-          <a:bodyPr wrap="square" rtlCol="0">
-            <a:spAutoFit/>
-          </a:bodyPr>
-          <a:lstStyle/>
-          <a:p>
-            <a:r>
-              <a:rPr lang="en-US" sz="2273" dirty="0">
-                <a:latin typeface="Times New Roman" panose="02020603050405020304" pitchFamily="18" charset="0"/>
-                <a:ea typeface="Calibri" panose="020F0502020204030204" pitchFamily="34" charset="0"/>
-                <a:cs typeface="Times New Roman" panose="02020603050405020304" pitchFamily="18" charset="0"/>
-              </a:rPr>
-              <a:t>k</a:t>
-            </a:r>
-            <a:r>
-              <a:rPr lang="en-US" sz="2273" baseline="-25000" dirty="0">
-                <a:latin typeface="Times New Roman" panose="02020603050405020304" pitchFamily="18" charset="0"/>
-                <a:ea typeface="Calibri" panose="020F0502020204030204" pitchFamily="34" charset="0"/>
-                <a:cs typeface="Times New Roman" panose="02020603050405020304" pitchFamily="18" charset="0"/>
-              </a:rPr>
-              <a:t>i</a:t>
-            </a:r>
-            <a:r>
-              <a:rPr lang="en-US" sz="2273" baseline="30000" dirty="0">
-                <a:latin typeface="Times New Roman" panose="02020603050405020304" pitchFamily="18" charset="0"/>
-                <a:ea typeface="Calibri" panose="020F0502020204030204" pitchFamily="34" charset="0"/>
-                <a:cs typeface="Times New Roman" panose="02020603050405020304" pitchFamily="18" charset="0"/>
-              </a:rPr>
-              <a:t>+ </a:t>
-            </a:r>
-            <a:r>
-              <a:rPr lang="en-US" sz="2273" dirty="0">
-                <a:latin typeface="Times New Roman" panose="02020603050405020304" pitchFamily="18" charset="0"/>
-                <a:cs typeface="Times New Roman" panose="02020603050405020304" pitchFamily="18" charset="0"/>
-              </a:rPr>
-              <a:t>= </a:t>
-            </a:r>
-            <a:r>
-              <a:rPr lang="en-US" sz="2274" dirty="0">
-                <a:latin typeface="Times New Roman" panose="02020603050405020304" pitchFamily="18" charset="0"/>
-                <a:cs typeface="Times New Roman" panose="02020603050405020304" pitchFamily="18" charset="0"/>
-              </a:rPr>
-              <a:t>1</a:t>
-            </a:r>
-          </a:p>
-          <a:p>
-            <a:r>
-              <a:rPr lang="en-US" sz="2273" dirty="0">
-                <a:latin typeface="Times New Roman" panose="02020603050405020304" pitchFamily="18" charset="0"/>
-                <a:ea typeface="Calibri" panose="020F0502020204030204" pitchFamily="34" charset="0"/>
-                <a:cs typeface="Times New Roman" panose="02020603050405020304" pitchFamily="18" charset="0"/>
-              </a:rPr>
-              <a:t>k</a:t>
-            </a:r>
-            <a:r>
-              <a:rPr lang="en-US" sz="2273" baseline="-25000" dirty="0">
-                <a:latin typeface="Times New Roman" panose="02020603050405020304" pitchFamily="18" charset="0"/>
-                <a:ea typeface="Calibri" panose="020F0502020204030204" pitchFamily="34" charset="0"/>
-                <a:cs typeface="Times New Roman" panose="02020603050405020304" pitchFamily="18" charset="0"/>
-              </a:rPr>
-              <a:t>i</a:t>
-            </a:r>
-            <a:r>
-              <a:rPr lang="en-US" sz="2273" baseline="30000" dirty="0">
-                <a:latin typeface="Times New Roman" panose="02020603050405020304" pitchFamily="18" charset="0"/>
-                <a:ea typeface="Calibri" panose="020F0502020204030204" pitchFamily="34" charset="0"/>
-                <a:cs typeface="Times New Roman" panose="02020603050405020304" pitchFamily="18" charset="0"/>
-              </a:rPr>
-              <a:t>- </a:t>
-            </a:r>
-            <a:r>
-              <a:rPr lang="en-US" sz="2274" dirty="0">
-                <a:latin typeface="Times New Roman" panose="02020603050405020304" pitchFamily="18" charset="0"/>
-                <a:cs typeface="Times New Roman" panose="02020603050405020304" pitchFamily="18" charset="0"/>
-              </a:rPr>
-              <a:t>= 0</a:t>
-            </a:r>
-          </a:p>
-          <a:p>
-            <a:r>
-              <a:rPr lang="el-GR" sz="2273" dirty="0">
-                <a:latin typeface="Times New Roman" panose="02020603050405020304" pitchFamily="18" charset="0"/>
-                <a:ea typeface="Calibri" panose="020F0502020204030204" pitchFamily="34" charset="0"/>
-                <a:cs typeface="Times New Roman" panose="02020603050405020304" pitchFamily="18" charset="0"/>
-              </a:rPr>
-              <a:t>ρ</a:t>
-            </a:r>
-            <a:r>
-              <a:rPr lang="en-US" sz="2273" baseline="-25000" dirty="0">
-                <a:latin typeface="Times New Roman" panose="02020603050405020304" pitchFamily="18" charset="0"/>
-                <a:ea typeface="Calibri" panose="020F0502020204030204" pitchFamily="34" charset="0"/>
-                <a:cs typeface="Times New Roman" panose="02020603050405020304" pitchFamily="18" charset="0"/>
-              </a:rPr>
-              <a:t>i </a:t>
-            </a:r>
-            <a:r>
-              <a:rPr lang="el-GR" sz="2400" dirty="0">
-                <a:solidFill>
-                  <a:srgbClr val="202124"/>
-                </a:solidFill>
-                <a:latin typeface="Times New Roman" panose="02020603050405020304" pitchFamily="18" charset="0"/>
-                <a:cs typeface="Times New Roman" panose="02020603050405020304" pitchFamily="18" charset="0"/>
-              </a:rPr>
-              <a:t> </a:t>
-            </a:r>
-            <a:r>
-              <a:rPr lang="en-US" sz="2274" dirty="0">
-                <a:latin typeface="Times New Roman" panose="02020603050405020304" pitchFamily="18" charset="0"/>
-                <a:cs typeface="Times New Roman" panose="02020603050405020304" pitchFamily="18" charset="0"/>
-              </a:rPr>
-              <a:t>= 1.0</a:t>
-            </a:r>
-          </a:p>
-        </p:txBody>
-      </p:sp>
-      <p:sp>
-        <p:nvSpPr>
-          <p:cNvPr id="100" name="TextBox 99">
-            <a:extLst>
-              <a:ext uri="{FF2B5EF4-FFF2-40B4-BE49-F238E27FC236}">
-                <a16:creationId xmlns:a16="http://schemas.microsoft.com/office/drawing/2014/main" id="{DE7E4B8A-2605-47AB-A96F-930EDAC8F1D2}"/>
-              </a:ext>
-            </a:extLst>
-          </p:cNvPr>
-          <p:cNvSpPr txBox="1"/>
-          <p:nvPr/>
-        </p:nvSpPr>
-        <p:spPr>
-          <a:xfrm>
-            <a:off x="10153774" y="10229828"/>
+            <a:off x="9943064" y="10279330"/>
             <a:ext cx="2824431" cy="459828"/>
           </a:xfrm>
           <a:prstGeom prst="rect">
@@ -4624,51 +4903,194 @@
           </a:p>
         </p:txBody>
       </p:sp>
-      <p:sp>
-        <p:nvSpPr>
-          <p:cNvPr id="101" name="TextBox 100">
+      <p:grpSp>
+        <p:nvGrpSpPr>
+          <p:cNvPr id="154" name="Group 153">
             <a:extLst>
               <a:ext uri="{FF2B5EF4-FFF2-40B4-BE49-F238E27FC236}">
-                <a16:creationId xmlns:a16="http://schemas.microsoft.com/office/drawing/2014/main" id="{11134CC5-BCE7-461F-93A3-EE4904F35C22}"/>
+                <a16:creationId xmlns:a16="http://schemas.microsoft.com/office/drawing/2014/main" id="{7B9628BF-E707-4872-80C3-6B370560532C}"/>
               </a:ext>
             </a:extLst>
           </p:cNvPr>
-          <p:cNvSpPr txBox="1"/>
+          <p:cNvGrpSpPr/>
           <p:nvPr/>
-        </p:nvSpPr>
-        <p:spPr>
+        </p:nvGrpSpPr>
+        <p:grpSpPr>
           <a:xfrm>
-            <a:off x="17119065" y="1069262"/>
-            <a:ext cx="3975875" cy="527802"/>
+            <a:off x="3651392" y="1359539"/>
+            <a:ext cx="6529249" cy="4461590"/>
+            <a:chOff x="2086454" y="1074336"/>
+            <a:chExt cx="6529249" cy="4461590"/>
           </a:xfrm>
-          <a:prstGeom prst="rect">
-            <a:avLst/>
-          </a:prstGeom>
-          <a:noFill/>
-        </p:spPr>
-        <p:txBody>
-          <a:bodyPr wrap="square" rtlCol="0">
-            <a:spAutoFit/>
-          </a:bodyPr>
-          <a:lstStyle/>
-          <a:p>
-            <a:pPr algn="l"/>
-            <a:r>
-              <a:rPr lang="en-US" sz="2700" dirty="0">
+        </p:grpSpPr>
+        <p:pic>
+          <p:nvPicPr>
+            <p:cNvPr id="155" name="Picture 6">
+              <a:extLst>
+                <a:ext uri="{FF2B5EF4-FFF2-40B4-BE49-F238E27FC236}">
+                  <a16:creationId xmlns:a16="http://schemas.microsoft.com/office/drawing/2014/main" id="{6AB0524B-3444-45AD-87B2-A54934612BF0}"/>
+                </a:ext>
+              </a:extLst>
+            </p:cNvPr>
+            <p:cNvPicPr>
+              <a:picLocks noChangeAspect="1" noChangeArrowheads="1"/>
+            </p:cNvPicPr>
+            <p:nvPr/>
+          </p:nvPicPr>
+          <p:blipFill>
+            <a:blip r:embed="rId7">
+              <a:extLst>
+                <a:ext uri="{28A0092B-C50C-407E-A947-70E740481C1C}">
+                  <a14:useLocalDpi xmlns:a14="http://schemas.microsoft.com/office/drawing/2010/main" val="0"/>
+                </a:ext>
+              </a:extLst>
+            </a:blip>
+            <a:srcRect/>
+            <a:stretch>
+              <a:fillRect/>
+            </a:stretch>
+          </p:blipFill>
+          <p:spPr bwMode="auto">
+            <a:xfrm>
+              <a:off x="2086454" y="1074336"/>
+              <a:ext cx="6529249" cy="4430562"/>
+            </a:xfrm>
+            <a:prstGeom prst="rect">
+              <a:avLst/>
+            </a:prstGeom>
+            <a:noFill/>
+            <a:extLst>
+              <a:ext uri="{909E8E84-426E-40DD-AFC4-6F175D3DCCD1}">
+                <a14:hiddenFill xmlns:a14="http://schemas.microsoft.com/office/drawing/2010/main">
+                  <a:solidFill>
+                    <a:srgbClr val="FFFFFF"/>
+                  </a:solidFill>
+                </a14:hiddenFill>
+              </a:ext>
+            </a:extLst>
+          </p:spPr>
+        </p:pic>
+        <p:sp>
+          <p:nvSpPr>
+            <p:cNvPr id="156" name="TextBox 155">
+              <a:extLst>
+                <a:ext uri="{FF2B5EF4-FFF2-40B4-BE49-F238E27FC236}">
+                  <a16:creationId xmlns:a16="http://schemas.microsoft.com/office/drawing/2014/main" id="{D9FD7516-066A-4F5B-95C1-A9A439249DF4}"/>
+                </a:ext>
+              </a:extLst>
+            </p:cNvPr>
+            <p:cNvSpPr txBox="1"/>
+            <p:nvPr/>
+          </p:nvSpPr>
+          <p:spPr>
+            <a:xfrm>
+              <a:off x="4666062" y="4960141"/>
+              <a:ext cx="2036338" cy="575785"/>
+            </a:xfrm>
+            <a:prstGeom prst="rect">
+              <a:avLst/>
+            </a:prstGeom>
+            <a:solidFill>
+              <a:schemeClr val="bg1"/>
+            </a:solidFill>
+          </p:spPr>
+          <p:txBody>
+            <a:bodyPr wrap="square" rtlCol="0">
+              <a:spAutoFit/>
+            </a:bodyPr>
+            <a:lstStyle/>
+            <a:p>
+              <a:r>
+                <a:rPr lang="en-US" sz="1500" dirty="0">
+                  <a:solidFill>
+                    <a:srgbClr val="202124"/>
+                  </a:solidFill>
+                  <a:latin typeface="Times New Roman" panose="02020603050405020304" pitchFamily="18" charset="0"/>
+                  <a:cs typeface="Times New Roman" panose="02020603050405020304" pitchFamily="18" charset="0"/>
+                </a:rPr>
+                <a:t>Ligand degree ratio (</a:t>
+              </a:r>
+              <a:r>
+                <a:rPr lang="el-GR" sz="1500" dirty="0">
+                  <a:solidFill>
+                    <a:srgbClr val="202124"/>
+                  </a:solidFill>
+                  <a:latin typeface="Times New Roman" panose="02020603050405020304" pitchFamily="18" charset="0"/>
+                  <a:cs typeface="Times New Roman" panose="02020603050405020304" pitchFamily="18" charset="0"/>
+                </a:rPr>
+                <a:t>ρ</a:t>
+              </a:r>
+              <a:r>
+                <a:rPr lang="en-US" sz="1500" dirty="0">
+                  <a:solidFill>
+                    <a:srgbClr val="202124"/>
+                  </a:solidFill>
+                  <a:latin typeface="Times New Roman" panose="02020603050405020304" pitchFamily="18" charset="0"/>
+                  <a:cs typeface="Times New Roman" panose="02020603050405020304" pitchFamily="18" charset="0"/>
+                </a:rPr>
+                <a:t>)</a:t>
+              </a:r>
+              <a:endParaRPr lang="en-US" sz="1500" dirty="0">
                 <a:latin typeface="Times New Roman" panose="02020603050405020304" pitchFamily="18" charset="0"/>
                 <a:cs typeface="Times New Roman" panose="02020603050405020304" pitchFamily="18" charset="0"/>
-              </a:rPr>
-              <a:t>Cystazosin</a:t>
-            </a:r>
-          </a:p>
-        </p:txBody>
-      </p:sp>
+              </a:endParaRPr>
+            </a:p>
+          </p:txBody>
+        </p:sp>
+        <p:sp>
+          <p:nvSpPr>
+            <p:cNvPr id="157" name="TextBox 156">
+              <a:extLst>
+                <a:ext uri="{FF2B5EF4-FFF2-40B4-BE49-F238E27FC236}">
+                  <a16:creationId xmlns:a16="http://schemas.microsoft.com/office/drawing/2014/main" id="{CB544F0D-2E8A-486E-8740-3C7FDB47C49E}"/>
+                </a:ext>
+              </a:extLst>
+            </p:cNvPr>
+            <p:cNvSpPr txBox="1"/>
+            <p:nvPr/>
+          </p:nvSpPr>
+          <p:spPr>
+            <a:xfrm rot="16200000">
+              <a:off x="1162863" y="2786866"/>
+              <a:ext cx="2193496" cy="346311"/>
+            </a:xfrm>
+            <a:prstGeom prst="rect">
+              <a:avLst/>
+            </a:prstGeom>
+            <a:solidFill>
+              <a:schemeClr val="bg1"/>
+            </a:solidFill>
+          </p:spPr>
+          <p:txBody>
+            <a:bodyPr wrap="square" rtlCol="0">
+              <a:spAutoFit/>
+            </a:bodyPr>
+            <a:lstStyle/>
+            <a:p>
+              <a:r>
+                <a:rPr lang="en-US" sz="1500" dirty="0">
+                  <a:solidFill>
+                    <a:srgbClr val="202124"/>
+                  </a:solidFill>
+                  <a:latin typeface="Times New Roman" panose="02020603050405020304" pitchFamily="18" charset="0"/>
+                  <a:cs typeface="Times New Roman" panose="02020603050405020304" pitchFamily="18" charset="0"/>
+                </a:rPr>
+                <a:t>DeepPurpose Prediction</a:t>
+              </a:r>
+              <a:endParaRPr lang="en-US" sz="1500" dirty="0">
+                <a:latin typeface="Times New Roman" panose="02020603050405020304" pitchFamily="18" charset="0"/>
+                <a:cs typeface="Times New Roman" panose="02020603050405020304" pitchFamily="18" charset="0"/>
+              </a:endParaRPr>
+            </a:p>
+          </p:txBody>
+        </p:sp>
+      </p:grpSp>
       <p:pic>
         <p:nvPicPr>
-          <p:cNvPr id="1028" name="Picture 4">
+          <p:cNvPr id="1030" name="Picture 6">
             <a:extLst>
               <a:ext uri="{FF2B5EF4-FFF2-40B4-BE49-F238E27FC236}">
-                <a16:creationId xmlns:a16="http://schemas.microsoft.com/office/drawing/2014/main" id="{5980E5EF-6AF9-48E9-9886-F4B5DF78AACA}"/>
+                <a16:creationId xmlns:a16="http://schemas.microsoft.com/office/drawing/2014/main" id="{C2E8ADE5-8023-452E-97E9-0E1BA58C420D}"/>
               </a:ext>
             </a:extLst>
           </p:cNvPr>
@@ -4678,7 +5100,7 @@
           <p:nvPr/>
         </p:nvPicPr>
         <p:blipFill>
-          <a:blip r:embed="rId4">
+          <a:blip r:embed="rId8">
             <a:extLst>
               <a:ext uri="{28A0092B-C50C-407E-A947-70E740481C1C}">
                 <a14:useLocalDpi xmlns:a14="http://schemas.microsoft.com/office/drawing/2010/main" val="0"/>
@@ -4692,8 +5114,8 @@
         </p:blipFill>
         <p:spPr bwMode="auto">
           <a:xfrm>
-            <a:off x="1318692" y="11149213"/>
-            <a:ext cx="19574041" cy="9915499"/>
+            <a:off x="1133118" y="11173137"/>
+            <a:ext cx="19728579" cy="9846669"/>
           </a:xfrm>
           <a:prstGeom prst="rect">
             <a:avLst/>
@@ -4712,10 +5134,10 @@
       </p:pic>
       <p:sp>
         <p:nvSpPr>
-          <p:cNvPr id="112" name="TextBox 111">
+          <p:cNvPr id="158" name="TextBox 157">
             <a:extLst>
               <a:ext uri="{FF2B5EF4-FFF2-40B4-BE49-F238E27FC236}">
-                <a16:creationId xmlns:a16="http://schemas.microsoft.com/office/drawing/2014/main" id="{76CC0982-80D6-4B73-BE04-1D9FB95A54C4}"/>
+                <a16:creationId xmlns:a16="http://schemas.microsoft.com/office/drawing/2014/main" id="{64AD3884-BD52-4426-9106-5A4CB2C37390}"/>
               </a:ext>
             </a:extLst>
           </p:cNvPr>
@@ -4724,7 +5146,7 @@
         </p:nvSpPr>
         <p:spPr>
           <a:xfrm>
-            <a:off x="10439517" y="20682412"/>
+            <a:off x="9943064" y="20735718"/>
             <a:ext cx="2728233" cy="459828"/>
           </a:xfrm>
           <a:prstGeom prst="rect">
@@ -4752,10 +5174,50 @@
       </p:sp>
       <p:sp>
         <p:nvSpPr>
-          <p:cNvPr id="126" name="Rectangle 125">
+          <p:cNvPr id="160" name="TextBox 159">
             <a:extLst>
               <a:ext uri="{FF2B5EF4-FFF2-40B4-BE49-F238E27FC236}">
-                <a16:creationId xmlns:a16="http://schemas.microsoft.com/office/drawing/2014/main" id="{C9B9931C-2BAD-4A90-B9A3-E527ABBA8E2F}"/>
+                <a16:creationId xmlns:a16="http://schemas.microsoft.com/office/drawing/2014/main" id="{22E8D8C7-B220-48D6-BB2E-E3B5367CC446}"/>
+              </a:ext>
+            </a:extLst>
+          </p:cNvPr>
+          <p:cNvSpPr txBox="1"/>
+          <p:nvPr/>
+        </p:nvSpPr>
+        <p:spPr>
+          <a:xfrm rot="16200000">
+            <a:off x="826051" y="15657552"/>
+            <a:ext cx="746721" cy="474117"/>
+          </a:xfrm>
+          <a:prstGeom prst="rect">
+            <a:avLst/>
+          </a:prstGeom>
+          <a:solidFill>
+            <a:schemeClr val="bg1"/>
+          </a:solidFill>
+        </p:spPr>
+        <p:txBody>
+          <a:bodyPr wrap="none" rtlCol="0">
+            <a:spAutoFit/>
+          </a:bodyPr>
+          <a:lstStyle/>
+          <a:p>
+            <a:r>
+              <a:rPr lang="en-US" sz="2275" dirty="0">
+                <a:latin typeface="Times New Roman" panose="02020603050405020304" pitchFamily="18" charset="0"/>
+                <a:cs typeface="Times New Roman" panose="02020603050405020304" pitchFamily="18" charset="0"/>
+              </a:rPr>
+              <a:t>PDF</a:t>
+            </a:r>
+          </a:p>
+        </p:txBody>
+      </p:sp>
+      <p:sp>
+        <p:nvSpPr>
+          <p:cNvPr id="162" name="Rectangle 161">
+            <a:extLst>
+              <a:ext uri="{FF2B5EF4-FFF2-40B4-BE49-F238E27FC236}">
+                <a16:creationId xmlns:a16="http://schemas.microsoft.com/office/drawing/2014/main" id="{4FB1647F-E5E7-4CE2-9401-7C354253E177}"/>
               </a:ext>
             </a:extLst>
           </p:cNvPr>
@@ -4764,8 +5226,8 @@
         </p:nvSpPr>
         <p:spPr>
           <a:xfrm>
-            <a:off x="18439097" y="11347420"/>
-            <a:ext cx="2132391" cy="902447"/>
+            <a:off x="3603908" y="11684891"/>
+            <a:ext cx="6729956" cy="4583080"/>
           </a:xfrm>
           <a:prstGeom prst="rect">
             <a:avLst/>
@@ -4800,16 +5262,16 @@
           <a:lstStyle/>
           <a:p>
             <a:pPr algn="ctr"/>
-            <a:endParaRPr lang="en-US" sz="1350"/>
+            <a:endParaRPr lang="en-US"/>
           </a:p>
         </p:txBody>
       </p:sp>
       <p:grpSp>
         <p:nvGrpSpPr>
-          <p:cNvPr id="133" name="Group 132">
+          <p:cNvPr id="20" name="Group 19">
             <a:extLst>
               <a:ext uri="{FF2B5EF4-FFF2-40B4-BE49-F238E27FC236}">
-                <a16:creationId xmlns:a16="http://schemas.microsoft.com/office/drawing/2014/main" id="{6381FD92-5DFD-40C0-9FA7-0100611CA114}"/>
+                <a16:creationId xmlns:a16="http://schemas.microsoft.com/office/drawing/2014/main" id="{9B7703BD-C064-4168-B194-CBBC7476C3A8}"/>
               </a:ext>
             </a:extLst>
           </p:cNvPr>
@@ -4818,1020 +5280,18 @@
         </p:nvGrpSpPr>
         <p:grpSpPr>
           <a:xfrm>
-            <a:off x="10116817" y="11297636"/>
-            <a:ext cx="10422742" cy="5421180"/>
-            <a:chOff x="9812324" y="12004265"/>
-            <a:chExt cx="10422742" cy="5421180"/>
+            <a:off x="3557402" y="11575731"/>
+            <a:ext cx="6623471" cy="4463546"/>
+            <a:chOff x="3583115" y="11550254"/>
+            <a:chExt cx="6623471" cy="4463546"/>
           </a:xfrm>
         </p:grpSpPr>
-        <p:sp>
-          <p:nvSpPr>
-            <p:cNvPr id="135" name="TextBox 134">
+        <p:pic>
+          <p:nvPicPr>
+            <p:cNvPr id="163" name="Picture 8">
               <a:extLst>
                 <a:ext uri="{FF2B5EF4-FFF2-40B4-BE49-F238E27FC236}">
-                  <a16:creationId xmlns:a16="http://schemas.microsoft.com/office/drawing/2014/main" id="{C4DD9661-A1B3-4942-BE12-5C9A5759241B}"/>
-                </a:ext>
-              </a:extLst>
-            </p:cNvPr>
-            <p:cNvSpPr txBox="1"/>
-            <p:nvPr/>
-          </p:nvSpPr>
-          <p:spPr>
-            <a:xfrm>
-              <a:off x="14612109" y="12079971"/>
-              <a:ext cx="1143132" cy="459696"/>
-            </a:xfrm>
-            <a:prstGeom prst="rect">
-              <a:avLst/>
-            </a:prstGeom>
-            <a:noFill/>
-          </p:spPr>
-          <p:txBody>
-            <a:bodyPr wrap="square" rtlCol="0">
-              <a:spAutoFit/>
-            </a:bodyPr>
-            <a:lstStyle/>
-            <a:p>
-              <a:r>
-                <a:rPr lang="en-US" sz="2274" dirty="0">
-                  <a:latin typeface="Times New Roman" panose="02020603050405020304" pitchFamily="18" charset="0"/>
-                  <a:cs typeface="Times New Roman" panose="02020603050405020304" pitchFamily="18" charset="0"/>
-                </a:rPr>
-                <a:t>DAO</a:t>
-              </a:r>
-            </a:p>
-          </p:txBody>
-        </p:sp>
-        <p:sp>
-          <p:nvSpPr>
-            <p:cNvPr id="140" name="TextBox 139">
-              <a:extLst>
-                <a:ext uri="{FF2B5EF4-FFF2-40B4-BE49-F238E27FC236}">
-                  <a16:creationId xmlns:a16="http://schemas.microsoft.com/office/drawing/2014/main" id="{F935C48F-A2B6-4C59-8C5D-763F7ED681E6}"/>
-                </a:ext>
-              </a:extLst>
-            </p:cNvPr>
-            <p:cNvSpPr txBox="1"/>
-            <p:nvPr/>
-          </p:nvSpPr>
-          <p:spPr>
-            <a:xfrm>
-              <a:off x="10785032" y="12054049"/>
-              <a:ext cx="1428215" cy="459696"/>
-            </a:xfrm>
-            <a:prstGeom prst="rect">
-              <a:avLst/>
-            </a:prstGeom>
-            <a:noFill/>
-          </p:spPr>
-          <p:txBody>
-            <a:bodyPr wrap="square" rtlCol="0">
-              <a:spAutoFit/>
-            </a:bodyPr>
-            <a:lstStyle/>
-            <a:p>
-              <a:r>
-                <a:rPr lang="en-US" sz="2274" dirty="0">
-                  <a:latin typeface="Times New Roman" panose="02020603050405020304" pitchFamily="18" charset="0"/>
-                  <a:cs typeface="Times New Roman" panose="02020603050405020304" pitchFamily="18" charset="0"/>
-                </a:rPr>
-                <a:t>AVPR1A</a:t>
-              </a:r>
-            </a:p>
-          </p:txBody>
-        </p:sp>
-        <p:sp>
-          <p:nvSpPr>
-            <p:cNvPr id="142" name="TextBox 141">
-              <a:extLst>
-                <a:ext uri="{FF2B5EF4-FFF2-40B4-BE49-F238E27FC236}">
-                  <a16:creationId xmlns:a16="http://schemas.microsoft.com/office/drawing/2014/main" id="{1B327A91-4131-420C-B250-09872190A52D}"/>
-                </a:ext>
-              </a:extLst>
-            </p:cNvPr>
-            <p:cNvSpPr txBox="1"/>
-            <p:nvPr/>
-          </p:nvSpPr>
-          <p:spPr>
-            <a:xfrm>
-              <a:off x="18203271" y="12088129"/>
-              <a:ext cx="959280" cy="459696"/>
-            </a:xfrm>
-            <a:prstGeom prst="rect">
-              <a:avLst/>
-            </a:prstGeom>
-            <a:noFill/>
-          </p:spPr>
-          <p:txBody>
-            <a:bodyPr wrap="square" rtlCol="0">
-              <a:spAutoFit/>
-            </a:bodyPr>
-            <a:lstStyle/>
-            <a:p>
-              <a:r>
-                <a:rPr lang="en-US" sz="2274" dirty="0">
-                  <a:latin typeface="Times New Roman" panose="02020603050405020304" pitchFamily="18" charset="0"/>
-                  <a:cs typeface="Times New Roman" panose="02020603050405020304" pitchFamily="18" charset="0"/>
-                </a:rPr>
-                <a:t>TOP1</a:t>
-              </a:r>
-            </a:p>
-          </p:txBody>
-        </p:sp>
-        <p:sp>
-          <p:nvSpPr>
-            <p:cNvPr id="143" name="Rectangle: Rounded Corners 142">
-              <a:extLst>
-                <a:ext uri="{FF2B5EF4-FFF2-40B4-BE49-F238E27FC236}">
-                  <a16:creationId xmlns:a16="http://schemas.microsoft.com/office/drawing/2014/main" id="{1C0F2B1D-2104-4E95-B7A0-10F123D67F77}"/>
-                </a:ext>
-              </a:extLst>
-            </p:cNvPr>
-            <p:cNvSpPr/>
-            <p:nvPr/>
-          </p:nvSpPr>
-          <p:spPr>
-            <a:xfrm>
-              <a:off x="9812324" y="12033901"/>
-              <a:ext cx="3237594" cy="5391544"/>
-            </a:xfrm>
-            <a:prstGeom prst="roundRect">
-              <a:avLst/>
-            </a:prstGeom>
-            <a:noFill/>
-            <a:ln w="38100">
-              <a:solidFill>
-                <a:srgbClr val="F9D1D1"/>
-              </a:solidFill>
-            </a:ln>
-          </p:spPr>
-          <p:style>
-            <a:lnRef idx="2">
-              <a:schemeClr val="accent1">
-                <a:shade val="50000"/>
-              </a:schemeClr>
-            </a:lnRef>
-            <a:fillRef idx="1">
-              <a:schemeClr val="accent1"/>
-            </a:fillRef>
-            <a:effectRef idx="0">
-              <a:schemeClr val="accent1"/>
-            </a:effectRef>
-            <a:fontRef idx="minor">
-              <a:schemeClr val="lt1"/>
-            </a:fontRef>
-          </p:style>
-          <p:txBody>
-            <a:bodyPr rtlCol="0" anchor="ctr"/>
-            <a:lstStyle/>
-            <a:p>
-              <a:pPr algn="ctr"/>
-              <a:endParaRPr lang="en-US" sz="1350"/>
-            </a:p>
-          </p:txBody>
-        </p:sp>
-        <p:sp>
-          <p:nvSpPr>
-            <p:cNvPr id="144" name="Rectangle: Rounded Corners 143">
-              <a:extLst>
-                <a:ext uri="{FF2B5EF4-FFF2-40B4-BE49-F238E27FC236}">
-                  <a16:creationId xmlns:a16="http://schemas.microsoft.com/office/drawing/2014/main" id="{42C112F0-06DF-4C2B-8B7E-5FAE1BD7DAE0}"/>
-                </a:ext>
-              </a:extLst>
-            </p:cNvPr>
-            <p:cNvSpPr/>
-            <p:nvPr/>
-          </p:nvSpPr>
-          <p:spPr>
-            <a:xfrm>
-              <a:off x="13450689" y="12004265"/>
-              <a:ext cx="3237594" cy="5421180"/>
-            </a:xfrm>
-            <a:prstGeom prst="roundRect">
-              <a:avLst/>
-            </a:prstGeom>
-            <a:noFill/>
-            <a:ln w="38100">
-              <a:solidFill>
-                <a:srgbClr val="F9D1D1"/>
-              </a:solidFill>
-            </a:ln>
-          </p:spPr>
-          <p:style>
-            <a:lnRef idx="2">
-              <a:schemeClr val="accent1">
-                <a:shade val="50000"/>
-              </a:schemeClr>
-            </a:lnRef>
-            <a:fillRef idx="1">
-              <a:schemeClr val="accent1"/>
-            </a:fillRef>
-            <a:effectRef idx="0">
-              <a:schemeClr val="accent1"/>
-            </a:effectRef>
-            <a:fontRef idx="minor">
-              <a:schemeClr val="lt1"/>
-            </a:fontRef>
-          </p:style>
-          <p:txBody>
-            <a:bodyPr rtlCol="0" anchor="ctr"/>
-            <a:lstStyle/>
-            <a:p>
-              <a:pPr algn="ctr"/>
-              <a:endParaRPr lang="en-US" sz="1350"/>
-            </a:p>
-          </p:txBody>
-        </p:sp>
-        <p:sp>
-          <p:nvSpPr>
-            <p:cNvPr id="145" name="Rectangle: Rounded Corners 144">
-              <a:extLst>
-                <a:ext uri="{FF2B5EF4-FFF2-40B4-BE49-F238E27FC236}">
-                  <a16:creationId xmlns:a16="http://schemas.microsoft.com/office/drawing/2014/main" id="{0548E137-11A6-4291-8A61-6D91935A9680}"/>
-                </a:ext>
-              </a:extLst>
-            </p:cNvPr>
-            <p:cNvSpPr/>
-            <p:nvPr/>
-          </p:nvSpPr>
-          <p:spPr>
-            <a:xfrm>
-              <a:off x="16997472" y="12033901"/>
-              <a:ext cx="3237594" cy="5391544"/>
-            </a:xfrm>
-            <a:prstGeom prst="roundRect">
-              <a:avLst/>
-            </a:prstGeom>
-            <a:noFill/>
-            <a:ln w="38100">
-              <a:solidFill>
-                <a:srgbClr val="F9D1D1"/>
-              </a:solidFill>
-            </a:ln>
-          </p:spPr>
-          <p:style>
-            <a:lnRef idx="2">
-              <a:schemeClr val="accent1">
-                <a:shade val="50000"/>
-              </a:schemeClr>
-            </a:lnRef>
-            <a:fillRef idx="1">
-              <a:schemeClr val="accent1"/>
-            </a:fillRef>
-            <a:effectRef idx="0">
-              <a:schemeClr val="accent1"/>
-            </a:effectRef>
-            <a:fontRef idx="minor">
-              <a:schemeClr val="lt1"/>
-            </a:fontRef>
-          </p:style>
-          <p:txBody>
-            <a:bodyPr rtlCol="0" anchor="ctr"/>
-            <a:lstStyle/>
-            <a:p>
-              <a:pPr algn="ctr"/>
-              <a:endParaRPr lang="en-US" sz="1350"/>
-            </a:p>
-          </p:txBody>
-        </p:sp>
-        <p:sp>
-          <p:nvSpPr>
-            <p:cNvPr id="146" name="TextBox 145">
-              <a:extLst>
-                <a:ext uri="{FF2B5EF4-FFF2-40B4-BE49-F238E27FC236}">
-                  <a16:creationId xmlns:a16="http://schemas.microsoft.com/office/drawing/2014/main" id="{B3F6469C-6230-4D7B-8471-5808AE08B944}"/>
-                </a:ext>
-              </a:extLst>
-            </p:cNvPr>
-            <p:cNvSpPr txBox="1"/>
-            <p:nvPr/>
-          </p:nvSpPr>
-          <p:spPr>
-            <a:xfrm>
-              <a:off x="10781981" y="15881276"/>
-              <a:ext cx="1868613" cy="1207083"/>
-            </a:xfrm>
-            <a:prstGeom prst="rect">
-              <a:avLst/>
-            </a:prstGeom>
-            <a:noFill/>
-          </p:spPr>
-          <p:txBody>
-            <a:bodyPr wrap="square" rtlCol="0">
-              <a:spAutoFit/>
-            </a:bodyPr>
-            <a:lstStyle/>
-            <a:p>
-              <a:r>
-                <a:rPr lang="en-US" sz="2273" dirty="0">
-                  <a:latin typeface="Times New Roman" panose="02020603050405020304" pitchFamily="18" charset="0"/>
-                  <a:ea typeface="Calibri" panose="020F0502020204030204" pitchFamily="34" charset="0"/>
-                  <a:cs typeface="Times New Roman" panose="02020603050405020304" pitchFamily="18" charset="0"/>
-                </a:rPr>
-                <a:t>k</a:t>
-              </a:r>
-              <a:r>
-                <a:rPr lang="en-US" sz="2273" baseline="-25000" dirty="0">
-                  <a:latin typeface="Times New Roman" panose="02020603050405020304" pitchFamily="18" charset="0"/>
-                  <a:ea typeface="Calibri" panose="020F0502020204030204" pitchFamily="34" charset="0"/>
-                  <a:cs typeface="Times New Roman" panose="02020603050405020304" pitchFamily="18" charset="0"/>
-                </a:rPr>
-                <a:t>i</a:t>
-              </a:r>
-              <a:r>
-                <a:rPr lang="en-US" sz="2273" baseline="30000" dirty="0">
-                  <a:latin typeface="Times New Roman" panose="02020603050405020304" pitchFamily="18" charset="0"/>
-                  <a:ea typeface="Calibri" panose="020F0502020204030204" pitchFamily="34" charset="0"/>
-                  <a:cs typeface="Times New Roman" panose="02020603050405020304" pitchFamily="18" charset="0"/>
-                </a:rPr>
-                <a:t>+ </a:t>
-              </a:r>
-              <a:r>
-                <a:rPr lang="en-US" sz="2273" dirty="0">
-                  <a:latin typeface="Times New Roman" panose="02020603050405020304" pitchFamily="18" charset="0"/>
-                  <a:cs typeface="Times New Roman" panose="02020603050405020304" pitchFamily="18" charset="0"/>
-                </a:rPr>
-                <a:t>= 32</a:t>
-              </a:r>
-              <a:endParaRPr lang="en-US" sz="2274" dirty="0">
-                <a:latin typeface="Times New Roman" panose="02020603050405020304" pitchFamily="18" charset="0"/>
-                <a:cs typeface="Times New Roman" panose="02020603050405020304" pitchFamily="18" charset="0"/>
-              </a:endParaRPr>
-            </a:p>
-            <a:p>
-              <a:r>
-                <a:rPr lang="en-US" sz="2273" dirty="0">
-                  <a:latin typeface="Times New Roman" panose="02020603050405020304" pitchFamily="18" charset="0"/>
-                  <a:ea typeface="Calibri" panose="020F0502020204030204" pitchFamily="34" charset="0"/>
-                  <a:cs typeface="Times New Roman" panose="02020603050405020304" pitchFamily="18" charset="0"/>
-                </a:rPr>
-                <a:t>k</a:t>
-              </a:r>
-              <a:r>
-                <a:rPr lang="en-US" sz="2273" baseline="-25000" dirty="0">
-                  <a:latin typeface="Times New Roman" panose="02020603050405020304" pitchFamily="18" charset="0"/>
-                  <a:ea typeface="Calibri" panose="020F0502020204030204" pitchFamily="34" charset="0"/>
-                  <a:cs typeface="Times New Roman" panose="02020603050405020304" pitchFamily="18" charset="0"/>
-                </a:rPr>
-                <a:t>i</a:t>
-              </a:r>
-              <a:r>
-                <a:rPr lang="en-US" sz="2273" baseline="30000" dirty="0">
-                  <a:latin typeface="Times New Roman" panose="02020603050405020304" pitchFamily="18" charset="0"/>
-                  <a:ea typeface="Calibri" panose="020F0502020204030204" pitchFamily="34" charset="0"/>
-                  <a:cs typeface="Times New Roman" panose="02020603050405020304" pitchFamily="18" charset="0"/>
-                </a:rPr>
-                <a:t>- </a:t>
-              </a:r>
-              <a:r>
-                <a:rPr lang="en-US" sz="2274" dirty="0">
-                  <a:latin typeface="Times New Roman" panose="02020603050405020304" pitchFamily="18" charset="0"/>
-                  <a:cs typeface="Times New Roman" panose="02020603050405020304" pitchFamily="18" charset="0"/>
-                </a:rPr>
-                <a:t>= 10</a:t>
-              </a:r>
-            </a:p>
-            <a:p>
-              <a:r>
-                <a:rPr lang="el-GR" sz="2273" dirty="0">
-                  <a:latin typeface="Times New Roman" panose="02020603050405020304" pitchFamily="18" charset="0"/>
-                  <a:ea typeface="Calibri" panose="020F0502020204030204" pitchFamily="34" charset="0"/>
-                  <a:cs typeface="Times New Roman" panose="02020603050405020304" pitchFamily="18" charset="0"/>
-                </a:rPr>
-                <a:t>ρ</a:t>
-              </a:r>
-              <a:r>
-                <a:rPr lang="en-US" sz="2273" baseline="-25000" dirty="0">
-                  <a:latin typeface="Times New Roman" panose="02020603050405020304" pitchFamily="18" charset="0"/>
-                  <a:ea typeface="Calibri" panose="020F0502020204030204" pitchFamily="34" charset="0"/>
-                  <a:cs typeface="Times New Roman" panose="02020603050405020304" pitchFamily="18" charset="0"/>
-                </a:rPr>
-                <a:t>i </a:t>
-              </a:r>
-              <a:r>
-                <a:rPr lang="el-GR" sz="2400" dirty="0">
-                  <a:solidFill>
-                    <a:srgbClr val="202124"/>
-                  </a:solidFill>
-                  <a:latin typeface="Times New Roman" panose="02020603050405020304" pitchFamily="18" charset="0"/>
-                  <a:cs typeface="Times New Roman" panose="02020603050405020304" pitchFamily="18" charset="0"/>
-                </a:rPr>
-                <a:t> </a:t>
-              </a:r>
-              <a:r>
-                <a:rPr lang="en-US" sz="2274" dirty="0">
-                  <a:latin typeface="Times New Roman" panose="02020603050405020304" pitchFamily="18" charset="0"/>
-                  <a:cs typeface="Times New Roman" panose="02020603050405020304" pitchFamily="18" charset="0"/>
-                </a:rPr>
-                <a:t>= 0.76</a:t>
-              </a:r>
-            </a:p>
-          </p:txBody>
-        </p:sp>
-        <p:sp>
-          <p:nvSpPr>
-            <p:cNvPr id="147" name="TextBox 146">
-              <a:extLst>
-                <a:ext uri="{FF2B5EF4-FFF2-40B4-BE49-F238E27FC236}">
-                  <a16:creationId xmlns:a16="http://schemas.microsoft.com/office/drawing/2014/main" id="{77265736-BAEE-42B5-BC0D-421F5657FBAB}"/>
-                </a:ext>
-              </a:extLst>
-            </p:cNvPr>
-            <p:cNvSpPr txBox="1"/>
-            <p:nvPr/>
-          </p:nvSpPr>
-          <p:spPr>
-            <a:xfrm>
-              <a:off x="14684886" y="15822169"/>
-              <a:ext cx="1868613" cy="1207083"/>
-            </a:xfrm>
-            <a:prstGeom prst="rect">
-              <a:avLst/>
-            </a:prstGeom>
-            <a:noFill/>
-          </p:spPr>
-          <p:txBody>
-            <a:bodyPr wrap="square" rtlCol="0">
-              <a:spAutoFit/>
-            </a:bodyPr>
-            <a:lstStyle/>
-            <a:p>
-              <a:r>
-                <a:rPr lang="en-US" sz="2273" dirty="0">
-                  <a:latin typeface="Times New Roman" panose="02020603050405020304" pitchFamily="18" charset="0"/>
-                  <a:ea typeface="Calibri" panose="020F0502020204030204" pitchFamily="34" charset="0"/>
-                  <a:cs typeface="Times New Roman" panose="02020603050405020304" pitchFamily="18" charset="0"/>
-                </a:rPr>
-                <a:t>k</a:t>
-              </a:r>
-              <a:r>
-                <a:rPr lang="en-US" sz="2273" baseline="-25000" dirty="0">
-                  <a:latin typeface="Times New Roman" panose="02020603050405020304" pitchFamily="18" charset="0"/>
-                  <a:ea typeface="Calibri" panose="020F0502020204030204" pitchFamily="34" charset="0"/>
-                  <a:cs typeface="Times New Roman" panose="02020603050405020304" pitchFamily="18" charset="0"/>
-                </a:rPr>
-                <a:t>i</a:t>
-              </a:r>
-              <a:r>
-                <a:rPr lang="en-US" sz="2273" baseline="30000" dirty="0">
-                  <a:latin typeface="Times New Roman" panose="02020603050405020304" pitchFamily="18" charset="0"/>
-                  <a:ea typeface="Calibri" panose="020F0502020204030204" pitchFamily="34" charset="0"/>
-                  <a:cs typeface="Times New Roman" panose="02020603050405020304" pitchFamily="18" charset="0"/>
-                </a:rPr>
-                <a:t>+ </a:t>
-              </a:r>
-              <a:r>
-                <a:rPr lang="en-US" sz="2273" dirty="0">
-                  <a:latin typeface="Times New Roman" panose="02020603050405020304" pitchFamily="18" charset="0"/>
-                  <a:cs typeface="Times New Roman" panose="02020603050405020304" pitchFamily="18" charset="0"/>
-                </a:rPr>
-                <a:t>= 9</a:t>
-              </a:r>
-              <a:endParaRPr lang="en-US" sz="2274" dirty="0">
-                <a:latin typeface="Times New Roman" panose="02020603050405020304" pitchFamily="18" charset="0"/>
-                <a:cs typeface="Times New Roman" panose="02020603050405020304" pitchFamily="18" charset="0"/>
-              </a:endParaRPr>
-            </a:p>
-            <a:p>
-              <a:r>
-                <a:rPr lang="en-US" sz="2273" dirty="0">
-                  <a:latin typeface="Times New Roman" panose="02020603050405020304" pitchFamily="18" charset="0"/>
-                  <a:ea typeface="Calibri" panose="020F0502020204030204" pitchFamily="34" charset="0"/>
-                  <a:cs typeface="Times New Roman" panose="02020603050405020304" pitchFamily="18" charset="0"/>
-                </a:rPr>
-                <a:t>k</a:t>
-              </a:r>
-              <a:r>
-                <a:rPr lang="en-US" sz="2273" baseline="-25000" dirty="0">
-                  <a:latin typeface="Times New Roman" panose="02020603050405020304" pitchFamily="18" charset="0"/>
-                  <a:ea typeface="Calibri" panose="020F0502020204030204" pitchFamily="34" charset="0"/>
-                  <a:cs typeface="Times New Roman" panose="02020603050405020304" pitchFamily="18" charset="0"/>
-                </a:rPr>
-                <a:t>i</a:t>
-              </a:r>
-              <a:r>
-                <a:rPr lang="en-US" sz="2273" baseline="30000" dirty="0">
-                  <a:latin typeface="Times New Roman" panose="02020603050405020304" pitchFamily="18" charset="0"/>
-                  <a:ea typeface="Calibri" panose="020F0502020204030204" pitchFamily="34" charset="0"/>
-                  <a:cs typeface="Times New Roman" panose="02020603050405020304" pitchFamily="18" charset="0"/>
-                </a:rPr>
-                <a:t>- </a:t>
-              </a:r>
-              <a:r>
-                <a:rPr lang="en-US" sz="2274" dirty="0">
-                  <a:latin typeface="Times New Roman" panose="02020603050405020304" pitchFamily="18" charset="0"/>
-                  <a:cs typeface="Times New Roman" panose="02020603050405020304" pitchFamily="18" charset="0"/>
-                </a:rPr>
-                <a:t>= 2</a:t>
-              </a:r>
-            </a:p>
-            <a:p>
-              <a:r>
-                <a:rPr lang="el-GR" sz="2273" dirty="0">
-                  <a:latin typeface="Times New Roman" panose="02020603050405020304" pitchFamily="18" charset="0"/>
-                  <a:ea typeface="Calibri" panose="020F0502020204030204" pitchFamily="34" charset="0"/>
-                  <a:cs typeface="Times New Roman" panose="02020603050405020304" pitchFamily="18" charset="0"/>
-                </a:rPr>
-                <a:t>ρ</a:t>
-              </a:r>
-              <a:r>
-                <a:rPr lang="en-US" sz="2273" baseline="-25000" dirty="0">
-                  <a:latin typeface="Times New Roman" panose="02020603050405020304" pitchFamily="18" charset="0"/>
-                  <a:ea typeface="Calibri" panose="020F0502020204030204" pitchFamily="34" charset="0"/>
-                  <a:cs typeface="Times New Roman" panose="02020603050405020304" pitchFamily="18" charset="0"/>
-                </a:rPr>
-                <a:t>i </a:t>
-              </a:r>
-              <a:r>
-                <a:rPr lang="el-GR" sz="2400" dirty="0">
-                  <a:solidFill>
-                    <a:srgbClr val="202124"/>
-                  </a:solidFill>
-                  <a:latin typeface="Times New Roman" panose="02020603050405020304" pitchFamily="18" charset="0"/>
-                  <a:cs typeface="Times New Roman" panose="02020603050405020304" pitchFamily="18" charset="0"/>
-                </a:rPr>
-                <a:t> </a:t>
-              </a:r>
-              <a:r>
-                <a:rPr lang="en-US" sz="2274" dirty="0">
-                  <a:latin typeface="Times New Roman" panose="02020603050405020304" pitchFamily="18" charset="0"/>
-                  <a:cs typeface="Times New Roman" panose="02020603050405020304" pitchFamily="18" charset="0"/>
-                </a:rPr>
-                <a:t>= 0.82</a:t>
-              </a:r>
-            </a:p>
-          </p:txBody>
-        </p:sp>
-        <p:sp>
-          <p:nvSpPr>
-            <p:cNvPr id="148" name="TextBox 147">
-              <a:extLst>
-                <a:ext uri="{FF2B5EF4-FFF2-40B4-BE49-F238E27FC236}">
-                  <a16:creationId xmlns:a16="http://schemas.microsoft.com/office/drawing/2014/main" id="{73A5A4C2-1FBA-40F5-8341-9DCD14681BF7}"/>
-                </a:ext>
-              </a:extLst>
-            </p:cNvPr>
-            <p:cNvSpPr txBox="1"/>
-            <p:nvPr/>
-          </p:nvSpPr>
-          <p:spPr>
-            <a:xfrm>
-              <a:off x="18156984" y="15881276"/>
-              <a:ext cx="1868613" cy="1207083"/>
-            </a:xfrm>
-            <a:prstGeom prst="rect">
-              <a:avLst/>
-            </a:prstGeom>
-            <a:noFill/>
-          </p:spPr>
-          <p:txBody>
-            <a:bodyPr wrap="square" rtlCol="0">
-              <a:spAutoFit/>
-            </a:bodyPr>
-            <a:lstStyle/>
-            <a:p>
-              <a:r>
-                <a:rPr lang="en-US" sz="2273" dirty="0">
-                  <a:latin typeface="Times New Roman" panose="02020603050405020304" pitchFamily="18" charset="0"/>
-                  <a:ea typeface="Calibri" panose="020F0502020204030204" pitchFamily="34" charset="0"/>
-                  <a:cs typeface="Times New Roman" panose="02020603050405020304" pitchFamily="18" charset="0"/>
-                </a:rPr>
-                <a:t>k</a:t>
-              </a:r>
-              <a:r>
-                <a:rPr lang="en-US" sz="2273" baseline="-25000" dirty="0">
-                  <a:latin typeface="Times New Roman" panose="02020603050405020304" pitchFamily="18" charset="0"/>
-                  <a:ea typeface="Calibri" panose="020F0502020204030204" pitchFamily="34" charset="0"/>
-                  <a:cs typeface="Times New Roman" panose="02020603050405020304" pitchFamily="18" charset="0"/>
-                </a:rPr>
-                <a:t>i</a:t>
-              </a:r>
-              <a:r>
-                <a:rPr lang="en-US" sz="2273" baseline="30000" dirty="0">
-                  <a:latin typeface="Times New Roman" panose="02020603050405020304" pitchFamily="18" charset="0"/>
-                  <a:ea typeface="Calibri" panose="020F0502020204030204" pitchFamily="34" charset="0"/>
-                  <a:cs typeface="Times New Roman" panose="02020603050405020304" pitchFamily="18" charset="0"/>
-                </a:rPr>
-                <a:t>+ </a:t>
-              </a:r>
-              <a:r>
-                <a:rPr lang="en-US" sz="2273" dirty="0">
-                  <a:latin typeface="Times New Roman" panose="02020603050405020304" pitchFamily="18" charset="0"/>
-                  <a:cs typeface="Times New Roman" panose="02020603050405020304" pitchFamily="18" charset="0"/>
-                </a:rPr>
-                <a:t>= 3</a:t>
-              </a:r>
-              <a:endParaRPr lang="en-US" sz="2274" dirty="0">
-                <a:latin typeface="Times New Roman" panose="02020603050405020304" pitchFamily="18" charset="0"/>
-                <a:cs typeface="Times New Roman" panose="02020603050405020304" pitchFamily="18" charset="0"/>
-              </a:endParaRPr>
-            </a:p>
-            <a:p>
-              <a:r>
-                <a:rPr lang="en-US" sz="2273" dirty="0">
-                  <a:latin typeface="Times New Roman" panose="02020603050405020304" pitchFamily="18" charset="0"/>
-                  <a:ea typeface="Calibri" panose="020F0502020204030204" pitchFamily="34" charset="0"/>
-                  <a:cs typeface="Times New Roman" panose="02020603050405020304" pitchFamily="18" charset="0"/>
-                </a:rPr>
-                <a:t>k</a:t>
-              </a:r>
-              <a:r>
-                <a:rPr lang="en-US" sz="2273" baseline="-25000" dirty="0">
-                  <a:latin typeface="Times New Roman" panose="02020603050405020304" pitchFamily="18" charset="0"/>
-                  <a:ea typeface="Calibri" panose="020F0502020204030204" pitchFamily="34" charset="0"/>
-                  <a:cs typeface="Times New Roman" panose="02020603050405020304" pitchFamily="18" charset="0"/>
-                </a:rPr>
-                <a:t>i</a:t>
-              </a:r>
-              <a:r>
-                <a:rPr lang="en-US" sz="2273" baseline="30000" dirty="0">
-                  <a:latin typeface="Times New Roman" panose="02020603050405020304" pitchFamily="18" charset="0"/>
-                  <a:ea typeface="Calibri" panose="020F0502020204030204" pitchFamily="34" charset="0"/>
-                  <a:cs typeface="Times New Roman" panose="02020603050405020304" pitchFamily="18" charset="0"/>
-                </a:rPr>
-                <a:t>- </a:t>
-              </a:r>
-              <a:r>
-                <a:rPr lang="en-US" sz="2274" dirty="0">
-                  <a:latin typeface="Times New Roman" panose="02020603050405020304" pitchFamily="18" charset="0"/>
-                  <a:cs typeface="Times New Roman" panose="02020603050405020304" pitchFamily="18" charset="0"/>
-                </a:rPr>
-                <a:t>= 0</a:t>
-              </a:r>
-            </a:p>
-            <a:p>
-              <a:r>
-                <a:rPr lang="el-GR" sz="2273" dirty="0">
-                  <a:latin typeface="Times New Roman" panose="02020603050405020304" pitchFamily="18" charset="0"/>
-                  <a:ea typeface="Calibri" panose="020F0502020204030204" pitchFamily="34" charset="0"/>
-                  <a:cs typeface="Times New Roman" panose="02020603050405020304" pitchFamily="18" charset="0"/>
-                </a:rPr>
-                <a:t>ρ</a:t>
-              </a:r>
-              <a:r>
-                <a:rPr lang="en-US" sz="2273" baseline="-25000" dirty="0">
-                  <a:latin typeface="Times New Roman" panose="02020603050405020304" pitchFamily="18" charset="0"/>
-                  <a:ea typeface="Calibri" panose="020F0502020204030204" pitchFamily="34" charset="0"/>
-                  <a:cs typeface="Times New Roman" panose="02020603050405020304" pitchFamily="18" charset="0"/>
-                </a:rPr>
-                <a:t>i </a:t>
-              </a:r>
-              <a:r>
-                <a:rPr lang="el-GR" sz="2400" dirty="0">
-                  <a:solidFill>
-                    <a:srgbClr val="202124"/>
-                  </a:solidFill>
-                  <a:latin typeface="Times New Roman" panose="02020603050405020304" pitchFamily="18" charset="0"/>
-                  <a:cs typeface="Times New Roman" panose="02020603050405020304" pitchFamily="18" charset="0"/>
-                </a:rPr>
-                <a:t> </a:t>
-              </a:r>
-              <a:r>
-                <a:rPr lang="en-US" sz="2274" dirty="0">
-                  <a:latin typeface="Times New Roman" panose="02020603050405020304" pitchFamily="18" charset="0"/>
-                  <a:cs typeface="Times New Roman" panose="02020603050405020304" pitchFamily="18" charset="0"/>
-                </a:rPr>
-                <a:t>= 1.0</a:t>
-              </a:r>
-            </a:p>
-          </p:txBody>
-        </p:sp>
-      </p:grpSp>
-      <p:sp>
-        <p:nvSpPr>
-          <p:cNvPr id="11" name="Rectangle 10">
-            <a:extLst>
-              <a:ext uri="{FF2B5EF4-FFF2-40B4-BE49-F238E27FC236}">
-                <a16:creationId xmlns:a16="http://schemas.microsoft.com/office/drawing/2014/main" id="{3A544ECB-A4A4-4105-A6E6-AA197965C2FC}"/>
-              </a:ext>
-            </a:extLst>
-          </p:cNvPr>
-          <p:cNvSpPr/>
-          <p:nvPr/>
-        </p:nvSpPr>
-        <p:spPr>
-          <a:xfrm>
-            <a:off x="1975787" y="925794"/>
-            <a:ext cx="2360472" cy="1345383"/>
-          </a:xfrm>
-          <a:prstGeom prst="rect">
-            <a:avLst/>
-          </a:prstGeom>
-          <a:solidFill>
-            <a:schemeClr val="bg1"/>
-          </a:solidFill>
-          <a:ln>
-            <a:solidFill>
-              <a:schemeClr val="bg1"/>
-            </a:solidFill>
-          </a:ln>
-        </p:spPr>
-        <p:style>
-          <a:lnRef idx="2">
-            <a:schemeClr val="accent1">
-              <a:shade val="50000"/>
-            </a:schemeClr>
-          </a:lnRef>
-          <a:fillRef idx="1">
-            <a:schemeClr val="accent1"/>
-          </a:fillRef>
-          <a:effectRef idx="0">
-            <a:schemeClr val="accent1"/>
-          </a:effectRef>
-          <a:fontRef idx="minor">
-            <a:schemeClr val="lt1"/>
-          </a:fontRef>
-        </p:style>
-        <p:txBody>
-          <a:bodyPr rtlCol="0" anchor="ctr"/>
-          <a:lstStyle/>
-          <a:p>
-            <a:pPr algn="ctr"/>
-            <a:endParaRPr lang="en-US"/>
-          </a:p>
-        </p:txBody>
-      </p:sp>
-      <p:pic>
-        <p:nvPicPr>
-          <p:cNvPr id="149" name="Picture 6">
-            <a:extLst>
-              <a:ext uri="{FF2B5EF4-FFF2-40B4-BE49-F238E27FC236}">
-                <a16:creationId xmlns:a16="http://schemas.microsoft.com/office/drawing/2014/main" id="{7B476873-DD9E-47F6-A3F7-86E25668192A}"/>
-              </a:ext>
-            </a:extLst>
-          </p:cNvPr>
-          <p:cNvPicPr>
-            <a:picLocks noChangeAspect="1" noChangeArrowheads="1"/>
-          </p:cNvPicPr>
-          <p:nvPr/>
-        </p:nvPicPr>
-        <p:blipFill>
-          <a:blip r:embed="rId5">
-            <a:extLst>
-              <a:ext uri="{28A0092B-C50C-407E-A947-70E740481C1C}">
-                <a14:useLocalDpi xmlns:a14="http://schemas.microsoft.com/office/drawing/2010/main" val="0"/>
-              </a:ext>
-            </a:extLst>
-          </a:blip>
-          <a:srcRect/>
-          <a:stretch>
-            <a:fillRect/>
-          </a:stretch>
-        </p:blipFill>
-        <p:spPr bwMode="auto">
-          <a:xfrm>
-            <a:off x="2086454" y="1074336"/>
-            <a:ext cx="6529249" cy="4430562"/>
-          </a:xfrm>
-          <a:prstGeom prst="rect">
-            <a:avLst/>
-          </a:prstGeom>
-          <a:noFill/>
-          <a:extLst>
-            <a:ext uri="{909E8E84-426E-40DD-AFC4-6F175D3DCCD1}">
-              <a14:hiddenFill xmlns:a14="http://schemas.microsoft.com/office/drawing/2010/main">
-                <a:solidFill>
-                  <a:srgbClr val="FFFFFF"/>
-                </a:solidFill>
-              </a14:hiddenFill>
-            </a:ext>
-          </a:extLst>
-        </p:spPr>
-      </p:pic>
-      <p:sp>
-        <p:nvSpPr>
-          <p:cNvPr id="150" name="TextBox 149">
-            <a:extLst>
-              <a:ext uri="{FF2B5EF4-FFF2-40B4-BE49-F238E27FC236}">
-                <a16:creationId xmlns:a16="http://schemas.microsoft.com/office/drawing/2014/main" id="{B3236A43-A2BA-44E2-9D93-0A6BFE258BB5}"/>
-              </a:ext>
-            </a:extLst>
-          </p:cNvPr>
-          <p:cNvSpPr txBox="1"/>
-          <p:nvPr/>
-        </p:nvSpPr>
-        <p:spPr>
-          <a:xfrm>
-            <a:off x="4666062" y="4960141"/>
-            <a:ext cx="2036338" cy="575785"/>
-          </a:xfrm>
-          <a:prstGeom prst="rect">
-            <a:avLst/>
-          </a:prstGeom>
-          <a:solidFill>
-            <a:schemeClr val="bg1"/>
-          </a:solidFill>
-        </p:spPr>
-        <p:txBody>
-          <a:bodyPr wrap="square" rtlCol="0">
-            <a:spAutoFit/>
-          </a:bodyPr>
-          <a:lstStyle/>
-          <a:p>
-            <a:r>
-              <a:rPr lang="en-US" sz="1500" dirty="0">
-                <a:solidFill>
-                  <a:srgbClr val="202124"/>
-                </a:solidFill>
-                <a:latin typeface="Times New Roman" panose="02020603050405020304" pitchFamily="18" charset="0"/>
-                <a:cs typeface="Times New Roman" panose="02020603050405020304" pitchFamily="18" charset="0"/>
-              </a:rPr>
-              <a:t>Ligand degree ratio (</a:t>
-            </a:r>
-            <a:r>
-              <a:rPr lang="el-GR" sz="1500" dirty="0">
-                <a:solidFill>
-                  <a:srgbClr val="202124"/>
-                </a:solidFill>
-                <a:latin typeface="Times New Roman" panose="02020603050405020304" pitchFamily="18" charset="0"/>
-                <a:cs typeface="Times New Roman" panose="02020603050405020304" pitchFamily="18" charset="0"/>
-              </a:rPr>
-              <a:t>ρ</a:t>
-            </a:r>
-            <a:r>
-              <a:rPr lang="en-US" sz="1500" dirty="0">
-                <a:solidFill>
-                  <a:srgbClr val="202124"/>
-                </a:solidFill>
-                <a:latin typeface="Times New Roman" panose="02020603050405020304" pitchFamily="18" charset="0"/>
-                <a:cs typeface="Times New Roman" panose="02020603050405020304" pitchFamily="18" charset="0"/>
-              </a:rPr>
-              <a:t>)</a:t>
-            </a:r>
-            <a:endParaRPr lang="en-US" sz="1500" dirty="0">
-              <a:latin typeface="Times New Roman" panose="02020603050405020304" pitchFamily="18" charset="0"/>
-              <a:cs typeface="Times New Roman" panose="02020603050405020304" pitchFamily="18" charset="0"/>
-            </a:endParaRPr>
-          </a:p>
-        </p:txBody>
-      </p:sp>
-      <p:sp>
-        <p:nvSpPr>
-          <p:cNvPr id="151" name="TextBox 150">
-            <a:extLst>
-              <a:ext uri="{FF2B5EF4-FFF2-40B4-BE49-F238E27FC236}">
-                <a16:creationId xmlns:a16="http://schemas.microsoft.com/office/drawing/2014/main" id="{A34D5D60-FD83-4154-9F74-0414F3CFEAA8}"/>
-              </a:ext>
-            </a:extLst>
-          </p:cNvPr>
-          <p:cNvSpPr txBox="1"/>
-          <p:nvPr/>
-        </p:nvSpPr>
-        <p:spPr>
-          <a:xfrm rot="16200000">
-            <a:off x="1162863" y="2786866"/>
-            <a:ext cx="2193496" cy="346311"/>
-          </a:xfrm>
-          <a:prstGeom prst="rect">
-            <a:avLst/>
-          </a:prstGeom>
-          <a:solidFill>
-            <a:schemeClr val="bg1"/>
-          </a:solidFill>
-        </p:spPr>
-        <p:txBody>
-          <a:bodyPr wrap="square" rtlCol="0">
-            <a:spAutoFit/>
-          </a:bodyPr>
-          <a:lstStyle/>
-          <a:p>
-            <a:r>
-              <a:rPr lang="en-US" sz="1500" dirty="0">
-                <a:solidFill>
-                  <a:srgbClr val="202124"/>
-                </a:solidFill>
-                <a:latin typeface="Times New Roman" panose="02020603050405020304" pitchFamily="18" charset="0"/>
-                <a:cs typeface="Times New Roman" panose="02020603050405020304" pitchFamily="18" charset="0"/>
-              </a:rPr>
-              <a:t>DeepPurpose Prediction</a:t>
-            </a:r>
-            <a:endParaRPr lang="en-US" sz="1500" dirty="0">
-              <a:latin typeface="Times New Roman" panose="02020603050405020304" pitchFamily="18" charset="0"/>
-              <a:cs typeface="Times New Roman" panose="02020603050405020304" pitchFamily="18" charset="0"/>
-            </a:endParaRPr>
-          </a:p>
-        </p:txBody>
-      </p:sp>
-      <p:grpSp>
-        <p:nvGrpSpPr>
-          <p:cNvPr id="15" name="Group 14">
-            <a:extLst>
-              <a:ext uri="{FF2B5EF4-FFF2-40B4-BE49-F238E27FC236}">
-                <a16:creationId xmlns:a16="http://schemas.microsoft.com/office/drawing/2014/main" id="{2F1DF4C0-CE5A-41EE-8B54-F1D555B31769}"/>
-              </a:ext>
-            </a:extLst>
-          </p:cNvPr>
-          <p:cNvGrpSpPr/>
-          <p:nvPr/>
-        </p:nvGrpSpPr>
-        <p:grpSpPr>
-          <a:xfrm>
-            <a:off x="1152884" y="11292007"/>
-            <a:ext cx="7629839" cy="5876291"/>
-            <a:chOff x="1232451" y="11290795"/>
-            <a:chExt cx="7629839" cy="5876291"/>
-          </a:xfrm>
-        </p:grpSpPr>
-        <p:sp>
-          <p:nvSpPr>
-            <p:cNvPr id="113" name="TextBox 112">
-              <a:extLst>
-                <a:ext uri="{FF2B5EF4-FFF2-40B4-BE49-F238E27FC236}">
-                  <a16:creationId xmlns:a16="http://schemas.microsoft.com/office/drawing/2014/main" id="{1E061C61-2B01-4912-A395-DA7290217AD2}"/>
-                </a:ext>
-              </a:extLst>
-            </p:cNvPr>
-            <p:cNvSpPr txBox="1"/>
-            <p:nvPr/>
-          </p:nvSpPr>
-          <p:spPr>
-            <a:xfrm rot="16200000">
-              <a:off x="1096149" y="15571622"/>
-              <a:ext cx="746721" cy="474117"/>
-            </a:xfrm>
-            <a:prstGeom prst="rect">
-              <a:avLst/>
-            </a:prstGeom>
-            <a:solidFill>
-              <a:schemeClr val="bg1"/>
-            </a:solidFill>
-          </p:spPr>
-          <p:txBody>
-            <a:bodyPr wrap="none" rtlCol="0">
-              <a:spAutoFit/>
-            </a:bodyPr>
-            <a:lstStyle/>
-            <a:p>
-              <a:r>
-                <a:rPr lang="en-US" sz="2275" dirty="0">
-                  <a:latin typeface="Times New Roman" panose="02020603050405020304" pitchFamily="18" charset="0"/>
-                  <a:cs typeface="Times New Roman" panose="02020603050405020304" pitchFamily="18" charset="0"/>
-                </a:rPr>
-                <a:t>PDF</a:t>
-              </a:r>
-            </a:p>
-          </p:txBody>
-        </p:sp>
-        <p:sp>
-          <p:nvSpPr>
-            <p:cNvPr id="12" name="Rectangle 11">
-              <a:extLst>
-                <a:ext uri="{FF2B5EF4-FFF2-40B4-BE49-F238E27FC236}">
-                  <a16:creationId xmlns:a16="http://schemas.microsoft.com/office/drawing/2014/main" id="{088B923B-5D12-4DF4-BE25-9C4F571BF731}"/>
-                </a:ext>
-              </a:extLst>
-            </p:cNvPr>
-            <p:cNvSpPr/>
-            <p:nvPr/>
-          </p:nvSpPr>
-          <p:spPr>
-            <a:xfrm>
-              <a:off x="2132334" y="11425432"/>
-              <a:ext cx="6729956" cy="4583080"/>
-            </a:xfrm>
-            <a:prstGeom prst="rect">
-              <a:avLst/>
-            </a:prstGeom>
-            <a:solidFill>
-              <a:schemeClr val="bg1"/>
-            </a:solidFill>
-            <a:ln>
-              <a:solidFill>
-                <a:schemeClr val="bg1"/>
-              </a:solidFill>
-            </a:ln>
-          </p:spPr>
-          <p:style>
-            <a:lnRef idx="2">
-              <a:schemeClr val="accent1">
-                <a:shade val="50000"/>
-              </a:schemeClr>
-            </a:lnRef>
-            <a:fillRef idx="1">
-              <a:schemeClr val="accent1"/>
-            </a:fillRef>
-            <a:effectRef idx="0">
-              <a:schemeClr val="accent1"/>
-            </a:effectRef>
-            <a:fontRef idx="minor">
-              <a:schemeClr val="lt1"/>
-            </a:fontRef>
-          </p:style>
-          <p:txBody>
-            <a:bodyPr rtlCol="0" anchor="ctr"/>
-            <a:lstStyle/>
-            <a:p>
-              <a:pPr algn="ctr"/>
-              <a:endParaRPr lang="en-US"/>
-            </a:p>
-          </p:txBody>
-        </p:sp>
-        <p:pic>
-          <p:nvPicPr>
-            <p:cNvPr id="161" name="Picture 8">
-              <a:extLst>
-                <a:ext uri="{FF2B5EF4-FFF2-40B4-BE49-F238E27FC236}">
-                  <a16:creationId xmlns:a16="http://schemas.microsoft.com/office/drawing/2014/main" id="{658B2D2B-A6D3-4B86-B05C-F1A10C9DF7A6}"/>
+                  <a16:creationId xmlns:a16="http://schemas.microsoft.com/office/drawing/2014/main" id="{3EF9E4DC-A50C-4027-B550-33D07ED44E13}"/>
                 </a:ext>
               </a:extLst>
             </p:cNvPr>
@@ -5841,7 +5301,7 @@
             <p:nvPr/>
           </p:nvPicPr>
           <p:blipFill>
-            <a:blip r:embed="rId6">
+            <a:blip r:embed="rId9">
               <a:extLst>
                 <a:ext uri="{28A0092B-C50C-407E-A947-70E740481C1C}">
                   <a14:useLocalDpi xmlns:a14="http://schemas.microsoft.com/office/drawing/2010/main" val="0"/>
@@ -5855,7 +5315,7 @@
           </p:blipFill>
           <p:spPr bwMode="auto">
             <a:xfrm>
-              <a:off x="2132333" y="11290795"/>
+              <a:off x="3603907" y="11550254"/>
               <a:ext cx="6602679" cy="4463546"/>
             </a:xfrm>
             <a:prstGeom prst="rect">
@@ -5875,10 +5335,10 @@
         </p:pic>
         <p:sp>
           <p:nvSpPr>
-            <p:cNvPr id="165" name="TextBox 164">
+            <p:cNvPr id="164" name="TextBox 163">
               <a:extLst>
                 <a:ext uri="{FF2B5EF4-FFF2-40B4-BE49-F238E27FC236}">
-                  <a16:creationId xmlns:a16="http://schemas.microsoft.com/office/drawing/2014/main" id="{E219D8B3-9FAC-4FEE-B87B-E385CDDFFDF2}"/>
+                  <a16:creationId xmlns:a16="http://schemas.microsoft.com/office/drawing/2014/main" id="{50DDE504-0D56-47B8-8EC8-C66999E1945E}"/>
                 </a:ext>
               </a:extLst>
             </p:cNvPr>
@@ -5887,7 +5347,7 @@
           </p:nvSpPr>
           <p:spPr>
             <a:xfrm rot="16200000">
-              <a:off x="1144009" y="13029137"/>
+              <a:off x="2615583" y="13288596"/>
               <a:ext cx="2281376" cy="346311"/>
             </a:xfrm>
             <a:prstGeom prst="rect">
@@ -5922,10 +5382,10 @@
         </p:sp>
         <p:sp>
           <p:nvSpPr>
-            <p:cNvPr id="166" name="TextBox 165">
+            <p:cNvPr id="172" name="TextBox 171">
               <a:extLst>
                 <a:ext uri="{FF2B5EF4-FFF2-40B4-BE49-F238E27FC236}">
-                  <a16:creationId xmlns:a16="http://schemas.microsoft.com/office/drawing/2014/main" id="{59CAD56F-7A76-4740-BF5C-CA65D49B9D38}"/>
+                  <a16:creationId xmlns:a16="http://schemas.microsoft.com/office/drawing/2014/main" id="{A5C6C90D-27F8-46B6-A39E-2134D19D4837}"/>
                 </a:ext>
               </a:extLst>
             </p:cNvPr>
@@ -5934,7 +5394,7 @@
           </p:nvSpPr>
           <p:spPr>
             <a:xfrm>
-              <a:off x="4743260" y="15406473"/>
+              <a:off x="6214834" y="15665932"/>
               <a:ext cx="2036338" cy="335874"/>
             </a:xfrm>
             <a:prstGeom prst="rect">
@@ -5987,12 +5447,130 @@
             </a:p>
           </p:txBody>
         </p:sp>
+      </p:grpSp>
+      <p:sp>
+        <p:nvSpPr>
+          <p:cNvPr id="173" name="Rectangle 172">
+            <a:extLst>
+              <a:ext uri="{FF2B5EF4-FFF2-40B4-BE49-F238E27FC236}">
+                <a16:creationId xmlns:a16="http://schemas.microsoft.com/office/drawing/2014/main" id="{170DF9EB-C08A-4E7A-A2AD-497FAE6EFD9B}"/>
+              </a:ext>
+            </a:extLst>
+          </p:cNvPr>
+          <p:cNvSpPr/>
+          <p:nvPr/>
+        </p:nvSpPr>
+        <p:spPr>
+          <a:xfrm>
+            <a:off x="6348718" y="16569295"/>
+            <a:ext cx="2689128" cy="857250"/>
+          </a:xfrm>
+          <a:prstGeom prst="rect">
+            <a:avLst/>
+          </a:prstGeom>
+          <a:solidFill>
+            <a:schemeClr val="bg1"/>
+          </a:solidFill>
+          <a:ln>
+            <a:solidFill>
+              <a:schemeClr val="bg1"/>
+            </a:solidFill>
+          </a:ln>
+        </p:spPr>
+        <p:style>
+          <a:lnRef idx="2">
+            <a:schemeClr val="accent1">
+              <a:shade val="50000"/>
+            </a:schemeClr>
+          </a:lnRef>
+          <a:fillRef idx="1">
+            <a:schemeClr val="accent1"/>
+          </a:fillRef>
+          <a:effectRef idx="0">
+            <a:schemeClr val="accent1"/>
+          </a:effectRef>
+          <a:fontRef idx="minor">
+            <a:schemeClr val="lt1"/>
+          </a:fontRef>
+        </p:style>
+        <p:txBody>
+          <a:bodyPr rtlCol="0" anchor="ctr"/>
+          <a:lstStyle/>
+          <a:p>
+            <a:pPr algn="ctr"/>
+            <a:endParaRPr lang="en-US"/>
+          </a:p>
+        </p:txBody>
+      </p:sp>
+      <p:grpSp>
+        <p:nvGrpSpPr>
+          <p:cNvPr id="174" name="Group 173">
+            <a:extLst>
+              <a:ext uri="{FF2B5EF4-FFF2-40B4-BE49-F238E27FC236}">
+                <a16:creationId xmlns:a16="http://schemas.microsoft.com/office/drawing/2014/main" id="{39C0A416-9868-405C-A660-6B48196A4FF7}"/>
+              </a:ext>
+            </a:extLst>
+          </p:cNvPr>
+          <p:cNvGrpSpPr/>
+          <p:nvPr/>
+        </p:nvGrpSpPr>
+        <p:grpSpPr>
+          <a:xfrm>
+            <a:off x="5677592" y="17348679"/>
+            <a:ext cx="2589746" cy="647759"/>
+            <a:chOff x="21483123" y="6219785"/>
+            <a:chExt cx="3222211" cy="830998"/>
+          </a:xfrm>
+        </p:grpSpPr>
         <p:sp>
           <p:nvSpPr>
-            <p:cNvPr id="14" name="Rectangle 13">
+            <p:cNvPr id="175" name="TextBox 174">
               <a:extLst>
                 <a:ext uri="{FF2B5EF4-FFF2-40B4-BE49-F238E27FC236}">
-                  <a16:creationId xmlns:a16="http://schemas.microsoft.com/office/drawing/2014/main" id="{9B91BC27-3699-4CC7-A838-51CF79A93A0D}"/>
+                  <a16:creationId xmlns:a16="http://schemas.microsoft.com/office/drawing/2014/main" id="{5858BBF3-A672-4946-B4AA-C27459450044}"/>
+                </a:ext>
+              </a:extLst>
+            </p:cNvPr>
+            <p:cNvSpPr txBox="1"/>
+            <p:nvPr/>
+          </p:nvSpPr>
+          <p:spPr>
+            <a:xfrm>
+              <a:off x="22115703" y="6219785"/>
+              <a:ext cx="2589631" cy="430887"/>
+            </a:xfrm>
+            <a:prstGeom prst="rect">
+              <a:avLst/>
+            </a:prstGeom>
+            <a:solidFill>
+              <a:schemeClr val="bg1"/>
+            </a:solidFill>
+          </p:spPr>
+          <p:txBody>
+            <a:bodyPr wrap="square" rtlCol="0">
+              <a:spAutoFit/>
+            </a:bodyPr>
+            <a:lstStyle/>
+            <a:p>
+              <a:r>
+                <a:rPr lang="en-US" sz="1500" dirty="0">
+                  <a:solidFill>
+                    <a:srgbClr val="202124"/>
+                  </a:solidFill>
+                  <a:latin typeface="Times New Roman" panose="02020603050405020304" pitchFamily="18" charset="0"/>
+                  <a:cs typeface="Times New Roman" panose="02020603050405020304" pitchFamily="18" charset="0"/>
+                </a:rPr>
+                <a:t>Whole BindingDB</a:t>
+              </a:r>
+            </a:p>
+          </p:txBody>
+        </p:sp>
+        <p:sp>
+          <p:nvSpPr>
+            <p:cNvPr id="176" name="Rectangle 175">
+              <a:extLst>
+                <a:ext uri="{FF2B5EF4-FFF2-40B4-BE49-F238E27FC236}">
+                  <a16:creationId xmlns:a16="http://schemas.microsoft.com/office/drawing/2014/main" id="{45494D25-49E1-48D3-B0AA-7BC58B1EACC3}"/>
                 </a:ext>
               </a:extLst>
             </p:cNvPr>
@@ -6001,20 +5579,15 @@
           </p:nvSpPr>
           <p:spPr>
             <a:xfrm>
-              <a:off x="4877144" y="16309836"/>
-              <a:ext cx="2689128" cy="857250"/>
+              <a:off x="21483123" y="6296644"/>
+              <a:ext cx="440857" cy="247772"/>
             </a:xfrm>
             <a:prstGeom prst="rect">
               <a:avLst/>
             </a:prstGeom>
             <a:solidFill>
-              <a:schemeClr val="bg1"/>
+              <a:srgbClr val="D6E5F0"/>
             </a:solidFill>
-            <a:ln>
-              <a:solidFill>
-                <a:schemeClr val="bg1"/>
-              </a:solidFill>
-            </a:ln>
           </p:spPr>
           <p:style>
             <a:lnRef idx="2">
@@ -6037,312 +5610,729 @@
             <a:lstStyle/>
             <a:p>
               <a:pPr algn="ctr"/>
-              <a:endParaRPr lang="en-US"/>
+              <a:endParaRPr lang="en-US" sz="1350"/>
             </a:p>
           </p:txBody>
         </p:sp>
-        <p:grpSp>
-          <p:nvGrpSpPr>
-            <p:cNvPr id="167" name="Group 166">
+        <p:sp>
+          <p:nvSpPr>
+            <p:cNvPr id="177" name="Rectangle 176">
               <a:extLst>
                 <a:ext uri="{FF2B5EF4-FFF2-40B4-BE49-F238E27FC236}">
-                  <a16:creationId xmlns:a16="http://schemas.microsoft.com/office/drawing/2014/main" id="{87263DE1-C405-4143-B635-921A1661675D}"/>
+                  <a16:creationId xmlns:a16="http://schemas.microsoft.com/office/drawing/2014/main" id="{1C119509-ABCF-4C6D-A4D2-E41ADE560C4A}"/>
                 </a:ext>
               </a:extLst>
             </p:cNvPr>
-            <p:cNvGrpSpPr/>
+            <p:cNvSpPr/>
             <p:nvPr/>
-          </p:nvGrpSpPr>
-          <p:grpSpPr>
+          </p:nvSpPr>
+          <p:spPr>
             <a:xfrm>
-              <a:off x="4982034" y="16381730"/>
-              <a:ext cx="2589746" cy="647759"/>
-              <a:chOff x="21483123" y="6219785"/>
-              <a:chExt cx="3222211" cy="830998"/>
+              <a:off x="21483123" y="6721369"/>
+              <a:ext cx="440857" cy="247772"/>
             </a:xfrm>
-          </p:grpSpPr>
-          <p:sp>
-            <p:nvSpPr>
-              <p:cNvPr id="168" name="TextBox 167">
-                <a:extLst>
-                  <a:ext uri="{FF2B5EF4-FFF2-40B4-BE49-F238E27FC236}">
-                    <a16:creationId xmlns:a16="http://schemas.microsoft.com/office/drawing/2014/main" id="{FC81FEC2-6E47-492F-B459-94A62A0B76AE}"/>
-                  </a:ext>
-                </a:extLst>
-              </p:cNvPr>
-              <p:cNvSpPr txBox="1"/>
-              <p:nvPr/>
-            </p:nvSpPr>
-            <p:spPr>
-              <a:xfrm>
-                <a:off x="22115703" y="6219785"/>
-                <a:ext cx="2589631" cy="430887"/>
-              </a:xfrm>
-              <a:prstGeom prst="rect">
-                <a:avLst/>
-              </a:prstGeom>
-              <a:solidFill>
-                <a:schemeClr val="bg1"/>
-              </a:solidFill>
-            </p:spPr>
-            <p:txBody>
-              <a:bodyPr wrap="square" rtlCol="0">
-                <a:spAutoFit/>
-              </a:bodyPr>
-              <a:lstStyle/>
-              <a:p>
-                <a:r>
-                  <a:rPr lang="en-US" sz="1500" dirty="0">
-                    <a:solidFill>
-                      <a:srgbClr val="202124"/>
-                    </a:solidFill>
-                    <a:latin typeface="Times New Roman" panose="02020603050405020304" pitchFamily="18" charset="0"/>
-                    <a:cs typeface="Times New Roman" panose="02020603050405020304" pitchFamily="18" charset="0"/>
-                  </a:rPr>
-                  <a:t>Whole BindingDB</a:t>
-                </a:r>
-              </a:p>
-            </p:txBody>
-          </p:sp>
-          <p:sp>
-            <p:nvSpPr>
-              <p:cNvPr id="169" name="Rectangle 168">
-                <a:extLst>
-                  <a:ext uri="{FF2B5EF4-FFF2-40B4-BE49-F238E27FC236}">
-                    <a16:creationId xmlns:a16="http://schemas.microsoft.com/office/drawing/2014/main" id="{6054B5D0-80C3-451A-9C91-E9654B37B85F}"/>
-                  </a:ext>
-                </a:extLst>
-              </p:cNvPr>
-              <p:cNvSpPr/>
-              <p:nvPr/>
-            </p:nvSpPr>
-            <p:spPr>
-              <a:xfrm>
-                <a:off x="21483123" y="6296644"/>
-                <a:ext cx="440857" cy="247772"/>
-              </a:xfrm>
-              <a:prstGeom prst="rect">
-                <a:avLst/>
-              </a:prstGeom>
-              <a:solidFill>
-                <a:srgbClr val="D6E5F0"/>
-              </a:solidFill>
-            </p:spPr>
-            <p:style>
-              <a:lnRef idx="2">
-                <a:schemeClr val="accent1">
-                  <a:shade val="50000"/>
-                </a:schemeClr>
-              </a:lnRef>
-              <a:fillRef idx="1">
-                <a:schemeClr val="accent1"/>
-              </a:fillRef>
-              <a:effectRef idx="0">
-                <a:schemeClr val="accent1"/>
-              </a:effectRef>
-              <a:fontRef idx="minor">
-                <a:schemeClr val="lt1"/>
-              </a:fontRef>
-            </p:style>
-            <p:txBody>
-              <a:bodyPr rtlCol="0" anchor="ctr"/>
-              <a:lstStyle/>
-              <a:p>
-                <a:pPr algn="ctr"/>
-                <a:endParaRPr lang="en-US" sz="1350"/>
-              </a:p>
-            </p:txBody>
-          </p:sp>
-          <p:sp>
-            <p:nvSpPr>
-              <p:cNvPr id="170" name="Rectangle 169">
-                <a:extLst>
-                  <a:ext uri="{FF2B5EF4-FFF2-40B4-BE49-F238E27FC236}">
-                    <a16:creationId xmlns:a16="http://schemas.microsoft.com/office/drawing/2014/main" id="{7A182FDC-6B21-4B1B-89B2-53D794FC00BC}"/>
-                  </a:ext>
-                </a:extLst>
-              </p:cNvPr>
-              <p:cNvSpPr/>
-              <p:nvPr/>
-            </p:nvSpPr>
-            <p:spPr>
-              <a:xfrm>
-                <a:off x="21483123" y="6721369"/>
-                <a:ext cx="440857" cy="247772"/>
-              </a:xfrm>
-              <a:prstGeom prst="rect">
-                <a:avLst/>
-              </a:prstGeom>
-              <a:solidFill>
-                <a:srgbClr val="F9D0D0"/>
-              </a:solidFill>
-            </p:spPr>
-            <p:style>
-              <a:lnRef idx="2">
-                <a:schemeClr val="accent1">
-                  <a:shade val="50000"/>
-                </a:schemeClr>
-              </a:lnRef>
-              <a:fillRef idx="1">
-                <a:schemeClr val="accent1"/>
-              </a:fillRef>
-              <a:effectRef idx="0">
-                <a:schemeClr val="accent1"/>
-              </a:effectRef>
-              <a:fontRef idx="minor">
-                <a:schemeClr val="lt1"/>
-              </a:fontRef>
-            </p:style>
-            <p:txBody>
-              <a:bodyPr rtlCol="0" anchor="ctr"/>
-              <a:lstStyle/>
-              <a:p>
-                <a:pPr algn="ctr"/>
-                <a:endParaRPr lang="en-US" sz="1350"/>
-              </a:p>
-            </p:txBody>
-          </p:sp>
-          <p:sp>
-            <p:nvSpPr>
-              <p:cNvPr id="171" name="TextBox 170">
-                <a:extLst>
-                  <a:ext uri="{FF2B5EF4-FFF2-40B4-BE49-F238E27FC236}">
-                    <a16:creationId xmlns:a16="http://schemas.microsoft.com/office/drawing/2014/main" id="{C0BF4F2D-4F63-4621-A025-CD9BF00895DC}"/>
-                  </a:ext>
-                </a:extLst>
-              </p:cNvPr>
-              <p:cNvSpPr txBox="1"/>
-              <p:nvPr/>
-            </p:nvSpPr>
-            <p:spPr>
-              <a:xfrm>
-                <a:off x="22108850" y="6619896"/>
-                <a:ext cx="2589631" cy="430887"/>
-              </a:xfrm>
-              <a:prstGeom prst="rect">
-                <a:avLst/>
-              </a:prstGeom>
-              <a:solidFill>
-                <a:schemeClr val="bg1"/>
-              </a:solidFill>
-            </p:spPr>
-            <p:txBody>
-              <a:bodyPr wrap="square" rtlCol="0">
-                <a:spAutoFit/>
-              </a:bodyPr>
-              <a:lstStyle/>
-              <a:p>
-                <a:r>
-                  <a:rPr lang="en-US" sz="1500" dirty="0">
-                    <a:solidFill>
-                      <a:srgbClr val="202124"/>
-                    </a:solidFill>
-                    <a:latin typeface="Times New Roman" panose="02020603050405020304" pitchFamily="18" charset="0"/>
-                    <a:cs typeface="Times New Roman" panose="02020603050405020304" pitchFamily="18" charset="0"/>
-                  </a:rPr>
-                  <a:t>False Positives</a:t>
-                </a:r>
-              </a:p>
-            </p:txBody>
-          </p:sp>
-        </p:grpSp>
+            <a:prstGeom prst="rect">
+              <a:avLst/>
+            </a:prstGeom>
+            <a:solidFill>
+              <a:srgbClr val="F9D0D0"/>
+            </a:solidFill>
+          </p:spPr>
+          <p:style>
+            <a:lnRef idx="2">
+              <a:schemeClr val="accent1">
+                <a:shade val="50000"/>
+              </a:schemeClr>
+            </a:lnRef>
+            <a:fillRef idx="1">
+              <a:schemeClr val="accent1"/>
+            </a:fillRef>
+            <a:effectRef idx="0">
+              <a:schemeClr val="accent1"/>
+            </a:effectRef>
+            <a:fontRef idx="minor">
+              <a:schemeClr val="lt1"/>
+            </a:fontRef>
+          </p:style>
+          <p:txBody>
+            <a:bodyPr rtlCol="0" anchor="ctr"/>
+            <a:lstStyle/>
+            <a:p>
+              <a:pPr algn="ctr"/>
+              <a:endParaRPr lang="en-US" sz="1350"/>
+            </a:p>
+          </p:txBody>
+        </p:sp>
+        <p:sp>
+          <p:nvSpPr>
+            <p:cNvPr id="178" name="TextBox 177">
+              <a:extLst>
+                <a:ext uri="{FF2B5EF4-FFF2-40B4-BE49-F238E27FC236}">
+                  <a16:creationId xmlns:a16="http://schemas.microsoft.com/office/drawing/2014/main" id="{B929704A-970C-4FD3-8A90-989B1D0202DA}"/>
+                </a:ext>
+              </a:extLst>
+            </p:cNvPr>
+            <p:cNvSpPr txBox="1"/>
+            <p:nvPr/>
+          </p:nvSpPr>
+          <p:spPr>
+            <a:xfrm>
+              <a:off x="22108850" y="6619896"/>
+              <a:ext cx="2589631" cy="430887"/>
+            </a:xfrm>
+            <a:prstGeom prst="rect">
+              <a:avLst/>
+            </a:prstGeom>
+            <a:solidFill>
+              <a:schemeClr val="bg1"/>
+            </a:solidFill>
+          </p:spPr>
+          <p:txBody>
+            <a:bodyPr wrap="square" rtlCol="0">
+              <a:spAutoFit/>
+            </a:bodyPr>
+            <a:lstStyle/>
+            <a:p>
+              <a:r>
+                <a:rPr lang="en-US" sz="1500" dirty="0">
+                  <a:solidFill>
+                    <a:srgbClr val="202124"/>
+                  </a:solidFill>
+                  <a:latin typeface="Times New Roman" panose="02020603050405020304" pitchFamily="18" charset="0"/>
+                  <a:cs typeface="Times New Roman" panose="02020603050405020304" pitchFamily="18" charset="0"/>
+                </a:rPr>
+                <a:t>False Positives</a:t>
+              </a:r>
+            </a:p>
+          </p:txBody>
+        </p:sp>
       </p:grpSp>
-      <p:pic>
-        <p:nvPicPr>
-          <p:cNvPr id="17" name="Picture 16">
+      <p:sp>
+        <p:nvSpPr>
+          <p:cNvPr id="184" name="TextBox 183">
             <a:extLst>
               <a:ext uri="{FF2B5EF4-FFF2-40B4-BE49-F238E27FC236}">
-                <a16:creationId xmlns:a16="http://schemas.microsoft.com/office/drawing/2014/main" id="{C7E411BE-3089-4B03-B85C-AD2543183CE8}"/>
+                <a16:creationId xmlns:a16="http://schemas.microsoft.com/office/drawing/2014/main" id="{45B4C778-E141-4DF5-B09E-00545BFE86EC}"/>
               </a:ext>
             </a:extLst>
           </p:cNvPr>
-          <p:cNvPicPr>
-            <a:picLocks noChangeAspect="1"/>
-          </p:cNvPicPr>
+          <p:cNvSpPr txBox="1"/>
           <p:nvPr/>
-        </p:nvPicPr>
-        <p:blipFill>
-          <a:blip r:embed="rId7"/>
-          <a:stretch>
-            <a:fillRect/>
-          </a:stretch>
-        </p:blipFill>
+        </p:nvSpPr>
         <p:spPr>
-          <a:xfrm rot="5400000">
-            <a:off x="16419745" y="2678594"/>
-            <a:ext cx="3078449" cy="1039095"/>
+          <a:xfrm>
+            <a:off x="14953374" y="11574011"/>
+            <a:ext cx="1143132" cy="459696"/>
           </a:xfrm>
           <a:prstGeom prst="rect">
             <a:avLst/>
           </a:prstGeom>
+          <a:noFill/>
         </p:spPr>
-      </p:pic>
-      <p:pic>
-        <p:nvPicPr>
-          <p:cNvPr id="19" name="Picture 18">
+        <p:txBody>
+          <a:bodyPr wrap="square" rtlCol="0">
+            <a:spAutoFit/>
+          </a:bodyPr>
+          <a:lstStyle/>
+          <a:p>
+            <a:r>
+              <a:rPr lang="en-US" sz="2274" dirty="0">
+                <a:latin typeface="Times New Roman" panose="02020603050405020304" pitchFamily="18" charset="0"/>
+                <a:cs typeface="Times New Roman" panose="02020603050405020304" pitchFamily="18" charset="0"/>
+              </a:rPr>
+              <a:t>DAO</a:t>
+            </a:r>
+          </a:p>
+        </p:txBody>
+      </p:sp>
+      <p:sp>
+        <p:nvSpPr>
+          <p:cNvPr id="185" name="TextBox 184">
             <a:extLst>
               <a:ext uri="{FF2B5EF4-FFF2-40B4-BE49-F238E27FC236}">
-                <a16:creationId xmlns:a16="http://schemas.microsoft.com/office/drawing/2014/main" id="{C0B0BDBD-C0B1-49C5-8867-8FB33D5CB2B7}"/>
+                <a16:creationId xmlns:a16="http://schemas.microsoft.com/office/drawing/2014/main" id="{6095029D-1062-4037-90BD-A0CECD1EE9C5}"/>
               </a:ext>
             </a:extLst>
           </p:cNvPr>
-          <p:cNvPicPr>
-            <a:picLocks noChangeAspect="1"/>
-          </p:cNvPicPr>
+          <p:cNvSpPr txBox="1"/>
           <p:nvPr/>
-        </p:nvPicPr>
-        <p:blipFill>
-          <a:blip r:embed="rId8"/>
-          <a:stretch>
-            <a:fillRect/>
-          </a:stretch>
-        </p:blipFill>
+        </p:nvSpPr>
         <p:spPr>
           <a:xfrm>
-            <a:off x="12999652" y="1894919"/>
-            <a:ext cx="2933700" cy="2343150"/>
+            <a:off x="11116132" y="11575731"/>
+            <a:ext cx="1428215" cy="459696"/>
           </a:xfrm>
           <a:prstGeom prst="rect">
             <a:avLst/>
           </a:prstGeom>
+          <a:noFill/>
         </p:spPr>
-      </p:pic>
-      <p:pic>
-        <p:nvPicPr>
-          <p:cNvPr id="21" name="Picture 20">
+        <p:txBody>
+          <a:bodyPr wrap="square" rtlCol="0">
+            <a:spAutoFit/>
+          </a:bodyPr>
+          <a:lstStyle/>
+          <a:p>
+            <a:r>
+              <a:rPr lang="en-US" sz="2274" dirty="0">
+                <a:latin typeface="Times New Roman" panose="02020603050405020304" pitchFamily="18" charset="0"/>
+                <a:cs typeface="Times New Roman" panose="02020603050405020304" pitchFamily="18" charset="0"/>
+              </a:rPr>
+              <a:t>AVPR1A</a:t>
+            </a:r>
+          </a:p>
+        </p:txBody>
+      </p:sp>
+      <p:sp>
+        <p:nvSpPr>
+          <p:cNvPr id="186" name="TextBox 185">
             <a:extLst>
               <a:ext uri="{FF2B5EF4-FFF2-40B4-BE49-F238E27FC236}">
-                <a16:creationId xmlns:a16="http://schemas.microsoft.com/office/drawing/2014/main" id="{80F3F3C1-E57E-4BA7-9796-5C152BCAF9FB}"/>
+                <a16:creationId xmlns:a16="http://schemas.microsoft.com/office/drawing/2014/main" id="{87CEABDD-D50F-4897-B37C-EE0050044744}"/>
               </a:ext>
             </a:extLst>
           </p:cNvPr>
-          <p:cNvPicPr>
-            <a:picLocks noChangeAspect="1"/>
-          </p:cNvPicPr>
+          <p:cNvSpPr txBox="1"/>
           <p:nvPr/>
-        </p:nvPicPr>
-        <p:blipFill>
-          <a:blip r:embed="rId9"/>
-          <a:stretch>
-            <a:fillRect/>
-          </a:stretch>
-        </p:blipFill>
+        </p:nvSpPr>
         <p:spPr>
           <a:xfrm>
-            <a:off x="9905972" y="1666319"/>
-            <a:ext cx="2324100" cy="2800350"/>
+            <a:off x="18340597" y="11566225"/>
+            <a:ext cx="959280" cy="459696"/>
           </a:xfrm>
           <a:prstGeom prst="rect">
             <a:avLst/>
           </a:prstGeom>
+          <a:noFill/>
         </p:spPr>
-      </p:pic>
+        <p:txBody>
+          <a:bodyPr wrap="square" rtlCol="0">
+            <a:spAutoFit/>
+          </a:bodyPr>
+          <a:lstStyle/>
+          <a:p>
+            <a:r>
+              <a:rPr lang="en-US" sz="2274" dirty="0">
+                <a:latin typeface="Times New Roman" panose="02020603050405020304" pitchFamily="18" charset="0"/>
+                <a:cs typeface="Times New Roman" panose="02020603050405020304" pitchFamily="18" charset="0"/>
+              </a:rPr>
+              <a:t>TOP1</a:t>
+            </a:r>
+          </a:p>
+        </p:txBody>
+      </p:sp>
+      <p:sp>
+        <p:nvSpPr>
+          <p:cNvPr id="187" name="Rectangle: Rounded Corners 186">
+            <a:extLst>
+              <a:ext uri="{FF2B5EF4-FFF2-40B4-BE49-F238E27FC236}">
+                <a16:creationId xmlns:a16="http://schemas.microsoft.com/office/drawing/2014/main" id="{7BF71878-780D-4703-8ED5-3B429FCE527C}"/>
+              </a:ext>
+            </a:extLst>
+          </p:cNvPr>
+          <p:cNvSpPr/>
+          <p:nvPr/>
+        </p:nvSpPr>
+        <p:spPr>
+          <a:xfrm>
+            <a:off x="10211443" y="11427540"/>
+            <a:ext cx="3237594" cy="5391544"/>
+          </a:xfrm>
+          <a:prstGeom prst="roundRect">
+            <a:avLst/>
+          </a:prstGeom>
+          <a:noFill/>
+          <a:ln w="38100">
+            <a:solidFill>
+              <a:srgbClr val="F9D1D1"/>
+            </a:solidFill>
+          </a:ln>
+        </p:spPr>
+        <p:style>
+          <a:lnRef idx="2">
+            <a:schemeClr val="accent1">
+              <a:shade val="50000"/>
+            </a:schemeClr>
+          </a:lnRef>
+          <a:fillRef idx="1">
+            <a:schemeClr val="accent1"/>
+          </a:fillRef>
+          <a:effectRef idx="0">
+            <a:schemeClr val="accent1"/>
+          </a:effectRef>
+          <a:fontRef idx="minor">
+            <a:schemeClr val="lt1"/>
+          </a:fontRef>
+        </p:style>
+        <p:txBody>
+          <a:bodyPr rtlCol="0" anchor="ctr"/>
+          <a:lstStyle/>
+          <a:p>
+            <a:pPr algn="ctr"/>
+            <a:endParaRPr lang="en-US" sz="1350"/>
+          </a:p>
+        </p:txBody>
+      </p:sp>
+      <p:sp>
+        <p:nvSpPr>
+          <p:cNvPr id="188" name="Rectangle: Rounded Corners 187">
+            <a:extLst>
+              <a:ext uri="{FF2B5EF4-FFF2-40B4-BE49-F238E27FC236}">
+                <a16:creationId xmlns:a16="http://schemas.microsoft.com/office/drawing/2014/main" id="{5D419A7B-9D23-43B4-A3AE-F4A9CB07A67B}"/>
+              </a:ext>
+            </a:extLst>
+          </p:cNvPr>
+          <p:cNvSpPr/>
+          <p:nvPr/>
+        </p:nvSpPr>
+        <p:spPr>
+          <a:xfrm>
+            <a:off x="13657356" y="11426644"/>
+            <a:ext cx="3335672" cy="5421180"/>
+          </a:xfrm>
+          <a:prstGeom prst="roundRect">
+            <a:avLst/>
+          </a:prstGeom>
+          <a:noFill/>
+          <a:ln w="38100">
+            <a:solidFill>
+              <a:srgbClr val="F9D1D1"/>
+            </a:solidFill>
+          </a:ln>
+        </p:spPr>
+        <p:style>
+          <a:lnRef idx="2">
+            <a:schemeClr val="accent1">
+              <a:shade val="50000"/>
+            </a:schemeClr>
+          </a:lnRef>
+          <a:fillRef idx="1">
+            <a:schemeClr val="accent1"/>
+          </a:fillRef>
+          <a:effectRef idx="0">
+            <a:schemeClr val="accent1"/>
+          </a:effectRef>
+          <a:fontRef idx="minor">
+            <a:schemeClr val="lt1"/>
+          </a:fontRef>
+        </p:style>
+        <p:txBody>
+          <a:bodyPr rtlCol="0" anchor="ctr"/>
+          <a:lstStyle/>
+          <a:p>
+            <a:pPr algn="ctr"/>
+            <a:endParaRPr lang="en-US" sz="1350"/>
+          </a:p>
+        </p:txBody>
+      </p:sp>
+      <p:sp>
+        <p:nvSpPr>
+          <p:cNvPr id="190" name="TextBox 189">
+            <a:extLst>
+              <a:ext uri="{FF2B5EF4-FFF2-40B4-BE49-F238E27FC236}">
+                <a16:creationId xmlns:a16="http://schemas.microsoft.com/office/drawing/2014/main" id="{236F0238-15AC-48E8-BDE7-90D82A351FBE}"/>
+              </a:ext>
+            </a:extLst>
+          </p:cNvPr>
+          <p:cNvSpPr txBox="1"/>
+          <p:nvPr/>
+        </p:nvSpPr>
+        <p:spPr>
+          <a:xfrm>
+            <a:off x="11198750" y="15345289"/>
+            <a:ext cx="1868613" cy="1207083"/>
+          </a:xfrm>
+          <a:prstGeom prst="rect">
+            <a:avLst/>
+          </a:prstGeom>
+          <a:noFill/>
+        </p:spPr>
+        <p:txBody>
+          <a:bodyPr wrap="square" rtlCol="0">
+            <a:spAutoFit/>
+          </a:bodyPr>
+          <a:lstStyle/>
+          <a:p>
+            <a:r>
+              <a:rPr lang="en-US" sz="2273" dirty="0">
+                <a:latin typeface="Times New Roman" panose="02020603050405020304" pitchFamily="18" charset="0"/>
+                <a:ea typeface="Calibri" panose="020F0502020204030204" pitchFamily="34" charset="0"/>
+                <a:cs typeface="Times New Roman" panose="02020603050405020304" pitchFamily="18" charset="0"/>
+              </a:rPr>
+              <a:t>k</a:t>
+            </a:r>
+            <a:r>
+              <a:rPr lang="en-US" sz="2273" baseline="-25000" dirty="0">
+                <a:latin typeface="Times New Roman" panose="02020603050405020304" pitchFamily="18" charset="0"/>
+                <a:ea typeface="Calibri" panose="020F0502020204030204" pitchFamily="34" charset="0"/>
+                <a:cs typeface="Times New Roman" panose="02020603050405020304" pitchFamily="18" charset="0"/>
+              </a:rPr>
+              <a:t>i</a:t>
+            </a:r>
+            <a:r>
+              <a:rPr lang="en-US" sz="2273" baseline="30000" dirty="0">
+                <a:latin typeface="Times New Roman" panose="02020603050405020304" pitchFamily="18" charset="0"/>
+                <a:ea typeface="Calibri" panose="020F0502020204030204" pitchFamily="34" charset="0"/>
+                <a:cs typeface="Times New Roman" panose="02020603050405020304" pitchFamily="18" charset="0"/>
+              </a:rPr>
+              <a:t>+ </a:t>
+            </a:r>
+            <a:r>
+              <a:rPr lang="en-US" sz="2273" dirty="0">
+                <a:latin typeface="Times New Roman" panose="02020603050405020304" pitchFamily="18" charset="0"/>
+                <a:cs typeface="Times New Roman" panose="02020603050405020304" pitchFamily="18" charset="0"/>
+              </a:rPr>
+              <a:t>= 32</a:t>
+            </a:r>
+            <a:endParaRPr lang="en-US" sz="2274" dirty="0">
+              <a:latin typeface="Times New Roman" panose="02020603050405020304" pitchFamily="18" charset="0"/>
+              <a:cs typeface="Times New Roman" panose="02020603050405020304" pitchFamily="18" charset="0"/>
+            </a:endParaRPr>
+          </a:p>
+          <a:p>
+            <a:r>
+              <a:rPr lang="en-US" sz="2273" dirty="0">
+                <a:latin typeface="Times New Roman" panose="02020603050405020304" pitchFamily="18" charset="0"/>
+                <a:ea typeface="Calibri" panose="020F0502020204030204" pitchFamily="34" charset="0"/>
+                <a:cs typeface="Times New Roman" panose="02020603050405020304" pitchFamily="18" charset="0"/>
+              </a:rPr>
+              <a:t>k</a:t>
+            </a:r>
+            <a:r>
+              <a:rPr lang="en-US" sz="2273" baseline="-25000" dirty="0">
+                <a:latin typeface="Times New Roman" panose="02020603050405020304" pitchFamily="18" charset="0"/>
+                <a:ea typeface="Calibri" panose="020F0502020204030204" pitchFamily="34" charset="0"/>
+                <a:cs typeface="Times New Roman" panose="02020603050405020304" pitchFamily="18" charset="0"/>
+              </a:rPr>
+              <a:t>i</a:t>
+            </a:r>
+            <a:r>
+              <a:rPr lang="en-US" sz="2273" baseline="30000" dirty="0">
+                <a:latin typeface="Times New Roman" panose="02020603050405020304" pitchFamily="18" charset="0"/>
+                <a:ea typeface="Calibri" panose="020F0502020204030204" pitchFamily="34" charset="0"/>
+                <a:cs typeface="Times New Roman" panose="02020603050405020304" pitchFamily="18" charset="0"/>
+              </a:rPr>
+              <a:t>- </a:t>
+            </a:r>
+            <a:r>
+              <a:rPr lang="en-US" sz="2274" dirty="0">
+                <a:latin typeface="Times New Roman" panose="02020603050405020304" pitchFamily="18" charset="0"/>
+                <a:cs typeface="Times New Roman" panose="02020603050405020304" pitchFamily="18" charset="0"/>
+              </a:rPr>
+              <a:t>= 10</a:t>
+            </a:r>
+          </a:p>
+          <a:p>
+            <a:r>
+              <a:rPr lang="el-GR" sz="2273" dirty="0">
+                <a:latin typeface="Times New Roman" panose="02020603050405020304" pitchFamily="18" charset="0"/>
+                <a:ea typeface="Calibri" panose="020F0502020204030204" pitchFamily="34" charset="0"/>
+                <a:cs typeface="Times New Roman" panose="02020603050405020304" pitchFamily="18" charset="0"/>
+              </a:rPr>
+              <a:t>ρ</a:t>
+            </a:r>
+            <a:r>
+              <a:rPr lang="en-US" sz="2273" baseline="-25000" dirty="0">
+                <a:latin typeface="Times New Roman" panose="02020603050405020304" pitchFamily="18" charset="0"/>
+                <a:ea typeface="Calibri" panose="020F0502020204030204" pitchFamily="34" charset="0"/>
+                <a:cs typeface="Times New Roman" panose="02020603050405020304" pitchFamily="18" charset="0"/>
+              </a:rPr>
+              <a:t>i </a:t>
+            </a:r>
+            <a:r>
+              <a:rPr lang="el-GR" sz="2400" dirty="0">
+                <a:solidFill>
+                  <a:srgbClr val="202124"/>
+                </a:solidFill>
+                <a:latin typeface="Times New Roman" panose="02020603050405020304" pitchFamily="18" charset="0"/>
+                <a:cs typeface="Times New Roman" panose="02020603050405020304" pitchFamily="18" charset="0"/>
+              </a:rPr>
+              <a:t> </a:t>
+            </a:r>
+            <a:r>
+              <a:rPr lang="en-US" sz="2274" dirty="0">
+                <a:latin typeface="Times New Roman" panose="02020603050405020304" pitchFamily="18" charset="0"/>
+                <a:cs typeface="Times New Roman" panose="02020603050405020304" pitchFamily="18" charset="0"/>
+              </a:rPr>
+              <a:t>= 0.76</a:t>
+            </a:r>
+          </a:p>
+        </p:txBody>
+      </p:sp>
+      <p:sp>
+        <p:nvSpPr>
+          <p:cNvPr id="191" name="TextBox 190">
+            <a:extLst>
+              <a:ext uri="{FF2B5EF4-FFF2-40B4-BE49-F238E27FC236}">
+                <a16:creationId xmlns:a16="http://schemas.microsoft.com/office/drawing/2014/main" id="{104DD23C-3722-4C96-ACF5-0D412FB117D3}"/>
+              </a:ext>
+            </a:extLst>
+          </p:cNvPr>
+          <p:cNvSpPr txBox="1"/>
+          <p:nvPr/>
+        </p:nvSpPr>
+        <p:spPr>
+          <a:xfrm>
+            <a:off x="14707026" y="15345288"/>
+            <a:ext cx="1868613" cy="1207083"/>
+          </a:xfrm>
+          <a:prstGeom prst="rect">
+            <a:avLst/>
+          </a:prstGeom>
+          <a:noFill/>
+        </p:spPr>
+        <p:txBody>
+          <a:bodyPr wrap="square" rtlCol="0">
+            <a:spAutoFit/>
+          </a:bodyPr>
+          <a:lstStyle/>
+          <a:p>
+            <a:r>
+              <a:rPr lang="en-US" sz="2273" dirty="0">
+                <a:latin typeface="Times New Roman" panose="02020603050405020304" pitchFamily="18" charset="0"/>
+                <a:ea typeface="Calibri" panose="020F0502020204030204" pitchFamily="34" charset="0"/>
+                <a:cs typeface="Times New Roman" panose="02020603050405020304" pitchFamily="18" charset="0"/>
+              </a:rPr>
+              <a:t>k</a:t>
+            </a:r>
+            <a:r>
+              <a:rPr lang="en-US" sz="2273" baseline="-25000" dirty="0">
+                <a:latin typeface="Times New Roman" panose="02020603050405020304" pitchFamily="18" charset="0"/>
+                <a:ea typeface="Calibri" panose="020F0502020204030204" pitchFamily="34" charset="0"/>
+                <a:cs typeface="Times New Roman" panose="02020603050405020304" pitchFamily="18" charset="0"/>
+              </a:rPr>
+              <a:t>i</a:t>
+            </a:r>
+            <a:r>
+              <a:rPr lang="en-US" sz="2273" baseline="30000" dirty="0">
+                <a:latin typeface="Times New Roman" panose="02020603050405020304" pitchFamily="18" charset="0"/>
+                <a:ea typeface="Calibri" panose="020F0502020204030204" pitchFamily="34" charset="0"/>
+                <a:cs typeface="Times New Roman" panose="02020603050405020304" pitchFamily="18" charset="0"/>
+              </a:rPr>
+              <a:t>+ </a:t>
+            </a:r>
+            <a:r>
+              <a:rPr lang="en-US" sz="2273" dirty="0">
+                <a:latin typeface="Times New Roman" panose="02020603050405020304" pitchFamily="18" charset="0"/>
+                <a:cs typeface="Times New Roman" panose="02020603050405020304" pitchFamily="18" charset="0"/>
+              </a:rPr>
+              <a:t>= 9</a:t>
+            </a:r>
+            <a:endParaRPr lang="en-US" sz="2274" dirty="0">
+              <a:latin typeface="Times New Roman" panose="02020603050405020304" pitchFamily="18" charset="0"/>
+              <a:cs typeface="Times New Roman" panose="02020603050405020304" pitchFamily="18" charset="0"/>
+            </a:endParaRPr>
+          </a:p>
+          <a:p>
+            <a:r>
+              <a:rPr lang="en-US" sz="2273" dirty="0">
+                <a:latin typeface="Times New Roman" panose="02020603050405020304" pitchFamily="18" charset="0"/>
+                <a:ea typeface="Calibri" panose="020F0502020204030204" pitchFamily="34" charset="0"/>
+                <a:cs typeface="Times New Roman" panose="02020603050405020304" pitchFamily="18" charset="0"/>
+              </a:rPr>
+              <a:t>k</a:t>
+            </a:r>
+            <a:r>
+              <a:rPr lang="en-US" sz="2273" baseline="-25000" dirty="0">
+                <a:latin typeface="Times New Roman" panose="02020603050405020304" pitchFamily="18" charset="0"/>
+                <a:ea typeface="Calibri" panose="020F0502020204030204" pitchFamily="34" charset="0"/>
+                <a:cs typeface="Times New Roman" panose="02020603050405020304" pitchFamily="18" charset="0"/>
+              </a:rPr>
+              <a:t>i</a:t>
+            </a:r>
+            <a:r>
+              <a:rPr lang="en-US" sz="2273" baseline="30000" dirty="0">
+                <a:latin typeface="Times New Roman" panose="02020603050405020304" pitchFamily="18" charset="0"/>
+                <a:ea typeface="Calibri" panose="020F0502020204030204" pitchFamily="34" charset="0"/>
+                <a:cs typeface="Times New Roman" panose="02020603050405020304" pitchFamily="18" charset="0"/>
+              </a:rPr>
+              <a:t>- </a:t>
+            </a:r>
+            <a:r>
+              <a:rPr lang="en-US" sz="2274" dirty="0">
+                <a:latin typeface="Times New Roman" panose="02020603050405020304" pitchFamily="18" charset="0"/>
+                <a:cs typeface="Times New Roman" panose="02020603050405020304" pitchFamily="18" charset="0"/>
+              </a:rPr>
+              <a:t>= 2</a:t>
+            </a:r>
+          </a:p>
+          <a:p>
+            <a:r>
+              <a:rPr lang="el-GR" sz="2273" dirty="0">
+                <a:latin typeface="Times New Roman" panose="02020603050405020304" pitchFamily="18" charset="0"/>
+                <a:ea typeface="Calibri" panose="020F0502020204030204" pitchFamily="34" charset="0"/>
+                <a:cs typeface="Times New Roman" panose="02020603050405020304" pitchFamily="18" charset="0"/>
+              </a:rPr>
+              <a:t>ρ</a:t>
+            </a:r>
+            <a:r>
+              <a:rPr lang="en-US" sz="2273" baseline="-25000" dirty="0">
+                <a:latin typeface="Times New Roman" panose="02020603050405020304" pitchFamily="18" charset="0"/>
+                <a:ea typeface="Calibri" panose="020F0502020204030204" pitchFamily="34" charset="0"/>
+                <a:cs typeface="Times New Roman" panose="02020603050405020304" pitchFamily="18" charset="0"/>
+              </a:rPr>
+              <a:t>i </a:t>
+            </a:r>
+            <a:r>
+              <a:rPr lang="el-GR" sz="2400" dirty="0">
+                <a:solidFill>
+                  <a:srgbClr val="202124"/>
+                </a:solidFill>
+                <a:latin typeface="Times New Roman" panose="02020603050405020304" pitchFamily="18" charset="0"/>
+                <a:cs typeface="Times New Roman" panose="02020603050405020304" pitchFamily="18" charset="0"/>
+              </a:rPr>
+              <a:t> </a:t>
+            </a:r>
+            <a:r>
+              <a:rPr lang="en-US" sz="2274" dirty="0">
+                <a:latin typeface="Times New Roman" panose="02020603050405020304" pitchFamily="18" charset="0"/>
+                <a:cs typeface="Times New Roman" panose="02020603050405020304" pitchFamily="18" charset="0"/>
+              </a:rPr>
+              <a:t>= 0.82</a:t>
+            </a:r>
+          </a:p>
+        </p:txBody>
+      </p:sp>
+      <p:sp>
+        <p:nvSpPr>
+          <p:cNvPr id="192" name="TextBox 191">
+            <a:extLst>
+              <a:ext uri="{FF2B5EF4-FFF2-40B4-BE49-F238E27FC236}">
+                <a16:creationId xmlns:a16="http://schemas.microsoft.com/office/drawing/2014/main" id="{D63CF358-B807-4D04-89CE-334241CE33DE}"/>
+              </a:ext>
+            </a:extLst>
+          </p:cNvPr>
+          <p:cNvSpPr txBox="1"/>
+          <p:nvPr/>
+        </p:nvSpPr>
+        <p:spPr>
+          <a:xfrm>
+            <a:off x="18281924" y="15335372"/>
+            <a:ext cx="1868613" cy="1207083"/>
+          </a:xfrm>
+          <a:prstGeom prst="rect">
+            <a:avLst/>
+          </a:prstGeom>
+          <a:noFill/>
+        </p:spPr>
+        <p:txBody>
+          <a:bodyPr wrap="square" rtlCol="0">
+            <a:spAutoFit/>
+          </a:bodyPr>
+          <a:lstStyle/>
+          <a:p>
+            <a:r>
+              <a:rPr lang="en-US" sz="2273" dirty="0">
+                <a:latin typeface="Times New Roman" panose="02020603050405020304" pitchFamily="18" charset="0"/>
+                <a:ea typeface="Calibri" panose="020F0502020204030204" pitchFamily="34" charset="0"/>
+                <a:cs typeface="Times New Roman" panose="02020603050405020304" pitchFamily="18" charset="0"/>
+              </a:rPr>
+              <a:t>k</a:t>
+            </a:r>
+            <a:r>
+              <a:rPr lang="en-US" sz="2273" baseline="-25000" dirty="0">
+                <a:latin typeface="Times New Roman" panose="02020603050405020304" pitchFamily="18" charset="0"/>
+                <a:ea typeface="Calibri" panose="020F0502020204030204" pitchFamily="34" charset="0"/>
+                <a:cs typeface="Times New Roman" panose="02020603050405020304" pitchFamily="18" charset="0"/>
+              </a:rPr>
+              <a:t>i</a:t>
+            </a:r>
+            <a:r>
+              <a:rPr lang="en-US" sz="2273" baseline="30000" dirty="0">
+                <a:latin typeface="Times New Roman" panose="02020603050405020304" pitchFamily="18" charset="0"/>
+                <a:ea typeface="Calibri" panose="020F0502020204030204" pitchFamily="34" charset="0"/>
+                <a:cs typeface="Times New Roman" panose="02020603050405020304" pitchFamily="18" charset="0"/>
+              </a:rPr>
+              <a:t>+ </a:t>
+            </a:r>
+            <a:r>
+              <a:rPr lang="en-US" sz="2273" dirty="0">
+                <a:latin typeface="Times New Roman" panose="02020603050405020304" pitchFamily="18" charset="0"/>
+                <a:cs typeface="Times New Roman" panose="02020603050405020304" pitchFamily="18" charset="0"/>
+              </a:rPr>
+              <a:t>= 3</a:t>
+            </a:r>
+            <a:endParaRPr lang="en-US" sz="2274" dirty="0">
+              <a:latin typeface="Times New Roman" panose="02020603050405020304" pitchFamily="18" charset="0"/>
+              <a:cs typeface="Times New Roman" panose="02020603050405020304" pitchFamily="18" charset="0"/>
+            </a:endParaRPr>
+          </a:p>
+          <a:p>
+            <a:r>
+              <a:rPr lang="en-US" sz="2273" dirty="0">
+                <a:latin typeface="Times New Roman" panose="02020603050405020304" pitchFamily="18" charset="0"/>
+                <a:ea typeface="Calibri" panose="020F0502020204030204" pitchFamily="34" charset="0"/>
+                <a:cs typeface="Times New Roman" panose="02020603050405020304" pitchFamily="18" charset="0"/>
+              </a:rPr>
+              <a:t>k</a:t>
+            </a:r>
+            <a:r>
+              <a:rPr lang="en-US" sz="2273" baseline="-25000" dirty="0">
+                <a:latin typeface="Times New Roman" panose="02020603050405020304" pitchFamily="18" charset="0"/>
+                <a:ea typeface="Calibri" panose="020F0502020204030204" pitchFamily="34" charset="0"/>
+                <a:cs typeface="Times New Roman" panose="02020603050405020304" pitchFamily="18" charset="0"/>
+              </a:rPr>
+              <a:t>i</a:t>
+            </a:r>
+            <a:r>
+              <a:rPr lang="en-US" sz="2273" baseline="30000" dirty="0">
+                <a:latin typeface="Times New Roman" panose="02020603050405020304" pitchFamily="18" charset="0"/>
+                <a:ea typeface="Calibri" panose="020F0502020204030204" pitchFamily="34" charset="0"/>
+                <a:cs typeface="Times New Roman" panose="02020603050405020304" pitchFamily="18" charset="0"/>
+              </a:rPr>
+              <a:t>- </a:t>
+            </a:r>
+            <a:r>
+              <a:rPr lang="en-US" sz="2274" dirty="0">
+                <a:latin typeface="Times New Roman" panose="02020603050405020304" pitchFamily="18" charset="0"/>
+                <a:cs typeface="Times New Roman" panose="02020603050405020304" pitchFamily="18" charset="0"/>
+              </a:rPr>
+              <a:t>= 0</a:t>
+            </a:r>
+          </a:p>
+          <a:p>
+            <a:r>
+              <a:rPr lang="el-GR" sz="2273" dirty="0">
+                <a:latin typeface="Times New Roman" panose="02020603050405020304" pitchFamily="18" charset="0"/>
+                <a:ea typeface="Calibri" panose="020F0502020204030204" pitchFamily="34" charset="0"/>
+                <a:cs typeface="Times New Roman" panose="02020603050405020304" pitchFamily="18" charset="0"/>
+              </a:rPr>
+              <a:t>ρ</a:t>
+            </a:r>
+            <a:r>
+              <a:rPr lang="en-US" sz="2273" baseline="-25000" dirty="0">
+                <a:latin typeface="Times New Roman" panose="02020603050405020304" pitchFamily="18" charset="0"/>
+                <a:ea typeface="Calibri" panose="020F0502020204030204" pitchFamily="34" charset="0"/>
+                <a:cs typeface="Times New Roman" panose="02020603050405020304" pitchFamily="18" charset="0"/>
+              </a:rPr>
+              <a:t>i </a:t>
+            </a:r>
+            <a:r>
+              <a:rPr lang="el-GR" sz="2400" dirty="0">
+                <a:solidFill>
+                  <a:srgbClr val="202124"/>
+                </a:solidFill>
+                <a:latin typeface="Times New Roman" panose="02020603050405020304" pitchFamily="18" charset="0"/>
+                <a:cs typeface="Times New Roman" panose="02020603050405020304" pitchFamily="18" charset="0"/>
+              </a:rPr>
+              <a:t> </a:t>
+            </a:r>
+            <a:r>
+              <a:rPr lang="en-US" sz="2274" dirty="0">
+                <a:latin typeface="Times New Roman" panose="02020603050405020304" pitchFamily="18" charset="0"/>
+                <a:cs typeface="Times New Roman" panose="02020603050405020304" pitchFamily="18" charset="0"/>
+              </a:rPr>
+              <a:t>= 1.0</a:t>
+            </a:r>
+          </a:p>
+        </p:txBody>
+      </p:sp>
       <p:pic>
         <p:nvPicPr>
-          <p:cNvPr id="3" name="Picture 2">
+          <p:cNvPr id="181" name="Picture 180">
             <a:extLst>
               <a:ext uri="{FF2B5EF4-FFF2-40B4-BE49-F238E27FC236}">
-                <a16:creationId xmlns:a16="http://schemas.microsoft.com/office/drawing/2014/main" id="{7E452F57-0961-49A8-9609-C530C1859C0C}"/>
+                <a16:creationId xmlns:a16="http://schemas.microsoft.com/office/drawing/2014/main" id="{5F902BDB-7178-4DDB-A649-1C203A40FFB9}"/>
               </a:ext>
             </a:extLst>
           </p:cNvPr>
@@ -6359,7 +6349,7 @@
         </p:blipFill>
         <p:spPr>
           <a:xfrm>
-            <a:off x="17817071" y="12334084"/>
+            <a:off x="17713608" y="12489173"/>
             <a:ext cx="2168166" cy="2379391"/>
           </a:xfrm>
           <a:prstGeom prst="rect">
@@ -6369,10 +6359,10 @@
       </p:pic>
       <p:pic>
         <p:nvPicPr>
-          <p:cNvPr id="5" name="Picture 4">
+          <p:cNvPr id="182" name="Picture 181">
             <a:extLst>
               <a:ext uri="{FF2B5EF4-FFF2-40B4-BE49-F238E27FC236}">
-                <a16:creationId xmlns:a16="http://schemas.microsoft.com/office/drawing/2014/main" id="{C373BBAF-B16A-482E-9F49-2EBE61D71AF4}"/>
+                <a16:creationId xmlns:a16="http://schemas.microsoft.com/office/drawing/2014/main" id="{D1FC9F41-4157-40BE-89D8-2AB5A89A6823}"/>
               </a:ext>
             </a:extLst>
           </p:cNvPr>
@@ -6389,7 +6379,7 @@
         </p:blipFill>
         <p:spPr>
           <a:xfrm>
-            <a:off x="14673127" y="11841196"/>
+            <a:off x="14573659" y="11970204"/>
             <a:ext cx="1566665" cy="3365168"/>
           </a:xfrm>
           <a:prstGeom prst="rect">
@@ -6399,10 +6389,10 @@
       </p:pic>
       <p:pic>
         <p:nvPicPr>
-          <p:cNvPr id="8" name="Picture 7">
+          <p:cNvPr id="183" name="Picture 182">
             <a:extLst>
               <a:ext uri="{FF2B5EF4-FFF2-40B4-BE49-F238E27FC236}">
-                <a16:creationId xmlns:a16="http://schemas.microsoft.com/office/drawing/2014/main" id="{5C3A8237-0139-4742-A65C-F7A6F6F77E3A}"/>
+                <a16:creationId xmlns:a16="http://schemas.microsoft.com/office/drawing/2014/main" id="{C7E4E6EA-9A60-4BA7-A232-ED6C7D9A11B4}"/>
               </a:ext>
             </a:extLst>
           </p:cNvPr>
@@ -6419,7 +6409,7 @@
         </p:blipFill>
         <p:spPr>
           <a:xfrm>
-            <a:off x="10825373" y="12187800"/>
+            <a:off x="11075128" y="12295498"/>
             <a:ext cx="1692367" cy="3039874"/>
           </a:xfrm>
           <a:prstGeom prst="rect">
@@ -6427,6 +6417,58 @@
           </a:prstGeom>
         </p:spPr>
       </p:pic>
+      <p:sp>
+        <p:nvSpPr>
+          <p:cNvPr id="193" name="Rectangle: Rounded Corners 192">
+            <a:extLst>
+              <a:ext uri="{FF2B5EF4-FFF2-40B4-BE49-F238E27FC236}">
+                <a16:creationId xmlns:a16="http://schemas.microsoft.com/office/drawing/2014/main" id="{0A1BF369-D205-48A3-BE3F-6C02DEE8CF9E}"/>
+              </a:ext>
+            </a:extLst>
+          </p:cNvPr>
+          <p:cNvSpPr/>
+          <p:nvPr/>
+        </p:nvSpPr>
+        <p:spPr>
+          <a:xfrm>
+            <a:off x="17170817" y="11437692"/>
+            <a:ext cx="3237594" cy="5421180"/>
+          </a:xfrm>
+          <a:prstGeom prst="roundRect">
+            <a:avLst/>
+          </a:prstGeom>
+          <a:noFill/>
+          <a:ln w="38100">
+            <a:solidFill>
+              <a:srgbClr val="F9D1D1"/>
+            </a:solidFill>
+          </a:ln>
+        </p:spPr>
+        <p:style>
+          <a:lnRef idx="2">
+            <a:schemeClr val="accent1">
+              <a:shade val="50000"/>
+            </a:schemeClr>
+          </a:lnRef>
+          <a:fillRef idx="1">
+            <a:schemeClr val="accent1"/>
+          </a:fillRef>
+          <a:effectRef idx="0">
+            <a:schemeClr val="accent1"/>
+          </a:effectRef>
+          <a:fontRef idx="minor">
+            <a:schemeClr val="lt1"/>
+          </a:fontRef>
+        </p:style>
+        <p:txBody>
+          <a:bodyPr rtlCol="0" anchor="ctr"/>
+          <a:lstStyle/>
+          <a:p>
+            <a:pPr algn="ctr"/>
+            <a:endParaRPr lang="en-US" sz="1350"/>
+          </a:p>
+        </p:txBody>
+      </p:sp>
     </p:spTree>
     <p:extLst>
       <p:ext uri="{BB962C8B-B14F-4D97-AF65-F5344CB8AC3E}">

--- a/Images/fig1a.pptx
+++ b/Images/fig1a.pptx
@@ -3560,98 +3560,6 @@
       </p:sp>
       <p:sp>
         <p:nvSpPr>
-          <p:cNvPr id="49" name="TextBox 48">
-            <a:extLst>
-              <a:ext uri="{FF2B5EF4-FFF2-40B4-BE49-F238E27FC236}">
-                <a16:creationId xmlns:a16="http://schemas.microsoft.com/office/drawing/2014/main" id="{5ABA8ECE-C61E-475C-9C9A-792866AA51D6}"/>
-              </a:ext>
-            </a:extLst>
-          </p:cNvPr>
-          <p:cNvSpPr txBox="1"/>
-          <p:nvPr/>
-        </p:nvSpPr>
-        <p:spPr>
-          <a:xfrm rot="10800000" flipV="1">
-            <a:off x="467073" y="180853"/>
-            <a:ext cx="1732641" cy="742256"/>
-          </a:xfrm>
-          <a:prstGeom prst="rect">
-            <a:avLst/>
-          </a:prstGeom>
-          <a:noFill/>
-        </p:spPr>
-        <p:txBody>
-          <a:bodyPr wrap="square" rtlCol="0">
-            <a:spAutoFit/>
-          </a:bodyPr>
-          <a:lstStyle/>
-          <a:p>
-            <a:r>
-              <a:rPr lang="en-US" sz="4041" b="1" dirty="0">
-                <a:latin typeface="Times New Roman" panose="02020603050405020304" pitchFamily="18" charset="0"/>
-                <a:cs typeface="Times New Roman" panose="02020603050405020304" pitchFamily="18" charset="0"/>
-              </a:rPr>
-              <a:t>A</a:t>
-            </a:r>
-          </a:p>
-        </p:txBody>
-      </p:sp>
-      <p:sp>
-        <p:nvSpPr>
-          <p:cNvPr id="6" name="Rectangle 5">
-            <a:extLst>
-              <a:ext uri="{FF2B5EF4-FFF2-40B4-BE49-F238E27FC236}">
-                <a16:creationId xmlns:a16="http://schemas.microsoft.com/office/drawing/2014/main" id="{265D68BB-FAAF-4B24-AD96-68D9C2855D2A}"/>
-              </a:ext>
-            </a:extLst>
-          </p:cNvPr>
-          <p:cNvSpPr/>
-          <p:nvPr/>
-        </p:nvSpPr>
-        <p:spPr>
-          <a:xfrm>
-            <a:off x="18197699" y="868121"/>
-            <a:ext cx="2132391" cy="841243"/>
-          </a:xfrm>
-          <a:prstGeom prst="rect">
-            <a:avLst/>
-          </a:prstGeom>
-          <a:solidFill>
-            <a:schemeClr val="bg1"/>
-          </a:solidFill>
-          <a:ln>
-            <a:solidFill>
-              <a:schemeClr val="bg1"/>
-            </a:solidFill>
-          </a:ln>
-        </p:spPr>
-        <p:style>
-          <a:lnRef idx="2">
-            <a:schemeClr val="accent1">
-              <a:shade val="50000"/>
-            </a:schemeClr>
-          </a:lnRef>
-          <a:fillRef idx="1">
-            <a:schemeClr val="accent1"/>
-          </a:fillRef>
-          <a:effectRef idx="0">
-            <a:schemeClr val="accent1"/>
-          </a:effectRef>
-          <a:fontRef idx="minor">
-            <a:schemeClr val="lt1"/>
-          </a:fontRef>
-        </p:style>
-        <p:txBody>
-          <a:bodyPr rtlCol="0" anchor="ctr"/>
-          <a:lstStyle/>
-          <a:p>
-            <a:pPr algn="ctr"/>
-            <a:endParaRPr lang="en-US" sz="1350"/>
-          </a:p>
-        </p:txBody>
-      </p:sp>
-      <p:sp>
-        <p:nvSpPr>
           <p:cNvPr id="126" name="Rectangle 125">
             <a:extLst>
               <a:ext uri="{FF2B5EF4-FFF2-40B4-BE49-F238E27FC236}">
@@ -3704,1387 +3612,6 @@
           </a:p>
         </p:txBody>
       </p:sp>
-      <p:sp>
-        <p:nvSpPr>
-          <p:cNvPr id="11" name="Rectangle 10">
-            <a:extLst>
-              <a:ext uri="{FF2B5EF4-FFF2-40B4-BE49-F238E27FC236}">
-                <a16:creationId xmlns:a16="http://schemas.microsoft.com/office/drawing/2014/main" id="{3A544ECB-A4A4-4105-A6E6-AA197965C2FC}"/>
-              </a:ext>
-            </a:extLst>
-          </p:cNvPr>
-          <p:cNvSpPr/>
-          <p:nvPr/>
-        </p:nvSpPr>
-        <p:spPr>
-          <a:xfrm>
-            <a:off x="1975787" y="925794"/>
-            <a:ext cx="2360472" cy="1345383"/>
-          </a:xfrm>
-          <a:prstGeom prst="rect">
-            <a:avLst/>
-          </a:prstGeom>
-          <a:solidFill>
-            <a:schemeClr val="bg1"/>
-          </a:solidFill>
-          <a:ln>
-            <a:solidFill>
-              <a:schemeClr val="bg1"/>
-            </a:solidFill>
-          </a:ln>
-        </p:spPr>
-        <p:style>
-          <a:lnRef idx="2">
-            <a:schemeClr val="accent1">
-              <a:shade val="50000"/>
-            </a:schemeClr>
-          </a:lnRef>
-          <a:fillRef idx="1">
-            <a:schemeClr val="accent1"/>
-          </a:fillRef>
-          <a:effectRef idx="0">
-            <a:schemeClr val="accent1"/>
-          </a:effectRef>
-          <a:fontRef idx="minor">
-            <a:schemeClr val="lt1"/>
-          </a:fontRef>
-        </p:style>
-        <p:txBody>
-          <a:bodyPr rtlCol="0" anchor="ctr"/>
-          <a:lstStyle/>
-          <a:p>
-            <a:pPr algn="ctr"/>
-            <a:endParaRPr lang="en-US"/>
-          </a:p>
-        </p:txBody>
-      </p:sp>
-      <p:pic>
-        <p:nvPicPr>
-          <p:cNvPr id="7" name="Picture 4">
-            <a:extLst>
-              <a:ext uri="{FF2B5EF4-FFF2-40B4-BE49-F238E27FC236}">
-                <a16:creationId xmlns:a16="http://schemas.microsoft.com/office/drawing/2014/main" id="{DACFA7AA-5C68-4225-82B7-B5ED2AECB48E}"/>
-              </a:ext>
-            </a:extLst>
-          </p:cNvPr>
-          <p:cNvPicPr>
-            <a:picLocks noChangeAspect="1" noChangeArrowheads="1"/>
-          </p:cNvPicPr>
-          <p:nvPr/>
-        </p:nvPicPr>
-        <p:blipFill>
-          <a:blip r:embed="rId3">
-            <a:extLst>
-              <a:ext uri="{28A0092B-C50C-407E-A947-70E740481C1C}">
-                <a14:useLocalDpi xmlns:a14="http://schemas.microsoft.com/office/drawing/2010/main" val="0"/>
-              </a:ext>
-            </a:extLst>
-          </a:blip>
-          <a:srcRect/>
-          <a:stretch>
-            <a:fillRect/>
-          </a:stretch>
-        </p:blipFill>
-        <p:spPr bwMode="auto">
-          <a:xfrm>
-            <a:off x="1210388" y="786159"/>
-            <a:ext cx="19574040" cy="9807205"/>
-          </a:xfrm>
-          <a:prstGeom prst="rect">
-            <a:avLst/>
-          </a:prstGeom>
-          <a:noFill/>
-          <a:extLst>
-            <a:ext uri="{909E8E84-426E-40DD-AFC4-6F175D3DCCD1}">
-              <a14:hiddenFill xmlns:a14="http://schemas.microsoft.com/office/drawing/2010/main">
-                <a:solidFill>
-                  <a:srgbClr val="FFFFFF"/>
-                </a:solidFill>
-              </a14:hiddenFill>
-            </a:ext>
-          </a:extLst>
-        </p:spPr>
-      </p:pic>
-      <p:sp>
-        <p:nvSpPr>
-          <p:cNvPr id="87" name="TextBox 86">
-            <a:extLst>
-              <a:ext uri="{FF2B5EF4-FFF2-40B4-BE49-F238E27FC236}">
-                <a16:creationId xmlns:a16="http://schemas.microsoft.com/office/drawing/2014/main" id="{69399931-4C93-48FA-B723-6E3D1B9DA0D4}"/>
-              </a:ext>
-            </a:extLst>
-          </p:cNvPr>
-          <p:cNvSpPr txBox="1"/>
-          <p:nvPr/>
-        </p:nvSpPr>
-        <p:spPr>
-          <a:xfrm rot="16200000">
-            <a:off x="857562" y="5159706"/>
-            <a:ext cx="746721" cy="474117"/>
-          </a:xfrm>
-          <a:prstGeom prst="rect">
-            <a:avLst/>
-          </a:prstGeom>
-          <a:solidFill>
-            <a:schemeClr val="bg1"/>
-          </a:solidFill>
-        </p:spPr>
-        <p:txBody>
-          <a:bodyPr wrap="none" rtlCol="0">
-            <a:spAutoFit/>
-          </a:bodyPr>
-          <a:lstStyle/>
-          <a:p>
-            <a:r>
-              <a:rPr lang="en-US" sz="2275" dirty="0">
-                <a:latin typeface="Times New Roman" panose="02020603050405020304" pitchFamily="18" charset="0"/>
-                <a:cs typeface="Times New Roman" panose="02020603050405020304" pitchFamily="18" charset="0"/>
-              </a:rPr>
-              <a:t>PDF</a:t>
-            </a:r>
-          </a:p>
-        </p:txBody>
-      </p:sp>
-      <p:grpSp>
-        <p:nvGrpSpPr>
-          <p:cNvPr id="88" name="Group 87">
-            <a:extLst>
-              <a:ext uri="{FF2B5EF4-FFF2-40B4-BE49-F238E27FC236}">
-                <a16:creationId xmlns:a16="http://schemas.microsoft.com/office/drawing/2014/main" id="{6D687B5C-A246-430B-8515-53AEBA0F8F80}"/>
-              </a:ext>
-            </a:extLst>
-          </p:cNvPr>
-          <p:cNvGrpSpPr/>
-          <p:nvPr/>
-        </p:nvGrpSpPr>
-        <p:grpSpPr>
-          <a:xfrm>
-            <a:off x="4336259" y="8329848"/>
-            <a:ext cx="2589746" cy="647759"/>
-            <a:chOff x="21483123" y="6219785"/>
-            <a:chExt cx="3222211" cy="830998"/>
-          </a:xfrm>
-        </p:grpSpPr>
-        <p:sp>
-          <p:nvSpPr>
-            <p:cNvPr id="89" name="TextBox 88">
-              <a:extLst>
-                <a:ext uri="{FF2B5EF4-FFF2-40B4-BE49-F238E27FC236}">
-                  <a16:creationId xmlns:a16="http://schemas.microsoft.com/office/drawing/2014/main" id="{AFA90415-7915-469C-86D7-1C2295400851}"/>
-                </a:ext>
-              </a:extLst>
-            </p:cNvPr>
-            <p:cNvSpPr txBox="1"/>
-            <p:nvPr/>
-          </p:nvSpPr>
-          <p:spPr>
-            <a:xfrm>
-              <a:off x="22115703" y="6219785"/>
-              <a:ext cx="2589631" cy="414582"/>
-            </a:xfrm>
-            <a:prstGeom prst="rect">
-              <a:avLst/>
-            </a:prstGeom>
-            <a:solidFill>
-              <a:schemeClr val="bg1"/>
-            </a:solidFill>
-          </p:spPr>
-          <p:txBody>
-            <a:bodyPr wrap="square" rtlCol="0">
-              <a:spAutoFit/>
-            </a:bodyPr>
-            <a:lstStyle/>
-            <a:p>
-              <a:r>
-                <a:rPr lang="en-US" sz="1500" dirty="0">
-                  <a:solidFill>
-                    <a:srgbClr val="202124"/>
-                  </a:solidFill>
-                  <a:latin typeface="Times New Roman" panose="02020603050405020304" pitchFamily="18" charset="0"/>
-                  <a:cs typeface="Times New Roman" panose="02020603050405020304" pitchFamily="18" charset="0"/>
-                </a:rPr>
-                <a:t>Whole BindingDB</a:t>
-              </a:r>
-            </a:p>
-          </p:txBody>
-        </p:sp>
-        <p:sp>
-          <p:nvSpPr>
-            <p:cNvPr id="102" name="Rectangle 101">
-              <a:extLst>
-                <a:ext uri="{FF2B5EF4-FFF2-40B4-BE49-F238E27FC236}">
-                  <a16:creationId xmlns:a16="http://schemas.microsoft.com/office/drawing/2014/main" id="{8540CFE2-8873-43B0-8143-9C835C164B22}"/>
-                </a:ext>
-              </a:extLst>
-            </p:cNvPr>
-            <p:cNvSpPr/>
-            <p:nvPr/>
-          </p:nvSpPr>
-          <p:spPr>
-            <a:xfrm>
-              <a:off x="21483123" y="6296644"/>
-              <a:ext cx="440857" cy="247772"/>
-            </a:xfrm>
-            <a:prstGeom prst="rect">
-              <a:avLst/>
-            </a:prstGeom>
-            <a:solidFill>
-              <a:srgbClr val="D6E5F0"/>
-            </a:solidFill>
-          </p:spPr>
-          <p:style>
-            <a:lnRef idx="2">
-              <a:schemeClr val="accent1">
-                <a:shade val="50000"/>
-              </a:schemeClr>
-            </a:lnRef>
-            <a:fillRef idx="1">
-              <a:schemeClr val="accent1"/>
-            </a:fillRef>
-            <a:effectRef idx="0">
-              <a:schemeClr val="accent1"/>
-            </a:effectRef>
-            <a:fontRef idx="minor">
-              <a:schemeClr val="lt1"/>
-            </a:fontRef>
-          </p:style>
-          <p:txBody>
-            <a:bodyPr rtlCol="0" anchor="ctr"/>
-            <a:lstStyle/>
-            <a:p>
-              <a:pPr algn="ctr"/>
-              <a:endParaRPr lang="en-US" sz="1350"/>
-            </a:p>
-          </p:txBody>
-        </p:sp>
-        <p:sp>
-          <p:nvSpPr>
-            <p:cNvPr id="103" name="Rectangle 102">
-              <a:extLst>
-                <a:ext uri="{FF2B5EF4-FFF2-40B4-BE49-F238E27FC236}">
-                  <a16:creationId xmlns:a16="http://schemas.microsoft.com/office/drawing/2014/main" id="{93B64396-591D-43AA-8FC7-5FF07A71534D}"/>
-                </a:ext>
-              </a:extLst>
-            </p:cNvPr>
-            <p:cNvSpPr/>
-            <p:nvPr/>
-          </p:nvSpPr>
-          <p:spPr>
-            <a:xfrm>
-              <a:off x="21483123" y="6721369"/>
-              <a:ext cx="440857" cy="247772"/>
-            </a:xfrm>
-            <a:prstGeom prst="rect">
-              <a:avLst/>
-            </a:prstGeom>
-            <a:solidFill>
-              <a:srgbClr val="F9D0D0"/>
-            </a:solidFill>
-          </p:spPr>
-          <p:style>
-            <a:lnRef idx="2">
-              <a:schemeClr val="accent1">
-                <a:shade val="50000"/>
-              </a:schemeClr>
-            </a:lnRef>
-            <a:fillRef idx="1">
-              <a:schemeClr val="accent1"/>
-            </a:fillRef>
-            <a:effectRef idx="0">
-              <a:schemeClr val="accent1"/>
-            </a:effectRef>
-            <a:fontRef idx="minor">
-              <a:schemeClr val="lt1"/>
-            </a:fontRef>
-          </p:style>
-          <p:txBody>
-            <a:bodyPr rtlCol="0" anchor="ctr"/>
-            <a:lstStyle/>
-            <a:p>
-              <a:pPr algn="ctr"/>
-              <a:endParaRPr lang="en-US" sz="1350"/>
-            </a:p>
-          </p:txBody>
-        </p:sp>
-        <p:sp>
-          <p:nvSpPr>
-            <p:cNvPr id="104" name="TextBox 103">
-              <a:extLst>
-                <a:ext uri="{FF2B5EF4-FFF2-40B4-BE49-F238E27FC236}">
-                  <a16:creationId xmlns:a16="http://schemas.microsoft.com/office/drawing/2014/main" id="{82157C44-BAB9-4528-9CA0-306A10878C71}"/>
-                </a:ext>
-              </a:extLst>
-            </p:cNvPr>
-            <p:cNvSpPr txBox="1"/>
-            <p:nvPr/>
-          </p:nvSpPr>
-          <p:spPr>
-            <a:xfrm>
-              <a:off x="22108850" y="6619896"/>
-              <a:ext cx="2589631" cy="430887"/>
-            </a:xfrm>
-            <a:prstGeom prst="rect">
-              <a:avLst/>
-            </a:prstGeom>
-            <a:solidFill>
-              <a:schemeClr val="bg1"/>
-            </a:solidFill>
-          </p:spPr>
-          <p:txBody>
-            <a:bodyPr wrap="square" rtlCol="0">
-              <a:spAutoFit/>
-            </a:bodyPr>
-            <a:lstStyle/>
-            <a:p>
-              <a:r>
-                <a:rPr lang="en-US" sz="1500" dirty="0">
-                  <a:solidFill>
-                    <a:srgbClr val="202124"/>
-                  </a:solidFill>
-                  <a:latin typeface="Times New Roman" panose="02020603050405020304" pitchFamily="18" charset="0"/>
-                  <a:cs typeface="Times New Roman" panose="02020603050405020304" pitchFamily="18" charset="0"/>
-                </a:rPr>
-                <a:t>False Positives</a:t>
-              </a:r>
-            </a:p>
-          </p:txBody>
-        </p:sp>
-      </p:grpSp>
-      <p:grpSp>
-        <p:nvGrpSpPr>
-          <p:cNvPr id="10" name="Group 9">
-            <a:extLst>
-              <a:ext uri="{FF2B5EF4-FFF2-40B4-BE49-F238E27FC236}">
-                <a16:creationId xmlns:a16="http://schemas.microsoft.com/office/drawing/2014/main" id="{E0A94426-9EB8-43F6-8AE6-A5491FA14E7B}"/>
-              </a:ext>
-            </a:extLst>
-          </p:cNvPr>
-          <p:cNvGrpSpPr/>
-          <p:nvPr/>
-        </p:nvGrpSpPr>
-        <p:grpSpPr>
-          <a:xfrm>
-            <a:off x="10262309" y="1061483"/>
-            <a:ext cx="11594849" cy="5259359"/>
-            <a:chOff x="9500091" y="950941"/>
-            <a:chExt cx="11594849" cy="5259359"/>
-          </a:xfrm>
-        </p:grpSpPr>
-        <p:sp>
-          <p:nvSpPr>
-            <p:cNvPr id="84" name="TextBox 83">
-              <a:extLst>
-                <a:ext uri="{FF2B5EF4-FFF2-40B4-BE49-F238E27FC236}">
-                  <a16:creationId xmlns:a16="http://schemas.microsoft.com/office/drawing/2014/main" id="{3D58D976-2E70-4022-B035-09CF28965947}"/>
-                </a:ext>
-              </a:extLst>
-            </p:cNvPr>
-            <p:cNvSpPr txBox="1"/>
-            <p:nvPr/>
-          </p:nvSpPr>
-          <p:spPr>
-            <a:xfrm>
-              <a:off x="17119065" y="1069262"/>
-              <a:ext cx="3975875" cy="527802"/>
-            </a:xfrm>
-            <a:prstGeom prst="rect">
-              <a:avLst/>
-            </a:prstGeom>
-            <a:noFill/>
-          </p:spPr>
-          <p:txBody>
-            <a:bodyPr wrap="square" rtlCol="0">
-              <a:spAutoFit/>
-            </a:bodyPr>
-            <a:lstStyle/>
-            <a:p>
-              <a:pPr algn="l"/>
-              <a:r>
-                <a:rPr lang="en-US" sz="2700" dirty="0">
-                  <a:latin typeface="Times New Roman" panose="02020603050405020304" pitchFamily="18" charset="0"/>
-                  <a:cs typeface="Times New Roman" panose="02020603050405020304" pitchFamily="18" charset="0"/>
-                </a:rPr>
-                <a:t>Cystazosin</a:t>
-              </a:r>
-            </a:p>
-          </p:txBody>
-        </p:sp>
-        <p:grpSp>
-          <p:nvGrpSpPr>
-            <p:cNvPr id="9" name="Group 8">
-              <a:extLst>
-                <a:ext uri="{FF2B5EF4-FFF2-40B4-BE49-F238E27FC236}">
-                  <a16:creationId xmlns:a16="http://schemas.microsoft.com/office/drawing/2014/main" id="{3419E8C0-8C51-4D5C-9DE8-3588F0D70636}"/>
-                </a:ext>
-              </a:extLst>
-            </p:cNvPr>
-            <p:cNvGrpSpPr/>
-            <p:nvPr/>
-          </p:nvGrpSpPr>
-          <p:grpSpPr>
-            <a:xfrm>
-              <a:off x="9500091" y="950941"/>
-              <a:ext cx="10077676" cy="5259359"/>
-              <a:chOff x="9500091" y="950941"/>
-              <a:chExt cx="10077676" cy="5259359"/>
-            </a:xfrm>
-          </p:grpSpPr>
-          <p:sp>
-            <p:nvSpPr>
-              <p:cNvPr id="82" name="TextBox 81">
-                <a:extLst>
-                  <a:ext uri="{FF2B5EF4-FFF2-40B4-BE49-F238E27FC236}">
-                    <a16:creationId xmlns:a16="http://schemas.microsoft.com/office/drawing/2014/main" id="{B0CBB520-9746-4956-8DA9-1DFC6C523F24}"/>
-                  </a:ext>
-                </a:extLst>
-              </p:cNvPr>
-              <p:cNvSpPr txBox="1"/>
-              <p:nvPr/>
-            </p:nvSpPr>
-            <p:spPr>
-              <a:xfrm>
-                <a:off x="13308271" y="1100012"/>
-                <a:ext cx="3422388" cy="527802"/>
-              </a:xfrm>
-              <a:prstGeom prst="rect">
-                <a:avLst/>
-              </a:prstGeom>
-              <a:noFill/>
-            </p:spPr>
-            <p:txBody>
-              <a:bodyPr wrap="square" rtlCol="0">
-                <a:spAutoFit/>
-              </a:bodyPr>
-              <a:lstStyle/>
-              <a:p>
-                <a:pPr algn="l"/>
-                <a:r>
-                  <a:rPr lang="en-US" sz="2700" dirty="0">
-                    <a:latin typeface="Times New Roman" panose="02020603050405020304" pitchFamily="18" charset="0"/>
-                    <a:cs typeface="Times New Roman" panose="02020603050405020304" pitchFamily="18" charset="0"/>
-                  </a:rPr>
-                  <a:t>CHEMBL127587</a:t>
-                </a:r>
-              </a:p>
-            </p:txBody>
-          </p:sp>
-          <p:sp>
-            <p:nvSpPr>
-              <p:cNvPr id="83" name="TextBox 82">
-                <a:extLst>
-                  <a:ext uri="{FF2B5EF4-FFF2-40B4-BE49-F238E27FC236}">
-                    <a16:creationId xmlns:a16="http://schemas.microsoft.com/office/drawing/2014/main" id="{A406C1E5-1CE7-46FA-AEAB-F050F65F2772}"/>
-                  </a:ext>
-                </a:extLst>
-              </p:cNvPr>
-              <p:cNvSpPr txBox="1"/>
-              <p:nvPr/>
-            </p:nvSpPr>
-            <p:spPr>
-              <a:xfrm>
-                <a:off x="9740836" y="1094270"/>
-                <a:ext cx="3975875" cy="527802"/>
-              </a:xfrm>
-              <a:prstGeom prst="rect">
-                <a:avLst/>
-              </a:prstGeom>
-              <a:noFill/>
-            </p:spPr>
-            <p:txBody>
-              <a:bodyPr wrap="square" rtlCol="0">
-                <a:spAutoFit/>
-              </a:bodyPr>
-              <a:lstStyle/>
-              <a:p>
-                <a:pPr algn="l"/>
-                <a:r>
-                  <a:rPr lang="en-US" sz="2700" dirty="0">
-                    <a:latin typeface="Times New Roman" panose="02020603050405020304" pitchFamily="18" charset="0"/>
-                    <a:cs typeface="Times New Roman" panose="02020603050405020304" pitchFamily="18" charset="0"/>
-                  </a:rPr>
-                  <a:t>CHEMBL2333416 </a:t>
-                </a:r>
-              </a:p>
-            </p:txBody>
-          </p:sp>
-          <p:sp>
-            <p:nvSpPr>
-              <p:cNvPr id="85" name="TextBox 84">
-                <a:extLst>
-                  <a:ext uri="{FF2B5EF4-FFF2-40B4-BE49-F238E27FC236}">
-                    <a16:creationId xmlns:a16="http://schemas.microsoft.com/office/drawing/2014/main" id="{68FC9A30-B70F-456A-84BF-8165DE88BAC2}"/>
-                  </a:ext>
-                </a:extLst>
-              </p:cNvPr>
-              <p:cNvSpPr txBox="1"/>
-              <p:nvPr/>
-            </p:nvSpPr>
-            <p:spPr>
-              <a:xfrm>
-                <a:off x="10475189" y="4773535"/>
-                <a:ext cx="1868613" cy="1207282"/>
-              </a:xfrm>
-              <a:prstGeom prst="rect">
-                <a:avLst/>
-              </a:prstGeom>
-              <a:noFill/>
-            </p:spPr>
-            <p:txBody>
-              <a:bodyPr wrap="square" rtlCol="0">
-                <a:spAutoFit/>
-              </a:bodyPr>
-              <a:lstStyle/>
-              <a:p>
-                <a:r>
-                  <a:rPr lang="en-US" sz="2273" dirty="0">
-                    <a:latin typeface="Times New Roman" panose="02020603050405020304" pitchFamily="18" charset="0"/>
-                    <a:ea typeface="Calibri" panose="020F0502020204030204" pitchFamily="34" charset="0"/>
-                    <a:cs typeface="Times New Roman" panose="02020603050405020304" pitchFamily="18" charset="0"/>
-                  </a:rPr>
-                  <a:t>k</a:t>
-                </a:r>
-                <a:r>
-                  <a:rPr lang="en-US" sz="2273" baseline="-25000" dirty="0">
-                    <a:latin typeface="Times New Roman" panose="02020603050405020304" pitchFamily="18" charset="0"/>
-                    <a:ea typeface="Calibri" panose="020F0502020204030204" pitchFamily="34" charset="0"/>
-                    <a:cs typeface="Times New Roman" panose="02020603050405020304" pitchFamily="18" charset="0"/>
-                  </a:rPr>
-                  <a:t>i</a:t>
-                </a:r>
-                <a:r>
-                  <a:rPr lang="en-US" sz="2273" baseline="30000" dirty="0">
-                    <a:latin typeface="Times New Roman" panose="02020603050405020304" pitchFamily="18" charset="0"/>
-                    <a:ea typeface="Calibri" panose="020F0502020204030204" pitchFamily="34" charset="0"/>
-                    <a:cs typeface="Times New Roman" panose="02020603050405020304" pitchFamily="18" charset="0"/>
-                  </a:rPr>
-                  <a:t>+ </a:t>
-                </a:r>
-                <a:r>
-                  <a:rPr lang="en-US" sz="2273" dirty="0">
-                    <a:latin typeface="Times New Roman" panose="02020603050405020304" pitchFamily="18" charset="0"/>
-                    <a:cs typeface="Times New Roman" panose="02020603050405020304" pitchFamily="18" charset="0"/>
-                  </a:rPr>
-                  <a:t>= </a:t>
-                </a:r>
-                <a:r>
-                  <a:rPr lang="en-US" sz="2274" dirty="0">
-                    <a:latin typeface="Times New Roman" panose="02020603050405020304" pitchFamily="18" charset="0"/>
-                    <a:cs typeface="Times New Roman" panose="02020603050405020304" pitchFamily="18" charset="0"/>
-                  </a:rPr>
-                  <a:t>20</a:t>
-                </a:r>
-              </a:p>
-              <a:p>
-                <a:r>
-                  <a:rPr lang="en-US" sz="2273" dirty="0">
-                    <a:latin typeface="Times New Roman" panose="02020603050405020304" pitchFamily="18" charset="0"/>
-                    <a:ea typeface="Calibri" panose="020F0502020204030204" pitchFamily="34" charset="0"/>
-                    <a:cs typeface="Times New Roman" panose="02020603050405020304" pitchFamily="18" charset="0"/>
-                  </a:rPr>
-                  <a:t>k</a:t>
-                </a:r>
-                <a:r>
-                  <a:rPr lang="en-US" sz="2273" baseline="-25000" dirty="0">
-                    <a:latin typeface="Times New Roman" panose="02020603050405020304" pitchFamily="18" charset="0"/>
-                    <a:ea typeface="Calibri" panose="020F0502020204030204" pitchFamily="34" charset="0"/>
-                    <a:cs typeface="Times New Roman" panose="02020603050405020304" pitchFamily="18" charset="0"/>
-                  </a:rPr>
-                  <a:t>i</a:t>
-                </a:r>
-                <a:r>
-                  <a:rPr lang="en-US" sz="2273" baseline="30000" dirty="0">
-                    <a:latin typeface="Times New Roman" panose="02020603050405020304" pitchFamily="18" charset="0"/>
-                    <a:ea typeface="Calibri" panose="020F0502020204030204" pitchFamily="34" charset="0"/>
-                    <a:cs typeface="Times New Roman" panose="02020603050405020304" pitchFamily="18" charset="0"/>
-                  </a:rPr>
-                  <a:t>- </a:t>
-                </a:r>
-                <a:r>
-                  <a:rPr lang="en-US" sz="2274" dirty="0">
-                    <a:latin typeface="Times New Roman" panose="02020603050405020304" pitchFamily="18" charset="0"/>
-                    <a:cs typeface="Times New Roman" panose="02020603050405020304" pitchFamily="18" charset="0"/>
-                  </a:rPr>
-                  <a:t>= 11</a:t>
-                </a:r>
-              </a:p>
-              <a:p>
-                <a:r>
-                  <a:rPr lang="el-GR" sz="2273" dirty="0">
-                    <a:latin typeface="Times New Roman" panose="02020603050405020304" pitchFamily="18" charset="0"/>
-                    <a:ea typeface="Calibri" panose="020F0502020204030204" pitchFamily="34" charset="0"/>
-                    <a:cs typeface="Times New Roman" panose="02020603050405020304" pitchFamily="18" charset="0"/>
-                  </a:rPr>
-                  <a:t>ρ</a:t>
-                </a:r>
-                <a:r>
-                  <a:rPr lang="en-US" sz="2273" baseline="-25000" dirty="0">
-                    <a:latin typeface="Times New Roman" panose="02020603050405020304" pitchFamily="18" charset="0"/>
-                    <a:ea typeface="Calibri" panose="020F0502020204030204" pitchFamily="34" charset="0"/>
-                    <a:cs typeface="Times New Roman" panose="02020603050405020304" pitchFamily="18" charset="0"/>
-                  </a:rPr>
-                  <a:t>i </a:t>
-                </a:r>
-                <a:r>
-                  <a:rPr lang="el-GR" sz="2400" dirty="0">
-                    <a:solidFill>
-                      <a:srgbClr val="202124"/>
-                    </a:solidFill>
-                    <a:latin typeface="Times New Roman" panose="02020603050405020304" pitchFamily="18" charset="0"/>
-                    <a:cs typeface="Times New Roman" panose="02020603050405020304" pitchFamily="18" charset="0"/>
-                  </a:rPr>
-                  <a:t> </a:t>
-                </a:r>
-                <a:r>
-                  <a:rPr lang="en-US" sz="2274" dirty="0">
-                    <a:latin typeface="Times New Roman" panose="02020603050405020304" pitchFamily="18" charset="0"/>
-                    <a:cs typeface="Times New Roman" panose="02020603050405020304" pitchFamily="18" charset="0"/>
-                  </a:rPr>
-                  <a:t>= 0.64</a:t>
-                </a:r>
-              </a:p>
-            </p:txBody>
-          </p:sp>
-          <p:sp>
-            <p:nvSpPr>
-              <p:cNvPr id="105" name="TextBox 104">
-                <a:extLst>
-                  <a:ext uri="{FF2B5EF4-FFF2-40B4-BE49-F238E27FC236}">
-                    <a16:creationId xmlns:a16="http://schemas.microsoft.com/office/drawing/2014/main" id="{829406AA-C737-42EB-941C-29C753551814}"/>
-                  </a:ext>
-                </a:extLst>
-              </p:cNvPr>
-              <p:cNvSpPr txBox="1"/>
-              <p:nvPr/>
-            </p:nvSpPr>
-            <p:spPr>
-              <a:xfrm>
-                <a:off x="14122351" y="4782519"/>
-                <a:ext cx="1868613" cy="1207282"/>
-              </a:xfrm>
-              <a:prstGeom prst="rect">
-                <a:avLst/>
-              </a:prstGeom>
-              <a:noFill/>
-            </p:spPr>
-            <p:txBody>
-              <a:bodyPr wrap="square" rtlCol="0">
-                <a:spAutoFit/>
-              </a:bodyPr>
-              <a:lstStyle/>
-              <a:p>
-                <a:r>
-                  <a:rPr lang="en-US" sz="2273" dirty="0">
-                    <a:latin typeface="Times New Roman" panose="02020603050405020304" pitchFamily="18" charset="0"/>
-                    <a:ea typeface="Calibri" panose="020F0502020204030204" pitchFamily="34" charset="0"/>
-                    <a:cs typeface="Times New Roman" panose="02020603050405020304" pitchFamily="18" charset="0"/>
-                  </a:rPr>
-                  <a:t>k</a:t>
-                </a:r>
-                <a:r>
-                  <a:rPr lang="en-US" sz="2273" baseline="-25000" dirty="0">
-                    <a:latin typeface="Times New Roman" panose="02020603050405020304" pitchFamily="18" charset="0"/>
-                    <a:ea typeface="Calibri" panose="020F0502020204030204" pitchFamily="34" charset="0"/>
-                    <a:cs typeface="Times New Roman" panose="02020603050405020304" pitchFamily="18" charset="0"/>
-                  </a:rPr>
-                  <a:t>i</a:t>
-                </a:r>
-                <a:r>
-                  <a:rPr lang="en-US" sz="2273" baseline="30000" dirty="0">
-                    <a:latin typeface="Times New Roman" panose="02020603050405020304" pitchFamily="18" charset="0"/>
-                    <a:ea typeface="Calibri" panose="020F0502020204030204" pitchFamily="34" charset="0"/>
-                    <a:cs typeface="Times New Roman" panose="02020603050405020304" pitchFamily="18" charset="0"/>
-                  </a:rPr>
-                  <a:t>+ </a:t>
-                </a:r>
-                <a:r>
-                  <a:rPr lang="en-US" sz="2273" dirty="0">
-                    <a:latin typeface="Times New Roman" panose="02020603050405020304" pitchFamily="18" charset="0"/>
-                    <a:cs typeface="Times New Roman" panose="02020603050405020304" pitchFamily="18" charset="0"/>
-                  </a:rPr>
-                  <a:t>= 3</a:t>
-                </a:r>
-                <a:endParaRPr lang="en-US" sz="2274" dirty="0">
-                  <a:latin typeface="Times New Roman" panose="02020603050405020304" pitchFamily="18" charset="0"/>
-                  <a:cs typeface="Times New Roman" panose="02020603050405020304" pitchFamily="18" charset="0"/>
-                </a:endParaRPr>
-              </a:p>
-              <a:p>
-                <a:r>
-                  <a:rPr lang="en-US" sz="2273" dirty="0">
-                    <a:latin typeface="Times New Roman" panose="02020603050405020304" pitchFamily="18" charset="0"/>
-                    <a:ea typeface="Calibri" panose="020F0502020204030204" pitchFamily="34" charset="0"/>
-                    <a:cs typeface="Times New Roman" panose="02020603050405020304" pitchFamily="18" charset="0"/>
-                  </a:rPr>
-                  <a:t>k</a:t>
-                </a:r>
-                <a:r>
-                  <a:rPr lang="en-US" sz="2273" baseline="-25000" dirty="0">
-                    <a:latin typeface="Times New Roman" panose="02020603050405020304" pitchFamily="18" charset="0"/>
-                    <a:ea typeface="Calibri" panose="020F0502020204030204" pitchFamily="34" charset="0"/>
-                    <a:cs typeface="Times New Roman" panose="02020603050405020304" pitchFamily="18" charset="0"/>
-                  </a:rPr>
-                  <a:t>i</a:t>
-                </a:r>
-                <a:r>
-                  <a:rPr lang="en-US" sz="2273" baseline="30000" dirty="0">
-                    <a:latin typeface="Times New Roman" panose="02020603050405020304" pitchFamily="18" charset="0"/>
-                    <a:ea typeface="Calibri" panose="020F0502020204030204" pitchFamily="34" charset="0"/>
-                    <a:cs typeface="Times New Roman" panose="02020603050405020304" pitchFamily="18" charset="0"/>
-                  </a:rPr>
-                  <a:t>- </a:t>
-                </a:r>
-                <a:r>
-                  <a:rPr lang="en-US" sz="2274" dirty="0">
-                    <a:latin typeface="Times New Roman" panose="02020603050405020304" pitchFamily="18" charset="0"/>
-                    <a:cs typeface="Times New Roman" panose="02020603050405020304" pitchFamily="18" charset="0"/>
-                  </a:rPr>
-                  <a:t>= 1</a:t>
-                </a:r>
-              </a:p>
-              <a:p>
-                <a:r>
-                  <a:rPr lang="el-GR" sz="2273" dirty="0">
-                    <a:latin typeface="Times New Roman" panose="02020603050405020304" pitchFamily="18" charset="0"/>
-                    <a:ea typeface="Calibri" panose="020F0502020204030204" pitchFamily="34" charset="0"/>
-                    <a:cs typeface="Times New Roman" panose="02020603050405020304" pitchFamily="18" charset="0"/>
-                  </a:rPr>
-                  <a:t>ρ</a:t>
-                </a:r>
-                <a:r>
-                  <a:rPr lang="en-US" sz="2273" baseline="-25000" dirty="0">
-                    <a:latin typeface="Times New Roman" panose="02020603050405020304" pitchFamily="18" charset="0"/>
-                    <a:ea typeface="Calibri" panose="020F0502020204030204" pitchFamily="34" charset="0"/>
-                    <a:cs typeface="Times New Roman" panose="02020603050405020304" pitchFamily="18" charset="0"/>
-                  </a:rPr>
-                  <a:t>i </a:t>
-                </a:r>
-                <a:r>
-                  <a:rPr lang="el-GR" sz="2400" dirty="0">
-                    <a:solidFill>
-                      <a:srgbClr val="202124"/>
-                    </a:solidFill>
-                    <a:latin typeface="Times New Roman" panose="02020603050405020304" pitchFamily="18" charset="0"/>
-                    <a:cs typeface="Times New Roman" panose="02020603050405020304" pitchFamily="18" charset="0"/>
-                  </a:rPr>
-                  <a:t> </a:t>
-                </a:r>
-                <a:r>
-                  <a:rPr lang="en-US" sz="2274" dirty="0">
-                    <a:latin typeface="Times New Roman" panose="02020603050405020304" pitchFamily="18" charset="0"/>
-                    <a:cs typeface="Times New Roman" panose="02020603050405020304" pitchFamily="18" charset="0"/>
-                  </a:rPr>
-                  <a:t>= 0.75</a:t>
-                </a:r>
-              </a:p>
-            </p:txBody>
-          </p:sp>
-          <p:pic>
-            <p:nvPicPr>
-              <p:cNvPr id="109" name="Picture 108">
-                <a:extLst>
-                  <a:ext uri="{FF2B5EF4-FFF2-40B4-BE49-F238E27FC236}">
-                    <a16:creationId xmlns:a16="http://schemas.microsoft.com/office/drawing/2014/main" id="{420D98FF-634C-44E5-85EF-1E9F55125F95}"/>
-                  </a:ext>
-                </a:extLst>
-              </p:cNvPr>
-              <p:cNvPicPr>
-                <a:picLocks noChangeAspect="1"/>
-              </p:cNvPicPr>
-              <p:nvPr/>
-            </p:nvPicPr>
-            <p:blipFill>
-              <a:blip r:embed="rId4"/>
-              <a:stretch>
-                <a:fillRect/>
-              </a:stretch>
-            </p:blipFill>
-            <p:spPr>
-              <a:xfrm rot="5400000">
-                <a:off x="16419745" y="2678594"/>
-                <a:ext cx="3078449" cy="1039095"/>
-              </a:xfrm>
-              <a:prstGeom prst="rect">
-                <a:avLst/>
-              </a:prstGeom>
-            </p:spPr>
-          </p:pic>
-          <p:pic>
-            <p:nvPicPr>
-              <p:cNvPr id="110" name="Picture 109">
-                <a:extLst>
-                  <a:ext uri="{FF2B5EF4-FFF2-40B4-BE49-F238E27FC236}">
-                    <a16:creationId xmlns:a16="http://schemas.microsoft.com/office/drawing/2014/main" id="{3D15BA4B-4C39-4812-97B5-3192A9AF06B8}"/>
-                  </a:ext>
-                </a:extLst>
-              </p:cNvPr>
-              <p:cNvPicPr>
-                <a:picLocks noChangeAspect="1"/>
-              </p:cNvPicPr>
-              <p:nvPr/>
-            </p:nvPicPr>
-            <p:blipFill>
-              <a:blip r:embed="rId5"/>
-              <a:stretch>
-                <a:fillRect/>
-              </a:stretch>
-            </p:blipFill>
-            <p:spPr>
-              <a:xfrm>
-                <a:off x="12999652" y="1894919"/>
-                <a:ext cx="2933700" cy="2343150"/>
-              </a:xfrm>
-              <a:prstGeom prst="rect">
-                <a:avLst/>
-              </a:prstGeom>
-            </p:spPr>
-          </p:pic>
-          <p:pic>
-            <p:nvPicPr>
-              <p:cNvPr id="111" name="Picture 110">
-                <a:extLst>
-                  <a:ext uri="{FF2B5EF4-FFF2-40B4-BE49-F238E27FC236}">
-                    <a16:creationId xmlns:a16="http://schemas.microsoft.com/office/drawing/2014/main" id="{169B48E4-FFE8-48CF-BA8C-BEC638037724}"/>
-                  </a:ext>
-                </a:extLst>
-              </p:cNvPr>
-              <p:cNvPicPr>
-                <a:picLocks noChangeAspect="1"/>
-              </p:cNvPicPr>
-              <p:nvPr/>
-            </p:nvPicPr>
-            <p:blipFill>
-              <a:blip r:embed="rId6"/>
-              <a:stretch>
-                <a:fillRect/>
-              </a:stretch>
-            </p:blipFill>
-            <p:spPr>
-              <a:xfrm>
-                <a:off x="9905972" y="1666319"/>
-                <a:ext cx="2324100" cy="2800350"/>
-              </a:xfrm>
-              <a:prstGeom prst="rect">
-                <a:avLst/>
-              </a:prstGeom>
-            </p:spPr>
-          </p:pic>
-          <p:sp>
-            <p:nvSpPr>
-              <p:cNvPr id="114" name="Rectangle: Rounded Corners 113">
-                <a:extLst>
-                  <a:ext uri="{FF2B5EF4-FFF2-40B4-BE49-F238E27FC236}">
-                    <a16:creationId xmlns:a16="http://schemas.microsoft.com/office/drawing/2014/main" id="{9B1BBAE3-4F1D-4E65-A8A1-8017B59B82B4}"/>
-                  </a:ext>
-                </a:extLst>
-              </p:cNvPr>
-              <p:cNvSpPr/>
-              <p:nvPr/>
-            </p:nvSpPr>
-            <p:spPr>
-              <a:xfrm>
-                <a:off x="9500091" y="999625"/>
-                <a:ext cx="3237594" cy="5210675"/>
-              </a:xfrm>
-              <a:prstGeom prst="roundRect">
-                <a:avLst/>
-              </a:prstGeom>
-              <a:noFill/>
-              <a:ln w="38100">
-                <a:solidFill>
-                  <a:srgbClr val="92D6B7"/>
-                </a:solidFill>
-              </a:ln>
-            </p:spPr>
-            <p:style>
-              <a:lnRef idx="2">
-                <a:schemeClr val="accent1">
-                  <a:shade val="50000"/>
-                </a:schemeClr>
-              </a:lnRef>
-              <a:fillRef idx="1">
-                <a:schemeClr val="accent1"/>
-              </a:fillRef>
-              <a:effectRef idx="0">
-                <a:schemeClr val="accent1"/>
-              </a:effectRef>
-              <a:fontRef idx="minor">
-                <a:schemeClr val="lt1"/>
-              </a:fontRef>
-            </p:style>
-            <p:txBody>
-              <a:bodyPr rtlCol="0" anchor="ctr"/>
-              <a:lstStyle/>
-              <a:p>
-                <a:pPr algn="ctr"/>
-                <a:endParaRPr lang="en-US" sz="1350"/>
-              </a:p>
-            </p:txBody>
-          </p:sp>
-          <p:sp>
-            <p:nvSpPr>
-              <p:cNvPr id="115" name="Rectangle: Rounded Corners 114">
-                <a:extLst>
-                  <a:ext uri="{FF2B5EF4-FFF2-40B4-BE49-F238E27FC236}">
-                    <a16:creationId xmlns:a16="http://schemas.microsoft.com/office/drawing/2014/main" id="{784EA528-0779-453D-8B3E-B5FABD6E2539}"/>
-                  </a:ext>
-                </a:extLst>
-              </p:cNvPr>
-              <p:cNvSpPr/>
-              <p:nvPr/>
-            </p:nvSpPr>
-            <p:spPr>
-              <a:xfrm>
-                <a:off x="12963592" y="994522"/>
-                <a:ext cx="3237594" cy="5215778"/>
-              </a:xfrm>
-              <a:prstGeom prst="roundRect">
-                <a:avLst/>
-              </a:prstGeom>
-              <a:noFill/>
-              <a:ln w="38100">
-                <a:solidFill>
-                  <a:srgbClr val="92D6B7"/>
-                </a:solidFill>
-              </a:ln>
-            </p:spPr>
-            <p:style>
-              <a:lnRef idx="2">
-                <a:schemeClr val="accent1">
-                  <a:shade val="50000"/>
-                </a:schemeClr>
-              </a:lnRef>
-              <a:fillRef idx="1">
-                <a:schemeClr val="accent1"/>
-              </a:fillRef>
-              <a:effectRef idx="0">
-                <a:schemeClr val="accent1"/>
-              </a:effectRef>
-              <a:fontRef idx="minor">
-                <a:schemeClr val="lt1"/>
-              </a:fontRef>
-            </p:style>
-            <p:txBody>
-              <a:bodyPr rtlCol="0" anchor="ctr"/>
-              <a:lstStyle/>
-              <a:p>
-                <a:pPr algn="ctr"/>
-                <a:endParaRPr lang="en-US" sz="1350"/>
-              </a:p>
-            </p:txBody>
-          </p:sp>
-          <p:sp>
-            <p:nvSpPr>
-              <p:cNvPr id="116" name="Rectangle: Rounded Corners 115">
-                <a:extLst>
-                  <a:ext uri="{FF2B5EF4-FFF2-40B4-BE49-F238E27FC236}">
-                    <a16:creationId xmlns:a16="http://schemas.microsoft.com/office/drawing/2014/main" id="{C20C8DD4-396A-4DFB-ACBB-654774B56DF2}"/>
-                  </a:ext>
-                </a:extLst>
-              </p:cNvPr>
-              <p:cNvSpPr/>
-              <p:nvPr/>
-            </p:nvSpPr>
-            <p:spPr>
-              <a:xfrm>
-                <a:off x="16340173" y="950941"/>
-                <a:ext cx="3237594" cy="5259359"/>
-              </a:xfrm>
-              <a:prstGeom prst="roundRect">
-                <a:avLst/>
-              </a:prstGeom>
-              <a:noFill/>
-              <a:ln w="38100">
-                <a:solidFill>
-                  <a:srgbClr val="92D6B7"/>
-                </a:solidFill>
-              </a:ln>
-            </p:spPr>
-            <p:style>
-              <a:lnRef idx="2">
-                <a:schemeClr val="accent1">
-                  <a:shade val="50000"/>
-                </a:schemeClr>
-              </a:lnRef>
-              <a:fillRef idx="1">
-                <a:schemeClr val="accent1"/>
-              </a:fillRef>
-              <a:effectRef idx="0">
-                <a:schemeClr val="accent1"/>
-              </a:effectRef>
-              <a:fontRef idx="minor">
-                <a:schemeClr val="lt1"/>
-              </a:fontRef>
-            </p:style>
-            <p:txBody>
-              <a:bodyPr rtlCol="0" anchor="ctr"/>
-              <a:lstStyle/>
-              <a:p>
-                <a:pPr algn="ctr"/>
-                <a:endParaRPr lang="en-US" sz="1350"/>
-              </a:p>
-            </p:txBody>
-          </p:sp>
-          <p:sp>
-            <p:nvSpPr>
-              <p:cNvPr id="117" name="TextBox 116">
-                <a:extLst>
-                  <a:ext uri="{FF2B5EF4-FFF2-40B4-BE49-F238E27FC236}">
-                    <a16:creationId xmlns:a16="http://schemas.microsoft.com/office/drawing/2014/main" id="{E858C30C-7BA5-4EDA-B217-1B62C9F716E7}"/>
-                  </a:ext>
-                </a:extLst>
-              </p:cNvPr>
-              <p:cNvSpPr txBox="1"/>
-              <p:nvPr/>
-            </p:nvSpPr>
-            <p:spPr>
-              <a:xfrm>
-                <a:off x="17519706" y="4773535"/>
-                <a:ext cx="1868613" cy="1207282"/>
-              </a:xfrm>
-              <a:prstGeom prst="rect">
-                <a:avLst/>
-              </a:prstGeom>
-              <a:noFill/>
-            </p:spPr>
-            <p:txBody>
-              <a:bodyPr wrap="square" rtlCol="0">
-                <a:spAutoFit/>
-              </a:bodyPr>
-              <a:lstStyle/>
-              <a:p>
-                <a:r>
-                  <a:rPr lang="en-US" sz="2273" dirty="0">
-                    <a:latin typeface="Times New Roman" panose="02020603050405020304" pitchFamily="18" charset="0"/>
-                    <a:ea typeface="Calibri" panose="020F0502020204030204" pitchFamily="34" charset="0"/>
-                    <a:cs typeface="Times New Roman" panose="02020603050405020304" pitchFamily="18" charset="0"/>
-                  </a:rPr>
-                  <a:t>k</a:t>
-                </a:r>
-                <a:r>
-                  <a:rPr lang="en-US" sz="2273" baseline="-25000" dirty="0">
-                    <a:latin typeface="Times New Roman" panose="02020603050405020304" pitchFamily="18" charset="0"/>
-                    <a:ea typeface="Calibri" panose="020F0502020204030204" pitchFamily="34" charset="0"/>
-                    <a:cs typeface="Times New Roman" panose="02020603050405020304" pitchFamily="18" charset="0"/>
-                  </a:rPr>
-                  <a:t>i</a:t>
-                </a:r>
-                <a:r>
-                  <a:rPr lang="en-US" sz="2273" baseline="30000" dirty="0">
-                    <a:latin typeface="Times New Roman" panose="02020603050405020304" pitchFamily="18" charset="0"/>
-                    <a:ea typeface="Calibri" panose="020F0502020204030204" pitchFamily="34" charset="0"/>
-                    <a:cs typeface="Times New Roman" panose="02020603050405020304" pitchFamily="18" charset="0"/>
-                  </a:rPr>
-                  <a:t>+ </a:t>
-                </a:r>
-                <a:r>
-                  <a:rPr lang="en-US" sz="2273" dirty="0">
-                    <a:latin typeface="Times New Roman" panose="02020603050405020304" pitchFamily="18" charset="0"/>
-                    <a:cs typeface="Times New Roman" panose="02020603050405020304" pitchFamily="18" charset="0"/>
-                  </a:rPr>
-                  <a:t>= </a:t>
-                </a:r>
-                <a:r>
-                  <a:rPr lang="en-US" sz="2274" dirty="0">
-                    <a:latin typeface="Times New Roman" panose="02020603050405020304" pitchFamily="18" charset="0"/>
-                    <a:cs typeface="Times New Roman" panose="02020603050405020304" pitchFamily="18" charset="0"/>
-                  </a:rPr>
-                  <a:t>1</a:t>
-                </a:r>
-              </a:p>
-              <a:p>
-                <a:r>
-                  <a:rPr lang="en-US" sz="2273" dirty="0">
-                    <a:latin typeface="Times New Roman" panose="02020603050405020304" pitchFamily="18" charset="0"/>
-                    <a:ea typeface="Calibri" panose="020F0502020204030204" pitchFamily="34" charset="0"/>
-                    <a:cs typeface="Times New Roman" panose="02020603050405020304" pitchFamily="18" charset="0"/>
-                  </a:rPr>
-                  <a:t>k</a:t>
-                </a:r>
-                <a:r>
-                  <a:rPr lang="en-US" sz="2273" baseline="-25000" dirty="0">
-                    <a:latin typeface="Times New Roman" panose="02020603050405020304" pitchFamily="18" charset="0"/>
-                    <a:ea typeface="Calibri" panose="020F0502020204030204" pitchFamily="34" charset="0"/>
-                    <a:cs typeface="Times New Roman" panose="02020603050405020304" pitchFamily="18" charset="0"/>
-                  </a:rPr>
-                  <a:t>i</a:t>
-                </a:r>
-                <a:r>
-                  <a:rPr lang="en-US" sz="2273" baseline="30000" dirty="0">
-                    <a:latin typeface="Times New Roman" panose="02020603050405020304" pitchFamily="18" charset="0"/>
-                    <a:ea typeface="Calibri" panose="020F0502020204030204" pitchFamily="34" charset="0"/>
-                    <a:cs typeface="Times New Roman" panose="02020603050405020304" pitchFamily="18" charset="0"/>
-                  </a:rPr>
-                  <a:t>- </a:t>
-                </a:r>
-                <a:r>
-                  <a:rPr lang="en-US" sz="2274" dirty="0">
-                    <a:latin typeface="Times New Roman" panose="02020603050405020304" pitchFamily="18" charset="0"/>
-                    <a:cs typeface="Times New Roman" panose="02020603050405020304" pitchFamily="18" charset="0"/>
-                  </a:rPr>
-                  <a:t>= 0</a:t>
-                </a:r>
-              </a:p>
-              <a:p>
-                <a:r>
-                  <a:rPr lang="el-GR" sz="2273" dirty="0">
-                    <a:latin typeface="Times New Roman" panose="02020603050405020304" pitchFamily="18" charset="0"/>
-                    <a:ea typeface="Calibri" panose="020F0502020204030204" pitchFamily="34" charset="0"/>
-                    <a:cs typeface="Times New Roman" panose="02020603050405020304" pitchFamily="18" charset="0"/>
-                  </a:rPr>
-                  <a:t>ρ</a:t>
-                </a:r>
-                <a:r>
-                  <a:rPr lang="en-US" sz="2273" baseline="-25000" dirty="0">
-                    <a:latin typeface="Times New Roman" panose="02020603050405020304" pitchFamily="18" charset="0"/>
-                    <a:ea typeface="Calibri" panose="020F0502020204030204" pitchFamily="34" charset="0"/>
-                    <a:cs typeface="Times New Roman" panose="02020603050405020304" pitchFamily="18" charset="0"/>
-                  </a:rPr>
-                  <a:t>i </a:t>
-                </a:r>
-                <a:r>
-                  <a:rPr lang="el-GR" sz="2400" dirty="0">
-                    <a:solidFill>
-                      <a:srgbClr val="202124"/>
-                    </a:solidFill>
-                    <a:latin typeface="Times New Roman" panose="02020603050405020304" pitchFamily="18" charset="0"/>
-                    <a:cs typeface="Times New Roman" panose="02020603050405020304" pitchFamily="18" charset="0"/>
-                  </a:rPr>
-                  <a:t> </a:t>
-                </a:r>
-                <a:r>
-                  <a:rPr lang="en-US" sz="2274" dirty="0">
-                    <a:latin typeface="Times New Roman" panose="02020603050405020304" pitchFamily="18" charset="0"/>
-                    <a:cs typeface="Times New Roman" panose="02020603050405020304" pitchFamily="18" charset="0"/>
-                  </a:rPr>
-                  <a:t>= 1.0</a:t>
-                </a:r>
-              </a:p>
-            </p:txBody>
-          </p:sp>
-        </p:grpSp>
-      </p:grpSp>
-      <p:sp>
-        <p:nvSpPr>
-          <p:cNvPr id="153" name="TextBox 152">
-            <a:extLst>
-              <a:ext uri="{FF2B5EF4-FFF2-40B4-BE49-F238E27FC236}">
-                <a16:creationId xmlns:a16="http://schemas.microsoft.com/office/drawing/2014/main" id="{6C7FEA9A-1F4E-4D98-8C39-73A5E635B38A}"/>
-              </a:ext>
-            </a:extLst>
-          </p:cNvPr>
-          <p:cNvSpPr txBox="1"/>
-          <p:nvPr/>
-        </p:nvSpPr>
-        <p:spPr>
-          <a:xfrm>
-            <a:off x="9943064" y="10279330"/>
-            <a:ext cx="2824431" cy="459828"/>
-          </a:xfrm>
-          <a:prstGeom prst="rect">
-            <a:avLst/>
-          </a:prstGeom>
-          <a:solidFill>
-            <a:schemeClr val="bg1"/>
-          </a:solidFill>
-        </p:spPr>
-        <p:txBody>
-          <a:bodyPr wrap="none" rtlCol="0">
-            <a:spAutoFit/>
-          </a:bodyPr>
-          <a:lstStyle/>
-          <a:p>
-            <a:r>
-              <a:rPr lang="en-US" sz="2275" dirty="0">
-                <a:latin typeface="Times New Roman" panose="02020603050405020304" pitchFamily="18" charset="0"/>
-                <a:cs typeface="Times New Roman" panose="02020603050405020304" pitchFamily="18" charset="0"/>
-              </a:rPr>
-              <a:t>Ligand Degree Ratio</a:t>
-            </a:r>
-          </a:p>
-        </p:txBody>
-      </p:sp>
-      <p:grpSp>
-        <p:nvGrpSpPr>
-          <p:cNvPr id="154" name="Group 153">
-            <a:extLst>
-              <a:ext uri="{FF2B5EF4-FFF2-40B4-BE49-F238E27FC236}">
-                <a16:creationId xmlns:a16="http://schemas.microsoft.com/office/drawing/2014/main" id="{7B9628BF-E707-4872-80C3-6B370560532C}"/>
-              </a:ext>
-            </a:extLst>
-          </p:cNvPr>
-          <p:cNvGrpSpPr/>
-          <p:nvPr/>
-        </p:nvGrpSpPr>
-        <p:grpSpPr>
-          <a:xfrm>
-            <a:off x="3651392" y="1359539"/>
-            <a:ext cx="6529249" cy="4461590"/>
-            <a:chOff x="2086454" y="1074336"/>
-            <a:chExt cx="6529249" cy="4461590"/>
-          </a:xfrm>
-        </p:grpSpPr>
-        <p:pic>
-          <p:nvPicPr>
-            <p:cNvPr id="155" name="Picture 6">
-              <a:extLst>
-                <a:ext uri="{FF2B5EF4-FFF2-40B4-BE49-F238E27FC236}">
-                  <a16:creationId xmlns:a16="http://schemas.microsoft.com/office/drawing/2014/main" id="{6AB0524B-3444-45AD-87B2-A54934612BF0}"/>
-                </a:ext>
-              </a:extLst>
-            </p:cNvPr>
-            <p:cNvPicPr>
-              <a:picLocks noChangeAspect="1" noChangeArrowheads="1"/>
-            </p:cNvPicPr>
-            <p:nvPr/>
-          </p:nvPicPr>
-          <p:blipFill>
-            <a:blip r:embed="rId7">
-              <a:extLst>
-                <a:ext uri="{28A0092B-C50C-407E-A947-70E740481C1C}">
-                  <a14:useLocalDpi xmlns:a14="http://schemas.microsoft.com/office/drawing/2010/main" val="0"/>
-                </a:ext>
-              </a:extLst>
-            </a:blip>
-            <a:srcRect/>
-            <a:stretch>
-              <a:fillRect/>
-            </a:stretch>
-          </p:blipFill>
-          <p:spPr bwMode="auto">
-            <a:xfrm>
-              <a:off x="2086454" y="1074336"/>
-              <a:ext cx="6529249" cy="4430562"/>
-            </a:xfrm>
-            <a:prstGeom prst="rect">
-              <a:avLst/>
-            </a:prstGeom>
-            <a:noFill/>
-            <a:extLst>
-              <a:ext uri="{909E8E84-426E-40DD-AFC4-6F175D3DCCD1}">
-                <a14:hiddenFill xmlns:a14="http://schemas.microsoft.com/office/drawing/2010/main">
-                  <a:solidFill>
-                    <a:srgbClr val="FFFFFF"/>
-                  </a:solidFill>
-                </a14:hiddenFill>
-              </a:ext>
-            </a:extLst>
-          </p:spPr>
-        </p:pic>
-        <p:sp>
-          <p:nvSpPr>
-            <p:cNvPr id="156" name="TextBox 155">
-              <a:extLst>
-                <a:ext uri="{FF2B5EF4-FFF2-40B4-BE49-F238E27FC236}">
-                  <a16:creationId xmlns:a16="http://schemas.microsoft.com/office/drawing/2014/main" id="{D9FD7516-066A-4F5B-95C1-A9A439249DF4}"/>
-                </a:ext>
-              </a:extLst>
-            </p:cNvPr>
-            <p:cNvSpPr txBox="1"/>
-            <p:nvPr/>
-          </p:nvSpPr>
-          <p:spPr>
-            <a:xfrm>
-              <a:off x="4666062" y="4960141"/>
-              <a:ext cx="2036338" cy="575785"/>
-            </a:xfrm>
-            <a:prstGeom prst="rect">
-              <a:avLst/>
-            </a:prstGeom>
-            <a:solidFill>
-              <a:schemeClr val="bg1"/>
-            </a:solidFill>
-          </p:spPr>
-          <p:txBody>
-            <a:bodyPr wrap="square" rtlCol="0">
-              <a:spAutoFit/>
-            </a:bodyPr>
-            <a:lstStyle/>
-            <a:p>
-              <a:r>
-                <a:rPr lang="en-US" sz="1500" dirty="0">
-                  <a:solidFill>
-                    <a:srgbClr val="202124"/>
-                  </a:solidFill>
-                  <a:latin typeface="Times New Roman" panose="02020603050405020304" pitchFamily="18" charset="0"/>
-                  <a:cs typeface="Times New Roman" panose="02020603050405020304" pitchFamily="18" charset="0"/>
-                </a:rPr>
-                <a:t>Ligand degree ratio (</a:t>
-              </a:r>
-              <a:r>
-                <a:rPr lang="el-GR" sz="1500" dirty="0">
-                  <a:solidFill>
-                    <a:srgbClr val="202124"/>
-                  </a:solidFill>
-                  <a:latin typeface="Times New Roman" panose="02020603050405020304" pitchFamily="18" charset="0"/>
-                  <a:cs typeface="Times New Roman" panose="02020603050405020304" pitchFamily="18" charset="0"/>
-                </a:rPr>
-                <a:t>ρ</a:t>
-              </a:r>
-              <a:r>
-                <a:rPr lang="en-US" sz="1500" dirty="0">
-                  <a:solidFill>
-                    <a:srgbClr val="202124"/>
-                  </a:solidFill>
-                  <a:latin typeface="Times New Roman" panose="02020603050405020304" pitchFamily="18" charset="0"/>
-                  <a:cs typeface="Times New Roman" panose="02020603050405020304" pitchFamily="18" charset="0"/>
-                </a:rPr>
-                <a:t>)</a:t>
-              </a:r>
-              <a:endParaRPr lang="en-US" sz="1500" dirty="0">
-                <a:latin typeface="Times New Roman" panose="02020603050405020304" pitchFamily="18" charset="0"/>
-                <a:cs typeface="Times New Roman" panose="02020603050405020304" pitchFamily="18" charset="0"/>
-              </a:endParaRPr>
-            </a:p>
-          </p:txBody>
-        </p:sp>
-        <p:sp>
-          <p:nvSpPr>
-            <p:cNvPr id="157" name="TextBox 156">
-              <a:extLst>
-                <a:ext uri="{FF2B5EF4-FFF2-40B4-BE49-F238E27FC236}">
-                  <a16:creationId xmlns:a16="http://schemas.microsoft.com/office/drawing/2014/main" id="{CB544F0D-2E8A-486E-8740-3C7FDB47C49E}"/>
-                </a:ext>
-              </a:extLst>
-            </p:cNvPr>
-            <p:cNvSpPr txBox="1"/>
-            <p:nvPr/>
-          </p:nvSpPr>
-          <p:spPr>
-            <a:xfrm rot="16200000">
-              <a:off x="1162863" y="2786866"/>
-              <a:ext cx="2193496" cy="346311"/>
-            </a:xfrm>
-            <a:prstGeom prst="rect">
-              <a:avLst/>
-            </a:prstGeom>
-            <a:solidFill>
-              <a:schemeClr val="bg1"/>
-            </a:solidFill>
-          </p:spPr>
-          <p:txBody>
-            <a:bodyPr wrap="square" rtlCol="0">
-              <a:spAutoFit/>
-            </a:bodyPr>
-            <a:lstStyle/>
-            <a:p>
-              <a:r>
-                <a:rPr lang="en-US" sz="1500" dirty="0">
-                  <a:solidFill>
-                    <a:srgbClr val="202124"/>
-                  </a:solidFill>
-                  <a:latin typeface="Times New Roman" panose="02020603050405020304" pitchFamily="18" charset="0"/>
-                  <a:cs typeface="Times New Roman" panose="02020603050405020304" pitchFamily="18" charset="0"/>
-                </a:rPr>
-                <a:t>DeepPurpose Prediction</a:t>
-              </a:r>
-              <a:endParaRPr lang="en-US" sz="1500" dirty="0">
-                <a:latin typeface="Times New Roman" panose="02020603050405020304" pitchFamily="18" charset="0"/>
-                <a:cs typeface="Times New Roman" panose="02020603050405020304" pitchFamily="18" charset="0"/>
-              </a:endParaRPr>
-            </a:p>
-          </p:txBody>
-        </p:sp>
-      </p:grpSp>
       <p:pic>
         <p:nvPicPr>
           <p:cNvPr id="1030" name="Picture 6">
@@ -5100,7 +3627,7 @@
           <p:nvPr/>
         </p:nvPicPr>
         <p:blipFill>
-          <a:blip r:embed="rId8">
+          <a:blip r:embed="rId3">
             <a:extLst>
               <a:ext uri="{28A0092B-C50C-407E-A947-70E740481C1C}">
                 <a14:useLocalDpi xmlns:a14="http://schemas.microsoft.com/office/drawing/2010/main" val="0"/>
@@ -5301,7 +3828,7 @@
             <p:nvPr/>
           </p:nvPicPr>
           <p:blipFill>
-            <a:blip r:embed="rId9">
+            <a:blip r:embed="rId4">
               <a:extLst>
                 <a:ext uri="{28A0092B-C50C-407E-A947-70E740481C1C}">
                   <a14:useLocalDpi xmlns:a14="http://schemas.microsoft.com/office/drawing/2010/main" val="0"/>
@@ -6342,7 +4869,7 @@
           <p:nvPr/>
         </p:nvPicPr>
         <p:blipFill>
-          <a:blip r:embed="rId10"/>
+          <a:blip r:embed="rId5"/>
           <a:stretch>
             <a:fillRect/>
           </a:stretch>
@@ -6372,7 +4899,7 @@
           <p:nvPr/>
         </p:nvPicPr>
         <p:blipFill>
-          <a:blip r:embed="rId11"/>
+          <a:blip r:embed="rId6"/>
           <a:stretch>
             <a:fillRect/>
           </a:stretch>
@@ -6402,7 +4929,7 @@
           <p:nvPr/>
         </p:nvPicPr>
         <p:blipFill>
-          <a:blip r:embed="rId12"/>
+          <a:blip r:embed="rId7"/>
           <a:stretch>
             <a:fillRect/>
           </a:stretch>
@@ -6469,6 +4996,1392 @@
           </a:p>
         </p:txBody>
       </p:sp>
+      <p:pic>
+        <p:nvPicPr>
+          <p:cNvPr id="1026" name="Picture 2">
+            <a:extLst>
+              <a:ext uri="{FF2B5EF4-FFF2-40B4-BE49-F238E27FC236}">
+                <a16:creationId xmlns:a16="http://schemas.microsoft.com/office/drawing/2014/main" id="{98B54965-0B61-4D59-89FC-DA748191CF65}"/>
+              </a:ext>
+            </a:extLst>
+          </p:cNvPr>
+          <p:cNvPicPr>
+            <a:picLocks noChangeAspect="1" noChangeArrowheads="1"/>
+          </p:cNvPicPr>
+          <p:nvPr/>
+        </p:nvPicPr>
+        <p:blipFill>
+          <a:blip r:embed="rId8">
+            <a:extLst>
+              <a:ext uri="{28A0092B-C50C-407E-A947-70E740481C1C}">
+                <a14:useLocalDpi xmlns:a14="http://schemas.microsoft.com/office/drawing/2010/main" val="0"/>
+              </a:ext>
+            </a:extLst>
+          </a:blip>
+          <a:srcRect/>
+          <a:stretch>
+            <a:fillRect/>
+          </a:stretch>
+        </p:blipFill>
+        <p:spPr bwMode="auto">
+          <a:xfrm>
+            <a:off x="1248669" y="831129"/>
+            <a:ext cx="19690070" cy="9790895"/>
+          </a:xfrm>
+          <a:prstGeom prst="rect">
+            <a:avLst/>
+          </a:prstGeom>
+          <a:noFill/>
+          <a:extLst>
+            <a:ext uri="{909E8E84-426E-40DD-AFC4-6F175D3DCCD1}">
+              <a14:hiddenFill xmlns:a14="http://schemas.microsoft.com/office/drawing/2010/main">
+                <a:solidFill>
+                  <a:srgbClr val="FFFFFF"/>
+                </a:solidFill>
+              </a14:hiddenFill>
+            </a:ext>
+          </a:extLst>
+        </p:spPr>
+      </p:pic>
+      <p:grpSp>
+        <p:nvGrpSpPr>
+          <p:cNvPr id="62" name="Group 61">
+            <a:extLst>
+              <a:ext uri="{FF2B5EF4-FFF2-40B4-BE49-F238E27FC236}">
+                <a16:creationId xmlns:a16="http://schemas.microsoft.com/office/drawing/2014/main" id="{83812C72-1C5A-47FE-9F6A-4A8D7C6C2569}"/>
+              </a:ext>
+            </a:extLst>
+          </p:cNvPr>
+          <p:cNvGrpSpPr/>
+          <p:nvPr/>
+        </p:nvGrpSpPr>
+        <p:grpSpPr>
+          <a:xfrm>
+            <a:off x="467073" y="180853"/>
+            <a:ext cx="21390085" cy="10558305"/>
+            <a:chOff x="467073" y="180853"/>
+            <a:chExt cx="21390085" cy="10558305"/>
+          </a:xfrm>
+        </p:grpSpPr>
+        <p:sp>
+          <p:nvSpPr>
+            <p:cNvPr id="63" name="TextBox 62">
+              <a:extLst>
+                <a:ext uri="{FF2B5EF4-FFF2-40B4-BE49-F238E27FC236}">
+                  <a16:creationId xmlns:a16="http://schemas.microsoft.com/office/drawing/2014/main" id="{A3B116BA-5C44-41A1-9577-DDFBC3A97D21}"/>
+                </a:ext>
+              </a:extLst>
+            </p:cNvPr>
+            <p:cNvSpPr txBox="1"/>
+            <p:nvPr/>
+          </p:nvSpPr>
+          <p:spPr>
+            <a:xfrm rot="10800000" flipV="1">
+              <a:off x="467073" y="180853"/>
+              <a:ext cx="1732641" cy="742256"/>
+            </a:xfrm>
+            <a:prstGeom prst="rect">
+              <a:avLst/>
+            </a:prstGeom>
+            <a:noFill/>
+          </p:spPr>
+          <p:txBody>
+            <a:bodyPr wrap="square" rtlCol="0">
+              <a:spAutoFit/>
+            </a:bodyPr>
+            <a:lstStyle/>
+            <a:p>
+              <a:r>
+                <a:rPr lang="en-US" sz="4041" b="1" dirty="0">
+                  <a:latin typeface="Times New Roman" panose="02020603050405020304" pitchFamily="18" charset="0"/>
+                  <a:cs typeface="Times New Roman" panose="02020603050405020304" pitchFamily="18" charset="0"/>
+                </a:rPr>
+                <a:t>A</a:t>
+              </a:r>
+            </a:p>
+          </p:txBody>
+        </p:sp>
+        <p:sp>
+          <p:nvSpPr>
+            <p:cNvPr id="66" name="TextBox 65">
+              <a:extLst>
+                <a:ext uri="{FF2B5EF4-FFF2-40B4-BE49-F238E27FC236}">
+                  <a16:creationId xmlns:a16="http://schemas.microsoft.com/office/drawing/2014/main" id="{EE19C870-F9A4-4218-A8CB-1A2AB59BF75D}"/>
+                </a:ext>
+              </a:extLst>
+            </p:cNvPr>
+            <p:cNvSpPr txBox="1"/>
+            <p:nvPr/>
+          </p:nvSpPr>
+          <p:spPr>
+            <a:xfrm rot="16200000">
+              <a:off x="857562" y="5159706"/>
+              <a:ext cx="746721" cy="474117"/>
+            </a:xfrm>
+            <a:prstGeom prst="rect">
+              <a:avLst/>
+            </a:prstGeom>
+            <a:solidFill>
+              <a:schemeClr val="bg1"/>
+            </a:solidFill>
+          </p:spPr>
+          <p:txBody>
+            <a:bodyPr wrap="none" rtlCol="0">
+              <a:spAutoFit/>
+            </a:bodyPr>
+            <a:lstStyle/>
+            <a:p>
+              <a:r>
+                <a:rPr lang="en-US" sz="2275" dirty="0">
+                  <a:latin typeface="Times New Roman" panose="02020603050405020304" pitchFamily="18" charset="0"/>
+                  <a:cs typeface="Times New Roman" panose="02020603050405020304" pitchFamily="18" charset="0"/>
+                </a:rPr>
+                <a:t>PDF</a:t>
+              </a:r>
+            </a:p>
+          </p:txBody>
+        </p:sp>
+        <p:grpSp>
+          <p:nvGrpSpPr>
+            <p:cNvPr id="67" name="Group 66">
+              <a:extLst>
+                <a:ext uri="{FF2B5EF4-FFF2-40B4-BE49-F238E27FC236}">
+                  <a16:creationId xmlns:a16="http://schemas.microsoft.com/office/drawing/2014/main" id="{FB4F1B19-5AB7-4517-AB18-C11EFD72CABE}"/>
+                </a:ext>
+              </a:extLst>
+            </p:cNvPr>
+            <p:cNvGrpSpPr/>
+            <p:nvPr/>
+          </p:nvGrpSpPr>
+          <p:grpSpPr>
+            <a:xfrm>
+              <a:off x="4336259" y="8329848"/>
+              <a:ext cx="2589746" cy="647759"/>
+              <a:chOff x="21483123" y="6219785"/>
+              <a:chExt cx="3222211" cy="830998"/>
+            </a:xfrm>
+          </p:grpSpPr>
+          <p:sp>
+            <p:nvSpPr>
+              <p:cNvPr id="94" name="TextBox 93">
+                <a:extLst>
+                  <a:ext uri="{FF2B5EF4-FFF2-40B4-BE49-F238E27FC236}">
+                    <a16:creationId xmlns:a16="http://schemas.microsoft.com/office/drawing/2014/main" id="{D73A8CBC-AB5C-4914-990D-DE742CA2F993}"/>
+                  </a:ext>
+                </a:extLst>
+              </p:cNvPr>
+              <p:cNvSpPr txBox="1"/>
+              <p:nvPr/>
+            </p:nvSpPr>
+            <p:spPr>
+              <a:xfrm>
+                <a:off x="22115703" y="6219785"/>
+                <a:ext cx="2589631" cy="414582"/>
+              </a:xfrm>
+              <a:prstGeom prst="rect">
+                <a:avLst/>
+              </a:prstGeom>
+              <a:solidFill>
+                <a:schemeClr val="bg1"/>
+              </a:solidFill>
+            </p:spPr>
+            <p:txBody>
+              <a:bodyPr wrap="square" rtlCol="0">
+                <a:spAutoFit/>
+              </a:bodyPr>
+              <a:lstStyle/>
+              <a:p>
+                <a:r>
+                  <a:rPr lang="en-US" sz="1500" dirty="0">
+                    <a:solidFill>
+                      <a:srgbClr val="202124"/>
+                    </a:solidFill>
+                    <a:latin typeface="Times New Roman" panose="02020603050405020304" pitchFamily="18" charset="0"/>
+                    <a:cs typeface="Times New Roman" panose="02020603050405020304" pitchFamily="18" charset="0"/>
+                  </a:rPr>
+                  <a:t>Whole BindingDB</a:t>
+                </a:r>
+              </a:p>
+            </p:txBody>
+          </p:sp>
+          <p:sp>
+            <p:nvSpPr>
+              <p:cNvPr id="95" name="Rectangle 94">
+                <a:extLst>
+                  <a:ext uri="{FF2B5EF4-FFF2-40B4-BE49-F238E27FC236}">
+                    <a16:creationId xmlns:a16="http://schemas.microsoft.com/office/drawing/2014/main" id="{C4EBC9F9-BB6E-4E6F-957A-7F9C8B4A479F}"/>
+                  </a:ext>
+                </a:extLst>
+              </p:cNvPr>
+              <p:cNvSpPr/>
+              <p:nvPr/>
+            </p:nvSpPr>
+            <p:spPr>
+              <a:xfrm>
+                <a:off x="21483123" y="6296644"/>
+                <a:ext cx="440857" cy="247772"/>
+              </a:xfrm>
+              <a:prstGeom prst="rect">
+                <a:avLst/>
+              </a:prstGeom>
+              <a:solidFill>
+                <a:srgbClr val="D6E5F0"/>
+              </a:solidFill>
+            </p:spPr>
+            <p:style>
+              <a:lnRef idx="2">
+                <a:schemeClr val="accent1">
+                  <a:shade val="50000"/>
+                </a:schemeClr>
+              </a:lnRef>
+              <a:fillRef idx="1">
+                <a:schemeClr val="accent1"/>
+              </a:fillRef>
+              <a:effectRef idx="0">
+                <a:schemeClr val="accent1"/>
+              </a:effectRef>
+              <a:fontRef idx="minor">
+                <a:schemeClr val="lt1"/>
+              </a:fontRef>
+            </p:style>
+            <p:txBody>
+              <a:bodyPr rtlCol="0" anchor="ctr"/>
+              <a:lstStyle/>
+              <a:p>
+                <a:pPr algn="ctr"/>
+                <a:endParaRPr lang="en-US" sz="1350"/>
+              </a:p>
+            </p:txBody>
+          </p:sp>
+          <p:sp>
+            <p:nvSpPr>
+              <p:cNvPr id="96" name="Rectangle 95">
+                <a:extLst>
+                  <a:ext uri="{FF2B5EF4-FFF2-40B4-BE49-F238E27FC236}">
+                    <a16:creationId xmlns:a16="http://schemas.microsoft.com/office/drawing/2014/main" id="{7E943F50-9A96-49E8-9029-F8BB389E4233}"/>
+                  </a:ext>
+                </a:extLst>
+              </p:cNvPr>
+              <p:cNvSpPr/>
+              <p:nvPr/>
+            </p:nvSpPr>
+            <p:spPr>
+              <a:xfrm>
+                <a:off x="21483123" y="6721369"/>
+                <a:ext cx="440857" cy="247772"/>
+              </a:xfrm>
+              <a:prstGeom prst="rect">
+                <a:avLst/>
+              </a:prstGeom>
+              <a:solidFill>
+                <a:srgbClr val="F9D0D0"/>
+              </a:solidFill>
+            </p:spPr>
+            <p:style>
+              <a:lnRef idx="2">
+                <a:schemeClr val="accent1">
+                  <a:shade val="50000"/>
+                </a:schemeClr>
+              </a:lnRef>
+              <a:fillRef idx="1">
+                <a:schemeClr val="accent1"/>
+              </a:fillRef>
+              <a:effectRef idx="0">
+                <a:schemeClr val="accent1"/>
+              </a:effectRef>
+              <a:fontRef idx="minor">
+                <a:schemeClr val="lt1"/>
+              </a:fontRef>
+            </p:style>
+            <p:txBody>
+              <a:bodyPr rtlCol="0" anchor="ctr"/>
+              <a:lstStyle/>
+              <a:p>
+                <a:pPr algn="ctr"/>
+                <a:endParaRPr lang="en-US" sz="1350"/>
+              </a:p>
+            </p:txBody>
+          </p:sp>
+          <p:sp>
+            <p:nvSpPr>
+              <p:cNvPr id="97" name="TextBox 96">
+                <a:extLst>
+                  <a:ext uri="{FF2B5EF4-FFF2-40B4-BE49-F238E27FC236}">
+                    <a16:creationId xmlns:a16="http://schemas.microsoft.com/office/drawing/2014/main" id="{3529302F-7E5F-40F2-ABAA-064C7220C455}"/>
+                  </a:ext>
+                </a:extLst>
+              </p:cNvPr>
+              <p:cNvSpPr txBox="1"/>
+              <p:nvPr/>
+            </p:nvSpPr>
+            <p:spPr>
+              <a:xfrm>
+                <a:off x="22108850" y="6619896"/>
+                <a:ext cx="2589631" cy="430887"/>
+              </a:xfrm>
+              <a:prstGeom prst="rect">
+                <a:avLst/>
+              </a:prstGeom>
+              <a:solidFill>
+                <a:schemeClr val="bg1"/>
+              </a:solidFill>
+            </p:spPr>
+            <p:txBody>
+              <a:bodyPr wrap="square" rtlCol="0">
+                <a:spAutoFit/>
+              </a:bodyPr>
+              <a:lstStyle/>
+              <a:p>
+                <a:r>
+                  <a:rPr lang="en-US" sz="1500" dirty="0">
+                    <a:solidFill>
+                      <a:srgbClr val="202124"/>
+                    </a:solidFill>
+                    <a:latin typeface="Times New Roman" panose="02020603050405020304" pitchFamily="18" charset="0"/>
+                    <a:cs typeface="Times New Roman" panose="02020603050405020304" pitchFamily="18" charset="0"/>
+                  </a:rPr>
+                  <a:t>False Positives</a:t>
+                </a:r>
+              </a:p>
+            </p:txBody>
+          </p:sp>
+        </p:grpSp>
+        <p:grpSp>
+          <p:nvGrpSpPr>
+            <p:cNvPr id="68" name="Group 67">
+              <a:extLst>
+                <a:ext uri="{FF2B5EF4-FFF2-40B4-BE49-F238E27FC236}">
+                  <a16:creationId xmlns:a16="http://schemas.microsoft.com/office/drawing/2014/main" id="{4C134FA9-EAD9-4805-9B6E-A2D2ED4151AB}"/>
+                </a:ext>
+              </a:extLst>
+            </p:cNvPr>
+            <p:cNvGrpSpPr/>
+            <p:nvPr/>
+          </p:nvGrpSpPr>
+          <p:grpSpPr>
+            <a:xfrm>
+              <a:off x="10262309" y="1061483"/>
+              <a:ext cx="11594849" cy="5259359"/>
+              <a:chOff x="9500091" y="950941"/>
+              <a:chExt cx="11594849" cy="5259359"/>
+            </a:xfrm>
+          </p:grpSpPr>
+          <p:sp>
+            <p:nvSpPr>
+              <p:cNvPr id="74" name="TextBox 73">
+                <a:extLst>
+                  <a:ext uri="{FF2B5EF4-FFF2-40B4-BE49-F238E27FC236}">
+                    <a16:creationId xmlns:a16="http://schemas.microsoft.com/office/drawing/2014/main" id="{2C54DFEE-D87A-43F0-8ED0-D6C7C6ABE1F4}"/>
+                  </a:ext>
+                </a:extLst>
+              </p:cNvPr>
+              <p:cNvSpPr txBox="1"/>
+              <p:nvPr/>
+            </p:nvSpPr>
+            <p:spPr>
+              <a:xfrm>
+                <a:off x="17119065" y="1069262"/>
+                <a:ext cx="3975875" cy="527802"/>
+              </a:xfrm>
+              <a:prstGeom prst="rect">
+                <a:avLst/>
+              </a:prstGeom>
+              <a:noFill/>
+            </p:spPr>
+            <p:txBody>
+              <a:bodyPr wrap="square" rtlCol="0">
+                <a:spAutoFit/>
+              </a:bodyPr>
+              <a:lstStyle/>
+              <a:p>
+                <a:pPr algn="l"/>
+                <a:r>
+                  <a:rPr lang="en-US" sz="2700" dirty="0">
+                    <a:latin typeface="Times New Roman" panose="02020603050405020304" pitchFamily="18" charset="0"/>
+                    <a:cs typeface="Times New Roman" panose="02020603050405020304" pitchFamily="18" charset="0"/>
+                  </a:rPr>
+                  <a:t>Cystazosin</a:t>
+                </a:r>
+              </a:p>
+            </p:txBody>
+          </p:sp>
+          <p:grpSp>
+            <p:nvGrpSpPr>
+              <p:cNvPr id="75" name="Group 74">
+                <a:extLst>
+                  <a:ext uri="{FF2B5EF4-FFF2-40B4-BE49-F238E27FC236}">
+                    <a16:creationId xmlns:a16="http://schemas.microsoft.com/office/drawing/2014/main" id="{8AC24AC9-DD88-48F1-809F-88AA6BED52FD}"/>
+                  </a:ext>
+                </a:extLst>
+              </p:cNvPr>
+              <p:cNvGrpSpPr/>
+              <p:nvPr/>
+            </p:nvGrpSpPr>
+            <p:grpSpPr>
+              <a:xfrm>
+                <a:off x="9500091" y="950941"/>
+                <a:ext cx="10077676" cy="5259359"/>
+                <a:chOff x="9500091" y="950941"/>
+                <a:chExt cx="10077676" cy="5259359"/>
+              </a:xfrm>
+            </p:grpSpPr>
+            <p:sp>
+              <p:nvSpPr>
+                <p:cNvPr id="76" name="TextBox 75">
+                  <a:extLst>
+                    <a:ext uri="{FF2B5EF4-FFF2-40B4-BE49-F238E27FC236}">
+                      <a16:creationId xmlns:a16="http://schemas.microsoft.com/office/drawing/2014/main" id="{94879EF8-B46A-4B07-BFE0-55C9F5B67742}"/>
+                    </a:ext>
+                  </a:extLst>
+                </p:cNvPr>
+                <p:cNvSpPr txBox="1"/>
+                <p:nvPr/>
+              </p:nvSpPr>
+              <p:spPr>
+                <a:xfrm>
+                  <a:off x="13308271" y="1100012"/>
+                  <a:ext cx="3422388" cy="527802"/>
+                </a:xfrm>
+                <a:prstGeom prst="rect">
+                  <a:avLst/>
+                </a:prstGeom>
+                <a:noFill/>
+              </p:spPr>
+              <p:txBody>
+                <a:bodyPr wrap="square" rtlCol="0">
+                  <a:spAutoFit/>
+                </a:bodyPr>
+                <a:lstStyle/>
+                <a:p>
+                  <a:pPr algn="l"/>
+                  <a:r>
+                    <a:rPr lang="en-US" sz="2700" dirty="0">
+                      <a:latin typeface="Times New Roman" panose="02020603050405020304" pitchFamily="18" charset="0"/>
+                      <a:cs typeface="Times New Roman" panose="02020603050405020304" pitchFamily="18" charset="0"/>
+                    </a:rPr>
+                    <a:t>CHEMBL127587</a:t>
+                  </a:r>
+                </a:p>
+              </p:txBody>
+            </p:sp>
+            <p:sp>
+              <p:nvSpPr>
+                <p:cNvPr id="77" name="TextBox 76">
+                  <a:extLst>
+                    <a:ext uri="{FF2B5EF4-FFF2-40B4-BE49-F238E27FC236}">
+                      <a16:creationId xmlns:a16="http://schemas.microsoft.com/office/drawing/2014/main" id="{95B8151B-A99E-44D2-9423-0C17B4D3F52F}"/>
+                    </a:ext>
+                  </a:extLst>
+                </p:cNvPr>
+                <p:cNvSpPr txBox="1"/>
+                <p:nvPr/>
+              </p:nvSpPr>
+              <p:spPr>
+                <a:xfrm>
+                  <a:off x="9740836" y="1094270"/>
+                  <a:ext cx="3975875" cy="527802"/>
+                </a:xfrm>
+                <a:prstGeom prst="rect">
+                  <a:avLst/>
+                </a:prstGeom>
+                <a:noFill/>
+              </p:spPr>
+              <p:txBody>
+                <a:bodyPr wrap="square" rtlCol="0">
+                  <a:spAutoFit/>
+                </a:bodyPr>
+                <a:lstStyle/>
+                <a:p>
+                  <a:pPr algn="l"/>
+                  <a:r>
+                    <a:rPr lang="en-US" sz="2700" dirty="0">
+                      <a:latin typeface="Times New Roman" panose="02020603050405020304" pitchFamily="18" charset="0"/>
+                      <a:cs typeface="Times New Roman" panose="02020603050405020304" pitchFamily="18" charset="0"/>
+                    </a:rPr>
+                    <a:t>CHEMBL2333416 </a:t>
+                  </a:r>
+                </a:p>
+              </p:txBody>
+            </p:sp>
+            <p:sp>
+              <p:nvSpPr>
+                <p:cNvPr id="78" name="TextBox 77">
+                  <a:extLst>
+                    <a:ext uri="{FF2B5EF4-FFF2-40B4-BE49-F238E27FC236}">
+                      <a16:creationId xmlns:a16="http://schemas.microsoft.com/office/drawing/2014/main" id="{D7E81AEE-14E4-4BE8-BFA5-03DC627E33F2}"/>
+                    </a:ext>
+                  </a:extLst>
+                </p:cNvPr>
+                <p:cNvSpPr txBox="1"/>
+                <p:nvPr/>
+              </p:nvSpPr>
+              <p:spPr>
+                <a:xfrm>
+                  <a:off x="10475189" y="4773535"/>
+                  <a:ext cx="1868613" cy="1207282"/>
+                </a:xfrm>
+                <a:prstGeom prst="rect">
+                  <a:avLst/>
+                </a:prstGeom>
+                <a:noFill/>
+              </p:spPr>
+              <p:txBody>
+                <a:bodyPr wrap="square" rtlCol="0">
+                  <a:spAutoFit/>
+                </a:bodyPr>
+                <a:lstStyle/>
+                <a:p>
+                  <a:r>
+                    <a:rPr lang="en-US" sz="2273" dirty="0">
+                      <a:latin typeface="Times New Roman" panose="02020603050405020304" pitchFamily="18" charset="0"/>
+                      <a:ea typeface="Calibri" panose="020F0502020204030204" pitchFamily="34" charset="0"/>
+                      <a:cs typeface="Times New Roman" panose="02020603050405020304" pitchFamily="18" charset="0"/>
+                    </a:rPr>
+                    <a:t>k</a:t>
+                  </a:r>
+                  <a:r>
+                    <a:rPr lang="en-US" sz="2273" baseline="-25000" dirty="0">
+                      <a:latin typeface="Times New Roman" panose="02020603050405020304" pitchFamily="18" charset="0"/>
+                      <a:ea typeface="Calibri" panose="020F0502020204030204" pitchFamily="34" charset="0"/>
+                      <a:cs typeface="Times New Roman" panose="02020603050405020304" pitchFamily="18" charset="0"/>
+                    </a:rPr>
+                    <a:t>i</a:t>
+                  </a:r>
+                  <a:r>
+                    <a:rPr lang="en-US" sz="2273" baseline="30000" dirty="0">
+                      <a:latin typeface="Times New Roman" panose="02020603050405020304" pitchFamily="18" charset="0"/>
+                      <a:ea typeface="Calibri" panose="020F0502020204030204" pitchFamily="34" charset="0"/>
+                      <a:cs typeface="Times New Roman" panose="02020603050405020304" pitchFamily="18" charset="0"/>
+                    </a:rPr>
+                    <a:t>+ </a:t>
+                  </a:r>
+                  <a:r>
+                    <a:rPr lang="en-US" sz="2273" dirty="0">
+                      <a:latin typeface="Times New Roman" panose="02020603050405020304" pitchFamily="18" charset="0"/>
+                      <a:cs typeface="Times New Roman" panose="02020603050405020304" pitchFamily="18" charset="0"/>
+                    </a:rPr>
+                    <a:t>= </a:t>
+                  </a:r>
+                  <a:r>
+                    <a:rPr lang="en-US" sz="2274" dirty="0">
+                      <a:latin typeface="Times New Roman" panose="02020603050405020304" pitchFamily="18" charset="0"/>
+                      <a:cs typeface="Times New Roman" panose="02020603050405020304" pitchFamily="18" charset="0"/>
+                    </a:rPr>
+                    <a:t>20</a:t>
+                  </a:r>
+                </a:p>
+                <a:p>
+                  <a:r>
+                    <a:rPr lang="en-US" sz="2273" dirty="0">
+                      <a:latin typeface="Times New Roman" panose="02020603050405020304" pitchFamily="18" charset="0"/>
+                      <a:ea typeface="Calibri" panose="020F0502020204030204" pitchFamily="34" charset="0"/>
+                      <a:cs typeface="Times New Roman" panose="02020603050405020304" pitchFamily="18" charset="0"/>
+                    </a:rPr>
+                    <a:t>k</a:t>
+                  </a:r>
+                  <a:r>
+                    <a:rPr lang="en-US" sz="2273" baseline="-25000" dirty="0">
+                      <a:latin typeface="Times New Roman" panose="02020603050405020304" pitchFamily="18" charset="0"/>
+                      <a:ea typeface="Calibri" panose="020F0502020204030204" pitchFamily="34" charset="0"/>
+                      <a:cs typeface="Times New Roman" panose="02020603050405020304" pitchFamily="18" charset="0"/>
+                    </a:rPr>
+                    <a:t>i</a:t>
+                  </a:r>
+                  <a:r>
+                    <a:rPr lang="en-US" sz="2273" baseline="30000" dirty="0">
+                      <a:latin typeface="Times New Roman" panose="02020603050405020304" pitchFamily="18" charset="0"/>
+                      <a:ea typeface="Calibri" panose="020F0502020204030204" pitchFamily="34" charset="0"/>
+                      <a:cs typeface="Times New Roman" panose="02020603050405020304" pitchFamily="18" charset="0"/>
+                    </a:rPr>
+                    <a:t>- </a:t>
+                  </a:r>
+                  <a:r>
+                    <a:rPr lang="en-US" sz="2274" dirty="0">
+                      <a:latin typeface="Times New Roman" panose="02020603050405020304" pitchFamily="18" charset="0"/>
+                      <a:cs typeface="Times New Roman" panose="02020603050405020304" pitchFamily="18" charset="0"/>
+                    </a:rPr>
+                    <a:t>= 11</a:t>
+                  </a:r>
+                </a:p>
+                <a:p>
+                  <a:r>
+                    <a:rPr lang="el-GR" sz="2273" dirty="0">
+                      <a:latin typeface="Times New Roman" panose="02020603050405020304" pitchFamily="18" charset="0"/>
+                      <a:ea typeface="Calibri" panose="020F0502020204030204" pitchFamily="34" charset="0"/>
+                      <a:cs typeface="Times New Roman" panose="02020603050405020304" pitchFamily="18" charset="0"/>
+                    </a:rPr>
+                    <a:t>ρ</a:t>
+                  </a:r>
+                  <a:r>
+                    <a:rPr lang="en-US" sz="2273" baseline="-25000" dirty="0">
+                      <a:latin typeface="Times New Roman" panose="02020603050405020304" pitchFamily="18" charset="0"/>
+                      <a:ea typeface="Calibri" panose="020F0502020204030204" pitchFamily="34" charset="0"/>
+                      <a:cs typeface="Times New Roman" panose="02020603050405020304" pitchFamily="18" charset="0"/>
+                    </a:rPr>
+                    <a:t>i </a:t>
+                  </a:r>
+                  <a:r>
+                    <a:rPr lang="el-GR" sz="2400" dirty="0">
+                      <a:solidFill>
+                        <a:srgbClr val="202124"/>
+                      </a:solidFill>
+                      <a:latin typeface="Times New Roman" panose="02020603050405020304" pitchFamily="18" charset="0"/>
+                      <a:cs typeface="Times New Roman" panose="02020603050405020304" pitchFamily="18" charset="0"/>
+                    </a:rPr>
+                    <a:t> </a:t>
+                  </a:r>
+                  <a:r>
+                    <a:rPr lang="en-US" sz="2274" dirty="0">
+                      <a:latin typeface="Times New Roman" panose="02020603050405020304" pitchFamily="18" charset="0"/>
+                      <a:cs typeface="Times New Roman" panose="02020603050405020304" pitchFamily="18" charset="0"/>
+                    </a:rPr>
+                    <a:t>= 0.64</a:t>
+                  </a:r>
+                </a:p>
+              </p:txBody>
+            </p:sp>
+            <p:sp>
+              <p:nvSpPr>
+                <p:cNvPr id="79" name="TextBox 78">
+                  <a:extLst>
+                    <a:ext uri="{FF2B5EF4-FFF2-40B4-BE49-F238E27FC236}">
+                      <a16:creationId xmlns:a16="http://schemas.microsoft.com/office/drawing/2014/main" id="{C4FFA2F2-3E47-42F9-9E6C-D74B4B87BF4D}"/>
+                    </a:ext>
+                  </a:extLst>
+                </p:cNvPr>
+                <p:cNvSpPr txBox="1"/>
+                <p:nvPr/>
+              </p:nvSpPr>
+              <p:spPr>
+                <a:xfrm>
+                  <a:off x="14122351" y="4782519"/>
+                  <a:ext cx="1868613" cy="1207282"/>
+                </a:xfrm>
+                <a:prstGeom prst="rect">
+                  <a:avLst/>
+                </a:prstGeom>
+                <a:noFill/>
+              </p:spPr>
+              <p:txBody>
+                <a:bodyPr wrap="square" rtlCol="0">
+                  <a:spAutoFit/>
+                </a:bodyPr>
+                <a:lstStyle/>
+                <a:p>
+                  <a:r>
+                    <a:rPr lang="en-US" sz="2273" dirty="0">
+                      <a:latin typeface="Times New Roman" panose="02020603050405020304" pitchFamily="18" charset="0"/>
+                      <a:ea typeface="Calibri" panose="020F0502020204030204" pitchFamily="34" charset="0"/>
+                      <a:cs typeface="Times New Roman" panose="02020603050405020304" pitchFamily="18" charset="0"/>
+                    </a:rPr>
+                    <a:t>k</a:t>
+                  </a:r>
+                  <a:r>
+                    <a:rPr lang="en-US" sz="2273" baseline="-25000" dirty="0">
+                      <a:latin typeface="Times New Roman" panose="02020603050405020304" pitchFamily="18" charset="0"/>
+                      <a:ea typeface="Calibri" panose="020F0502020204030204" pitchFamily="34" charset="0"/>
+                      <a:cs typeface="Times New Roman" panose="02020603050405020304" pitchFamily="18" charset="0"/>
+                    </a:rPr>
+                    <a:t>i</a:t>
+                  </a:r>
+                  <a:r>
+                    <a:rPr lang="en-US" sz="2273" baseline="30000" dirty="0">
+                      <a:latin typeface="Times New Roman" panose="02020603050405020304" pitchFamily="18" charset="0"/>
+                      <a:ea typeface="Calibri" panose="020F0502020204030204" pitchFamily="34" charset="0"/>
+                      <a:cs typeface="Times New Roman" panose="02020603050405020304" pitchFamily="18" charset="0"/>
+                    </a:rPr>
+                    <a:t>+ </a:t>
+                  </a:r>
+                  <a:r>
+                    <a:rPr lang="en-US" sz="2273" dirty="0">
+                      <a:latin typeface="Times New Roman" panose="02020603050405020304" pitchFamily="18" charset="0"/>
+                      <a:cs typeface="Times New Roman" panose="02020603050405020304" pitchFamily="18" charset="0"/>
+                    </a:rPr>
+                    <a:t>= 3</a:t>
+                  </a:r>
+                  <a:endParaRPr lang="en-US" sz="2274" dirty="0">
+                    <a:latin typeface="Times New Roman" panose="02020603050405020304" pitchFamily="18" charset="0"/>
+                    <a:cs typeface="Times New Roman" panose="02020603050405020304" pitchFamily="18" charset="0"/>
+                  </a:endParaRPr>
+                </a:p>
+                <a:p>
+                  <a:r>
+                    <a:rPr lang="en-US" sz="2273" dirty="0">
+                      <a:latin typeface="Times New Roman" panose="02020603050405020304" pitchFamily="18" charset="0"/>
+                      <a:ea typeface="Calibri" panose="020F0502020204030204" pitchFamily="34" charset="0"/>
+                      <a:cs typeface="Times New Roman" panose="02020603050405020304" pitchFamily="18" charset="0"/>
+                    </a:rPr>
+                    <a:t>k</a:t>
+                  </a:r>
+                  <a:r>
+                    <a:rPr lang="en-US" sz="2273" baseline="-25000" dirty="0">
+                      <a:latin typeface="Times New Roman" panose="02020603050405020304" pitchFamily="18" charset="0"/>
+                      <a:ea typeface="Calibri" panose="020F0502020204030204" pitchFamily="34" charset="0"/>
+                      <a:cs typeface="Times New Roman" panose="02020603050405020304" pitchFamily="18" charset="0"/>
+                    </a:rPr>
+                    <a:t>i</a:t>
+                  </a:r>
+                  <a:r>
+                    <a:rPr lang="en-US" sz="2273" baseline="30000" dirty="0">
+                      <a:latin typeface="Times New Roman" panose="02020603050405020304" pitchFamily="18" charset="0"/>
+                      <a:ea typeface="Calibri" panose="020F0502020204030204" pitchFamily="34" charset="0"/>
+                      <a:cs typeface="Times New Roman" panose="02020603050405020304" pitchFamily="18" charset="0"/>
+                    </a:rPr>
+                    <a:t>- </a:t>
+                  </a:r>
+                  <a:r>
+                    <a:rPr lang="en-US" sz="2274" dirty="0">
+                      <a:latin typeface="Times New Roman" panose="02020603050405020304" pitchFamily="18" charset="0"/>
+                      <a:cs typeface="Times New Roman" panose="02020603050405020304" pitchFamily="18" charset="0"/>
+                    </a:rPr>
+                    <a:t>= 1</a:t>
+                  </a:r>
+                </a:p>
+                <a:p>
+                  <a:r>
+                    <a:rPr lang="el-GR" sz="2273" dirty="0">
+                      <a:latin typeface="Times New Roman" panose="02020603050405020304" pitchFamily="18" charset="0"/>
+                      <a:ea typeface="Calibri" panose="020F0502020204030204" pitchFamily="34" charset="0"/>
+                      <a:cs typeface="Times New Roman" panose="02020603050405020304" pitchFamily="18" charset="0"/>
+                    </a:rPr>
+                    <a:t>ρ</a:t>
+                  </a:r>
+                  <a:r>
+                    <a:rPr lang="en-US" sz="2273" baseline="-25000" dirty="0">
+                      <a:latin typeface="Times New Roman" panose="02020603050405020304" pitchFamily="18" charset="0"/>
+                      <a:ea typeface="Calibri" panose="020F0502020204030204" pitchFamily="34" charset="0"/>
+                      <a:cs typeface="Times New Roman" panose="02020603050405020304" pitchFamily="18" charset="0"/>
+                    </a:rPr>
+                    <a:t>i </a:t>
+                  </a:r>
+                  <a:r>
+                    <a:rPr lang="el-GR" sz="2400" dirty="0">
+                      <a:solidFill>
+                        <a:srgbClr val="202124"/>
+                      </a:solidFill>
+                      <a:latin typeface="Times New Roman" panose="02020603050405020304" pitchFamily="18" charset="0"/>
+                      <a:cs typeface="Times New Roman" panose="02020603050405020304" pitchFamily="18" charset="0"/>
+                    </a:rPr>
+                    <a:t> </a:t>
+                  </a:r>
+                  <a:r>
+                    <a:rPr lang="en-US" sz="2274" dirty="0">
+                      <a:latin typeface="Times New Roman" panose="02020603050405020304" pitchFamily="18" charset="0"/>
+                      <a:cs typeface="Times New Roman" panose="02020603050405020304" pitchFamily="18" charset="0"/>
+                    </a:rPr>
+                    <a:t>= 0.75</a:t>
+                  </a:r>
+                </a:p>
+              </p:txBody>
+            </p:sp>
+            <p:pic>
+              <p:nvPicPr>
+                <p:cNvPr id="80" name="Picture 79">
+                  <a:extLst>
+                    <a:ext uri="{FF2B5EF4-FFF2-40B4-BE49-F238E27FC236}">
+                      <a16:creationId xmlns:a16="http://schemas.microsoft.com/office/drawing/2014/main" id="{2C5847FE-6505-4936-A00B-DE2D929B2CE6}"/>
+                    </a:ext>
+                  </a:extLst>
+                </p:cNvPr>
+                <p:cNvPicPr>
+                  <a:picLocks noChangeAspect="1"/>
+                </p:cNvPicPr>
+                <p:nvPr/>
+              </p:nvPicPr>
+              <p:blipFill>
+                <a:blip r:embed="rId9"/>
+                <a:stretch>
+                  <a:fillRect/>
+                </a:stretch>
+              </p:blipFill>
+              <p:spPr>
+                <a:xfrm rot="5400000">
+                  <a:off x="16419745" y="2678594"/>
+                  <a:ext cx="3078449" cy="1039095"/>
+                </a:xfrm>
+                <a:prstGeom prst="rect">
+                  <a:avLst/>
+                </a:prstGeom>
+              </p:spPr>
+            </p:pic>
+            <p:pic>
+              <p:nvPicPr>
+                <p:cNvPr id="81" name="Picture 80">
+                  <a:extLst>
+                    <a:ext uri="{FF2B5EF4-FFF2-40B4-BE49-F238E27FC236}">
+                      <a16:creationId xmlns:a16="http://schemas.microsoft.com/office/drawing/2014/main" id="{4604C89B-5BAB-43CE-8104-F381D25760D1}"/>
+                    </a:ext>
+                  </a:extLst>
+                </p:cNvPr>
+                <p:cNvPicPr>
+                  <a:picLocks noChangeAspect="1"/>
+                </p:cNvPicPr>
+                <p:nvPr/>
+              </p:nvPicPr>
+              <p:blipFill>
+                <a:blip r:embed="rId10"/>
+                <a:stretch>
+                  <a:fillRect/>
+                </a:stretch>
+              </p:blipFill>
+              <p:spPr>
+                <a:xfrm>
+                  <a:off x="12999652" y="1894919"/>
+                  <a:ext cx="2933700" cy="2343150"/>
+                </a:xfrm>
+                <a:prstGeom prst="rect">
+                  <a:avLst/>
+                </a:prstGeom>
+              </p:spPr>
+            </p:pic>
+            <p:pic>
+              <p:nvPicPr>
+                <p:cNvPr id="86" name="Picture 85">
+                  <a:extLst>
+                    <a:ext uri="{FF2B5EF4-FFF2-40B4-BE49-F238E27FC236}">
+                      <a16:creationId xmlns:a16="http://schemas.microsoft.com/office/drawing/2014/main" id="{68F5D72A-A893-442E-A8DF-5C392025C5CC}"/>
+                    </a:ext>
+                  </a:extLst>
+                </p:cNvPr>
+                <p:cNvPicPr>
+                  <a:picLocks noChangeAspect="1"/>
+                </p:cNvPicPr>
+                <p:nvPr/>
+              </p:nvPicPr>
+              <p:blipFill>
+                <a:blip r:embed="rId11"/>
+                <a:stretch>
+                  <a:fillRect/>
+                </a:stretch>
+              </p:blipFill>
+              <p:spPr>
+                <a:xfrm>
+                  <a:off x="9905972" y="1666319"/>
+                  <a:ext cx="2324100" cy="2800350"/>
+                </a:xfrm>
+                <a:prstGeom prst="rect">
+                  <a:avLst/>
+                </a:prstGeom>
+              </p:spPr>
+            </p:pic>
+            <p:sp>
+              <p:nvSpPr>
+                <p:cNvPr id="90" name="Rectangle: Rounded Corners 89">
+                  <a:extLst>
+                    <a:ext uri="{FF2B5EF4-FFF2-40B4-BE49-F238E27FC236}">
+                      <a16:creationId xmlns:a16="http://schemas.microsoft.com/office/drawing/2014/main" id="{E2715EF4-0692-47DB-914F-1053E7C90B68}"/>
+                    </a:ext>
+                  </a:extLst>
+                </p:cNvPr>
+                <p:cNvSpPr/>
+                <p:nvPr/>
+              </p:nvSpPr>
+              <p:spPr>
+                <a:xfrm>
+                  <a:off x="9500091" y="999625"/>
+                  <a:ext cx="3237594" cy="5210675"/>
+                </a:xfrm>
+                <a:prstGeom prst="roundRect">
+                  <a:avLst/>
+                </a:prstGeom>
+                <a:noFill/>
+                <a:ln w="38100">
+                  <a:solidFill>
+                    <a:srgbClr val="92D6B7"/>
+                  </a:solidFill>
+                </a:ln>
+              </p:spPr>
+              <p:style>
+                <a:lnRef idx="2">
+                  <a:schemeClr val="accent1">
+                    <a:shade val="50000"/>
+                  </a:schemeClr>
+                </a:lnRef>
+                <a:fillRef idx="1">
+                  <a:schemeClr val="accent1"/>
+                </a:fillRef>
+                <a:effectRef idx="0">
+                  <a:schemeClr val="accent1"/>
+                </a:effectRef>
+                <a:fontRef idx="minor">
+                  <a:schemeClr val="lt1"/>
+                </a:fontRef>
+              </p:style>
+              <p:txBody>
+                <a:bodyPr rtlCol="0" anchor="ctr"/>
+                <a:lstStyle/>
+                <a:p>
+                  <a:pPr algn="ctr"/>
+                  <a:endParaRPr lang="en-US" sz="1350"/>
+                </a:p>
+              </p:txBody>
+            </p:sp>
+            <p:sp>
+              <p:nvSpPr>
+                <p:cNvPr id="91" name="Rectangle: Rounded Corners 90">
+                  <a:extLst>
+                    <a:ext uri="{FF2B5EF4-FFF2-40B4-BE49-F238E27FC236}">
+                      <a16:creationId xmlns:a16="http://schemas.microsoft.com/office/drawing/2014/main" id="{0700E220-3595-484B-9E16-A2EF0925DFA5}"/>
+                    </a:ext>
+                  </a:extLst>
+                </p:cNvPr>
+                <p:cNvSpPr/>
+                <p:nvPr/>
+              </p:nvSpPr>
+              <p:spPr>
+                <a:xfrm>
+                  <a:off x="12963592" y="994522"/>
+                  <a:ext cx="3237594" cy="5215778"/>
+                </a:xfrm>
+                <a:prstGeom prst="roundRect">
+                  <a:avLst/>
+                </a:prstGeom>
+                <a:noFill/>
+                <a:ln w="38100">
+                  <a:solidFill>
+                    <a:srgbClr val="92D6B7"/>
+                  </a:solidFill>
+                </a:ln>
+              </p:spPr>
+              <p:style>
+                <a:lnRef idx="2">
+                  <a:schemeClr val="accent1">
+                    <a:shade val="50000"/>
+                  </a:schemeClr>
+                </a:lnRef>
+                <a:fillRef idx="1">
+                  <a:schemeClr val="accent1"/>
+                </a:fillRef>
+                <a:effectRef idx="0">
+                  <a:schemeClr val="accent1"/>
+                </a:effectRef>
+                <a:fontRef idx="minor">
+                  <a:schemeClr val="lt1"/>
+                </a:fontRef>
+              </p:style>
+              <p:txBody>
+                <a:bodyPr rtlCol="0" anchor="ctr"/>
+                <a:lstStyle/>
+                <a:p>
+                  <a:pPr algn="ctr"/>
+                  <a:endParaRPr lang="en-US" sz="1350"/>
+                </a:p>
+              </p:txBody>
+            </p:sp>
+            <p:sp>
+              <p:nvSpPr>
+                <p:cNvPr id="92" name="Rectangle: Rounded Corners 91">
+                  <a:extLst>
+                    <a:ext uri="{FF2B5EF4-FFF2-40B4-BE49-F238E27FC236}">
+                      <a16:creationId xmlns:a16="http://schemas.microsoft.com/office/drawing/2014/main" id="{176E6B87-BFB6-4EA0-9DDA-380BB3FD0828}"/>
+                    </a:ext>
+                  </a:extLst>
+                </p:cNvPr>
+                <p:cNvSpPr/>
+                <p:nvPr/>
+              </p:nvSpPr>
+              <p:spPr>
+                <a:xfrm>
+                  <a:off x="16340173" y="950941"/>
+                  <a:ext cx="3237594" cy="5259359"/>
+                </a:xfrm>
+                <a:prstGeom prst="roundRect">
+                  <a:avLst/>
+                </a:prstGeom>
+                <a:noFill/>
+                <a:ln w="38100">
+                  <a:solidFill>
+                    <a:srgbClr val="92D6B7"/>
+                  </a:solidFill>
+                </a:ln>
+              </p:spPr>
+              <p:style>
+                <a:lnRef idx="2">
+                  <a:schemeClr val="accent1">
+                    <a:shade val="50000"/>
+                  </a:schemeClr>
+                </a:lnRef>
+                <a:fillRef idx="1">
+                  <a:schemeClr val="accent1"/>
+                </a:fillRef>
+                <a:effectRef idx="0">
+                  <a:schemeClr val="accent1"/>
+                </a:effectRef>
+                <a:fontRef idx="minor">
+                  <a:schemeClr val="lt1"/>
+                </a:fontRef>
+              </p:style>
+              <p:txBody>
+                <a:bodyPr rtlCol="0" anchor="ctr"/>
+                <a:lstStyle/>
+                <a:p>
+                  <a:pPr algn="ctr"/>
+                  <a:endParaRPr lang="en-US" sz="1350"/>
+                </a:p>
+              </p:txBody>
+            </p:sp>
+            <p:sp>
+              <p:nvSpPr>
+                <p:cNvPr id="93" name="TextBox 92">
+                  <a:extLst>
+                    <a:ext uri="{FF2B5EF4-FFF2-40B4-BE49-F238E27FC236}">
+                      <a16:creationId xmlns:a16="http://schemas.microsoft.com/office/drawing/2014/main" id="{9E57FEA0-B111-4B71-87E4-4D2F69C8F3E2}"/>
+                    </a:ext>
+                  </a:extLst>
+                </p:cNvPr>
+                <p:cNvSpPr txBox="1"/>
+                <p:nvPr/>
+              </p:nvSpPr>
+              <p:spPr>
+                <a:xfrm>
+                  <a:off x="17519706" y="4773535"/>
+                  <a:ext cx="1868613" cy="1207282"/>
+                </a:xfrm>
+                <a:prstGeom prst="rect">
+                  <a:avLst/>
+                </a:prstGeom>
+                <a:noFill/>
+              </p:spPr>
+              <p:txBody>
+                <a:bodyPr wrap="square" rtlCol="0">
+                  <a:spAutoFit/>
+                </a:bodyPr>
+                <a:lstStyle/>
+                <a:p>
+                  <a:r>
+                    <a:rPr lang="en-US" sz="2273" dirty="0">
+                      <a:latin typeface="Times New Roman" panose="02020603050405020304" pitchFamily="18" charset="0"/>
+                      <a:ea typeface="Calibri" panose="020F0502020204030204" pitchFamily="34" charset="0"/>
+                      <a:cs typeface="Times New Roman" panose="02020603050405020304" pitchFamily="18" charset="0"/>
+                    </a:rPr>
+                    <a:t>k</a:t>
+                  </a:r>
+                  <a:r>
+                    <a:rPr lang="en-US" sz="2273" baseline="-25000" dirty="0">
+                      <a:latin typeface="Times New Roman" panose="02020603050405020304" pitchFamily="18" charset="0"/>
+                      <a:ea typeface="Calibri" panose="020F0502020204030204" pitchFamily="34" charset="0"/>
+                      <a:cs typeface="Times New Roman" panose="02020603050405020304" pitchFamily="18" charset="0"/>
+                    </a:rPr>
+                    <a:t>i</a:t>
+                  </a:r>
+                  <a:r>
+                    <a:rPr lang="en-US" sz="2273" baseline="30000" dirty="0">
+                      <a:latin typeface="Times New Roman" panose="02020603050405020304" pitchFamily="18" charset="0"/>
+                      <a:ea typeface="Calibri" panose="020F0502020204030204" pitchFamily="34" charset="0"/>
+                      <a:cs typeface="Times New Roman" panose="02020603050405020304" pitchFamily="18" charset="0"/>
+                    </a:rPr>
+                    <a:t>+ </a:t>
+                  </a:r>
+                  <a:r>
+                    <a:rPr lang="en-US" sz="2273" dirty="0">
+                      <a:latin typeface="Times New Roman" panose="02020603050405020304" pitchFamily="18" charset="0"/>
+                      <a:cs typeface="Times New Roman" panose="02020603050405020304" pitchFamily="18" charset="0"/>
+                    </a:rPr>
+                    <a:t>= </a:t>
+                  </a:r>
+                  <a:r>
+                    <a:rPr lang="en-US" sz="2274" dirty="0">
+                      <a:latin typeface="Times New Roman" panose="02020603050405020304" pitchFamily="18" charset="0"/>
+                      <a:cs typeface="Times New Roman" panose="02020603050405020304" pitchFamily="18" charset="0"/>
+                    </a:rPr>
+                    <a:t>1</a:t>
+                  </a:r>
+                </a:p>
+                <a:p>
+                  <a:r>
+                    <a:rPr lang="en-US" sz="2273" dirty="0">
+                      <a:latin typeface="Times New Roman" panose="02020603050405020304" pitchFamily="18" charset="0"/>
+                      <a:ea typeface="Calibri" panose="020F0502020204030204" pitchFamily="34" charset="0"/>
+                      <a:cs typeface="Times New Roman" panose="02020603050405020304" pitchFamily="18" charset="0"/>
+                    </a:rPr>
+                    <a:t>k</a:t>
+                  </a:r>
+                  <a:r>
+                    <a:rPr lang="en-US" sz="2273" baseline="-25000" dirty="0">
+                      <a:latin typeface="Times New Roman" panose="02020603050405020304" pitchFamily="18" charset="0"/>
+                      <a:ea typeface="Calibri" panose="020F0502020204030204" pitchFamily="34" charset="0"/>
+                      <a:cs typeface="Times New Roman" panose="02020603050405020304" pitchFamily="18" charset="0"/>
+                    </a:rPr>
+                    <a:t>i</a:t>
+                  </a:r>
+                  <a:r>
+                    <a:rPr lang="en-US" sz="2273" baseline="30000" dirty="0">
+                      <a:latin typeface="Times New Roman" panose="02020603050405020304" pitchFamily="18" charset="0"/>
+                      <a:ea typeface="Calibri" panose="020F0502020204030204" pitchFamily="34" charset="0"/>
+                      <a:cs typeface="Times New Roman" panose="02020603050405020304" pitchFamily="18" charset="0"/>
+                    </a:rPr>
+                    <a:t>- </a:t>
+                  </a:r>
+                  <a:r>
+                    <a:rPr lang="en-US" sz="2274" dirty="0">
+                      <a:latin typeface="Times New Roman" panose="02020603050405020304" pitchFamily="18" charset="0"/>
+                      <a:cs typeface="Times New Roman" panose="02020603050405020304" pitchFamily="18" charset="0"/>
+                    </a:rPr>
+                    <a:t>= 0</a:t>
+                  </a:r>
+                </a:p>
+                <a:p>
+                  <a:r>
+                    <a:rPr lang="el-GR" sz="2273" dirty="0">
+                      <a:latin typeface="Times New Roman" panose="02020603050405020304" pitchFamily="18" charset="0"/>
+                      <a:ea typeface="Calibri" panose="020F0502020204030204" pitchFamily="34" charset="0"/>
+                      <a:cs typeface="Times New Roman" panose="02020603050405020304" pitchFamily="18" charset="0"/>
+                    </a:rPr>
+                    <a:t>ρ</a:t>
+                  </a:r>
+                  <a:r>
+                    <a:rPr lang="en-US" sz="2273" baseline="-25000" dirty="0">
+                      <a:latin typeface="Times New Roman" panose="02020603050405020304" pitchFamily="18" charset="0"/>
+                      <a:ea typeface="Calibri" panose="020F0502020204030204" pitchFamily="34" charset="0"/>
+                      <a:cs typeface="Times New Roman" panose="02020603050405020304" pitchFamily="18" charset="0"/>
+                    </a:rPr>
+                    <a:t>i </a:t>
+                  </a:r>
+                  <a:r>
+                    <a:rPr lang="el-GR" sz="2400" dirty="0">
+                      <a:solidFill>
+                        <a:srgbClr val="202124"/>
+                      </a:solidFill>
+                      <a:latin typeface="Times New Roman" panose="02020603050405020304" pitchFamily="18" charset="0"/>
+                      <a:cs typeface="Times New Roman" panose="02020603050405020304" pitchFamily="18" charset="0"/>
+                    </a:rPr>
+                    <a:t> </a:t>
+                  </a:r>
+                  <a:r>
+                    <a:rPr lang="en-US" sz="2274" dirty="0">
+                      <a:latin typeface="Times New Roman" panose="02020603050405020304" pitchFamily="18" charset="0"/>
+                      <a:cs typeface="Times New Roman" panose="02020603050405020304" pitchFamily="18" charset="0"/>
+                    </a:rPr>
+                    <a:t>= 1.0</a:t>
+                  </a:r>
+                </a:p>
+              </p:txBody>
+            </p:sp>
+          </p:grpSp>
+        </p:grpSp>
+        <p:sp>
+          <p:nvSpPr>
+            <p:cNvPr id="69" name="TextBox 68">
+              <a:extLst>
+                <a:ext uri="{FF2B5EF4-FFF2-40B4-BE49-F238E27FC236}">
+                  <a16:creationId xmlns:a16="http://schemas.microsoft.com/office/drawing/2014/main" id="{16B228B2-2614-4DD7-89E3-A519919B6744}"/>
+                </a:ext>
+              </a:extLst>
+            </p:cNvPr>
+            <p:cNvSpPr txBox="1"/>
+            <p:nvPr/>
+          </p:nvSpPr>
+          <p:spPr>
+            <a:xfrm>
+              <a:off x="9943064" y="10279330"/>
+              <a:ext cx="2824431" cy="459828"/>
+            </a:xfrm>
+            <a:prstGeom prst="rect">
+              <a:avLst/>
+            </a:prstGeom>
+            <a:solidFill>
+              <a:schemeClr val="bg1"/>
+            </a:solidFill>
+          </p:spPr>
+          <p:txBody>
+            <a:bodyPr wrap="none" rtlCol="0">
+              <a:spAutoFit/>
+            </a:bodyPr>
+            <a:lstStyle/>
+            <a:p>
+              <a:r>
+                <a:rPr lang="en-US" sz="2275" dirty="0">
+                  <a:latin typeface="Times New Roman" panose="02020603050405020304" pitchFamily="18" charset="0"/>
+                  <a:cs typeface="Times New Roman" panose="02020603050405020304" pitchFamily="18" charset="0"/>
+                </a:rPr>
+                <a:t>Ligand Degree Ratio</a:t>
+              </a:r>
+            </a:p>
+          </p:txBody>
+        </p:sp>
+        <p:grpSp>
+          <p:nvGrpSpPr>
+            <p:cNvPr id="70" name="Group 69">
+              <a:extLst>
+                <a:ext uri="{FF2B5EF4-FFF2-40B4-BE49-F238E27FC236}">
+                  <a16:creationId xmlns:a16="http://schemas.microsoft.com/office/drawing/2014/main" id="{5410308B-A2C9-424C-BB73-C300B13763EE}"/>
+                </a:ext>
+              </a:extLst>
+            </p:cNvPr>
+            <p:cNvGrpSpPr/>
+            <p:nvPr/>
+          </p:nvGrpSpPr>
+          <p:grpSpPr>
+            <a:xfrm>
+              <a:off x="3651392" y="1359539"/>
+              <a:ext cx="6529249" cy="4461590"/>
+              <a:chOff x="2086454" y="1074336"/>
+              <a:chExt cx="6529249" cy="4461590"/>
+            </a:xfrm>
+          </p:grpSpPr>
+          <p:pic>
+            <p:nvPicPr>
+              <p:cNvPr id="71" name="Picture 6">
+                <a:extLst>
+                  <a:ext uri="{FF2B5EF4-FFF2-40B4-BE49-F238E27FC236}">
+                    <a16:creationId xmlns:a16="http://schemas.microsoft.com/office/drawing/2014/main" id="{62DACA0E-DF95-4FC5-A165-3DFFAD8FB868}"/>
+                  </a:ext>
+                </a:extLst>
+              </p:cNvPr>
+              <p:cNvPicPr>
+                <a:picLocks noChangeAspect="1" noChangeArrowheads="1"/>
+              </p:cNvPicPr>
+              <p:nvPr/>
+            </p:nvPicPr>
+            <p:blipFill>
+              <a:blip r:embed="rId12">
+                <a:extLst>
+                  <a:ext uri="{28A0092B-C50C-407E-A947-70E740481C1C}">
+                    <a14:useLocalDpi xmlns:a14="http://schemas.microsoft.com/office/drawing/2010/main" val="0"/>
+                  </a:ext>
+                </a:extLst>
+              </a:blip>
+              <a:srcRect/>
+              <a:stretch>
+                <a:fillRect/>
+              </a:stretch>
+            </p:blipFill>
+            <p:spPr bwMode="auto">
+              <a:xfrm>
+                <a:off x="2086454" y="1074336"/>
+                <a:ext cx="6529249" cy="4430562"/>
+              </a:xfrm>
+              <a:prstGeom prst="rect">
+                <a:avLst/>
+              </a:prstGeom>
+              <a:noFill/>
+              <a:extLst>
+                <a:ext uri="{909E8E84-426E-40DD-AFC4-6F175D3DCCD1}">
+                  <a14:hiddenFill xmlns:a14="http://schemas.microsoft.com/office/drawing/2010/main">
+                    <a:solidFill>
+                      <a:srgbClr val="FFFFFF"/>
+                    </a:solidFill>
+                  </a14:hiddenFill>
+                </a:ext>
+              </a:extLst>
+            </p:spPr>
+          </p:pic>
+          <p:sp>
+            <p:nvSpPr>
+              <p:cNvPr id="72" name="TextBox 71">
+                <a:extLst>
+                  <a:ext uri="{FF2B5EF4-FFF2-40B4-BE49-F238E27FC236}">
+                    <a16:creationId xmlns:a16="http://schemas.microsoft.com/office/drawing/2014/main" id="{F2A7D6BA-D647-48D0-A85B-A6BF32105D15}"/>
+                  </a:ext>
+                </a:extLst>
+              </p:cNvPr>
+              <p:cNvSpPr txBox="1"/>
+              <p:nvPr/>
+            </p:nvSpPr>
+            <p:spPr>
+              <a:xfrm>
+                <a:off x="4666062" y="4960141"/>
+                <a:ext cx="2036338" cy="575785"/>
+              </a:xfrm>
+              <a:prstGeom prst="rect">
+                <a:avLst/>
+              </a:prstGeom>
+              <a:solidFill>
+                <a:schemeClr val="bg1"/>
+              </a:solidFill>
+            </p:spPr>
+            <p:txBody>
+              <a:bodyPr wrap="square" rtlCol="0">
+                <a:spAutoFit/>
+              </a:bodyPr>
+              <a:lstStyle/>
+              <a:p>
+                <a:r>
+                  <a:rPr lang="en-US" sz="1500" dirty="0">
+                    <a:solidFill>
+                      <a:srgbClr val="202124"/>
+                    </a:solidFill>
+                    <a:latin typeface="Times New Roman" panose="02020603050405020304" pitchFamily="18" charset="0"/>
+                    <a:cs typeface="Times New Roman" panose="02020603050405020304" pitchFamily="18" charset="0"/>
+                  </a:rPr>
+                  <a:t>Ligand degree ratio (</a:t>
+                </a:r>
+                <a:r>
+                  <a:rPr lang="el-GR" sz="1500" dirty="0">
+                    <a:solidFill>
+                      <a:srgbClr val="202124"/>
+                    </a:solidFill>
+                    <a:latin typeface="Times New Roman" panose="02020603050405020304" pitchFamily="18" charset="0"/>
+                    <a:cs typeface="Times New Roman" panose="02020603050405020304" pitchFamily="18" charset="0"/>
+                  </a:rPr>
+                  <a:t>ρ</a:t>
+                </a:r>
+                <a:r>
+                  <a:rPr lang="en-US" sz="1500" dirty="0">
+                    <a:solidFill>
+                      <a:srgbClr val="202124"/>
+                    </a:solidFill>
+                    <a:latin typeface="Times New Roman" panose="02020603050405020304" pitchFamily="18" charset="0"/>
+                    <a:cs typeface="Times New Roman" panose="02020603050405020304" pitchFamily="18" charset="0"/>
+                  </a:rPr>
+                  <a:t>)</a:t>
+                </a:r>
+                <a:endParaRPr lang="en-US" sz="1500" dirty="0">
+                  <a:latin typeface="Times New Roman" panose="02020603050405020304" pitchFamily="18" charset="0"/>
+                  <a:cs typeface="Times New Roman" panose="02020603050405020304" pitchFamily="18" charset="0"/>
+                </a:endParaRPr>
+              </a:p>
+            </p:txBody>
+          </p:sp>
+          <p:sp>
+            <p:nvSpPr>
+              <p:cNvPr id="73" name="TextBox 72">
+                <a:extLst>
+                  <a:ext uri="{FF2B5EF4-FFF2-40B4-BE49-F238E27FC236}">
+                    <a16:creationId xmlns:a16="http://schemas.microsoft.com/office/drawing/2014/main" id="{1ED405A2-99CC-401F-BE96-4D8CD23F047F}"/>
+                  </a:ext>
+                </a:extLst>
+              </p:cNvPr>
+              <p:cNvSpPr txBox="1"/>
+              <p:nvPr/>
+            </p:nvSpPr>
+            <p:spPr>
+              <a:xfrm rot="16200000">
+                <a:off x="1162863" y="2786866"/>
+                <a:ext cx="2193496" cy="346311"/>
+              </a:xfrm>
+              <a:prstGeom prst="rect">
+                <a:avLst/>
+              </a:prstGeom>
+              <a:solidFill>
+                <a:schemeClr val="bg1"/>
+              </a:solidFill>
+            </p:spPr>
+            <p:txBody>
+              <a:bodyPr wrap="square" rtlCol="0">
+                <a:spAutoFit/>
+              </a:bodyPr>
+              <a:lstStyle/>
+              <a:p>
+                <a:r>
+                  <a:rPr lang="en-US" sz="1500" dirty="0">
+                    <a:solidFill>
+                      <a:srgbClr val="202124"/>
+                    </a:solidFill>
+                    <a:latin typeface="Times New Roman" panose="02020603050405020304" pitchFamily="18" charset="0"/>
+                    <a:cs typeface="Times New Roman" panose="02020603050405020304" pitchFamily="18" charset="0"/>
+                  </a:rPr>
+                  <a:t>DeepPurpose Prediction</a:t>
+                </a:r>
+                <a:endParaRPr lang="en-US" sz="1500" dirty="0">
+                  <a:latin typeface="Times New Roman" panose="02020603050405020304" pitchFamily="18" charset="0"/>
+                  <a:cs typeface="Times New Roman" panose="02020603050405020304" pitchFamily="18" charset="0"/>
+                </a:endParaRPr>
+              </a:p>
+            </p:txBody>
+          </p:sp>
+        </p:grpSp>
+      </p:grpSp>
     </p:spTree>
     <p:extLst>
       <p:ext uri="{BB962C8B-B14F-4D97-AF65-F5344CB8AC3E}">

--- a/Images/fig1a.pptx
+++ b/Images/fig1a.pptx
@@ -3558,66 +3558,12 @@
           </a:p>
         </p:txBody>
       </p:sp>
-      <p:sp>
-        <p:nvSpPr>
-          <p:cNvPr id="126" name="Rectangle 125">
+      <p:pic>
+        <p:nvPicPr>
+          <p:cNvPr id="1026" name="Picture 2">
             <a:extLst>
               <a:ext uri="{FF2B5EF4-FFF2-40B4-BE49-F238E27FC236}">
-                <a16:creationId xmlns:a16="http://schemas.microsoft.com/office/drawing/2014/main" id="{C9B9931C-2BAD-4A90-B9A3-E527ABBA8E2F}"/>
-              </a:ext>
-            </a:extLst>
-          </p:cNvPr>
-          <p:cNvSpPr/>
-          <p:nvPr/>
-        </p:nvSpPr>
-        <p:spPr>
-          <a:xfrm>
-            <a:off x="18439097" y="11347420"/>
-            <a:ext cx="2132391" cy="902447"/>
-          </a:xfrm>
-          <a:prstGeom prst="rect">
-            <a:avLst/>
-          </a:prstGeom>
-          <a:solidFill>
-            <a:schemeClr val="bg1"/>
-          </a:solidFill>
-          <a:ln>
-            <a:solidFill>
-              <a:schemeClr val="bg1"/>
-            </a:solidFill>
-          </a:ln>
-        </p:spPr>
-        <p:style>
-          <a:lnRef idx="2">
-            <a:schemeClr val="accent1">
-              <a:shade val="50000"/>
-            </a:schemeClr>
-          </a:lnRef>
-          <a:fillRef idx="1">
-            <a:schemeClr val="accent1"/>
-          </a:fillRef>
-          <a:effectRef idx="0">
-            <a:schemeClr val="accent1"/>
-          </a:effectRef>
-          <a:fontRef idx="minor">
-            <a:schemeClr val="lt1"/>
-          </a:fontRef>
-        </p:style>
-        <p:txBody>
-          <a:bodyPr rtlCol="0" anchor="ctr"/>
-          <a:lstStyle/>
-          <a:p>
-            <a:pPr algn="ctr"/>
-            <a:endParaRPr lang="en-US" sz="1350"/>
-          </a:p>
-        </p:txBody>
-      </p:sp>
-      <p:pic>
-        <p:nvPicPr>
-          <p:cNvPr id="1030" name="Picture 6">
-            <a:extLst>
-              <a:ext uri="{FF2B5EF4-FFF2-40B4-BE49-F238E27FC236}">
-                <a16:creationId xmlns:a16="http://schemas.microsoft.com/office/drawing/2014/main" id="{C2E8ADE5-8023-452E-97E9-0E1BA58C420D}"/>
+                <a16:creationId xmlns:a16="http://schemas.microsoft.com/office/drawing/2014/main" id="{98B54965-0B61-4D59-89FC-DA748191CF65}"/>
               </a:ext>
             </a:extLst>
           </p:cNvPr>
@@ -3641,1391 +3587,7 @@
         </p:blipFill>
         <p:spPr bwMode="auto">
           <a:xfrm>
-            <a:off x="1133118" y="11173137"/>
-            <a:ext cx="19728579" cy="9846669"/>
-          </a:xfrm>
-          <a:prstGeom prst="rect">
-            <a:avLst/>
-          </a:prstGeom>
-          <a:noFill/>
-          <a:extLst>
-            <a:ext uri="{909E8E84-426E-40DD-AFC4-6F175D3DCCD1}">
-              <a14:hiddenFill xmlns:a14="http://schemas.microsoft.com/office/drawing/2010/main">
-                <a:solidFill>
-                  <a:srgbClr val="FFFFFF"/>
-                </a:solidFill>
-              </a14:hiddenFill>
-            </a:ext>
-          </a:extLst>
-        </p:spPr>
-      </p:pic>
-      <p:sp>
-        <p:nvSpPr>
-          <p:cNvPr id="158" name="TextBox 157">
-            <a:extLst>
-              <a:ext uri="{FF2B5EF4-FFF2-40B4-BE49-F238E27FC236}">
-                <a16:creationId xmlns:a16="http://schemas.microsoft.com/office/drawing/2014/main" id="{64AD3884-BD52-4426-9106-5A4CB2C37390}"/>
-              </a:ext>
-            </a:extLst>
-          </p:cNvPr>
-          <p:cNvSpPr txBox="1"/>
-          <p:nvPr/>
-        </p:nvSpPr>
-        <p:spPr>
-          <a:xfrm>
-            <a:off x="9943064" y="20735718"/>
-            <a:ext cx="2728233" cy="459828"/>
-          </a:xfrm>
-          <a:prstGeom prst="rect">
-            <a:avLst/>
-          </a:prstGeom>
-          <a:solidFill>
-            <a:schemeClr val="bg1"/>
-          </a:solidFill>
-        </p:spPr>
-        <p:txBody>
-          <a:bodyPr wrap="none" rtlCol="0">
-            <a:spAutoFit/>
-          </a:bodyPr>
-          <a:lstStyle/>
-          <a:p>
-            <a:r>
-              <a:rPr lang="en-US" sz="2275" dirty="0">
-                <a:latin typeface="Times New Roman" panose="02020603050405020304" pitchFamily="18" charset="0"/>
-                <a:cs typeface="Times New Roman" panose="02020603050405020304" pitchFamily="18" charset="0"/>
-              </a:rPr>
-              <a:t>Target Degree Ratio</a:t>
-            </a:r>
-          </a:p>
-        </p:txBody>
-      </p:sp>
-      <p:sp>
-        <p:nvSpPr>
-          <p:cNvPr id="160" name="TextBox 159">
-            <a:extLst>
-              <a:ext uri="{FF2B5EF4-FFF2-40B4-BE49-F238E27FC236}">
-                <a16:creationId xmlns:a16="http://schemas.microsoft.com/office/drawing/2014/main" id="{22E8D8C7-B220-48D6-BB2E-E3B5367CC446}"/>
-              </a:ext>
-            </a:extLst>
-          </p:cNvPr>
-          <p:cNvSpPr txBox="1"/>
-          <p:nvPr/>
-        </p:nvSpPr>
-        <p:spPr>
-          <a:xfrm rot="16200000">
-            <a:off x="826051" y="15657552"/>
-            <a:ext cx="746721" cy="474117"/>
-          </a:xfrm>
-          <a:prstGeom prst="rect">
-            <a:avLst/>
-          </a:prstGeom>
-          <a:solidFill>
-            <a:schemeClr val="bg1"/>
-          </a:solidFill>
-        </p:spPr>
-        <p:txBody>
-          <a:bodyPr wrap="none" rtlCol="0">
-            <a:spAutoFit/>
-          </a:bodyPr>
-          <a:lstStyle/>
-          <a:p>
-            <a:r>
-              <a:rPr lang="en-US" sz="2275" dirty="0">
-                <a:latin typeface="Times New Roman" panose="02020603050405020304" pitchFamily="18" charset="0"/>
-                <a:cs typeface="Times New Roman" panose="02020603050405020304" pitchFamily="18" charset="0"/>
-              </a:rPr>
-              <a:t>PDF</a:t>
-            </a:r>
-          </a:p>
-        </p:txBody>
-      </p:sp>
-      <p:sp>
-        <p:nvSpPr>
-          <p:cNvPr id="162" name="Rectangle 161">
-            <a:extLst>
-              <a:ext uri="{FF2B5EF4-FFF2-40B4-BE49-F238E27FC236}">
-                <a16:creationId xmlns:a16="http://schemas.microsoft.com/office/drawing/2014/main" id="{4FB1647F-E5E7-4CE2-9401-7C354253E177}"/>
-              </a:ext>
-            </a:extLst>
-          </p:cNvPr>
-          <p:cNvSpPr/>
-          <p:nvPr/>
-        </p:nvSpPr>
-        <p:spPr>
-          <a:xfrm>
-            <a:off x="3603908" y="11684891"/>
-            <a:ext cx="6729956" cy="4583080"/>
-          </a:xfrm>
-          <a:prstGeom prst="rect">
-            <a:avLst/>
-          </a:prstGeom>
-          <a:solidFill>
-            <a:schemeClr val="bg1"/>
-          </a:solidFill>
-          <a:ln>
-            <a:solidFill>
-              <a:schemeClr val="bg1"/>
-            </a:solidFill>
-          </a:ln>
-        </p:spPr>
-        <p:style>
-          <a:lnRef idx="2">
-            <a:schemeClr val="accent1">
-              <a:shade val="50000"/>
-            </a:schemeClr>
-          </a:lnRef>
-          <a:fillRef idx="1">
-            <a:schemeClr val="accent1"/>
-          </a:fillRef>
-          <a:effectRef idx="0">
-            <a:schemeClr val="accent1"/>
-          </a:effectRef>
-          <a:fontRef idx="minor">
-            <a:schemeClr val="lt1"/>
-          </a:fontRef>
-        </p:style>
-        <p:txBody>
-          <a:bodyPr rtlCol="0" anchor="ctr"/>
-          <a:lstStyle/>
-          <a:p>
-            <a:pPr algn="ctr"/>
-            <a:endParaRPr lang="en-US"/>
-          </a:p>
-        </p:txBody>
-      </p:sp>
-      <p:grpSp>
-        <p:nvGrpSpPr>
-          <p:cNvPr id="20" name="Group 19">
-            <a:extLst>
-              <a:ext uri="{FF2B5EF4-FFF2-40B4-BE49-F238E27FC236}">
-                <a16:creationId xmlns:a16="http://schemas.microsoft.com/office/drawing/2014/main" id="{9B7703BD-C064-4168-B194-CBBC7476C3A8}"/>
-              </a:ext>
-            </a:extLst>
-          </p:cNvPr>
-          <p:cNvGrpSpPr/>
-          <p:nvPr/>
-        </p:nvGrpSpPr>
-        <p:grpSpPr>
-          <a:xfrm>
-            <a:off x="3557402" y="11575731"/>
-            <a:ext cx="6623471" cy="4463546"/>
-            <a:chOff x="3583115" y="11550254"/>
-            <a:chExt cx="6623471" cy="4463546"/>
-          </a:xfrm>
-        </p:grpSpPr>
-        <p:pic>
-          <p:nvPicPr>
-            <p:cNvPr id="163" name="Picture 8">
-              <a:extLst>
-                <a:ext uri="{FF2B5EF4-FFF2-40B4-BE49-F238E27FC236}">
-                  <a16:creationId xmlns:a16="http://schemas.microsoft.com/office/drawing/2014/main" id="{3EF9E4DC-A50C-4027-B550-33D07ED44E13}"/>
-                </a:ext>
-              </a:extLst>
-            </p:cNvPr>
-            <p:cNvPicPr>
-              <a:picLocks noChangeAspect="1" noChangeArrowheads="1"/>
-            </p:cNvPicPr>
-            <p:nvPr/>
-          </p:nvPicPr>
-          <p:blipFill>
-            <a:blip r:embed="rId4">
-              <a:extLst>
-                <a:ext uri="{28A0092B-C50C-407E-A947-70E740481C1C}">
-                  <a14:useLocalDpi xmlns:a14="http://schemas.microsoft.com/office/drawing/2010/main" val="0"/>
-                </a:ext>
-              </a:extLst>
-            </a:blip>
-            <a:srcRect/>
-            <a:stretch>
-              <a:fillRect/>
-            </a:stretch>
-          </p:blipFill>
-          <p:spPr bwMode="auto">
-            <a:xfrm>
-              <a:off x="3603907" y="11550254"/>
-              <a:ext cx="6602679" cy="4463546"/>
-            </a:xfrm>
-            <a:prstGeom prst="rect">
-              <a:avLst/>
-            </a:prstGeom>
-            <a:noFill/>
-            <a:extLst>
-              <a:ext uri="{909E8E84-426E-40DD-AFC4-6F175D3DCCD1}">
-                <a14:hiddenFill xmlns:a14="http://schemas.microsoft.com/office/drawing/2010/main">
-                  <a:solidFill>
-                    <a:srgbClr val="FFFFFF"/>
-                  </a:solidFill>
-                </a14:hiddenFill>
-              </a:ext>
-            </a:extLst>
-          </p:spPr>
-        </p:pic>
-        <p:sp>
-          <p:nvSpPr>
-            <p:cNvPr id="164" name="TextBox 163">
-              <a:extLst>
-                <a:ext uri="{FF2B5EF4-FFF2-40B4-BE49-F238E27FC236}">
-                  <a16:creationId xmlns:a16="http://schemas.microsoft.com/office/drawing/2014/main" id="{50DDE504-0D56-47B8-8EC8-C66999E1945E}"/>
-                </a:ext>
-              </a:extLst>
-            </p:cNvPr>
-            <p:cNvSpPr txBox="1"/>
-            <p:nvPr/>
-          </p:nvSpPr>
-          <p:spPr>
-            <a:xfrm rot="16200000">
-              <a:off x="2615583" y="13288596"/>
-              <a:ext cx="2281376" cy="346311"/>
-            </a:xfrm>
-            <a:prstGeom prst="rect">
-              <a:avLst/>
-            </a:prstGeom>
-            <a:solidFill>
-              <a:schemeClr val="bg1"/>
-            </a:solidFill>
-          </p:spPr>
-          <p:txBody>
-            <a:bodyPr wrap="square" rtlCol="0">
-              <a:spAutoFit/>
-            </a:bodyPr>
-            <a:lstStyle/>
-            <a:p>
-              <a:r>
-                <a:rPr lang="en-US" sz="1500" dirty="0">
-                  <a:solidFill>
-                    <a:srgbClr val="202124"/>
-                  </a:solidFill>
-                  <a:latin typeface="Times New Roman" panose="02020603050405020304" pitchFamily="18" charset="0"/>
-                  <a:cs typeface="Times New Roman" panose="02020603050405020304" pitchFamily="18" charset="0"/>
-                </a:rPr>
-                <a:t>DeepPurpose Prediction</a:t>
-              </a:r>
-              <a:endParaRPr lang="en-US" sz="1500" dirty="0">
-                <a:latin typeface="Times New Roman" panose="02020603050405020304" pitchFamily="18" charset="0"/>
-                <a:cs typeface="Times New Roman" panose="02020603050405020304" pitchFamily="18" charset="0"/>
-              </a:endParaRPr>
-            </a:p>
-          </p:txBody>
-        </p:sp>
-        <p:sp>
-          <p:nvSpPr>
-            <p:cNvPr id="172" name="TextBox 171">
-              <a:extLst>
-                <a:ext uri="{FF2B5EF4-FFF2-40B4-BE49-F238E27FC236}">
-                  <a16:creationId xmlns:a16="http://schemas.microsoft.com/office/drawing/2014/main" id="{A5C6C90D-27F8-46B6-A39E-2134D19D4837}"/>
-                </a:ext>
-              </a:extLst>
-            </p:cNvPr>
-            <p:cNvSpPr txBox="1"/>
-            <p:nvPr/>
-          </p:nvSpPr>
-          <p:spPr>
-            <a:xfrm>
-              <a:off x="6214834" y="15665932"/>
-              <a:ext cx="2036338" cy="335874"/>
-            </a:xfrm>
-            <a:prstGeom prst="rect">
-              <a:avLst/>
-            </a:prstGeom>
-            <a:solidFill>
-              <a:schemeClr val="bg1"/>
-            </a:solidFill>
-          </p:spPr>
-          <p:txBody>
-            <a:bodyPr wrap="square" rtlCol="0">
-              <a:spAutoFit/>
-            </a:bodyPr>
-            <a:lstStyle/>
-            <a:p>
-              <a:r>
-                <a:rPr lang="en-US" sz="1500" dirty="0">
-                  <a:solidFill>
-                    <a:srgbClr val="202124"/>
-                  </a:solidFill>
-                  <a:latin typeface="Times New Roman" panose="02020603050405020304" pitchFamily="18" charset="0"/>
-                  <a:cs typeface="Times New Roman" panose="02020603050405020304" pitchFamily="18" charset="0"/>
-                </a:rPr>
-                <a:t>Target degree ratio (</a:t>
-              </a:r>
-              <a:r>
-                <a:rPr lang="el-GR" sz="1500" dirty="0">
-                  <a:solidFill>
-                    <a:srgbClr val="202124"/>
-                  </a:solidFill>
-                  <a:latin typeface="Times New Roman" panose="02020603050405020304" pitchFamily="18" charset="0"/>
-                  <a:cs typeface="Times New Roman" panose="02020603050405020304" pitchFamily="18" charset="0"/>
-                </a:rPr>
-                <a:t>ρ</a:t>
-              </a:r>
-              <a:r>
-                <a:rPr lang="en-US" sz="1500" dirty="0">
-                  <a:solidFill>
-                    <a:srgbClr val="202124"/>
-                  </a:solidFill>
-                  <a:latin typeface="Times New Roman" panose="02020603050405020304" pitchFamily="18" charset="0"/>
-                  <a:cs typeface="Times New Roman" panose="02020603050405020304" pitchFamily="18" charset="0"/>
-                </a:rPr>
-                <a:t>)</a:t>
-              </a:r>
-              <a:endParaRPr lang="en-US" sz="1500" dirty="0">
-                <a:latin typeface="Times New Roman" panose="02020603050405020304" pitchFamily="18" charset="0"/>
-                <a:cs typeface="Times New Roman" panose="02020603050405020304" pitchFamily="18" charset="0"/>
-              </a:endParaRPr>
-            </a:p>
-          </p:txBody>
-        </p:sp>
-      </p:grpSp>
-      <p:sp>
-        <p:nvSpPr>
-          <p:cNvPr id="173" name="Rectangle 172">
-            <a:extLst>
-              <a:ext uri="{FF2B5EF4-FFF2-40B4-BE49-F238E27FC236}">
-                <a16:creationId xmlns:a16="http://schemas.microsoft.com/office/drawing/2014/main" id="{170DF9EB-C08A-4E7A-A2AD-497FAE6EFD9B}"/>
-              </a:ext>
-            </a:extLst>
-          </p:cNvPr>
-          <p:cNvSpPr/>
-          <p:nvPr/>
-        </p:nvSpPr>
-        <p:spPr>
-          <a:xfrm>
-            <a:off x="6348718" y="16569295"/>
-            <a:ext cx="2689128" cy="857250"/>
-          </a:xfrm>
-          <a:prstGeom prst="rect">
-            <a:avLst/>
-          </a:prstGeom>
-          <a:solidFill>
-            <a:schemeClr val="bg1"/>
-          </a:solidFill>
-          <a:ln>
-            <a:solidFill>
-              <a:schemeClr val="bg1"/>
-            </a:solidFill>
-          </a:ln>
-        </p:spPr>
-        <p:style>
-          <a:lnRef idx="2">
-            <a:schemeClr val="accent1">
-              <a:shade val="50000"/>
-            </a:schemeClr>
-          </a:lnRef>
-          <a:fillRef idx="1">
-            <a:schemeClr val="accent1"/>
-          </a:fillRef>
-          <a:effectRef idx="0">
-            <a:schemeClr val="accent1"/>
-          </a:effectRef>
-          <a:fontRef idx="minor">
-            <a:schemeClr val="lt1"/>
-          </a:fontRef>
-        </p:style>
-        <p:txBody>
-          <a:bodyPr rtlCol="0" anchor="ctr"/>
-          <a:lstStyle/>
-          <a:p>
-            <a:pPr algn="ctr"/>
-            <a:endParaRPr lang="en-US"/>
-          </a:p>
-        </p:txBody>
-      </p:sp>
-      <p:grpSp>
-        <p:nvGrpSpPr>
-          <p:cNvPr id="174" name="Group 173">
-            <a:extLst>
-              <a:ext uri="{FF2B5EF4-FFF2-40B4-BE49-F238E27FC236}">
-                <a16:creationId xmlns:a16="http://schemas.microsoft.com/office/drawing/2014/main" id="{39C0A416-9868-405C-A660-6B48196A4FF7}"/>
-              </a:ext>
-            </a:extLst>
-          </p:cNvPr>
-          <p:cNvGrpSpPr/>
-          <p:nvPr/>
-        </p:nvGrpSpPr>
-        <p:grpSpPr>
-          <a:xfrm>
-            <a:off x="5677592" y="17348679"/>
-            <a:ext cx="2589746" cy="647759"/>
-            <a:chOff x="21483123" y="6219785"/>
-            <a:chExt cx="3222211" cy="830998"/>
-          </a:xfrm>
-        </p:grpSpPr>
-        <p:sp>
-          <p:nvSpPr>
-            <p:cNvPr id="175" name="TextBox 174">
-              <a:extLst>
-                <a:ext uri="{FF2B5EF4-FFF2-40B4-BE49-F238E27FC236}">
-                  <a16:creationId xmlns:a16="http://schemas.microsoft.com/office/drawing/2014/main" id="{5858BBF3-A672-4946-B4AA-C27459450044}"/>
-                </a:ext>
-              </a:extLst>
-            </p:cNvPr>
-            <p:cNvSpPr txBox="1"/>
-            <p:nvPr/>
-          </p:nvSpPr>
-          <p:spPr>
-            <a:xfrm>
-              <a:off x="22115703" y="6219785"/>
-              <a:ext cx="2589631" cy="430887"/>
-            </a:xfrm>
-            <a:prstGeom prst="rect">
-              <a:avLst/>
-            </a:prstGeom>
-            <a:solidFill>
-              <a:schemeClr val="bg1"/>
-            </a:solidFill>
-          </p:spPr>
-          <p:txBody>
-            <a:bodyPr wrap="square" rtlCol="0">
-              <a:spAutoFit/>
-            </a:bodyPr>
-            <a:lstStyle/>
-            <a:p>
-              <a:r>
-                <a:rPr lang="en-US" sz="1500" dirty="0">
-                  <a:solidFill>
-                    <a:srgbClr val="202124"/>
-                  </a:solidFill>
-                  <a:latin typeface="Times New Roman" panose="02020603050405020304" pitchFamily="18" charset="0"/>
-                  <a:cs typeface="Times New Roman" panose="02020603050405020304" pitchFamily="18" charset="0"/>
-                </a:rPr>
-                <a:t>Whole BindingDB</a:t>
-              </a:r>
-            </a:p>
-          </p:txBody>
-        </p:sp>
-        <p:sp>
-          <p:nvSpPr>
-            <p:cNvPr id="176" name="Rectangle 175">
-              <a:extLst>
-                <a:ext uri="{FF2B5EF4-FFF2-40B4-BE49-F238E27FC236}">
-                  <a16:creationId xmlns:a16="http://schemas.microsoft.com/office/drawing/2014/main" id="{45494D25-49E1-48D3-B0AA-7BC58B1EACC3}"/>
-                </a:ext>
-              </a:extLst>
-            </p:cNvPr>
-            <p:cNvSpPr/>
-            <p:nvPr/>
-          </p:nvSpPr>
-          <p:spPr>
-            <a:xfrm>
-              <a:off x="21483123" y="6296644"/>
-              <a:ext cx="440857" cy="247772"/>
-            </a:xfrm>
-            <a:prstGeom prst="rect">
-              <a:avLst/>
-            </a:prstGeom>
-            <a:solidFill>
-              <a:srgbClr val="D6E5F0"/>
-            </a:solidFill>
-          </p:spPr>
-          <p:style>
-            <a:lnRef idx="2">
-              <a:schemeClr val="accent1">
-                <a:shade val="50000"/>
-              </a:schemeClr>
-            </a:lnRef>
-            <a:fillRef idx="1">
-              <a:schemeClr val="accent1"/>
-            </a:fillRef>
-            <a:effectRef idx="0">
-              <a:schemeClr val="accent1"/>
-            </a:effectRef>
-            <a:fontRef idx="minor">
-              <a:schemeClr val="lt1"/>
-            </a:fontRef>
-          </p:style>
-          <p:txBody>
-            <a:bodyPr rtlCol="0" anchor="ctr"/>
-            <a:lstStyle/>
-            <a:p>
-              <a:pPr algn="ctr"/>
-              <a:endParaRPr lang="en-US" sz="1350"/>
-            </a:p>
-          </p:txBody>
-        </p:sp>
-        <p:sp>
-          <p:nvSpPr>
-            <p:cNvPr id="177" name="Rectangle 176">
-              <a:extLst>
-                <a:ext uri="{FF2B5EF4-FFF2-40B4-BE49-F238E27FC236}">
-                  <a16:creationId xmlns:a16="http://schemas.microsoft.com/office/drawing/2014/main" id="{1C119509-ABCF-4C6D-A4D2-E41ADE560C4A}"/>
-                </a:ext>
-              </a:extLst>
-            </p:cNvPr>
-            <p:cNvSpPr/>
-            <p:nvPr/>
-          </p:nvSpPr>
-          <p:spPr>
-            <a:xfrm>
-              <a:off x="21483123" y="6721369"/>
-              <a:ext cx="440857" cy="247772"/>
-            </a:xfrm>
-            <a:prstGeom prst="rect">
-              <a:avLst/>
-            </a:prstGeom>
-            <a:solidFill>
-              <a:srgbClr val="F9D0D0"/>
-            </a:solidFill>
-          </p:spPr>
-          <p:style>
-            <a:lnRef idx="2">
-              <a:schemeClr val="accent1">
-                <a:shade val="50000"/>
-              </a:schemeClr>
-            </a:lnRef>
-            <a:fillRef idx="1">
-              <a:schemeClr val="accent1"/>
-            </a:fillRef>
-            <a:effectRef idx="0">
-              <a:schemeClr val="accent1"/>
-            </a:effectRef>
-            <a:fontRef idx="minor">
-              <a:schemeClr val="lt1"/>
-            </a:fontRef>
-          </p:style>
-          <p:txBody>
-            <a:bodyPr rtlCol="0" anchor="ctr"/>
-            <a:lstStyle/>
-            <a:p>
-              <a:pPr algn="ctr"/>
-              <a:endParaRPr lang="en-US" sz="1350"/>
-            </a:p>
-          </p:txBody>
-        </p:sp>
-        <p:sp>
-          <p:nvSpPr>
-            <p:cNvPr id="178" name="TextBox 177">
-              <a:extLst>
-                <a:ext uri="{FF2B5EF4-FFF2-40B4-BE49-F238E27FC236}">
-                  <a16:creationId xmlns:a16="http://schemas.microsoft.com/office/drawing/2014/main" id="{B929704A-970C-4FD3-8A90-989B1D0202DA}"/>
-                </a:ext>
-              </a:extLst>
-            </p:cNvPr>
-            <p:cNvSpPr txBox="1"/>
-            <p:nvPr/>
-          </p:nvSpPr>
-          <p:spPr>
-            <a:xfrm>
-              <a:off x="22108850" y="6619896"/>
-              <a:ext cx="2589631" cy="430887"/>
-            </a:xfrm>
-            <a:prstGeom prst="rect">
-              <a:avLst/>
-            </a:prstGeom>
-            <a:solidFill>
-              <a:schemeClr val="bg1"/>
-            </a:solidFill>
-          </p:spPr>
-          <p:txBody>
-            <a:bodyPr wrap="square" rtlCol="0">
-              <a:spAutoFit/>
-            </a:bodyPr>
-            <a:lstStyle/>
-            <a:p>
-              <a:r>
-                <a:rPr lang="en-US" sz="1500" dirty="0">
-                  <a:solidFill>
-                    <a:srgbClr val="202124"/>
-                  </a:solidFill>
-                  <a:latin typeface="Times New Roman" panose="02020603050405020304" pitchFamily="18" charset="0"/>
-                  <a:cs typeface="Times New Roman" panose="02020603050405020304" pitchFamily="18" charset="0"/>
-                </a:rPr>
-                <a:t>False Positives</a:t>
-              </a:r>
-            </a:p>
-          </p:txBody>
-        </p:sp>
-      </p:grpSp>
-      <p:sp>
-        <p:nvSpPr>
-          <p:cNvPr id="184" name="TextBox 183">
-            <a:extLst>
-              <a:ext uri="{FF2B5EF4-FFF2-40B4-BE49-F238E27FC236}">
-                <a16:creationId xmlns:a16="http://schemas.microsoft.com/office/drawing/2014/main" id="{45B4C778-E141-4DF5-B09E-00545BFE86EC}"/>
-              </a:ext>
-            </a:extLst>
-          </p:cNvPr>
-          <p:cNvSpPr txBox="1"/>
-          <p:nvPr/>
-        </p:nvSpPr>
-        <p:spPr>
-          <a:xfrm>
-            <a:off x="14953374" y="11574011"/>
-            <a:ext cx="1143132" cy="459696"/>
-          </a:xfrm>
-          <a:prstGeom prst="rect">
-            <a:avLst/>
-          </a:prstGeom>
-          <a:noFill/>
-        </p:spPr>
-        <p:txBody>
-          <a:bodyPr wrap="square" rtlCol="0">
-            <a:spAutoFit/>
-          </a:bodyPr>
-          <a:lstStyle/>
-          <a:p>
-            <a:r>
-              <a:rPr lang="en-US" sz="2274" dirty="0">
-                <a:latin typeface="Times New Roman" panose="02020603050405020304" pitchFamily="18" charset="0"/>
-                <a:cs typeface="Times New Roman" panose="02020603050405020304" pitchFamily="18" charset="0"/>
-              </a:rPr>
-              <a:t>DAO</a:t>
-            </a:r>
-          </a:p>
-        </p:txBody>
-      </p:sp>
-      <p:sp>
-        <p:nvSpPr>
-          <p:cNvPr id="185" name="TextBox 184">
-            <a:extLst>
-              <a:ext uri="{FF2B5EF4-FFF2-40B4-BE49-F238E27FC236}">
-                <a16:creationId xmlns:a16="http://schemas.microsoft.com/office/drawing/2014/main" id="{6095029D-1062-4037-90BD-A0CECD1EE9C5}"/>
-              </a:ext>
-            </a:extLst>
-          </p:cNvPr>
-          <p:cNvSpPr txBox="1"/>
-          <p:nvPr/>
-        </p:nvSpPr>
-        <p:spPr>
-          <a:xfrm>
-            <a:off x="11116132" y="11575731"/>
-            <a:ext cx="1428215" cy="459696"/>
-          </a:xfrm>
-          <a:prstGeom prst="rect">
-            <a:avLst/>
-          </a:prstGeom>
-          <a:noFill/>
-        </p:spPr>
-        <p:txBody>
-          <a:bodyPr wrap="square" rtlCol="0">
-            <a:spAutoFit/>
-          </a:bodyPr>
-          <a:lstStyle/>
-          <a:p>
-            <a:r>
-              <a:rPr lang="en-US" sz="2274" dirty="0">
-                <a:latin typeface="Times New Roman" panose="02020603050405020304" pitchFamily="18" charset="0"/>
-                <a:cs typeface="Times New Roman" panose="02020603050405020304" pitchFamily="18" charset="0"/>
-              </a:rPr>
-              <a:t>AVPR1A</a:t>
-            </a:r>
-          </a:p>
-        </p:txBody>
-      </p:sp>
-      <p:sp>
-        <p:nvSpPr>
-          <p:cNvPr id="186" name="TextBox 185">
-            <a:extLst>
-              <a:ext uri="{FF2B5EF4-FFF2-40B4-BE49-F238E27FC236}">
-                <a16:creationId xmlns:a16="http://schemas.microsoft.com/office/drawing/2014/main" id="{87CEABDD-D50F-4897-B37C-EE0050044744}"/>
-              </a:ext>
-            </a:extLst>
-          </p:cNvPr>
-          <p:cNvSpPr txBox="1"/>
-          <p:nvPr/>
-        </p:nvSpPr>
-        <p:spPr>
-          <a:xfrm>
-            <a:off x="18340597" y="11566225"/>
-            <a:ext cx="959280" cy="459696"/>
-          </a:xfrm>
-          <a:prstGeom prst="rect">
-            <a:avLst/>
-          </a:prstGeom>
-          <a:noFill/>
-        </p:spPr>
-        <p:txBody>
-          <a:bodyPr wrap="square" rtlCol="0">
-            <a:spAutoFit/>
-          </a:bodyPr>
-          <a:lstStyle/>
-          <a:p>
-            <a:r>
-              <a:rPr lang="en-US" sz="2274" dirty="0">
-                <a:latin typeface="Times New Roman" panose="02020603050405020304" pitchFamily="18" charset="0"/>
-                <a:cs typeface="Times New Roman" panose="02020603050405020304" pitchFamily="18" charset="0"/>
-              </a:rPr>
-              <a:t>TOP1</a:t>
-            </a:r>
-          </a:p>
-        </p:txBody>
-      </p:sp>
-      <p:sp>
-        <p:nvSpPr>
-          <p:cNvPr id="187" name="Rectangle: Rounded Corners 186">
-            <a:extLst>
-              <a:ext uri="{FF2B5EF4-FFF2-40B4-BE49-F238E27FC236}">
-                <a16:creationId xmlns:a16="http://schemas.microsoft.com/office/drawing/2014/main" id="{7BF71878-780D-4703-8ED5-3B429FCE527C}"/>
-              </a:ext>
-            </a:extLst>
-          </p:cNvPr>
-          <p:cNvSpPr/>
-          <p:nvPr/>
-        </p:nvSpPr>
-        <p:spPr>
-          <a:xfrm>
-            <a:off x="10211443" y="11427540"/>
-            <a:ext cx="3237594" cy="5391544"/>
-          </a:xfrm>
-          <a:prstGeom prst="roundRect">
-            <a:avLst/>
-          </a:prstGeom>
-          <a:noFill/>
-          <a:ln w="38100">
-            <a:solidFill>
-              <a:srgbClr val="F9D1D1"/>
-            </a:solidFill>
-          </a:ln>
-        </p:spPr>
-        <p:style>
-          <a:lnRef idx="2">
-            <a:schemeClr val="accent1">
-              <a:shade val="50000"/>
-            </a:schemeClr>
-          </a:lnRef>
-          <a:fillRef idx="1">
-            <a:schemeClr val="accent1"/>
-          </a:fillRef>
-          <a:effectRef idx="0">
-            <a:schemeClr val="accent1"/>
-          </a:effectRef>
-          <a:fontRef idx="minor">
-            <a:schemeClr val="lt1"/>
-          </a:fontRef>
-        </p:style>
-        <p:txBody>
-          <a:bodyPr rtlCol="0" anchor="ctr"/>
-          <a:lstStyle/>
-          <a:p>
-            <a:pPr algn="ctr"/>
-            <a:endParaRPr lang="en-US" sz="1350"/>
-          </a:p>
-        </p:txBody>
-      </p:sp>
-      <p:sp>
-        <p:nvSpPr>
-          <p:cNvPr id="188" name="Rectangle: Rounded Corners 187">
-            <a:extLst>
-              <a:ext uri="{FF2B5EF4-FFF2-40B4-BE49-F238E27FC236}">
-                <a16:creationId xmlns:a16="http://schemas.microsoft.com/office/drawing/2014/main" id="{5D419A7B-9D23-43B4-A3AE-F4A9CB07A67B}"/>
-              </a:ext>
-            </a:extLst>
-          </p:cNvPr>
-          <p:cNvSpPr/>
-          <p:nvPr/>
-        </p:nvSpPr>
-        <p:spPr>
-          <a:xfrm>
-            <a:off x="13657356" y="11426644"/>
-            <a:ext cx="3335672" cy="5421180"/>
-          </a:xfrm>
-          <a:prstGeom prst="roundRect">
-            <a:avLst/>
-          </a:prstGeom>
-          <a:noFill/>
-          <a:ln w="38100">
-            <a:solidFill>
-              <a:srgbClr val="F9D1D1"/>
-            </a:solidFill>
-          </a:ln>
-        </p:spPr>
-        <p:style>
-          <a:lnRef idx="2">
-            <a:schemeClr val="accent1">
-              <a:shade val="50000"/>
-            </a:schemeClr>
-          </a:lnRef>
-          <a:fillRef idx="1">
-            <a:schemeClr val="accent1"/>
-          </a:fillRef>
-          <a:effectRef idx="0">
-            <a:schemeClr val="accent1"/>
-          </a:effectRef>
-          <a:fontRef idx="minor">
-            <a:schemeClr val="lt1"/>
-          </a:fontRef>
-        </p:style>
-        <p:txBody>
-          <a:bodyPr rtlCol="0" anchor="ctr"/>
-          <a:lstStyle/>
-          <a:p>
-            <a:pPr algn="ctr"/>
-            <a:endParaRPr lang="en-US" sz="1350"/>
-          </a:p>
-        </p:txBody>
-      </p:sp>
-      <p:sp>
-        <p:nvSpPr>
-          <p:cNvPr id="190" name="TextBox 189">
-            <a:extLst>
-              <a:ext uri="{FF2B5EF4-FFF2-40B4-BE49-F238E27FC236}">
-                <a16:creationId xmlns:a16="http://schemas.microsoft.com/office/drawing/2014/main" id="{236F0238-15AC-48E8-BDE7-90D82A351FBE}"/>
-              </a:ext>
-            </a:extLst>
-          </p:cNvPr>
-          <p:cNvSpPr txBox="1"/>
-          <p:nvPr/>
-        </p:nvSpPr>
-        <p:spPr>
-          <a:xfrm>
-            <a:off x="11198750" y="15345289"/>
-            <a:ext cx="1868613" cy="1207083"/>
-          </a:xfrm>
-          <a:prstGeom prst="rect">
-            <a:avLst/>
-          </a:prstGeom>
-          <a:noFill/>
-        </p:spPr>
-        <p:txBody>
-          <a:bodyPr wrap="square" rtlCol="0">
-            <a:spAutoFit/>
-          </a:bodyPr>
-          <a:lstStyle/>
-          <a:p>
-            <a:r>
-              <a:rPr lang="en-US" sz="2273" dirty="0">
-                <a:latin typeface="Times New Roman" panose="02020603050405020304" pitchFamily="18" charset="0"/>
-                <a:ea typeface="Calibri" panose="020F0502020204030204" pitchFamily="34" charset="0"/>
-                <a:cs typeface="Times New Roman" panose="02020603050405020304" pitchFamily="18" charset="0"/>
-              </a:rPr>
-              <a:t>k</a:t>
-            </a:r>
-            <a:r>
-              <a:rPr lang="en-US" sz="2273" baseline="-25000" dirty="0">
-                <a:latin typeface="Times New Roman" panose="02020603050405020304" pitchFamily="18" charset="0"/>
-                <a:ea typeface="Calibri" panose="020F0502020204030204" pitchFamily="34" charset="0"/>
-                <a:cs typeface="Times New Roman" panose="02020603050405020304" pitchFamily="18" charset="0"/>
-              </a:rPr>
-              <a:t>i</a:t>
-            </a:r>
-            <a:r>
-              <a:rPr lang="en-US" sz="2273" baseline="30000" dirty="0">
-                <a:latin typeface="Times New Roman" panose="02020603050405020304" pitchFamily="18" charset="0"/>
-                <a:ea typeface="Calibri" panose="020F0502020204030204" pitchFamily="34" charset="0"/>
-                <a:cs typeface="Times New Roman" panose="02020603050405020304" pitchFamily="18" charset="0"/>
-              </a:rPr>
-              <a:t>+ </a:t>
-            </a:r>
-            <a:r>
-              <a:rPr lang="en-US" sz="2273" dirty="0">
-                <a:latin typeface="Times New Roman" panose="02020603050405020304" pitchFamily="18" charset="0"/>
-                <a:cs typeface="Times New Roman" panose="02020603050405020304" pitchFamily="18" charset="0"/>
-              </a:rPr>
-              <a:t>= 32</a:t>
-            </a:r>
-            <a:endParaRPr lang="en-US" sz="2274" dirty="0">
-              <a:latin typeface="Times New Roman" panose="02020603050405020304" pitchFamily="18" charset="0"/>
-              <a:cs typeface="Times New Roman" panose="02020603050405020304" pitchFamily="18" charset="0"/>
-            </a:endParaRPr>
-          </a:p>
-          <a:p>
-            <a:r>
-              <a:rPr lang="en-US" sz="2273" dirty="0">
-                <a:latin typeface="Times New Roman" panose="02020603050405020304" pitchFamily="18" charset="0"/>
-                <a:ea typeface="Calibri" panose="020F0502020204030204" pitchFamily="34" charset="0"/>
-                <a:cs typeface="Times New Roman" panose="02020603050405020304" pitchFamily="18" charset="0"/>
-              </a:rPr>
-              <a:t>k</a:t>
-            </a:r>
-            <a:r>
-              <a:rPr lang="en-US" sz="2273" baseline="-25000" dirty="0">
-                <a:latin typeface="Times New Roman" panose="02020603050405020304" pitchFamily="18" charset="0"/>
-                <a:ea typeface="Calibri" panose="020F0502020204030204" pitchFamily="34" charset="0"/>
-                <a:cs typeface="Times New Roman" panose="02020603050405020304" pitchFamily="18" charset="0"/>
-              </a:rPr>
-              <a:t>i</a:t>
-            </a:r>
-            <a:r>
-              <a:rPr lang="en-US" sz="2273" baseline="30000" dirty="0">
-                <a:latin typeface="Times New Roman" panose="02020603050405020304" pitchFamily="18" charset="0"/>
-                <a:ea typeface="Calibri" panose="020F0502020204030204" pitchFamily="34" charset="0"/>
-                <a:cs typeface="Times New Roman" panose="02020603050405020304" pitchFamily="18" charset="0"/>
-              </a:rPr>
-              <a:t>- </a:t>
-            </a:r>
-            <a:r>
-              <a:rPr lang="en-US" sz="2274" dirty="0">
-                <a:latin typeface="Times New Roman" panose="02020603050405020304" pitchFamily="18" charset="0"/>
-                <a:cs typeface="Times New Roman" panose="02020603050405020304" pitchFamily="18" charset="0"/>
-              </a:rPr>
-              <a:t>= 10</a:t>
-            </a:r>
-          </a:p>
-          <a:p>
-            <a:r>
-              <a:rPr lang="el-GR" sz="2273" dirty="0">
-                <a:latin typeface="Times New Roman" panose="02020603050405020304" pitchFamily="18" charset="0"/>
-                <a:ea typeface="Calibri" panose="020F0502020204030204" pitchFamily="34" charset="0"/>
-                <a:cs typeface="Times New Roman" panose="02020603050405020304" pitchFamily="18" charset="0"/>
-              </a:rPr>
-              <a:t>ρ</a:t>
-            </a:r>
-            <a:r>
-              <a:rPr lang="en-US" sz="2273" baseline="-25000" dirty="0">
-                <a:latin typeface="Times New Roman" panose="02020603050405020304" pitchFamily="18" charset="0"/>
-                <a:ea typeface="Calibri" panose="020F0502020204030204" pitchFamily="34" charset="0"/>
-                <a:cs typeface="Times New Roman" panose="02020603050405020304" pitchFamily="18" charset="0"/>
-              </a:rPr>
-              <a:t>i </a:t>
-            </a:r>
-            <a:r>
-              <a:rPr lang="el-GR" sz="2400" dirty="0">
-                <a:solidFill>
-                  <a:srgbClr val="202124"/>
-                </a:solidFill>
-                <a:latin typeface="Times New Roman" panose="02020603050405020304" pitchFamily="18" charset="0"/>
-                <a:cs typeface="Times New Roman" panose="02020603050405020304" pitchFamily="18" charset="0"/>
-              </a:rPr>
-              <a:t> </a:t>
-            </a:r>
-            <a:r>
-              <a:rPr lang="en-US" sz="2274" dirty="0">
-                <a:latin typeface="Times New Roman" panose="02020603050405020304" pitchFamily="18" charset="0"/>
-                <a:cs typeface="Times New Roman" panose="02020603050405020304" pitchFamily="18" charset="0"/>
-              </a:rPr>
-              <a:t>= 0.76</a:t>
-            </a:r>
-          </a:p>
-        </p:txBody>
-      </p:sp>
-      <p:sp>
-        <p:nvSpPr>
-          <p:cNvPr id="191" name="TextBox 190">
-            <a:extLst>
-              <a:ext uri="{FF2B5EF4-FFF2-40B4-BE49-F238E27FC236}">
-                <a16:creationId xmlns:a16="http://schemas.microsoft.com/office/drawing/2014/main" id="{104DD23C-3722-4C96-ACF5-0D412FB117D3}"/>
-              </a:ext>
-            </a:extLst>
-          </p:cNvPr>
-          <p:cNvSpPr txBox="1"/>
-          <p:nvPr/>
-        </p:nvSpPr>
-        <p:spPr>
-          <a:xfrm>
-            <a:off x="14707026" y="15345288"/>
-            <a:ext cx="1868613" cy="1207083"/>
-          </a:xfrm>
-          <a:prstGeom prst="rect">
-            <a:avLst/>
-          </a:prstGeom>
-          <a:noFill/>
-        </p:spPr>
-        <p:txBody>
-          <a:bodyPr wrap="square" rtlCol="0">
-            <a:spAutoFit/>
-          </a:bodyPr>
-          <a:lstStyle/>
-          <a:p>
-            <a:r>
-              <a:rPr lang="en-US" sz="2273" dirty="0">
-                <a:latin typeface="Times New Roman" panose="02020603050405020304" pitchFamily="18" charset="0"/>
-                <a:ea typeface="Calibri" panose="020F0502020204030204" pitchFamily="34" charset="0"/>
-                <a:cs typeface="Times New Roman" panose="02020603050405020304" pitchFamily="18" charset="0"/>
-              </a:rPr>
-              <a:t>k</a:t>
-            </a:r>
-            <a:r>
-              <a:rPr lang="en-US" sz="2273" baseline="-25000" dirty="0">
-                <a:latin typeface="Times New Roman" panose="02020603050405020304" pitchFamily="18" charset="0"/>
-                <a:ea typeface="Calibri" panose="020F0502020204030204" pitchFamily="34" charset="0"/>
-                <a:cs typeface="Times New Roman" panose="02020603050405020304" pitchFamily="18" charset="0"/>
-              </a:rPr>
-              <a:t>i</a:t>
-            </a:r>
-            <a:r>
-              <a:rPr lang="en-US" sz="2273" baseline="30000" dirty="0">
-                <a:latin typeface="Times New Roman" panose="02020603050405020304" pitchFamily="18" charset="0"/>
-                <a:ea typeface="Calibri" panose="020F0502020204030204" pitchFamily="34" charset="0"/>
-                <a:cs typeface="Times New Roman" panose="02020603050405020304" pitchFamily="18" charset="0"/>
-              </a:rPr>
-              <a:t>+ </a:t>
-            </a:r>
-            <a:r>
-              <a:rPr lang="en-US" sz="2273" dirty="0">
-                <a:latin typeface="Times New Roman" panose="02020603050405020304" pitchFamily="18" charset="0"/>
-                <a:cs typeface="Times New Roman" panose="02020603050405020304" pitchFamily="18" charset="0"/>
-              </a:rPr>
-              <a:t>= 9</a:t>
-            </a:r>
-            <a:endParaRPr lang="en-US" sz="2274" dirty="0">
-              <a:latin typeface="Times New Roman" panose="02020603050405020304" pitchFamily="18" charset="0"/>
-              <a:cs typeface="Times New Roman" panose="02020603050405020304" pitchFamily="18" charset="0"/>
-            </a:endParaRPr>
-          </a:p>
-          <a:p>
-            <a:r>
-              <a:rPr lang="en-US" sz="2273" dirty="0">
-                <a:latin typeface="Times New Roman" panose="02020603050405020304" pitchFamily="18" charset="0"/>
-                <a:ea typeface="Calibri" panose="020F0502020204030204" pitchFamily="34" charset="0"/>
-                <a:cs typeface="Times New Roman" panose="02020603050405020304" pitchFamily="18" charset="0"/>
-              </a:rPr>
-              <a:t>k</a:t>
-            </a:r>
-            <a:r>
-              <a:rPr lang="en-US" sz="2273" baseline="-25000" dirty="0">
-                <a:latin typeface="Times New Roman" panose="02020603050405020304" pitchFamily="18" charset="0"/>
-                <a:ea typeface="Calibri" panose="020F0502020204030204" pitchFamily="34" charset="0"/>
-                <a:cs typeface="Times New Roman" panose="02020603050405020304" pitchFamily="18" charset="0"/>
-              </a:rPr>
-              <a:t>i</a:t>
-            </a:r>
-            <a:r>
-              <a:rPr lang="en-US" sz="2273" baseline="30000" dirty="0">
-                <a:latin typeface="Times New Roman" panose="02020603050405020304" pitchFamily="18" charset="0"/>
-                <a:ea typeface="Calibri" panose="020F0502020204030204" pitchFamily="34" charset="0"/>
-                <a:cs typeface="Times New Roman" panose="02020603050405020304" pitchFamily="18" charset="0"/>
-              </a:rPr>
-              <a:t>- </a:t>
-            </a:r>
-            <a:r>
-              <a:rPr lang="en-US" sz="2274" dirty="0">
-                <a:latin typeface="Times New Roman" panose="02020603050405020304" pitchFamily="18" charset="0"/>
-                <a:cs typeface="Times New Roman" panose="02020603050405020304" pitchFamily="18" charset="0"/>
-              </a:rPr>
-              <a:t>= 2</a:t>
-            </a:r>
-          </a:p>
-          <a:p>
-            <a:r>
-              <a:rPr lang="el-GR" sz="2273" dirty="0">
-                <a:latin typeface="Times New Roman" panose="02020603050405020304" pitchFamily="18" charset="0"/>
-                <a:ea typeface="Calibri" panose="020F0502020204030204" pitchFamily="34" charset="0"/>
-                <a:cs typeface="Times New Roman" panose="02020603050405020304" pitchFamily="18" charset="0"/>
-              </a:rPr>
-              <a:t>ρ</a:t>
-            </a:r>
-            <a:r>
-              <a:rPr lang="en-US" sz="2273" baseline="-25000" dirty="0">
-                <a:latin typeface="Times New Roman" panose="02020603050405020304" pitchFamily="18" charset="0"/>
-                <a:ea typeface="Calibri" panose="020F0502020204030204" pitchFamily="34" charset="0"/>
-                <a:cs typeface="Times New Roman" panose="02020603050405020304" pitchFamily="18" charset="0"/>
-              </a:rPr>
-              <a:t>i </a:t>
-            </a:r>
-            <a:r>
-              <a:rPr lang="el-GR" sz="2400" dirty="0">
-                <a:solidFill>
-                  <a:srgbClr val="202124"/>
-                </a:solidFill>
-                <a:latin typeface="Times New Roman" panose="02020603050405020304" pitchFamily="18" charset="0"/>
-                <a:cs typeface="Times New Roman" panose="02020603050405020304" pitchFamily="18" charset="0"/>
-              </a:rPr>
-              <a:t> </a:t>
-            </a:r>
-            <a:r>
-              <a:rPr lang="en-US" sz="2274" dirty="0">
-                <a:latin typeface="Times New Roman" panose="02020603050405020304" pitchFamily="18" charset="0"/>
-                <a:cs typeface="Times New Roman" panose="02020603050405020304" pitchFamily="18" charset="0"/>
-              </a:rPr>
-              <a:t>= 0.82</a:t>
-            </a:r>
-          </a:p>
-        </p:txBody>
-      </p:sp>
-      <p:sp>
-        <p:nvSpPr>
-          <p:cNvPr id="192" name="TextBox 191">
-            <a:extLst>
-              <a:ext uri="{FF2B5EF4-FFF2-40B4-BE49-F238E27FC236}">
-                <a16:creationId xmlns:a16="http://schemas.microsoft.com/office/drawing/2014/main" id="{D63CF358-B807-4D04-89CE-334241CE33DE}"/>
-              </a:ext>
-            </a:extLst>
-          </p:cNvPr>
-          <p:cNvSpPr txBox="1"/>
-          <p:nvPr/>
-        </p:nvSpPr>
-        <p:spPr>
-          <a:xfrm>
-            <a:off x="18281924" y="15335372"/>
-            <a:ext cx="1868613" cy="1207083"/>
-          </a:xfrm>
-          <a:prstGeom prst="rect">
-            <a:avLst/>
-          </a:prstGeom>
-          <a:noFill/>
-        </p:spPr>
-        <p:txBody>
-          <a:bodyPr wrap="square" rtlCol="0">
-            <a:spAutoFit/>
-          </a:bodyPr>
-          <a:lstStyle/>
-          <a:p>
-            <a:r>
-              <a:rPr lang="en-US" sz="2273" dirty="0">
-                <a:latin typeface="Times New Roman" panose="02020603050405020304" pitchFamily="18" charset="0"/>
-                <a:ea typeface="Calibri" panose="020F0502020204030204" pitchFamily="34" charset="0"/>
-                <a:cs typeface="Times New Roman" panose="02020603050405020304" pitchFamily="18" charset="0"/>
-              </a:rPr>
-              <a:t>k</a:t>
-            </a:r>
-            <a:r>
-              <a:rPr lang="en-US" sz="2273" baseline="-25000" dirty="0">
-                <a:latin typeface="Times New Roman" panose="02020603050405020304" pitchFamily="18" charset="0"/>
-                <a:ea typeface="Calibri" panose="020F0502020204030204" pitchFamily="34" charset="0"/>
-                <a:cs typeface="Times New Roman" panose="02020603050405020304" pitchFamily="18" charset="0"/>
-              </a:rPr>
-              <a:t>i</a:t>
-            </a:r>
-            <a:r>
-              <a:rPr lang="en-US" sz="2273" baseline="30000" dirty="0">
-                <a:latin typeface="Times New Roman" panose="02020603050405020304" pitchFamily="18" charset="0"/>
-                <a:ea typeface="Calibri" panose="020F0502020204030204" pitchFamily="34" charset="0"/>
-                <a:cs typeface="Times New Roman" panose="02020603050405020304" pitchFamily="18" charset="0"/>
-              </a:rPr>
-              <a:t>+ </a:t>
-            </a:r>
-            <a:r>
-              <a:rPr lang="en-US" sz="2273" dirty="0">
-                <a:latin typeface="Times New Roman" panose="02020603050405020304" pitchFamily="18" charset="0"/>
-                <a:cs typeface="Times New Roman" panose="02020603050405020304" pitchFamily="18" charset="0"/>
-              </a:rPr>
-              <a:t>= 3</a:t>
-            </a:r>
-            <a:endParaRPr lang="en-US" sz="2274" dirty="0">
-              <a:latin typeface="Times New Roman" panose="02020603050405020304" pitchFamily="18" charset="0"/>
-              <a:cs typeface="Times New Roman" panose="02020603050405020304" pitchFamily="18" charset="0"/>
-            </a:endParaRPr>
-          </a:p>
-          <a:p>
-            <a:r>
-              <a:rPr lang="en-US" sz="2273" dirty="0">
-                <a:latin typeface="Times New Roman" panose="02020603050405020304" pitchFamily="18" charset="0"/>
-                <a:ea typeface="Calibri" panose="020F0502020204030204" pitchFamily="34" charset="0"/>
-                <a:cs typeface="Times New Roman" panose="02020603050405020304" pitchFamily="18" charset="0"/>
-              </a:rPr>
-              <a:t>k</a:t>
-            </a:r>
-            <a:r>
-              <a:rPr lang="en-US" sz="2273" baseline="-25000" dirty="0">
-                <a:latin typeface="Times New Roman" panose="02020603050405020304" pitchFamily="18" charset="0"/>
-                <a:ea typeface="Calibri" panose="020F0502020204030204" pitchFamily="34" charset="0"/>
-                <a:cs typeface="Times New Roman" panose="02020603050405020304" pitchFamily="18" charset="0"/>
-              </a:rPr>
-              <a:t>i</a:t>
-            </a:r>
-            <a:r>
-              <a:rPr lang="en-US" sz="2273" baseline="30000" dirty="0">
-                <a:latin typeface="Times New Roman" panose="02020603050405020304" pitchFamily="18" charset="0"/>
-                <a:ea typeface="Calibri" panose="020F0502020204030204" pitchFamily="34" charset="0"/>
-                <a:cs typeface="Times New Roman" panose="02020603050405020304" pitchFamily="18" charset="0"/>
-              </a:rPr>
-              <a:t>- </a:t>
-            </a:r>
-            <a:r>
-              <a:rPr lang="en-US" sz="2274" dirty="0">
-                <a:latin typeface="Times New Roman" panose="02020603050405020304" pitchFamily="18" charset="0"/>
-                <a:cs typeface="Times New Roman" panose="02020603050405020304" pitchFamily="18" charset="0"/>
-              </a:rPr>
-              <a:t>= 0</a:t>
-            </a:r>
-          </a:p>
-          <a:p>
-            <a:r>
-              <a:rPr lang="el-GR" sz="2273" dirty="0">
-                <a:latin typeface="Times New Roman" panose="02020603050405020304" pitchFamily="18" charset="0"/>
-                <a:ea typeface="Calibri" panose="020F0502020204030204" pitchFamily="34" charset="0"/>
-                <a:cs typeface="Times New Roman" panose="02020603050405020304" pitchFamily="18" charset="0"/>
-              </a:rPr>
-              <a:t>ρ</a:t>
-            </a:r>
-            <a:r>
-              <a:rPr lang="en-US" sz="2273" baseline="-25000" dirty="0">
-                <a:latin typeface="Times New Roman" panose="02020603050405020304" pitchFamily="18" charset="0"/>
-                <a:ea typeface="Calibri" panose="020F0502020204030204" pitchFamily="34" charset="0"/>
-                <a:cs typeface="Times New Roman" panose="02020603050405020304" pitchFamily="18" charset="0"/>
-              </a:rPr>
-              <a:t>i </a:t>
-            </a:r>
-            <a:r>
-              <a:rPr lang="el-GR" sz="2400" dirty="0">
-                <a:solidFill>
-                  <a:srgbClr val="202124"/>
-                </a:solidFill>
-                <a:latin typeface="Times New Roman" panose="02020603050405020304" pitchFamily="18" charset="0"/>
-                <a:cs typeface="Times New Roman" panose="02020603050405020304" pitchFamily="18" charset="0"/>
-              </a:rPr>
-              <a:t> </a:t>
-            </a:r>
-            <a:r>
-              <a:rPr lang="en-US" sz="2274" dirty="0">
-                <a:latin typeface="Times New Roman" panose="02020603050405020304" pitchFamily="18" charset="0"/>
-                <a:cs typeface="Times New Roman" panose="02020603050405020304" pitchFamily="18" charset="0"/>
-              </a:rPr>
-              <a:t>= 1.0</a:t>
-            </a:r>
-          </a:p>
-        </p:txBody>
-      </p:sp>
-      <p:pic>
-        <p:nvPicPr>
-          <p:cNvPr id="181" name="Picture 180">
-            <a:extLst>
-              <a:ext uri="{FF2B5EF4-FFF2-40B4-BE49-F238E27FC236}">
-                <a16:creationId xmlns:a16="http://schemas.microsoft.com/office/drawing/2014/main" id="{5F902BDB-7178-4DDB-A649-1C203A40FFB9}"/>
-              </a:ext>
-            </a:extLst>
-          </p:cNvPr>
-          <p:cNvPicPr>
-            <a:picLocks noChangeAspect="1"/>
-          </p:cNvPicPr>
-          <p:nvPr/>
-        </p:nvPicPr>
-        <p:blipFill>
-          <a:blip r:embed="rId5"/>
-          <a:stretch>
-            <a:fillRect/>
-          </a:stretch>
-        </p:blipFill>
-        <p:spPr>
-          <a:xfrm>
-            <a:off x="17713608" y="12489173"/>
-            <a:ext cx="2168166" cy="2379391"/>
-          </a:xfrm>
-          <a:prstGeom prst="rect">
-            <a:avLst/>
-          </a:prstGeom>
-        </p:spPr>
-      </p:pic>
-      <p:pic>
-        <p:nvPicPr>
-          <p:cNvPr id="182" name="Picture 181">
-            <a:extLst>
-              <a:ext uri="{FF2B5EF4-FFF2-40B4-BE49-F238E27FC236}">
-                <a16:creationId xmlns:a16="http://schemas.microsoft.com/office/drawing/2014/main" id="{D1FC9F41-4157-40BE-89D8-2AB5A89A6823}"/>
-              </a:ext>
-            </a:extLst>
-          </p:cNvPr>
-          <p:cNvPicPr>
-            <a:picLocks noChangeAspect="1"/>
-          </p:cNvPicPr>
-          <p:nvPr/>
-        </p:nvPicPr>
-        <p:blipFill>
-          <a:blip r:embed="rId6"/>
-          <a:stretch>
-            <a:fillRect/>
-          </a:stretch>
-        </p:blipFill>
-        <p:spPr>
-          <a:xfrm>
-            <a:off x="14573659" y="11970204"/>
-            <a:ext cx="1566665" cy="3365168"/>
-          </a:xfrm>
-          <a:prstGeom prst="rect">
-            <a:avLst/>
-          </a:prstGeom>
-        </p:spPr>
-      </p:pic>
-      <p:pic>
-        <p:nvPicPr>
-          <p:cNvPr id="183" name="Picture 182">
-            <a:extLst>
-              <a:ext uri="{FF2B5EF4-FFF2-40B4-BE49-F238E27FC236}">
-                <a16:creationId xmlns:a16="http://schemas.microsoft.com/office/drawing/2014/main" id="{C7E4E6EA-9A60-4BA7-A232-ED6C7D9A11B4}"/>
-              </a:ext>
-            </a:extLst>
-          </p:cNvPr>
-          <p:cNvPicPr>
-            <a:picLocks noChangeAspect="1"/>
-          </p:cNvPicPr>
-          <p:nvPr/>
-        </p:nvPicPr>
-        <p:blipFill>
-          <a:blip r:embed="rId7"/>
-          <a:stretch>
-            <a:fillRect/>
-          </a:stretch>
-        </p:blipFill>
-        <p:spPr>
-          <a:xfrm>
-            <a:off x="11075128" y="12295498"/>
-            <a:ext cx="1692367" cy="3039874"/>
-          </a:xfrm>
-          <a:prstGeom prst="rect">
-            <a:avLst/>
-          </a:prstGeom>
-        </p:spPr>
-      </p:pic>
-      <p:sp>
-        <p:nvSpPr>
-          <p:cNvPr id="193" name="Rectangle: Rounded Corners 192">
-            <a:extLst>
-              <a:ext uri="{FF2B5EF4-FFF2-40B4-BE49-F238E27FC236}">
-                <a16:creationId xmlns:a16="http://schemas.microsoft.com/office/drawing/2014/main" id="{0A1BF369-D205-48A3-BE3F-6C02DEE8CF9E}"/>
-              </a:ext>
-            </a:extLst>
-          </p:cNvPr>
-          <p:cNvSpPr/>
-          <p:nvPr/>
-        </p:nvSpPr>
-        <p:spPr>
-          <a:xfrm>
-            <a:off x="17170817" y="11437692"/>
-            <a:ext cx="3237594" cy="5421180"/>
-          </a:xfrm>
-          <a:prstGeom prst="roundRect">
-            <a:avLst/>
-          </a:prstGeom>
-          <a:noFill/>
-          <a:ln w="38100">
-            <a:solidFill>
-              <a:srgbClr val="F9D1D1"/>
-            </a:solidFill>
-          </a:ln>
-        </p:spPr>
-        <p:style>
-          <a:lnRef idx="2">
-            <a:schemeClr val="accent1">
-              <a:shade val="50000"/>
-            </a:schemeClr>
-          </a:lnRef>
-          <a:fillRef idx="1">
-            <a:schemeClr val="accent1"/>
-          </a:fillRef>
-          <a:effectRef idx="0">
-            <a:schemeClr val="accent1"/>
-          </a:effectRef>
-          <a:fontRef idx="minor">
-            <a:schemeClr val="lt1"/>
-          </a:fontRef>
-        </p:style>
-        <p:txBody>
-          <a:bodyPr rtlCol="0" anchor="ctr"/>
-          <a:lstStyle/>
-          <a:p>
-            <a:pPr algn="ctr"/>
-            <a:endParaRPr lang="en-US" sz="1350"/>
-          </a:p>
-        </p:txBody>
-      </p:sp>
-      <p:pic>
-        <p:nvPicPr>
-          <p:cNvPr id="1026" name="Picture 2">
-            <a:extLst>
-              <a:ext uri="{FF2B5EF4-FFF2-40B4-BE49-F238E27FC236}">
-                <a16:creationId xmlns:a16="http://schemas.microsoft.com/office/drawing/2014/main" id="{98B54965-0B61-4D59-89FC-DA748191CF65}"/>
-              </a:ext>
-            </a:extLst>
-          </p:cNvPr>
-          <p:cNvPicPr>
-            <a:picLocks noChangeAspect="1" noChangeArrowheads="1"/>
-          </p:cNvPicPr>
-          <p:nvPr/>
-        </p:nvPicPr>
-        <p:blipFill>
-          <a:blip r:embed="rId8">
-            <a:extLst>
-              <a:ext uri="{28A0092B-C50C-407E-A947-70E740481C1C}">
-                <a14:useLocalDpi xmlns:a14="http://schemas.microsoft.com/office/drawing/2010/main" val="0"/>
-              </a:ext>
-            </a:extLst>
-          </a:blip>
-          <a:srcRect/>
-          <a:stretch>
-            <a:fillRect/>
-          </a:stretch>
-        </p:blipFill>
-        <p:spPr bwMode="auto">
-          <a:xfrm>
-            <a:off x="1248669" y="831129"/>
+            <a:off x="1152372" y="811932"/>
             <a:ext cx="19690070" cy="9790895"/>
           </a:xfrm>
           <a:prstGeom prst="rect">
@@ -5115,7 +3677,7 @@
           </p:nvSpPr>
           <p:spPr>
             <a:xfrm rot="16200000">
-              <a:off x="857562" y="5159706"/>
+              <a:off x="826050" y="5250659"/>
               <a:ext cx="746721" cy="474117"/>
             </a:xfrm>
             <a:prstGeom prst="rect">
@@ -5789,7 +4351,7 @@
                 <p:nvPr/>
               </p:nvPicPr>
               <p:blipFill>
-                <a:blip r:embed="rId9"/>
+                <a:blip r:embed="rId4"/>
                 <a:stretch>
                   <a:fillRect/>
                 </a:stretch>
@@ -5819,7 +4381,7 @@
                 <p:nvPr/>
               </p:nvPicPr>
               <p:blipFill>
-                <a:blip r:embed="rId10"/>
+                <a:blip r:embed="rId5"/>
                 <a:stretch>
                   <a:fillRect/>
                 </a:stretch>
@@ -5849,7 +4411,7 @@
                 <p:nvPr/>
               </p:nvPicPr>
               <p:blipFill>
-                <a:blip r:embed="rId11"/>
+                <a:blip r:embed="rId6"/>
                 <a:stretch>
                   <a:fillRect/>
                 </a:stretch>
@@ -6234,7 +4796,7 @@
               <p:nvPr/>
             </p:nvPicPr>
             <p:blipFill>
-              <a:blip r:embed="rId12">
+              <a:blip r:embed="rId7">
                 <a:extLst>
                   <a:ext uri="{28A0092B-C50C-407E-A947-70E740481C1C}">
                     <a14:useLocalDpi xmlns:a14="http://schemas.microsoft.com/office/drawing/2010/main" val="0"/>
@@ -6382,6 +4944,1390 @@
           </p:sp>
         </p:grpSp>
       </p:grpSp>
+      <p:pic>
+        <p:nvPicPr>
+          <p:cNvPr id="2" name="Picture 2">
+            <a:extLst>
+              <a:ext uri="{FF2B5EF4-FFF2-40B4-BE49-F238E27FC236}">
+                <a16:creationId xmlns:a16="http://schemas.microsoft.com/office/drawing/2014/main" id="{72D4A294-CA8D-4EF7-810A-278FD63679F1}"/>
+              </a:ext>
+            </a:extLst>
+          </p:cNvPr>
+          <p:cNvPicPr>
+            <a:picLocks noChangeAspect="1" noChangeArrowheads="1"/>
+          </p:cNvPicPr>
+          <p:nvPr/>
+        </p:nvPicPr>
+        <p:blipFill>
+          <a:blip r:embed="rId8">
+            <a:extLst>
+              <a:ext uri="{28A0092B-C50C-407E-A947-70E740481C1C}">
+                <a14:useLocalDpi xmlns:a14="http://schemas.microsoft.com/office/drawing/2010/main" val="0"/>
+              </a:ext>
+            </a:extLst>
+          </a:blip>
+          <a:srcRect/>
+          <a:stretch>
+            <a:fillRect/>
+          </a:stretch>
+        </p:blipFill>
+        <p:spPr bwMode="auto">
+          <a:xfrm>
+            <a:off x="1127764" y="11027059"/>
+            <a:ext cx="19714677" cy="9790895"/>
+          </a:xfrm>
+          <a:prstGeom prst="rect">
+            <a:avLst/>
+          </a:prstGeom>
+          <a:noFill/>
+          <a:extLst>
+            <a:ext uri="{909E8E84-426E-40DD-AFC4-6F175D3DCCD1}">
+              <a14:hiddenFill xmlns:a14="http://schemas.microsoft.com/office/drawing/2010/main">
+                <a:solidFill>
+                  <a:srgbClr val="FFFFFF"/>
+                </a:solidFill>
+              </a14:hiddenFill>
+            </a:ext>
+          </a:extLst>
+        </p:spPr>
+      </p:pic>
+      <p:sp>
+        <p:nvSpPr>
+          <p:cNvPr id="61" name="TextBox 60">
+            <a:extLst>
+              <a:ext uri="{FF2B5EF4-FFF2-40B4-BE49-F238E27FC236}">
+                <a16:creationId xmlns:a16="http://schemas.microsoft.com/office/drawing/2014/main" id="{FFA1C490-DE35-46F2-A631-FD4F6D04B456}"/>
+              </a:ext>
+            </a:extLst>
+          </p:cNvPr>
+          <p:cNvSpPr txBox="1"/>
+          <p:nvPr/>
+        </p:nvSpPr>
+        <p:spPr>
+          <a:xfrm>
+            <a:off x="9943064" y="20403768"/>
+            <a:ext cx="2728233" cy="459828"/>
+          </a:xfrm>
+          <a:prstGeom prst="rect">
+            <a:avLst/>
+          </a:prstGeom>
+          <a:solidFill>
+            <a:schemeClr val="bg1"/>
+          </a:solidFill>
+        </p:spPr>
+        <p:txBody>
+          <a:bodyPr wrap="none" rtlCol="0">
+            <a:spAutoFit/>
+          </a:bodyPr>
+          <a:lstStyle/>
+          <a:p>
+            <a:r>
+              <a:rPr lang="en-US" sz="2275" dirty="0">
+                <a:latin typeface="Times New Roman" panose="02020603050405020304" pitchFamily="18" charset="0"/>
+                <a:cs typeface="Times New Roman" panose="02020603050405020304" pitchFamily="18" charset="0"/>
+              </a:rPr>
+              <a:t>Target Degree Ratio</a:t>
+            </a:r>
+          </a:p>
+        </p:txBody>
+      </p:sp>
+      <p:sp>
+        <p:nvSpPr>
+          <p:cNvPr id="64" name="TextBox 63">
+            <a:extLst>
+              <a:ext uri="{FF2B5EF4-FFF2-40B4-BE49-F238E27FC236}">
+                <a16:creationId xmlns:a16="http://schemas.microsoft.com/office/drawing/2014/main" id="{0526107F-E589-47AB-8D09-9B2B39B7213E}"/>
+              </a:ext>
+            </a:extLst>
+          </p:cNvPr>
+          <p:cNvSpPr txBox="1"/>
+          <p:nvPr/>
+        </p:nvSpPr>
+        <p:spPr>
+          <a:xfrm rot="16200000">
+            <a:off x="826051" y="15657552"/>
+            <a:ext cx="746721" cy="474117"/>
+          </a:xfrm>
+          <a:prstGeom prst="rect">
+            <a:avLst/>
+          </a:prstGeom>
+          <a:solidFill>
+            <a:schemeClr val="bg1"/>
+          </a:solidFill>
+        </p:spPr>
+        <p:txBody>
+          <a:bodyPr wrap="none" rtlCol="0">
+            <a:spAutoFit/>
+          </a:bodyPr>
+          <a:lstStyle/>
+          <a:p>
+            <a:r>
+              <a:rPr lang="en-US" sz="2275" dirty="0">
+                <a:latin typeface="Times New Roman" panose="02020603050405020304" pitchFamily="18" charset="0"/>
+                <a:cs typeface="Times New Roman" panose="02020603050405020304" pitchFamily="18" charset="0"/>
+              </a:rPr>
+              <a:t>PDF</a:t>
+            </a:r>
+          </a:p>
+        </p:txBody>
+      </p:sp>
+      <p:sp>
+        <p:nvSpPr>
+          <p:cNvPr id="65" name="Rectangle 64">
+            <a:extLst>
+              <a:ext uri="{FF2B5EF4-FFF2-40B4-BE49-F238E27FC236}">
+                <a16:creationId xmlns:a16="http://schemas.microsoft.com/office/drawing/2014/main" id="{3D21417B-9612-4E1F-BEDF-A4112DC4CFA3}"/>
+              </a:ext>
+            </a:extLst>
+          </p:cNvPr>
+          <p:cNvSpPr/>
+          <p:nvPr/>
+        </p:nvSpPr>
+        <p:spPr>
+          <a:xfrm>
+            <a:off x="3603908" y="11684891"/>
+            <a:ext cx="6729956" cy="4583080"/>
+          </a:xfrm>
+          <a:prstGeom prst="rect">
+            <a:avLst/>
+          </a:prstGeom>
+          <a:solidFill>
+            <a:schemeClr val="bg1"/>
+          </a:solidFill>
+          <a:ln>
+            <a:solidFill>
+              <a:schemeClr val="bg1"/>
+            </a:solidFill>
+          </a:ln>
+        </p:spPr>
+        <p:style>
+          <a:lnRef idx="2">
+            <a:schemeClr val="accent1">
+              <a:shade val="50000"/>
+            </a:schemeClr>
+          </a:lnRef>
+          <a:fillRef idx="1">
+            <a:schemeClr val="accent1"/>
+          </a:fillRef>
+          <a:effectRef idx="0">
+            <a:schemeClr val="accent1"/>
+          </a:effectRef>
+          <a:fontRef idx="minor">
+            <a:schemeClr val="lt1"/>
+          </a:fontRef>
+        </p:style>
+        <p:txBody>
+          <a:bodyPr rtlCol="0" anchor="ctr"/>
+          <a:lstStyle/>
+          <a:p>
+            <a:pPr algn="ctr"/>
+            <a:endParaRPr lang="en-US"/>
+          </a:p>
+        </p:txBody>
+      </p:sp>
+      <p:grpSp>
+        <p:nvGrpSpPr>
+          <p:cNvPr id="82" name="Group 81">
+            <a:extLst>
+              <a:ext uri="{FF2B5EF4-FFF2-40B4-BE49-F238E27FC236}">
+                <a16:creationId xmlns:a16="http://schemas.microsoft.com/office/drawing/2014/main" id="{BAC7A0D2-339C-42E7-BD64-C51776E44C31}"/>
+              </a:ext>
+            </a:extLst>
+          </p:cNvPr>
+          <p:cNvGrpSpPr/>
+          <p:nvPr/>
+        </p:nvGrpSpPr>
+        <p:grpSpPr>
+          <a:xfrm>
+            <a:off x="3557402" y="11575731"/>
+            <a:ext cx="6623471" cy="4463546"/>
+            <a:chOff x="3583115" y="11550254"/>
+            <a:chExt cx="6623471" cy="4463546"/>
+          </a:xfrm>
+        </p:grpSpPr>
+        <p:pic>
+          <p:nvPicPr>
+            <p:cNvPr id="83" name="Picture 8">
+              <a:extLst>
+                <a:ext uri="{FF2B5EF4-FFF2-40B4-BE49-F238E27FC236}">
+                  <a16:creationId xmlns:a16="http://schemas.microsoft.com/office/drawing/2014/main" id="{38B926AC-971A-4B7E-90E9-231582D246C9}"/>
+                </a:ext>
+              </a:extLst>
+            </p:cNvPr>
+            <p:cNvPicPr>
+              <a:picLocks noChangeAspect="1" noChangeArrowheads="1"/>
+            </p:cNvPicPr>
+            <p:nvPr/>
+          </p:nvPicPr>
+          <p:blipFill>
+            <a:blip r:embed="rId9">
+              <a:extLst>
+                <a:ext uri="{28A0092B-C50C-407E-A947-70E740481C1C}">
+                  <a14:useLocalDpi xmlns:a14="http://schemas.microsoft.com/office/drawing/2010/main" val="0"/>
+                </a:ext>
+              </a:extLst>
+            </a:blip>
+            <a:srcRect/>
+            <a:stretch>
+              <a:fillRect/>
+            </a:stretch>
+          </p:blipFill>
+          <p:spPr bwMode="auto">
+            <a:xfrm>
+              <a:off x="3603907" y="11550254"/>
+              <a:ext cx="6602679" cy="4463546"/>
+            </a:xfrm>
+            <a:prstGeom prst="rect">
+              <a:avLst/>
+            </a:prstGeom>
+            <a:noFill/>
+            <a:extLst>
+              <a:ext uri="{909E8E84-426E-40DD-AFC4-6F175D3DCCD1}">
+                <a14:hiddenFill xmlns:a14="http://schemas.microsoft.com/office/drawing/2010/main">
+                  <a:solidFill>
+                    <a:srgbClr val="FFFFFF"/>
+                  </a:solidFill>
+                </a14:hiddenFill>
+              </a:ext>
+            </a:extLst>
+          </p:spPr>
+        </p:pic>
+        <p:sp>
+          <p:nvSpPr>
+            <p:cNvPr id="84" name="TextBox 83">
+              <a:extLst>
+                <a:ext uri="{FF2B5EF4-FFF2-40B4-BE49-F238E27FC236}">
+                  <a16:creationId xmlns:a16="http://schemas.microsoft.com/office/drawing/2014/main" id="{57C22510-0223-4BB2-BA00-048FECDC2E9B}"/>
+                </a:ext>
+              </a:extLst>
+            </p:cNvPr>
+            <p:cNvSpPr txBox="1"/>
+            <p:nvPr/>
+          </p:nvSpPr>
+          <p:spPr>
+            <a:xfrm rot="16200000">
+              <a:off x="2615583" y="13288596"/>
+              <a:ext cx="2281376" cy="346311"/>
+            </a:xfrm>
+            <a:prstGeom prst="rect">
+              <a:avLst/>
+            </a:prstGeom>
+            <a:solidFill>
+              <a:schemeClr val="bg1"/>
+            </a:solidFill>
+          </p:spPr>
+          <p:txBody>
+            <a:bodyPr wrap="square" rtlCol="0">
+              <a:spAutoFit/>
+            </a:bodyPr>
+            <a:lstStyle/>
+            <a:p>
+              <a:r>
+                <a:rPr lang="en-US" sz="1500" dirty="0">
+                  <a:solidFill>
+                    <a:srgbClr val="202124"/>
+                  </a:solidFill>
+                  <a:latin typeface="Times New Roman" panose="02020603050405020304" pitchFamily="18" charset="0"/>
+                  <a:cs typeface="Times New Roman" panose="02020603050405020304" pitchFamily="18" charset="0"/>
+                </a:rPr>
+                <a:t>DeepPurpose Prediction</a:t>
+              </a:r>
+              <a:endParaRPr lang="en-US" sz="1500" dirty="0">
+                <a:latin typeface="Times New Roman" panose="02020603050405020304" pitchFamily="18" charset="0"/>
+                <a:cs typeface="Times New Roman" panose="02020603050405020304" pitchFamily="18" charset="0"/>
+              </a:endParaRPr>
+            </a:p>
+          </p:txBody>
+        </p:sp>
+        <p:sp>
+          <p:nvSpPr>
+            <p:cNvPr id="85" name="TextBox 84">
+              <a:extLst>
+                <a:ext uri="{FF2B5EF4-FFF2-40B4-BE49-F238E27FC236}">
+                  <a16:creationId xmlns:a16="http://schemas.microsoft.com/office/drawing/2014/main" id="{BA9ED53A-8CB7-496C-8A94-7F9BCB709AF5}"/>
+                </a:ext>
+              </a:extLst>
+            </p:cNvPr>
+            <p:cNvSpPr txBox="1"/>
+            <p:nvPr/>
+          </p:nvSpPr>
+          <p:spPr>
+            <a:xfrm>
+              <a:off x="6214834" y="15665932"/>
+              <a:ext cx="2036338" cy="335874"/>
+            </a:xfrm>
+            <a:prstGeom prst="rect">
+              <a:avLst/>
+            </a:prstGeom>
+            <a:solidFill>
+              <a:schemeClr val="bg1"/>
+            </a:solidFill>
+          </p:spPr>
+          <p:txBody>
+            <a:bodyPr wrap="square" rtlCol="0">
+              <a:spAutoFit/>
+            </a:bodyPr>
+            <a:lstStyle/>
+            <a:p>
+              <a:r>
+                <a:rPr lang="en-US" sz="1500" dirty="0">
+                  <a:solidFill>
+                    <a:srgbClr val="202124"/>
+                  </a:solidFill>
+                  <a:latin typeface="Times New Roman" panose="02020603050405020304" pitchFamily="18" charset="0"/>
+                  <a:cs typeface="Times New Roman" panose="02020603050405020304" pitchFamily="18" charset="0"/>
+                </a:rPr>
+                <a:t>Target degree ratio (</a:t>
+              </a:r>
+              <a:r>
+                <a:rPr lang="el-GR" sz="1500" dirty="0">
+                  <a:solidFill>
+                    <a:srgbClr val="202124"/>
+                  </a:solidFill>
+                  <a:latin typeface="Times New Roman" panose="02020603050405020304" pitchFamily="18" charset="0"/>
+                  <a:cs typeface="Times New Roman" panose="02020603050405020304" pitchFamily="18" charset="0"/>
+                </a:rPr>
+                <a:t>ρ</a:t>
+              </a:r>
+              <a:r>
+                <a:rPr lang="en-US" sz="1500" dirty="0">
+                  <a:solidFill>
+                    <a:srgbClr val="202124"/>
+                  </a:solidFill>
+                  <a:latin typeface="Times New Roman" panose="02020603050405020304" pitchFamily="18" charset="0"/>
+                  <a:cs typeface="Times New Roman" panose="02020603050405020304" pitchFamily="18" charset="0"/>
+                </a:rPr>
+                <a:t>)</a:t>
+              </a:r>
+              <a:endParaRPr lang="en-US" sz="1500" dirty="0">
+                <a:latin typeface="Times New Roman" panose="02020603050405020304" pitchFamily="18" charset="0"/>
+                <a:cs typeface="Times New Roman" panose="02020603050405020304" pitchFamily="18" charset="0"/>
+              </a:endParaRPr>
+            </a:p>
+          </p:txBody>
+        </p:sp>
+      </p:grpSp>
+      <p:sp>
+        <p:nvSpPr>
+          <p:cNvPr id="87" name="Rectangle 86">
+            <a:extLst>
+              <a:ext uri="{FF2B5EF4-FFF2-40B4-BE49-F238E27FC236}">
+                <a16:creationId xmlns:a16="http://schemas.microsoft.com/office/drawing/2014/main" id="{4767036A-1696-4C66-8AD2-168DD266E0DD}"/>
+              </a:ext>
+            </a:extLst>
+          </p:cNvPr>
+          <p:cNvSpPr/>
+          <p:nvPr/>
+        </p:nvSpPr>
+        <p:spPr>
+          <a:xfrm>
+            <a:off x="6348718" y="16569295"/>
+            <a:ext cx="2689128" cy="857250"/>
+          </a:xfrm>
+          <a:prstGeom prst="rect">
+            <a:avLst/>
+          </a:prstGeom>
+          <a:solidFill>
+            <a:schemeClr val="bg1"/>
+          </a:solidFill>
+          <a:ln>
+            <a:solidFill>
+              <a:schemeClr val="bg1"/>
+            </a:solidFill>
+          </a:ln>
+        </p:spPr>
+        <p:style>
+          <a:lnRef idx="2">
+            <a:schemeClr val="accent1">
+              <a:shade val="50000"/>
+            </a:schemeClr>
+          </a:lnRef>
+          <a:fillRef idx="1">
+            <a:schemeClr val="accent1"/>
+          </a:fillRef>
+          <a:effectRef idx="0">
+            <a:schemeClr val="accent1"/>
+          </a:effectRef>
+          <a:fontRef idx="minor">
+            <a:schemeClr val="lt1"/>
+          </a:fontRef>
+        </p:style>
+        <p:txBody>
+          <a:bodyPr rtlCol="0" anchor="ctr"/>
+          <a:lstStyle/>
+          <a:p>
+            <a:pPr algn="ctr"/>
+            <a:endParaRPr lang="en-US"/>
+          </a:p>
+        </p:txBody>
+      </p:sp>
+      <p:grpSp>
+        <p:nvGrpSpPr>
+          <p:cNvPr id="88" name="Group 87">
+            <a:extLst>
+              <a:ext uri="{FF2B5EF4-FFF2-40B4-BE49-F238E27FC236}">
+                <a16:creationId xmlns:a16="http://schemas.microsoft.com/office/drawing/2014/main" id="{3C0E0F4B-76B2-4931-BBB9-429650E19DC0}"/>
+              </a:ext>
+            </a:extLst>
+          </p:cNvPr>
+          <p:cNvGrpSpPr/>
+          <p:nvPr/>
+        </p:nvGrpSpPr>
+        <p:grpSpPr>
+          <a:xfrm>
+            <a:off x="5677592" y="17348679"/>
+            <a:ext cx="2589746" cy="647759"/>
+            <a:chOff x="21483123" y="6219785"/>
+            <a:chExt cx="3222211" cy="830998"/>
+          </a:xfrm>
+        </p:grpSpPr>
+        <p:sp>
+          <p:nvSpPr>
+            <p:cNvPr id="89" name="TextBox 88">
+              <a:extLst>
+                <a:ext uri="{FF2B5EF4-FFF2-40B4-BE49-F238E27FC236}">
+                  <a16:creationId xmlns:a16="http://schemas.microsoft.com/office/drawing/2014/main" id="{011F93EB-AB69-4978-9852-BFA6A17A2A63}"/>
+                </a:ext>
+              </a:extLst>
+            </p:cNvPr>
+            <p:cNvSpPr txBox="1"/>
+            <p:nvPr/>
+          </p:nvSpPr>
+          <p:spPr>
+            <a:xfrm>
+              <a:off x="22115703" y="6219785"/>
+              <a:ext cx="2589631" cy="430887"/>
+            </a:xfrm>
+            <a:prstGeom prst="rect">
+              <a:avLst/>
+            </a:prstGeom>
+            <a:solidFill>
+              <a:schemeClr val="bg1"/>
+            </a:solidFill>
+          </p:spPr>
+          <p:txBody>
+            <a:bodyPr wrap="square" rtlCol="0">
+              <a:spAutoFit/>
+            </a:bodyPr>
+            <a:lstStyle/>
+            <a:p>
+              <a:r>
+                <a:rPr lang="en-US" sz="1500" dirty="0">
+                  <a:solidFill>
+                    <a:srgbClr val="202124"/>
+                  </a:solidFill>
+                  <a:latin typeface="Times New Roman" panose="02020603050405020304" pitchFamily="18" charset="0"/>
+                  <a:cs typeface="Times New Roman" panose="02020603050405020304" pitchFamily="18" charset="0"/>
+                </a:rPr>
+                <a:t>Whole BindingDB</a:t>
+              </a:r>
+            </a:p>
+          </p:txBody>
+        </p:sp>
+        <p:sp>
+          <p:nvSpPr>
+            <p:cNvPr id="98" name="Rectangle 97">
+              <a:extLst>
+                <a:ext uri="{FF2B5EF4-FFF2-40B4-BE49-F238E27FC236}">
+                  <a16:creationId xmlns:a16="http://schemas.microsoft.com/office/drawing/2014/main" id="{0F385D80-2FF7-4E4B-8C8D-349C620E2519}"/>
+                </a:ext>
+              </a:extLst>
+            </p:cNvPr>
+            <p:cNvSpPr/>
+            <p:nvPr/>
+          </p:nvSpPr>
+          <p:spPr>
+            <a:xfrm>
+              <a:off x="21483123" y="6296644"/>
+              <a:ext cx="440857" cy="247772"/>
+            </a:xfrm>
+            <a:prstGeom prst="rect">
+              <a:avLst/>
+            </a:prstGeom>
+            <a:solidFill>
+              <a:srgbClr val="D6E5F0"/>
+            </a:solidFill>
+          </p:spPr>
+          <p:style>
+            <a:lnRef idx="2">
+              <a:schemeClr val="accent1">
+                <a:shade val="50000"/>
+              </a:schemeClr>
+            </a:lnRef>
+            <a:fillRef idx="1">
+              <a:schemeClr val="accent1"/>
+            </a:fillRef>
+            <a:effectRef idx="0">
+              <a:schemeClr val="accent1"/>
+            </a:effectRef>
+            <a:fontRef idx="minor">
+              <a:schemeClr val="lt1"/>
+            </a:fontRef>
+          </p:style>
+          <p:txBody>
+            <a:bodyPr rtlCol="0" anchor="ctr"/>
+            <a:lstStyle/>
+            <a:p>
+              <a:pPr algn="ctr"/>
+              <a:endParaRPr lang="en-US" sz="1350"/>
+            </a:p>
+          </p:txBody>
+        </p:sp>
+        <p:sp>
+          <p:nvSpPr>
+            <p:cNvPr id="99" name="Rectangle 98">
+              <a:extLst>
+                <a:ext uri="{FF2B5EF4-FFF2-40B4-BE49-F238E27FC236}">
+                  <a16:creationId xmlns:a16="http://schemas.microsoft.com/office/drawing/2014/main" id="{6AECB5A2-96CD-48A5-8E2D-6C20F5CAA894}"/>
+                </a:ext>
+              </a:extLst>
+            </p:cNvPr>
+            <p:cNvSpPr/>
+            <p:nvPr/>
+          </p:nvSpPr>
+          <p:spPr>
+            <a:xfrm>
+              <a:off x="21483123" y="6721369"/>
+              <a:ext cx="440857" cy="247772"/>
+            </a:xfrm>
+            <a:prstGeom prst="rect">
+              <a:avLst/>
+            </a:prstGeom>
+            <a:solidFill>
+              <a:srgbClr val="F9D0D0"/>
+            </a:solidFill>
+          </p:spPr>
+          <p:style>
+            <a:lnRef idx="2">
+              <a:schemeClr val="accent1">
+                <a:shade val="50000"/>
+              </a:schemeClr>
+            </a:lnRef>
+            <a:fillRef idx="1">
+              <a:schemeClr val="accent1"/>
+            </a:fillRef>
+            <a:effectRef idx="0">
+              <a:schemeClr val="accent1"/>
+            </a:effectRef>
+            <a:fontRef idx="minor">
+              <a:schemeClr val="lt1"/>
+            </a:fontRef>
+          </p:style>
+          <p:txBody>
+            <a:bodyPr rtlCol="0" anchor="ctr"/>
+            <a:lstStyle/>
+            <a:p>
+              <a:pPr algn="ctr"/>
+              <a:endParaRPr lang="en-US" sz="1350"/>
+            </a:p>
+          </p:txBody>
+        </p:sp>
+        <p:sp>
+          <p:nvSpPr>
+            <p:cNvPr id="100" name="TextBox 99">
+              <a:extLst>
+                <a:ext uri="{FF2B5EF4-FFF2-40B4-BE49-F238E27FC236}">
+                  <a16:creationId xmlns:a16="http://schemas.microsoft.com/office/drawing/2014/main" id="{8697859E-AF1F-4FC0-BAD8-1F6EF070B421}"/>
+                </a:ext>
+              </a:extLst>
+            </p:cNvPr>
+            <p:cNvSpPr txBox="1"/>
+            <p:nvPr/>
+          </p:nvSpPr>
+          <p:spPr>
+            <a:xfrm>
+              <a:off x="22108850" y="6619896"/>
+              <a:ext cx="2589631" cy="430887"/>
+            </a:xfrm>
+            <a:prstGeom prst="rect">
+              <a:avLst/>
+            </a:prstGeom>
+            <a:solidFill>
+              <a:schemeClr val="bg1"/>
+            </a:solidFill>
+          </p:spPr>
+          <p:txBody>
+            <a:bodyPr wrap="square" rtlCol="0">
+              <a:spAutoFit/>
+            </a:bodyPr>
+            <a:lstStyle/>
+            <a:p>
+              <a:r>
+                <a:rPr lang="en-US" sz="1500" dirty="0">
+                  <a:solidFill>
+                    <a:srgbClr val="202124"/>
+                  </a:solidFill>
+                  <a:latin typeface="Times New Roman" panose="02020603050405020304" pitchFamily="18" charset="0"/>
+                  <a:cs typeface="Times New Roman" panose="02020603050405020304" pitchFamily="18" charset="0"/>
+                </a:rPr>
+                <a:t>False Positives</a:t>
+              </a:r>
+            </a:p>
+          </p:txBody>
+        </p:sp>
+      </p:grpSp>
+      <p:sp>
+        <p:nvSpPr>
+          <p:cNvPr id="101" name="TextBox 100">
+            <a:extLst>
+              <a:ext uri="{FF2B5EF4-FFF2-40B4-BE49-F238E27FC236}">
+                <a16:creationId xmlns:a16="http://schemas.microsoft.com/office/drawing/2014/main" id="{84AA623C-0CA0-4ACA-BAA5-3400DDE79FB1}"/>
+              </a:ext>
+            </a:extLst>
+          </p:cNvPr>
+          <p:cNvSpPr txBox="1"/>
+          <p:nvPr/>
+        </p:nvSpPr>
+        <p:spPr>
+          <a:xfrm>
+            <a:off x="14953374" y="11574011"/>
+            <a:ext cx="1143132" cy="459696"/>
+          </a:xfrm>
+          <a:prstGeom prst="rect">
+            <a:avLst/>
+          </a:prstGeom>
+          <a:noFill/>
+        </p:spPr>
+        <p:txBody>
+          <a:bodyPr wrap="square" rtlCol="0">
+            <a:spAutoFit/>
+          </a:bodyPr>
+          <a:lstStyle/>
+          <a:p>
+            <a:r>
+              <a:rPr lang="en-US" sz="2274" dirty="0">
+                <a:latin typeface="Times New Roman" panose="02020603050405020304" pitchFamily="18" charset="0"/>
+                <a:cs typeface="Times New Roman" panose="02020603050405020304" pitchFamily="18" charset="0"/>
+              </a:rPr>
+              <a:t>DAO</a:t>
+            </a:r>
+          </a:p>
+        </p:txBody>
+      </p:sp>
+      <p:sp>
+        <p:nvSpPr>
+          <p:cNvPr id="102" name="TextBox 101">
+            <a:extLst>
+              <a:ext uri="{FF2B5EF4-FFF2-40B4-BE49-F238E27FC236}">
+                <a16:creationId xmlns:a16="http://schemas.microsoft.com/office/drawing/2014/main" id="{D930BE1F-4D3C-4DA3-AABD-BC05CCF5CAA9}"/>
+              </a:ext>
+            </a:extLst>
+          </p:cNvPr>
+          <p:cNvSpPr txBox="1"/>
+          <p:nvPr/>
+        </p:nvSpPr>
+        <p:spPr>
+          <a:xfrm>
+            <a:off x="11116132" y="11575731"/>
+            <a:ext cx="1428215" cy="459696"/>
+          </a:xfrm>
+          <a:prstGeom prst="rect">
+            <a:avLst/>
+          </a:prstGeom>
+          <a:noFill/>
+        </p:spPr>
+        <p:txBody>
+          <a:bodyPr wrap="square" rtlCol="0">
+            <a:spAutoFit/>
+          </a:bodyPr>
+          <a:lstStyle/>
+          <a:p>
+            <a:r>
+              <a:rPr lang="en-US" sz="2274" dirty="0">
+                <a:latin typeface="Times New Roman" panose="02020603050405020304" pitchFamily="18" charset="0"/>
+                <a:cs typeface="Times New Roman" panose="02020603050405020304" pitchFamily="18" charset="0"/>
+              </a:rPr>
+              <a:t>AVPR1A</a:t>
+            </a:r>
+          </a:p>
+        </p:txBody>
+      </p:sp>
+      <p:sp>
+        <p:nvSpPr>
+          <p:cNvPr id="103" name="TextBox 102">
+            <a:extLst>
+              <a:ext uri="{FF2B5EF4-FFF2-40B4-BE49-F238E27FC236}">
+                <a16:creationId xmlns:a16="http://schemas.microsoft.com/office/drawing/2014/main" id="{12B3AEAF-5789-4B76-B49A-33409289C4DB}"/>
+              </a:ext>
+            </a:extLst>
+          </p:cNvPr>
+          <p:cNvSpPr txBox="1"/>
+          <p:nvPr/>
+        </p:nvSpPr>
+        <p:spPr>
+          <a:xfrm>
+            <a:off x="18340597" y="11566225"/>
+            <a:ext cx="959280" cy="459696"/>
+          </a:xfrm>
+          <a:prstGeom prst="rect">
+            <a:avLst/>
+          </a:prstGeom>
+          <a:noFill/>
+        </p:spPr>
+        <p:txBody>
+          <a:bodyPr wrap="square" rtlCol="0">
+            <a:spAutoFit/>
+          </a:bodyPr>
+          <a:lstStyle/>
+          <a:p>
+            <a:r>
+              <a:rPr lang="en-US" sz="2274" dirty="0">
+                <a:latin typeface="Times New Roman" panose="02020603050405020304" pitchFamily="18" charset="0"/>
+                <a:cs typeface="Times New Roman" panose="02020603050405020304" pitchFamily="18" charset="0"/>
+              </a:rPr>
+              <a:t>TOP1</a:t>
+            </a:r>
+          </a:p>
+        </p:txBody>
+      </p:sp>
+      <p:sp>
+        <p:nvSpPr>
+          <p:cNvPr id="104" name="Rectangle: Rounded Corners 103">
+            <a:extLst>
+              <a:ext uri="{FF2B5EF4-FFF2-40B4-BE49-F238E27FC236}">
+                <a16:creationId xmlns:a16="http://schemas.microsoft.com/office/drawing/2014/main" id="{BCF7D8C5-6E4C-4DB8-8EE7-941C8C29FB9C}"/>
+              </a:ext>
+            </a:extLst>
+          </p:cNvPr>
+          <p:cNvSpPr/>
+          <p:nvPr/>
+        </p:nvSpPr>
+        <p:spPr>
+          <a:xfrm>
+            <a:off x="10211443" y="11427540"/>
+            <a:ext cx="3237594" cy="5391544"/>
+          </a:xfrm>
+          <a:prstGeom prst="roundRect">
+            <a:avLst/>
+          </a:prstGeom>
+          <a:noFill/>
+          <a:ln w="38100">
+            <a:solidFill>
+              <a:srgbClr val="F9D1D1"/>
+            </a:solidFill>
+          </a:ln>
+        </p:spPr>
+        <p:style>
+          <a:lnRef idx="2">
+            <a:schemeClr val="accent1">
+              <a:shade val="50000"/>
+            </a:schemeClr>
+          </a:lnRef>
+          <a:fillRef idx="1">
+            <a:schemeClr val="accent1"/>
+          </a:fillRef>
+          <a:effectRef idx="0">
+            <a:schemeClr val="accent1"/>
+          </a:effectRef>
+          <a:fontRef idx="minor">
+            <a:schemeClr val="lt1"/>
+          </a:fontRef>
+        </p:style>
+        <p:txBody>
+          <a:bodyPr rtlCol="0" anchor="ctr"/>
+          <a:lstStyle/>
+          <a:p>
+            <a:pPr algn="ctr"/>
+            <a:endParaRPr lang="en-US" sz="1350"/>
+          </a:p>
+        </p:txBody>
+      </p:sp>
+      <p:sp>
+        <p:nvSpPr>
+          <p:cNvPr id="105" name="Rectangle: Rounded Corners 104">
+            <a:extLst>
+              <a:ext uri="{FF2B5EF4-FFF2-40B4-BE49-F238E27FC236}">
+                <a16:creationId xmlns:a16="http://schemas.microsoft.com/office/drawing/2014/main" id="{3151FA7A-096F-433F-909D-4E04C01DBEFF}"/>
+              </a:ext>
+            </a:extLst>
+          </p:cNvPr>
+          <p:cNvSpPr/>
+          <p:nvPr/>
+        </p:nvSpPr>
+        <p:spPr>
+          <a:xfrm>
+            <a:off x="13657356" y="11426644"/>
+            <a:ext cx="3335672" cy="5421180"/>
+          </a:xfrm>
+          <a:prstGeom prst="roundRect">
+            <a:avLst/>
+          </a:prstGeom>
+          <a:noFill/>
+          <a:ln w="38100">
+            <a:solidFill>
+              <a:srgbClr val="F9D1D1"/>
+            </a:solidFill>
+          </a:ln>
+        </p:spPr>
+        <p:style>
+          <a:lnRef idx="2">
+            <a:schemeClr val="accent1">
+              <a:shade val="50000"/>
+            </a:schemeClr>
+          </a:lnRef>
+          <a:fillRef idx="1">
+            <a:schemeClr val="accent1"/>
+          </a:fillRef>
+          <a:effectRef idx="0">
+            <a:schemeClr val="accent1"/>
+          </a:effectRef>
+          <a:fontRef idx="minor">
+            <a:schemeClr val="lt1"/>
+          </a:fontRef>
+        </p:style>
+        <p:txBody>
+          <a:bodyPr rtlCol="0" anchor="ctr"/>
+          <a:lstStyle/>
+          <a:p>
+            <a:pPr algn="ctr"/>
+            <a:endParaRPr lang="en-US" sz="1350"/>
+          </a:p>
+        </p:txBody>
+      </p:sp>
+      <p:sp>
+        <p:nvSpPr>
+          <p:cNvPr id="106" name="TextBox 105">
+            <a:extLst>
+              <a:ext uri="{FF2B5EF4-FFF2-40B4-BE49-F238E27FC236}">
+                <a16:creationId xmlns:a16="http://schemas.microsoft.com/office/drawing/2014/main" id="{0ADC8EB7-4CFA-459F-837B-583940627D3D}"/>
+              </a:ext>
+            </a:extLst>
+          </p:cNvPr>
+          <p:cNvSpPr txBox="1"/>
+          <p:nvPr/>
+        </p:nvSpPr>
+        <p:spPr>
+          <a:xfrm>
+            <a:off x="11198750" y="15345289"/>
+            <a:ext cx="1868613" cy="1207083"/>
+          </a:xfrm>
+          <a:prstGeom prst="rect">
+            <a:avLst/>
+          </a:prstGeom>
+          <a:noFill/>
+        </p:spPr>
+        <p:txBody>
+          <a:bodyPr wrap="square" rtlCol="0">
+            <a:spAutoFit/>
+          </a:bodyPr>
+          <a:lstStyle/>
+          <a:p>
+            <a:r>
+              <a:rPr lang="en-US" sz="2273" dirty="0">
+                <a:latin typeface="Times New Roman" panose="02020603050405020304" pitchFamily="18" charset="0"/>
+                <a:ea typeface="Calibri" panose="020F0502020204030204" pitchFamily="34" charset="0"/>
+                <a:cs typeface="Times New Roman" panose="02020603050405020304" pitchFamily="18" charset="0"/>
+              </a:rPr>
+              <a:t>k</a:t>
+            </a:r>
+            <a:r>
+              <a:rPr lang="en-US" sz="2273" baseline="-25000" dirty="0">
+                <a:latin typeface="Times New Roman" panose="02020603050405020304" pitchFamily="18" charset="0"/>
+                <a:ea typeface="Calibri" panose="020F0502020204030204" pitchFamily="34" charset="0"/>
+                <a:cs typeface="Times New Roman" panose="02020603050405020304" pitchFamily="18" charset="0"/>
+              </a:rPr>
+              <a:t>i</a:t>
+            </a:r>
+            <a:r>
+              <a:rPr lang="en-US" sz="2273" baseline="30000" dirty="0">
+                <a:latin typeface="Times New Roman" panose="02020603050405020304" pitchFamily="18" charset="0"/>
+                <a:ea typeface="Calibri" panose="020F0502020204030204" pitchFamily="34" charset="0"/>
+                <a:cs typeface="Times New Roman" panose="02020603050405020304" pitchFamily="18" charset="0"/>
+              </a:rPr>
+              <a:t>+ </a:t>
+            </a:r>
+            <a:r>
+              <a:rPr lang="en-US" sz="2273" dirty="0">
+                <a:latin typeface="Times New Roman" panose="02020603050405020304" pitchFamily="18" charset="0"/>
+                <a:cs typeface="Times New Roman" panose="02020603050405020304" pitchFamily="18" charset="0"/>
+              </a:rPr>
+              <a:t>= 32</a:t>
+            </a:r>
+            <a:endParaRPr lang="en-US" sz="2274" dirty="0">
+              <a:latin typeface="Times New Roman" panose="02020603050405020304" pitchFamily="18" charset="0"/>
+              <a:cs typeface="Times New Roman" panose="02020603050405020304" pitchFamily="18" charset="0"/>
+            </a:endParaRPr>
+          </a:p>
+          <a:p>
+            <a:r>
+              <a:rPr lang="en-US" sz="2273" dirty="0">
+                <a:latin typeface="Times New Roman" panose="02020603050405020304" pitchFamily="18" charset="0"/>
+                <a:ea typeface="Calibri" panose="020F0502020204030204" pitchFamily="34" charset="0"/>
+                <a:cs typeface="Times New Roman" panose="02020603050405020304" pitchFamily="18" charset="0"/>
+              </a:rPr>
+              <a:t>k</a:t>
+            </a:r>
+            <a:r>
+              <a:rPr lang="en-US" sz="2273" baseline="-25000" dirty="0">
+                <a:latin typeface="Times New Roman" panose="02020603050405020304" pitchFamily="18" charset="0"/>
+                <a:ea typeface="Calibri" panose="020F0502020204030204" pitchFamily="34" charset="0"/>
+                <a:cs typeface="Times New Roman" panose="02020603050405020304" pitchFamily="18" charset="0"/>
+              </a:rPr>
+              <a:t>i</a:t>
+            </a:r>
+            <a:r>
+              <a:rPr lang="en-US" sz="2273" baseline="30000" dirty="0">
+                <a:latin typeface="Times New Roman" panose="02020603050405020304" pitchFamily="18" charset="0"/>
+                <a:ea typeface="Calibri" panose="020F0502020204030204" pitchFamily="34" charset="0"/>
+                <a:cs typeface="Times New Roman" panose="02020603050405020304" pitchFamily="18" charset="0"/>
+              </a:rPr>
+              <a:t>- </a:t>
+            </a:r>
+            <a:r>
+              <a:rPr lang="en-US" sz="2274" dirty="0">
+                <a:latin typeface="Times New Roman" panose="02020603050405020304" pitchFamily="18" charset="0"/>
+                <a:cs typeface="Times New Roman" panose="02020603050405020304" pitchFamily="18" charset="0"/>
+              </a:rPr>
+              <a:t>= 10</a:t>
+            </a:r>
+          </a:p>
+          <a:p>
+            <a:r>
+              <a:rPr lang="el-GR" sz="2273" dirty="0">
+                <a:latin typeface="Times New Roman" panose="02020603050405020304" pitchFamily="18" charset="0"/>
+                <a:ea typeface="Calibri" panose="020F0502020204030204" pitchFamily="34" charset="0"/>
+                <a:cs typeface="Times New Roman" panose="02020603050405020304" pitchFamily="18" charset="0"/>
+              </a:rPr>
+              <a:t>ρ</a:t>
+            </a:r>
+            <a:r>
+              <a:rPr lang="en-US" sz="2273" baseline="-25000" dirty="0">
+                <a:latin typeface="Times New Roman" panose="02020603050405020304" pitchFamily="18" charset="0"/>
+                <a:ea typeface="Calibri" panose="020F0502020204030204" pitchFamily="34" charset="0"/>
+                <a:cs typeface="Times New Roman" panose="02020603050405020304" pitchFamily="18" charset="0"/>
+              </a:rPr>
+              <a:t>i </a:t>
+            </a:r>
+            <a:r>
+              <a:rPr lang="el-GR" sz="2400" dirty="0">
+                <a:solidFill>
+                  <a:srgbClr val="202124"/>
+                </a:solidFill>
+                <a:latin typeface="Times New Roman" panose="02020603050405020304" pitchFamily="18" charset="0"/>
+                <a:cs typeface="Times New Roman" panose="02020603050405020304" pitchFamily="18" charset="0"/>
+              </a:rPr>
+              <a:t> </a:t>
+            </a:r>
+            <a:r>
+              <a:rPr lang="en-US" sz="2274" dirty="0">
+                <a:latin typeface="Times New Roman" panose="02020603050405020304" pitchFamily="18" charset="0"/>
+                <a:cs typeface="Times New Roman" panose="02020603050405020304" pitchFamily="18" charset="0"/>
+              </a:rPr>
+              <a:t>= 0.76</a:t>
+            </a:r>
+          </a:p>
+        </p:txBody>
+      </p:sp>
+      <p:sp>
+        <p:nvSpPr>
+          <p:cNvPr id="107" name="TextBox 106">
+            <a:extLst>
+              <a:ext uri="{FF2B5EF4-FFF2-40B4-BE49-F238E27FC236}">
+                <a16:creationId xmlns:a16="http://schemas.microsoft.com/office/drawing/2014/main" id="{33A10475-181A-421A-9DD8-7AF21DEDFA93}"/>
+              </a:ext>
+            </a:extLst>
+          </p:cNvPr>
+          <p:cNvSpPr txBox="1"/>
+          <p:nvPr/>
+        </p:nvSpPr>
+        <p:spPr>
+          <a:xfrm>
+            <a:off x="14707026" y="15345288"/>
+            <a:ext cx="1868613" cy="1207083"/>
+          </a:xfrm>
+          <a:prstGeom prst="rect">
+            <a:avLst/>
+          </a:prstGeom>
+          <a:noFill/>
+        </p:spPr>
+        <p:txBody>
+          <a:bodyPr wrap="square" rtlCol="0">
+            <a:spAutoFit/>
+          </a:bodyPr>
+          <a:lstStyle/>
+          <a:p>
+            <a:r>
+              <a:rPr lang="en-US" sz="2273" dirty="0">
+                <a:latin typeface="Times New Roman" panose="02020603050405020304" pitchFamily="18" charset="0"/>
+                <a:ea typeface="Calibri" panose="020F0502020204030204" pitchFamily="34" charset="0"/>
+                <a:cs typeface="Times New Roman" panose="02020603050405020304" pitchFamily="18" charset="0"/>
+              </a:rPr>
+              <a:t>k</a:t>
+            </a:r>
+            <a:r>
+              <a:rPr lang="en-US" sz="2273" baseline="-25000" dirty="0">
+                <a:latin typeface="Times New Roman" panose="02020603050405020304" pitchFamily="18" charset="0"/>
+                <a:ea typeface="Calibri" panose="020F0502020204030204" pitchFamily="34" charset="0"/>
+                <a:cs typeface="Times New Roman" panose="02020603050405020304" pitchFamily="18" charset="0"/>
+              </a:rPr>
+              <a:t>i</a:t>
+            </a:r>
+            <a:r>
+              <a:rPr lang="en-US" sz="2273" baseline="30000" dirty="0">
+                <a:latin typeface="Times New Roman" panose="02020603050405020304" pitchFamily="18" charset="0"/>
+                <a:ea typeface="Calibri" panose="020F0502020204030204" pitchFamily="34" charset="0"/>
+                <a:cs typeface="Times New Roman" panose="02020603050405020304" pitchFamily="18" charset="0"/>
+              </a:rPr>
+              <a:t>+ </a:t>
+            </a:r>
+            <a:r>
+              <a:rPr lang="en-US" sz="2273" dirty="0">
+                <a:latin typeface="Times New Roman" panose="02020603050405020304" pitchFamily="18" charset="0"/>
+                <a:cs typeface="Times New Roman" panose="02020603050405020304" pitchFamily="18" charset="0"/>
+              </a:rPr>
+              <a:t>= 9</a:t>
+            </a:r>
+            <a:endParaRPr lang="en-US" sz="2274" dirty="0">
+              <a:latin typeface="Times New Roman" panose="02020603050405020304" pitchFamily="18" charset="0"/>
+              <a:cs typeface="Times New Roman" panose="02020603050405020304" pitchFamily="18" charset="0"/>
+            </a:endParaRPr>
+          </a:p>
+          <a:p>
+            <a:r>
+              <a:rPr lang="en-US" sz="2273" dirty="0">
+                <a:latin typeface="Times New Roman" panose="02020603050405020304" pitchFamily="18" charset="0"/>
+                <a:ea typeface="Calibri" panose="020F0502020204030204" pitchFamily="34" charset="0"/>
+                <a:cs typeface="Times New Roman" panose="02020603050405020304" pitchFamily="18" charset="0"/>
+              </a:rPr>
+              <a:t>k</a:t>
+            </a:r>
+            <a:r>
+              <a:rPr lang="en-US" sz="2273" baseline="-25000" dirty="0">
+                <a:latin typeface="Times New Roman" panose="02020603050405020304" pitchFamily="18" charset="0"/>
+                <a:ea typeface="Calibri" panose="020F0502020204030204" pitchFamily="34" charset="0"/>
+                <a:cs typeface="Times New Roman" panose="02020603050405020304" pitchFamily="18" charset="0"/>
+              </a:rPr>
+              <a:t>i</a:t>
+            </a:r>
+            <a:r>
+              <a:rPr lang="en-US" sz="2273" baseline="30000" dirty="0">
+                <a:latin typeface="Times New Roman" panose="02020603050405020304" pitchFamily="18" charset="0"/>
+                <a:ea typeface="Calibri" panose="020F0502020204030204" pitchFamily="34" charset="0"/>
+                <a:cs typeface="Times New Roman" panose="02020603050405020304" pitchFamily="18" charset="0"/>
+              </a:rPr>
+              <a:t>- </a:t>
+            </a:r>
+            <a:r>
+              <a:rPr lang="en-US" sz="2274" dirty="0">
+                <a:latin typeface="Times New Roman" panose="02020603050405020304" pitchFamily="18" charset="0"/>
+                <a:cs typeface="Times New Roman" panose="02020603050405020304" pitchFamily="18" charset="0"/>
+              </a:rPr>
+              <a:t>= 2</a:t>
+            </a:r>
+          </a:p>
+          <a:p>
+            <a:r>
+              <a:rPr lang="el-GR" sz="2273" dirty="0">
+                <a:latin typeface="Times New Roman" panose="02020603050405020304" pitchFamily="18" charset="0"/>
+                <a:ea typeface="Calibri" panose="020F0502020204030204" pitchFamily="34" charset="0"/>
+                <a:cs typeface="Times New Roman" panose="02020603050405020304" pitchFamily="18" charset="0"/>
+              </a:rPr>
+              <a:t>ρ</a:t>
+            </a:r>
+            <a:r>
+              <a:rPr lang="en-US" sz="2273" baseline="-25000" dirty="0">
+                <a:latin typeface="Times New Roman" panose="02020603050405020304" pitchFamily="18" charset="0"/>
+                <a:ea typeface="Calibri" panose="020F0502020204030204" pitchFamily="34" charset="0"/>
+                <a:cs typeface="Times New Roman" panose="02020603050405020304" pitchFamily="18" charset="0"/>
+              </a:rPr>
+              <a:t>i </a:t>
+            </a:r>
+            <a:r>
+              <a:rPr lang="el-GR" sz="2400" dirty="0">
+                <a:solidFill>
+                  <a:srgbClr val="202124"/>
+                </a:solidFill>
+                <a:latin typeface="Times New Roman" panose="02020603050405020304" pitchFamily="18" charset="0"/>
+                <a:cs typeface="Times New Roman" panose="02020603050405020304" pitchFamily="18" charset="0"/>
+              </a:rPr>
+              <a:t> </a:t>
+            </a:r>
+            <a:r>
+              <a:rPr lang="en-US" sz="2274" dirty="0">
+                <a:latin typeface="Times New Roman" panose="02020603050405020304" pitchFamily="18" charset="0"/>
+                <a:cs typeface="Times New Roman" panose="02020603050405020304" pitchFamily="18" charset="0"/>
+              </a:rPr>
+              <a:t>= 0.82</a:t>
+            </a:r>
+          </a:p>
+        </p:txBody>
+      </p:sp>
+      <p:sp>
+        <p:nvSpPr>
+          <p:cNvPr id="108" name="TextBox 107">
+            <a:extLst>
+              <a:ext uri="{FF2B5EF4-FFF2-40B4-BE49-F238E27FC236}">
+                <a16:creationId xmlns:a16="http://schemas.microsoft.com/office/drawing/2014/main" id="{8D6A87E1-F55C-4AB0-A234-D2232FB503E5}"/>
+              </a:ext>
+            </a:extLst>
+          </p:cNvPr>
+          <p:cNvSpPr txBox="1"/>
+          <p:nvPr/>
+        </p:nvSpPr>
+        <p:spPr>
+          <a:xfrm>
+            <a:off x="18281924" y="15335372"/>
+            <a:ext cx="1868613" cy="1207083"/>
+          </a:xfrm>
+          <a:prstGeom prst="rect">
+            <a:avLst/>
+          </a:prstGeom>
+          <a:noFill/>
+        </p:spPr>
+        <p:txBody>
+          <a:bodyPr wrap="square" rtlCol="0">
+            <a:spAutoFit/>
+          </a:bodyPr>
+          <a:lstStyle/>
+          <a:p>
+            <a:r>
+              <a:rPr lang="en-US" sz="2273" dirty="0">
+                <a:latin typeface="Times New Roman" panose="02020603050405020304" pitchFamily="18" charset="0"/>
+                <a:ea typeface="Calibri" panose="020F0502020204030204" pitchFamily="34" charset="0"/>
+                <a:cs typeface="Times New Roman" panose="02020603050405020304" pitchFamily="18" charset="0"/>
+              </a:rPr>
+              <a:t>k</a:t>
+            </a:r>
+            <a:r>
+              <a:rPr lang="en-US" sz="2273" baseline="-25000" dirty="0">
+                <a:latin typeface="Times New Roman" panose="02020603050405020304" pitchFamily="18" charset="0"/>
+                <a:ea typeface="Calibri" panose="020F0502020204030204" pitchFamily="34" charset="0"/>
+                <a:cs typeface="Times New Roman" panose="02020603050405020304" pitchFamily="18" charset="0"/>
+              </a:rPr>
+              <a:t>i</a:t>
+            </a:r>
+            <a:r>
+              <a:rPr lang="en-US" sz="2273" baseline="30000" dirty="0">
+                <a:latin typeface="Times New Roman" panose="02020603050405020304" pitchFamily="18" charset="0"/>
+                <a:ea typeface="Calibri" panose="020F0502020204030204" pitchFamily="34" charset="0"/>
+                <a:cs typeface="Times New Roman" panose="02020603050405020304" pitchFamily="18" charset="0"/>
+              </a:rPr>
+              <a:t>+ </a:t>
+            </a:r>
+            <a:r>
+              <a:rPr lang="en-US" sz="2273" dirty="0">
+                <a:latin typeface="Times New Roman" panose="02020603050405020304" pitchFamily="18" charset="0"/>
+                <a:cs typeface="Times New Roman" panose="02020603050405020304" pitchFamily="18" charset="0"/>
+              </a:rPr>
+              <a:t>= 3</a:t>
+            </a:r>
+            <a:endParaRPr lang="en-US" sz="2274" dirty="0">
+              <a:latin typeface="Times New Roman" panose="02020603050405020304" pitchFamily="18" charset="0"/>
+              <a:cs typeface="Times New Roman" panose="02020603050405020304" pitchFamily="18" charset="0"/>
+            </a:endParaRPr>
+          </a:p>
+          <a:p>
+            <a:r>
+              <a:rPr lang="en-US" sz="2273" dirty="0">
+                <a:latin typeface="Times New Roman" panose="02020603050405020304" pitchFamily="18" charset="0"/>
+                <a:ea typeface="Calibri" panose="020F0502020204030204" pitchFamily="34" charset="0"/>
+                <a:cs typeface="Times New Roman" panose="02020603050405020304" pitchFamily="18" charset="0"/>
+              </a:rPr>
+              <a:t>k</a:t>
+            </a:r>
+            <a:r>
+              <a:rPr lang="en-US" sz="2273" baseline="-25000" dirty="0">
+                <a:latin typeface="Times New Roman" panose="02020603050405020304" pitchFamily="18" charset="0"/>
+                <a:ea typeface="Calibri" panose="020F0502020204030204" pitchFamily="34" charset="0"/>
+                <a:cs typeface="Times New Roman" panose="02020603050405020304" pitchFamily="18" charset="0"/>
+              </a:rPr>
+              <a:t>i</a:t>
+            </a:r>
+            <a:r>
+              <a:rPr lang="en-US" sz="2273" baseline="30000" dirty="0">
+                <a:latin typeface="Times New Roman" panose="02020603050405020304" pitchFamily="18" charset="0"/>
+                <a:ea typeface="Calibri" panose="020F0502020204030204" pitchFamily="34" charset="0"/>
+                <a:cs typeface="Times New Roman" panose="02020603050405020304" pitchFamily="18" charset="0"/>
+              </a:rPr>
+              <a:t>- </a:t>
+            </a:r>
+            <a:r>
+              <a:rPr lang="en-US" sz="2274" dirty="0">
+                <a:latin typeface="Times New Roman" panose="02020603050405020304" pitchFamily="18" charset="0"/>
+                <a:cs typeface="Times New Roman" panose="02020603050405020304" pitchFamily="18" charset="0"/>
+              </a:rPr>
+              <a:t>= 0</a:t>
+            </a:r>
+          </a:p>
+          <a:p>
+            <a:r>
+              <a:rPr lang="el-GR" sz="2273" dirty="0">
+                <a:latin typeface="Times New Roman" panose="02020603050405020304" pitchFamily="18" charset="0"/>
+                <a:ea typeface="Calibri" panose="020F0502020204030204" pitchFamily="34" charset="0"/>
+                <a:cs typeface="Times New Roman" panose="02020603050405020304" pitchFamily="18" charset="0"/>
+              </a:rPr>
+              <a:t>ρ</a:t>
+            </a:r>
+            <a:r>
+              <a:rPr lang="en-US" sz="2273" baseline="-25000" dirty="0">
+                <a:latin typeface="Times New Roman" panose="02020603050405020304" pitchFamily="18" charset="0"/>
+                <a:ea typeface="Calibri" panose="020F0502020204030204" pitchFamily="34" charset="0"/>
+                <a:cs typeface="Times New Roman" panose="02020603050405020304" pitchFamily="18" charset="0"/>
+              </a:rPr>
+              <a:t>i </a:t>
+            </a:r>
+            <a:r>
+              <a:rPr lang="el-GR" sz="2400" dirty="0">
+                <a:solidFill>
+                  <a:srgbClr val="202124"/>
+                </a:solidFill>
+                <a:latin typeface="Times New Roman" panose="02020603050405020304" pitchFamily="18" charset="0"/>
+                <a:cs typeface="Times New Roman" panose="02020603050405020304" pitchFamily="18" charset="0"/>
+              </a:rPr>
+              <a:t> </a:t>
+            </a:r>
+            <a:r>
+              <a:rPr lang="en-US" sz="2274" dirty="0">
+                <a:latin typeface="Times New Roman" panose="02020603050405020304" pitchFamily="18" charset="0"/>
+                <a:cs typeface="Times New Roman" panose="02020603050405020304" pitchFamily="18" charset="0"/>
+              </a:rPr>
+              <a:t>= 1.0</a:t>
+            </a:r>
+          </a:p>
+        </p:txBody>
+      </p:sp>
+      <p:pic>
+        <p:nvPicPr>
+          <p:cNvPr id="109" name="Picture 108">
+            <a:extLst>
+              <a:ext uri="{FF2B5EF4-FFF2-40B4-BE49-F238E27FC236}">
+                <a16:creationId xmlns:a16="http://schemas.microsoft.com/office/drawing/2014/main" id="{DEB60A45-21D7-4002-BE62-860F7899B523}"/>
+              </a:ext>
+            </a:extLst>
+          </p:cNvPr>
+          <p:cNvPicPr>
+            <a:picLocks noChangeAspect="1"/>
+          </p:cNvPicPr>
+          <p:nvPr/>
+        </p:nvPicPr>
+        <p:blipFill>
+          <a:blip r:embed="rId10"/>
+          <a:stretch>
+            <a:fillRect/>
+          </a:stretch>
+        </p:blipFill>
+        <p:spPr>
+          <a:xfrm>
+            <a:off x="17713608" y="12489173"/>
+            <a:ext cx="2168166" cy="2379391"/>
+          </a:xfrm>
+          <a:prstGeom prst="rect">
+            <a:avLst/>
+          </a:prstGeom>
+        </p:spPr>
+      </p:pic>
+      <p:pic>
+        <p:nvPicPr>
+          <p:cNvPr id="110" name="Picture 109">
+            <a:extLst>
+              <a:ext uri="{FF2B5EF4-FFF2-40B4-BE49-F238E27FC236}">
+                <a16:creationId xmlns:a16="http://schemas.microsoft.com/office/drawing/2014/main" id="{2C67A3A9-2D0F-407B-BD07-0EC226371629}"/>
+              </a:ext>
+            </a:extLst>
+          </p:cNvPr>
+          <p:cNvPicPr>
+            <a:picLocks noChangeAspect="1"/>
+          </p:cNvPicPr>
+          <p:nvPr/>
+        </p:nvPicPr>
+        <p:blipFill>
+          <a:blip r:embed="rId11"/>
+          <a:stretch>
+            <a:fillRect/>
+          </a:stretch>
+        </p:blipFill>
+        <p:spPr>
+          <a:xfrm>
+            <a:off x="14573659" y="11970204"/>
+            <a:ext cx="1566665" cy="3365168"/>
+          </a:xfrm>
+          <a:prstGeom prst="rect">
+            <a:avLst/>
+          </a:prstGeom>
+        </p:spPr>
+      </p:pic>
+      <p:pic>
+        <p:nvPicPr>
+          <p:cNvPr id="111" name="Picture 110">
+            <a:extLst>
+              <a:ext uri="{FF2B5EF4-FFF2-40B4-BE49-F238E27FC236}">
+                <a16:creationId xmlns:a16="http://schemas.microsoft.com/office/drawing/2014/main" id="{04CF9A25-C91A-479B-A09A-9B047B46F55C}"/>
+              </a:ext>
+            </a:extLst>
+          </p:cNvPr>
+          <p:cNvPicPr>
+            <a:picLocks noChangeAspect="1"/>
+          </p:cNvPicPr>
+          <p:nvPr/>
+        </p:nvPicPr>
+        <p:blipFill>
+          <a:blip r:embed="rId12"/>
+          <a:stretch>
+            <a:fillRect/>
+          </a:stretch>
+        </p:blipFill>
+        <p:spPr>
+          <a:xfrm>
+            <a:off x="11075128" y="12295498"/>
+            <a:ext cx="1692367" cy="3039874"/>
+          </a:xfrm>
+          <a:prstGeom prst="rect">
+            <a:avLst/>
+          </a:prstGeom>
+        </p:spPr>
+      </p:pic>
+      <p:sp>
+        <p:nvSpPr>
+          <p:cNvPr id="112" name="Rectangle: Rounded Corners 111">
+            <a:extLst>
+              <a:ext uri="{FF2B5EF4-FFF2-40B4-BE49-F238E27FC236}">
+                <a16:creationId xmlns:a16="http://schemas.microsoft.com/office/drawing/2014/main" id="{BEF6B4AD-D0B9-4A81-9BEF-7F402BFD358D}"/>
+              </a:ext>
+            </a:extLst>
+          </p:cNvPr>
+          <p:cNvSpPr/>
+          <p:nvPr/>
+        </p:nvSpPr>
+        <p:spPr>
+          <a:xfrm>
+            <a:off x="17170817" y="11437692"/>
+            <a:ext cx="3237594" cy="5421180"/>
+          </a:xfrm>
+          <a:prstGeom prst="roundRect">
+            <a:avLst/>
+          </a:prstGeom>
+          <a:noFill/>
+          <a:ln w="38100">
+            <a:solidFill>
+              <a:srgbClr val="F9D1D1"/>
+            </a:solidFill>
+          </a:ln>
+        </p:spPr>
+        <p:style>
+          <a:lnRef idx="2">
+            <a:schemeClr val="accent1">
+              <a:shade val="50000"/>
+            </a:schemeClr>
+          </a:lnRef>
+          <a:fillRef idx="1">
+            <a:schemeClr val="accent1"/>
+          </a:fillRef>
+          <a:effectRef idx="0">
+            <a:schemeClr val="accent1"/>
+          </a:effectRef>
+          <a:fontRef idx="minor">
+            <a:schemeClr val="lt1"/>
+          </a:fontRef>
+        </p:style>
+        <p:txBody>
+          <a:bodyPr rtlCol="0" anchor="ctr"/>
+          <a:lstStyle/>
+          <a:p>
+            <a:pPr algn="ctr"/>
+            <a:endParaRPr lang="en-US" sz="1350"/>
+          </a:p>
+        </p:txBody>
+      </p:sp>
     </p:spTree>
     <p:extLst>
       <p:ext uri="{BB962C8B-B14F-4D97-AF65-F5344CB8AC3E}">

--- a/Images/fig1a.pptx
+++ b/Images/fig1a.pptx
@@ -2,7 +2,7 @@
 <file path=ppt/presentation.xml><?xml version="1.0" encoding="utf-8"?>
 <p:presentation xmlns:a="http://schemas.openxmlformats.org/drawingml/2006/main" xmlns:r="http://schemas.openxmlformats.org/officeDocument/2006/relationships" xmlns:p="http://schemas.openxmlformats.org/presentationml/2006/main" saveSubsetFonts="1">
   <p:sldMasterIdLst>
-    <p:sldMasterId id="2147483936" r:id="rId1"/>
+    <p:sldMasterId id="2147483948" r:id="rId1"/>
   </p:sldMasterIdLst>
   <p:notesMasterIdLst>
     <p:notesMasterId r:id="rId3"/>
@@ -10,7 +10,7 @@
   <p:sldIdLst>
     <p:sldId id="256" r:id="rId2"/>
   </p:sldIdLst>
-  <p:sldSz cx="21945600" cy="21945600"/>
+  <p:sldSz cx="21945600" cy="36576000"/>
   <p:notesSz cx="6858000" cy="9144000"/>
   <p:defaultTextStyle>
     <a:defPPr>
@@ -197,7 +197,7 @@
           <a:p>
             <a:fld id="{D34CEA9E-E5A5-49C8-A578-AF124664FEC0}" type="datetimeFigureOut">
               <a:rPr lang="en-US" smtClean="0"/>
-              <a:t>10/25/2021</a:t>
+              <a:t>11/8/2021</a:t>
             </a:fld>
             <a:endParaRPr lang="en-US"/>
           </a:p>
@@ -215,8 +215,8 @@
         </p:nvSpPr>
         <p:spPr>
           <a:xfrm>
-            <a:off x="1885950" y="1143000"/>
-            <a:ext cx="3086100" cy="3086100"/>
+            <a:off x="2503488" y="1143000"/>
+            <a:ext cx="1851025" cy="3086100"/>
           </a:xfrm>
           <a:prstGeom prst="rect">
             <a:avLst/>
@@ -493,8 +493,8 @@
         </p:nvSpPr>
         <p:spPr>
           <a:xfrm>
-            <a:off x="1885950" y="1143000"/>
-            <a:ext cx="3086100" cy="3086100"/>
+            <a:off x="2503488" y="1143000"/>
+            <a:ext cx="1851025" cy="3086100"/>
           </a:xfrm>
         </p:spPr>
       </p:sp>
@@ -652,8 +652,8 @@
         </p:nvSpPr>
         <p:spPr>
           <a:xfrm>
-            <a:off x="1645920" y="3591562"/>
-            <a:ext cx="18653760" cy="7640320"/>
+            <a:off x="1645920" y="5985936"/>
+            <a:ext cx="18653760" cy="12733867"/>
           </a:xfrm>
         </p:spPr>
         <p:txBody>
@@ -684,8 +684,8 @@
         </p:nvSpPr>
         <p:spPr>
           <a:xfrm>
-            <a:off x="2743200" y="11526522"/>
-            <a:ext cx="16459200" cy="5298438"/>
+            <a:off x="2743200" y="19210869"/>
+            <a:ext cx="16459200" cy="8830731"/>
           </a:xfrm>
         </p:spPr>
         <p:txBody>
@@ -754,7 +754,7 @@
           <a:p>
             <a:fld id="{BA05AF01-4F0E-4718-A4C1-DFCBB47EE5F2}" type="datetimeFigureOut">
               <a:rPr lang="en-US" smtClean="0"/>
-              <a:t>10/25/2021</a:t>
+              <a:t>11/8/2021</a:t>
             </a:fld>
             <a:endParaRPr lang="en-US"/>
           </a:p>
@@ -805,7 +805,7 @@
     </p:spTree>
     <p:extLst>
       <p:ext uri="{BB962C8B-B14F-4D97-AF65-F5344CB8AC3E}">
-        <p14:creationId xmlns:p14="http://schemas.microsoft.com/office/powerpoint/2010/main" val="3006105898"/>
+        <p14:creationId xmlns:p14="http://schemas.microsoft.com/office/powerpoint/2010/main" val="4168649024"/>
       </p:ext>
     </p:extLst>
   </p:cSld>
@@ -924,7 +924,7 @@
           <a:p>
             <a:fld id="{BA05AF01-4F0E-4718-A4C1-DFCBB47EE5F2}" type="datetimeFigureOut">
               <a:rPr lang="en-US" smtClean="0"/>
-              <a:t>10/25/2021</a:t>
+              <a:t>11/8/2021</a:t>
             </a:fld>
             <a:endParaRPr lang="en-US"/>
           </a:p>
@@ -975,7 +975,7 @@
     </p:spTree>
     <p:extLst>
       <p:ext uri="{BB962C8B-B14F-4D97-AF65-F5344CB8AC3E}">
-        <p14:creationId xmlns:p14="http://schemas.microsoft.com/office/powerpoint/2010/main" val="1651507572"/>
+        <p14:creationId xmlns:p14="http://schemas.microsoft.com/office/powerpoint/2010/main" val="2443598742"/>
       </p:ext>
     </p:extLst>
   </p:cSld>
@@ -1014,8 +1014,8 @@
         </p:nvSpPr>
         <p:spPr>
           <a:xfrm>
-            <a:off x="15704821" y="1168400"/>
-            <a:ext cx="4732020" cy="18597882"/>
+            <a:off x="15704821" y="1947334"/>
+            <a:ext cx="4732020" cy="30996469"/>
           </a:xfrm>
         </p:spPr>
         <p:txBody>
@@ -1042,8 +1042,8 @@
         </p:nvSpPr>
         <p:spPr>
           <a:xfrm>
-            <a:off x="1508761" y="1168400"/>
-            <a:ext cx="13921740" cy="18597882"/>
+            <a:off x="1508761" y="1947334"/>
+            <a:ext cx="13921740" cy="30996469"/>
           </a:xfrm>
         </p:spPr>
         <p:txBody>
@@ -1104,7 +1104,7 @@
           <a:p>
             <a:fld id="{BA05AF01-4F0E-4718-A4C1-DFCBB47EE5F2}" type="datetimeFigureOut">
               <a:rPr lang="en-US" smtClean="0"/>
-              <a:t>10/25/2021</a:t>
+              <a:t>11/8/2021</a:t>
             </a:fld>
             <a:endParaRPr lang="en-US"/>
           </a:p>
@@ -1155,7 +1155,7 @@
     </p:spTree>
     <p:extLst>
       <p:ext uri="{BB962C8B-B14F-4D97-AF65-F5344CB8AC3E}">
-        <p14:creationId xmlns:p14="http://schemas.microsoft.com/office/powerpoint/2010/main" val="1063604682"/>
+        <p14:creationId xmlns:p14="http://schemas.microsoft.com/office/powerpoint/2010/main" val="3172355805"/>
       </p:ext>
     </p:extLst>
   </p:cSld>
@@ -1274,7 +1274,7 @@
           <a:p>
             <a:fld id="{BA05AF01-4F0E-4718-A4C1-DFCBB47EE5F2}" type="datetimeFigureOut">
               <a:rPr lang="en-US" smtClean="0"/>
-              <a:t>10/25/2021</a:t>
+              <a:t>11/8/2021</a:t>
             </a:fld>
             <a:endParaRPr lang="en-US"/>
           </a:p>
@@ -1325,7 +1325,7 @@
     </p:spTree>
     <p:extLst>
       <p:ext uri="{BB962C8B-B14F-4D97-AF65-F5344CB8AC3E}">
-        <p14:creationId xmlns:p14="http://schemas.microsoft.com/office/powerpoint/2010/main" val="3431027665"/>
+        <p14:creationId xmlns:p14="http://schemas.microsoft.com/office/powerpoint/2010/main" val="2591624342"/>
       </p:ext>
     </p:extLst>
   </p:cSld>
@@ -1364,8 +1364,8 @@
         </p:nvSpPr>
         <p:spPr>
           <a:xfrm>
-            <a:off x="1497331" y="5471167"/>
-            <a:ext cx="18928080" cy="9128758"/>
+            <a:off x="1497331" y="9118611"/>
+            <a:ext cx="18928080" cy="15214597"/>
           </a:xfrm>
         </p:spPr>
         <p:txBody>
@@ -1396,8 +1396,8 @@
         </p:nvSpPr>
         <p:spPr>
           <a:xfrm>
-            <a:off x="1497331" y="14686287"/>
-            <a:ext cx="18928080" cy="4800598"/>
+            <a:off x="1497331" y="24477144"/>
+            <a:ext cx="18928080" cy="8000997"/>
           </a:xfrm>
         </p:spPr>
         <p:txBody>
@@ -1518,7 +1518,7 @@
           <a:p>
             <a:fld id="{BA05AF01-4F0E-4718-A4C1-DFCBB47EE5F2}" type="datetimeFigureOut">
               <a:rPr lang="en-US" smtClean="0"/>
-              <a:t>10/25/2021</a:t>
+              <a:t>11/8/2021</a:t>
             </a:fld>
             <a:endParaRPr lang="en-US"/>
           </a:p>
@@ -1569,7 +1569,7 @@
     </p:spTree>
     <p:extLst>
       <p:ext uri="{BB962C8B-B14F-4D97-AF65-F5344CB8AC3E}">
-        <p14:creationId xmlns:p14="http://schemas.microsoft.com/office/powerpoint/2010/main" val="2481876374"/>
+        <p14:creationId xmlns:p14="http://schemas.microsoft.com/office/powerpoint/2010/main" val="3566285238"/>
       </p:ext>
     </p:extLst>
   </p:cSld>
@@ -1631,8 +1631,8 @@
         </p:nvSpPr>
         <p:spPr>
           <a:xfrm>
-            <a:off x="1508760" y="5842000"/>
-            <a:ext cx="9326880" cy="13924282"/>
+            <a:off x="1508760" y="9736667"/>
+            <a:ext cx="9326880" cy="23207136"/>
           </a:xfrm>
         </p:spPr>
         <p:txBody>
@@ -1688,8 +1688,8 @@
         </p:nvSpPr>
         <p:spPr>
           <a:xfrm>
-            <a:off x="11109960" y="5842000"/>
-            <a:ext cx="9326880" cy="13924282"/>
+            <a:off x="11109960" y="9736667"/>
+            <a:ext cx="9326880" cy="23207136"/>
           </a:xfrm>
         </p:spPr>
         <p:txBody>
@@ -1750,7 +1750,7 @@
           <a:p>
             <a:fld id="{BA05AF01-4F0E-4718-A4C1-DFCBB47EE5F2}" type="datetimeFigureOut">
               <a:rPr lang="en-US" smtClean="0"/>
-              <a:t>10/25/2021</a:t>
+              <a:t>11/8/2021</a:t>
             </a:fld>
             <a:endParaRPr lang="en-US"/>
           </a:p>
@@ -1801,7 +1801,7 @@
     </p:spTree>
     <p:extLst>
       <p:ext uri="{BB962C8B-B14F-4D97-AF65-F5344CB8AC3E}">
-        <p14:creationId xmlns:p14="http://schemas.microsoft.com/office/powerpoint/2010/main" val="740824940"/>
+        <p14:creationId xmlns:p14="http://schemas.microsoft.com/office/powerpoint/2010/main" val="2065729112"/>
       </p:ext>
     </p:extLst>
   </p:cSld>
@@ -1840,8 +1840,8 @@
         </p:nvSpPr>
         <p:spPr>
           <a:xfrm>
-            <a:off x="1511618" y="1168405"/>
-            <a:ext cx="18928080" cy="4241802"/>
+            <a:off x="1511618" y="1947342"/>
+            <a:ext cx="18928080" cy="7069669"/>
           </a:xfrm>
         </p:spPr>
         <p:txBody>
@@ -1868,8 +1868,8 @@
         </p:nvSpPr>
         <p:spPr>
           <a:xfrm>
-            <a:off x="1511621" y="5379722"/>
-            <a:ext cx="9284016" cy="2636518"/>
+            <a:off x="1511621" y="8966203"/>
+            <a:ext cx="9284016" cy="4394197"/>
           </a:xfrm>
         </p:spPr>
         <p:txBody>
@@ -1933,8 +1933,8 @@
         </p:nvSpPr>
         <p:spPr>
           <a:xfrm>
-            <a:off x="1511621" y="8016240"/>
-            <a:ext cx="9284016" cy="11790682"/>
+            <a:off x="1511621" y="13360400"/>
+            <a:ext cx="9284016" cy="19651136"/>
           </a:xfrm>
         </p:spPr>
         <p:txBody>
@@ -1990,8 +1990,8 @@
         </p:nvSpPr>
         <p:spPr>
           <a:xfrm>
-            <a:off x="11109961" y="5379722"/>
-            <a:ext cx="9329738" cy="2636518"/>
+            <a:off x="11109961" y="8966203"/>
+            <a:ext cx="9329738" cy="4394197"/>
           </a:xfrm>
         </p:spPr>
         <p:txBody>
@@ -2055,8 +2055,8 @@
         </p:nvSpPr>
         <p:spPr>
           <a:xfrm>
-            <a:off x="11109961" y="8016240"/>
-            <a:ext cx="9329738" cy="11790682"/>
+            <a:off x="11109961" y="13360400"/>
+            <a:ext cx="9329738" cy="19651136"/>
           </a:xfrm>
         </p:spPr>
         <p:txBody>
@@ -2117,7 +2117,7 @@
           <a:p>
             <a:fld id="{BA05AF01-4F0E-4718-A4C1-DFCBB47EE5F2}" type="datetimeFigureOut">
               <a:rPr lang="en-US" smtClean="0"/>
-              <a:t>10/25/2021</a:t>
+              <a:t>11/8/2021</a:t>
             </a:fld>
             <a:endParaRPr lang="en-US"/>
           </a:p>
@@ -2168,7 +2168,7 @@
     </p:spTree>
     <p:extLst>
       <p:ext uri="{BB962C8B-B14F-4D97-AF65-F5344CB8AC3E}">
-        <p14:creationId xmlns:p14="http://schemas.microsoft.com/office/powerpoint/2010/main" val="3015984915"/>
+        <p14:creationId xmlns:p14="http://schemas.microsoft.com/office/powerpoint/2010/main" val="2684947416"/>
       </p:ext>
     </p:extLst>
   </p:cSld>
@@ -2235,7 +2235,7 @@
           <a:p>
             <a:fld id="{BA05AF01-4F0E-4718-A4C1-DFCBB47EE5F2}" type="datetimeFigureOut">
               <a:rPr lang="en-US" smtClean="0"/>
-              <a:t>10/25/2021</a:t>
+              <a:t>11/8/2021</a:t>
             </a:fld>
             <a:endParaRPr lang="en-US"/>
           </a:p>
@@ -2286,7 +2286,7 @@
     </p:spTree>
     <p:extLst>
       <p:ext uri="{BB962C8B-B14F-4D97-AF65-F5344CB8AC3E}">
-        <p14:creationId xmlns:p14="http://schemas.microsoft.com/office/powerpoint/2010/main" val="1964076728"/>
+        <p14:creationId xmlns:p14="http://schemas.microsoft.com/office/powerpoint/2010/main" val="2392574877"/>
       </p:ext>
     </p:extLst>
   </p:cSld>
@@ -2330,7 +2330,7 @@
           <a:p>
             <a:fld id="{BA05AF01-4F0E-4718-A4C1-DFCBB47EE5F2}" type="datetimeFigureOut">
               <a:rPr lang="en-US" smtClean="0"/>
-              <a:t>10/25/2021</a:t>
+              <a:t>11/8/2021</a:t>
             </a:fld>
             <a:endParaRPr lang="en-US"/>
           </a:p>
@@ -2381,7 +2381,7 @@
     </p:spTree>
     <p:extLst>
       <p:ext uri="{BB962C8B-B14F-4D97-AF65-F5344CB8AC3E}">
-        <p14:creationId xmlns:p14="http://schemas.microsoft.com/office/powerpoint/2010/main" val="2352732015"/>
+        <p14:creationId xmlns:p14="http://schemas.microsoft.com/office/powerpoint/2010/main" val="3770946720"/>
       </p:ext>
     </p:extLst>
   </p:cSld>
@@ -2420,8 +2420,8 @@
         </p:nvSpPr>
         <p:spPr>
           <a:xfrm>
-            <a:off x="1511619" y="1463040"/>
-            <a:ext cx="7078027" cy="5120640"/>
+            <a:off x="1511619" y="2438400"/>
+            <a:ext cx="7078027" cy="8534400"/>
           </a:xfrm>
         </p:spPr>
         <p:txBody>
@@ -2452,8 +2452,8 @@
         </p:nvSpPr>
         <p:spPr>
           <a:xfrm>
-            <a:off x="9329738" y="3159765"/>
-            <a:ext cx="11109960" cy="15595600"/>
+            <a:off x="9329738" y="5266275"/>
+            <a:ext cx="11109960" cy="25992667"/>
           </a:xfrm>
         </p:spPr>
         <p:txBody>
@@ -2537,8 +2537,8 @@
         </p:nvSpPr>
         <p:spPr>
           <a:xfrm>
-            <a:off x="1511619" y="6583680"/>
-            <a:ext cx="7078027" cy="12197082"/>
+            <a:off x="1511619" y="10972800"/>
+            <a:ext cx="7078027" cy="20328469"/>
           </a:xfrm>
         </p:spPr>
         <p:txBody>
@@ -2607,7 +2607,7 @@
           <a:p>
             <a:fld id="{BA05AF01-4F0E-4718-A4C1-DFCBB47EE5F2}" type="datetimeFigureOut">
               <a:rPr lang="en-US" smtClean="0"/>
-              <a:t>10/25/2021</a:t>
+              <a:t>11/8/2021</a:t>
             </a:fld>
             <a:endParaRPr lang="en-US"/>
           </a:p>
@@ -2658,7 +2658,7 @@
     </p:spTree>
     <p:extLst>
       <p:ext uri="{BB962C8B-B14F-4D97-AF65-F5344CB8AC3E}">
-        <p14:creationId xmlns:p14="http://schemas.microsoft.com/office/powerpoint/2010/main" val="4050522972"/>
+        <p14:creationId xmlns:p14="http://schemas.microsoft.com/office/powerpoint/2010/main" val="3308285920"/>
       </p:ext>
     </p:extLst>
   </p:cSld>
@@ -2697,8 +2697,8 @@
         </p:nvSpPr>
         <p:spPr>
           <a:xfrm>
-            <a:off x="1511619" y="1463040"/>
-            <a:ext cx="7078027" cy="5120640"/>
+            <a:off x="1511619" y="2438400"/>
+            <a:ext cx="7078027" cy="8534400"/>
           </a:xfrm>
         </p:spPr>
         <p:txBody>
@@ -2729,8 +2729,8 @@
         </p:nvSpPr>
         <p:spPr>
           <a:xfrm>
-            <a:off x="9329738" y="3159765"/>
-            <a:ext cx="11109960" cy="15595600"/>
+            <a:off x="9329738" y="5266275"/>
+            <a:ext cx="11109960" cy="25992667"/>
           </a:xfrm>
         </p:spPr>
         <p:txBody>
@@ -2794,8 +2794,8 @@
         </p:nvSpPr>
         <p:spPr>
           <a:xfrm>
-            <a:off x="1511619" y="6583680"/>
-            <a:ext cx="7078027" cy="12197082"/>
+            <a:off x="1511619" y="10972800"/>
+            <a:ext cx="7078027" cy="20328469"/>
           </a:xfrm>
         </p:spPr>
         <p:txBody>
@@ -2864,7 +2864,7 @@
           <a:p>
             <a:fld id="{BA05AF01-4F0E-4718-A4C1-DFCBB47EE5F2}" type="datetimeFigureOut">
               <a:rPr lang="en-US" smtClean="0"/>
-              <a:t>10/25/2021</a:t>
+              <a:t>11/8/2021</a:t>
             </a:fld>
             <a:endParaRPr lang="en-US"/>
           </a:p>
@@ -2915,7 +2915,7 @@
     </p:spTree>
     <p:extLst>
       <p:ext uri="{BB962C8B-B14F-4D97-AF65-F5344CB8AC3E}">
-        <p14:creationId xmlns:p14="http://schemas.microsoft.com/office/powerpoint/2010/main" val="1972606666"/>
+        <p14:creationId xmlns:p14="http://schemas.microsoft.com/office/powerpoint/2010/main" val="3301180725"/>
       </p:ext>
     </p:extLst>
   </p:cSld>
@@ -2959,8 +2959,8 @@
         </p:nvSpPr>
         <p:spPr>
           <a:xfrm>
-            <a:off x="1508760" y="1168405"/>
-            <a:ext cx="18928080" cy="4241802"/>
+            <a:off x="1508760" y="1947342"/>
+            <a:ext cx="18928080" cy="7069669"/>
           </a:xfrm>
           <a:prstGeom prst="rect">
             <a:avLst/>
@@ -2992,8 +2992,8 @@
         </p:nvSpPr>
         <p:spPr>
           <a:xfrm>
-            <a:off x="1508760" y="5842000"/>
-            <a:ext cx="18928080" cy="13924282"/>
+            <a:off x="1508760" y="9736667"/>
+            <a:ext cx="18928080" cy="23207136"/>
           </a:xfrm>
           <a:prstGeom prst="rect">
             <a:avLst/>
@@ -3054,8 +3054,8 @@
         </p:nvSpPr>
         <p:spPr>
           <a:xfrm>
-            <a:off x="1508760" y="20340325"/>
-            <a:ext cx="4937760" cy="1168400"/>
+            <a:off x="1508760" y="33900542"/>
+            <a:ext cx="4937760" cy="1947333"/>
           </a:xfrm>
           <a:prstGeom prst="rect">
             <a:avLst/>
@@ -3077,7 +3077,7 @@
           <a:p>
             <a:fld id="{BA05AF01-4F0E-4718-A4C1-DFCBB47EE5F2}" type="datetimeFigureOut">
               <a:rPr lang="en-US" smtClean="0"/>
-              <a:t>10/25/2021</a:t>
+              <a:t>11/8/2021</a:t>
             </a:fld>
             <a:endParaRPr lang="en-US"/>
           </a:p>
@@ -3095,8 +3095,8 @@
         </p:nvSpPr>
         <p:spPr>
           <a:xfrm>
-            <a:off x="7269480" y="20340325"/>
-            <a:ext cx="7406640" cy="1168400"/>
+            <a:off x="7269480" y="33900542"/>
+            <a:ext cx="7406640" cy="1947333"/>
           </a:xfrm>
           <a:prstGeom prst="rect">
             <a:avLst/>
@@ -3132,8 +3132,8 @@
         </p:nvSpPr>
         <p:spPr>
           <a:xfrm>
-            <a:off x="15499080" y="20340325"/>
-            <a:ext cx="4937760" cy="1168400"/>
+            <a:off x="15499080" y="33900542"/>
+            <a:ext cx="4937760" cy="1947333"/>
           </a:xfrm>
           <a:prstGeom prst="rect">
             <a:avLst/>
@@ -3164,23 +3164,23 @@
     </p:spTree>
     <p:extLst>
       <p:ext uri="{BB962C8B-B14F-4D97-AF65-F5344CB8AC3E}">
-        <p14:creationId xmlns:p14="http://schemas.microsoft.com/office/powerpoint/2010/main" val="3140505787"/>
+        <p14:creationId xmlns:p14="http://schemas.microsoft.com/office/powerpoint/2010/main" val="4123843099"/>
       </p:ext>
     </p:extLst>
   </p:cSld>
   <p:clrMap bg1="lt1" tx1="dk1" bg2="lt2" tx2="dk2" accent1="accent1" accent2="accent2" accent3="accent3" accent4="accent4" accent5="accent5" accent6="accent6" hlink="hlink" folHlink="folHlink"/>
   <p:sldLayoutIdLst>
-    <p:sldLayoutId id="2147483937" r:id="rId1"/>
-    <p:sldLayoutId id="2147483938" r:id="rId2"/>
-    <p:sldLayoutId id="2147483939" r:id="rId3"/>
-    <p:sldLayoutId id="2147483940" r:id="rId4"/>
-    <p:sldLayoutId id="2147483941" r:id="rId5"/>
-    <p:sldLayoutId id="2147483942" r:id="rId6"/>
-    <p:sldLayoutId id="2147483943" r:id="rId7"/>
-    <p:sldLayoutId id="2147483944" r:id="rId8"/>
-    <p:sldLayoutId id="2147483945" r:id="rId9"/>
-    <p:sldLayoutId id="2147483946" r:id="rId10"/>
-    <p:sldLayoutId id="2147483947" r:id="rId11"/>
+    <p:sldLayoutId id="2147483949" r:id="rId1"/>
+    <p:sldLayoutId id="2147483950" r:id="rId2"/>
+    <p:sldLayoutId id="2147483951" r:id="rId3"/>
+    <p:sldLayoutId id="2147483952" r:id="rId4"/>
+    <p:sldLayoutId id="2147483953" r:id="rId5"/>
+    <p:sldLayoutId id="2147483954" r:id="rId6"/>
+    <p:sldLayoutId id="2147483955" r:id="rId7"/>
+    <p:sldLayoutId id="2147483956" r:id="rId8"/>
+    <p:sldLayoutId id="2147483957" r:id="rId9"/>
+    <p:sldLayoutId id="2147483958" r:id="rId10"/>
+    <p:sldLayoutId id="2147483959" r:id="rId11"/>
   </p:sldLayoutIdLst>
   <p:txStyles>
     <p:titleStyle>
@@ -3497,7 +3497,7 @@
         <p:spPr>
           <a:xfrm>
             <a:off x="-2144111" y="-9701888"/>
-            <a:ext cx="659070" cy="714170"/>
+            <a:ext cx="659070" cy="714363"/>
           </a:xfrm>
           <a:prstGeom prst="rect">
             <a:avLst/>
@@ -3511,7 +3511,7 @@
           <a:lstStyle/>
           <a:p>
             <a:r>
-              <a:rPr lang="en-US" sz="4041" b="1" dirty="0">
+              <a:rPr lang="en-US" sz="4042" b="1" dirty="0">
                 <a:latin typeface="Times New Roman" panose="02020603050405020304" pitchFamily="18" charset="0"/>
                 <a:cs typeface="Times New Roman" panose="02020603050405020304" pitchFamily="18" charset="0"/>
               </a:rPr>
@@ -3534,8 +3534,8 @@
         </p:nvSpPr>
         <p:spPr>
           <a:xfrm>
-            <a:off x="524647" y="10445003"/>
-            <a:ext cx="706275" cy="742256"/>
+            <a:off x="188509" y="10365810"/>
+            <a:ext cx="706275" cy="714363"/>
           </a:xfrm>
           <a:prstGeom prst="rect">
             <a:avLst/>
@@ -3549,7 +3549,7 @@
           <a:lstStyle/>
           <a:p>
             <a:r>
-              <a:rPr lang="en-US" sz="4041" b="1" dirty="0">
+              <a:rPr lang="en-US" sz="4042" b="1" dirty="0">
                 <a:latin typeface="Times New Roman" panose="02020603050405020304" pitchFamily="18" charset="0"/>
                 <a:cs typeface="Times New Roman" panose="02020603050405020304" pitchFamily="18" charset="0"/>
               </a:rPr>
@@ -3587,7 +3587,7 @@
         </p:blipFill>
         <p:spPr bwMode="auto">
           <a:xfrm>
-            <a:off x="1152372" y="811932"/>
+            <a:off x="1508420" y="502853"/>
             <a:ext cx="19690070" cy="9790895"/>
           </a:xfrm>
           <a:prstGeom prst="rect">
@@ -3605,12 +3605,90 @@
           </a:extLst>
         </p:spPr>
       </p:pic>
+      <p:sp>
+        <p:nvSpPr>
+          <p:cNvPr id="63" name="TextBox 62">
+            <a:extLst>
+              <a:ext uri="{FF2B5EF4-FFF2-40B4-BE49-F238E27FC236}">
+                <a16:creationId xmlns:a16="http://schemas.microsoft.com/office/drawing/2014/main" id="{A3B116BA-5C44-41A1-9577-DDFBC3A97D21}"/>
+              </a:ext>
+            </a:extLst>
+          </p:cNvPr>
+          <p:cNvSpPr txBox="1"/>
+          <p:nvPr/>
+        </p:nvSpPr>
+        <p:spPr>
+          <a:xfrm rot="10800000" flipV="1">
+            <a:off x="135710" y="106928"/>
+            <a:ext cx="1732641" cy="714363"/>
+          </a:xfrm>
+          <a:prstGeom prst="rect">
+            <a:avLst/>
+          </a:prstGeom>
+          <a:noFill/>
+        </p:spPr>
+        <p:txBody>
+          <a:bodyPr wrap="square" rtlCol="0">
+            <a:spAutoFit/>
+          </a:bodyPr>
+          <a:lstStyle/>
+          <a:p>
+            <a:r>
+              <a:rPr lang="en-US" sz="4042" b="1" dirty="0">
+                <a:latin typeface="Times New Roman" panose="02020603050405020304" pitchFamily="18" charset="0"/>
+                <a:cs typeface="Times New Roman" panose="02020603050405020304" pitchFamily="18" charset="0"/>
+              </a:rPr>
+              <a:t>A</a:t>
+            </a:r>
+          </a:p>
+        </p:txBody>
+      </p:sp>
+      <p:sp>
+        <p:nvSpPr>
+          <p:cNvPr id="66" name="TextBox 65">
+            <a:extLst>
+              <a:ext uri="{FF2B5EF4-FFF2-40B4-BE49-F238E27FC236}">
+                <a16:creationId xmlns:a16="http://schemas.microsoft.com/office/drawing/2014/main" id="{EE19C870-F9A4-4218-A8CB-1A2AB59BF75D}"/>
+              </a:ext>
+            </a:extLst>
+          </p:cNvPr>
+          <p:cNvSpPr txBox="1"/>
+          <p:nvPr/>
+        </p:nvSpPr>
+        <p:spPr>
+          <a:xfrm rot="16200000">
+            <a:off x="1205787" y="4944767"/>
+            <a:ext cx="718466" cy="442429"/>
+          </a:xfrm>
+          <a:prstGeom prst="rect">
+            <a:avLst/>
+          </a:prstGeom>
+          <a:solidFill>
+            <a:schemeClr val="bg1"/>
+          </a:solidFill>
+        </p:spPr>
+        <p:txBody>
+          <a:bodyPr wrap="none" rtlCol="0">
+            <a:spAutoFit/>
+          </a:bodyPr>
+          <a:lstStyle/>
+          <a:p>
+            <a:r>
+              <a:rPr lang="en-US" sz="2275" dirty="0">
+                <a:latin typeface="Times New Roman" panose="02020603050405020304" pitchFamily="18" charset="0"/>
+                <a:cs typeface="Times New Roman" panose="02020603050405020304" pitchFamily="18" charset="0"/>
+              </a:rPr>
+              <a:t>PDF</a:t>
+            </a:r>
+          </a:p>
+        </p:txBody>
+      </p:sp>
       <p:grpSp>
         <p:nvGrpSpPr>
-          <p:cNvPr id="62" name="Group 61">
+          <p:cNvPr id="7" name="Group 6">
             <a:extLst>
               <a:ext uri="{FF2B5EF4-FFF2-40B4-BE49-F238E27FC236}">
-                <a16:creationId xmlns:a16="http://schemas.microsoft.com/office/drawing/2014/main" id="{83812C72-1C5A-47FE-9F6A-4A8D7C6C2569}"/>
+                <a16:creationId xmlns:a16="http://schemas.microsoft.com/office/drawing/2014/main" id="{CBCA619A-4154-423C-8F5D-8B3EF4605220}"/>
               </a:ext>
             </a:extLst>
           </p:cNvPr>
@@ -3619,1114 +3697,18 @@
         </p:nvGrpSpPr>
         <p:grpSpPr>
           <a:xfrm>
-            <a:off x="467073" y="180853"/>
-            <a:ext cx="21390085" cy="10558305"/>
-            <a:chOff x="467073" y="180853"/>
-            <a:chExt cx="21390085" cy="10558305"/>
+            <a:off x="17351959" y="869336"/>
+            <a:ext cx="3511949" cy="1555829"/>
+            <a:chOff x="16339125" y="826931"/>
+            <a:chExt cx="3511949" cy="1555829"/>
           </a:xfrm>
         </p:grpSpPr>
         <p:sp>
           <p:nvSpPr>
-            <p:cNvPr id="63" name="TextBox 62">
+            <p:cNvPr id="94" name="TextBox 93">
               <a:extLst>
                 <a:ext uri="{FF2B5EF4-FFF2-40B4-BE49-F238E27FC236}">
-                  <a16:creationId xmlns:a16="http://schemas.microsoft.com/office/drawing/2014/main" id="{A3B116BA-5C44-41A1-9577-DDFBC3A97D21}"/>
-                </a:ext>
-              </a:extLst>
-            </p:cNvPr>
-            <p:cNvSpPr txBox="1"/>
-            <p:nvPr/>
-          </p:nvSpPr>
-          <p:spPr>
-            <a:xfrm rot="10800000" flipV="1">
-              <a:off x="467073" y="180853"/>
-              <a:ext cx="1732641" cy="742256"/>
-            </a:xfrm>
-            <a:prstGeom prst="rect">
-              <a:avLst/>
-            </a:prstGeom>
-            <a:noFill/>
-          </p:spPr>
-          <p:txBody>
-            <a:bodyPr wrap="square" rtlCol="0">
-              <a:spAutoFit/>
-            </a:bodyPr>
-            <a:lstStyle/>
-            <a:p>
-              <a:r>
-                <a:rPr lang="en-US" sz="4041" b="1" dirty="0">
-                  <a:latin typeface="Times New Roman" panose="02020603050405020304" pitchFamily="18" charset="0"/>
-                  <a:cs typeface="Times New Roman" panose="02020603050405020304" pitchFamily="18" charset="0"/>
-                </a:rPr>
-                <a:t>A</a:t>
-              </a:r>
-            </a:p>
-          </p:txBody>
-        </p:sp>
-        <p:sp>
-          <p:nvSpPr>
-            <p:cNvPr id="66" name="TextBox 65">
-              <a:extLst>
-                <a:ext uri="{FF2B5EF4-FFF2-40B4-BE49-F238E27FC236}">
-                  <a16:creationId xmlns:a16="http://schemas.microsoft.com/office/drawing/2014/main" id="{EE19C870-F9A4-4218-A8CB-1A2AB59BF75D}"/>
-                </a:ext>
-              </a:extLst>
-            </p:cNvPr>
-            <p:cNvSpPr txBox="1"/>
-            <p:nvPr/>
-          </p:nvSpPr>
-          <p:spPr>
-            <a:xfrm rot="16200000">
-              <a:off x="826050" y="5250659"/>
-              <a:ext cx="746721" cy="474117"/>
-            </a:xfrm>
-            <a:prstGeom prst="rect">
-              <a:avLst/>
-            </a:prstGeom>
-            <a:solidFill>
-              <a:schemeClr val="bg1"/>
-            </a:solidFill>
-          </p:spPr>
-          <p:txBody>
-            <a:bodyPr wrap="none" rtlCol="0">
-              <a:spAutoFit/>
-            </a:bodyPr>
-            <a:lstStyle/>
-            <a:p>
-              <a:r>
-                <a:rPr lang="en-US" sz="2275" dirty="0">
-                  <a:latin typeface="Times New Roman" panose="02020603050405020304" pitchFamily="18" charset="0"/>
-                  <a:cs typeface="Times New Roman" panose="02020603050405020304" pitchFamily="18" charset="0"/>
-                </a:rPr>
-                <a:t>PDF</a:t>
-              </a:r>
-            </a:p>
-          </p:txBody>
-        </p:sp>
-        <p:grpSp>
-          <p:nvGrpSpPr>
-            <p:cNvPr id="67" name="Group 66">
-              <a:extLst>
-                <a:ext uri="{FF2B5EF4-FFF2-40B4-BE49-F238E27FC236}">
-                  <a16:creationId xmlns:a16="http://schemas.microsoft.com/office/drawing/2014/main" id="{FB4F1B19-5AB7-4517-AB18-C11EFD72CABE}"/>
-                </a:ext>
-              </a:extLst>
-            </p:cNvPr>
-            <p:cNvGrpSpPr/>
-            <p:nvPr/>
-          </p:nvGrpSpPr>
-          <p:grpSpPr>
-            <a:xfrm>
-              <a:off x="4336259" y="8329848"/>
-              <a:ext cx="2589746" cy="647759"/>
-              <a:chOff x="21483123" y="6219785"/>
-              <a:chExt cx="3222211" cy="830998"/>
-            </a:xfrm>
-          </p:grpSpPr>
-          <p:sp>
-            <p:nvSpPr>
-              <p:cNvPr id="94" name="TextBox 93">
-                <a:extLst>
-                  <a:ext uri="{FF2B5EF4-FFF2-40B4-BE49-F238E27FC236}">
-                    <a16:creationId xmlns:a16="http://schemas.microsoft.com/office/drawing/2014/main" id="{D73A8CBC-AB5C-4914-990D-DE742CA2F993}"/>
-                  </a:ext>
-                </a:extLst>
-              </p:cNvPr>
-              <p:cNvSpPr txBox="1"/>
-              <p:nvPr/>
-            </p:nvSpPr>
-            <p:spPr>
-              <a:xfrm>
-                <a:off x="22115703" y="6219785"/>
-                <a:ext cx="2589631" cy="414582"/>
-              </a:xfrm>
-              <a:prstGeom prst="rect">
-                <a:avLst/>
-              </a:prstGeom>
-              <a:solidFill>
-                <a:schemeClr val="bg1"/>
-              </a:solidFill>
-            </p:spPr>
-            <p:txBody>
-              <a:bodyPr wrap="square" rtlCol="0">
-                <a:spAutoFit/>
-              </a:bodyPr>
-              <a:lstStyle/>
-              <a:p>
-                <a:r>
-                  <a:rPr lang="en-US" sz="1500" dirty="0">
-                    <a:solidFill>
-                      <a:srgbClr val="202124"/>
-                    </a:solidFill>
-                    <a:latin typeface="Times New Roman" panose="02020603050405020304" pitchFamily="18" charset="0"/>
-                    <a:cs typeface="Times New Roman" panose="02020603050405020304" pitchFamily="18" charset="0"/>
-                  </a:rPr>
-                  <a:t>Whole BindingDB</a:t>
-                </a:r>
-              </a:p>
-            </p:txBody>
-          </p:sp>
-          <p:sp>
-            <p:nvSpPr>
-              <p:cNvPr id="95" name="Rectangle 94">
-                <a:extLst>
-                  <a:ext uri="{FF2B5EF4-FFF2-40B4-BE49-F238E27FC236}">
-                    <a16:creationId xmlns:a16="http://schemas.microsoft.com/office/drawing/2014/main" id="{C4EBC9F9-BB6E-4E6F-957A-7F9C8B4A479F}"/>
-                  </a:ext>
-                </a:extLst>
-              </p:cNvPr>
-              <p:cNvSpPr/>
-              <p:nvPr/>
-            </p:nvSpPr>
-            <p:spPr>
-              <a:xfrm>
-                <a:off x="21483123" y="6296644"/>
-                <a:ext cx="440857" cy="247772"/>
-              </a:xfrm>
-              <a:prstGeom prst="rect">
-                <a:avLst/>
-              </a:prstGeom>
-              <a:solidFill>
-                <a:srgbClr val="D6E5F0"/>
-              </a:solidFill>
-            </p:spPr>
-            <p:style>
-              <a:lnRef idx="2">
-                <a:schemeClr val="accent1">
-                  <a:shade val="50000"/>
-                </a:schemeClr>
-              </a:lnRef>
-              <a:fillRef idx="1">
-                <a:schemeClr val="accent1"/>
-              </a:fillRef>
-              <a:effectRef idx="0">
-                <a:schemeClr val="accent1"/>
-              </a:effectRef>
-              <a:fontRef idx="minor">
-                <a:schemeClr val="lt1"/>
-              </a:fontRef>
-            </p:style>
-            <p:txBody>
-              <a:bodyPr rtlCol="0" anchor="ctr"/>
-              <a:lstStyle/>
-              <a:p>
-                <a:pPr algn="ctr"/>
-                <a:endParaRPr lang="en-US" sz="1350"/>
-              </a:p>
-            </p:txBody>
-          </p:sp>
-          <p:sp>
-            <p:nvSpPr>
-              <p:cNvPr id="96" name="Rectangle 95">
-                <a:extLst>
-                  <a:ext uri="{FF2B5EF4-FFF2-40B4-BE49-F238E27FC236}">
-                    <a16:creationId xmlns:a16="http://schemas.microsoft.com/office/drawing/2014/main" id="{7E943F50-9A96-49E8-9029-F8BB389E4233}"/>
-                  </a:ext>
-                </a:extLst>
-              </p:cNvPr>
-              <p:cNvSpPr/>
-              <p:nvPr/>
-            </p:nvSpPr>
-            <p:spPr>
-              <a:xfrm>
-                <a:off x="21483123" y="6721369"/>
-                <a:ext cx="440857" cy="247772"/>
-              </a:xfrm>
-              <a:prstGeom prst="rect">
-                <a:avLst/>
-              </a:prstGeom>
-              <a:solidFill>
-                <a:srgbClr val="F9D0D0"/>
-              </a:solidFill>
-            </p:spPr>
-            <p:style>
-              <a:lnRef idx="2">
-                <a:schemeClr val="accent1">
-                  <a:shade val="50000"/>
-                </a:schemeClr>
-              </a:lnRef>
-              <a:fillRef idx="1">
-                <a:schemeClr val="accent1"/>
-              </a:fillRef>
-              <a:effectRef idx="0">
-                <a:schemeClr val="accent1"/>
-              </a:effectRef>
-              <a:fontRef idx="minor">
-                <a:schemeClr val="lt1"/>
-              </a:fontRef>
-            </p:style>
-            <p:txBody>
-              <a:bodyPr rtlCol="0" anchor="ctr"/>
-              <a:lstStyle/>
-              <a:p>
-                <a:pPr algn="ctr"/>
-                <a:endParaRPr lang="en-US" sz="1350"/>
-              </a:p>
-            </p:txBody>
-          </p:sp>
-          <p:sp>
-            <p:nvSpPr>
-              <p:cNvPr id="97" name="TextBox 96">
-                <a:extLst>
-                  <a:ext uri="{FF2B5EF4-FFF2-40B4-BE49-F238E27FC236}">
-                    <a16:creationId xmlns:a16="http://schemas.microsoft.com/office/drawing/2014/main" id="{3529302F-7E5F-40F2-ABAA-064C7220C455}"/>
-                  </a:ext>
-                </a:extLst>
-              </p:cNvPr>
-              <p:cNvSpPr txBox="1"/>
-              <p:nvPr/>
-            </p:nvSpPr>
-            <p:spPr>
-              <a:xfrm>
-                <a:off x="22108850" y="6619896"/>
-                <a:ext cx="2589631" cy="430887"/>
-              </a:xfrm>
-              <a:prstGeom prst="rect">
-                <a:avLst/>
-              </a:prstGeom>
-              <a:solidFill>
-                <a:schemeClr val="bg1"/>
-              </a:solidFill>
-            </p:spPr>
-            <p:txBody>
-              <a:bodyPr wrap="square" rtlCol="0">
-                <a:spAutoFit/>
-              </a:bodyPr>
-              <a:lstStyle/>
-              <a:p>
-                <a:r>
-                  <a:rPr lang="en-US" sz="1500" dirty="0">
-                    <a:solidFill>
-                      <a:srgbClr val="202124"/>
-                    </a:solidFill>
-                    <a:latin typeface="Times New Roman" panose="02020603050405020304" pitchFamily="18" charset="0"/>
-                    <a:cs typeface="Times New Roman" panose="02020603050405020304" pitchFamily="18" charset="0"/>
-                  </a:rPr>
-                  <a:t>False Positives</a:t>
-                </a:r>
-              </a:p>
-            </p:txBody>
-          </p:sp>
-        </p:grpSp>
-        <p:grpSp>
-          <p:nvGrpSpPr>
-            <p:cNvPr id="68" name="Group 67">
-              <a:extLst>
-                <a:ext uri="{FF2B5EF4-FFF2-40B4-BE49-F238E27FC236}">
-                  <a16:creationId xmlns:a16="http://schemas.microsoft.com/office/drawing/2014/main" id="{4C134FA9-EAD9-4805-9B6E-A2D2ED4151AB}"/>
-                </a:ext>
-              </a:extLst>
-            </p:cNvPr>
-            <p:cNvGrpSpPr/>
-            <p:nvPr/>
-          </p:nvGrpSpPr>
-          <p:grpSpPr>
-            <a:xfrm>
-              <a:off x="10262309" y="1061483"/>
-              <a:ext cx="11594849" cy="5259359"/>
-              <a:chOff x="9500091" y="950941"/>
-              <a:chExt cx="11594849" cy="5259359"/>
-            </a:xfrm>
-          </p:grpSpPr>
-          <p:sp>
-            <p:nvSpPr>
-              <p:cNvPr id="74" name="TextBox 73">
-                <a:extLst>
-                  <a:ext uri="{FF2B5EF4-FFF2-40B4-BE49-F238E27FC236}">
-                    <a16:creationId xmlns:a16="http://schemas.microsoft.com/office/drawing/2014/main" id="{2C54DFEE-D87A-43F0-8ED0-D6C7C6ABE1F4}"/>
-                  </a:ext>
-                </a:extLst>
-              </p:cNvPr>
-              <p:cNvSpPr txBox="1"/>
-              <p:nvPr/>
-            </p:nvSpPr>
-            <p:spPr>
-              <a:xfrm>
-                <a:off x="17119065" y="1069262"/>
-                <a:ext cx="3975875" cy="527802"/>
-              </a:xfrm>
-              <a:prstGeom prst="rect">
-                <a:avLst/>
-              </a:prstGeom>
-              <a:noFill/>
-            </p:spPr>
-            <p:txBody>
-              <a:bodyPr wrap="square" rtlCol="0">
-                <a:spAutoFit/>
-              </a:bodyPr>
-              <a:lstStyle/>
-              <a:p>
-                <a:pPr algn="l"/>
-                <a:r>
-                  <a:rPr lang="en-US" sz="2700" dirty="0">
-                    <a:latin typeface="Times New Roman" panose="02020603050405020304" pitchFamily="18" charset="0"/>
-                    <a:cs typeface="Times New Roman" panose="02020603050405020304" pitchFamily="18" charset="0"/>
-                  </a:rPr>
-                  <a:t>Cystazosin</a:t>
-                </a:r>
-              </a:p>
-            </p:txBody>
-          </p:sp>
-          <p:grpSp>
-            <p:nvGrpSpPr>
-              <p:cNvPr id="75" name="Group 74">
-                <a:extLst>
-                  <a:ext uri="{FF2B5EF4-FFF2-40B4-BE49-F238E27FC236}">
-                    <a16:creationId xmlns:a16="http://schemas.microsoft.com/office/drawing/2014/main" id="{8AC24AC9-DD88-48F1-809F-88AA6BED52FD}"/>
-                  </a:ext>
-                </a:extLst>
-              </p:cNvPr>
-              <p:cNvGrpSpPr/>
-              <p:nvPr/>
-            </p:nvGrpSpPr>
-            <p:grpSpPr>
-              <a:xfrm>
-                <a:off x="9500091" y="950941"/>
-                <a:ext cx="10077676" cy="5259359"/>
-                <a:chOff x="9500091" y="950941"/>
-                <a:chExt cx="10077676" cy="5259359"/>
-              </a:xfrm>
-            </p:grpSpPr>
-            <p:sp>
-              <p:nvSpPr>
-                <p:cNvPr id="76" name="TextBox 75">
-                  <a:extLst>
-                    <a:ext uri="{FF2B5EF4-FFF2-40B4-BE49-F238E27FC236}">
-                      <a16:creationId xmlns:a16="http://schemas.microsoft.com/office/drawing/2014/main" id="{94879EF8-B46A-4B07-BFE0-55C9F5B67742}"/>
-                    </a:ext>
-                  </a:extLst>
-                </p:cNvPr>
-                <p:cNvSpPr txBox="1"/>
-                <p:nvPr/>
-              </p:nvSpPr>
-              <p:spPr>
-                <a:xfrm>
-                  <a:off x="13308271" y="1100012"/>
-                  <a:ext cx="3422388" cy="527802"/>
-                </a:xfrm>
-                <a:prstGeom prst="rect">
-                  <a:avLst/>
-                </a:prstGeom>
-                <a:noFill/>
-              </p:spPr>
-              <p:txBody>
-                <a:bodyPr wrap="square" rtlCol="0">
-                  <a:spAutoFit/>
-                </a:bodyPr>
-                <a:lstStyle/>
-                <a:p>
-                  <a:pPr algn="l"/>
-                  <a:r>
-                    <a:rPr lang="en-US" sz="2700" dirty="0">
-                      <a:latin typeface="Times New Roman" panose="02020603050405020304" pitchFamily="18" charset="0"/>
-                      <a:cs typeface="Times New Roman" panose="02020603050405020304" pitchFamily="18" charset="0"/>
-                    </a:rPr>
-                    <a:t>CHEMBL127587</a:t>
-                  </a:r>
-                </a:p>
-              </p:txBody>
-            </p:sp>
-            <p:sp>
-              <p:nvSpPr>
-                <p:cNvPr id="77" name="TextBox 76">
-                  <a:extLst>
-                    <a:ext uri="{FF2B5EF4-FFF2-40B4-BE49-F238E27FC236}">
-                      <a16:creationId xmlns:a16="http://schemas.microsoft.com/office/drawing/2014/main" id="{95B8151B-A99E-44D2-9423-0C17B4D3F52F}"/>
-                    </a:ext>
-                  </a:extLst>
-                </p:cNvPr>
-                <p:cNvSpPr txBox="1"/>
-                <p:nvPr/>
-              </p:nvSpPr>
-              <p:spPr>
-                <a:xfrm>
-                  <a:off x="9740836" y="1094270"/>
-                  <a:ext cx="3975875" cy="527802"/>
-                </a:xfrm>
-                <a:prstGeom prst="rect">
-                  <a:avLst/>
-                </a:prstGeom>
-                <a:noFill/>
-              </p:spPr>
-              <p:txBody>
-                <a:bodyPr wrap="square" rtlCol="0">
-                  <a:spAutoFit/>
-                </a:bodyPr>
-                <a:lstStyle/>
-                <a:p>
-                  <a:pPr algn="l"/>
-                  <a:r>
-                    <a:rPr lang="en-US" sz="2700" dirty="0">
-                      <a:latin typeface="Times New Roman" panose="02020603050405020304" pitchFamily="18" charset="0"/>
-                      <a:cs typeface="Times New Roman" panose="02020603050405020304" pitchFamily="18" charset="0"/>
-                    </a:rPr>
-                    <a:t>CHEMBL2333416 </a:t>
-                  </a:r>
-                </a:p>
-              </p:txBody>
-            </p:sp>
-            <p:sp>
-              <p:nvSpPr>
-                <p:cNvPr id="78" name="TextBox 77">
-                  <a:extLst>
-                    <a:ext uri="{FF2B5EF4-FFF2-40B4-BE49-F238E27FC236}">
-                      <a16:creationId xmlns:a16="http://schemas.microsoft.com/office/drawing/2014/main" id="{D7E81AEE-14E4-4BE8-BFA5-03DC627E33F2}"/>
-                    </a:ext>
-                  </a:extLst>
-                </p:cNvPr>
-                <p:cNvSpPr txBox="1"/>
-                <p:nvPr/>
-              </p:nvSpPr>
-              <p:spPr>
-                <a:xfrm>
-                  <a:off x="10475189" y="4773535"/>
-                  <a:ext cx="1868613" cy="1207282"/>
-                </a:xfrm>
-                <a:prstGeom prst="rect">
-                  <a:avLst/>
-                </a:prstGeom>
-                <a:noFill/>
-              </p:spPr>
-              <p:txBody>
-                <a:bodyPr wrap="square" rtlCol="0">
-                  <a:spAutoFit/>
-                </a:bodyPr>
-                <a:lstStyle/>
-                <a:p>
-                  <a:r>
-                    <a:rPr lang="en-US" sz="2273" dirty="0">
-                      <a:latin typeface="Times New Roman" panose="02020603050405020304" pitchFamily="18" charset="0"/>
-                      <a:ea typeface="Calibri" panose="020F0502020204030204" pitchFamily="34" charset="0"/>
-                      <a:cs typeface="Times New Roman" panose="02020603050405020304" pitchFamily="18" charset="0"/>
-                    </a:rPr>
-                    <a:t>k</a:t>
-                  </a:r>
-                  <a:r>
-                    <a:rPr lang="en-US" sz="2273" baseline="-25000" dirty="0">
-                      <a:latin typeface="Times New Roman" panose="02020603050405020304" pitchFamily="18" charset="0"/>
-                      <a:ea typeface="Calibri" panose="020F0502020204030204" pitchFamily="34" charset="0"/>
-                      <a:cs typeface="Times New Roman" panose="02020603050405020304" pitchFamily="18" charset="0"/>
-                    </a:rPr>
-                    <a:t>i</a:t>
-                  </a:r>
-                  <a:r>
-                    <a:rPr lang="en-US" sz="2273" baseline="30000" dirty="0">
-                      <a:latin typeface="Times New Roman" panose="02020603050405020304" pitchFamily="18" charset="0"/>
-                      <a:ea typeface="Calibri" panose="020F0502020204030204" pitchFamily="34" charset="0"/>
-                      <a:cs typeface="Times New Roman" panose="02020603050405020304" pitchFamily="18" charset="0"/>
-                    </a:rPr>
-                    <a:t>+ </a:t>
-                  </a:r>
-                  <a:r>
-                    <a:rPr lang="en-US" sz="2273" dirty="0">
-                      <a:latin typeface="Times New Roman" panose="02020603050405020304" pitchFamily="18" charset="0"/>
-                      <a:cs typeface="Times New Roman" panose="02020603050405020304" pitchFamily="18" charset="0"/>
-                    </a:rPr>
-                    <a:t>= </a:t>
-                  </a:r>
-                  <a:r>
-                    <a:rPr lang="en-US" sz="2274" dirty="0">
-                      <a:latin typeface="Times New Roman" panose="02020603050405020304" pitchFamily="18" charset="0"/>
-                      <a:cs typeface="Times New Roman" panose="02020603050405020304" pitchFamily="18" charset="0"/>
-                    </a:rPr>
-                    <a:t>20</a:t>
-                  </a:r>
-                </a:p>
-                <a:p>
-                  <a:r>
-                    <a:rPr lang="en-US" sz="2273" dirty="0">
-                      <a:latin typeface="Times New Roman" panose="02020603050405020304" pitchFamily="18" charset="0"/>
-                      <a:ea typeface="Calibri" panose="020F0502020204030204" pitchFamily="34" charset="0"/>
-                      <a:cs typeface="Times New Roman" panose="02020603050405020304" pitchFamily="18" charset="0"/>
-                    </a:rPr>
-                    <a:t>k</a:t>
-                  </a:r>
-                  <a:r>
-                    <a:rPr lang="en-US" sz="2273" baseline="-25000" dirty="0">
-                      <a:latin typeface="Times New Roman" panose="02020603050405020304" pitchFamily="18" charset="0"/>
-                      <a:ea typeface="Calibri" panose="020F0502020204030204" pitchFamily="34" charset="0"/>
-                      <a:cs typeface="Times New Roman" panose="02020603050405020304" pitchFamily="18" charset="0"/>
-                    </a:rPr>
-                    <a:t>i</a:t>
-                  </a:r>
-                  <a:r>
-                    <a:rPr lang="en-US" sz="2273" baseline="30000" dirty="0">
-                      <a:latin typeface="Times New Roman" panose="02020603050405020304" pitchFamily="18" charset="0"/>
-                      <a:ea typeface="Calibri" panose="020F0502020204030204" pitchFamily="34" charset="0"/>
-                      <a:cs typeface="Times New Roman" panose="02020603050405020304" pitchFamily="18" charset="0"/>
-                    </a:rPr>
-                    <a:t>- </a:t>
-                  </a:r>
-                  <a:r>
-                    <a:rPr lang="en-US" sz="2274" dirty="0">
-                      <a:latin typeface="Times New Roman" panose="02020603050405020304" pitchFamily="18" charset="0"/>
-                      <a:cs typeface="Times New Roman" panose="02020603050405020304" pitchFamily="18" charset="0"/>
-                    </a:rPr>
-                    <a:t>= 11</a:t>
-                  </a:r>
-                </a:p>
-                <a:p>
-                  <a:r>
-                    <a:rPr lang="el-GR" sz="2273" dirty="0">
-                      <a:latin typeface="Times New Roman" panose="02020603050405020304" pitchFamily="18" charset="0"/>
-                      <a:ea typeface="Calibri" panose="020F0502020204030204" pitchFamily="34" charset="0"/>
-                      <a:cs typeface="Times New Roman" panose="02020603050405020304" pitchFamily="18" charset="0"/>
-                    </a:rPr>
-                    <a:t>ρ</a:t>
-                  </a:r>
-                  <a:r>
-                    <a:rPr lang="en-US" sz="2273" baseline="-25000" dirty="0">
-                      <a:latin typeface="Times New Roman" panose="02020603050405020304" pitchFamily="18" charset="0"/>
-                      <a:ea typeface="Calibri" panose="020F0502020204030204" pitchFamily="34" charset="0"/>
-                      <a:cs typeface="Times New Roman" panose="02020603050405020304" pitchFamily="18" charset="0"/>
-                    </a:rPr>
-                    <a:t>i </a:t>
-                  </a:r>
-                  <a:r>
-                    <a:rPr lang="el-GR" sz="2400" dirty="0">
-                      <a:solidFill>
-                        <a:srgbClr val="202124"/>
-                      </a:solidFill>
-                      <a:latin typeface="Times New Roman" panose="02020603050405020304" pitchFamily="18" charset="0"/>
-                      <a:cs typeface="Times New Roman" panose="02020603050405020304" pitchFamily="18" charset="0"/>
-                    </a:rPr>
-                    <a:t> </a:t>
-                  </a:r>
-                  <a:r>
-                    <a:rPr lang="en-US" sz="2274" dirty="0">
-                      <a:latin typeface="Times New Roman" panose="02020603050405020304" pitchFamily="18" charset="0"/>
-                      <a:cs typeface="Times New Roman" panose="02020603050405020304" pitchFamily="18" charset="0"/>
-                    </a:rPr>
-                    <a:t>= 0.64</a:t>
-                  </a:r>
-                </a:p>
-              </p:txBody>
-            </p:sp>
-            <p:sp>
-              <p:nvSpPr>
-                <p:cNvPr id="79" name="TextBox 78">
-                  <a:extLst>
-                    <a:ext uri="{FF2B5EF4-FFF2-40B4-BE49-F238E27FC236}">
-                      <a16:creationId xmlns:a16="http://schemas.microsoft.com/office/drawing/2014/main" id="{C4FFA2F2-3E47-42F9-9E6C-D74B4B87BF4D}"/>
-                    </a:ext>
-                  </a:extLst>
-                </p:cNvPr>
-                <p:cNvSpPr txBox="1"/>
-                <p:nvPr/>
-              </p:nvSpPr>
-              <p:spPr>
-                <a:xfrm>
-                  <a:off x="14122351" y="4782519"/>
-                  <a:ext cx="1868613" cy="1207282"/>
-                </a:xfrm>
-                <a:prstGeom prst="rect">
-                  <a:avLst/>
-                </a:prstGeom>
-                <a:noFill/>
-              </p:spPr>
-              <p:txBody>
-                <a:bodyPr wrap="square" rtlCol="0">
-                  <a:spAutoFit/>
-                </a:bodyPr>
-                <a:lstStyle/>
-                <a:p>
-                  <a:r>
-                    <a:rPr lang="en-US" sz="2273" dirty="0">
-                      <a:latin typeface="Times New Roman" panose="02020603050405020304" pitchFamily="18" charset="0"/>
-                      <a:ea typeface="Calibri" panose="020F0502020204030204" pitchFamily="34" charset="0"/>
-                      <a:cs typeface="Times New Roman" panose="02020603050405020304" pitchFamily="18" charset="0"/>
-                    </a:rPr>
-                    <a:t>k</a:t>
-                  </a:r>
-                  <a:r>
-                    <a:rPr lang="en-US" sz="2273" baseline="-25000" dirty="0">
-                      <a:latin typeface="Times New Roman" panose="02020603050405020304" pitchFamily="18" charset="0"/>
-                      <a:ea typeface="Calibri" panose="020F0502020204030204" pitchFamily="34" charset="0"/>
-                      <a:cs typeface="Times New Roman" panose="02020603050405020304" pitchFamily="18" charset="0"/>
-                    </a:rPr>
-                    <a:t>i</a:t>
-                  </a:r>
-                  <a:r>
-                    <a:rPr lang="en-US" sz="2273" baseline="30000" dirty="0">
-                      <a:latin typeface="Times New Roman" panose="02020603050405020304" pitchFamily="18" charset="0"/>
-                      <a:ea typeface="Calibri" panose="020F0502020204030204" pitchFamily="34" charset="0"/>
-                      <a:cs typeface="Times New Roman" panose="02020603050405020304" pitchFamily="18" charset="0"/>
-                    </a:rPr>
-                    <a:t>+ </a:t>
-                  </a:r>
-                  <a:r>
-                    <a:rPr lang="en-US" sz="2273" dirty="0">
-                      <a:latin typeface="Times New Roman" panose="02020603050405020304" pitchFamily="18" charset="0"/>
-                      <a:cs typeface="Times New Roman" panose="02020603050405020304" pitchFamily="18" charset="0"/>
-                    </a:rPr>
-                    <a:t>= 3</a:t>
-                  </a:r>
-                  <a:endParaRPr lang="en-US" sz="2274" dirty="0">
-                    <a:latin typeface="Times New Roman" panose="02020603050405020304" pitchFamily="18" charset="0"/>
-                    <a:cs typeface="Times New Roman" panose="02020603050405020304" pitchFamily="18" charset="0"/>
-                  </a:endParaRPr>
-                </a:p>
-                <a:p>
-                  <a:r>
-                    <a:rPr lang="en-US" sz="2273" dirty="0">
-                      <a:latin typeface="Times New Roman" panose="02020603050405020304" pitchFamily="18" charset="0"/>
-                      <a:ea typeface="Calibri" panose="020F0502020204030204" pitchFamily="34" charset="0"/>
-                      <a:cs typeface="Times New Roman" panose="02020603050405020304" pitchFamily="18" charset="0"/>
-                    </a:rPr>
-                    <a:t>k</a:t>
-                  </a:r>
-                  <a:r>
-                    <a:rPr lang="en-US" sz="2273" baseline="-25000" dirty="0">
-                      <a:latin typeface="Times New Roman" panose="02020603050405020304" pitchFamily="18" charset="0"/>
-                      <a:ea typeface="Calibri" panose="020F0502020204030204" pitchFamily="34" charset="0"/>
-                      <a:cs typeface="Times New Roman" panose="02020603050405020304" pitchFamily="18" charset="0"/>
-                    </a:rPr>
-                    <a:t>i</a:t>
-                  </a:r>
-                  <a:r>
-                    <a:rPr lang="en-US" sz="2273" baseline="30000" dirty="0">
-                      <a:latin typeface="Times New Roman" panose="02020603050405020304" pitchFamily="18" charset="0"/>
-                      <a:ea typeface="Calibri" panose="020F0502020204030204" pitchFamily="34" charset="0"/>
-                      <a:cs typeface="Times New Roman" panose="02020603050405020304" pitchFamily="18" charset="0"/>
-                    </a:rPr>
-                    <a:t>- </a:t>
-                  </a:r>
-                  <a:r>
-                    <a:rPr lang="en-US" sz="2274" dirty="0">
-                      <a:latin typeface="Times New Roman" panose="02020603050405020304" pitchFamily="18" charset="0"/>
-                      <a:cs typeface="Times New Roman" panose="02020603050405020304" pitchFamily="18" charset="0"/>
-                    </a:rPr>
-                    <a:t>= 1</a:t>
-                  </a:r>
-                </a:p>
-                <a:p>
-                  <a:r>
-                    <a:rPr lang="el-GR" sz="2273" dirty="0">
-                      <a:latin typeface="Times New Roman" panose="02020603050405020304" pitchFamily="18" charset="0"/>
-                      <a:ea typeface="Calibri" panose="020F0502020204030204" pitchFamily="34" charset="0"/>
-                      <a:cs typeface="Times New Roman" panose="02020603050405020304" pitchFamily="18" charset="0"/>
-                    </a:rPr>
-                    <a:t>ρ</a:t>
-                  </a:r>
-                  <a:r>
-                    <a:rPr lang="en-US" sz="2273" baseline="-25000" dirty="0">
-                      <a:latin typeface="Times New Roman" panose="02020603050405020304" pitchFamily="18" charset="0"/>
-                      <a:ea typeface="Calibri" panose="020F0502020204030204" pitchFamily="34" charset="0"/>
-                      <a:cs typeface="Times New Roman" panose="02020603050405020304" pitchFamily="18" charset="0"/>
-                    </a:rPr>
-                    <a:t>i </a:t>
-                  </a:r>
-                  <a:r>
-                    <a:rPr lang="el-GR" sz="2400" dirty="0">
-                      <a:solidFill>
-                        <a:srgbClr val="202124"/>
-                      </a:solidFill>
-                      <a:latin typeface="Times New Roman" panose="02020603050405020304" pitchFamily="18" charset="0"/>
-                      <a:cs typeface="Times New Roman" panose="02020603050405020304" pitchFamily="18" charset="0"/>
-                    </a:rPr>
-                    <a:t> </a:t>
-                  </a:r>
-                  <a:r>
-                    <a:rPr lang="en-US" sz="2274" dirty="0">
-                      <a:latin typeface="Times New Roman" panose="02020603050405020304" pitchFamily="18" charset="0"/>
-                      <a:cs typeface="Times New Roman" panose="02020603050405020304" pitchFamily="18" charset="0"/>
-                    </a:rPr>
-                    <a:t>= 0.75</a:t>
-                  </a:r>
-                </a:p>
-              </p:txBody>
-            </p:sp>
-            <p:pic>
-              <p:nvPicPr>
-                <p:cNvPr id="80" name="Picture 79">
-                  <a:extLst>
-                    <a:ext uri="{FF2B5EF4-FFF2-40B4-BE49-F238E27FC236}">
-                      <a16:creationId xmlns:a16="http://schemas.microsoft.com/office/drawing/2014/main" id="{2C5847FE-6505-4936-A00B-DE2D929B2CE6}"/>
-                    </a:ext>
-                  </a:extLst>
-                </p:cNvPr>
-                <p:cNvPicPr>
-                  <a:picLocks noChangeAspect="1"/>
-                </p:cNvPicPr>
-                <p:nvPr/>
-              </p:nvPicPr>
-              <p:blipFill>
-                <a:blip r:embed="rId4"/>
-                <a:stretch>
-                  <a:fillRect/>
-                </a:stretch>
-              </p:blipFill>
-              <p:spPr>
-                <a:xfrm rot="5400000">
-                  <a:off x="16419745" y="2678594"/>
-                  <a:ext cx="3078449" cy="1039095"/>
-                </a:xfrm>
-                <a:prstGeom prst="rect">
-                  <a:avLst/>
-                </a:prstGeom>
-              </p:spPr>
-            </p:pic>
-            <p:pic>
-              <p:nvPicPr>
-                <p:cNvPr id="81" name="Picture 80">
-                  <a:extLst>
-                    <a:ext uri="{FF2B5EF4-FFF2-40B4-BE49-F238E27FC236}">
-                      <a16:creationId xmlns:a16="http://schemas.microsoft.com/office/drawing/2014/main" id="{4604C89B-5BAB-43CE-8104-F381D25760D1}"/>
-                    </a:ext>
-                  </a:extLst>
-                </p:cNvPr>
-                <p:cNvPicPr>
-                  <a:picLocks noChangeAspect="1"/>
-                </p:cNvPicPr>
-                <p:nvPr/>
-              </p:nvPicPr>
-              <p:blipFill>
-                <a:blip r:embed="rId5"/>
-                <a:stretch>
-                  <a:fillRect/>
-                </a:stretch>
-              </p:blipFill>
-              <p:spPr>
-                <a:xfrm>
-                  <a:off x="12999652" y="1894919"/>
-                  <a:ext cx="2933700" cy="2343150"/>
-                </a:xfrm>
-                <a:prstGeom prst="rect">
-                  <a:avLst/>
-                </a:prstGeom>
-              </p:spPr>
-            </p:pic>
-            <p:pic>
-              <p:nvPicPr>
-                <p:cNvPr id="86" name="Picture 85">
-                  <a:extLst>
-                    <a:ext uri="{FF2B5EF4-FFF2-40B4-BE49-F238E27FC236}">
-                      <a16:creationId xmlns:a16="http://schemas.microsoft.com/office/drawing/2014/main" id="{68F5D72A-A893-442E-A8DF-5C392025C5CC}"/>
-                    </a:ext>
-                  </a:extLst>
-                </p:cNvPr>
-                <p:cNvPicPr>
-                  <a:picLocks noChangeAspect="1"/>
-                </p:cNvPicPr>
-                <p:nvPr/>
-              </p:nvPicPr>
-              <p:blipFill>
-                <a:blip r:embed="rId6"/>
-                <a:stretch>
-                  <a:fillRect/>
-                </a:stretch>
-              </p:blipFill>
-              <p:spPr>
-                <a:xfrm>
-                  <a:off x="9905972" y="1666319"/>
-                  <a:ext cx="2324100" cy="2800350"/>
-                </a:xfrm>
-                <a:prstGeom prst="rect">
-                  <a:avLst/>
-                </a:prstGeom>
-              </p:spPr>
-            </p:pic>
-            <p:sp>
-              <p:nvSpPr>
-                <p:cNvPr id="90" name="Rectangle: Rounded Corners 89">
-                  <a:extLst>
-                    <a:ext uri="{FF2B5EF4-FFF2-40B4-BE49-F238E27FC236}">
-                      <a16:creationId xmlns:a16="http://schemas.microsoft.com/office/drawing/2014/main" id="{E2715EF4-0692-47DB-914F-1053E7C90B68}"/>
-                    </a:ext>
-                  </a:extLst>
-                </p:cNvPr>
-                <p:cNvSpPr/>
-                <p:nvPr/>
-              </p:nvSpPr>
-              <p:spPr>
-                <a:xfrm>
-                  <a:off x="9500091" y="999625"/>
-                  <a:ext cx="3237594" cy="5210675"/>
-                </a:xfrm>
-                <a:prstGeom prst="roundRect">
-                  <a:avLst/>
-                </a:prstGeom>
-                <a:noFill/>
-                <a:ln w="38100">
-                  <a:solidFill>
-                    <a:srgbClr val="92D6B7"/>
-                  </a:solidFill>
-                </a:ln>
-              </p:spPr>
-              <p:style>
-                <a:lnRef idx="2">
-                  <a:schemeClr val="accent1">
-                    <a:shade val="50000"/>
-                  </a:schemeClr>
-                </a:lnRef>
-                <a:fillRef idx="1">
-                  <a:schemeClr val="accent1"/>
-                </a:fillRef>
-                <a:effectRef idx="0">
-                  <a:schemeClr val="accent1"/>
-                </a:effectRef>
-                <a:fontRef idx="minor">
-                  <a:schemeClr val="lt1"/>
-                </a:fontRef>
-              </p:style>
-              <p:txBody>
-                <a:bodyPr rtlCol="0" anchor="ctr"/>
-                <a:lstStyle/>
-                <a:p>
-                  <a:pPr algn="ctr"/>
-                  <a:endParaRPr lang="en-US" sz="1350"/>
-                </a:p>
-              </p:txBody>
-            </p:sp>
-            <p:sp>
-              <p:nvSpPr>
-                <p:cNvPr id="91" name="Rectangle: Rounded Corners 90">
-                  <a:extLst>
-                    <a:ext uri="{FF2B5EF4-FFF2-40B4-BE49-F238E27FC236}">
-                      <a16:creationId xmlns:a16="http://schemas.microsoft.com/office/drawing/2014/main" id="{0700E220-3595-484B-9E16-A2EF0925DFA5}"/>
-                    </a:ext>
-                  </a:extLst>
-                </p:cNvPr>
-                <p:cNvSpPr/>
-                <p:nvPr/>
-              </p:nvSpPr>
-              <p:spPr>
-                <a:xfrm>
-                  <a:off x="12963592" y="994522"/>
-                  <a:ext cx="3237594" cy="5215778"/>
-                </a:xfrm>
-                <a:prstGeom prst="roundRect">
-                  <a:avLst/>
-                </a:prstGeom>
-                <a:noFill/>
-                <a:ln w="38100">
-                  <a:solidFill>
-                    <a:srgbClr val="92D6B7"/>
-                  </a:solidFill>
-                </a:ln>
-              </p:spPr>
-              <p:style>
-                <a:lnRef idx="2">
-                  <a:schemeClr val="accent1">
-                    <a:shade val="50000"/>
-                  </a:schemeClr>
-                </a:lnRef>
-                <a:fillRef idx="1">
-                  <a:schemeClr val="accent1"/>
-                </a:fillRef>
-                <a:effectRef idx="0">
-                  <a:schemeClr val="accent1"/>
-                </a:effectRef>
-                <a:fontRef idx="minor">
-                  <a:schemeClr val="lt1"/>
-                </a:fontRef>
-              </p:style>
-              <p:txBody>
-                <a:bodyPr rtlCol="0" anchor="ctr"/>
-                <a:lstStyle/>
-                <a:p>
-                  <a:pPr algn="ctr"/>
-                  <a:endParaRPr lang="en-US" sz="1350"/>
-                </a:p>
-              </p:txBody>
-            </p:sp>
-            <p:sp>
-              <p:nvSpPr>
-                <p:cNvPr id="92" name="Rectangle: Rounded Corners 91">
-                  <a:extLst>
-                    <a:ext uri="{FF2B5EF4-FFF2-40B4-BE49-F238E27FC236}">
-                      <a16:creationId xmlns:a16="http://schemas.microsoft.com/office/drawing/2014/main" id="{176E6B87-BFB6-4EA0-9DDA-380BB3FD0828}"/>
-                    </a:ext>
-                  </a:extLst>
-                </p:cNvPr>
-                <p:cNvSpPr/>
-                <p:nvPr/>
-              </p:nvSpPr>
-              <p:spPr>
-                <a:xfrm>
-                  <a:off x="16340173" y="950941"/>
-                  <a:ext cx="3237594" cy="5259359"/>
-                </a:xfrm>
-                <a:prstGeom prst="roundRect">
-                  <a:avLst/>
-                </a:prstGeom>
-                <a:noFill/>
-                <a:ln w="38100">
-                  <a:solidFill>
-                    <a:srgbClr val="92D6B7"/>
-                  </a:solidFill>
-                </a:ln>
-              </p:spPr>
-              <p:style>
-                <a:lnRef idx="2">
-                  <a:schemeClr val="accent1">
-                    <a:shade val="50000"/>
-                  </a:schemeClr>
-                </a:lnRef>
-                <a:fillRef idx="1">
-                  <a:schemeClr val="accent1"/>
-                </a:fillRef>
-                <a:effectRef idx="0">
-                  <a:schemeClr val="accent1"/>
-                </a:effectRef>
-                <a:fontRef idx="minor">
-                  <a:schemeClr val="lt1"/>
-                </a:fontRef>
-              </p:style>
-              <p:txBody>
-                <a:bodyPr rtlCol="0" anchor="ctr"/>
-                <a:lstStyle/>
-                <a:p>
-                  <a:pPr algn="ctr"/>
-                  <a:endParaRPr lang="en-US" sz="1350"/>
-                </a:p>
-              </p:txBody>
-            </p:sp>
-            <p:sp>
-              <p:nvSpPr>
-                <p:cNvPr id="93" name="TextBox 92">
-                  <a:extLst>
-                    <a:ext uri="{FF2B5EF4-FFF2-40B4-BE49-F238E27FC236}">
-                      <a16:creationId xmlns:a16="http://schemas.microsoft.com/office/drawing/2014/main" id="{9E57FEA0-B111-4B71-87E4-4D2F69C8F3E2}"/>
-                    </a:ext>
-                  </a:extLst>
-                </p:cNvPr>
-                <p:cNvSpPr txBox="1"/>
-                <p:nvPr/>
-              </p:nvSpPr>
-              <p:spPr>
-                <a:xfrm>
-                  <a:off x="17519706" y="4773535"/>
-                  <a:ext cx="1868613" cy="1207282"/>
-                </a:xfrm>
-                <a:prstGeom prst="rect">
-                  <a:avLst/>
-                </a:prstGeom>
-                <a:noFill/>
-              </p:spPr>
-              <p:txBody>
-                <a:bodyPr wrap="square" rtlCol="0">
-                  <a:spAutoFit/>
-                </a:bodyPr>
-                <a:lstStyle/>
-                <a:p>
-                  <a:r>
-                    <a:rPr lang="en-US" sz="2273" dirty="0">
-                      <a:latin typeface="Times New Roman" panose="02020603050405020304" pitchFamily="18" charset="0"/>
-                      <a:ea typeface="Calibri" panose="020F0502020204030204" pitchFamily="34" charset="0"/>
-                      <a:cs typeface="Times New Roman" panose="02020603050405020304" pitchFamily="18" charset="0"/>
-                    </a:rPr>
-                    <a:t>k</a:t>
-                  </a:r>
-                  <a:r>
-                    <a:rPr lang="en-US" sz="2273" baseline="-25000" dirty="0">
-                      <a:latin typeface="Times New Roman" panose="02020603050405020304" pitchFamily="18" charset="0"/>
-                      <a:ea typeface="Calibri" panose="020F0502020204030204" pitchFamily="34" charset="0"/>
-                      <a:cs typeface="Times New Roman" panose="02020603050405020304" pitchFamily="18" charset="0"/>
-                    </a:rPr>
-                    <a:t>i</a:t>
-                  </a:r>
-                  <a:r>
-                    <a:rPr lang="en-US" sz="2273" baseline="30000" dirty="0">
-                      <a:latin typeface="Times New Roman" panose="02020603050405020304" pitchFamily="18" charset="0"/>
-                      <a:ea typeface="Calibri" panose="020F0502020204030204" pitchFamily="34" charset="0"/>
-                      <a:cs typeface="Times New Roman" panose="02020603050405020304" pitchFamily="18" charset="0"/>
-                    </a:rPr>
-                    <a:t>+ </a:t>
-                  </a:r>
-                  <a:r>
-                    <a:rPr lang="en-US" sz="2273" dirty="0">
-                      <a:latin typeface="Times New Roman" panose="02020603050405020304" pitchFamily="18" charset="0"/>
-                      <a:cs typeface="Times New Roman" panose="02020603050405020304" pitchFamily="18" charset="0"/>
-                    </a:rPr>
-                    <a:t>= </a:t>
-                  </a:r>
-                  <a:r>
-                    <a:rPr lang="en-US" sz="2274" dirty="0">
-                      <a:latin typeface="Times New Roman" panose="02020603050405020304" pitchFamily="18" charset="0"/>
-                      <a:cs typeface="Times New Roman" panose="02020603050405020304" pitchFamily="18" charset="0"/>
-                    </a:rPr>
-                    <a:t>1</a:t>
-                  </a:r>
-                </a:p>
-                <a:p>
-                  <a:r>
-                    <a:rPr lang="en-US" sz="2273" dirty="0">
-                      <a:latin typeface="Times New Roman" panose="02020603050405020304" pitchFamily="18" charset="0"/>
-                      <a:ea typeface="Calibri" panose="020F0502020204030204" pitchFamily="34" charset="0"/>
-                      <a:cs typeface="Times New Roman" panose="02020603050405020304" pitchFamily="18" charset="0"/>
-                    </a:rPr>
-                    <a:t>k</a:t>
-                  </a:r>
-                  <a:r>
-                    <a:rPr lang="en-US" sz="2273" baseline="-25000" dirty="0">
-                      <a:latin typeface="Times New Roman" panose="02020603050405020304" pitchFamily="18" charset="0"/>
-                      <a:ea typeface="Calibri" panose="020F0502020204030204" pitchFamily="34" charset="0"/>
-                      <a:cs typeface="Times New Roman" panose="02020603050405020304" pitchFamily="18" charset="0"/>
-                    </a:rPr>
-                    <a:t>i</a:t>
-                  </a:r>
-                  <a:r>
-                    <a:rPr lang="en-US" sz="2273" baseline="30000" dirty="0">
-                      <a:latin typeface="Times New Roman" panose="02020603050405020304" pitchFamily="18" charset="0"/>
-                      <a:ea typeface="Calibri" panose="020F0502020204030204" pitchFamily="34" charset="0"/>
-                      <a:cs typeface="Times New Roman" panose="02020603050405020304" pitchFamily="18" charset="0"/>
-                    </a:rPr>
-                    <a:t>- </a:t>
-                  </a:r>
-                  <a:r>
-                    <a:rPr lang="en-US" sz="2274" dirty="0">
-                      <a:latin typeface="Times New Roman" panose="02020603050405020304" pitchFamily="18" charset="0"/>
-                      <a:cs typeface="Times New Roman" panose="02020603050405020304" pitchFamily="18" charset="0"/>
-                    </a:rPr>
-                    <a:t>= 0</a:t>
-                  </a:r>
-                </a:p>
-                <a:p>
-                  <a:r>
-                    <a:rPr lang="el-GR" sz="2273" dirty="0">
-                      <a:latin typeface="Times New Roman" panose="02020603050405020304" pitchFamily="18" charset="0"/>
-                      <a:ea typeface="Calibri" panose="020F0502020204030204" pitchFamily="34" charset="0"/>
-                      <a:cs typeface="Times New Roman" panose="02020603050405020304" pitchFamily="18" charset="0"/>
-                    </a:rPr>
-                    <a:t>ρ</a:t>
-                  </a:r>
-                  <a:r>
-                    <a:rPr lang="en-US" sz="2273" baseline="-25000" dirty="0">
-                      <a:latin typeface="Times New Roman" panose="02020603050405020304" pitchFamily="18" charset="0"/>
-                      <a:ea typeface="Calibri" panose="020F0502020204030204" pitchFamily="34" charset="0"/>
-                      <a:cs typeface="Times New Roman" panose="02020603050405020304" pitchFamily="18" charset="0"/>
-                    </a:rPr>
-                    <a:t>i </a:t>
-                  </a:r>
-                  <a:r>
-                    <a:rPr lang="el-GR" sz="2400" dirty="0">
-                      <a:solidFill>
-                        <a:srgbClr val="202124"/>
-                      </a:solidFill>
-                      <a:latin typeface="Times New Roman" panose="02020603050405020304" pitchFamily="18" charset="0"/>
-                      <a:cs typeface="Times New Roman" panose="02020603050405020304" pitchFamily="18" charset="0"/>
-                    </a:rPr>
-                    <a:t> </a:t>
-                  </a:r>
-                  <a:r>
-                    <a:rPr lang="en-US" sz="2274" dirty="0">
-                      <a:latin typeface="Times New Roman" panose="02020603050405020304" pitchFamily="18" charset="0"/>
-                      <a:cs typeface="Times New Roman" panose="02020603050405020304" pitchFamily="18" charset="0"/>
-                    </a:rPr>
-                    <a:t>= 1.0</a:t>
-                  </a:r>
-                </a:p>
-              </p:txBody>
-            </p:sp>
-          </p:grpSp>
-        </p:grpSp>
-        <p:sp>
-          <p:nvSpPr>
-            <p:cNvPr id="69" name="TextBox 68">
-              <a:extLst>
-                <a:ext uri="{FF2B5EF4-FFF2-40B4-BE49-F238E27FC236}">
-                  <a16:creationId xmlns:a16="http://schemas.microsoft.com/office/drawing/2014/main" id="{16B228B2-2614-4DD7-89E3-A519919B6744}"/>
+                  <a16:creationId xmlns:a16="http://schemas.microsoft.com/office/drawing/2014/main" id="{D73A8CBC-AB5C-4914-990D-DE742CA2F993}"/>
                 </a:ext>
               </a:extLst>
             </p:cNvPr>
@@ -4735,479 +3717,8 @@
           </p:nvSpPr>
           <p:spPr>
             <a:xfrm>
-              <a:off x="9943064" y="10279330"/>
-              <a:ext cx="2824431" cy="459828"/>
-            </a:xfrm>
-            <a:prstGeom prst="rect">
-              <a:avLst/>
-            </a:prstGeom>
-            <a:solidFill>
-              <a:schemeClr val="bg1"/>
-            </a:solidFill>
-          </p:spPr>
-          <p:txBody>
-            <a:bodyPr wrap="none" rtlCol="0">
-              <a:spAutoFit/>
-            </a:bodyPr>
-            <a:lstStyle/>
-            <a:p>
-              <a:r>
-                <a:rPr lang="en-US" sz="2275" dirty="0">
-                  <a:latin typeface="Times New Roman" panose="02020603050405020304" pitchFamily="18" charset="0"/>
-                  <a:cs typeface="Times New Roman" panose="02020603050405020304" pitchFamily="18" charset="0"/>
-                </a:rPr>
-                <a:t>Ligand Degree Ratio</a:t>
-              </a:r>
-            </a:p>
-          </p:txBody>
-        </p:sp>
-        <p:grpSp>
-          <p:nvGrpSpPr>
-            <p:cNvPr id="70" name="Group 69">
-              <a:extLst>
-                <a:ext uri="{FF2B5EF4-FFF2-40B4-BE49-F238E27FC236}">
-                  <a16:creationId xmlns:a16="http://schemas.microsoft.com/office/drawing/2014/main" id="{5410308B-A2C9-424C-BB73-C300B13763EE}"/>
-                </a:ext>
-              </a:extLst>
-            </p:cNvPr>
-            <p:cNvGrpSpPr/>
-            <p:nvPr/>
-          </p:nvGrpSpPr>
-          <p:grpSpPr>
-            <a:xfrm>
-              <a:off x="3651392" y="1359539"/>
-              <a:ext cx="6529249" cy="4461590"/>
-              <a:chOff x="2086454" y="1074336"/>
-              <a:chExt cx="6529249" cy="4461590"/>
-            </a:xfrm>
-          </p:grpSpPr>
-          <p:pic>
-            <p:nvPicPr>
-              <p:cNvPr id="71" name="Picture 6">
-                <a:extLst>
-                  <a:ext uri="{FF2B5EF4-FFF2-40B4-BE49-F238E27FC236}">
-                    <a16:creationId xmlns:a16="http://schemas.microsoft.com/office/drawing/2014/main" id="{62DACA0E-DF95-4FC5-A165-3DFFAD8FB868}"/>
-                  </a:ext>
-                </a:extLst>
-              </p:cNvPr>
-              <p:cNvPicPr>
-                <a:picLocks noChangeAspect="1" noChangeArrowheads="1"/>
-              </p:cNvPicPr>
-              <p:nvPr/>
-            </p:nvPicPr>
-            <p:blipFill>
-              <a:blip r:embed="rId7">
-                <a:extLst>
-                  <a:ext uri="{28A0092B-C50C-407E-A947-70E740481C1C}">
-                    <a14:useLocalDpi xmlns:a14="http://schemas.microsoft.com/office/drawing/2010/main" val="0"/>
-                  </a:ext>
-                </a:extLst>
-              </a:blip>
-              <a:srcRect/>
-              <a:stretch>
-                <a:fillRect/>
-              </a:stretch>
-            </p:blipFill>
-            <p:spPr bwMode="auto">
-              <a:xfrm>
-                <a:off x="2086454" y="1074336"/>
-                <a:ext cx="6529249" cy="4430562"/>
-              </a:xfrm>
-              <a:prstGeom prst="rect">
-                <a:avLst/>
-              </a:prstGeom>
-              <a:noFill/>
-              <a:extLst>
-                <a:ext uri="{909E8E84-426E-40DD-AFC4-6F175D3DCCD1}">
-                  <a14:hiddenFill xmlns:a14="http://schemas.microsoft.com/office/drawing/2010/main">
-                    <a:solidFill>
-                      <a:srgbClr val="FFFFFF"/>
-                    </a:solidFill>
-                  </a14:hiddenFill>
-                </a:ext>
-              </a:extLst>
-            </p:spPr>
-          </p:pic>
-          <p:sp>
-            <p:nvSpPr>
-              <p:cNvPr id="72" name="TextBox 71">
-                <a:extLst>
-                  <a:ext uri="{FF2B5EF4-FFF2-40B4-BE49-F238E27FC236}">
-                    <a16:creationId xmlns:a16="http://schemas.microsoft.com/office/drawing/2014/main" id="{F2A7D6BA-D647-48D0-A85B-A6BF32105D15}"/>
-                  </a:ext>
-                </a:extLst>
-              </p:cNvPr>
-              <p:cNvSpPr txBox="1"/>
-              <p:nvPr/>
-            </p:nvSpPr>
-            <p:spPr>
-              <a:xfrm>
-                <a:off x="4666062" y="4960141"/>
-                <a:ext cx="2036338" cy="575785"/>
-              </a:xfrm>
-              <a:prstGeom prst="rect">
-                <a:avLst/>
-              </a:prstGeom>
-              <a:solidFill>
-                <a:schemeClr val="bg1"/>
-              </a:solidFill>
-            </p:spPr>
-            <p:txBody>
-              <a:bodyPr wrap="square" rtlCol="0">
-                <a:spAutoFit/>
-              </a:bodyPr>
-              <a:lstStyle/>
-              <a:p>
-                <a:r>
-                  <a:rPr lang="en-US" sz="1500" dirty="0">
-                    <a:solidFill>
-                      <a:srgbClr val="202124"/>
-                    </a:solidFill>
-                    <a:latin typeface="Times New Roman" panose="02020603050405020304" pitchFamily="18" charset="0"/>
-                    <a:cs typeface="Times New Roman" panose="02020603050405020304" pitchFamily="18" charset="0"/>
-                  </a:rPr>
-                  <a:t>Ligand degree ratio (</a:t>
-                </a:r>
-                <a:r>
-                  <a:rPr lang="el-GR" sz="1500" dirty="0">
-                    <a:solidFill>
-                      <a:srgbClr val="202124"/>
-                    </a:solidFill>
-                    <a:latin typeface="Times New Roman" panose="02020603050405020304" pitchFamily="18" charset="0"/>
-                    <a:cs typeface="Times New Roman" panose="02020603050405020304" pitchFamily="18" charset="0"/>
-                  </a:rPr>
-                  <a:t>ρ</a:t>
-                </a:r>
-                <a:r>
-                  <a:rPr lang="en-US" sz="1500" dirty="0">
-                    <a:solidFill>
-                      <a:srgbClr val="202124"/>
-                    </a:solidFill>
-                    <a:latin typeface="Times New Roman" panose="02020603050405020304" pitchFamily="18" charset="0"/>
-                    <a:cs typeface="Times New Roman" panose="02020603050405020304" pitchFamily="18" charset="0"/>
-                  </a:rPr>
-                  <a:t>)</a:t>
-                </a:r>
-                <a:endParaRPr lang="en-US" sz="1500" dirty="0">
-                  <a:latin typeface="Times New Roman" panose="02020603050405020304" pitchFamily="18" charset="0"/>
-                  <a:cs typeface="Times New Roman" panose="02020603050405020304" pitchFamily="18" charset="0"/>
-                </a:endParaRPr>
-              </a:p>
-            </p:txBody>
-          </p:sp>
-          <p:sp>
-            <p:nvSpPr>
-              <p:cNvPr id="73" name="TextBox 72">
-                <a:extLst>
-                  <a:ext uri="{FF2B5EF4-FFF2-40B4-BE49-F238E27FC236}">
-                    <a16:creationId xmlns:a16="http://schemas.microsoft.com/office/drawing/2014/main" id="{1ED405A2-99CC-401F-BE96-4D8CD23F047F}"/>
-                  </a:ext>
-                </a:extLst>
-              </p:cNvPr>
-              <p:cNvSpPr txBox="1"/>
-              <p:nvPr/>
-            </p:nvSpPr>
-            <p:spPr>
-              <a:xfrm rot="16200000">
-                <a:off x="1162863" y="2786866"/>
-                <a:ext cx="2193496" cy="346311"/>
-              </a:xfrm>
-              <a:prstGeom prst="rect">
-                <a:avLst/>
-              </a:prstGeom>
-              <a:solidFill>
-                <a:schemeClr val="bg1"/>
-              </a:solidFill>
-            </p:spPr>
-            <p:txBody>
-              <a:bodyPr wrap="square" rtlCol="0">
-                <a:spAutoFit/>
-              </a:bodyPr>
-              <a:lstStyle/>
-              <a:p>
-                <a:r>
-                  <a:rPr lang="en-US" sz="1500" dirty="0">
-                    <a:solidFill>
-                      <a:srgbClr val="202124"/>
-                    </a:solidFill>
-                    <a:latin typeface="Times New Roman" panose="02020603050405020304" pitchFamily="18" charset="0"/>
-                    <a:cs typeface="Times New Roman" panose="02020603050405020304" pitchFamily="18" charset="0"/>
-                  </a:rPr>
-                  <a:t>DeepPurpose Prediction</a:t>
-                </a:r>
-                <a:endParaRPr lang="en-US" sz="1500" dirty="0">
-                  <a:latin typeface="Times New Roman" panose="02020603050405020304" pitchFamily="18" charset="0"/>
-                  <a:cs typeface="Times New Roman" panose="02020603050405020304" pitchFamily="18" charset="0"/>
-                </a:endParaRPr>
-              </a:p>
-            </p:txBody>
-          </p:sp>
-        </p:grpSp>
-      </p:grpSp>
-      <p:pic>
-        <p:nvPicPr>
-          <p:cNvPr id="2" name="Picture 2">
-            <a:extLst>
-              <a:ext uri="{FF2B5EF4-FFF2-40B4-BE49-F238E27FC236}">
-                <a16:creationId xmlns:a16="http://schemas.microsoft.com/office/drawing/2014/main" id="{72D4A294-CA8D-4EF7-810A-278FD63679F1}"/>
-              </a:ext>
-            </a:extLst>
-          </p:cNvPr>
-          <p:cNvPicPr>
-            <a:picLocks noChangeAspect="1" noChangeArrowheads="1"/>
-          </p:cNvPicPr>
-          <p:nvPr/>
-        </p:nvPicPr>
-        <p:blipFill>
-          <a:blip r:embed="rId8">
-            <a:extLst>
-              <a:ext uri="{28A0092B-C50C-407E-A947-70E740481C1C}">
-                <a14:useLocalDpi xmlns:a14="http://schemas.microsoft.com/office/drawing/2010/main" val="0"/>
-              </a:ext>
-            </a:extLst>
-          </a:blip>
-          <a:srcRect/>
-          <a:stretch>
-            <a:fillRect/>
-          </a:stretch>
-        </p:blipFill>
-        <p:spPr bwMode="auto">
-          <a:xfrm>
-            <a:off x="1127764" y="11027059"/>
-            <a:ext cx="19714677" cy="9790895"/>
-          </a:xfrm>
-          <a:prstGeom prst="rect">
-            <a:avLst/>
-          </a:prstGeom>
-          <a:noFill/>
-          <a:extLst>
-            <a:ext uri="{909E8E84-426E-40DD-AFC4-6F175D3DCCD1}">
-              <a14:hiddenFill xmlns:a14="http://schemas.microsoft.com/office/drawing/2010/main">
-                <a:solidFill>
-                  <a:srgbClr val="FFFFFF"/>
-                </a:solidFill>
-              </a14:hiddenFill>
-            </a:ext>
-          </a:extLst>
-        </p:spPr>
-      </p:pic>
-      <p:sp>
-        <p:nvSpPr>
-          <p:cNvPr id="61" name="TextBox 60">
-            <a:extLst>
-              <a:ext uri="{FF2B5EF4-FFF2-40B4-BE49-F238E27FC236}">
-                <a16:creationId xmlns:a16="http://schemas.microsoft.com/office/drawing/2014/main" id="{FFA1C490-DE35-46F2-A631-FD4F6D04B456}"/>
-              </a:ext>
-            </a:extLst>
-          </p:cNvPr>
-          <p:cNvSpPr txBox="1"/>
-          <p:nvPr/>
-        </p:nvSpPr>
-        <p:spPr>
-          <a:xfrm>
-            <a:off x="9943064" y="20403768"/>
-            <a:ext cx="2728233" cy="459828"/>
-          </a:xfrm>
-          <a:prstGeom prst="rect">
-            <a:avLst/>
-          </a:prstGeom>
-          <a:solidFill>
-            <a:schemeClr val="bg1"/>
-          </a:solidFill>
-        </p:spPr>
-        <p:txBody>
-          <a:bodyPr wrap="none" rtlCol="0">
-            <a:spAutoFit/>
-          </a:bodyPr>
-          <a:lstStyle/>
-          <a:p>
-            <a:r>
-              <a:rPr lang="en-US" sz="2275" dirty="0">
-                <a:latin typeface="Times New Roman" panose="02020603050405020304" pitchFamily="18" charset="0"/>
-                <a:cs typeface="Times New Roman" panose="02020603050405020304" pitchFamily="18" charset="0"/>
-              </a:rPr>
-              <a:t>Target Degree Ratio</a:t>
-            </a:r>
-          </a:p>
-        </p:txBody>
-      </p:sp>
-      <p:sp>
-        <p:nvSpPr>
-          <p:cNvPr id="64" name="TextBox 63">
-            <a:extLst>
-              <a:ext uri="{FF2B5EF4-FFF2-40B4-BE49-F238E27FC236}">
-                <a16:creationId xmlns:a16="http://schemas.microsoft.com/office/drawing/2014/main" id="{0526107F-E589-47AB-8D09-9B2B39B7213E}"/>
-              </a:ext>
-            </a:extLst>
-          </p:cNvPr>
-          <p:cNvSpPr txBox="1"/>
-          <p:nvPr/>
-        </p:nvSpPr>
-        <p:spPr>
-          <a:xfrm rot="16200000">
-            <a:off x="826051" y="15657552"/>
-            <a:ext cx="746721" cy="474117"/>
-          </a:xfrm>
-          <a:prstGeom prst="rect">
-            <a:avLst/>
-          </a:prstGeom>
-          <a:solidFill>
-            <a:schemeClr val="bg1"/>
-          </a:solidFill>
-        </p:spPr>
-        <p:txBody>
-          <a:bodyPr wrap="none" rtlCol="0">
-            <a:spAutoFit/>
-          </a:bodyPr>
-          <a:lstStyle/>
-          <a:p>
-            <a:r>
-              <a:rPr lang="en-US" sz="2275" dirty="0">
-                <a:latin typeface="Times New Roman" panose="02020603050405020304" pitchFamily="18" charset="0"/>
-                <a:cs typeface="Times New Roman" panose="02020603050405020304" pitchFamily="18" charset="0"/>
-              </a:rPr>
-              <a:t>PDF</a:t>
-            </a:r>
-          </a:p>
-        </p:txBody>
-      </p:sp>
-      <p:sp>
-        <p:nvSpPr>
-          <p:cNvPr id="65" name="Rectangle 64">
-            <a:extLst>
-              <a:ext uri="{FF2B5EF4-FFF2-40B4-BE49-F238E27FC236}">
-                <a16:creationId xmlns:a16="http://schemas.microsoft.com/office/drawing/2014/main" id="{3D21417B-9612-4E1F-BEDF-A4112DC4CFA3}"/>
-              </a:ext>
-            </a:extLst>
-          </p:cNvPr>
-          <p:cNvSpPr/>
-          <p:nvPr/>
-        </p:nvSpPr>
-        <p:spPr>
-          <a:xfrm>
-            <a:off x="3603908" y="11684891"/>
-            <a:ext cx="6729956" cy="4583080"/>
-          </a:xfrm>
-          <a:prstGeom prst="rect">
-            <a:avLst/>
-          </a:prstGeom>
-          <a:solidFill>
-            <a:schemeClr val="bg1"/>
-          </a:solidFill>
-          <a:ln>
-            <a:solidFill>
-              <a:schemeClr val="bg1"/>
-            </a:solidFill>
-          </a:ln>
-        </p:spPr>
-        <p:style>
-          <a:lnRef idx="2">
-            <a:schemeClr val="accent1">
-              <a:shade val="50000"/>
-            </a:schemeClr>
-          </a:lnRef>
-          <a:fillRef idx="1">
-            <a:schemeClr val="accent1"/>
-          </a:fillRef>
-          <a:effectRef idx="0">
-            <a:schemeClr val="accent1"/>
-          </a:effectRef>
-          <a:fontRef idx="minor">
-            <a:schemeClr val="lt1"/>
-          </a:fontRef>
-        </p:style>
-        <p:txBody>
-          <a:bodyPr rtlCol="0" anchor="ctr"/>
-          <a:lstStyle/>
-          <a:p>
-            <a:pPr algn="ctr"/>
-            <a:endParaRPr lang="en-US"/>
-          </a:p>
-        </p:txBody>
-      </p:sp>
-      <p:grpSp>
-        <p:nvGrpSpPr>
-          <p:cNvPr id="82" name="Group 81">
-            <a:extLst>
-              <a:ext uri="{FF2B5EF4-FFF2-40B4-BE49-F238E27FC236}">
-                <a16:creationId xmlns:a16="http://schemas.microsoft.com/office/drawing/2014/main" id="{BAC7A0D2-339C-42E7-BD64-C51776E44C31}"/>
-              </a:ext>
-            </a:extLst>
-          </p:cNvPr>
-          <p:cNvGrpSpPr/>
-          <p:nvPr/>
-        </p:nvGrpSpPr>
-        <p:grpSpPr>
-          <a:xfrm>
-            <a:off x="3557402" y="11575731"/>
-            <a:ext cx="6623471" cy="4463546"/>
-            <a:chOff x="3583115" y="11550254"/>
-            <a:chExt cx="6623471" cy="4463546"/>
-          </a:xfrm>
-        </p:grpSpPr>
-        <p:pic>
-          <p:nvPicPr>
-            <p:cNvPr id="83" name="Picture 8">
-              <a:extLst>
-                <a:ext uri="{FF2B5EF4-FFF2-40B4-BE49-F238E27FC236}">
-                  <a16:creationId xmlns:a16="http://schemas.microsoft.com/office/drawing/2014/main" id="{38B926AC-971A-4B7E-90E9-231582D246C9}"/>
-                </a:ext>
-              </a:extLst>
-            </p:cNvPr>
-            <p:cNvPicPr>
-              <a:picLocks noChangeAspect="1" noChangeArrowheads="1"/>
-            </p:cNvPicPr>
-            <p:nvPr/>
-          </p:nvPicPr>
-          <p:blipFill>
-            <a:blip r:embed="rId9">
-              <a:extLst>
-                <a:ext uri="{28A0092B-C50C-407E-A947-70E740481C1C}">
-                  <a14:useLocalDpi xmlns:a14="http://schemas.microsoft.com/office/drawing/2010/main" val="0"/>
-                </a:ext>
-              </a:extLst>
-            </a:blip>
-            <a:srcRect/>
-            <a:stretch>
-              <a:fillRect/>
-            </a:stretch>
-          </p:blipFill>
-          <p:spPr bwMode="auto">
-            <a:xfrm>
-              <a:off x="3603907" y="11550254"/>
-              <a:ext cx="6602679" cy="4463546"/>
-            </a:xfrm>
-            <a:prstGeom prst="rect">
-              <a:avLst/>
-            </a:prstGeom>
-            <a:noFill/>
-            <a:extLst>
-              <a:ext uri="{909E8E84-426E-40DD-AFC4-6F175D3DCCD1}">
-                <a14:hiddenFill xmlns:a14="http://schemas.microsoft.com/office/drawing/2010/main">
-                  <a:solidFill>
-                    <a:srgbClr val="FFFFFF"/>
-                  </a:solidFill>
-                </a14:hiddenFill>
-              </a:ext>
-            </a:extLst>
-          </p:spPr>
-        </p:pic>
-        <p:sp>
-          <p:nvSpPr>
-            <p:cNvPr id="84" name="TextBox 83">
-              <a:extLst>
-                <a:ext uri="{FF2B5EF4-FFF2-40B4-BE49-F238E27FC236}">
-                  <a16:creationId xmlns:a16="http://schemas.microsoft.com/office/drawing/2014/main" id="{57C22510-0223-4BB2-BA00-048FECDC2E9B}"/>
-                </a:ext>
-              </a:extLst>
-            </p:cNvPr>
-            <p:cNvSpPr txBox="1"/>
-            <p:nvPr/>
-          </p:nvSpPr>
-          <p:spPr>
-            <a:xfrm rot="16200000">
-              <a:off x="2615583" y="13288596"/>
-              <a:ext cx="2281376" cy="346311"/>
+              <a:off x="17394751" y="958577"/>
+              <a:ext cx="2456323" cy="443198"/>
             </a:xfrm>
             <a:prstGeom prst="rect">
               <a:avLst/>
@@ -5223,213 +3734,24 @@
             <a:lstStyle/>
             <a:p>
               <a:r>
-                <a:rPr lang="en-US" sz="1500" dirty="0">
+                <a:rPr lang="en-US" sz="2280" dirty="0">
                   <a:solidFill>
                     <a:srgbClr val="202124"/>
                   </a:solidFill>
                   <a:latin typeface="Times New Roman" panose="02020603050405020304" pitchFamily="18" charset="0"/>
                   <a:cs typeface="Times New Roman" panose="02020603050405020304" pitchFamily="18" charset="0"/>
                 </a:rPr>
-                <a:t>DeepPurpose Prediction</a:t>
-              </a:r>
-              <a:endParaRPr lang="en-US" sz="1500" dirty="0">
-                <a:latin typeface="Times New Roman" panose="02020603050405020304" pitchFamily="18" charset="0"/>
-                <a:cs typeface="Times New Roman" panose="02020603050405020304" pitchFamily="18" charset="0"/>
-              </a:endParaRPr>
+                <a:t>Whole BindingDB</a:t>
+              </a:r>
             </a:p>
           </p:txBody>
         </p:sp>
         <p:sp>
           <p:nvSpPr>
-            <p:cNvPr id="85" name="TextBox 84">
+            <p:cNvPr id="95" name="Rectangle 94">
               <a:extLst>
                 <a:ext uri="{FF2B5EF4-FFF2-40B4-BE49-F238E27FC236}">
-                  <a16:creationId xmlns:a16="http://schemas.microsoft.com/office/drawing/2014/main" id="{BA9ED53A-8CB7-496C-8A94-7F9BCB709AF5}"/>
-                </a:ext>
-              </a:extLst>
-            </p:cNvPr>
-            <p:cNvSpPr txBox="1"/>
-            <p:nvPr/>
-          </p:nvSpPr>
-          <p:spPr>
-            <a:xfrm>
-              <a:off x="6214834" y="15665932"/>
-              <a:ext cx="2036338" cy="335874"/>
-            </a:xfrm>
-            <a:prstGeom prst="rect">
-              <a:avLst/>
-            </a:prstGeom>
-            <a:solidFill>
-              <a:schemeClr val="bg1"/>
-            </a:solidFill>
-          </p:spPr>
-          <p:txBody>
-            <a:bodyPr wrap="square" rtlCol="0">
-              <a:spAutoFit/>
-            </a:bodyPr>
-            <a:lstStyle/>
-            <a:p>
-              <a:r>
-                <a:rPr lang="en-US" sz="1500" dirty="0">
-                  <a:solidFill>
-                    <a:srgbClr val="202124"/>
-                  </a:solidFill>
-                  <a:latin typeface="Times New Roman" panose="02020603050405020304" pitchFamily="18" charset="0"/>
-                  <a:cs typeface="Times New Roman" panose="02020603050405020304" pitchFamily="18" charset="0"/>
-                </a:rPr>
-                <a:t>Target degree ratio (</a:t>
-              </a:r>
-              <a:r>
-                <a:rPr lang="el-GR" sz="1500" dirty="0">
-                  <a:solidFill>
-                    <a:srgbClr val="202124"/>
-                  </a:solidFill>
-                  <a:latin typeface="Times New Roman" panose="02020603050405020304" pitchFamily="18" charset="0"/>
-                  <a:cs typeface="Times New Roman" panose="02020603050405020304" pitchFamily="18" charset="0"/>
-                </a:rPr>
-                <a:t>ρ</a:t>
-              </a:r>
-              <a:r>
-                <a:rPr lang="en-US" sz="1500" dirty="0">
-                  <a:solidFill>
-                    <a:srgbClr val="202124"/>
-                  </a:solidFill>
-                  <a:latin typeface="Times New Roman" panose="02020603050405020304" pitchFamily="18" charset="0"/>
-                  <a:cs typeface="Times New Roman" panose="02020603050405020304" pitchFamily="18" charset="0"/>
-                </a:rPr>
-                <a:t>)</a:t>
-              </a:r>
-              <a:endParaRPr lang="en-US" sz="1500" dirty="0">
-                <a:latin typeface="Times New Roman" panose="02020603050405020304" pitchFamily="18" charset="0"/>
-                <a:cs typeface="Times New Roman" panose="02020603050405020304" pitchFamily="18" charset="0"/>
-              </a:endParaRPr>
-            </a:p>
-          </p:txBody>
-        </p:sp>
-      </p:grpSp>
-      <p:sp>
-        <p:nvSpPr>
-          <p:cNvPr id="87" name="Rectangle 86">
-            <a:extLst>
-              <a:ext uri="{FF2B5EF4-FFF2-40B4-BE49-F238E27FC236}">
-                <a16:creationId xmlns:a16="http://schemas.microsoft.com/office/drawing/2014/main" id="{4767036A-1696-4C66-8AD2-168DD266E0DD}"/>
-              </a:ext>
-            </a:extLst>
-          </p:cNvPr>
-          <p:cNvSpPr/>
-          <p:nvPr/>
-        </p:nvSpPr>
-        <p:spPr>
-          <a:xfrm>
-            <a:off x="6348718" y="16569295"/>
-            <a:ext cx="2689128" cy="857250"/>
-          </a:xfrm>
-          <a:prstGeom prst="rect">
-            <a:avLst/>
-          </a:prstGeom>
-          <a:solidFill>
-            <a:schemeClr val="bg1"/>
-          </a:solidFill>
-          <a:ln>
-            <a:solidFill>
-              <a:schemeClr val="bg1"/>
-            </a:solidFill>
-          </a:ln>
-        </p:spPr>
-        <p:style>
-          <a:lnRef idx="2">
-            <a:schemeClr val="accent1">
-              <a:shade val="50000"/>
-            </a:schemeClr>
-          </a:lnRef>
-          <a:fillRef idx="1">
-            <a:schemeClr val="accent1"/>
-          </a:fillRef>
-          <a:effectRef idx="0">
-            <a:schemeClr val="accent1"/>
-          </a:effectRef>
-          <a:fontRef idx="minor">
-            <a:schemeClr val="lt1"/>
-          </a:fontRef>
-        </p:style>
-        <p:txBody>
-          <a:bodyPr rtlCol="0" anchor="ctr"/>
-          <a:lstStyle/>
-          <a:p>
-            <a:pPr algn="ctr"/>
-            <a:endParaRPr lang="en-US"/>
-          </a:p>
-        </p:txBody>
-      </p:sp>
-      <p:grpSp>
-        <p:nvGrpSpPr>
-          <p:cNvPr id="88" name="Group 87">
-            <a:extLst>
-              <a:ext uri="{FF2B5EF4-FFF2-40B4-BE49-F238E27FC236}">
-                <a16:creationId xmlns:a16="http://schemas.microsoft.com/office/drawing/2014/main" id="{3C0E0F4B-76B2-4931-BBB9-429650E19DC0}"/>
-              </a:ext>
-            </a:extLst>
-          </p:cNvPr>
-          <p:cNvGrpSpPr/>
-          <p:nvPr/>
-        </p:nvGrpSpPr>
-        <p:grpSpPr>
-          <a:xfrm>
-            <a:off x="5677592" y="17348679"/>
-            <a:ext cx="2589746" cy="647759"/>
-            <a:chOff x="21483123" y="6219785"/>
-            <a:chExt cx="3222211" cy="830998"/>
-          </a:xfrm>
-        </p:grpSpPr>
-        <p:sp>
-          <p:nvSpPr>
-            <p:cNvPr id="89" name="TextBox 88">
-              <a:extLst>
-                <a:ext uri="{FF2B5EF4-FFF2-40B4-BE49-F238E27FC236}">
-                  <a16:creationId xmlns:a16="http://schemas.microsoft.com/office/drawing/2014/main" id="{011F93EB-AB69-4978-9852-BFA6A17A2A63}"/>
-                </a:ext>
-              </a:extLst>
-            </p:cNvPr>
-            <p:cNvSpPr txBox="1"/>
-            <p:nvPr/>
-          </p:nvSpPr>
-          <p:spPr>
-            <a:xfrm>
-              <a:off x="22115703" y="6219785"/>
-              <a:ext cx="2589631" cy="430887"/>
-            </a:xfrm>
-            <a:prstGeom prst="rect">
-              <a:avLst/>
-            </a:prstGeom>
-            <a:solidFill>
-              <a:schemeClr val="bg1"/>
-            </a:solidFill>
-          </p:spPr>
-          <p:txBody>
-            <a:bodyPr wrap="square" rtlCol="0">
-              <a:spAutoFit/>
-            </a:bodyPr>
-            <a:lstStyle/>
-            <a:p>
-              <a:r>
-                <a:rPr lang="en-US" sz="1500" dirty="0">
-                  <a:solidFill>
-                    <a:srgbClr val="202124"/>
-                  </a:solidFill>
-                  <a:latin typeface="Times New Roman" panose="02020603050405020304" pitchFamily="18" charset="0"/>
-                  <a:cs typeface="Times New Roman" panose="02020603050405020304" pitchFamily="18" charset="0"/>
-                </a:rPr>
-                <a:t>Whole BindingDB</a:t>
-              </a:r>
-            </a:p>
-          </p:txBody>
-        </p:sp>
-        <p:sp>
-          <p:nvSpPr>
-            <p:cNvPr id="98" name="Rectangle 97">
-              <a:extLst>
-                <a:ext uri="{FF2B5EF4-FFF2-40B4-BE49-F238E27FC236}">
-                  <a16:creationId xmlns:a16="http://schemas.microsoft.com/office/drawing/2014/main" id="{0F385D80-2FF7-4E4B-8C8D-349C620E2519}"/>
+                  <a16:creationId xmlns:a16="http://schemas.microsoft.com/office/drawing/2014/main" id="{C4EBC9F9-BB6E-4E6F-957A-7F9C8B4A479F}"/>
                 </a:ext>
               </a:extLst>
             </p:cNvPr>
@@ -5438,8 +3760,8 @@
           </p:nvSpPr>
           <p:spPr>
             <a:xfrm>
-              <a:off x="21483123" y="6296644"/>
-              <a:ext cx="440857" cy="247772"/>
+              <a:off x="16339126" y="826931"/>
+              <a:ext cx="712333" cy="658008"/>
             </a:xfrm>
             <a:prstGeom prst="rect">
               <a:avLst/>
@@ -5475,10 +3797,10 @@
         </p:sp>
         <p:sp>
           <p:nvSpPr>
-            <p:cNvPr id="99" name="Rectangle 98">
+            <p:cNvPr id="96" name="Rectangle 95">
               <a:extLst>
                 <a:ext uri="{FF2B5EF4-FFF2-40B4-BE49-F238E27FC236}">
-                  <a16:creationId xmlns:a16="http://schemas.microsoft.com/office/drawing/2014/main" id="{6AECB5A2-96CD-48A5-8E2D-6C20F5CAA894}"/>
+                  <a16:creationId xmlns:a16="http://schemas.microsoft.com/office/drawing/2014/main" id="{7E943F50-9A96-49E8-9029-F8BB389E4233}"/>
                 </a:ext>
               </a:extLst>
             </p:cNvPr>
@@ -5487,8 +3809,8 @@
           </p:nvSpPr>
           <p:spPr>
             <a:xfrm>
-              <a:off x="21483123" y="6721369"/>
-              <a:ext cx="440857" cy="247772"/>
+              <a:off x="16339125" y="1724753"/>
+              <a:ext cx="712333" cy="658007"/>
             </a:xfrm>
             <a:prstGeom prst="rect">
               <a:avLst/>
@@ -5524,10 +3846,10 @@
         </p:sp>
         <p:sp>
           <p:nvSpPr>
-            <p:cNvPr id="100" name="TextBox 99">
+            <p:cNvPr id="97" name="TextBox 96">
               <a:extLst>
                 <a:ext uri="{FF2B5EF4-FFF2-40B4-BE49-F238E27FC236}">
-                  <a16:creationId xmlns:a16="http://schemas.microsoft.com/office/drawing/2014/main" id="{8697859E-AF1F-4FC0-BAD8-1F6EF070B421}"/>
+                  <a16:creationId xmlns:a16="http://schemas.microsoft.com/office/drawing/2014/main" id="{3529302F-7E5F-40F2-ABAA-064C7220C455}"/>
                 </a:ext>
               </a:extLst>
             </p:cNvPr>
@@ -5536,8 +3858,8 @@
           </p:nvSpPr>
           <p:spPr>
             <a:xfrm>
-              <a:off x="22108850" y="6619896"/>
-              <a:ext cx="2589631" cy="430887"/>
+              <a:off x="17394751" y="1857499"/>
+              <a:ext cx="2204515" cy="443198"/>
             </a:xfrm>
             <a:prstGeom prst="rect">
               <a:avLst/>
@@ -5553,7 +3875,7 @@
             <a:lstStyle/>
             <a:p>
               <a:r>
-                <a:rPr lang="en-US" sz="1500" dirty="0">
+                <a:rPr lang="en-US" sz="2280" dirty="0">
                   <a:solidFill>
                     <a:srgbClr val="202124"/>
                   </a:solidFill>
@@ -5568,10 +3890,10 @@
       </p:grpSp>
       <p:sp>
         <p:nvSpPr>
-          <p:cNvPr id="101" name="TextBox 100">
+          <p:cNvPr id="74" name="TextBox 73">
             <a:extLst>
               <a:ext uri="{FF2B5EF4-FFF2-40B4-BE49-F238E27FC236}">
-                <a16:creationId xmlns:a16="http://schemas.microsoft.com/office/drawing/2014/main" id="{84AA623C-0CA0-4ACA-BAA5-3400DDE79FB1}"/>
+                <a16:creationId xmlns:a16="http://schemas.microsoft.com/office/drawing/2014/main" id="{2C54DFEE-D87A-43F0-8ED0-D6C7C6ABE1F4}"/>
               </a:ext>
             </a:extLst>
           </p:cNvPr>
@@ -5580,8 +3902,8 @@
         </p:nvSpPr>
         <p:spPr>
           <a:xfrm>
-            <a:off x="14953374" y="11574011"/>
-            <a:ext cx="1143132" cy="459696"/>
+            <a:off x="8908837" y="21632436"/>
+            <a:ext cx="3975875" cy="519614"/>
           </a:xfrm>
           <a:prstGeom prst="rect">
             <a:avLst/>
@@ -5594,22 +3916,776 @@
           </a:bodyPr>
           <a:lstStyle/>
           <a:p>
-            <a:r>
-              <a:rPr lang="en-US" sz="2274" dirty="0">
+            <a:pPr algn="l"/>
+            <a:r>
+              <a:rPr lang="en-US" sz="2700" dirty="0">
                 <a:latin typeface="Times New Roman" panose="02020603050405020304" pitchFamily="18" charset="0"/>
                 <a:cs typeface="Times New Roman" panose="02020603050405020304" pitchFamily="18" charset="0"/>
               </a:rPr>
-              <a:t>DAO</a:t>
-            </a:r>
-          </a:p>
-        </p:txBody>
-      </p:sp>
-      <p:sp>
-        <p:nvSpPr>
-          <p:cNvPr id="102" name="TextBox 101">
+              <a:t>Cystazosin</a:t>
+            </a:r>
+          </a:p>
+        </p:txBody>
+      </p:sp>
+      <p:grpSp>
+        <p:nvGrpSpPr>
+          <p:cNvPr id="75" name="Group 74">
             <a:extLst>
               <a:ext uri="{FF2B5EF4-FFF2-40B4-BE49-F238E27FC236}">
-                <a16:creationId xmlns:a16="http://schemas.microsoft.com/office/drawing/2014/main" id="{D930BE1F-4D3C-4DA3-AABD-BC05CCF5CAA9}"/>
+                <a16:creationId xmlns:a16="http://schemas.microsoft.com/office/drawing/2014/main" id="{8AC24AC9-DD88-48F1-809F-88AA6BED52FD}"/>
+              </a:ext>
+            </a:extLst>
+          </p:cNvPr>
+          <p:cNvGrpSpPr/>
+          <p:nvPr/>
+        </p:nvGrpSpPr>
+        <p:grpSpPr>
+          <a:xfrm>
+            <a:off x="1289863" y="21511370"/>
+            <a:ext cx="10077676" cy="5381392"/>
+            <a:chOff x="9500091" y="950941"/>
+            <a:chExt cx="10077676" cy="5259359"/>
+          </a:xfrm>
+        </p:grpSpPr>
+        <p:sp>
+          <p:nvSpPr>
+            <p:cNvPr id="76" name="TextBox 75">
+              <a:extLst>
+                <a:ext uri="{FF2B5EF4-FFF2-40B4-BE49-F238E27FC236}">
+                  <a16:creationId xmlns:a16="http://schemas.microsoft.com/office/drawing/2014/main" id="{94879EF8-B46A-4B07-BFE0-55C9F5B67742}"/>
+                </a:ext>
+              </a:extLst>
+            </p:cNvPr>
+            <p:cNvSpPr txBox="1"/>
+            <p:nvPr/>
+          </p:nvSpPr>
+          <p:spPr>
+            <a:xfrm>
+              <a:off x="13308271" y="1100012"/>
+              <a:ext cx="3422388" cy="507831"/>
+            </a:xfrm>
+            <a:prstGeom prst="rect">
+              <a:avLst/>
+            </a:prstGeom>
+            <a:noFill/>
+          </p:spPr>
+          <p:txBody>
+            <a:bodyPr wrap="square" rtlCol="0">
+              <a:spAutoFit/>
+            </a:bodyPr>
+            <a:lstStyle/>
+            <a:p>
+              <a:pPr algn="l"/>
+              <a:r>
+                <a:rPr lang="en-US" sz="2700" dirty="0">
+                  <a:latin typeface="Times New Roman" panose="02020603050405020304" pitchFamily="18" charset="0"/>
+                  <a:cs typeface="Times New Roman" panose="02020603050405020304" pitchFamily="18" charset="0"/>
+                </a:rPr>
+                <a:t>CHEMBL127587</a:t>
+              </a:r>
+            </a:p>
+          </p:txBody>
+        </p:sp>
+        <p:sp>
+          <p:nvSpPr>
+            <p:cNvPr id="77" name="TextBox 76">
+              <a:extLst>
+                <a:ext uri="{FF2B5EF4-FFF2-40B4-BE49-F238E27FC236}">
+                  <a16:creationId xmlns:a16="http://schemas.microsoft.com/office/drawing/2014/main" id="{95B8151B-A99E-44D2-9423-0C17B4D3F52F}"/>
+                </a:ext>
+              </a:extLst>
+            </p:cNvPr>
+            <p:cNvSpPr txBox="1"/>
+            <p:nvPr/>
+          </p:nvSpPr>
+          <p:spPr>
+            <a:xfrm>
+              <a:off x="9741701" y="1096553"/>
+              <a:ext cx="3975875" cy="507831"/>
+            </a:xfrm>
+            <a:prstGeom prst="rect">
+              <a:avLst/>
+            </a:prstGeom>
+            <a:noFill/>
+          </p:spPr>
+          <p:txBody>
+            <a:bodyPr wrap="square" rtlCol="0">
+              <a:spAutoFit/>
+            </a:bodyPr>
+            <a:lstStyle/>
+            <a:p>
+              <a:pPr algn="l"/>
+              <a:r>
+                <a:rPr lang="en-US" sz="2700" dirty="0">
+                  <a:latin typeface="Times New Roman" panose="02020603050405020304" pitchFamily="18" charset="0"/>
+                  <a:cs typeface="Times New Roman" panose="02020603050405020304" pitchFamily="18" charset="0"/>
+                </a:rPr>
+                <a:t>CHEMBL2333416 </a:t>
+              </a:r>
+            </a:p>
+          </p:txBody>
+        </p:sp>
+        <p:sp>
+          <p:nvSpPr>
+            <p:cNvPr id="78" name="TextBox 77">
+              <a:extLst>
+                <a:ext uri="{FF2B5EF4-FFF2-40B4-BE49-F238E27FC236}">
+                  <a16:creationId xmlns:a16="http://schemas.microsoft.com/office/drawing/2014/main" id="{D7E81AEE-14E4-4BE8-BFA5-03DC627E33F2}"/>
+                </a:ext>
+              </a:extLst>
+            </p:cNvPr>
+            <p:cNvSpPr txBox="1"/>
+            <p:nvPr/>
+          </p:nvSpPr>
+          <p:spPr>
+            <a:xfrm>
+              <a:off x="10475189" y="4773535"/>
+              <a:ext cx="1868613" cy="1161600"/>
+            </a:xfrm>
+            <a:prstGeom prst="rect">
+              <a:avLst/>
+            </a:prstGeom>
+            <a:noFill/>
+          </p:spPr>
+          <p:txBody>
+            <a:bodyPr wrap="square" rtlCol="0">
+              <a:spAutoFit/>
+            </a:bodyPr>
+            <a:lstStyle/>
+            <a:p>
+              <a:r>
+                <a:rPr lang="en-US" sz="2273" dirty="0">
+                  <a:latin typeface="Times New Roman" panose="02020603050405020304" pitchFamily="18" charset="0"/>
+                  <a:ea typeface="Calibri" panose="020F0502020204030204" pitchFamily="34" charset="0"/>
+                  <a:cs typeface="Times New Roman" panose="02020603050405020304" pitchFamily="18" charset="0"/>
+                </a:rPr>
+                <a:t>k</a:t>
+              </a:r>
+              <a:r>
+                <a:rPr lang="en-US" sz="2273" baseline="-25000" dirty="0">
+                  <a:latin typeface="Times New Roman" panose="02020603050405020304" pitchFamily="18" charset="0"/>
+                  <a:ea typeface="Calibri" panose="020F0502020204030204" pitchFamily="34" charset="0"/>
+                  <a:cs typeface="Times New Roman" panose="02020603050405020304" pitchFamily="18" charset="0"/>
+                </a:rPr>
+                <a:t>i</a:t>
+              </a:r>
+              <a:r>
+                <a:rPr lang="en-US" sz="2273" baseline="30000" dirty="0">
+                  <a:latin typeface="Times New Roman" panose="02020603050405020304" pitchFamily="18" charset="0"/>
+                  <a:ea typeface="Calibri" panose="020F0502020204030204" pitchFamily="34" charset="0"/>
+                  <a:cs typeface="Times New Roman" panose="02020603050405020304" pitchFamily="18" charset="0"/>
+                </a:rPr>
+                <a:t>+ </a:t>
+              </a:r>
+              <a:r>
+                <a:rPr lang="en-US" sz="2273" dirty="0">
+                  <a:latin typeface="Times New Roman" panose="02020603050405020304" pitchFamily="18" charset="0"/>
+                  <a:cs typeface="Times New Roman" panose="02020603050405020304" pitchFamily="18" charset="0"/>
+                </a:rPr>
+                <a:t>= </a:t>
+              </a:r>
+              <a:r>
+                <a:rPr lang="en-US" sz="2274" dirty="0">
+                  <a:latin typeface="Times New Roman" panose="02020603050405020304" pitchFamily="18" charset="0"/>
+                  <a:cs typeface="Times New Roman" panose="02020603050405020304" pitchFamily="18" charset="0"/>
+                </a:rPr>
+                <a:t>20</a:t>
+              </a:r>
+            </a:p>
+            <a:p>
+              <a:r>
+                <a:rPr lang="en-US" sz="2273" dirty="0">
+                  <a:latin typeface="Times New Roman" panose="02020603050405020304" pitchFamily="18" charset="0"/>
+                  <a:ea typeface="Calibri" panose="020F0502020204030204" pitchFamily="34" charset="0"/>
+                  <a:cs typeface="Times New Roman" panose="02020603050405020304" pitchFamily="18" charset="0"/>
+                </a:rPr>
+                <a:t>k</a:t>
+              </a:r>
+              <a:r>
+                <a:rPr lang="en-US" sz="2273" baseline="-25000" dirty="0">
+                  <a:latin typeface="Times New Roman" panose="02020603050405020304" pitchFamily="18" charset="0"/>
+                  <a:ea typeface="Calibri" panose="020F0502020204030204" pitchFamily="34" charset="0"/>
+                  <a:cs typeface="Times New Roman" panose="02020603050405020304" pitchFamily="18" charset="0"/>
+                </a:rPr>
+                <a:t>i</a:t>
+              </a:r>
+              <a:r>
+                <a:rPr lang="en-US" sz="2273" baseline="30000" dirty="0">
+                  <a:latin typeface="Times New Roman" panose="02020603050405020304" pitchFamily="18" charset="0"/>
+                  <a:ea typeface="Calibri" panose="020F0502020204030204" pitchFamily="34" charset="0"/>
+                  <a:cs typeface="Times New Roman" panose="02020603050405020304" pitchFamily="18" charset="0"/>
+                </a:rPr>
+                <a:t>- </a:t>
+              </a:r>
+              <a:r>
+                <a:rPr lang="en-US" sz="2274" dirty="0">
+                  <a:latin typeface="Times New Roman" panose="02020603050405020304" pitchFamily="18" charset="0"/>
+                  <a:cs typeface="Times New Roman" panose="02020603050405020304" pitchFamily="18" charset="0"/>
+                </a:rPr>
+                <a:t>= 11</a:t>
+              </a:r>
+            </a:p>
+            <a:p>
+              <a:r>
+                <a:rPr lang="el-GR" sz="2273" dirty="0">
+                  <a:latin typeface="Times New Roman" panose="02020603050405020304" pitchFamily="18" charset="0"/>
+                  <a:ea typeface="Calibri" panose="020F0502020204030204" pitchFamily="34" charset="0"/>
+                  <a:cs typeface="Times New Roman" panose="02020603050405020304" pitchFamily="18" charset="0"/>
+                </a:rPr>
+                <a:t>ρ</a:t>
+              </a:r>
+              <a:r>
+                <a:rPr lang="en-US" sz="2273" baseline="-25000" dirty="0">
+                  <a:latin typeface="Times New Roman" panose="02020603050405020304" pitchFamily="18" charset="0"/>
+                  <a:ea typeface="Calibri" panose="020F0502020204030204" pitchFamily="34" charset="0"/>
+                  <a:cs typeface="Times New Roman" panose="02020603050405020304" pitchFamily="18" charset="0"/>
+                </a:rPr>
+                <a:t>i </a:t>
+              </a:r>
+              <a:r>
+                <a:rPr lang="el-GR" sz="2400" dirty="0">
+                  <a:solidFill>
+                    <a:srgbClr val="202124"/>
+                  </a:solidFill>
+                  <a:latin typeface="Times New Roman" panose="02020603050405020304" pitchFamily="18" charset="0"/>
+                  <a:cs typeface="Times New Roman" panose="02020603050405020304" pitchFamily="18" charset="0"/>
+                </a:rPr>
+                <a:t> </a:t>
+              </a:r>
+              <a:r>
+                <a:rPr lang="en-US" sz="2274" dirty="0">
+                  <a:latin typeface="Times New Roman" panose="02020603050405020304" pitchFamily="18" charset="0"/>
+                  <a:cs typeface="Times New Roman" panose="02020603050405020304" pitchFamily="18" charset="0"/>
+                </a:rPr>
+                <a:t>= 0.64</a:t>
+              </a:r>
+            </a:p>
+          </p:txBody>
+        </p:sp>
+        <p:sp>
+          <p:nvSpPr>
+            <p:cNvPr id="79" name="TextBox 78">
+              <a:extLst>
+                <a:ext uri="{FF2B5EF4-FFF2-40B4-BE49-F238E27FC236}">
+                  <a16:creationId xmlns:a16="http://schemas.microsoft.com/office/drawing/2014/main" id="{C4FFA2F2-3E47-42F9-9E6C-D74B4B87BF4D}"/>
+                </a:ext>
+              </a:extLst>
+            </p:cNvPr>
+            <p:cNvSpPr txBox="1"/>
+            <p:nvPr/>
+          </p:nvSpPr>
+          <p:spPr>
+            <a:xfrm>
+              <a:off x="14122351" y="4782519"/>
+              <a:ext cx="1868613" cy="1161408"/>
+            </a:xfrm>
+            <a:prstGeom prst="rect">
+              <a:avLst/>
+            </a:prstGeom>
+            <a:noFill/>
+          </p:spPr>
+          <p:txBody>
+            <a:bodyPr wrap="square" rtlCol="0">
+              <a:spAutoFit/>
+            </a:bodyPr>
+            <a:lstStyle/>
+            <a:p>
+              <a:r>
+                <a:rPr lang="en-US" sz="2273" dirty="0">
+                  <a:latin typeface="Times New Roman" panose="02020603050405020304" pitchFamily="18" charset="0"/>
+                  <a:ea typeface="Calibri" panose="020F0502020204030204" pitchFamily="34" charset="0"/>
+                  <a:cs typeface="Times New Roman" panose="02020603050405020304" pitchFamily="18" charset="0"/>
+                </a:rPr>
+                <a:t>k</a:t>
+              </a:r>
+              <a:r>
+                <a:rPr lang="en-US" sz="2273" baseline="-25000" dirty="0">
+                  <a:latin typeface="Times New Roman" panose="02020603050405020304" pitchFamily="18" charset="0"/>
+                  <a:ea typeface="Calibri" panose="020F0502020204030204" pitchFamily="34" charset="0"/>
+                  <a:cs typeface="Times New Roman" panose="02020603050405020304" pitchFamily="18" charset="0"/>
+                </a:rPr>
+                <a:t>i</a:t>
+              </a:r>
+              <a:r>
+                <a:rPr lang="en-US" sz="2273" baseline="30000" dirty="0">
+                  <a:latin typeface="Times New Roman" panose="02020603050405020304" pitchFamily="18" charset="0"/>
+                  <a:ea typeface="Calibri" panose="020F0502020204030204" pitchFamily="34" charset="0"/>
+                  <a:cs typeface="Times New Roman" panose="02020603050405020304" pitchFamily="18" charset="0"/>
+                </a:rPr>
+                <a:t>+ </a:t>
+              </a:r>
+              <a:r>
+                <a:rPr lang="en-US" sz="2273" dirty="0">
+                  <a:latin typeface="Times New Roman" panose="02020603050405020304" pitchFamily="18" charset="0"/>
+                  <a:cs typeface="Times New Roman" panose="02020603050405020304" pitchFamily="18" charset="0"/>
+                </a:rPr>
+                <a:t>= 3</a:t>
+              </a:r>
+              <a:endParaRPr lang="en-US" sz="2274" dirty="0">
+                <a:latin typeface="Times New Roman" panose="02020603050405020304" pitchFamily="18" charset="0"/>
+                <a:cs typeface="Times New Roman" panose="02020603050405020304" pitchFamily="18" charset="0"/>
+              </a:endParaRPr>
+            </a:p>
+            <a:p>
+              <a:r>
+                <a:rPr lang="en-US" sz="2273" dirty="0">
+                  <a:latin typeface="Times New Roman" panose="02020603050405020304" pitchFamily="18" charset="0"/>
+                  <a:ea typeface="Calibri" panose="020F0502020204030204" pitchFamily="34" charset="0"/>
+                  <a:cs typeface="Times New Roman" panose="02020603050405020304" pitchFamily="18" charset="0"/>
+                </a:rPr>
+                <a:t>k</a:t>
+              </a:r>
+              <a:r>
+                <a:rPr lang="en-US" sz="2273" baseline="-25000" dirty="0">
+                  <a:latin typeface="Times New Roman" panose="02020603050405020304" pitchFamily="18" charset="0"/>
+                  <a:ea typeface="Calibri" panose="020F0502020204030204" pitchFamily="34" charset="0"/>
+                  <a:cs typeface="Times New Roman" panose="02020603050405020304" pitchFamily="18" charset="0"/>
+                </a:rPr>
+                <a:t>i</a:t>
+              </a:r>
+              <a:r>
+                <a:rPr lang="en-US" sz="2273" baseline="30000" dirty="0">
+                  <a:latin typeface="Times New Roman" panose="02020603050405020304" pitchFamily="18" charset="0"/>
+                  <a:ea typeface="Calibri" panose="020F0502020204030204" pitchFamily="34" charset="0"/>
+                  <a:cs typeface="Times New Roman" panose="02020603050405020304" pitchFamily="18" charset="0"/>
+                </a:rPr>
+                <a:t>- </a:t>
+              </a:r>
+              <a:r>
+                <a:rPr lang="en-US" sz="2274" dirty="0">
+                  <a:latin typeface="Times New Roman" panose="02020603050405020304" pitchFamily="18" charset="0"/>
+                  <a:cs typeface="Times New Roman" panose="02020603050405020304" pitchFamily="18" charset="0"/>
+                </a:rPr>
+                <a:t>= 1</a:t>
+              </a:r>
+            </a:p>
+            <a:p>
+              <a:r>
+                <a:rPr lang="el-GR" sz="2273" dirty="0">
+                  <a:latin typeface="Times New Roman" panose="02020603050405020304" pitchFamily="18" charset="0"/>
+                  <a:ea typeface="Calibri" panose="020F0502020204030204" pitchFamily="34" charset="0"/>
+                  <a:cs typeface="Times New Roman" panose="02020603050405020304" pitchFamily="18" charset="0"/>
+                </a:rPr>
+                <a:t>ρ</a:t>
+              </a:r>
+              <a:r>
+                <a:rPr lang="en-US" sz="2273" baseline="-25000" dirty="0">
+                  <a:latin typeface="Times New Roman" panose="02020603050405020304" pitchFamily="18" charset="0"/>
+                  <a:ea typeface="Calibri" panose="020F0502020204030204" pitchFamily="34" charset="0"/>
+                  <a:cs typeface="Times New Roman" panose="02020603050405020304" pitchFamily="18" charset="0"/>
+                </a:rPr>
+                <a:t>i </a:t>
+              </a:r>
+              <a:r>
+                <a:rPr lang="el-GR" sz="2400" dirty="0">
+                  <a:solidFill>
+                    <a:srgbClr val="202124"/>
+                  </a:solidFill>
+                  <a:latin typeface="Times New Roman" panose="02020603050405020304" pitchFamily="18" charset="0"/>
+                  <a:cs typeface="Times New Roman" panose="02020603050405020304" pitchFamily="18" charset="0"/>
+                </a:rPr>
+                <a:t> </a:t>
+              </a:r>
+              <a:r>
+                <a:rPr lang="en-US" sz="2274" dirty="0">
+                  <a:latin typeface="Times New Roman" panose="02020603050405020304" pitchFamily="18" charset="0"/>
+                  <a:cs typeface="Times New Roman" panose="02020603050405020304" pitchFamily="18" charset="0"/>
+                </a:rPr>
+                <a:t>= 0.75</a:t>
+              </a:r>
+            </a:p>
+          </p:txBody>
+        </p:sp>
+        <p:pic>
+          <p:nvPicPr>
+            <p:cNvPr id="80" name="Picture 79">
+              <a:extLst>
+                <a:ext uri="{FF2B5EF4-FFF2-40B4-BE49-F238E27FC236}">
+                  <a16:creationId xmlns:a16="http://schemas.microsoft.com/office/drawing/2014/main" id="{2C5847FE-6505-4936-A00B-DE2D929B2CE6}"/>
+                </a:ext>
+              </a:extLst>
+            </p:cNvPr>
+            <p:cNvPicPr>
+              <a:picLocks noChangeAspect="1"/>
+            </p:cNvPicPr>
+            <p:nvPr/>
+          </p:nvPicPr>
+          <p:blipFill>
+            <a:blip r:embed="rId4"/>
+            <a:stretch>
+              <a:fillRect/>
+            </a:stretch>
+          </p:blipFill>
+          <p:spPr>
+            <a:xfrm rot="5400000">
+              <a:off x="16419745" y="2678594"/>
+              <a:ext cx="3078449" cy="1039095"/>
+            </a:xfrm>
+            <a:prstGeom prst="rect">
+              <a:avLst/>
+            </a:prstGeom>
+          </p:spPr>
+        </p:pic>
+        <p:pic>
+          <p:nvPicPr>
+            <p:cNvPr id="81" name="Picture 80">
+              <a:extLst>
+                <a:ext uri="{FF2B5EF4-FFF2-40B4-BE49-F238E27FC236}">
+                  <a16:creationId xmlns:a16="http://schemas.microsoft.com/office/drawing/2014/main" id="{4604C89B-5BAB-43CE-8104-F381D25760D1}"/>
+                </a:ext>
+              </a:extLst>
+            </p:cNvPr>
+            <p:cNvPicPr>
+              <a:picLocks noChangeAspect="1"/>
+            </p:cNvPicPr>
+            <p:nvPr/>
+          </p:nvPicPr>
+          <p:blipFill>
+            <a:blip r:embed="rId5"/>
+            <a:stretch>
+              <a:fillRect/>
+            </a:stretch>
+          </p:blipFill>
+          <p:spPr>
+            <a:xfrm>
+              <a:off x="12999652" y="1894919"/>
+              <a:ext cx="2933700" cy="2343150"/>
+            </a:xfrm>
+            <a:prstGeom prst="rect">
+              <a:avLst/>
+            </a:prstGeom>
+          </p:spPr>
+        </p:pic>
+        <p:pic>
+          <p:nvPicPr>
+            <p:cNvPr id="86" name="Picture 85">
+              <a:extLst>
+                <a:ext uri="{FF2B5EF4-FFF2-40B4-BE49-F238E27FC236}">
+                  <a16:creationId xmlns:a16="http://schemas.microsoft.com/office/drawing/2014/main" id="{68F5D72A-A893-442E-A8DF-5C392025C5CC}"/>
+                </a:ext>
+              </a:extLst>
+            </p:cNvPr>
+            <p:cNvPicPr>
+              <a:picLocks noChangeAspect="1"/>
+            </p:cNvPicPr>
+            <p:nvPr/>
+          </p:nvPicPr>
+          <p:blipFill>
+            <a:blip r:embed="rId6"/>
+            <a:stretch>
+              <a:fillRect/>
+            </a:stretch>
+          </p:blipFill>
+          <p:spPr>
+            <a:xfrm>
+              <a:off x="9979799" y="1872192"/>
+              <a:ext cx="2324100" cy="2800350"/>
+            </a:xfrm>
+            <a:prstGeom prst="rect">
+              <a:avLst/>
+            </a:prstGeom>
+          </p:spPr>
+        </p:pic>
+        <p:sp>
+          <p:nvSpPr>
+            <p:cNvPr id="90" name="Rectangle: Rounded Corners 89">
+              <a:extLst>
+                <a:ext uri="{FF2B5EF4-FFF2-40B4-BE49-F238E27FC236}">
+                  <a16:creationId xmlns:a16="http://schemas.microsoft.com/office/drawing/2014/main" id="{E2715EF4-0692-47DB-914F-1053E7C90B68}"/>
+                </a:ext>
+              </a:extLst>
+            </p:cNvPr>
+            <p:cNvSpPr/>
+            <p:nvPr/>
+          </p:nvSpPr>
+          <p:spPr>
+            <a:xfrm>
+              <a:off x="9500091" y="999625"/>
+              <a:ext cx="3237594" cy="5210675"/>
+            </a:xfrm>
+            <a:prstGeom prst="roundRect">
+              <a:avLst/>
+            </a:prstGeom>
+            <a:noFill/>
+            <a:ln w="38100">
+              <a:solidFill>
+                <a:srgbClr val="92D6B7"/>
+              </a:solidFill>
+            </a:ln>
+          </p:spPr>
+          <p:style>
+            <a:lnRef idx="2">
+              <a:schemeClr val="accent1">
+                <a:shade val="50000"/>
+              </a:schemeClr>
+            </a:lnRef>
+            <a:fillRef idx="1">
+              <a:schemeClr val="accent1"/>
+            </a:fillRef>
+            <a:effectRef idx="0">
+              <a:schemeClr val="accent1"/>
+            </a:effectRef>
+            <a:fontRef idx="minor">
+              <a:schemeClr val="lt1"/>
+            </a:fontRef>
+          </p:style>
+          <p:txBody>
+            <a:bodyPr rtlCol="0" anchor="ctr"/>
+            <a:lstStyle/>
+            <a:p>
+              <a:pPr algn="ctr"/>
+              <a:endParaRPr lang="en-US" sz="1350"/>
+            </a:p>
+          </p:txBody>
+        </p:sp>
+        <p:sp>
+          <p:nvSpPr>
+            <p:cNvPr id="91" name="Rectangle: Rounded Corners 90">
+              <a:extLst>
+                <a:ext uri="{FF2B5EF4-FFF2-40B4-BE49-F238E27FC236}">
+                  <a16:creationId xmlns:a16="http://schemas.microsoft.com/office/drawing/2014/main" id="{0700E220-3595-484B-9E16-A2EF0925DFA5}"/>
+                </a:ext>
+              </a:extLst>
+            </p:cNvPr>
+            <p:cNvSpPr/>
+            <p:nvPr/>
+          </p:nvSpPr>
+          <p:spPr>
+            <a:xfrm>
+              <a:off x="12963592" y="994522"/>
+              <a:ext cx="3237594" cy="5215778"/>
+            </a:xfrm>
+            <a:prstGeom prst="roundRect">
+              <a:avLst/>
+            </a:prstGeom>
+            <a:noFill/>
+            <a:ln w="38100">
+              <a:solidFill>
+                <a:srgbClr val="92D6B7"/>
+              </a:solidFill>
+            </a:ln>
+          </p:spPr>
+          <p:style>
+            <a:lnRef idx="2">
+              <a:schemeClr val="accent1">
+                <a:shade val="50000"/>
+              </a:schemeClr>
+            </a:lnRef>
+            <a:fillRef idx="1">
+              <a:schemeClr val="accent1"/>
+            </a:fillRef>
+            <a:effectRef idx="0">
+              <a:schemeClr val="accent1"/>
+            </a:effectRef>
+            <a:fontRef idx="minor">
+              <a:schemeClr val="lt1"/>
+            </a:fontRef>
+          </p:style>
+          <p:txBody>
+            <a:bodyPr rtlCol="0" anchor="ctr"/>
+            <a:lstStyle/>
+            <a:p>
+              <a:pPr algn="ctr"/>
+              <a:endParaRPr lang="en-US" sz="1350"/>
+            </a:p>
+          </p:txBody>
+        </p:sp>
+        <p:sp>
+          <p:nvSpPr>
+            <p:cNvPr id="92" name="Rectangle: Rounded Corners 91">
+              <a:extLst>
+                <a:ext uri="{FF2B5EF4-FFF2-40B4-BE49-F238E27FC236}">
+                  <a16:creationId xmlns:a16="http://schemas.microsoft.com/office/drawing/2014/main" id="{176E6B87-BFB6-4EA0-9DDA-380BB3FD0828}"/>
+                </a:ext>
+              </a:extLst>
+            </p:cNvPr>
+            <p:cNvSpPr/>
+            <p:nvPr/>
+          </p:nvSpPr>
+          <p:spPr>
+            <a:xfrm>
+              <a:off x="16340173" y="950941"/>
+              <a:ext cx="3237594" cy="5259359"/>
+            </a:xfrm>
+            <a:prstGeom prst="roundRect">
+              <a:avLst/>
+            </a:prstGeom>
+            <a:noFill/>
+            <a:ln w="38100">
+              <a:solidFill>
+                <a:srgbClr val="92D6B7"/>
+              </a:solidFill>
+            </a:ln>
+          </p:spPr>
+          <p:style>
+            <a:lnRef idx="2">
+              <a:schemeClr val="accent1">
+                <a:shade val="50000"/>
+              </a:schemeClr>
+            </a:lnRef>
+            <a:fillRef idx="1">
+              <a:schemeClr val="accent1"/>
+            </a:fillRef>
+            <a:effectRef idx="0">
+              <a:schemeClr val="accent1"/>
+            </a:effectRef>
+            <a:fontRef idx="minor">
+              <a:schemeClr val="lt1"/>
+            </a:fontRef>
+          </p:style>
+          <p:txBody>
+            <a:bodyPr rtlCol="0" anchor="ctr"/>
+            <a:lstStyle/>
+            <a:p>
+              <a:pPr algn="ctr"/>
+              <a:endParaRPr lang="en-US" sz="1350"/>
+            </a:p>
+          </p:txBody>
+        </p:sp>
+        <p:sp>
+          <p:nvSpPr>
+            <p:cNvPr id="93" name="TextBox 92">
+              <a:extLst>
+                <a:ext uri="{FF2B5EF4-FFF2-40B4-BE49-F238E27FC236}">
+                  <a16:creationId xmlns:a16="http://schemas.microsoft.com/office/drawing/2014/main" id="{9E57FEA0-B111-4B71-87E4-4D2F69C8F3E2}"/>
+                </a:ext>
+              </a:extLst>
+            </p:cNvPr>
+            <p:cNvSpPr txBox="1"/>
+            <p:nvPr/>
+          </p:nvSpPr>
+          <p:spPr>
+            <a:xfrm>
+              <a:off x="17519706" y="4773535"/>
+              <a:ext cx="1868613" cy="1161600"/>
+            </a:xfrm>
+            <a:prstGeom prst="rect">
+              <a:avLst/>
+            </a:prstGeom>
+            <a:noFill/>
+          </p:spPr>
+          <p:txBody>
+            <a:bodyPr wrap="square" rtlCol="0">
+              <a:spAutoFit/>
+            </a:bodyPr>
+            <a:lstStyle/>
+            <a:p>
+              <a:r>
+                <a:rPr lang="en-US" sz="2273" dirty="0">
+                  <a:latin typeface="Times New Roman" panose="02020603050405020304" pitchFamily="18" charset="0"/>
+                  <a:ea typeface="Calibri" panose="020F0502020204030204" pitchFamily="34" charset="0"/>
+                  <a:cs typeface="Times New Roman" panose="02020603050405020304" pitchFamily="18" charset="0"/>
+                </a:rPr>
+                <a:t>k</a:t>
+              </a:r>
+              <a:r>
+                <a:rPr lang="en-US" sz="2273" baseline="-25000" dirty="0">
+                  <a:latin typeface="Times New Roman" panose="02020603050405020304" pitchFamily="18" charset="0"/>
+                  <a:ea typeface="Calibri" panose="020F0502020204030204" pitchFamily="34" charset="0"/>
+                  <a:cs typeface="Times New Roman" panose="02020603050405020304" pitchFamily="18" charset="0"/>
+                </a:rPr>
+                <a:t>i</a:t>
+              </a:r>
+              <a:r>
+                <a:rPr lang="en-US" sz="2273" baseline="30000" dirty="0">
+                  <a:latin typeface="Times New Roman" panose="02020603050405020304" pitchFamily="18" charset="0"/>
+                  <a:ea typeface="Calibri" panose="020F0502020204030204" pitchFamily="34" charset="0"/>
+                  <a:cs typeface="Times New Roman" panose="02020603050405020304" pitchFamily="18" charset="0"/>
+                </a:rPr>
+                <a:t>+ </a:t>
+              </a:r>
+              <a:r>
+                <a:rPr lang="en-US" sz="2273" dirty="0">
+                  <a:latin typeface="Times New Roman" panose="02020603050405020304" pitchFamily="18" charset="0"/>
+                  <a:cs typeface="Times New Roman" panose="02020603050405020304" pitchFamily="18" charset="0"/>
+                </a:rPr>
+                <a:t>= </a:t>
+              </a:r>
+              <a:r>
+                <a:rPr lang="en-US" sz="2274" dirty="0">
+                  <a:latin typeface="Times New Roman" panose="02020603050405020304" pitchFamily="18" charset="0"/>
+                  <a:cs typeface="Times New Roman" panose="02020603050405020304" pitchFamily="18" charset="0"/>
+                </a:rPr>
+                <a:t>1</a:t>
+              </a:r>
+            </a:p>
+            <a:p>
+              <a:r>
+                <a:rPr lang="en-US" sz="2273" dirty="0">
+                  <a:latin typeface="Times New Roman" panose="02020603050405020304" pitchFamily="18" charset="0"/>
+                  <a:ea typeface="Calibri" panose="020F0502020204030204" pitchFamily="34" charset="0"/>
+                  <a:cs typeface="Times New Roman" panose="02020603050405020304" pitchFamily="18" charset="0"/>
+                </a:rPr>
+                <a:t>k</a:t>
+              </a:r>
+              <a:r>
+                <a:rPr lang="en-US" sz="2273" baseline="-25000" dirty="0">
+                  <a:latin typeface="Times New Roman" panose="02020603050405020304" pitchFamily="18" charset="0"/>
+                  <a:ea typeface="Calibri" panose="020F0502020204030204" pitchFamily="34" charset="0"/>
+                  <a:cs typeface="Times New Roman" panose="02020603050405020304" pitchFamily="18" charset="0"/>
+                </a:rPr>
+                <a:t>i</a:t>
+              </a:r>
+              <a:r>
+                <a:rPr lang="en-US" sz="2273" baseline="30000" dirty="0">
+                  <a:latin typeface="Times New Roman" panose="02020603050405020304" pitchFamily="18" charset="0"/>
+                  <a:ea typeface="Calibri" panose="020F0502020204030204" pitchFamily="34" charset="0"/>
+                  <a:cs typeface="Times New Roman" panose="02020603050405020304" pitchFamily="18" charset="0"/>
+                </a:rPr>
+                <a:t>- </a:t>
+              </a:r>
+              <a:r>
+                <a:rPr lang="en-US" sz="2274" dirty="0">
+                  <a:latin typeface="Times New Roman" panose="02020603050405020304" pitchFamily="18" charset="0"/>
+                  <a:cs typeface="Times New Roman" panose="02020603050405020304" pitchFamily="18" charset="0"/>
+                </a:rPr>
+                <a:t>= 0</a:t>
+              </a:r>
+            </a:p>
+            <a:p>
+              <a:r>
+                <a:rPr lang="el-GR" sz="2273" dirty="0">
+                  <a:latin typeface="Times New Roman" panose="02020603050405020304" pitchFamily="18" charset="0"/>
+                  <a:ea typeface="Calibri" panose="020F0502020204030204" pitchFamily="34" charset="0"/>
+                  <a:cs typeface="Times New Roman" panose="02020603050405020304" pitchFamily="18" charset="0"/>
+                </a:rPr>
+                <a:t>ρ</a:t>
+              </a:r>
+              <a:r>
+                <a:rPr lang="en-US" sz="2273" baseline="-25000" dirty="0">
+                  <a:latin typeface="Times New Roman" panose="02020603050405020304" pitchFamily="18" charset="0"/>
+                  <a:ea typeface="Calibri" panose="020F0502020204030204" pitchFamily="34" charset="0"/>
+                  <a:cs typeface="Times New Roman" panose="02020603050405020304" pitchFamily="18" charset="0"/>
+                </a:rPr>
+                <a:t>i </a:t>
+              </a:r>
+              <a:r>
+                <a:rPr lang="el-GR" sz="2400" dirty="0">
+                  <a:solidFill>
+                    <a:srgbClr val="202124"/>
+                  </a:solidFill>
+                  <a:latin typeface="Times New Roman" panose="02020603050405020304" pitchFamily="18" charset="0"/>
+                  <a:cs typeface="Times New Roman" panose="02020603050405020304" pitchFamily="18" charset="0"/>
+                </a:rPr>
+                <a:t> </a:t>
+              </a:r>
+              <a:r>
+                <a:rPr lang="en-US" sz="2274" dirty="0">
+                  <a:latin typeface="Times New Roman" panose="02020603050405020304" pitchFamily="18" charset="0"/>
+                  <a:cs typeface="Times New Roman" panose="02020603050405020304" pitchFamily="18" charset="0"/>
+                </a:rPr>
+                <a:t>= 1.0</a:t>
+              </a:r>
+            </a:p>
+          </p:txBody>
+        </p:sp>
+      </p:grpSp>
+      <p:sp>
+        <p:nvSpPr>
+          <p:cNvPr id="69" name="TextBox 68">
+            <a:extLst>
+              <a:ext uri="{FF2B5EF4-FFF2-40B4-BE49-F238E27FC236}">
+                <a16:creationId xmlns:a16="http://schemas.microsoft.com/office/drawing/2014/main" id="{16B228B2-2614-4DD7-89E3-A519919B6744}"/>
               </a:ext>
             </a:extLst>
           </p:cNvPr>
@@ -5618,36 +4694,310 @@
         </p:nvSpPr>
         <p:spPr>
           <a:xfrm>
-            <a:off x="11116132" y="11575731"/>
-            <a:ext cx="1428215" cy="459696"/>
+            <a:off x="10615724" y="9899511"/>
+            <a:ext cx="2945037" cy="443198"/>
+          </a:xfrm>
+          <a:prstGeom prst="rect">
+            <a:avLst/>
+          </a:prstGeom>
+          <a:solidFill>
+            <a:schemeClr val="bg1"/>
+          </a:solidFill>
+        </p:spPr>
+        <p:txBody>
+          <a:bodyPr wrap="none" rtlCol="0">
+            <a:spAutoFit/>
+          </a:bodyPr>
+          <a:lstStyle/>
+          <a:p>
+            <a:r>
+              <a:rPr lang="en-US" sz="2280" dirty="0">
+                <a:solidFill>
+                  <a:srgbClr val="202124"/>
+                </a:solidFill>
+                <a:latin typeface="Times New Roman" panose="02020603050405020304" pitchFamily="18" charset="0"/>
+                <a:cs typeface="Times New Roman" panose="02020603050405020304" pitchFamily="18" charset="0"/>
+              </a:rPr>
+              <a:t>Ligand degree ratio (</a:t>
+            </a:r>
+            <a:r>
+              <a:rPr lang="el-GR" sz="2280" dirty="0">
+                <a:effectLst/>
+                <a:latin typeface="Times New Roman" panose="02020603050405020304" pitchFamily="18" charset="0"/>
+                <a:ea typeface="Calibri" panose="020F0502020204030204" pitchFamily="34" charset="0"/>
+                <a:cs typeface="Times New Roman" panose="02020603050405020304" pitchFamily="18" charset="0"/>
+              </a:rPr>
+              <a:t>ρ</a:t>
+            </a:r>
+            <a:r>
+              <a:rPr lang="en-US" sz="2280" baseline="-25000" dirty="0">
+                <a:effectLst/>
+                <a:latin typeface="Times New Roman" panose="02020603050405020304" pitchFamily="18" charset="0"/>
+                <a:ea typeface="Calibri" panose="020F0502020204030204" pitchFamily="34" charset="0"/>
+                <a:cs typeface="Times New Roman" panose="02020603050405020304" pitchFamily="18" charset="0"/>
+              </a:rPr>
+              <a:t>l</a:t>
+            </a:r>
+            <a:r>
+              <a:rPr lang="en-US" sz="2280" dirty="0">
+                <a:solidFill>
+                  <a:srgbClr val="202124"/>
+                </a:solidFill>
+                <a:latin typeface="Times New Roman" panose="02020603050405020304" pitchFamily="18" charset="0"/>
+                <a:cs typeface="Times New Roman" panose="02020603050405020304" pitchFamily="18" charset="0"/>
+              </a:rPr>
+              <a:t>)</a:t>
+            </a:r>
+            <a:endParaRPr lang="en-US" sz="2280" dirty="0">
+              <a:latin typeface="Times New Roman" panose="02020603050405020304" pitchFamily="18" charset="0"/>
+              <a:cs typeface="Times New Roman" panose="02020603050405020304" pitchFamily="18" charset="0"/>
+            </a:endParaRPr>
+          </a:p>
+        </p:txBody>
+      </p:sp>
+      <p:grpSp>
+        <p:nvGrpSpPr>
+          <p:cNvPr id="70" name="Group 69">
+            <a:extLst>
+              <a:ext uri="{FF2B5EF4-FFF2-40B4-BE49-F238E27FC236}">
+                <a16:creationId xmlns:a16="http://schemas.microsoft.com/office/drawing/2014/main" id="{5410308B-A2C9-424C-BB73-C300B13763EE}"/>
+              </a:ext>
+            </a:extLst>
+          </p:cNvPr>
+          <p:cNvGrpSpPr/>
+          <p:nvPr/>
+        </p:nvGrpSpPr>
+        <p:grpSpPr>
+          <a:xfrm>
+            <a:off x="493035" y="28255899"/>
+            <a:ext cx="10255794" cy="7498810"/>
+            <a:chOff x="1924700" y="1099091"/>
+            <a:chExt cx="6529249" cy="4430562"/>
+          </a:xfrm>
+        </p:grpSpPr>
+        <p:pic>
+          <p:nvPicPr>
+            <p:cNvPr id="71" name="Picture 6">
+              <a:extLst>
+                <a:ext uri="{FF2B5EF4-FFF2-40B4-BE49-F238E27FC236}">
+                  <a16:creationId xmlns:a16="http://schemas.microsoft.com/office/drawing/2014/main" id="{62DACA0E-DF95-4FC5-A165-3DFFAD8FB868}"/>
+                </a:ext>
+              </a:extLst>
+            </p:cNvPr>
+            <p:cNvPicPr>
+              <a:picLocks noChangeAspect="1" noChangeArrowheads="1"/>
+            </p:cNvPicPr>
+            <p:nvPr/>
+          </p:nvPicPr>
+          <p:blipFill>
+            <a:blip r:embed="rId7">
+              <a:extLst>
+                <a:ext uri="{28A0092B-C50C-407E-A947-70E740481C1C}">
+                  <a14:useLocalDpi xmlns:a14="http://schemas.microsoft.com/office/drawing/2010/main" val="0"/>
+                </a:ext>
+              </a:extLst>
+            </a:blip>
+            <a:srcRect/>
+            <a:stretch>
+              <a:fillRect/>
+            </a:stretch>
+          </p:blipFill>
+          <p:spPr bwMode="auto">
+            <a:xfrm>
+              <a:off x="1924700" y="1099091"/>
+              <a:ext cx="6529249" cy="4430562"/>
+            </a:xfrm>
+            <a:prstGeom prst="rect">
+              <a:avLst/>
+            </a:prstGeom>
+            <a:noFill/>
+            <a:extLst>
+              <a:ext uri="{909E8E84-426E-40DD-AFC4-6F175D3DCCD1}">
+                <a14:hiddenFill xmlns:a14="http://schemas.microsoft.com/office/drawing/2010/main">
+                  <a:solidFill>
+                    <a:srgbClr val="FFFFFF"/>
+                  </a:solidFill>
+                </a14:hiddenFill>
+              </a:ext>
+            </a:extLst>
+          </p:spPr>
+        </p:pic>
+        <p:sp>
+          <p:nvSpPr>
+            <p:cNvPr id="72" name="TextBox 71">
+              <a:extLst>
+                <a:ext uri="{FF2B5EF4-FFF2-40B4-BE49-F238E27FC236}">
+                  <a16:creationId xmlns:a16="http://schemas.microsoft.com/office/drawing/2014/main" id="{F2A7D6BA-D647-48D0-A85B-A6BF32105D15}"/>
+                </a:ext>
+              </a:extLst>
+            </p:cNvPr>
+            <p:cNvSpPr txBox="1"/>
+            <p:nvPr/>
+          </p:nvSpPr>
+          <p:spPr>
+            <a:xfrm>
+              <a:off x="4636996" y="5180400"/>
+              <a:ext cx="2036338" cy="261857"/>
+            </a:xfrm>
+            <a:prstGeom prst="rect">
+              <a:avLst/>
+            </a:prstGeom>
+            <a:solidFill>
+              <a:schemeClr val="bg1"/>
+            </a:solidFill>
+          </p:spPr>
+          <p:txBody>
+            <a:bodyPr wrap="square" rtlCol="0">
+              <a:spAutoFit/>
+            </a:bodyPr>
+            <a:lstStyle/>
+            <a:p>
+              <a:r>
+                <a:rPr lang="en-US" sz="2280" dirty="0">
+                  <a:solidFill>
+                    <a:srgbClr val="202124"/>
+                  </a:solidFill>
+                  <a:latin typeface="Times New Roman" panose="02020603050405020304" pitchFamily="18" charset="0"/>
+                  <a:cs typeface="Times New Roman" panose="02020603050405020304" pitchFamily="18" charset="0"/>
+                </a:rPr>
+                <a:t>Ligand degree ratio (</a:t>
+              </a:r>
+              <a:r>
+                <a:rPr lang="el-GR" sz="2280" dirty="0">
+                  <a:effectLst/>
+                  <a:latin typeface="Times New Roman" panose="02020603050405020304" pitchFamily="18" charset="0"/>
+                  <a:ea typeface="Calibri" panose="020F0502020204030204" pitchFamily="34" charset="0"/>
+                  <a:cs typeface="Times New Roman" panose="02020603050405020304" pitchFamily="18" charset="0"/>
+                </a:rPr>
+                <a:t>ρ</a:t>
+              </a:r>
+              <a:r>
+                <a:rPr lang="en-US" sz="2280" baseline="-25000" dirty="0">
+                  <a:effectLst/>
+                  <a:latin typeface="Times New Roman" panose="02020603050405020304" pitchFamily="18" charset="0"/>
+                  <a:ea typeface="Calibri" panose="020F0502020204030204" pitchFamily="34" charset="0"/>
+                  <a:cs typeface="Times New Roman" panose="02020603050405020304" pitchFamily="18" charset="0"/>
+                </a:rPr>
+                <a:t>l</a:t>
+              </a:r>
+              <a:r>
+                <a:rPr lang="en-US" sz="2280" dirty="0">
+                  <a:solidFill>
+                    <a:srgbClr val="202124"/>
+                  </a:solidFill>
+                  <a:latin typeface="Times New Roman" panose="02020603050405020304" pitchFamily="18" charset="0"/>
+                  <a:cs typeface="Times New Roman" panose="02020603050405020304" pitchFamily="18" charset="0"/>
+                </a:rPr>
+                <a:t>)</a:t>
+              </a:r>
+              <a:endParaRPr lang="en-US" sz="2280" dirty="0">
+                <a:latin typeface="Times New Roman" panose="02020603050405020304" pitchFamily="18" charset="0"/>
+                <a:cs typeface="Times New Roman" panose="02020603050405020304" pitchFamily="18" charset="0"/>
+              </a:endParaRPr>
+            </a:p>
+          </p:txBody>
+        </p:sp>
+        <p:sp>
+          <p:nvSpPr>
+            <p:cNvPr id="73" name="TextBox 72">
+              <a:extLst>
+                <a:ext uri="{FF2B5EF4-FFF2-40B4-BE49-F238E27FC236}">
+                  <a16:creationId xmlns:a16="http://schemas.microsoft.com/office/drawing/2014/main" id="{1ED405A2-99CC-401F-BE96-4D8CD23F047F}"/>
+                </a:ext>
+              </a:extLst>
+            </p:cNvPr>
+            <p:cNvSpPr txBox="1"/>
+            <p:nvPr/>
+          </p:nvSpPr>
+          <p:spPr>
+            <a:xfrm rot="16200000">
+              <a:off x="989706" y="2840093"/>
+              <a:ext cx="2193496" cy="282158"/>
+            </a:xfrm>
+            <a:prstGeom prst="rect">
+              <a:avLst/>
+            </a:prstGeom>
+            <a:solidFill>
+              <a:schemeClr val="bg1"/>
+            </a:solidFill>
+          </p:spPr>
+          <p:txBody>
+            <a:bodyPr wrap="square" rtlCol="0">
+              <a:spAutoFit/>
+            </a:bodyPr>
+            <a:lstStyle/>
+            <a:p>
+              <a:r>
+                <a:rPr lang="en-US" sz="2280" dirty="0">
+                  <a:solidFill>
+                    <a:srgbClr val="202124"/>
+                  </a:solidFill>
+                  <a:latin typeface="Times New Roman" panose="02020603050405020304" pitchFamily="18" charset="0"/>
+                  <a:cs typeface="Times New Roman" panose="02020603050405020304" pitchFamily="18" charset="0"/>
+                </a:rPr>
+                <a:t>DeepPurpose Prediction</a:t>
+              </a:r>
+              <a:endParaRPr lang="en-US" sz="2280" dirty="0">
+                <a:latin typeface="Times New Roman" panose="02020603050405020304" pitchFamily="18" charset="0"/>
+                <a:cs typeface="Times New Roman" panose="02020603050405020304" pitchFamily="18" charset="0"/>
+              </a:endParaRPr>
+            </a:p>
+          </p:txBody>
+        </p:sp>
+      </p:grpSp>
+      <p:pic>
+        <p:nvPicPr>
+          <p:cNvPr id="2" name="Picture 2">
+            <a:extLst>
+              <a:ext uri="{FF2B5EF4-FFF2-40B4-BE49-F238E27FC236}">
+                <a16:creationId xmlns:a16="http://schemas.microsoft.com/office/drawing/2014/main" id="{72D4A294-CA8D-4EF7-810A-278FD63679F1}"/>
+              </a:ext>
+            </a:extLst>
+          </p:cNvPr>
+          <p:cNvPicPr>
+            <a:picLocks noChangeAspect="1" noChangeArrowheads="1"/>
+          </p:cNvPicPr>
+          <p:nvPr/>
+        </p:nvPicPr>
+        <p:blipFill>
+          <a:blip r:embed="rId8">
+            <a:extLst>
+              <a:ext uri="{28A0092B-C50C-407E-A947-70E740481C1C}">
+                <a14:useLocalDpi xmlns:a14="http://schemas.microsoft.com/office/drawing/2010/main" val="0"/>
+              </a:ext>
+            </a:extLst>
+          </a:blip>
+          <a:srcRect/>
+          <a:stretch>
+            <a:fillRect/>
+          </a:stretch>
+        </p:blipFill>
+        <p:spPr bwMode="auto">
+          <a:xfrm>
+            <a:off x="1508420" y="10988456"/>
+            <a:ext cx="19714677" cy="9790895"/>
           </a:xfrm>
           <a:prstGeom prst="rect">
             <a:avLst/>
           </a:prstGeom>
           <a:noFill/>
+          <a:extLst>
+            <a:ext uri="{909E8E84-426E-40DD-AFC4-6F175D3DCCD1}">
+              <a14:hiddenFill xmlns:a14="http://schemas.microsoft.com/office/drawing/2010/main">
+                <a:solidFill>
+                  <a:srgbClr val="FFFFFF"/>
+                </a:solidFill>
+              </a14:hiddenFill>
+            </a:ext>
+          </a:extLst>
         </p:spPr>
-        <p:txBody>
-          <a:bodyPr wrap="square" rtlCol="0">
-            <a:spAutoFit/>
-          </a:bodyPr>
-          <a:lstStyle/>
-          <a:p>
-            <a:r>
-              <a:rPr lang="en-US" sz="2274" dirty="0">
-                <a:latin typeface="Times New Roman" panose="02020603050405020304" pitchFamily="18" charset="0"/>
-                <a:cs typeface="Times New Roman" panose="02020603050405020304" pitchFamily="18" charset="0"/>
-              </a:rPr>
-              <a:t>AVPR1A</a:t>
-            </a:r>
-          </a:p>
-        </p:txBody>
-      </p:sp>
-      <p:sp>
-        <p:nvSpPr>
-          <p:cNvPr id="103" name="TextBox 102">
+      </p:pic>
+      <p:sp>
+        <p:nvSpPr>
+          <p:cNvPr id="61" name="TextBox 60">
             <a:extLst>
               <a:ext uri="{FF2B5EF4-FFF2-40B4-BE49-F238E27FC236}">
-                <a16:creationId xmlns:a16="http://schemas.microsoft.com/office/drawing/2014/main" id="{12B3AEAF-5789-4B76-B49A-33409289C4DB}"/>
+                <a16:creationId xmlns:a16="http://schemas.microsoft.com/office/drawing/2014/main" id="{FFA1C490-DE35-46F2-A631-FD4F6D04B456}"/>
               </a:ext>
             </a:extLst>
           </p:cNvPr>
@@ -5656,36 +5006,113 @@
         </p:nvSpPr>
         <p:spPr>
           <a:xfrm>
-            <a:off x="18340597" y="11566225"/>
-            <a:ext cx="959280" cy="459696"/>
+            <a:off x="10660608" y="20475654"/>
+            <a:ext cx="3005951" cy="443198"/>
           </a:xfrm>
           <a:prstGeom prst="rect">
             <a:avLst/>
           </a:prstGeom>
-          <a:noFill/>
+          <a:solidFill>
+            <a:schemeClr val="bg1"/>
+          </a:solidFill>
         </p:spPr>
         <p:txBody>
-          <a:bodyPr wrap="square" rtlCol="0">
+          <a:bodyPr wrap="none" rtlCol="0">
             <a:spAutoFit/>
           </a:bodyPr>
           <a:lstStyle/>
           <a:p>
             <a:r>
-              <a:rPr lang="en-US" sz="2274" dirty="0">
+              <a:rPr lang="en-US" sz="2280" dirty="0">
+                <a:solidFill>
+                  <a:srgbClr val="202124"/>
+                </a:solidFill>
                 <a:latin typeface="Times New Roman" panose="02020603050405020304" pitchFamily="18" charset="0"/>
                 <a:cs typeface="Times New Roman" panose="02020603050405020304" pitchFamily="18" charset="0"/>
               </a:rPr>
-              <a:t>TOP1</a:t>
-            </a:r>
-          </a:p>
-        </p:txBody>
-      </p:sp>
-      <p:sp>
-        <p:nvSpPr>
-          <p:cNvPr id="104" name="Rectangle: Rounded Corners 103">
+              <a:t>Protein degree ratio (</a:t>
+            </a:r>
+            <a:r>
+              <a:rPr lang="el-GR" sz="2280" dirty="0">
+                <a:effectLst/>
+                <a:latin typeface="Times New Roman" panose="02020603050405020304" pitchFamily="18" charset="0"/>
+                <a:ea typeface="Calibri" panose="020F0502020204030204" pitchFamily="34" charset="0"/>
+                <a:cs typeface="Times New Roman" panose="02020603050405020304" pitchFamily="18" charset="0"/>
+              </a:rPr>
+              <a:t>ρ</a:t>
+            </a:r>
+            <a:r>
+              <a:rPr lang="en-US" sz="2280" baseline="-25000" dirty="0">
+                <a:effectLst/>
+                <a:latin typeface="Times New Roman" panose="02020603050405020304" pitchFamily="18" charset="0"/>
+                <a:ea typeface="Calibri" panose="020F0502020204030204" pitchFamily="34" charset="0"/>
+                <a:cs typeface="Times New Roman" panose="02020603050405020304" pitchFamily="18" charset="0"/>
+              </a:rPr>
+              <a:t>p</a:t>
+            </a:r>
+            <a:r>
+              <a:rPr lang="en-US" sz="2280" dirty="0">
+                <a:solidFill>
+                  <a:srgbClr val="202124"/>
+                </a:solidFill>
+                <a:latin typeface="Times New Roman" panose="02020603050405020304" pitchFamily="18" charset="0"/>
+                <a:cs typeface="Times New Roman" panose="02020603050405020304" pitchFamily="18" charset="0"/>
+              </a:rPr>
+              <a:t>)</a:t>
+            </a:r>
+            <a:endParaRPr lang="en-US" sz="2280" dirty="0">
+              <a:latin typeface="Times New Roman" panose="02020603050405020304" pitchFamily="18" charset="0"/>
+              <a:cs typeface="Times New Roman" panose="02020603050405020304" pitchFamily="18" charset="0"/>
+            </a:endParaRPr>
+          </a:p>
+        </p:txBody>
+      </p:sp>
+      <p:sp>
+        <p:nvSpPr>
+          <p:cNvPr id="64" name="TextBox 63">
             <a:extLst>
               <a:ext uri="{FF2B5EF4-FFF2-40B4-BE49-F238E27FC236}">
-                <a16:creationId xmlns:a16="http://schemas.microsoft.com/office/drawing/2014/main" id="{BCF7D8C5-6E4C-4DB8-8EE7-941C8C29FB9C}"/>
+                <a16:creationId xmlns:a16="http://schemas.microsoft.com/office/drawing/2014/main" id="{0526107F-E589-47AB-8D09-9B2B39B7213E}"/>
+              </a:ext>
+            </a:extLst>
+          </p:cNvPr>
+          <p:cNvSpPr txBox="1"/>
+          <p:nvPr/>
+        </p:nvSpPr>
+        <p:spPr>
+          <a:xfrm rot="16200000">
+            <a:off x="1205788" y="15459858"/>
+            <a:ext cx="718466" cy="442429"/>
+          </a:xfrm>
+          <a:prstGeom prst="rect">
+            <a:avLst/>
+          </a:prstGeom>
+          <a:solidFill>
+            <a:schemeClr val="bg1"/>
+          </a:solidFill>
+        </p:spPr>
+        <p:txBody>
+          <a:bodyPr wrap="none" rtlCol="0">
+            <a:spAutoFit/>
+          </a:bodyPr>
+          <a:lstStyle/>
+          <a:p>
+            <a:r>
+              <a:rPr lang="en-US" sz="2275" dirty="0">
+                <a:latin typeface="Times New Roman" panose="02020603050405020304" pitchFamily="18" charset="0"/>
+                <a:cs typeface="Times New Roman" panose="02020603050405020304" pitchFamily="18" charset="0"/>
+              </a:rPr>
+              <a:t>PDF</a:t>
+            </a:r>
+          </a:p>
+        </p:txBody>
+      </p:sp>
+      <p:sp>
+        <p:nvSpPr>
+          <p:cNvPr id="65" name="Rectangle 64">
+            <a:extLst>
+              <a:ext uri="{FF2B5EF4-FFF2-40B4-BE49-F238E27FC236}">
+                <a16:creationId xmlns:a16="http://schemas.microsoft.com/office/drawing/2014/main" id="{3D21417B-9612-4E1F-BEDF-A4112DC4CFA3}"/>
               </a:ext>
             </a:extLst>
           </p:cNvPr>
@@ -5694,16 +5121,18 @@
         </p:nvSpPr>
         <p:spPr>
           <a:xfrm>
-            <a:off x="10211443" y="11427540"/>
-            <a:ext cx="3237594" cy="5391544"/>
+            <a:off x="3369320" y="11569952"/>
+            <a:ext cx="6729956" cy="4583080"/>
           </a:xfrm>
-          <a:prstGeom prst="roundRect">
+          <a:prstGeom prst="rect">
             <a:avLst/>
           </a:prstGeom>
-          <a:noFill/>
-          <a:ln w="38100">
+          <a:solidFill>
+            <a:schemeClr val="bg1"/>
+          </a:solidFill>
+          <a:ln>
             <a:solidFill>
-              <a:srgbClr val="F9D1D1"/>
+              <a:schemeClr val="bg1"/>
             </a:solidFill>
           </a:ln>
         </p:spPr>
@@ -5728,16 +5157,185 @@
           <a:lstStyle/>
           <a:p>
             <a:pPr algn="ctr"/>
-            <a:endParaRPr lang="en-US" sz="1350"/>
-          </a:p>
-        </p:txBody>
-      </p:sp>
-      <p:sp>
-        <p:nvSpPr>
-          <p:cNvPr id="105" name="Rectangle: Rounded Corners 104">
+            <a:endParaRPr lang="en-US"/>
+          </a:p>
+        </p:txBody>
+      </p:sp>
+      <p:pic>
+        <p:nvPicPr>
+          <p:cNvPr id="83" name="Picture 8">
             <a:extLst>
               <a:ext uri="{FF2B5EF4-FFF2-40B4-BE49-F238E27FC236}">
-                <a16:creationId xmlns:a16="http://schemas.microsoft.com/office/drawing/2014/main" id="{3151FA7A-096F-433F-909D-4E04C01DBEFF}"/>
+                <a16:creationId xmlns:a16="http://schemas.microsoft.com/office/drawing/2014/main" id="{38B926AC-971A-4B7E-90E9-231582D246C9}"/>
+              </a:ext>
+            </a:extLst>
+          </p:cNvPr>
+          <p:cNvPicPr>
+            <a:picLocks noChangeAspect="1" noChangeArrowheads="1"/>
+          </p:cNvPicPr>
+          <p:nvPr/>
+        </p:nvPicPr>
+        <p:blipFill>
+          <a:blip r:embed="rId9">
+            <a:extLst>
+              <a:ext uri="{28A0092B-C50C-407E-A947-70E740481C1C}">
+                <a14:useLocalDpi xmlns:a14="http://schemas.microsoft.com/office/drawing/2010/main" val="0"/>
+              </a:ext>
+            </a:extLst>
+          </a:blip>
+          <a:srcRect/>
+          <a:stretch>
+            <a:fillRect/>
+          </a:stretch>
+        </p:blipFill>
+        <p:spPr bwMode="auto">
+          <a:xfrm>
+            <a:off x="11320034" y="28207854"/>
+            <a:ext cx="10255794" cy="7498810"/>
+          </a:xfrm>
+          <a:prstGeom prst="rect">
+            <a:avLst/>
+          </a:prstGeom>
+          <a:noFill/>
+          <a:extLst>
+            <a:ext uri="{909E8E84-426E-40DD-AFC4-6F175D3DCCD1}">
+              <a14:hiddenFill xmlns:a14="http://schemas.microsoft.com/office/drawing/2010/main">
+                <a:solidFill>
+                  <a:srgbClr val="FFFFFF"/>
+                </a:solidFill>
+              </a14:hiddenFill>
+            </a:ext>
+          </a:extLst>
+        </p:spPr>
+      </p:pic>
+      <p:sp>
+        <p:nvSpPr>
+          <p:cNvPr id="84" name="TextBox 83">
+            <a:extLst>
+              <a:ext uri="{FF2B5EF4-FFF2-40B4-BE49-F238E27FC236}">
+                <a16:creationId xmlns:a16="http://schemas.microsoft.com/office/drawing/2014/main" id="{57C22510-0223-4BB2-BA00-048FECDC2E9B}"/>
+              </a:ext>
+            </a:extLst>
+          </p:cNvPr>
+          <p:cNvSpPr txBox="1"/>
+          <p:nvPr/>
+        </p:nvSpPr>
+        <p:spPr>
+          <a:xfrm rot="16200000">
+            <a:off x="9574623" y="31109014"/>
+            <a:ext cx="3934020" cy="443198"/>
+          </a:xfrm>
+          <a:prstGeom prst="rect">
+            <a:avLst/>
+          </a:prstGeom>
+          <a:solidFill>
+            <a:schemeClr val="bg1"/>
+          </a:solidFill>
+        </p:spPr>
+        <p:txBody>
+          <a:bodyPr wrap="square" rtlCol="0">
+            <a:spAutoFit/>
+          </a:bodyPr>
+          <a:lstStyle/>
+          <a:p>
+            <a:r>
+              <a:rPr lang="en-US" sz="2280" dirty="0">
+                <a:solidFill>
+                  <a:srgbClr val="202124"/>
+                </a:solidFill>
+                <a:latin typeface="Times New Roman" panose="02020603050405020304" pitchFamily="18" charset="0"/>
+                <a:cs typeface="Times New Roman" panose="02020603050405020304" pitchFamily="18" charset="0"/>
+              </a:rPr>
+              <a:t>DeepPurpose Prediction</a:t>
+            </a:r>
+            <a:endParaRPr lang="en-US" sz="2280" dirty="0">
+              <a:latin typeface="Times New Roman" panose="02020603050405020304" pitchFamily="18" charset="0"/>
+              <a:cs typeface="Times New Roman" panose="02020603050405020304" pitchFamily="18" charset="0"/>
+            </a:endParaRPr>
+          </a:p>
+        </p:txBody>
+      </p:sp>
+      <p:sp>
+        <p:nvSpPr>
+          <p:cNvPr id="85" name="TextBox 84">
+            <a:extLst>
+              <a:ext uri="{FF2B5EF4-FFF2-40B4-BE49-F238E27FC236}">
+                <a16:creationId xmlns:a16="http://schemas.microsoft.com/office/drawing/2014/main" id="{BA9ED53A-8CB7-496C-8A94-7F9BCB709AF5}"/>
+              </a:ext>
+            </a:extLst>
+          </p:cNvPr>
+          <p:cNvSpPr txBox="1"/>
+          <p:nvPr/>
+        </p:nvSpPr>
+        <p:spPr>
+          <a:xfrm>
+            <a:off x="15591109" y="35163592"/>
+            <a:ext cx="3202253" cy="443198"/>
+          </a:xfrm>
+          <a:prstGeom prst="rect">
+            <a:avLst/>
+          </a:prstGeom>
+          <a:solidFill>
+            <a:schemeClr val="bg1"/>
+          </a:solidFill>
+        </p:spPr>
+        <p:txBody>
+          <a:bodyPr wrap="square" rtlCol="0">
+            <a:spAutoFit/>
+          </a:bodyPr>
+          <a:lstStyle/>
+          <a:p>
+            <a:r>
+              <a:rPr lang="en-US" sz="2280" dirty="0">
+                <a:solidFill>
+                  <a:srgbClr val="202124"/>
+                </a:solidFill>
+                <a:latin typeface="Times New Roman" panose="02020603050405020304" pitchFamily="18" charset="0"/>
+                <a:cs typeface="Times New Roman" panose="02020603050405020304" pitchFamily="18" charset="0"/>
+              </a:rPr>
+              <a:t>Protein degree ratio (</a:t>
+            </a:r>
+            <a:r>
+              <a:rPr lang="el-GR" sz="2280" dirty="0">
+                <a:effectLst/>
+                <a:latin typeface="Times New Roman" panose="02020603050405020304" pitchFamily="18" charset="0"/>
+                <a:ea typeface="Calibri" panose="020F0502020204030204" pitchFamily="34" charset="0"/>
+                <a:cs typeface="Times New Roman" panose="02020603050405020304" pitchFamily="18" charset="0"/>
+              </a:rPr>
+              <a:t>ρ</a:t>
+            </a:r>
+            <a:r>
+              <a:rPr lang="en-US" sz="2280" baseline="-25000" dirty="0">
+                <a:effectLst/>
+                <a:latin typeface="Times New Roman" panose="02020603050405020304" pitchFamily="18" charset="0"/>
+                <a:ea typeface="Calibri" panose="020F0502020204030204" pitchFamily="34" charset="0"/>
+                <a:cs typeface="Times New Roman" panose="02020603050405020304" pitchFamily="18" charset="0"/>
+              </a:rPr>
+              <a:t>p</a:t>
+            </a:r>
+            <a:r>
+              <a:rPr lang="en-US" sz="2280" dirty="0">
+                <a:solidFill>
+                  <a:srgbClr val="202124"/>
+                </a:solidFill>
+                <a:latin typeface="Times New Roman" panose="02020603050405020304" pitchFamily="18" charset="0"/>
+                <a:cs typeface="Times New Roman" panose="02020603050405020304" pitchFamily="18" charset="0"/>
+              </a:rPr>
+              <a:t>)</a:t>
+            </a:r>
+            <a:endParaRPr lang="en-US" sz="2280" dirty="0">
+              <a:latin typeface="Times New Roman" panose="02020603050405020304" pitchFamily="18" charset="0"/>
+              <a:cs typeface="Times New Roman" panose="02020603050405020304" pitchFamily="18" charset="0"/>
+            </a:endParaRPr>
+          </a:p>
+        </p:txBody>
+      </p:sp>
+      <p:sp>
+        <p:nvSpPr>
+          <p:cNvPr id="87" name="Rectangle 86">
+            <a:extLst>
+              <a:ext uri="{FF2B5EF4-FFF2-40B4-BE49-F238E27FC236}">
+                <a16:creationId xmlns:a16="http://schemas.microsoft.com/office/drawing/2014/main" id="{4767036A-1696-4C66-8AD2-168DD266E0DD}"/>
               </a:ext>
             </a:extLst>
           </p:cNvPr>
@@ -5746,16 +5344,18 @@
         </p:nvSpPr>
         <p:spPr>
           <a:xfrm>
-            <a:off x="13657356" y="11426644"/>
-            <a:ext cx="3335672" cy="5421180"/>
+            <a:off x="6114130" y="16454357"/>
+            <a:ext cx="2689128" cy="857250"/>
           </a:xfrm>
-          <a:prstGeom prst="roundRect">
+          <a:prstGeom prst="rect">
             <a:avLst/>
           </a:prstGeom>
-          <a:noFill/>
-          <a:ln w="38100">
+          <a:solidFill>
+            <a:schemeClr val="bg1"/>
+          </a:solidFill>
+          <a:ln>
             <a:solidFill>
-              <a:srgbClr val="F9D1D1"/>
+              <a:schemeClr val="bg1"/>
             </a:solidFill>
           </a:ln>
         </p:spPr>
@@ -5780,16 +5380,1004 @@
           <a:lstStyle/>
           <a:p>
             <a:pPr algn="ctr"/>
-            <a:endParaRPr lang="en-US" sz="1350"/>
-          </a:p>
-        </p:txBody>
-      </p:sp>
-      <p:sp>
-        <p:nvSpPr>
-          <p:cNvPr id="106" name="TextBox 105">
+            <a:endParaRPr lang="en-US"/>
+          </a:p>
+        </p:txBody>
+      </p:sp>
+      <p:grpSp>
+        <p:nvGrpSpPr>
+          <p:cNvPr id="6" name="Group 5">
             <a:extLst>
               <a:ext uri="{FF2B5EF4-FFF2-40B4-BE49-F238E27FC236}">
-                <a16:creationId xmlns:a16="http://schemas.microsoft.com/office/drawing/2014/main" id="{0ADC8EB7-4CFA-459F-837B-583940627D3D}"/>
+                <a16:creationId xmlns:a16="http://schemas.microsoft.com/office/drawing/2014/main" id="{5BB5CFC6-A3A0-4D0C-ACC9-3C799FFF4DEB}"/>
+              </a:ext>
+            </a:extLst>
+          </p:cNvPr>
+          <p:cNvGrpSpPr/>
+          <p:nvPr/>
+        </p:nvGrpSpPr>
+        <p:grpSpPr>
+          <a:xfrm>
+            <a:off x="11637233" y="21471582"/>
+            <a:ext cx="10196968" cy="5432228"/>
+            <a:chOff x="9976856" y="11311705"/>
+            <a:chExt cx="10196968" cy="5432228"/>
+          </a:xfrm>
+        </p:grpSpPr>
+        <p:sp>
+          <p:nvSpPr>
+            <p:cNvPr id="101" name="TextBox 100">
+              <a:extLst>
+                <a:ext uri="{FF2B5EF4-FFF2-40B4-BE49-F238E27FC236}">
+                  <a16:creationId xmlns:a16="http://schemas.microsoft.com/office/drawing/2014/main" id="{84AA623C-0CA0-4ACA-BAA5-3400DDE79FB1}"/>
+                </a:ext>
+              </a:extLst>
+            </p:cNvPr>
+            <p:cNvSpPr txBox="1"/>
+            <p:nvPr/>
+          </p:nvSpPr>
+          <p:spPr>
+            <a:xfrm>
+              <a:off x="14718786" y="11459074"/>
+              <a:ext cx="1143132" cy="442301"/>
+            </a:xfrm>
+            <a:prstGeom prst="rect">
+              <a:avLst/>
+            </a:prstGeom>
+            <a:noFill/>
+          </p:spPr>
+          <p:txBody>
+            <a:bodyPr wrap="square" rtlCol="0">
+              <a:spAutoFit/>
+            </a:bodyPr>
+            <a:lstStyle/>
+            <a:p>
+              <a:r>
+                <a:rPr lang="en-US" sz="2274" dirty="0">
+                  <a:latin typeface="Times New Roman" panose="02020603050405020304" pitchFamily="18" charset="0"/>
+                  <a:cs typeface="Times New Roman" panose="02020603050405020304" pitchFamily="18" charset="0"/>
+                </a:rPr>
+                <a:t>DAO</a:t>
+              </a:r>
+            </a:p>
+          </p:txBody>
+        </p:sp>
+        <p:sp>
+          <p:nvSpPr>
+            <p:cNvPr id="102" name="TextBox 101">
+              <a:extLst>
+                <a:ext uri="{FF2B5EF4-FFF2-40B4-BE49-F238E27FC236}">
+                  <a16:creationId xmlns:a16="http://schemas.microsoft.com/office/drawing/2014/main" id="{D930BE1F-4D3C-4DA3-AABD-BC05CCF5CAA9}"/>
+                </a:ext>
+              </a:extLst>
+            </p:cNvPr>
+            <p:cNvSpPr txBox="1"/>
+            <p:nvPr/>
+          </p:nvSpPr>
+          <p:spPr>
+            <a:xfrm>
+              <a:off x="10881546" y="11460794"/>
+              <a:ext cx="1428215" cy="442301"/>
+            </a:xfrm>
+            <a:prstGeom prst="rect">
+              <a:avLst/>
+            </a:prstGeom>
+            <a:noFill/>
+          </p:spPr>
+          <p:txBody>
+            <a:bodyPr wrap="square" rtlCol="0">
+              <a:spAutoFit/>
+            </a:bodyPr>
+            <a:lstStyle/>
+            <a:p>
+              <a:r>
+                <a:rPr lang="en-US" sz="2274" dirty="0">
+                  <a:latin typeface="Times New Roman" panose="02020603050405020304" pitchFamily="18" charset="0"/>
+                  <a:cs typeface="Times New Roman" panose="02020603050405020304" pitchFamily="18" charset="0"/>
+                </a:rPr>
+                <a:t>AVPR1A</a:t>
+              </a:r>
+            </a:p>
+          </p:txBody>
+        </p:sp>
+        <p:sp>
+          <p:nvSpPr>
+            <p:cNvPr id="103" name="TextBox 102">
+              <a:extLst>
+                <a:ext uri="{FF2B5EF4-FFF2-40B4-BE49-F238E27FC236}">
+                  <a16:creationId xmlns:a16="http://schemas.microsoft.com/office/drawing/2014/main" id="{12B3AEAF-5789-4B76-B49A-33409289C4DB}"/>
+                </a:ext>
+              </a:extLst>
+            </p:cNvPr>
+            <p:cNvSpPr txBox="1"/>
+            <p:nvPr/>
+          </p:nvSpPr>
+          <p:spPr>
+            <a:xfrm>
+              <a:off x="18106009" y="11451287"/>
+              <a:ext cx="959280" cy="442301"/>
+            </a:xfrm>
+            <a:prstGeom prst="rect">
+              <a:avLst/>
+            </a:prstGeom>
+            <a:noFill/>
+          </p:spPr>
+          <p:txBody>
+            <a:bodyPr wrap="square" rtlCol="0">
+              <a:spAutoFit/>
+            </a:bodyPr>
+            <a:lstStyle/>
+            <a:p>
+              <a:r>
+                <a:rPr lang="en-US" sz="2274" dirty="0">
+                  <a:latin typeface="Times New Roman" panose="02020603050405020304" pitchFamily="18" charset="0"/>
+                  <a:cs typeface="Times New Roman" panose="02020603050405020304" pitchFamily="18" charset="0"/>
+                </a:rPr>
+                <a:t>TOP1</a:t>
+              </a:r>
+            </a:p>
+          </p:txBody>
+        </p:sp>
+        <p:sp>
+          <p:nvSpPr>
+            <p:cNvPr id="104" name="Rectangle: Rounded Corners 103">
+              <a:extLst>
+                <a:ext uri="{FF2B5EF4-FFF2-40B4-BE49-F238E27FC236}">
+                  <a16:creationId xmlns:a16="http://schemas.microsoft.com/office/drawing/2014/main" id="{BCF7D8C5-6E4C-4DB8-8EE7-941C8C29FB9C}"/>
+                </a:ext>
+              </a:extLst>
+            </p:cNvPr>
+            <p:cNvSpPr/>
+            <p:nvPr/>
+          </p:nvSpPr>
+          <p:spPr>
+            <a:xfrm>
+              <a:off x="9976856" y="11312601"/>
+              <a:ext cx="3237594" cy="5391544"/>
+            </a:xfrm>
+            <a:prstGeom prst="roundRect">
+              <a:avLst/>
+            </a:prstGeom>
+            <a:noFill/>
+            <a:ln w="38100">
+              <a:solidFill>
+                <a:srgbClr val="F9D1D1"/>
+              </a:solidFill>
+            </a:ln>
+          </p:spPr>
+          <p:style>
+            <a:lnRef idx="2">
+              <a:schemeClr val="accent1">
+                <a:shade val="50000"/>
+              </a:schemeClr>
+            </a:lnRef>
+            <a:fillRef idx="1">
+              <a:schemeClr val="accent1"/>
+            </a:fillRef>
+            <a:effectRef idx="0">
+              <a:schemeClr val="accent1"/>
+            </a:effectRef>
+            <a:fontRef idx="minor">
+              <a:schemeClr val="lt1"/>
+            </a:fontRef>
+          </p:style>
+          <p:txBody>
+            <a:bodyPr rtlCol="0" anchor="ctr"/>
+            <a:lstStyle/>
+            <a:p>
+              <a:pPr algn="ctr"/>
+              <a:endParaRPr lang="en-US" sz="1350"/>
+            </a:p>
+          </p:txBody>
+        </p:sp>
+        <p:sp>
+          <p:nvSpPr>
+            <p:cNvPr id="105" name="Rectangle: Rounded Corners 104">
+              <a:extLst>
+                <a:ext uri="{FF2B5EF4-FFF2-40B4-BE49-F238E27FC236}">
+                  <a16:creationId xmlns:a16="http://schemas.microsoft.com/office/drawing/2014/main" id="{3151FA7A-096F-433F-909D-4E04C01DBEFF}"/>
+                </a:ext>
+              </a:extLst>
+            </p:cNvPr>
+            <p:cNvSpPr/>
+            <p:nvPr/>
+          </p:nvSpPr>
+          <p:spPr>
+            <a:xfrm>
+              <a:off x="13422768" y="11311705"/>
+              <a:ext cx="3335672" cy="5421180"/>
+            </a:xfrm>
+            <a:prstGeom prst="roundRect">
+              <a:avLst/>
+            </a:prstGeom>
+            <a:noFill/>
+            <a:ln w="38100">
+              <a:solidFill>
+                <a:srgbClr val="F9D1D1"/>
+              </a:solidFill>
+            </a:ln>
+          </p:spPr>
+          <p:style>
+            <a:lnRef idx="2">
+              <a:schemeClr val="accent1">
+                <a:shade val="50000"/>
+              </a:schemeClr>
+            </a:lnRef>
+            <a:fillRef idx="1">
+              <a:schemeClr val="accent1"/>
+            </a:fillRef>
+            <a:effectRef idx="0">
+              <a:schemeClr val="accent1"/>
+            </a:effectRef>
+            <a:fontRef idx="minor">
+              <a:schemeClr val="lt1"/>
+            </a:fontRef>
+          </p:style>
+          <p:txBody>
+            <a:bodyPr rtlCol="0" anchor="ctr"/>
+            <a:lstStyle/>
+            <a:p>
+              <a:pPr algn="ctr"/>
+              <a:endParaRPr lang="en-US" sz="1350"/>
+            </a:p>
+          </p:txBody>
+        </p:sp>
+        <p:sp>
+          <p:nvSpPr>
+            <p:cNvPr id="106" name="TextBox 105">
+              <a:extLst>
+                <a:ext uri="{FF2B5EF4-FFF2-40B4-BE49-F238E27FC236}">
+                  <a16:creationId xmlns:a16="http://schemas.microsoft.com/office/drawing/2014/main" id="{0ADC8EB7-4CFA-459F-837B-583940627D3D}"/>
+                </a:ext>
+              </a:extLst>
+            </p:cNvPr>
+            <p:cNvSpPr txBox="1"/>
+            <p:nvPr/>
+          </p:nvSpPr>
+          <p:spPr>
+            <a:xfrm>
+              <a:off x="10964164" y="15230350"/>
+              <a:ext cx="1868613" cy="1161408"/>
+            </a:xfrm>
+            <a:prstGeom prst="rect">
+              <a:avLst/>
+            </a:prstGeom>
+            <a:noFill/>
+          </p:spPr>
+          <p:txBody>
+            <a:bodyPr wrap="square" rtlCol="0">
+              <a:spAutoFit/>
+            </a:bodyPr>
+            <a:lstStyle/>
+            <a:p>
+              <a:r>
+                <a:rPr lang="en-US" sz="2273" dirty="0">
+                  <a:latin typeface="Times New Roman" panose="02020603050405020304" pitchFamily="18" charset="0"/>
+                  <a:ea typeface="Calibri" panose="020F0502020204030204" pitchFamily="34" charset="0"/>
+                  <a:cs typeface="Times New Roman" panose="02020603050405020304" pitchFamily="18" charset="0"/>
+                </a:rPr>
+                <a:t>k</a:t>
+              </a:r>
+              <a:r>
+                <a:rPr lang="en-US" sz="2273" baseline="-25000" dirty="0">
+                  <a:latin typeface="Times New Roman" panose="02020603050405020304" pitchFamily="18" charset="0"/>
+                  <a:ea typeface="Calibri" panose="020F0502020204030204" pitchFamily="34" charset="0"/>
+                  <a:cs typeface="Times New Roman" panose="02020603050405020304" pitchFamily="18" charset="0"/>
+                </a:rPr>
+                <a:t>i</a:t>
+              </a:r>
+              <a:r>
+                <a:rPr lang="en-US" sz="2273" baseline="30000" dirty="0">
+                  <a:latin typeface="Times New Roman" panose="02020603050405020304" pitchFamily="18" charset="0"/>
+                  <a:ea typeface="Calibri" panose="020F0502020204030204" pitchFamily="34" charset="0"/>
+                  <a:cs typeface="Times New Roman" panose="02020603050405020304" pitchFamily="18" charset="0"/>
+                </a:rPr>
+                <a:t>+ </a:t>
+              </a:r>
+              <a:r>
+                <a:rPr lang="en-US" sz="2273" dirty="0">
+                  <a:latin typeface="Times New Roman" panose="02020603050405020304" pitchFamily="18" charset="0"/>
+                  <a:cs typeface="Times New Roman" panose="02020603050405020304" pitchFamily="18" charset="0"/>
+                </a:rPr>
+                <a:t>= 32</a:t>
+              </a:r>
+              <a:endParaRPr lang="en-US" sz="2274" dirty="0">
+                <a:latin typeface="Times New Roman" panose="02020603050405020304" pitchFamily="18" charset="0"/>
+                <a:cs typeface="Times New Roman" panose="02020603050405020304" pitchFamily="18" charset="0"/>
+              </a:endParaRPr>
+            </a:p>
+            <a:p>
+              <a:r>
+                <a:rPr lang="en-US" sz="2273" dirty="0">
+                  <a:latin typeface="Times New Roman" panose="02020603050405020304" pitchFamily="18" charset="0"/>
+                  <a:ea typeface="Calibri" panose="020F0502020204030204" pitchFamily="34" charset="0"/>
+                  <a:cs typeface="Times New Roman" panose="02020603050405020304" pitchFamily="18" charset="0"/>
+                </a:rPr>
+                <a:t>k</a:t>
+              </a:r>
+              <a:r>
+                <a:rPr lang="en-US" sz="2273" baseline="-25000" dirty="0">
+                  <a:latin typeface="Times New Roman" panose="02020603050405020304" pitchFamily="18" charset="0"/>
+                  <a:ea typeface="Calibri" panose="020F0502020204030204" pitchFamily="34" charset="0"/>
+                  <a:cs typeface="Times New Roman" panose="02020603050405020304" pitchFamily="18" charset="0"/>
+                </a:rPr>
+                <a:t>i</a:t>
+              </a:r>
+              <a:r>
+                <a:rPr lang="en-US" sz="2273" baseline="30000" dirty="0">
+                  <a:latin typeface="Times New Roman" panose="02020603050405020304" pitchFamily="18" charset="0"/>
+                  <a:ea typeface="Calibri" panose="020F0502020204030204" pitchFamily="34" charset="0"/>
+                  <a:cs typeface="Times New Roman" panose="02020603050405020304" pitchFamily="18" charset="0"/>
+                </a:rPr>
+                <a:t>- </a:t>
+              </a:r>
+              <a:r>
+                <a:rPr lang="en-US" sz="2274" dirty="0">
+                  <a:latin typeface="Times New Roman" panose="02020603050405020304" pitchFamily="18" charset="0"/>
+                  <a:cs typeface="Times New Roman" panose="02020603050405020304" pitchFamily="18" charset="0"/>
+                </a:rPr>
+                <a:t>= 10</a:t>
+              </a:r>
+            </a:p>
+            <a:p>
+              <a:r>
+                <a:rPr lang="el-GR" sz="2273" dirty="0">
+                  <a:latin typeface="Times New Roman" panose="02020603050405020304" pitchFamily="18" charset="0"/>
+                  <a:ea typeface="Calibri" panose="020F0502020204030204" pitchFamily="34" charset="0"/>
+                  <a:cs typeface="Times New Roman" panose="02020603050405020304" pitchFamily="18" charset="0"/>
+                </a:rPr>
+                <a:t>ρ</a:t>
+              </a:r>
+              <a:r>
+                <a:rPr lang="en-US" sz="2273" baseline="-25000" dirty="0">
+                  <a:latin typeface="Times New Roman" panose="02020603050405020304" pitchFamily="18" charset="0"/>
+                  <a:ea typeface="Calibri" panose="020F0502020204030204" pitchFamily="34" charset="0"/>
+                  <a:cs typeface="Times New Roman" panose="02020603050405020304" pitchFamily="18" charset="0"/>
+                </a:rPr>
+                <a:t>i </a:t>
+              </a:r>
+              <a:r>
+                <a:rPr lang="el-GR" sz="2400" dirty="0">
+                  <a:solidFill>
+                    <a:srgbClr val="202124"/>
+                  </a:solidFill>
+                  <a:latin typeface="Times New Roman" panose="02020603050405020304" pitchFamily="18" charset="0"/>
+                  <a:cs typeface="Times New Roman" panose="02020603050405020304" pitchFamily="18" charset="0"/>
+                </a:rPr>
+                <a:t> </a:t>
+              </a:r>
+              <a:r>
+                <a:rPr lang="en-US" sz="2274" dirty="0">
+                  <a:latin typeface="Times New Roman" panose="02020603050405020304" pitchFamily="18" charset="0"/>
+                  <a:cs typeface="Times New Roman" panose="02020603050405020304" pitchFamily="18" charset="0"/>
+                </a:rPr>
+                <a:t>= 0.76</a:t>
+              </a:r>
+            </a:p>
+          </p:txBody>
+        </p:sp>
+        <p:sp>
+          <p:nvSpPr>
+            <p:cNvPr id="107" name="TextBox 106">
+              <a:extLst>
+                <a:ext uri="{FF2B5EF4-FFF2-40B4-BE49-F238E27FC236}">
+                  <a16:creationId xmlns:a16="http://schemas.microsoft.com/office/drawing/2014/main" id="{33A10475-181A-421A-9DD8-7AF21DEDFA93}"/>
+                </a:ext>
+              </a:extLst>
+            </p:cNvPr>
+            <p:cNvSpPr txBox="1"/>
+            <p:nvPr/>
+          </p:nvSpPr>
+          <p:spPr>
+            <a:xfrm>
+              <a:off x="14472440" y="15230350"/>
+              <a:ext cx="1868613" cy="1161408"/>
+            </a:xfrm>
+            <a:prstGeom prst="rect">
+              <a:avLst/>
+            </a:prstGeom>
+            <a:noFill/>
+          </p:spPr>
+          <p:txBody>
+            <a:bodyPr wrap="square" rtlCol="0">
+              <a:spAutoFit/>
+            </a:bodyPr>
+            <a:lstStyle/>
+            <a:p>
+              <a:r>
+                <a:rPr lang="en-US" sz="2273" dirty="0">
+                  <a:latin typeface="Times New Roman" panose="02020603050405020304" pitchFamily="18" charset="0"/>
+                  <a:ea typeface="Calibri" panose="020F0502020204030204" pitchFamily="34" charset="0"/>
+                  <a:cs typeface="Times New Roman" panose="02020603050405020304" pitchFamily="18" charset="0"/>
+                </a:rPr>
+                <a:t>k</a:t>
+              </a:r>
+              <a:r>
+                <a:rPr lang="en-US" sz="2273" baseline="-25000" dirty="0">
+                  <a:latin typeface="Times New Roman" panose="02020603050405020304" pitchFamily="18" charset="0"/>
+                  <a:ea typeface="Calibri" panose="020F0502020204030204" pitchFamily="34" charset="0"/>
+                  <a:cs typeface="Times New Roman" panose="02020603050405020304" pitchFamily="18" charset="0"/>
+                </a:rPr>
+                <a:t>i</a:t>
+              </a:r>
+              <a:r>
+                <a:rPr lang="en-US" sz="2273" baseline="30000" dirty="0">
+                  <a:latin typeface="Times New Roman" panose="02020603050405020304" pitchFamily="18" charset="0"/>
+                  <a:ea typeface="Calibri" panose="020F0502020204030204" pitchFamily="34" charset="0"/>
+                  <a:cs typeface="Times New Roman" panose="02020603050405020304" pitchFamily="18" charset="0"/>
+                </a:rPr>
+                <a:t>+ </a:t>
+              </a:r>
+              <a:r>
+                <a:rPr lang="en-US" sz="2273" dirty="0">
+                  <a:latin typeface="Times New Roman" panose="02020603050405020304" pitchFamily="18" charset="0"/>
+                  <a:cs typeface="Times New Roman" panose="02020603050405020304" pitchFamily="18" charset="0"/>
+                </a:rPr>
+                <a:t>= 9</a:t>
+              </a:r>
+              <a:endParaRPr lang="en-US" sz="2274" dirty="0">
+                <a:latin typeface="Times New Roman" panose="02020603050405020304" pitchFamily="18" charset="0"/>
+                <a:cs typeface="Times New Roman" panose="02020603050405020304" pitchFamily="18" charset="0"/>
+              </a:endParaRPr>
+            </a:p>
+            <a:p>
+              <a:r>
+                <a:rPr lang="en-US" sz="2273" dirty="0">
+                  <a:latin typeface="Times New Roman" panose="02020603050405020304" pitchFamily="18" charset="0"/>
+                  <a:ea typeface="Calibri" panose="020F0502020204030204" pitchFamily="34" charset="0"/>
+                  <a:cs typeface="Times New Roman" panose="02020603050405020304" pitchFamily="18" charset="0"/>
+                </a:rPr>
+                <a:t>k</a:t>
+              </a:r>
+              <a:r>
+                <a:rPr lang="en-US" sz="2273" baseline="-25000" dirty="0">
+                  <a:latin typeface="Times New Roman" panose="02020603050405020304" pitchFamily="18" charset="0"/>
+                  <a:ea typeface="Calibri" panose="020F0502020204030204" pitchFamily="34" charset="0"/>
+                  <a:cs typeface="Times New Roman" panose="02020603050405020304" pitchFamily="18" charset="0"/>
+                </a:rPr>
+                <a:t>i</a:t>
+              </a:r>
+              <a:r>
+                <a:rPr lang="en-US" sz="2273" baseline="30000" dirty="0">
+                  <a:latin typeface="Times New Roman" panose="02020603050405020304" pitchFamily="18" charset="0"/>
+                  <a:ea typeface="Calibri" panose="020F0502020204030204" pitchFamily="34" charset="0"/>
+                  <a:cs typeface="Times New Roman" panose="02020603050405020304" pitchFamily="18" charset="0"/>
+                </a:rPr>
+                <a:t>- </a:t>
+              </a:r>
+              <a:r>
+                <a:rPr lang="en-US" sz="2274" dirty="0">
+                  <a:latin typeface="Times New Roman" panose="02020603050405020304" pitchFamily="18" charset="0"/>
+                  <a:cs typeface="Times New Roman" panose="02020603050405020304" pitchFamily="18" charset="0"/>
+                </a:rPr>
+                <a:t>= 2</a:t>
+              </a:r>
+            </a:p>
+            <a:p>
+              <a:r>
+                <a:rPr lang="el-GR" sz="2273" dirty="0">
+                  <a:latin typeface="Times New Roman" panose="02020603050405020304" pitchFamily="18" charset="0"/>
+                  <a:ea typeface="Calibri" panose="020F0502020204030204" pitchFamily="34" charset="0"/>
+                  <a:cs typeface="Times New Roman" panose="02020603050405020304" pitchFamily="18" charset="0"/>
+                </a:rPr>
+                <a:t>ρ</a:t>
+              </a:r>
+              <a:r>
+                <a:rPr lang="en-US" sz="2273" baseline="-25000" dirty="0">
+                  <a:latin typeface="Times New Roman" panose="02020603050405020304" pitchFamily="18" charset="0"/>
+                  <a:ea typeface="Calibri" panose="020F0502020204030204" pitchFamily="34" charset="0"/>
+                  <a:cs typeface="Times New Roman" panose="02020603050405020304" pitchFamily="18" charset="0"/>
+                </a:rPr>
+                <a:t>i </a:t>
+              </a:r>
+              <a:r>
+                <a:rPr lang="el-GR" sz="2400" dirty="0">
+                  <a:solidFill>
+                    <a:srgbClr val="202124"/>
+                  </a:solidFill>
+                  <a:latin typeface="Times New Roman" panose="02020603050405020304" pitchFamily="18" charset="0"/>
+                  <a:cs typeface="Times New Roman" panose="02020603050405020304" pitchFamily="18" charset="0"/>
+                </a:rPr>
+                <a:t> </a:t>
+              </a:r>
+              <a:r>
+                <a:rPr lang="en-US" sz="2274" dirty="0">
+                  <a:latin typeface="Times New Roman" panose="02020603050405020304" pitchFamily="18" charset="0"/>
+                  <a:cs typeface="Times New Roman" panose="02020603050405020304" pitchFamily="18" charset="0"/>
+                </a:rPr>
+                <a:t>= 0.82</a:t>
+              </a:r>
+            </a:p>
+          </p:txBody>
+        </p:sp>
+        <p:sp>
+          <p:nvSpPr>
+            <p:cNvPr id="108" name="TextBox 107">
+              <a:extLst>
+                <a:ext uri="{FF2B5EF4-FFF2-40B4-BE49-F238E27FC236}">
+                  <a16:creationId xmlns:a16="http://schemas.microsoft.com/office/drawing/2014/main" id="{8D6A87E1-F55C-4AB0-A234-D2232FB503E5}"/>
+                </a:ext>
+              </a:extLst>
+            </p:cNvPr>
+            <p:cNvSpPr txBox="1"/>
+            <p:nvPr/>
+          </p:nvSpPr>
+          <p:spPr>
+            <a:xfrm>
+              <a:off x="18047338" y="15220434"/>
+              <a:ext cx="1868613" cy="1161408"/>
+            </a:xfrm>
+            <a:prstGeom prst="rect">
+              <a:avLst/>
+            </a:prstGeom>
+            <a:noFill/>
+          </p:spPr>
+          <p:txBody>
+            <a:bodyPr wrap="square" rtlCol="0">
+              <a:spAutoFit/>
+            </a:bodyPr>
+            <a:lstStyle/>
+            <a:p>
+              <a:r>
+                <a:rPr lang="en-US" sz="2273" dirty="0">
+                  <a:latin typeface="Times New Roman" panose="02020603050405020304" pitchFamily="18" charset="0"/>
+                  <a:ea typeface="Calibri" panose="020F0502020204030204" pitchFamily="34" charset="0"/>
+                  <a:cs typeface="Times New Roman" panose="02020603050405020304" pitchFamily="18" charset="0"/>
+                </a:rPr>
+                <a:t>k</a:t>
+              </a:r>
+              <a:r>
+                <a:rPr lang="en-US" sz="2273" baseline="-25000" dirty="0">
+                  <a:latin typeface="Times New Roman" panose="02020603050405020304" pitchFamily="18" charset="0"/>
+                  <a:ea typeface="Calibri" panose="020F0502020204030204" pitchFamily="34" charset="0"/>
+                  <a:cs typeface="Times New Roman" panose="02020603050405020304" pitchFamily="18" charset="0"/>
+                </a:rPr>
+                <a:t>i</a:t>
+              </a:r>
+              <a:r>
+                <a:rPr lang="en-US" sz="2273" baseline="30000" dirty="0">
+                  <a:latin typeface="Times New Roman" panose="02020603050405020304" pitchFamily="18" charset="0"/>
+                  <a:ea typeface="Calibri" panose="020F0502020204030204" pitchFamily="34" charset="0"/>
+                  <a:cs typeface="Times New Roman" panose="02020603050405020304" pitchFamily="18" charset="0"/>
+                </a:rPr>
+                <a:t>+ </a:t>
+              </a:r>
+              <a:r>
+                <a:rPr lang="en-US" sz="2273" dirty="0">
+                  <a:latin typeface="Times New Roman" panose="02020603050405020304" pitchFamily="18" charset="0"/>
+                  <a:cs typeface="Times New Roman" panose="02020603050405020304" pitchFamily="18" charset="0"/>
+                </a:rPr>
+                <a:t>= 3</a:t>
+              </a:r>
+              <a:endParaRPr lang="en-US" sz="2274" dirty="0">
+                <a:latin typeface="Times New Roman" panose="02020603050405020304" pitchFamily="18" charset="0"/>
+                <a:cs typeface="Times New Roman" panose="02020603050405020304" pitchFamily="18" charset="0"/>
+              </a:endParaRPr>
+            </a:p>
+            <a:p>
+              <a:r>
+                <a:rPr lang="en-US" sz="2273" dirty="0">
+                  <a:latin typeface="Times New Roman" panose="02020603050405020304" pitchFamily="18" charset="0"/>
+                  <a:ea typeface="Calibri" panose="020F0502020204030204" pitchFamily="34" charset="0"/>
+                  <a:cs typeface="Times New Roman" panose="02020603050405020304" pitchFamily="18" charset="0"/>
+                </a:rPr>
+                <a:t>k</a:t>
+              </a:r>
+              <a:r>
+                <a:rPr lang="en-US" sz="2273" baseline="-25000" dirty="0">
+                  <a:latin typeface="Times New Roman" panose="02020603050405020304" pitchFamily="18" charset="0"/>
+                  <a:ea typeface="Calibri" panose="020F0502020204030204" pitchFamily="34" charset="0"/>
+                  <a:cs typeface="Times New Roman" panose="02020603050405020304" pitchFamily="18" charset="0"/>
+                </a:rPr>
+                <a:t>i</a:t>
+              </a:r>
+              <a:r>
+                <a:rPr lang="en-US" sz="2273" baseline="30000" dirty="0">
+                  <a:latin typeface="Times New Roman" panose="02020603050405020304" pitchFamily="18" charset="0"/>
+                  <a:ea typeface="Calibri" panose="020F0502020204030204" pitchFamily="34" charset="0"/>
+                  <a:cs typeface="Times New Roman" panose="02020603050405020304" pitchFamily="18" charset="0"/>
+                </a:rPr>
+                <a:t>- </a:t>
+              </a:r>
+              <a:r>
+                <a:rPr lang="en-US" sz="2274" dirty="0">
+                  <a:latin typeface="Times New Roman" panose="02020603050405020304" pitchFamily="18" charset="0"/>
+                  <a:cs typeface="Times New Roman" panose="02020603050405020304" pitchFamily="18" charset="0"/>
+                </a:rPr>
+                <a:t>= 0</a:t>
+              </a:r>
+            </a:p>
+            <a:p>
+              <a:r>
+                <a:rPr lang="el-GR" sz="2273" dirty="0">
+                  <a:latin typeface="Times New Roman" panose="02020603050405020304" pitchFamily="18" charset="0"/>
+                  <a:ea typeface="Calibri" panose="020F0502020204030204" pitchFamily="34" charset="0"/>
+                  <a:cs typeface="Times New Roman" panose="02020603050405020304" pitchFamily="18" charset="0"/>
+                </a:rPr>
+                <a:t>ρ</a:t>
+              </a:r>
+              <a:r>
+                <a:rPr lang="en-US" sz="2273" baseline="-25000" dirty="0">
+                  <a:latin typeface="Times New Roman" panose="02020603050405020304" pitchFamily="18" charset="0"/>
+                  <a:ea typeface="Calibri" panose="020F0502020204030204" pitchFamily="34" charset="0"/>
+                  <a:cs typeface="Times New Roman" panose="02020603050405020304" pitchFamily="18" charset="0"/>
+                </a:rPr>
+                <a:t>i </a:t>
+              </a:r>
+              <a:r>
+                <a:rPr lang="el-GR" sz="2400" dirty="0">
+                  <a:solidFill>
+                    <a:srgbClr val="202124"/>
+                  </a:solidFill>
+                  <a:latin typeface="Times New Roman" panose="02020603050405020304" pitchFamily="18" charset="0"/>
+                  <a:cs typeface="Times New Roman" panose="02020603050405020304" pitchFamily="18" charset="0"/>
+                </a:rPr>
+                <a:t> </a:t>
+              </a:r>
+              <a:r>
+                <a:rPr lang="en-US" sz="2274" dirty="0">
+                  <a:latin typeface="Times New Roman" panose="02020603050405020304" pitchFamily="18" charset="0"/>
+                  <a:cs typeface="Times New Roman" panose="02020603050405020304" pitchFamily="18" charset="0"/>
+                </a:rPr>
+                <a:t>= 1.0</a:t>
+              </a:r>
+            </a:p>
+          </p:txBody>
+        </p:sp>
+        <p:pic>
+          <p:nvPicPr>
+            <p:cNvPr id="109" name="Picture 108">
+              <a:extLst>
+                <a:ext uri="{FF2B5EF4-FFF2-40B4-BE49-F238E27FC236}">
+                  <a16:creationId xmlns:a16="http://schemas.microsoft.com/office/drawing/2014/main" id="{DEB60A45-21D7-4002-BE62-860F7899B523}"/>
+                </a:ext>
+              </a:extLst>
+            </p:cNvPr>
+            <p:cNvPicPr>
+              <a:picLocks noChangeAspect="1"/>
+            </p:cNvPicPr>
+            <p:nvPr/>
+          </p:nvPicPr>
+          <p:blipFill>
+            <a:blip r:embed="rId10"/>
+            <a:stretch>
+              <a:fillRect/>
+            </a:stretch>
+          </p:blipFill>
+          <p:spPr>
+            <a:xfrm>
+              <a:off x="17479020" y="12374236"/>
+              <a:ext cx="2168166" cy="2379391"/>
+            </a:xfrm>
+            <a:prstGeom prst="rect">
+              <a:avLst/>
+            </a:prstGeom>
+          </p:spPr>
+        </p:pic>
+        <p:pic>
+          <p:nvPicPr>
+            <p:cNvPr id="110" name="Picture 109">
+              <a:extLst>
+                <a:ext uri="{FF2B5EF4-FFF2-40B4-BE49-F238E27FC236}">
+                  <a16:creationId xmlns:a16="http://schemas.microsoft.com/office/drawing/2014/main" id="{2C67A3A9-2D0F-407B-BD07-0EC226371629}"/>
+                </a:ext>
+              </a:extLst>
+            </p:cNvPr>
+            <p:cNvPicPr>
+              <a:picLocks noChangeAspect="1"/>
+            </p:cNvPicPr>
+            <p:nvPr/>
+          </p:nvPicPr>
+          <p:blipFill>
+            <a:blip r:embed="rId11"/>
+            <a:stretch>
+              <a:fillRect/>
+            </a:stretch>
+          </p:blipFill>
+          <p:spPr>
+            <a:xfrm>
+              <a:off x="14339073" y="11855265"/>
+              <a:ext cx="1566665" cy="3365168"/>
+            </a:xfrm>
+            <a:prstGeom prst="rect">
+              <a:avLst/>
+            </a:prstGeom>
+          </p:spPr>
+        </p:pic>
+        <p:pic>
+          <p:nvPicPr>
+            <p:cNvPr id="111" name="Picture 110">
+              <a:extLst>
+                <a:ext uri="{FF2B5EF4-FFF2-40B4-BE49-F238E27FC236}">
+                  <a16:creationId xmlns:a16="http://schemas.microsoft.com/office/drawing/2014/main" id="{04CF9A25-C91A-479B-A09A-9B047B46F55C}"/>
+                </a:ext>
+              </a:extLst>
+            </p:cNvPr>
+            <p:cNvPicPr>
+              <a:picLocks noChangeAspect="1"/>
+            </p:cNvPicPr>
+            <p:nvPr/>
+          </p:nvPicPr>
+          <p:blipFill>
+            <a:blip r:embed="rId12"/>
+            <a:stretch>
+              <a:fillRect/>
+            </a:stretch>
+          </p:blipFill>
+          <p:spPr>
+            <a:xfrm>
+              <a:off x="10840542" y="12180559"/>
+              <a:ext cx="1692367" cy="3039874"/>
+            </a:xfrm>
+            <a:prstGeom prst="rect">
+              <a:avLst/>
+            </a:prstGeom>
+          </p:spPr>
+        </p:pic>
+        <p:sp>
+          <p:nvSpPr>
+            <p:cNvPr id="112" name="Rectangle: Rounded Corners 111">
+              <a:extLst>
+                <a:ext uri="{FF2B5EF4-FFF2-40B4-BE49-F238E27FC236}">
+                  <a16:creationId xmlns:a16="http://schemas.microsoft.com/office/drawing/2014/main" id="{BEF6B4AD-D0B9-4A81-9BEF-7F402BFD358D}"/>
+                </a:ext>
+              </a:extLst>
+            </p:cNvPr>
+            <p:cNvSpPr/>
+            <p:nvPr/>
+          </p:nvSpPr>
+          <p:spPr>
+            <a:xfrm>
+              <a:off x="16936230" y="11322753"/>
+              <a:ext cx="3237594" cy="5421180"/>
+            </a:xfrm>
+            <a:prstGeom prst="roundRect">
+              <a:avLst/>
+            </a:prstGeom>
+            <a:noFill/>
+            <a:ln w="38100">
+              <a:solidFill>
+                <a:srgbClr val="F9D1D1"/>
+              </a:solidFill>
+            </a:ln>
+          </p:spPr>
+          <p:style>
+            <a:lnRef idx="2">
+              <a:schemeClr val="accent1">
+                <a:shade val="50000"/>
+              </a:schemeClr>
+            </a:lnRef>
+            <a:fillRef idx="1">
+              <a:schemeClr val="accent1"/>
+            </a:fillRef>
+            <a:effectRef idx="0">
+              <a:schemeClr val="accent1"/>
+            </a:effectRef>
+            <a:fontRef idx="minor">
+              <a:schemeClr val="lt1"/>
+            </a:fontRef>
+          </p:style>
+          <p:txBody>
+            <a:bodyPr rtlCol="0" anchor="ctr"/>
+            <a:lstStyle/>
+            <a:p>
+              <a:pPr algn="ctr"/>
+              <a:endParaRPr lang="en-US" sz="1350"/>
+            </a:p>
+          </p:txBody>
+        </p:sp>
+      </p:grpSp>
+      <p:grpSp>
+        <p:nvGrpSpPr>
+          <p:cNvPr id="113" name="Group 112">
+            <a:extLst>
+              <a:ext uri="{FF2B5EF4-FFF2-40B4-BE49-F238E27FC236}">
+                <a16:creationId xmlns:a16="http://schemas.microsoft.com/office/drawing/2014/main" id="{2A8F2E2F-AEFA-45C4-8456-EC453AB7C769}"/>
+              </a:ext>
+            </a:extLst>
+          </p:cNvPr>
+          <p:cNvGrpSpPr/>
+          <p:nvPr/>
+        </p:nvGrpSpPr>
+        <p:grpSpPr>
+          <a:xfrm>
+            <a:off x="17351959" y="11344483"/>
+            <a:ext cx="3511949" cy="1555829"/>
+            <a:chOff x="16339125" y="826931"/>
+            <a:chExt cx="3511949" cy="1555829"/>
+          </a:xfrm>
+        </p:grpSpPr>
+        <p:sp>
+          <p:nvSpPr>
+            <p:cNvPr id="114" name="TextBox 113">
+              <a:extLst>
+                <a:ext uri="{FF2B5EF4-FFF2-40B4-BE49-F238E27FC236}">
+                  <a16:creationId xmlns:a16="http://schemas.microsoft.com/office/drawing/2014/main" id="{97B56CFF-C5A1-4C3D-A7E9-0F9594C02AE7}"/>
+                </a:ext>
+              </a:extLst>
+            </p:cNvPr>
+            <p:cNvSpPr txBox="1"/>
+            <p:nvPr/>
+          </p:nvSpPr>
+          <p:spPr>
+            <a:xfrm>
+              <a:off x="17394751" y="958577"/>
+              <a:ext cx="2456323" cy="443198"/>
+            </a:xfrm>
+            <a:prstGeom prst="rect">
+              <a:avLst/>
+            </a:prstGeom>
+            <a:solidFill>
+              <a:schemeClr val="bg1"/>
+            </a:solidFill>
+          </p:spPr>
+          <p:txBody>
+            <a:bodyPr wrap="square" rtlCol="0">
+              <a:spAutoFit/>
+            </a:bodyPr>
+            <a:lstStyle/>
+            <a:p>
+              <a:r>
+                <a:rPr lang="en-US" sz="2280" dirty="0">
+                  <a:solidFill>
+                    <a:srgbClr val="202124"/>
+                  </a:solidFill>
+                  <a:latin typeface="Times New Roman" panose="02020603050405020304" pitchFamily="18" charset="0"/>
+                  <a:cs typeface="Times New Roman" panose="02020603050405020304" pitchFamily="18" charset="0"/>
+                </a:rPr>
+                <a:t>Whole BindingDB</a:t>
+              </a:r>
+            </a:p>
+          </p:txBody>
+        </p:sp>
+        <p:sp>
+          <p:nvSpPr>
+            <p:cNvPr id="115" name="Rectangle 114">
+              <a:extLst>
+                <a:ext uri="{FF2B5EF4-FFF2-40B4-BE49-F238E27FC236}">
+                  <a16:creationId xmlns:a16="http://schemas.microsoft.com/office/drawing/2014/main" id="{7A51A8CF-7EC0-40D0-8003-657CD608A4DC}"/>
+                </a:ext>
+              </a:extLst>
+            </p:cNvPr>
+            <p:cNvSpPr/>
+            <p:nvPr/>
+          </p:nvSpPr>
+          <p:spPr>
+            <a:xfrm>
+              <a:off x="16339126" y="826931"/>
+              <a:ext cx="712333" cy="658008"/>
+            </a:xfrm>
+            <a:prstGeom prst="rect">
+              <a:avLst/>
+            </a:prstGeom>
+            <a:solidFill>
+              <a:srgbClr val="D6E5F0"/>
+            </a:solidFill>
+          </p:spPr>
+          <p:style>
+            <a:lnRef idx="2">
+              <a:schemeClr val="accent1">
+                <a:shade val="50000"/>
+              </a:schemeClr>
+            </a:lnRef>
+            <a:fillRef idx="1">
+              <a:schemeClr val="accent1"/>
+            </a:fillRef>
+            <a:effectRef idx="0">
+              <a:schemeClr val="accent1"/>
+            </a:effectRef>
+            <a:fontRef idx="minor">
+              <a:schemeClr val="lt1"/>
+            </a:fontRef>
+          </p:style>
+          <p:txBody>
+            <a:bodyPr rtlCol="0" anchor="ctr"/>
+            <a:lstStyle/>
+            <a:p>
+              <a:pPr algn="ctr"/>
+              <a:endParaRPr lang="en-US" sz="1350"/>
+            </a:p>
+          </p:txBody>
+        </p:sp>
+        <p:sp>
+          <p:nvSpPr>
+            <p:cNvPr id="116" name="Rectangle 115">
+              <a:extLst>
+                <a:ext uri="{FF2B5EF4-FFF2-40B4-BE49-F238E27FC236}">
+                  <a16:creationId xmlns:a16="http://schemas.microsoft.com/office/drawing/2014/main" id="{B46CA3D5-EAE5-4DD2-B860-8D2AAFB97457}"/>
+                </a:ext>
+              </a:extLst>
+            </p:cNvPr>
+            <p:cNvSpPr/>
+            <p:nvPr/>
+          </p:nvSpPr>
+          <p:spPr>
+            <a:xfrm>
+              <a:off x="16339125" y="1724753"/>
+              <a:ext cx="712333" cy="658007"/>
+            </a:xfrm>
+            <a:prstGeom prst="rect">
+              <a:avLst/>
+            </a:prstGeom>
+            <a:solidFill>
+              <a:srgbClr val="F9D0D0"/>
+            </a:solidFill>
+          </p:spPr>
+          <p:style>
+            <a:lnRef idx="2">
+              <a:schemeClr val="accent1">
+                <a:shade val="50000"/>
+              </a:schemeClr>
+            </a:lnRef>
+            <a:fillRef idx="1">
+              <a:schemeClr val="accent1"/>
+            </a:fillRef>
+            <a:effectRef idx="0">
+              <a:schemeClr val="accent1"/>
+            </a:effectRef>
+            <a:fontRef idx="minor">
+              <a:schemeClr val="lt1"/>
+            </a:fontRef>
+          </p:style>
+          <p:txBody>
+            <a:bodyPr rtlCol="0" anchor="ctr"/>
+            <a:lstStyle/>
+            <a:p>
+              <a:pPr algn="ctr"/>
+              <a:endParaRPr lang="en-US" sz="1350"/>
+            </a:p>
+          </p:txBody>
+        </p:sp>
+        <p:sp>
+          <p:nvSpPr>
+            <p:cNvPr id="117" name="TextBox 116">
+              <a:extLst>
+                <a:ext uri="{FF2B5EF4-FFF2-40B4-BE49-F238E27FC236}">
+                  <a16:creationId xmlns:a16="http://schemas.microsoft.com/office/drawing/2014/main" id="{7A4EFCB0-F55D-4BDA-8122-0BFE01101C56}"/>
+                </a:ext>
+              </a:extLst>
+            </p:cNvPr>
+            <p:cNvSpPr txBox="1"/>
+            <p:nvPr/>
+          </p:nvSpPr>
+          <p:spPr>
+            <a:xfrm>
+              <a:off x="17394751" y="1857499"/>
+              <a:ext cx="2204515" cy="443198"/>
+            </a:xfrm>
+            <a:prstGeom prst="rect">
+              <a:avLst/>
+            </a:prstGeom>
+            <a:solidFill>
+              <a:schemeClr val="bg1"/>
+            </a:solidFill>
+          </p:spPr>
+          <p:txBody>
+            <a:bodyPr wrap="square" rtlCol="0">
+              <a:spAutoFit/>
+            </a:bodyPr>
+            <a:lstStyle/>
+            <a:p>
+              <a:r>
+                <a:rPr lang="en-US" sz="2280" dirty="0">
+                  <a:solidFill>
+                    <a:srgbClr val="202124"/>
+                  </a:solidFill>
+                  <a:latin typeface="Times New Roman" panose="02020603050405020304" pitchFamily="18" charset="0"/>
+                  <a:cs typeface="Times New Roman" panose="02020603050405020304" pitchFamily="18" charset="0"/>
+                </a:rPr>
+                <a:t>False Positives</a:t>
+              </a:r>
+            </a:p>
+          </p:txBody>
+        </p:sp>
+      </p:grpSp>
+      <p:sp>
+        <p:nvSpPr>
+          <p:cNvPr id="118" name="TextBox 117">
+            <a:extLst>
+              <a:ext uri="{FF2B5EF4-FFF2-40B4-BE49-F238E27FC236}">
+                <a16:creationId xmlns:a16="http://schemas.microsoft.com/office/drawing/2014/main" id="{262604AE-CEC4-4CF0-B596-0985AD4624C3}"/>
               </a:ext>
             </a:extLst>
           </p:cNvPr>
@@ -5798,8 +6386,8 @@
         </p:nvSpPr>
         <p:spPr>
           <a:xfrm>
-            <a:off x="11198750" y="15345289"/>
-            <a:ext cx="1868613" cy="1207083"/>
+            <a:off x="188510" y="21114400"/>
+            <a:ext cx="706275" cy="714363"/>
           </a:xfrm>
           <a:prstGeom prst="rect">
             <a:avLst/>
@@ -5813,117 +6401,21 @@
           <a:lstStyle/>
           <a:p>
             <a:r>
-              <a:rPr lang="en-US" sz="2273" dirty="0">
-                <a:latin typeface="Times New Roman" panose="02020603050405020304" pitchFamily="18" charset="0"/>
-                <a:ea typeface="Calibri" panose="020F0502020204030204" pitchFamily="34" charset="0"/>
-                <a:cs typeface="Times New Roman" panose="02020603050405020304" pitchFamily="18" charset="0"/>
-              </a:rPr>
-              <a:t>k</a:t>
-            </a:r>
-            <a:r>
-              <a:rPr lang="en-US" sz="2273" baseline="-25000" dirty="0">
-                <a:latin typeface="Times New Roman" panose="02020603050405020304" pitchFamily="18" charset="0"/>
-                <a:ea typeface="Calibri" panose="020F0502020204030204" pitchFamily="34" charset="0"/>
-                <a:cs typeface="Times New Roman" panose="02020603050405020304" pitchFamily="18" charset="0"/>
-              </a:rPr>
-              <a:t>i</a:t>
-            </a:r>
-            <a:r>
-              <a:rPr lang="en-US" sz="2273" baseline="30000" dirty="0">
-                <a:latin typeface="Times New Roman" panose="02020603050405020304" pitchFamily="18" charset="0"/>
-                <a:ea typeface="Calibri" panose="020F0502020204030204" pitchFamily="34" charset="0"/>
-                <a:cs typeface="Times New Roman" panose="02020603050405020304" pitchFamily="18" charset="0"/>
-              </a:rPr>
-              <a:t>+ </a:t>
-            </a:r>
-            <a:r>
-              <a:rPr lang="en-US" sz="2273" dirty="0">
+              <a:rPr lang="en-US" sz="4042" b="1" dirty="0">
                 <a:latin typeface="Times New Roman" panose="02020603050405020304" pitchFamily="18" charset="0"/>
                 <a:cs typeface="Times New Roman" panose="02020603050405020304" pitchFamily="18" charset="0"/>
               </a:rPr>
-              <a:t>= 32</a:t>
-            </a:r>
-            <a:endParaRPr lang="en-US" sz="2274" dirty="0">
-              <a:latin typeface="Times New Roman" panose="02020603050405020304" pitchFamily="18" charset="0"/>
-              <a:cs typeface="Times New Roman" panose="02020603050405020304" pitchFamily="18" charset="0"/>
-            </a:endParaRPr>
-          </a:p>
-          <a:p>
-            <a:r>
-              <a:rPr lang="en-US" sz="2273" dirty="0">
-                <a:latin typeface="Times New Roman" panose="02020603050405020304" pitchFamily="18" charset="0"/>
-                <a:ea typeface="Calibri" panose="020F0502020204030204" pitchFamily="34" charset="0"/>
-                <a:cs typeface="Times New Roman" panose="02020603050405020304" pitchFamily="18" charset="0"/>
-              </a:rPr>
-              <a:t>k</a:t>
-            </a:r>
-            <a:r>
-              <a:rPr lang="en-US" sz="2273" baseline="-25000" dirty="0">
-                <a:latin typeface="Times New Roman" panose="02020603050405020304" pitchFamily="18" charset="0"/>
-                <a:ea typeface="Calibri" panose="020F0502020204030204" pitchFamily="34" charset="0"/>
-                <a:cs typeface="Times New Roman" panose="02020603050405020304" pitchFamily="18" charset="0"/>
-              </a:rPr>
-              <a:t>i</a:t>
-            </a:r>
-            <a:r>
-              <a:rPr lang="en-US" sz="2273" baseline="30000" dirty="0">
-                <a:latin typeface="Times New Roman" panose="02020603050405020304" pitchFamily="18" charset="0"/>
-                <a:ea typeface="Calibri" panose="020F0502020204030204" pitchFamily="34" charset="0"/>
-                <a:cs typeface="Times New Roman" panose="02020603050405020304" pitchFamily="18" charset="0"/>
-              </a:rPr>
-              <a:t>- </a:t>
-            </a:r>
-            <a:r>
-              <a:rPr lang="en-US" sz="2274" dirty="0">
-                <a:latin typeface="Times New Roman" panose="02020603050405020304" pitchFamily="18" charset="0"/>
-                <a:cs typeface="Times New Roman" panose="02020603050405020304" pitchFamily="18" charset="0"/>
-              </a:rPr>
-              <a:t>= 10</a:t>
-            </a:r>
-          </a:p>
-          <a:p>
-            <a:r>
-              <a:rPr lang="el-GR" sz="2273" dirty="0">
-                <a:latin typeface="Times New Roman" panose="02020603050405020304" pitchFamily="18" charset="0"/>
-                <a:ea typeface="Calibri" panose="020F0502020204030204" pitchFamily="34" charset="0"/>
-                <a:cs typeface="Times New Roman" panose="02020603050405020304" pitchFamily="18" charset="0"/>
-              </a:rPr>
-              <a:t>ρ</a:t>
-            </a:r>
-            <a:r>
-              <a:rPr lang="en-US" sz="2273" baseline="-25000" dirty="0">
-                <a:latin typeface="Times New Roman" panose="02020603050405020304" pitchFamily="18" charset="0"/>
-                <a:ea typeface="Calibri" panose="020F0502020204030204" pitchFamily="34" charset="0"/>
-                <a:cs typeface="Times New Roman" panose="02020603050405020304" pitchFamily="18" charset="0"/>
-              </a:rPr>
-              <a:t>i </a:t>
-            </a:r>
-            <a:r>
-              <a:rPr lang="el-GR" sz="2400" dirty="0">
-                <a:solidFill>
-                  <a:srgbClr val="202124"/>
-                </a:solidFill>
-                <a:latin typeface="Times New Roman" panose="02020603050405020304" pitchFamily="18" charset="0"/>
-                <a:cs typeface="Times New Roman" panose="02020603050405020304" pitchFamily="18" charset="0"/>
-              </a:rPr>
-              <a:t> </a:t>
-            </a:r>
-            <a:r>
-              <a:rPr lang="en-US" sz="2274" dirty="0">
-                <a:latin typeface="Times New Roman" panose="02020603050405020304" pitchFamily="18" charset="0"/>
-                <a:cs typeface="Times New Roman" panose="02020603050405020304" pitchFamily="18" charset="0"/>
-              </a:rPr>
-              <a:t>= 0.76</a:t>
-            </a:r>
-          </a:p>
-        </p:txBody>
-      </p:sp>
-      <p:sp>
-        <p:nvSpPr>
-          <p:cNvPr id="107" name="TextBox 106">
+              <a:t>C</a:t>
+            </a:r>
+          </a:p>
+        </p:txBody>
+      </p:sp>
+      <p:sp>
+        <p:nvSpPr>
+          <p:cNvPr id="119" name="TextBox 118">
             <a:extLst>
               <a:ext uri="{FF2B5EF4-FFF2-40B4-BE49-F238E27FC236}">
-                <a16:creationId xmlns:a16="http://schemas.microsoft.com/office/drawing/2014/main" id="{33A10475-181A-421A-9DD8-7AF21DEDFA93}"/>
+                <a16:creationId xmlns:a16="http://schemas.microsoft.com/office/drawing/2014/main" id="{0106C412-45BB-401E-9E0F-489A7C390A25}"/>
               </a:ext>
             </a:extLst>
           </p:cNvPr>
@@ -5932,8 +6424,8 @@
         </p:nvSpPr>
         <p:spPr>
           <a:xfrm>
-            <a:off x="14707026" y="15345288"/>
-            <a:ext cx="1868613" cy="1207083"/>
+            <a:off x="172372" y="28019368"/>
+            <a:ext cx="706275" cy="714363"/>
           </a:xfrm>
           <a:prstGeom prst="rect">
             <a:avLst/>
@@ -5947,117 +6439,21 @@
           <a:lstStyle/>
           <a:p>
             <a:r>
-              <a:rPr lang="en-US" sz="2273" dirty="0">
-                <a:latin typeface="Times New Roman" panose="02020603050405020304" pitchFamily="18" charset="0"/>
-                <a:ea typeface="Calibri" panose="020F0502020204030204" pitchFamily="34" charset="0"/>
-                <a:cs typeface="Times New Roman" panose="02020603050405020304" pitchFamily="18" charset="0"/>
-              </a:rPr>
-              <a:t>k</a:t>
-            </a:r>
-            <a:r>
-              <a:rPr lang="en-US" sz="2273" baseline="-25000" dirty="0">
-                <a:latin typeface="Times New Roman" panose="02020603050405020304" pitchFamily="18" charset="0"/>
-                <a:ea typeface="Calibri" panose="020F0502020204030204" pitchFamily="34" charset="0"/>
-                <a:cs typeface="Times New Roman" panose="02020603050405020304" pitchFamily="18" charset="0"/>
-              </a:rPr>
-              <a:t>i</a:t>
-            </a:r>
-            <a:r>
-              <a:rPr lang="en-US" sz="2273" baseline="30000" dirty="0">
-                <a:latin typeface="Times New Roman" panose="02020603050405020304" pitchFamily="18" charset="0"/>
-                <a:ea typeface="Calibri" panose="020F0502020204030204" pitchFamily="34" charset="0"/>
-                <a:cs typeface="Times New Roman" panose="02020603050405020304" pitchFamily="18" charset="0"/>
-              </a:rPr>
-              <a:t>+ </a:t>
-            </a:r>
-            <a:r>
-              <a:rPr lang="en-US" sz="2273" dirty="0">
+              <a:rPr lang="en-US" sz="4042" b="1" dirty="0">
                 <a:latin typeface="Times New Roman" panose="02020603050405020304" pitchFamily="18" charset="0"/>
                 <a:cs typeface="Times New Roman" panose="02020603050405020304" pitchFamily="18" charset="0"/>
               </a:rPr>
-              <a:t>= 9</a:t>
-            </a:r>
-            <a:endParaRPr lang="en-US" sz="2274" dirty="0">
-              <a:latin typeface="Times New Roman" panose="02020603050405020304" pitchFamily="18" charset="0"/>
-              <a:cs typeface="Times New Roman" panose="02020603050405020304" pitchFamily="18" charset="0"/>
-            </a:endParaRPr>
-          </a:p>
-          <a:p>
-            <a:r>
-              <a:rPr lang="en-US" sz="2273" dirty="0">
-                <a:latin typeface="Times New Roman" panose="02020603050405020304" pitchFamily="18" charset="0"/>
-                <a:ea typeface="Calibri" panose="020F0502020204030204" pitchFamily="34" charset="0"/>
-                <a:cs typeface="Times New Roman" panose="02020603050405020304" pitchFamily="18" charset="0"/>
-              </a:rPr>
-              <a:t>k</a:t>
-            </a:r>
-            <a:r>
-              <a:rPr lang="en-US" sz="2273" baseline="-25000" dirty="0">
-                <a:latin typeface="Times New Roman" panose="02020603050405020304" pitchFamily="18" charset="0"/>
-                <a:ea typeface="Calibri" panose="020F0502020204030204" pitchFamily="34" charset="0"/>
-                <a:cs typeface="Times New Roman" panose="02020603050405020304" pitchFamily="18" charset="0"/>
-              </a:rPr>
-              <a:t>i</a:t>
-            </a:r>
-            <a:r>
-              <a:rPr lang="en-US" sz="2273" baseline="30000" dirty="0">
-                <a:latin typeface="Times New Roman" panose="02020603050405020304" pitchFamily="18" charset="0"/>
-                <a:ea typeface="Calibri" panose="020F0502020204030204" pitchFamily="34" charset="0"/>
-                <a:cs typeface="Times New Roman" panose="02020603050405020304" pitchFamily="18" charset="0"/>
-              </a:rPr>
-              <a:t>- </a:t>
-            </a:r>
-            <a:r>
-              <a:rPr lang="en-US" sz="2274" dirty="0">
-                <a:latin typeface="Times New Roman" panose="02020603050405020304" pitchFamily="18" charset="0"/>
-                <a:cs typeface="Times New Roman" panose="02020603050405020304" pitchFamily="18" charset="0"/>
-              </a:rPr>
-              <a:t>= 2</a:t>
-            </a:r>
-          </a:p>
-          <a:p>
-            <a:r>
-              <a:rPr lang="el-GR" sz="2273" dirty="0">
-                <a:latin typeface="Times New Roman" panose="02020603050405020304" pitchFamily="18" charset="0"/>
-                <a:ea typeface="Calibri" panose="020F0502020204030204" pitchFamily="34" charset="0"/>
-                <a:cs typeface="Times New Roman" panose="02020603050405020304" pitchFamily="18" charset="0"/>
-              </a:rPr>
-              <a:t>ρ</a:t>
-            </a:r>
-            <a:r>
-              <a:rPr lang="en-US" sz="2273" baseline="-25000" dirty="0">
-                <a:latin typeface="Times New Roman" panose="02020603050405020304" pitchFamily="18" charset="0"/>
-                <a:ea typeface="Calibri" panose="020F0502020204030204" pitchFamily="34" charset="0"/>
-                <a:cs typeface="Times New Roman" panose="02020603050405020304" pitchFamily="18" charset="0"/>
-              </a:rPr>
-              <a:t>i </a:t>
-            </a:r>
-            <a:r>
-              <a:rPr lang="el-GR" sz="2400" dirty="0">
-                <a:solidFill>
-                  <a:srgbClr val="202124"/>
-                </a:solidFill>
-                <a:latin typeface="Times New Roman" panose="02020603050405020304" pitchFamily="18" charset="0"/>
-                <a:cs typeface="Times New Roman" panose="02020603050405020304" pitchFamily="18" charset="0"/>
-              </a:rPr>
-              <a:t> </a:t>
-            </a:r>
-            <a:r>
-              <a:rPr lang="en-US" sz="2274" dirty="0">
-                <a:latin typeface="Times New Roman" panose="02020603050405020304" pitchFamily="18" charset="0"/>
-                <a:cs typeface="Times New Roman" panose="02020603050405020304" pitchFamily="18" charset="0"/>
-              </a:rPr>
-              <a:t>= 0.82</a:t>
-            </a:r>
-          </a:p>
-        </p:txBody>
-      </p:sp>
-      <p:sp>
-        <p:nvSpPr>
-          <p:cNvPr id="108" name="TextBox 107">
+              <a:t>D</a:t>
+            </a:r>
+          </a:p>
+        </p:txBody>
+      </p:sp>
+      <p:sp>
+        <p:nvSpPr>
+          <p:cNvPr id="120" name="TextBox 119">
             <a:extLst>
               <a:ext uri="{FF2B5EF4-FFF2-40B4-BE49-F238E27FC236}">
-                <a16:creationId xmlns:a16="http://schemas.microsoft.com/office/drawing/2014/main" id="{8D6A87E1-F55C-4AB0-A234-D2232FB503E5}"/>
+                <a16:creationId xmlns:a16="http://schemas.microsoft.com/office/drawing/2014/main" id="{749C0297-70CA-4EBE-B398-BC7EA7C6D76C}"/>
               </a:ext>
             </a:extLst>
           </p:cNvPr>
@@ -6066,8 +6462,8 @@
         </p:nvSpPr>
         <p:spPr>
           <a:xfrm>
-            <a:off x="18281924" y="15335372"/>
-            <a:ext cx="1868613" cy="1207083"/>
+            <a:off x="11000317" y="28019368"/>
+            <a:ext cx="706275" cy="714363"/>
           </a:xfrm>
           <a:prstGeom prst="rect">
             <a:avLst/>
@@ -6081,250 +6477,12 @@
           <a:lstStyle/>
           <a:p>
             <a:r>
-              <a:rPr lang="en-US" sz="2273" dirty="0">
-                <a:latin typeface="Times New Roman" panose="02020603050405020304" pitchFamily="18" charset="0"/>
-                <a:ea typeface="Calibri" panose="020F0502020204030204" pitchFamily="34" charset="0"/>
-                <a:cs typeface="Times New Roman" panose="02020603050405020304" pitchFamily="18" charset="0"/>
-              </a:rPr>
-              <a:t>k</a:t>
-            </a:r>
-            <a:r>
-              <a:rPr lang="en-US" sz="2273" baseline="-25000" dirty="0">
-                <a:latin typeface="Times New Roman" panose="02020603050405020304" pitchFamily="18" charset="0"/>
-                <a:ea typeface="Calibri" panose="020F0502020204030204" pitchFamily="34" charset="0"/>
-                <a:cs typeface="Times New Roman" panose="02020603050405020304" pitchFamily="18" charset="0"/>
-              </a:rPr>
-              <a:t>i</a:t>
-            </a:r>
-            <a:r>
-              <a:rPr lang="en-US" sz="2273" baseline="30000" dirty="0">
-                <a:latin typeface="Times New Roman" panose="02020603050405020304" pitchFamily="18" charset="0"/>
-                <a:ea typeface="Calibri" panose="020F0502020204030204" pitchFamily="34" charset="0"/>
-                <a:cs typeface="Times New Roman" panose="02020603050405020304" pitchFamily="18" charset="0"/>
-              </a:rPr>
-              <a:t>+ </a:t>
-            </a:r>
-            <a:r>
-              <a:rPr lang="en-US" sz="2273" dirty="0">
+              <a:rPr lang="en-US" sz="4042" b="1" dirty="0">
                 <a:latin typeface="Times New Roman" panose="02020603050405020304" pitchFamily="18" charset="0"/>
                 <a:cs typeface="Times New Roman" panose="02020603050405020304" pitchFamily="18" charset="0"/>
               </a:rPr>
-              <a:t>= 3</a:t>
-            </a:r>
-            <a:endParaRPr lang="en-US" sz="2274" dirty="0">
-              <a:latin typeface="Times New Roman" panose="02020603050405020304" pitchFamily="18" charset="0"/>
-              <a:cs typeface="Times New Roman" panose="02020603050405020304" pitchFamily="18" charset="0"/>
-            </a:endParaRPr>
-          </a:p>
-          <a:p>
-            <a:r>
-              <a:rPr lang="en-US" sz="2273" dirty="0">
-                <a:latin typeface="Times New Roman" panose="02020603050405020304" pitchFamily="18" charset="0"/>
-                <a:ea typeface="Calibri" panose="020F0502020204030204" pitchFamily="34" charset="0"/>
-                <a:cs typeface="Times New Roman" panose="02020603050405020304" pitchFamily="18" charset="0"/>
-              </a:rPr>
-              <a:t>k</a:t>
-            </a:r>
-            <a:r>
-              <a:rPr lang="en-US" sz="2273" baseline="-25000" dirty="0">
-                <a:latin typeface="Times New Roman" panose="02020603050405020304" pitchFamily="18" charset="0"/>
-                <a:ea typeface="Calibri" panose="020F0502020204030204" pitchFamily="34" charset="0"/>
-                <a:cs typeface="Times New Roman" panose="02020603050405020304" pitchFamily="18" charset="0"/>
-              </a:rPr>
-              <a:t>i</a:t>
-            </a:r>
-            <a:r>
-              <a:rPr lang="en-US" sz="2273" baseline="30000" dirty="0">
-                <a:latin typeface="Times New Roman" panose="02020603050405020304" pitchFamily="18" charset="0"/>
-                <a:ea typeface="Calibri" panose="020F0502020204030204" pitchFamily="34" charset="0"/>
-                <a:cs typeface="Times New Roman" panose="02020603050405020304" pitchFamily="18" charset="0"/>
-              </a:rPr>
-              <a:t>- </a:t>
-            </a:r>
-            <a:r>
-              <a:rPr lang="en-US" sz="2274" dirty="0">
-                <a:latin typeface="Times New Roman" panose="02020603050405020304" pitchFamily="18" charset="0"/>
-                <a:cs typeface="Times New Roman" panose="02020603050405020304" pitchFamily="18" charset="0"/>
-              </a:rPr>
-              <a:t>= 0</a:t>
-            </a:r>
-          </a:p>
-          <a:p>
-            <a:r>
-              <a:rPr lang="el-GR" sz="2273" dirty="0">
-                <a:latin typeface="Times New Roman" panose="02020603050405020304" pitchFamily="18" charset="0"/>
-                <a:ea typeface="Calibri" panose="020F0502020204030204" pitchFamily="34" charset="0"/>
-                <a:cs typeface="Times New Roman" panose="02020603050405020304" pitchFamily="18" charset="0"/>
-              </a:rPr>
-              <a:t>ρ</a:t>
-            </a:r>
-            <a:r>
-              <a:rPr lang="en-US" sz="2273" baseline="-25000" dirty="0">
-                <a:latin typeface="Times New Roman" panose="02020603050405020304" pitchFamily="18" charset="0"/>
-                <a:ea typeface="Calibri" panose="020F0502020204030204" pitchFamily="34" charset="0"/>
-                <a:cs typeface="Times New Roman" panose="02020603050405020304" pitchFamily="18" charset="0"/>
-              </a:rPr>
-              <a:t>i </a:t>
-            </a:r>
-            <a:r>
-              <a:rPr lang="el-GR" sz="2400" dirty="0">
-                <a:solidFill>
-                  <a:srgbClr val="202124"/>
-                </a:solidFill>
-                <a:latin typeface="Times New Roman" panose="02020603050405020304" pitchFamily="18" charset="0"/>
-                <a:cs typeface="Times New Roman" panose="02020603050405020304" pitchFamily="18" charset="0"/>
-              </a:rPr>
-              <a:t> </a:t>
-            </a:r>
-            <a:r>
-              <a:rPr lang="en-US" sz="2274" dirty="0">
-                <a:latin typeface="Times New Roman" panose="02020603050405020304" pitchFamily="18" charset="0"/>
-                <a:cs typeface="Times New Roman" panose="02020603050405020304" pitchFamily="18" charset="0"/>
-              </a:rPr>
-              <a:t>= 1.0</a:t>
-            </a:r>
-          </a:p>
-        </p:txBody>
-      </p:sp>
-      <p:pic>
-        <p:nvPicPr>
-          <p:cNvPr id="109" name="Picture 108">
-            <a:extLst>
-              <a:ext uri="{FF2B5EF4-FFF2-40B4-BE49-F238E27FC236}">
-                <a16:creationId xmlns:a16="http://schemas.microsoft.com/office/drawing/2014/main" id="{DEB60A45-21D7-4002-BE62-860F7899B523}"/>
-              </a:ext>
-            </a:extLst>
-          </p:cNvPr>
-          <p:cNvPicPr>
-            <a:picLocks noChangeAspect="1"/>
-          </p:cNvPicPr>
-          <p:nvPr/>
-        </p:nvPicPr>
-        <p:blipFill>
-          <a:blip r:embed="rId10"/>
-          <a:stretch>
-            <a:fillRect/>
-          </a:stretch>
-        </p:blipFill>
-        <p:spPr>
-          <a:xfrm>
-            <a:off x="17713608" y="12489173"/>
-            <a:ext cx="2168166" cy="2379391"/>
-          </a:xfrm>
-          <a:prstGeom prst="rect">
-            <a:avLst/>
-          </a:prstGeom>
-        </p:spPr>
-      </p:pic>
-      <p:pic>
-        <p:nvPicPr>
-          <p:cNvPr id="110" name="Picture 109">
-            <a:extLst>
-              <a:ext uri="{FF2B5EF4-FFF2-40B4-BE49-F238E27FC236}">
-                <a16:creationId xmlns:a16="http://schemas.microsoft.com/office/drawing/2014/main" id="{2C67A3A9-2D0F-407B-BD07-0EC226371629}"/>
-              </a:ext>
-            </a:extLst>
-          </p:cNvPr>
-          <p:cNvPicPr>
-            <a:picLocks noChangeAspect="1"/>
-          </p:cNvPicPr>
-          <p:nvPr/>
-        </p:nvPicPr>
-        <p:blipFill>
-          <a:blip r:embed="rId11"/>
-          <a:stretch>
-            <a:fillRect/>
-          </a:stretch>
-        </p:blipFill>
-        <p:spPr>
-          <a:xfrm>
-            <a:off x="14573659" y="11970204"/>
-            <a:ext cx="1566665" cy="3365168"/>
-          </a:xfrm>
-          <a:prstGeom prst="rect">
-            <a:avLst/>
-          </a:prstGeom>
-        </p:spPr>
-      </p:pic>
-      <p:pic>
-        <p:nvPicPr>
-          <p:cNvPr id="111" name="Picture 110">
-            <a:extLst>
-              <a:ext uri="{FF2B5EF4-FFF2-40B4-BE49-F238E27FC236}">
-                <a16:creationId xmlns:a16="http://schemas.microsoft.com/office/drawing/2014/main" id="{04CF9A25-C91A-479B-A09A-9B047B46F55C}"/>
-              </a:ext>
-            </a:extLst>
-          </p:cNvPr>
-          <p:cNvPicPr>
-            <a:picLocks noChangeAspect="1"/>
-          </p:cNvPicPr>
-          <p:nvPr/>
-        </p:nvPicPr>
-        <p:blipFill>
-          <a:blip r:embed="rId12"/>
-          <a:stretch>
-            <a:fillRect/>
-          </a:stretch>
-        </p:blipFill>
-        <p:spPr>
-          <a:xfrm>
-            <a:off x="11075128" y="12295498"/>
-            <a:ext cx="1692367" cy="3039874"/>
-          </a:xfrm>
-          <a:prstGeom prst="rect">
-            <a:avLst/>
-          </a:prstGeom>
-        </p:spPr>
-      </p:pic>
-      <p:sp>
-        <p:nvSpPr>
-          <p:cNvPr id="112" name="Rectangle: Rounded Corners 111">
-            <a:extLst>
-              <a:ext uri="{FF2B5EF4-FFF2-40B4-BE49-F238E27FC236}">
-                <a16:creationId xmlns:a16="http://schemas.microsoft.com/office/drawing/2014/main" id="{BEF6B4AD-D0B9-4A81-9BEF-7F402BFD358D}"/>
-              </a:ext>
-            </a:extLst>
-          </p:cNvPr>
-          <p:cNvSpPr/>
-          <p:nvPr/>
-        </p:nvSpPr>
-        <p:spPr>
-          <a:xfrm>
-            <a:off x="17170817" y="11437692"/>
-            <a:ext cx="3237594" cy="5421180"/>
-          </a:xfrm>
-          <a:prstGeom prst="roundRect">
-            <a:avLst/>
-          </a:prstGeom>
-          <a:noFill/>
-          <a:ln w="38100">
-            <a:solidFill>
-              <a:srgbClr val="F9D1D1"/>
-            </a:solidFill>
-          </a:ln>
-        </p:spPr>
-        <p:style>
-          <a:lnRef idx="2">
-            <a:schemeClr val="accent1">
-              <a:shade val="50000"/>
-            </a:schemeClr>
-          </a:lnRef>
-          <a:fillRef idx="1">
-            <a:schemeClr val="accent1"/>
-          </a:fillRef>
-          <a:effectRef idx="0">
-            <a:schemeClr val="accent1"/>
-          </a:effectRef>
-          <a:fontRef idx="minor">
-            <a:schemeClr val="lt1"/>
-          </a:fontRef>
-        </p:style>
-        <p:txBody>
-          <a:bodyPr rtlCol="0" anchor="ctr"/>
-          <a:lstStyle/>
-          <a:p>
-            <a:pPr algn="ctr"/>
-            <a:endParaRPr lang="en-US" sz="1350"/>
+              <a:t>E</a:t>
+            </a:r>
           </a:p>
         </p:txBody>
       </p:sp>
